--- a/Documentation/Asset Pipeline.pptx
+++ b/Documentation/Asset Pipeline.pptx
@@ -273,7 +273,7 @@
           <a:p>
             <a:fld id="{783DC7D5-4D76-4679-A391-31CBAFA90932}" type="datetimeFigureOut">
               <a:rPr lang="en-US" smtClean="0"/>
-              <a:t>3/31/2024</a:t>
+              <a:t>4/21/2024</a:t>
             </a:fld>
             <a:endParaRPr lang="en-US"/>
           </a:p>
@@ -471,7 +471,7 @@
           <a:p>
             <a:fld id="{783DC7D5-4D76-4679-A391-31CBAFA90932}" type="datetimeFigureOut">
               <a:rPr lang="en-US" smtClean="0"/>
-              <a:t>3/31/2024</a:t>
+              <a:t>4/21/2024</a:t>
             </a:fld>
             <a:endParaRPr lang="en-US"/>
           </a:p>
@@ -679,7 +679,7 @@
           <a:p>
             <a:fld id="{783DC7D5-4D76-4679-A391-31CBAFA90932}" type="datetimeFigureOut">
               <a:rPr lang="en-US" smtClean="0"/>
-              <a:t>3/31/2024</a:t>
+              <a:t>4/21/2024</a:t>
             </a:fld>
             <a:endParaRPr lang="en-US"/>
           </a:p>
@@ -877,7 +877,7 @@
           <a:p>
             <a:fld id="{783DC7D5-4D76-4679-A391-31CBAFA90932}" type="datetimeFigureOut">
               <a:rPr lang="en-US" smtClean="0"/>
-              <a:t>3/31/2024</a:t>
+              <a:t>4/21/2024</a:t>
             </a:fld>
             <a:endParaRPr lang="en-US"/>
           </a:p>
@@ -1152,7 +1152,7 @@
           <a:p>
             <a:fld id="{783DC7D5-4D76-4679-A391-31CBAFA90932}" type="datetimeFigureOut">
               <a:rPr lang="en-US" smtClean="0"/>
-              <a:t>3/31/2024</a:t>
+              <a:t>4/21/2024</a:t>
             </a:fld>
             <a:endParaRPr lang="en-US"/>
           </a:p>
@@ -1417,7 +1417,7 @@
           <a:p>
             <a:fld id="{783DC7D5-4D76-4679-A391-31CBAFA90932}" type="datetimeFigureOut">
               <a:rPr lang="en-US" smtClean="0"/>
-              <a:t>3/31/2024</a:t>
+              <a:t>4/21/2024</a:t>
             </a:fld>
             <a:endParaRPr lang="en-US"/>
           </a:p>
@@ -1829,7 +1829,7 @@
           <a:p>
             <a:fld id="{783DC7D5-4D76-4679-A391-31CBAFA90932}" type="datetimeFigureOut">
               <a:rPr lang="en-US" smtClean="0"/>
-              <a:t>3/31/2024</a:t>
+              <a:t>4/21/2024</a:t>
             </a:fld>
             <a:endParaRPr lang="en-US"/>
           </a:p>
@@ -1970,7 +1970,7 @@
           <a:p>
             <a:fld id="{783DC7D5-4D76-4679-A391-31CBAFA90932}" type="datetimeFigureOut">
               <a:rPr lang="en-US" smtClean="0"/>
-              <a:t>3/31/2024</a:t>
+              <a:t>4/21/2024</a:t>
             </a:fld>
             <a:endParaRPr lang="en-US"/>
           </a:p>
@@ -2083,7 +2083,7 @@
           <a:p>
             <a:fld id="{783DC7D5-4D76-4679-A391-31CBAFA90932}" type="datetimeFigureOut">
               <a:rPr lang="en-US" smtClean="0"/>
-              <a:t>3/31/2024</a:t>
+              <a:t>4/21/2024</a:t>
             </a:fld>
             <a:endParaRPr lang="en-US"/>
           </a:p>
@@ -2394,7 +2394,7 @@
           <a:p>
             <a:fld id="{783DC7D5-4D76-4679-A391-31CBAFA90932}" type="datetimeFigureOut">
               <a:rPr lang="en-US" smtClean="0"/>
-              <a:t>3/31/2024</a:t>
+              <a:t>4/21/2024</a:t>
             </a:fld>
             <a:endParaRPr lang="en-US"/>
           </a:p>
@@ -2682,7 +2682,7 @@
           <a:p>
             <a:fld id="{783DC7D5-4D76-4679-A391-31CBAFA90932}" type="datetimeFigureOut">
               <a:rPr lang="en-US" smtClean="0"/>
-              <a:t>3/31/2024</a:t>
+              <a:t>4/21/2024</a:t>
             </a:fld>
             <a:endParaRPr lang="en-US"/>
           </a:p>
@@ -2923,7 +2923,7 @@
           <a:p>
             <a:fld id="{783DC7D5-4D76-4679-A391-31CBAFA90932}" type="datetimeFigureOut">
               <a:rPr lang="en-US" smtClean="0"/>
-              <a:t>3/31/2024</a:t>
+              <a:t>4/21/2024</a:t>
             </a:fld>
             <a:endParaRPr lang="en-US"/>
           </a:p>
@@ -3567,7 +3567,15 @@
           <a:p>
             <a:r>
               <a:rPr lang="en-US" sz="1600" dirty="0"/>
-              <a:t>Assets authored in external programs cannot be used directly either by the editor or by the game:</a:t>
+              <a:t>Assets authored in external programs sometimes</a:t>
+            </a:r>
+            <a:r>
+              <a:rPr lang="pl-PL" sz="1600" dirty="0"/>
+              <a:t> </a:t>
+            </a:r>
+            <a:r>
+              <a:rPr lang="en-US" sz="1600" dirty="0"/>
+              <a:t>cannot be used directly either by the editor or by the game:</a:t>
             </a:r>
           </a:p>
           <a:p>
@@ -3579,7 +3587,7 @@
           <a:p>
             <a:r>
               <a:rPr lang="en-US" sz="1600" dirty="0"/>
-              <a:t>- Multiple formats</a:t>
+              <a:t>- Many existing formats</a:t>
             </a:r>
           </a:p>
           <a:p>
@@ -3841,10 +3849,10 @@
       </p:sp>
       <p:sp>
         <p:nvSpPr>
-          <p:cNvPr id="22" name="Rectangle: Rounded Corners 21">
-            <a:extLst>
-              <a:ext uri="{FF2B5EF4-FFF2-40B4-BE49-F238E27FC236}">
-                <a16:creationId xmlns:a16="http://schemas.microsoft.com/office/drawing/2014/main" id="{58D49D8A-9C50-E6F3-2EB8-E33388A5D558}"/>
+          <p:cNvPr id="14" name="Rectangle: Rounded Corners 13">
+            <a:extLst>
+              <a:ext uri="{FF2B5EF4-FFF2-40B4-BE49-F238E27FC236}">
+                <a16:creationId xmlns:a16="http://schemas.microsoft.com/office/drawing/2014/main" id="{A8B24E9D-2FFE-8970-4A92-BC67E23FD65D}"/>
               </a:ext>
             </a:extLst>
           </p:cNvPr>
@@ -3853,7 +3861,7 @@
         </p:nvSpPr>
         <p:spPr>
           <a:xfrm>
-            <a:off x="8031367" y="2371999"/>
+            <a:off x="8006688" y="3092823"/>
             <a:ext cx="1256082" cy="350943"/>
           </a:xfrm>
           <a:prstGeom prst="roundRect">
@@ -3892,10 +3900,10 @@
       </p:sp>
       <p:sp>
         <p:nvSpPr>
-          <p:cNvPr id="12" name="Rectangle: Rounded Corners 11">
-            <a:extLst>
-              <a:ext uri="{FF2B5EF4-FFF2-40B4-BE49-F238E27FC236}">
-                <a16:creationId xmlns:a16="http://schemas.microsoft.com/office/drawing/2014/main" id="{5BFBFEF2-E063-6223-9BA9-05D6B21CF483}"/>
+          <p:cNvPr id="19" name="Rectangle: Rounded Corners 18">
+            <a:extLst>
+              <a:ext uri="{FF2B5EF4-FFF2-40B4-BE49-F238E27FC236}">
+                <a16:creationId xmlns:a16="http://schemas.microsoft.com/office/drawing/2014/main" id="{C4A9DF4A-74EC-E9B3-1A93-12C76F4588EE}"/>
               </a:ext>
             </a:extLst>
           </p:cNvPr>
@@ -3904,7 +3912,7 @@
         </p:nvSpPr>
         <p:spPr>
           <a:xfrm>
-            <a:off x="6275759" y="2373258"/>
+            <a:off x="8006688" y="3720983"/>
             <a:ext cx="1256082" cy="350943"/>
           </a:xfrm>
           <a:prstGeom prst="roundRect">
@@ -3936,17 +3944,17 @@
                   <a:schemeClr val="tx1"/>
                 </a:solidFill>
               </a:rPr>
-              <a:t>Asset Source</a:t>
-            </a:r>
-          </a:p>
-        </p:txBody>
-      </p:sp>
-      <p:sp>
-        <p:nvSpPr>
-          <p:cNvPr id="14" name="Rectangle: Rounded Corners 13">
-            <a:extLst>
-              <a:ext uri="{FF2B5EF4-FFF2-40B4-BE49-F238E27FC236}">
-                <a16:creationId xmlns:a16="http://schemas.microsoft.com/office/drawing/2014/main" id="{A8B24E9D-2FFE-8970-4A92-BC67E23FD65D}"/>
+              <a:t>Asset Proxy</a:t>
+            </a:r>
+          </a:p>
+        </p:txBody>
+      </p:sp>
+      <p:sp>
+        <p:nvSpPr>
+          <p:cNvPr id="21" name="Rectangle: Rounded Corners 20">
+            <a:extLst>
+              <a:ext uri="{FF2B5EF4-FFF2-40B4-BE49-F238E27FC236}">
+                <a16:creationId xmlns:a16="http://schemas.microsoft.com/office/drawing/2014/main" id="{B3BEE67D-16C1-8266-9492-13ACC6A3A4BC}"/>
               </a:ext>
             </a:extLst>
           </p:cNvPr>
@@ -3955,7 +3963,7 @@
         </p:nvSpPr>
         <p:spPr>
           <a:xfrm>
-            <a:off x="8031367" y="3622180"/>
+            <a:off x="6251080" y="4710688"/>
             <a:ext cx="1256082" cy="350943"/>
           </a:xfrm>
           <a:prstGeom prst="roundRect">
@@ -3987,17 +3995,17 @@
                   <a:schemeClr val="tx1"/>
                 </a:solidFill>
               </a:rPr>
-              <a:t>Asset Proxy</a:t>
-            </a:r>
-          </a:p>
-        </p:txBody>
-      </p:sp>
-      <p:sp>
-        <p:nvSpPr>
-          <p:cNvPr id="19" name="Rectangle: Rounded Corners 18">
-            <a:extLst>
-              <a:ext uri="{FF2B5EF4-FFF2-40B4-BE49-F238E27FC236}">
-                <a16:creationId xmlns:a16="http://schemas.microsoft.com/office/drawing/2014/main" id="{C4A9DF4A-74EC-E9B3-1A93-12C76F4588EE}"/>
+              <a:t>Asset Source</a:t>
+            </a:r>
+          </a:p>
+        </p:txBody>
+      </p:sp>
+      <p:sp>
+        <p:nvSpPr>
+          <p:cNvPr id="23" name="Rectangle: Rounded Corners 22">
+            <a:extLst>
+              <a:ext uri="{FF2B5EF4-FFF2-40B4-BE49-F238E27FC236}">
+                <a16:creationId xmlns:a16="http://schemas.microsoft.com/office/drawing/2014/main" id="{0AA9B7D8-3394-6E5D-51DF-A8F8E02666CB}"/>
               </a:ext>
             </a:extLst>
           </p:cNvPr>
@@ -4006,7 +4014,7 @@
         </p:nvSpPr>
         <p:spPr>
           <a:xfrm>
-            <a:off x="8031367" y="4250340"/>
+            <a:off x="8006688" y="4387471"/>
             <a:ext cx="1256082" cy="350943"/>
           </a:xfrm>
           <a:prstGeom prst="roundRect">
@@ -4045,10 +4053,10 @@
       </p:sp>
       <p:sp>
         <p:nvSpPr>
-          <p:cNvPr id="21" name="Rectangle: Rounded Corners 20">
-            <a:extLst>
-              <a:ext uri="{FF2B5EF4-FFF2-40B4-BE49-F238E27FC236}">
-                <a16:creationId xmlns:a16="http://schemas.microsoft.com/office/drawing/2014/main" id="{B3BEE67D-16C1-8266-9492-13ACC6A3A4BC}"/>
+          <p:cNvPr id="26" name="Rectangle: Rounded Corners 25">
+            <a:extLst>
+              <a:ext uri="{FF2B5EF4-FFF2-40B4-BE49-F238E27FC236}">
+                <a16:creationId xmlns:a16="http://schemas.microsoft.com/office/drawing/2014/main" id="{88D70D07-FE3B-EC1C-709D-AC86198386C7}"/>
               </a:ext>
             </a:extLst>
           </p:cNvPr>
@@ -4057,7 +4065,7 @@
         </p:nvSpPr>
         <p:spPr>
           <a:xfrm>
-            <a:off x="6275759" y="5240045"/>
+            <a:off x="8006688" y="5022861"/>
             <a:ext cx="1256082" cy="350943"/>
           </a:xfrm>
           <a:prstGeom prst="roundRect">
@@ -4089,17 +4097,17 @@
                   <a:schemeClr val="tx1"/>
                 </a:solidFill>
               </a:rPr>
-              <a:t>Asset Source</a:t>
-            </a:r>
-          </a:p>
-        </p:txBody>
-      </p:sp>
-      <p:sp>
-        <p:nvSpPr>
-          <p:cNvPr id="23" name="Rectangle: Rounded Corners 22">
-            <a:extLst>
-              <a:ext uri="{FF2B5EF4-FFF2-40B4-BE49-F238E27FC236}">
-                <a16:creationId xmlns:a16="http://schemas.microsoft.com/office/drawing/2014/main" id="{0AA9B7D8-3394-6E5D-51DF-A8F8E02666CB}"/>
+              <a:t>Asset Proxy</a:t>
+            </a:r>
+          </a:p>
+        </p:txBody>
+      </p:sp>
+      <p:sp>
+        <p:nvSpPr>
+          <p:cNvPr id="30" name="Rectangle: Rounded Corners 29">
+            <a:extLst>
+              <a:ext uri="{FF2B5EF4-FFF2-40B4-BE49-F238E27FC236}">
+                <a16:creationId xmlns:a16="http://schemas.microsoft.com/office/drawing/2014/main" id="{E45F4621-3998-D58E-5535-ADD2BFAF0E5A}"/>
               </a:ext>
             </a:extLst>
           </p:cNvPr>
@@ -4108,7 +4116,315 @@
         </p:nvSpPr>
         <p:spPr>
           <a:xfrm>
-            <a:off x="8031367" y="4916828"/>
+            <a:off x="10214948" y="2451731"/>
+            <a:ext cx="1256082" cy="342651"/>
+          </a:xfrm>
+          <a:prstGeom prst="roundRect">
+            <a:avLst/>
+          </a:prstGeom>
+          <a:solidFill>
+            <a:schemeClr val="accent4">
+              <a:alpha val="50000"/>
+            </a:schemeClr>
+          </a:solidFill>
+          <a:ln>
+            <a:noFill/>
+          </a:ln>
+        </p:spPr>
+        <p:style>
+          <a:lnRef idx="0">
+            <a:scrgbClr r="0" g="0" b="0"/>
+          </a:lnRef>
+          <a:fillRef idx="0">
+            <a:scrgbClr r="0" g="0" b="0"/>
+          </a:fillRef>
+          <a:effectRef idx="0">
+            <a:scrgbClr r="0" g="0" b="0"/>
+          </a:effectRef>
+          <a:fontRef idx="minor">
+            <a:schemeClr val="lt1"/>
+          </a:fontRef>
+        </p:style>
+        <p:txBody>
+          <a:bodyPr rtlCol="0" anchor="ctr"/>
+          <a:lstStyle/>
+          <a:p>
+            <a:pPr algn="ctr"/>
+            <a:r>
+              <a:rPr lang="en-US" sz="1400" dirty="0">
+                <a:solidFill>
+                  <a:schemeClr val="tx1"/>
+                </a:solidFill>
+              </a:rPr>
+              <a:t>Asse</a:t>
+            </a:r>
+            <a:r>
+              <a:rPr lang="pl-PL" sz="1400" dirty="0">
+                <a:solidFill>
+                  <a:schemeClr val="tx1"/>
+                </a:solidFill>
+              </a:rPr>
+              <a:t>t</a:t>
+            </a:r>
+            <a:endParaRPr lang="en-US" sz="1400" dirty="0">
+              <a:solidFill>
+                <a:schemeClr val="tx1"/>
+              </a:solidFill>
+            </a:endParaRPr>
+          </a:p>
+        </p:txBody>
+      </p:sp>
+      <p:sp>
+        <p:nvSpPr>
+          <p:cNvPr id="31" name="Rectangle: Rounded Corners 30">
+            <a:extLst>
+              <a:ext uri="{FF2B5EF4-FFF2-40B4-BE49-F238E27FC236}">
+                <a16:creationId xmlns:a16="http://schemas.microsoft.com/office/drawing/2014/main" id="{FE6023C5-65C7-4233-6EF7-3136820A32BC}"/>
+              </a:ext>
+            </a:extLst>
+          </p:cNvPr>
+          <p:cNvSpPr/>
+          <p:nvPr/>
+        </p:nvSpPr>
+        <p:spPr>
+          <a:xfrm>
+            <a:off x="10190269" y="3103364"/>
+            <a:ext cx="1256082" cy="342651"/>
+          </a:xfrm>
+          <a:prstGeom prst="roundRect">
+            <a:avLst/>
+          </a:prstGeom>
+          <a:solidFill>
+            <a:schemeClr val="accent4">
+              <a:alpha val="50000"/>
+            </a:schemeClr>
+          </a:solidFill>
+          <a:ln>
+            <a:noFill/>
+          </a:ln>
+        </p:spPr>
+        <p:style>
+          <a:lnRef idx="0">
+            <a:scrgbClr r="0" g="0" b="0"/>
+          </a:lnRef>
+          <a:fillRef idx="0">
+            <a:scrgbClr r="0" g="0" b="0"/>
+          </a:fillRef>
+          <a:effectRef idx="0">
+            <a:scrgbClr r="0" g="0" b="0"/>
+          </a:effectRef>
+          <a:fontRef idx="minor">
+            <a:schemeClr val="lt1"/>
+          </a:fontRef>
+        </p:style>
+        <p:txBody>
+          <a:bodyPr rtlCol="0" anchor="ctr"/>
+          <a:lstStyle/>
+          <a:p>
+            <a:pPr algn="ctr"/>
+            <a:r>
+              <a:rPr lang="en-US" sz="1400" dirty="0">
+                <a:solidFill>
+                  <a:schemeClr val="tx1"/>
+                </a:solidFill>
+              </a:rPr>
+              <a:t>Asset</a:t>
+            </a:r>
+          </a:p>
+        </p:txBody>
+      </p:sp>
+      <p:sp>
+        <p:nvSpPr>
+          <p:cNvPr id="97" name="Rectangle: Rounded Corners 96">
+            <a:extLst>
+              <a:ext uri="{FF2B5EF4-FFF2-40B4-BE49-F238E27FC236}">
+                <a16:creationId xmlns:a16="http://schemas.microsoft.com/office/drawing/2014/main" id="{B82C1784-C72C-0F57-3753-A90D4E3A794D}"/>
+              </a:ext>
+            </a:extLst>
+          </p:cNvPr>
+          <p:cNvSpPr/>
+          <p:nvPr/>
+        </p:nvSpPr>
+        <p:spPr>
+          <a:xfrm>
+            <a:off x="10183643" y="3725129"/>
+            <a:ext cx="1256082" cy="342651"/>
+          </a:xfrm>
+          <a:prstGeom prst="roundRect">
+            <a:avLst/>
+          </a:prstGeom>
+          <a:solidFill>
+            <a:schemeClr val="accent4">
+              <a:alpha val="50000"/>
+            </a:schemeClr>
+          </a:solidFill>
+          <a:ln>
+            <a:noFill/>
+          </a:ln>
+        </p:spPr>
+        <p:style>
+          <a:lnRef idx="0">
+            <a:scrgbClr r="0" g="0" b="0"/>
+          </a:lnRef>
+          <a:fillRef idx="0">
+            <a:scrgbClr r="0" g="0" b="0"/>
+          </a:fillRef>
+          <a:effectRef idx="0">
+            <a:scrgbClr r="0" g="0" b="0"/>
+          </a:effectRef>
+          <a:fontRef idx="minor">
+            <a:schemeClr val="lt1"/>
+          </a:fontRef>
+        </p:style>
+        <p:txBody>
+          <a:bodyPr rtlCol="0" anchor="ctr"/>
+          <a:lstStyle/>
+          <a:p>
+            <a:pPr algn="ctr"/>
+            <a:r>
+              <a:rPr lang="en-US" sz="1400" dirty="0">
+                <a:solidFill>
+                  <a:schemeClr val="tx1"/>
+                </a:solidFill>
+              </a:rPr>
+              <a:t>Asset</a:t>
+            </a:r>
+          </a:p>
+        </p:txBody>
+      </p:sp>
+      <p:sp>
+        <p:nvSpPr>
+          <p:cNvPr id="98" name="Rectangle: Rounded Corners 97">
+            <a:extLst>
+              <a:ext uri="{FF2B5EF4-FFF2-40B4-BE49-F238E27FC236}">
+                <a16:creationId xmlns:a16="http://schemas.microsoft.com/office/drawing/2014/main" id="{27EB69E3-5E74-E6D2-B4E8-BC7E0C6D8E2E}"/>
+              </a:ext>
+            </a:extLst>
+          </p:cNvPr>
+          <p:cNvSpPr/>
+          <p:nvPr/>
+        </p:nvSpPr>
+        <p:spPr>
+          <a:xfrm>
+            <a:off x="10183643" y="4382519"/>
+            <a:ext cx="1256082" cy="342651"/>
+          </a:xfrm>
+          <a:prstGeom prst="roundRect">
+            <a:avLst/>
+          </a:prstGeom>
+          <a:solidFill>
+            <a:schemeClr val="accent4">
+              <a:alpha val="50000"/>
+            </a:schemeClr>
+          </a:solidFill>
+          <a:ln>
+            <a:noFill/>
+          </a:ln>
+        </p:spPr>
+        <p:style>
+          <a:lnRef idx="0">
+            <a:scrgbClr r="0" g="0" b="0"/>
+          </a:lnRef>
+          <a:fillRef idx="0">
+            <a:scrgbClr r="0" g="0" b="0"/>
+          </a:fillRef>
+          <a:effectRef idx="0">
+            <a:scrgbClr r="0" g="0" b="0"/>
+          </a:effectRef>
+          <a:fontRef idx="minor">
+            <a:schemeClr val="lt1"/>
+          </a:fontRef>
+        </p:style>
+        <p:txBody>
+          <a:bodyPr rtlCol="0" anchor="ctr"/>
+          <a:lstStyle/>
+          <a:p>
+            <a:pPr algn="ctr"/>
+            <a:r>
+              <a:rPr lang="en-US" sz="1400" dirty="0">
+                <a:solidFill>
+                  <a:schemeClr val="tx1"/>
+                </a:solidFill>
+              </a:rPr>
+              <a:t>Asset</a:t>
+            </a:r>
+          </a:p>
+        </p:txBody>
+      </p:sp>
+      <p:sp>
+        <p:nvSpPr>
+          <p:cNvPr id="99" name="Rectangle: Rounded Corners 98">
+            <a:extLst>
+              <a:ext uri="{FF2B5EF4-FFF2-40B4-BE49-F238E27FC236}">
+                <a16:creationId xmlns:a16="http://schemas.microsoft.com/office/drawing/2014/main" id="{0BB7ACEF-E45A-5F29-14F2-EF850A80384F}"/>
+              </a:ext>
+            </a:extLst>
+          </p:cNvPr>
+          <p:cNvSpPr/>
+          <p:nvPr/>
+        </p:nvSpPr>
+        <p:spPr>
+          <a:xfrm>
+            <a:off x="10183643" y="5022861"/>
+            <a:ext cx="1256082" cy="342651"/>
+          </a:xfrm>
+          <a:prstGeom prst="roundRect">
+            <a:avLst/>
+          </a:prstGeom>
+          <a:solidFill>
+            <a:schemeClr val="accent4">
+              <a:alpha val="50000"/>
+            </a:schemeClr>
+          </a:solidFill>
+          <a:ln>
+            <a:noFill/>
+          </a:ln>
+        </p:spPr>
+        <p:style>
+          <a:lnRef idx="0">
+            <a:scrgbClr r="0" g="0" b="0"/>
+          </a:lnRef>
+          <a:fillRef idx="0">
+            <a:scrgbClr r="0" g="0" b="0"/>
+          </a:fillRef>
+          <a:effectRef idx="0">
+            <a:scrgbClr r="0" g="0" b="0"/>
+          </a:effectRef>
+          <a:fontRef idx="minor">
+            <a:schemeClr val="lt1"/>
+          </a:fontRef>
+        </p:style>
+        <p:txBody>
+          <a:bodyPr rtlCol="0" anchor="ctr"/>
+          <a:lstStyle/>
+          <a:p>
+            <a:pPr algn="ctr"/>
+            <a:r>
+              <a:rPr lang="en-US" sz="1400" dirty="0">
+                <a:solidFill>
+                  <a:schemeClr val="tx1"/>
+                </a:solidFill>
+              </a:rPr>
+              <a:t>Asset</a:t>
+            </a:r>
+          </a:p>
+        </p:txBody>
+      </p:sp>
+      <p:sp>
+        <p:nvSpPr>
+          <p:cNvPr id="101" name="Rectangle: Rounded Corners 100">
+            <a:extLst>
+              <a:ext uri="{FF2B5EF4-FFF2-40B4-BE49-F238E27FC236}">
+                <a16:creationId xmlns:a16="http://schemas.microsoft.com/office/drawing/2014/main" id="{4EF168EE-4A7C-FB80-66F8-3E11653B5DE6}"/>
+              </a:ext>
+            </a:extLst>
+          </p:cNvPr>
+          <p:cNvSpPr/>
+          <p:nvPr/>
+        </p:nvSpPr>
+        <p:spPr>
+          <a:xfrm>
+            <a:off x="8031367" y="1786240"/>
             <a:ext cx="1256082" cy="350943"/>
           </a:xfrm>
           <a:prstGeom prst="roundRect">
@@ -4147,10 +4463,10 @@
       </p:sp>
       <p:sp>
         <p:nvSpPr>
-          <p:cNvPr id="26" name="Rectangle: Rounded Corners 25">
-            <a:extLst>
-              <a:ext uri="{FF2B5EF4-FFF2-40B4-BE49-F238E27FC236}">
-                <a16:creationId xmlns:a16="http://schemas.microsoft.com/office/drawing/2014/main" id="{88D70D07-FE3B-EC1C-709D-AC86198386C7}"/>
+          <p:cNvPr id="102" name="Rectangle: Rounded Corners 101">
+            <a:extLst>
+              <a:ext uri="{FF2B5EF4-FFF2-40B4-BE49-F238E27FC236}">
+                <a16:creationId xmlns:a16="http://schemas.microsoft.com/office/drawing/2014/main" id="{A1F4AB2A-0E67-6F5D-0554-54679C1B8314}"/>
               </a:ext>
             </a:extLst>
           </p:cNvPr>
@@ -4159,489 +4475,7 @@
         </p:nvSpPr>
         <p:spPr>
           <a:xfrm>
-            <a:off x="8031367" y="5552218"/>
-            <a:ext cx="1256082" cy="350943"/>
-          </a:xfrm>
-          <a:prstGeom prst="roundRect">
-            <a:avLst/>
-          </a:prstGeom>
-        </p:spPr>
-        <p:style>
-          <a:lnRef idx="0">
-            <a:schemeClr val="accent4"/>
-          </a:lnRef>
-          <a:fillRef idx="3">
-            <a:schemeClr val="accent4"/>
-          </a:fillRef>
-          <a:effectRef idx="3">
-            <a:schemeClr val="accent4"/>
-          </a:effectRef>
-          <a:fontRef idx="minor">
-            <a:schemeClr val="lt1"/>
-          </a:fontRef>
-        </p:style>
-        <p:txBody>
-          <a:bodyPr rtlCol="0" anchor="ctr"/>
-          <a:lstStyle/>
-          <a:p>
-            <a:pPr algn="ctr"/>
-            <a:r>
-              <a:rPr lang="en-US" sz="1400" dirty="0">
-                <a:solidFill>
-                  <a:schemeClr val="tx1"/>
-                </a:solidFill>
-              </a:rPr>
-              <a:t>Asset Proxy</a:t>
-            </a:r>
-          </a:p>
-        </p:txBody>
-      </p:sp>
-      <p:sp>
-        <p:nvSpPr>
-          <p:cNvPr id="30" name="Rectangle: Rounded Corners 29">
-            <a:extLst>
-              <a:ext uri="{FF2B5EF4-FFF2-40B4-BE49-F238E27FC236}">
-                <a16:creationId xmlns:a16="http://schemas.microsoft.com/office/drawing/2014/main" id="{E45F4621-3998-D58E-5535-ADD2BFAF0E5A}"/>
-              </a:ext>
-            </a:extLst>
-          </p:cNvPr>
-          <p:cNvSpPr/>
-          <p:nvPr/>
-        </p:nvSpPr>
-        <p:spPr>
-          <a:xfrm>
-            <a:off x="10239627" y="2981088"/>
-            <a:ext cx="1256082" cy="342651"/>
-          </a:xfrm>
-          <a:prstGeom prst="roundRect">
-            <a:avLst/>
-          </a:prstGeom>
-          <a:solidFill>
-            <a:schemeClr val="accent4">
-              <a:alpha val="50000"/>
-            </a:schemeClr>
-          </a:solidFill>
-          <a:ln>
-            <a:noFill/>
-          </a:ln>
-        </p:spPr>
-        <p:style>
-          <a:lnRef idx="0">
-            <a:scrgbClr r="0" g="0" b="0"/>
-          </a:lnRef>
-          <a:fillRef idx="0">
-            <a:scrgbClr r="0" g="0" b="0"/>
-          </a:fillRef>
-          <a:effectRef idx="0">
-            <a:scrgbClr r="0" g="0" b="0"/>
-          </a:effectRef>
-          <a:fontRef idx="minor">
-            <a:schemeClr val="lt1"/>
-          </a:fontRef>
-        </p:style>
-        <p:txBody>
-          <a:bodyPr rtlCol="0" anchor="ctr"/>
-          <a:lstStyle/>
-          <a:p>
-            <a:pPr algn="ctr"/>
-            <a:r>
-              <a:rPr lang="en-US" sz="1400" dirty="0">
-                <a:solidFill>
-                  <a:schemeClr val="tx1"/>
-                </a:solidFill>
-              </a:rPr>
-              <a:t>Asse</a:t>
-            </a:r>
-            <a:r>
-              <a:rPr lang="pl-PL" sz="1400" dirty="0">
-                <a:solidFill>
-                  <a:schemeClr val="tx1"/>
-                </a:solidFill>
-              </a:rPr>
-              <a:t>t</a:t>
-            </a:r>
-            <a:endParaRPr lang="en-US" sz="1400" dirty="0">
-              <a:solidFill>
-                <a:schemeClr val="tx1"/>
-              </a:solidFill>
-            </a:endParaRPr>
-          </a:p>
-        </p:txBody>
-      </p:sp>
-      <p:sp>
-        <p:nvSpPr>
-          <p:cNvPr id="31" name="Rectangle: Rounded Corners 30">
-            <a:extLst>
-              <a:ext uri="{FF2B5EF4-FFF2-40B4-BE49-F238E27FC236}">
-                <a16:creationId xmlns:a16="http://schemas.microsoft.com/office/drawing/2014/main" id="{FE6023C5-65C7-4233-6EF7-3136820A32BC}"/>
-              </a:ext>
-            </a:extLst>
-          </p:cNvPr>
-          <p:cNvSpPr/>
-          <p:nvPr/>
-        </p:nvSpPr>
-        <p:spPr>
-          <a:xfrm>
-            <a:off x="10214948" y="3632721"/>
-            <a:ext cx="1256082" cy="342651"/>
-          </a:xfrm>
-          <a:prstGeom prst="roundRect">
-            <a:avLst/>
-          </a:prstGeom>
-          <a:solidFill>
-            <a:schemeClr val="accent4">
-              <a:alpha val="50000"/>
-            </a:schemeClr>
-          </a:solidFill>
-          <a:ln>
-            <a:noFill/>
-          </a:ln>
-        </p:spPr>
-        <p:style>
-          <a:lnRef idx="0">
-            <a:scrgbClr r="0" g="0" b="0"/>
-          </a:lnRef>
-          <a:fillRef idx="0">
-            <a:scrgbClr r="0" g="0" b="0"/>
-          </a:fillRef>
-          <a:effectRef idx="0">
-            <a:scrgbClr r="0" g="0" b="0"/>
-          </a:effectRef>
-          <a:fontRef idx="minor">
-            <a:schemeClr val="lt1"/>
-          </a:fontRef>
-        </p:style>
-        <p:txBody>
-          <a:bodyPr rtlCol="0" anchor="ctr"/>
-          <a:lstStyle/>
-          <a:p>
-            <a:pPr algn="ctr"/>
-            <a:r>
-              <a:rPr lang="en-US" sz="1400" dirty="0">
-                <a:solidFill>
-                  <a:schemeClr val="tx1"/>
-                </a:solidFill>
-              </a:rPr>
-              <a:t>Asset</a:t>
-            </a:r>
-          </a:p>
-        </p:txBody>
-      </p:sp>
-      <p:sp>
-        <p:nvSpPr>
-          <p:cNvPr id="97" name="Rectangle: Rounded Corners 96">
-            <a:extLst>
-              <a:ext uri="{FF2B5EF4-FFF2-40B4-BE49-F238E27FC236}">
-                <a16:creationId xmlns:a16="http://schemas.microsoft.com/office/drawing/2014/main" id="{B82C1784-C72C-0F57-3753-A90D4E3A794D}"/>
-              </a:ext>
-            </a:extLst>
-          </p:cNvPr>
-          <p:cNvSpPr/>
-          <p:nvPr/>
-        </p:nvSpPr>
-        <p:spPr>
-          <a:xfrm>
-            <a:off x="10208322" y="4254486"/>
-            <a:ext cx="1256082" cy="342651"/>
-          </a:xfrm>
-          <a:prstGeom prst="roundRect">
-            <a:avLst/>
-          </a:prstGeom>
-          <a:solidFill>
-            <a:schemeClr val="accent4">
-              <a:alpha val="50000"/>
-            </a:schemeClr>
-          </a:solidFill>
-          <a:ln>
-            <a:noFill/>
-          </a:ln>
-        </p:spPr>
-        <p:style>
-          <a:lnRef idx="0">
-            <a:scrgbClr r="0" g="0" b="0"/>
-          </a:lnRef>
-          <a:fillRef idx="0">
-            <a:scrgbClr r="0" g="0" b="0"/>
-          </a:fillRef>
-          <a:effectRef idx="0">
-            <a:scrgbClr r="0" g="0" b="0"/>
-          </a:effectRef>
-          <a:fontRef idx="minor">
-            <a:schemeClr val="lt1"/>
-          </a:fontRef>
-        </p:style>
-        <p:txBody>
-          <a:bodyPr rtlCol="0" anchor="ctr"/>
-          <a:lstStyle/>
-          <a:p>
-            <a:pPr algn="ctr"/>
-            <a:r>
-              <a:rPr lang="en-US" sz="1400" dirty="0">
-                <a:solidFill>
-                  <a:schemeClr val="tx1"/>
-                </a:solidFill>
-              </a:rPr>
-              <a:t>Asset</a:t>
-            </a:r>
-          </a:p>
-        </p:txBody>
-      </p:sp>
-      <p:sp>
-        <p:nvSpPr>
-          <p:cNvPr id="98" name="Rectangle: Rounded Corners 97">
-            <a:extLst>
-              <a:ext uri="{FF2B5EF4-FFF2-40B4-BE49-F238E27FC236}">
-                <a16:creationId xmlns:a16="http://schemas.microsoft.com/office/drawing/2014/main" id="{27EB69E3-5E74-E6D2-B4E8-BC7E0C6D8E2E}"/>
-              </a:ext>
-            </a:extLst>
-          </p:cNvPr>
-          <p:cNvSpPr/>
-          <p:nvPr/>
-        </p:nvSpPr>
-        <p:spPr>
-          <a:xfrm>
-            <a:off x="10208322" y="4911876"/>
-            <a:ext cx="1256082" cy="342651"/>
-          </a:xfrm>
-          <a:prstGeom prst="roundRect">
-            <a:avLst/>
-          </a:prstGeom>
-          <a:solidFill>
-            <a:schemeClr val="accent4">
-              <a:alpha val="50000"/>
-            </a:schemeClr>
-          </a:solidFill>
-          <a:ln>
-            <a:noFill/>
-          </a:ln>
-        </p:spPr>
-        <p:style>
-          <a:lnRef idx="0">
-            <a:scrgbClr r="0" g="0" b="0"/>
-          </a:lnRef>
-          <a:fillRef idx="0">
-            <a:scrgbClr r="0" g="0" b="0"/>
-          </a:fillRef>
-          <a:effectRef idx="0">
-            <a:scrgbClr r="0" g="0" b="0"/>
-          </a:effectRef>
-          <a:fontRef idx="minor">
-            <a:schemeClr val="lt1"/>
-          </a:fontRef>
-        </p:style>
-        <p:txBody>
-          <a:bodyPr rtlCol="0" anchor="ctr"/>
-          <a:lstStyle/>
-          <a:p>
-            <a:pPr algn="ctr"/>
-            <a:r>
-              <a:rPr lang="en-US" sz="1400" dirty="0">
-                <a:solidFill>
-                  <a:schemeClr val="tx1"/>
-                </a:solidFill>
-              </a:rPr>
-              <a:t>Asset</a:t>
-            </a:r>
-          </a:p>
-        </p:txBody>
-      </p:sp>
-      <p:sp>
-        <p:nvSpPr>
-          <p:cNvPr id="99" name="Rectangle: Rounded Corners 98">
-            <a:extLst>
-              <a:ext uri="{FF2B5EF4-FFF2-40B4-BE49-F238E27FC236}">
-                <a16:creationId xmlns:a16="http://schemas.microsoft.com/office/drawing/2014/main" id="{0BB7ACEF-E45A-5F29-14F2-EF850A80384F}"/>
-              </a:ext>
-            </a:extLst>
-          </p:cNvPr>
-          <p:cNvSpPr/>
-          <p:nvPr/>
-        </p:nvSpPr>
-        <p:spPr>
-          <a:xfrm>
-            <a:off x="10208322" y="5552218"/>
-            <a:ext cx="1256082" cy="342651"/>
-          </a:xfrm>
-          <a:prstGeom prst="roundRect">
-            <a:avLst/>
-          </a:prstGeom>
-          <a:solidFill>
-            <a:schemeClr val="accent4">
-              <a:alpha val="50000"/>
-            </a:schemeClr>
-          </a:solidFill>
-          <a:ln>
-            <a:noFill/>
-          </a:ln>
-        </p:spPr>
-        <p:style>
-          <a:lnRef idx="0">
-            <a:scrgbClr r="0" g="0" b="0"/>
-          </a:lnRef>
-          <a:fillRef idx="0">
-            <a:scrgbClr r="0" g="0" b="0"/>
-          </a:fillRef>
-          <a:effectRef idx="0">
-            <a:scrgbClr r="0" g="0" b="0"/>
-          </a:effectRef>
-          <a:fontRef idx="minor">
-            <a:schemeClr val="lt1"/>
-          </a:fontRef>
-        </p:style>
-        <p:txBody>
-          <a:bodyPr rtlCol="0" anchor="ctr"/>
-          <a:lstStyle/>
-          <a:p>
-            <a:pPr algn="ctr"/>
-            <a:r>
-              <a:rPr lang="en-US" sz="1400" dirty="0">
-                <a:solidFill>
-                  <a:schemeClr val="tx1"/>
-                </a:solidFill>
-              </a:rPr>
-              <a:t>Asset</a:t>
-            </a:r>
-          </a:p>
-        </p:txBody>
-      </p:sp>
-      <p:sp>
-        <p:nvSpPr>
-          <p:cNvPr id="101" name="Rectangle: Rounded Corners 100">
-            <a:extLst>
-              <a:ext uri="{FF2B5EF4-FFF2-40B4-BE49-F238E27FC236}">
-                <a16:creationId xmlns:a16="http://schemas.microsoft.com/office/drawing/2014/main" id="{4EF168EE-4A7C-FB80-66F8-3E11653B5DE6}"/>
-              </a:ext>
-            </a:extLst>
-          </p:cNvPr>
-          <p:cNvSpPr/>
-          <p:nvPr/>
-        </p:nvSpPr>
-        <p:spPr>
-          <a:xfrm>
-            <a:off x="8031367" y="1786240"/>
-            <a:ext cx="1256082" cy="350943"/>
-          </a:xfrm>
-          <a:prstGeom prst="roundRect">
-            <a:avLst/>
-          </a:prstGeom>
-        </p:spPr>
-        <p:style>
-          <a:lnRef idx="0">
-            <a:schemeClr val="accent4"/>
-          </a:lnRef>
-          <a:fillRef idx="3">
-            <a:schemeClr val="accent4"/>
-          </a:fillRef>
-          <a:effectRef idx="3">
-            <a:schemeClr val="accent4"/>
-          </a:effectRef>
-          <a:fontRef idx="minor">
-            <a:schemeClr val="lt1"/>
-          </a:fontRef>
-        </p:style>
-        <p:txBody>
-          <a:bodyPr rtlCol="0" anchor="ctr"/>
-          <a:lstStyle/>
-          <a:p>
-            <a:pPr algn="ctr"/>
-            <a:r>
-              <a:rPr lang="en-US" sz="1400" dirty="0">
-                <a:solidFill>
-                  <a:schemeClr val="tx1"/>
-                </a:solidFill>
-              </a:rPr>
-              <a:t>Asset Proxy</a:t>
-            </a:r>
-          </a:p>
-        </p:txBody>
-      </p:sp>
-      <p:sp>
-        <p:nvSpPr>
-          <p:cNvPr id="102" name="Rectangle: Rounded Corners 101">
-            <a:extLst>
-              <a:ext uri="{FF2B5EF4-FFF2-40B4-BE49-F238E27FC236}">
-                <a16:creationId xmlns:a16="http://schemas.microsoft.com/office/drawing/2014/main" id="{A1F4AB2A-0E67-6F5D-0554-54679C1B8314}"/>
-              </a:ext>
-            </a:extLst>
-          </p:cNvPr>
-          <p:cNvSpPr/>
-          <p:nvPr/>
-        </p:nvSpPr>
-        <p:spPr>
-          <a:xfrm>
             <a:off x="10214948" y="1793395"/>
-            <a:ext cx="1256082" cy="342651"/>
-          </a:xfrm>
-          <a:prstGeom prst="roundRect">
-            <a:avLst/>
-          </a:prstGeom>
-          <a:solidFill>
-            <a:schemeClr val="accent4">
-              <a:alpha val="50000"/>
-            </a:schemeClr>
-          </a:solidFill>
-          <a:ln>
-            <a:noFill/>
-          </a:ln>
-        </p:spPr>
-        <p:style>
-          <a:lnRef idx="0">
-            <a:scrgbClr r="0" g="0" b="0"/>
-          </a:lnRef>
-          <a:fillRef idx="0">
-            <a:scrgbClr r="0" g="0" b="0"/>
-          </a:fillRef>
-          <a:effectRef idx="0">
-            <a:scrgbClr r="0" g="0" b="0"/>
-          </a:effectRef>
-          <a:fontRef idx="minor">
-            <a:schemeClr val="lt1"/>
-          </a:fontRef>
-        </p:style>
-        <p:txBody>
-          <a:bodyPr rtlCol="0" anchor="ctr"/>
-          <a:lstStyle/>
-          <a:p>
-            <a:pPr algn="ctr"/>
-            <a:r>
-              <a:rPr lang="en-US" sz="1400" dirty="0">
-                <a:solidFill>
-                  <a:schemeClr val="tx1"/>
-                </a:solidFill>
-              </a:rPr>
-              <a:t>Asse</a:t>
-            </a:r>
-            <a:r>
-              <a:rPr lang="pl-PL" sz="1400" dirty="0">
-                <a:solidFill>
-                  <a:schemeClr val="tx1"/>
-                </a:solidFill>
-              </a:rPr>
-              <a:t>t</a:t>
-            </a:r>
-            <a:endParaRPr lang="en-US" sz="1400" dirty="0">
-              <a:solidFill>
-                <a:schemeClr val="tx1"/>
-              </a:solidFill>
-            </a:endParaRPr>
-          </a:p>
-        </p:txBody>
-      </p:sp>
-      <p:sp>
-        <p:nvSpPr>
-          <p:cNvPr id="103" name="Rectangle: Rounded Corners 102">
-            <a:extLst>
-              <a:ext uri="{FF2B5EF4-FFF2-40B4-BE49-F238E27FC236}">
-                <a16:creationId xmlns:a16="http://schemas.microsoft.com/office/drawing/2014/main" id="{BAC8A7F9-D054-EDD7-0809-DB3FD49BE6A1}"/>
-              </a:ext>
-            </a:extLst>
-          </p:cNvPr>
-          <p:cNvSpPr/>
-          <p:nvPr/>
-        </p:nvSpPr>
-        <p:spPr>
-          <a:xfrm>
-            <a:off x="10214948" y="2367619"/>
             <a:ext cx="1256082" cy="342651"/>
           </a:xfrm>
           <a:prstGeom prst="roundRect">
@@ -4788,93 +4622,6 @@
       </p:cxnSp>
       <p:cxnSp>
         <p:nvCxnSpPr>
-          <p:cNvPr id="109" name="Straight Arrow Connector 108">
-            <a:extLst>
-              <a:ext uri="{FF2B5EF4-FFF2-40B4-BE49-F238E27FC236}">
-                <a16:creationId xmlns:a16="http://schemas.microsoft.com/office/drawing/2014/main" id="{7666DEF4-F4F9-F340-6566-4935A202F2B5}"/>
-              </a:ext>
-            </a:extLst>
-          </p:cNvPr>
-          <p:cNvCxnSpPr>
-            <a:cxnSpLocks/>
-            <a:stCxn id="22" idx="1"/>
-            <a:endCxn id="12" idx="3"/>
-          </p:cNvCxnSpPr>
-          <p:nvPr/>
-        </p:nvCxnSpPr>
-        <p:spPr>
-          <a:xfrm flipH="1">
-            <a:off x="7531841" y="2547471"/>
-            <a:ext cx="499526" cy="1259"/>
-          </a:xfrm>
-          <a:prstGeom prst="straightConnector1">
-            <a:avLst/>
-          </a:prstGeom>
-          <a:ln>
-            <a:tailEnd type="triangle"/>
-          </a:ln>
-        </p:spPr>
-        <p:style>
-          <a:lnRef idx="3">
-            <a:schemeClr val="dk1"/>
-          </a:lnRef>
-          <a:fillRef idx="0">
-            <a:schemeClr val="dk1"/>
-          </a:fillRef>
-          <a:effectRef idx="2">
-            <a:schemeClr val="dk1"/>
-          </a:effectRef>
-          <a:fontRef idx="minor">
-            <a:schemeClr val="tx1"/>
-          </a:fontRef>
-        </p:style>
-      </p:cxnSp>
-      <p:cxnSp>
-        <p:nvCxnSpPr>
-          <p:cNvPr id="111" name="Straight Arrow Connector 110">
-            <a:extLst>
-              <a:ext uri="{FF2B5EF4-FFF2-40B4-BE49-F238E27FC236}">
-                <a16:creationId xmlns:a16="http://schemas.microsoft.com/office/drawing/2014/main" id="{5D14C46F-B0A7-F74F-B1F8-A916811931A3}"/>
-              </a:ext>
-            </a:extLst>
-          </p:cNvPr>
-          <p:cNvCxnSpPr>
-            <a:cxnSpLocks/>
-            <a:stCxn id="103" idx="1"/>
-            <a:endCxn id="22" idx="3"/>
-          </p:cNvCxnSpPr>
-          <p:nvPr/>
-        </p:nvCxnSpPr>
-        <p:spPr>
-          <a:xfrm flipH="1">
-            <a:off x="9287449" y="2538945"/>
-            <a:ext cx="927499" cy="8526"/>
-          </a:xfrm>
-          <a:prstGeom prst="straightConnector1">
-            <a:avLst/>
-          </a:prstGeom>
-          <a:ln>
-            <a:headEnd type="triangle" w="med" len="med"/>
-            <a:tailEnd type="triangle" w="med" len="med"/>
-          </a:ln>
-        </p:spPr>
-        <p:style>
-          <a:lnRef idx="3">
-            <a:schemeClr val="dk1"/>
-          </a:lnRef>
-          <a:fillRef idx="0">
-            <a:schemeClr val="dk1"/>
-          </a:fillRef>
-          <a:effectRef idx="2">
-            <a:schemeClr val="dk1"/>
-          </a:effectRef>
-          <a:fontRef idx="minor">
-            <a:schemeClr val="tx1"/>
-          </a:fontRef>
-        </p:style>
-      </p:cxnSp>
-      <p:cxnSp>
-        <p:nvCxnSpPr>
           <p:cNvPr id="115" name="Straight Arrow Connector 114">
             <a:extLst>
               <a:ext uri="{FF2B5EF4-FFF2-40B4-BE49-F238E27FC236}">
@@ -4891,7 +4638,7 @@
         </p:nvCxnSpPr>
         <p:spPr>
           <a:xfrm flipH="1">
-            <a:off x="7531841" y="3797652"/>
+            <a:off x="7507162" y="3268295"/>
             <a:ext cx="499526" cy="1304"/>
           </a:xfrm>
           <a:prstGeom prst="straightConnector1">
@@ -4934,7 +4681,7 @@
         </p:nvCxnSpPr>
         <p:spPr>
           <a:xfrm flipH="1" flipV="1">
-            <a:off x="7531841" y="3798956"/>
+            <a:off x="7507162" y="3269599"/>
             <a:ext cx="499526" cy="626856"/>
           </a:xfrm>
           <a:prstGeom prst="straightConnector1">
@@ -4977,7 +4724,7 @@
         </p:nvCxnSpPr>
         <p:spPr>
           <a:xfrm flipH="1" flipV="1">
-            <a:off x="9287449" y="3797652"/>
+            <a:off x="9262770" y="3268295"/>
             <a:ext cx="927499" cy="6395"/>
           </a:xfrm>
           <a:prstGeom prst="straightConnector1">
@@ -5021,7 +4768,7 @@
         </p:nvCxnSpPr>
         <p:spPr>
           <a:xfrm flipH="1">
-            <a:off x="9287449" y="4425812"/>
+            <a:off x="9262770" y="3896455"/>
             <a:ext cx="920873" cy="0"/>
           </a:xfrm>
           <a:prstGeom prst="straightConnector1">
@@ -5065,7 +4812,7 @@
         </p:nvCxnSpPr>
         <p:spPr>
           <a:xfrm flipH="1">
-            <a:off x="7531841" y="5092300"/>
+            <a:off x="7507162" y="4562943"/>
             <a:ext cx="499526" cy="323217"/>
           </a:xfrm>
           <a:prstGeom prst="straightConnector1">
@@ -5108,7 +4855,7 @@
         </p:nvCxnSpPr>
         <p:spPr>
           <a:xfrm flipH="1" flipV="1">
-            <a:off x="7531841" y="5415517"/>
+            <a:off x="7507162" y="4886160"/>
             <a:ext cx="499526" cy="312173"/>
           </a:xfrm>
           <a:prstGeom prst="straightConnector1">
@@ -5151,7 +4898,7 @@
         </p:nvCxnSpPr>
         <p:spPr>
           <a:xfrm flipH="1">
-            <a:off x="9287449" y="5083202"/>
+            <a:off x="9262770" y="4553845"/>
             <a:ext cx="920873" cy="9098"/>
           </a:xfrm>
           <a:prstGeom prst="straightConnector1">
@@ -5195,7 +4942,7 @@
         </p:nvCxnSpPr>
         <p:spPr>
           <a:xfrm flipH="1">
-            <a:off x="9287449" y="5723544"/>
+            <a:off x="9262770" y="5194187"/>
             <a:ext cx="920873" cy="4146"/>
           </a:xfrm>
           <a:prstGeom prst="straightConnector1">
@@ -5351,7 +5098,7 @@
           <a:p>
             <a:r>
               <a:rPr lang="en-US" sz="1600" dirty="0"/>
-              <a:t>Assets don’t ever exist on disk.</a:t>
+              <a:t>Assets are not saved to disk after importing.</a:t>
             </a:r>
           </a:p>
           <a:p>
@@ -5390,7 +5137,7 @@
           <a:p>
             <a:r>
               <a:rPr lang="en-US" sz="1600" dirty="0"/>
-              <a:t>Asset data is stored on disc in one form without duplication.</a:t>
+              <a:t>Asset data is stored on disk in one form without duplication.</a:t>
             </a:r>
           </a:p>
         </p:txBody>
@@ -5409,7 +5156,7 @@
         </p:nvSpPr>
         <p:spPr>
           <a:xfrm>
-            <a:off x="6275759" y="3623484"/>
+            <a:off x="6251080" y="3094127"/>
             <a:ext cx="1256082" cy="350943"/>
           </a:xfrm>
           <a:prstGeom prst="roundRect">
@@ -5460,7 +5207,7 @@
         </p:nvSpPr>
         <p:spPr>
           <a:xfrm>
-            <a:off x="8031367" y="2977075"/>
+            <a:off x="8006688" y="2447718"/>
             <a:ext cx="1256082" cy="350943"/>
           </a:xfrm>
           <a:prstGeom prst="roundRect">
@@ -5515,7 +5262,7 @@
         </p:nvCxnSpPr>
         <p:spPr>
           <a:xfrm flipH="1">
-            <a:off x="7531841" y="3152547"/>
+            <a:off x="7507162" y="2623190"/>
             <a:ext cx="499526" cy="646409"/>
           </a:xfrm>
           <a:prstGeom prst="straightConnector1">
@@ -5558,8 +5305,269 @@
         </p:nvCxnSpPr>
         <p:spPr>
           <a:xfrm flipH="1">
-            <a:off x="9287449" y="3152414"/>
+            <a:off x="9262770" y="2623057"/>
             <a:ext cx="952178" cy="133"/>
+          </a:xfrm>
+          <a:prstGeom prst="straightConnector1">
+            <a:avLst/>
+          </a:prstGeom>
+          <a:ln>
+            <a:headEnd type="triangle" w="med" len="med"/>
+            <a:tailEnd type="triangle" w="med" len="med"/>
+          </a:ln>
+        </p:spPr>
+        <p:style>
+          <a:lnRef idx="3">
+            <a:schemeClr val="dk1"/>
+          </a:lnRef>
+          <a:fillRef idx="0">
+            <a:schemeClr val="dk1"/>
+          </a:fillRef>
+          <a:effectRef idx="2">
+            <a:schemeClr val="dk1"/>
+          </a:effectRef>
+          <a:fontRef idx="minor">
+            <a:schemeClr val="tx1"/>
+          </a:fontRef>
+        </p:style>
+      </p:cxnSp>
+      <p:sp>
+        <p:nvSpPr>
+          <p:cNvPr id="2" name="Rectangle: Rounded Corners 1">
+            <a:extLst>
+              <a:ext uri="{FF2B5EF4-FFF2-40B4-BE49-F238E27FC236}">
+                <a16:creationId xmlns:a16="http://schemas.microsoft.com/office/drawing/2014/main" id="{DF8CDD2A-EE5F-1DDE-4394-7F17F0C44C65}"/>
+              </a:ext>
+            </a:extLst>
+          </p:cNvPr>
+          <p:cNvSpPr/>
+          <p:nvPr/>
+        </p:nvSpPr>
+        <p:spPr>
+          <a:xfrm>
+            <a:off x="6251080" y="5615221"/>
+            <a:ext cx="1256082" cy="350943"/>
+          </a:xfrm>
+          <a:prstGeom prst="roundRect">
+            <a:avLst/>
+          </a:prstGeom>
+        </p:spPr>
+        <p:style>
+          <a:lnRef idx="0">
+            <a:schemeClr val="accent4"/>
+          </a:lnRef>
+          <a:fillRef idx="3">
+            <a:schemeClr val="accent4"/>
+          </a:fillRef>
+          <a:effectRef idx="3">
+            <a:schemeClr val="accent4"/>
+          </a:effectRef>
+          <a:fontRef idx="minor">
+            <a:schemeClr val="lt1"/>
+          </a:fontRef>
+        </p:style>
+        <p:txBody>
+          <a:bodyPr rtlCol="0" anchor="ctr"/>
+          <a:lstStyle/>
+          <a:p>
+            <a:pPr algn="ctr"/>
+            <a:r>
+              <a:rPr lang="en-US" sz="1400" dirty="0">
+                <a:solidFill>
+                  <a:schemeClr val="tx1"/>
+                </a:solidFill>
+              </a:rPr>
+              <a:t>Asset Source</a:t>
+            </a:r>
+          </a:p>
+        </p:txBody>
+      </p:sp>
+      <p:sp>
+        <p:nvSpPr>
+          <p:cNvPr id="3" name="Rectangle: Rounded Corners 2">
+            <a:extLst>
+              <a:ext uri="{FF2B5EF4-FFF2-40B4-BE49-F238E27FC236}">
+                <a16:creationId xmlns:a16="http://schemas.microsoft.com/office/drawing/2014/main" id="{D43B4F9A-69EB-2662-2FD8-FEAE4087527A}"/>
+              </a:ext>
+            </a:extLst>
+          </p:cNvPr>
+          <p:cNvSpPr/>
+          <p:nvPr/>
+        </p:nvSpPr>
+        <p:spPr>
+          <a:xfrm>
+            <a:off x="8006688" y="5614834"/>
+            <a:ext cx="1256082" cy="350943"/>
+          </a:xfrm>
+          <a:prstGeom prst="roundRect">
+            <a:avLst/>
+          </a:prstGeom>
+        </p:spPr>
+        <p:style>
+          <a:lnRef idx="0">
+            <a:schemeClr val="accent4"/>
+          </a:lnRef>
+          <a:fillRef idx="3">
+            <a:schemeClr val="accent4"/>
+          </a:fillRef>
+          <a:effectRef idx="3">
+            <a:schemeClr val="accent4"/>
+          </a:effectRef>
+          <a:fontRef idx="minor">
+            <a:schemeClr val="lt1"/>
+          </a:fontRef>
+        </p:style>
+        <p:txBody>
+          <a:bodyPr rtlCol="0" anchor="ctr"/>
+          <a:lstStyle/>
+          <a:p>
+            <a:pPr algn="ctr"/>
+            <a:r>
+              <a:rPr lang="en-US" sz="1400" dirty="0">
+                <a:solidFill>
+                  <a:schemeClr val="tx1"/>
+                </a:solidFill>
+              </a:rPr>
+              <a:t>Asset Proxy</a:t>
+            </a:r>
+          </a:p>
+        </p:txBody>
+      </p:sp>
+      <p:sp>
+        <p:nvSpPr>
+          <p:cNvPr id="4" name="Rectangle: Rounded Corners 3">
+            <a:extLst>
+              <a:ext uri="{FF2B5EF4-FFF2-40B4-BE49-F238E27FC236}">
+                <a16:creationId xmlns:a16="http://schemas.microsoft.com/office/drawing/2014/main" id="{ECC9FF4F-0FAE-37CF-190E-96AE2673EEC1}"/>
+              </a:ext>
+            </a:extLst>
+          </p:cNvPr>
+          <p:cNvSpPr/>
+          <p:nvPr/>
+        </p:nvSpPr>
+        <p:spPr>
+          <a:xfrm>
+            <a:off x="10190269" y="5621989"/>
+            <a:ext cx="1256082" cy="342651"/>
+          </a:xfrm>
+          <a:prstGeom prst="roundRect">
+            <a:avLst/>
+          </a:prstGeom>
+          <a:solidFill>
+            <a:schemeClr val="accent4">
+              <a:alpha val="50000"/>
+            </a:schemeClr>
+          </a:solidFill>
+          <a:ln>
+            <a:noFill/>
+          </a:ln>
+        </p:spPr>
+        <p:style>
+          <a:lnRef idx="0">
+            <a:scrgbClr r="0" g="0" b="0"/>
+          </a:lnRef>
+          <a:fillRef idx="0">
+            <a:scrgbClr r="0" g="0" b="0"/>
+          </a:fillRef>
+          <a:effectRef idx="0">
+            <a:scrgbClr r="0" g="0" b="0"/>
+          </a:effectRef>
+          <a:fontRef idx="minor">
+            <a:schemeClr val="lt1"/>
+          </a:fontRef>
+        </p:style>
+        <p:txBody>
+          <a:bodyPr rtlCol="0" anchor="ctr"/>
+          <a:lstStyle/>
+          <a:p>
+            <a:pPr algn="ctr"/>
+            <a:r>
+              <a:rPr lang="en-US" sz="1400" dirty="0">
+                <a:solidFill>
+                  <a:schemeClr val="tx1"/>
+                </a:solidFill>
+              </a:rPr>
+              <a:t>Asse</a:t>
+            </a:r>
+            <a:r>
+              <a:rPr lang="pl-PL" sz="1400" dirty="0">
+                <a:solidFill>
+                  <a:schemeClr val="tx1"/>
+                </a:solidFill>
+              </a:rPr>
+              <a:t>t</a:t>
+            </a:r>
+            <a:endParaRPr lang="en-US" sz="1400" dirty="0">
+              <a:solidFill>
+                <a:schemeClr val="tx1"/>
+              </a:solidFill>
+            </a:endParaRPr>
+          </a:p>
+        </p:txBody>
+      </p:sp>
+      <p:cxnSp>
+        <p:nvCxnSpPr>
+          <p:cNvPr id="5" name="Straight Arrow Connector 4">
+            <a:extLst>
+              <a:ext uri="{FF2B5EF4-FFF2-40B4-BE49-F238E27FC236}">
+                <a16:creationId xmlns:a16="http://schemas.microsoft.com/office/drawing/2014/main" id="{96C7BB1F-C62B-EAC8-9E4D-A79516EDBB8A}"/>
+              </a:ext>
+            </a:extLst>
+          </p:cNvPr>
+          <p:cNvCxnSpPr>
+            <a:cxnSpLocks/>
+            <a:stCxn id="3" idx="1"/>
+            <a:endCxn id="2" idx="3"/>
+          </p:cNvCxnSpPr>
+          <p:nvPr/>
+        </p:nvCxnSpPr>
+        <p:spPr>
+          <a:xfrm flipH="1">
+            <a:off x="7507162" y="5790306"/>
+            <a:ext cx="499526" cy="387"/>
+          </a:xfrm>
+          <a:prstGeom prst="straightConnector1">
+            <a:avLst/>
+          </a:prstGeom>
+          <a:ln>
+            <a:tailEnd type="triangle"/>
+          </a:ln>
+        </p:spPr>
+        <p:style>
+          <a:lnRef idx="3">
+            <a:schemeClr val="dk1"/>
+          </a:lnRef>
+          <a:fillRef idx="0">
+            <a:schemeClr val="dk1"/>
+          </a:fillRef>
+          <a:effectRef idx="2">
+            <a:schemeClr val="dk1"/>
+          </a:effectRef>
+          <a:fontRef idx="minor">
+            <a:schemeClr val="tx1"/>
+          </a:fontRef>
+        </p:style>
+      </p:cxnSp>
+      <p:cxnSp>
+        <p:nvCxnSpPr>
+          <p:cNvPr id="6" name="Straight Arrow Connector 5">
+            <a:extLst>
+              <a:ext uri="{FF2B5EF4-FFF2-40B4-BE49-F238E27FC236}">
+                <a16:creationId xmlns:a16="http://schemas.microsoft.com/office/drawing/2014/main" id="{1E1E309B-7312-0D9E-43E3-FABB0B9CD601}"/>
+              </a:ext>
+            </a:extLst>
+          </p:cNvPr>
+          <p:cNvCxnSpPr>
+            <a:cxnSpLocks/>
+            <a:stCxn id="4" idx="1"/>
+            <a:endCxn id="3" idx="3"/>
+          </p:cNvCxnSpPr>
+          <p:nvPr/>
+        </p:nvCxnSpPr>
+        <p:spPr>
+          <a:xfrm flipH="1" flipV="1">
+            <a:off x="9262770" y="5790306"/>
+            <a:ext cx="927499" cy="3009"/>
           </a:xfrm>
           <a:prstGeom prst="straightConnector1">
             <a:avLst/>

--- a/Documentation/Asset Pipeline.pptx
+++ b/Documentation/Asset Pipeline.pptx
@@ -8,6 +8,7 @@
     <p:sldId id="256" r:id="rId2"/>
     <p:sldId id="257" r:id="rId3"/>
     <p:sldId id="259" r:id="rId4"/>
+    <p:sldId id="260" r:id="rId5"/>
   </p:sldIdLst>
   <p:sldSz cx="12192000" cy="6858000"/>
   <p:notesSz cx="6858000" cy="9144000"/>
@@ -273,7 +274,7 @@
           <a:p>
             <a:fld id="{783DC7D5-4D76-4679-A391-31CBAFA90932}" type="datetimeFigureOut">
               <a:rPr lang="en-US" smtClean="0"/>
-              <a:t>4/21/2024</a:t>
+              <a:t>7/27/2024</a:t>
             </a:fld>
             <a:endParaRPr lang="en-US"/>
           </a:p>
@@ -471,7 +472,7 @@
           <a:p>
             <a:fld id="{783DC7D5-4D76-4679-A391-31CBAFA90932}" type="datetimeFigureOut">
               <a:rPr lang="en-US" smtClean="0"/>
-              <a:t>4/21/2024</a:t>
+              <a:t>7/27/2024</a:t>
             </a:fld>
             <a:endParaRPr lang="en-US"/>
           </a:p>
@@ -679,7 +680,7 @@
           <a:p>
             <a:fld id="{783DC7D5-4D76-4679-A391-31CBAFA90932}" type="datetimeFigureOut">
               <a:rPr lang="en-US" smtClean="0"/>
-              <a:t>4/21/2024</a:t>
+              <a:t>7/27/2024</a:t>
             </a:fld>
             <a:endParaRPr lang="en-US"/>
           </a:p>
@@ -877,7 +878,7 @@
           <a:p>
             <a:fld id="{783DC7D5-4D76-4679-A391-31CBAFA90932}" type="datetimeFigureOut">
               <a:rPr lang="en-US" smtClean="0"/>
-              <a:t>4/21/2024</a:t>
+              <a:t>7/27/2024</a:t>
             </a:fld>
             <a:endParaRPr lang="en-US"/>
           </a:p>
@@ -1152,7 +1153,7 @@
           <a:p>
             <a:fld id="{783DC7D5-4D76-4679-A391-31CBAFA90932}" type="datetimeFigureOut">
               <a:rPr lang="en-US" smtClean="0"/>
-              <a:t>4/21/2024</a:t>
+              <a:t>7/27/2024</a:t>
             </a:fld>
             <a:endParaRPr lang="en-US"/>
           </a:p>
@@ -1417,7 +1418,7 @@
           <a:p>
             <a:fld id="{783DC7D5-4D76-4679-A391-31CBAFA90932}" type="datetimeFigureOut">
               <a:rPr lang="en-US" smtClean="0"/>
-              <a:t>4/21/2024</a:t>
+              <a:t>7/27/2024</a:t>
             </a:fld>
             <a:endParaRPr lang="en-US"/>
           </a:p>
@@ -1829,7 +1830,7 @@
           <a:p>
             <a:fld id="{783DC7D5-4D76-4679-A391-31CBAFA90932}" type="datetimeFigureOut">
               <a:rPr lang="en-US" smtClean="0"/>
-              <a:t>4/21/2024</a:t>
+              <a:t>7/27/2024</a:t>
             </a:fld>
             <a:endParaRPr lang="en-US"/>
           </a:p>
@@ -1970,7 +1971,7 @@
           <a:p>
             <a:fld id="{783DC7D5-4D76-4679-A391-31CBAFA90932}" type="datetimeFigureOut">
               <a:rPr lang="en-US" smtClean="0"/>
-              <a:t>4/21/2024</a:t>
+              <a:t>7/27/2024</a:t>
             </a:fld>
             <a:endParaRPr lang="en-US"/>
           </a:p>
@@ -2083,7 +2084,7 @@
           <a:p>
             <a:fld id="{783DC7D5-4D76-4679-A391-31CBAFA90932}" type="datetimeFigureOut">
               <a:rPr lang="en-US" smtClean="0"/>
-              <a:t>4/21/2024</a:t>
+              <a:t>7/27/2024</a:t>
             </a:fld>
             <a:endParaRPr lang="en-US"/>
           </a:p>
@@ -2394,7 +2395,7 @@
           <a:p>
             <a:fld id="{783DC7D5-4D76-4679-A391-31CBAFA90932}" type="datetimeFigureOut">
               <a:rPr lang="en-US" smtClean="0"/>
-              <a:t>4/21/2024</a:t>
+              <a:t>7/27/2024</a:t>
             </a:fld>
             <a:endParaRPr lang="en-US"/>
           </a:p>
@@ -2682,7 +2683,7 @@
           <a:p>
             <a:fld id="{783DC7D5-4D76-4679-A391-31CBAFA90932}" type="datetimeFigureOut">
               <a:rPr lang="en-US" smtClean="0"/>
-              <a:t>4/21/2024</a:t>
+              <a:t>7/27/2024</a:t>
             </a:fld>
             <a:endParaRPr lang="en-US"/>
           </a:p>
@@ -2923,7 +2924,7 @@
           <a:p>
             <a:fld id="{783DC7D5-4D76-4679-A391-31CBAFA90932}" type="datetimeFigureOut">
               <a:rPr lang="en-US" smtClean="0"/>
-              <a:t>4/21/2024</a:t>
+              <a:t>7/27/2024</a:t>
             </a:fld>
             <a:endParaRPr lang="en-US"/>
           </a:p>
@@ -3627,7 +3628,7 @@
             </a:pPr>
             <a:r>
               <a:rPr lang="en-US" sz="1600" dirty="0"/>
-              <a:t>Additional processing and/or data generation into a universally structured asset.</a:t>
+              <a:t>Additional processing and data generation into a universally structured asset (per type).</a:t>
             </a:r>
           </a:p>
           <a:p>
@@ -3651,7 +3652,7 @@
           <a:p>
             <a:r>
               <a:rPr lang="en-US" sz="1600" dirty="0"/>
-              <a:t>- Asset file generated by the engine does not have any reference to the original source file.</a:t>
+              <a:t>- The asset file generated by the engine does not reference the original source file.</a:t>
             </a:r>
           </a:p>
           <a:p>
@@ -3663,13 +3664,13 @@
           <a:p>
             <a:r>
               <a:rPr lang="en-US" sz="1600" dirty="0"/>
-              <a:t>- Data is duplicated on disk, just in a different format.</a:t>
+              <a:t>- Data is duplicated on a disk, just in a different format.</a:t>
             </a:r>
           </a:p>
           <a:p>
             <a:r>
               <a:rPr lang="en-US" sz="1600" dirty="0"/>
-              <a:t>- Still additional packaging process necessary for improving loading times in the game’s runtime. </a:t>
+              <a:t>- Still, an additional packaging process is necessary to improve loading times in the game’s runtime. </a:t>
             </a:r>
           </a:p>
         </p:txBody>
@@ -5596,6 +5597,3823 @@
     <p:extLst>
       <p:ext uri="{BB962C8B-B14F-4D97-AF65-F5344CB8AC3E}">
         <p14:creationId xmlns:p14="http://schemas.microsoft.com/office/powerpoint/2010/main" val="3482331004"/>
+      </p:ext>
+    </p:extLst>
+  </p:cSld>
+  <p:clrMapOvr>
+    <a:masterClrMapping/>
+  </p:clrMapOvr>
+</p:sld>
+</file>
+
+<file path=ppt/slides/slide4.xml><?xml version="1.0" encoding="utf-8"?>
+<p:sld xmlns:a="http://schemas.openxmlformats.org/drawingml/2006/main" xmlns:r="http://schemas.openxmlformats.org/officeDocument/2006/relationships" xmlns:p="http://schemas.openxmlformats.org/presentationml/2006/main">
+  <p:cSld>
+    <p:spTree>
+      <p:nvGrpSpPr>
+        <p:cNvPr id="1" name=""/>
+        <p:cNvGrpSpPr/>
+        <p:nvPr/>
+      </p:nvGrpSpPr>
+      <p:grpSpPr>
+        <a:xfrm>
+          <a:off x="0" y="0"/>
+          <a:ext cx="0" cy="0"/>
+          <a:chOff x="0" y="0"/>
+          <a:chExt cx="0" cy="0"/>
+        </a:xfrm>
+      </p:grpSpPr>
+      <p:sp>
+        <p:nvSpPr>
+          <p:cNvPr id="14" name="Rectangle: Rounded Corners 13">
+            <a:extLst>
+              <a:ext uri="{FF2B5EF4-FFF2-40B4-BE49-F238E27FC236}">
+                <a16:creationId xmlns:a16="http://schemas.microsoft.com/office/drawing/2014/main" id="{2AB9F892-4AE6-8275-7017-38642685BC75}"/>
+              </a:ext>
+            </a:extLst>
+          </p:cNvPr>
+          <p:cNvSpPr/>
+          <p:nvPr/>
+        </p:nvSpPr>
+        <p:spPr>
+          <a:xfrm>
+            <a:off x="8630521" y="4411094"/>
+            <a:ext cx="2212920" cy="1891003"/>
+          </a:xfrm>
+          <a:prstGeom prst="roundRect">
+            <a:avLst>
+              <a:gd name="adj" fmla="val 12160"/>
+            </a:avLst>
+          </a:prstGeom>
+        </p:spPr>
+        <p:style>
+          <a:lnRef idx="1">
+            <a:schemeClr val="accent1"/>
+          </a:lnRef>
+          <a:fillRef idx="2">
+            <a:schemeClr val="accent1"/>
+          </a:fillRef>
+          <a:effectRef idx="1">
+            <a:schemeClr val="accent1"/>
+          </a:effectRef>
+          <a:fontRef idx="minor">
+            <a:schemeClr val="dk1"/>
+          </a:fontRef>
+        </p:style>
+        <p:txBody>
+          <a:bodyPr rtlCol="0" anchor="b"/>
+          <a:lstStyle/>
+          <a:p>
+            <a:pPr marL="69750"/>
+            <a:endParaRPr lang="en-US" sz="1400" dirty="0"/>
+          </a:p>
+        </p:txBody>
+      </p:sp>
+      <p:sp>
+        <p:nvSpPr>
+          <p:cNvPr id="49" name="Rectangle: Rounded Corners 48">
+            <a:extLst>
+              <a:ext uri="{FF2B5EF4-FFF2-40B4-BE49-F238E27FC236}">
+                <a16:creationId xmlns:a16="http://schemas.microsoft.com/office/drawing/2014/main" id="{3DA6CFE8-1891-5B54-1E0D-1A1BC025E081}"/>
+              </a:ext>
+            </a:extLst>
+          </p:cNvPr>
+          <p:cNvSpPr/>
+          <p:nvPr/>
+        </p:nvSpPr>
+        <p:spPr>
+          <a:xfrm>
+            <a:off x="1898501" y="3702372"/>
+            <a:ext cx="2712098" cy="672435"/>
+          </a:xfrm>
+          <a:prstGeom prst="roundRect">
+            <a:avLst>
+              <a:gd name="adj" fmla="val 12160"/>
+            </a:avLst>
+          </a:prstGeom>
+        </p:spPr>
+        <p:style>
+          <a:lnRef idx="1">
+            <a:schemeClr val="accent1"/>
+          </a:lnRef>
+          <a:fillRef idx="2">
+            <a:schemeClr val="accent1"/>
+          </a:fillRef>
+          <a:effectRef idx="1">
+            <a:schemeClr val="accent1"/>
+          </a:effectRef>
+          <a:fontRef idx="minor">
+            <a:schemeClr val="dk1"/>
+          </a:fontRef>
+        </p:style>
+        <p:txBody>
+          <a:bodyPr rtlCol="0" anchor="b"/>
+          <a:lstStyle/>
+          <a:p>
+            <a:pPr marL="285750" indent="-216000">
+              <a:buFont typeface="Arial" panose="020B0604020202020204" pitchFamily="34" charset="0"/>
+              <a:buChar char="•"/>
+            </a:pPr>
+            <a:r>
+              <a:rPr lang="en-US" sz="1400" dirty="0"/>
+              <a:t>Like </a:t>
+            </a:r>
+            <a:r>
+              <a:rPr lang="en-US" sz="1400" dirty="0" err="1"/>
+              <a:t>weak_ptr</a:t>
+            </a:r>
+            <a:endParaRPr lang="pl-PL" sz="1400" dirty="0"/>
+          </a:p>
+          <a:p>
+            <a:pPr marL="285750" indent="-216000">
+              <a:buFont typeface="Arial" panose="020B0604020202020204" pitchFamily="34" charset="0"/>
+              <a:buChar char="•"/>
+            </a:pPr>
+            <a:r>
+              <a:rPr lang="pl-PL" sz="1400" dirty="0"/>
+              <a:t>Just </a:t>
+            </a:r>
+            <a:r>
+              <a:rPr lang="pl-PL" sz="1400" dirty="0" err="1"/>
+              <a:t>AssetID</a:t>
+            </a:r>
+            <a:endParaRPr lang="en-US" sz="1400" dirty="0"/>
+          </a:p>
+        </p:txBody>
+      </p:sp>
+      <p:sp>
+        <p:nvSpPr>
+          <p:cNvPr id="4" name="Rectangle: Rounded Corners 3">
+            <a:extLst>
+              <a:ext uri="{FF2B5EF4-FFF2-40B4-BE49-F238E27FC236}">
+                <a16:creationId xmlns:a16="http://schemas.microsoft.com/office/drawing/2014/main" id="{9B34552E-9BD7-0A0C-084C-D59CBFB6B90F}"/>
+              </a:ext>
+            </a:extLst>
+          </p:cNvPr>
+          <p:cNvSpPr/>
+          <p:nvPr/>
+        </p:nvSpPr>
+        <p:spPr>
+          <a:xfrm>
+            <a:off x="4517811" y="301347"/>
+            <a:ext cx="2712098" cy="582346"/>
+          </a:xfrm>
+          <a:prstGeom prst="roundRect">
+            <a:avLst/>
+          </a:prstGeom>
+        </p:spPr>
+        <p:style>
+          <a:lnRef idx="0">
+            <a:schemeClr val="accent1"/>
+          </a:lnRef>
+          <a:fillRef idx="3">
+            <a:schemeClr val="accent1"/>
+          </a:fillRef>
+          <a:effectRef idx="3">
+            <a:schemeClr val="accent1"/>
+          </a:effectRef>
+          <a:fontRef idx="minor">
+            <a:schemeClr val="lt1"/>
+          </a:fontRef>
+        </p:style>
+        <p:txBody>
+          <a:bodyPr rtlCol="0" anchor="ctr"/>
+          <a:lstStyle/>
+          <a:p>
+            <a:pPr algn="ctr"/>
+            <a:r>
+              <a:rPr lang="en-US" dirty="0"/>
+              <a:t>Runtime’s Management</a:t>
+            </a:r>
+          </a:p>
+        </p:txBody>
+      </p:sp>
+      <p:sp>
+        <p:nvSpPr>
+          <p:cNvPr id="11" name="Rectangle: Rounded Corners 10">
+            <a:extLst>
+              <a:ext uri="{FF2B5EF4-FFF2-40B4-BE49-F238E27FC236}">
+                <a16:creationId xmlns:a16="http://schemas.microsoft.com/office/drawing/2014/main" id="{4D27B462-0403-79E1-FD21-40C1F106D7CA}"/>
+              </a:ext>
+            </a:extLst>
+          </p:cNvPr>
+          <p:cNvSpPr/>
+          <p:nvPr/>
+        </p:nvSpPr>
+        <p:spPr>
+          <a:xfrm>
+            <a:off x="7800884" y="952257"/>
+            <a:ext cx="3813106" cy="2950584"/>
+          </a:xfrm>
+          <a:prstGeom prst="roundRect">
+            <a:avLst>
+              <a:gd name="adj" fmla="val 12160"/>
+            </a:avLst>
+          </a:prstGeom>
+        </p:spPr>
+        <p:style>
+          <a:lnRef idx="1">
+            <a:schemeClr val="accent3"/>
+          </a:lnRef>
+          <a:fillRef idx="2">
+            <a:schemeClr val="accent3"/>
+          </a:fillRef>
+          <a:effectRef idx="1">
+            <a:schemeClr val="accent3"/>
+          </a:effectRef>
+          <a:fontRef idx="minor">
+            <a:schemeClr val="dk1"/>
+          </a:fontRef>
+        </p:style>
+        <p:txBody>
+          <a:bodyPr rtlCol="0" anchor="t"/>
+          <a:lstStyle/>
+          <a:p>
+            <a:pPr marL="285750" indent="-216000">
+              <a:buFont typeface="Arial" panose="020B0604020202020204" pitchFamily="34" charset="0"/>
+              <a:buChar char="•"/>
+            </a:pPr>
+            <a:r>
+              <a:rPr lang="en-US" sz="1400" dirty="0"/>
+              <a:t>Creates and manages </a:t>
+            </a:r>
+            <a:r>
+              <a:rPr lang="en-US" sz="1400" dirty="0" err="1"/>
+              <a:t>ECSes</a:t>
+            </a:r>
+            <a:endParaRPr lang="en-US" sz="1400" dirty="0"/>
+          </a:p>
+          <a:p>
+            <a:pPr marL="285750" indent="-216000">
+              <a:buFont typeface="Arial" panose="020B0604020202020204" pitchFamily="34" charset="0"/>
+              <a:buChar char="•"/>
+            </a:pPr>
+            <a:r>
+              <a:rPr lang="en-US" sz="1400" dirty="0"/>
+              <a:t>Decides what to load and what to unload</a:t>
+            </a:r>
+          </a:p>
+        </p:txBody>
+      </p:sp>
+      <p:sp>
+        <p:nvSpPr>
+          <p:cNvPr id="16" name="Rectangle: Rounded Corners 15">
+            <a:extLst>
+              <a:ext uri="{FF2B5EF4-FFF2-40B4-BE49-F238E27FC236}">
+                <a16:creationId xmlns:a16="http://schemas.microsoft.com/office/drawing/2014/main" id="{E95E1443-876E-5358-E360-96AECB58DB48}"/>
+              </a:ext>
+            </a:extLst>
+          </p:cNvPr>
+          <p:cNvSpPr/>
+          <p:nvPr/>
+        </p:nvSpPr>
+        <p:spPr>
+          <a:xfrm>
+            <a:off x="8917442" y="789824"/>
+            <a:ext cx="1698172" cy="291173"/>
+          </a:xfrm>
+          <a:prstGeom prst="roundRect">
+            <a:avLst/>
+          </a:prstGeom>
+        </p:spPr>
+        <p:style>
+          <a:lnRef idx="0">
+            <a:schemeClr val="accent3"/>
+          </a:lnRef>
+          <a:fillRef idx="3">
+            <a:schemeClr val="accent3"/>
+          </a:fillRef>
+          <a:effectRef idx="3">
+            <a:schemeClr val="accent3"/>
+          </a:effectRef>
+          <a:fontRef idx="minor">
+            <a:schemeClr val="lt1"/>
+          </a:fontRef>
+        </p:style>
+        <p:txBody>
+          <a:bodyPr rtlCol="0" anchor="ctr"/>
+          <a:lstStyle/>
+          <a:p>
+            <a:pPr algn="ctr"/>
+            <a:r>
+              <a:rPr lang="en-US" dirty="0" err="1"/>
+              <a:t>AssetsManager</a:t>
+            </a:r>
+            <a:endParaRPr lang="en-US" dirty="0"/>
+          </a:p>
+        </p:txBody>
+      </p:sp>
+      <p:sp>
+        <p:nvSpPr>
+          <p:cNvPr id="20" name="Rectangle: Rounded Corners 19">
+            <a:extLst>
+              <a:ext uri="{FF2B5EF4-FFF2-40B4-BE49-F238E27FC236}">
+                <a16:creationId xmlns:a16="http://schemas.microsoft.com/office/drawing/2014/main" id="{9A7AA30D-BFD4-79CE-25C5-CBEA8C68FD00}"/>
+              </a:ext>
+            </a:extLst>
+          </p:cNvPr>
+          <p:cNvSpPr/>
+          <p:nvPr/>
+        </p:nvSpPr>
+        <p:spPr>
+          <a:xfrm>
+            <a:off x="8887896" y="4694266"/>
+            <a:ext cx="1698172" cy="291173"/>
+          </a:xfrm>
+          <a:prstGeom prst="roundRect">
+            <a:avLst/>
+          </a:prstGeom>
+        </p:spPr>
+        <p:style>
+          <a:lnRef idx="0">
+            <a:schemeClr val="accent1"/>
+          </a:lnRef>
+          <a:fillRef idx="3">
+            <a:schemeClr val="accent1"/>
+          </a:fillRef>
+          <a:effectRef idx="3">
+            <a:schemeClr val="accent1"/>
+          </a:effectRef>
+          <a:fontRef idx="minor">
+            <a:schemeClr val="lt1"/>
+          </a:fontRef>
+        </p:style>
+        <p:txBody>
+          <a:bodyPr rtlCol="0" anchor="ctr"/>
+          <a:lstStyle/>
+          <a:p>
+            <a:r>
+              <a:rPr lang="pl-PL" dirty="0" err="1"/>
+              <a:t>TextureLoader</a:t>
+            </a:r>
+            <a:endParaRPr lang="en-US" dirty="0"/>
+          </a:p>
+        </p:txBody>
+      </p:sp>
+      <p:sp>
+        <p:nvSpPr>
+          <p:cNvPr id="21" name="Rectangle: Rounded Corners 20">
+            <a:extLst>
+              <a:ext uri="{FF2B5EF4-FFF2-40B4-BE49-F238E27FC236}">
+                <a16:creationId xmlns:a16="http://schemas.microsoft.com/office/drawing/2014/main" id="{91C8088E-D709-D392-3900-8A97632FCCE3}"/>
+              </a:ext>
+            </a:extLst>
+          </p:cNvPr>
+          <p:cNvSpPr/>
+          <p:nvPr/>
+        </p:nvSpPr>
+        <p:spPr>
+          <a:xfrm>
+            <a:off x="8887896" y="5079062"/>
+            <a:ext cx="1698172" cy="291173"/>
+          </a:xfrm>
+          <a:prstGeom prst="roundRect">
+            <a:avLst/>
+          </a:prstGeom>
+        </p:spPr>
+        <p:style>
+          <a:lnRef idx="0">
+            <a:schemeClr val="accent1"/>
+          </a:lnRef>
+          <a:fillRef idx="3">
+            <a:schemeClr val="accent1"/>
+          </a:fillRef>
+          <a:effectRef idx="3">
+            <a:schemeClr val="accent1"/>
+          </a:effectRef>
+          <a:fontRef idx="minor">
+            <a:schemeClr val="lt1"/>
+          </a:fontRef>
+        </p:style>
+        <p:txBody>
+          <a:bodyPr rtlCol="0" anchor="ctr"/>
+          <a:lstStyle/>
+          <a:p>
+            <a:r>
+              <a:rPr lang="pl-PL" dirty="0" err="1"/>
+              <a:t>Shader</a:t>
+            </a:r>
+            <a:r>
+              <a:rPr lang="en-US" dirty="0"/>
+              <a:t>Loader</a:t>
+            </a:r>
+          </a:p>
+        </p:txBody>
+      </p:sp>
+      <p:sp>
+        <p:nvSpPr>
+          <p:cNvPr id="22" name="Rectangle: Rounded Corners 21">
+            <a:extLst>
+              <a:ext uri="{FF2B5EF4-FFF2-40B4-BE49-F238E27FC236}">
+                <a16:creationId xmlns:a16="http://schemas.microsoft.com/office/drawing/2014/main" id="{E1B96F15-E655-ACC0-8971-BDE84D0E67B4}"/>
+              </a:ext>
+            </a:extLst>
+          </p:cNvPr>
+          <p:cNvSpPr/>
+          <p:nvPr/>
+        </p:nvSpPr>
+        <p:spPr>
+          <a:xfrm>
+            <a:off x="8887896" y="5463858"/>
+            <a:ext cx="1698172" cy="291173"/>
+          </a:xfrm>
+          <a:prstGeom prst="roundRect">
+            <a:avLst/>
+          </a:prstGeom>
+        </p:spPr>
+        <p:style>
+          <a:lnRef idx="0">
+            <a:schemeClr val="accent1"/>
+          </a:lnRef>
+          <a:fillRef idx="3">
+            <a:schemeClr val="accent1"/>
+          </a:fillRef>
+          <a:effectRef idx="3">
+            <a:schemeClr val="accent1"/>
+          </a:effectRef>
+          <a:fontRef idx="minor">
+            <a:schemeClr val="lt1"/>
+          </a:fontRef>
+        </p:style>
+        <p:txBody>
+          <a:bodyPr rtlCol="0" anchor="ctr"/>
+          <a:lstStyle/>
+          <a:p>
+            <a:r>
+              <a:rPr lang="pl-PL" dirty="0" err="1"/>
+              <a:t>Material</a:t>
+            </a:r>
+            <a:r>
+              <a:rPr lang="en-US" dirty="0"/>
+              <a:t>Loader</a:t>
+            </a:r>
+          </a:p>
+        </p:txBody>
+      </p:sp>
+      <p:sp>
+        <p:nvSpPr>
+          <p:cNvPr id="23" name="Rectangle: Rounded Corners 22">
+            <a:extLst>
+              <a:ext uri="{FF2B5EF4-FFF2-40B4-BE49-F238E27FC236}">
+                <a16:creationId xmlns:a16="http://schemas.microsoft.com/office/drawing/2014/main" id="{5DFE7CE4-B094-F994-4B5C-D0B4AA11D0DC}"/>
+              </a:ext>
+            </a:extLst>
+          </p:cNvPr>
+          <p:cNvSpPr/>
+          <p:nvPr/>
+        </p:nvSpPr>
+        <p:spPr>
+          <a:xfrm>
+            <a:off x="8887896" y="5848654"/>
+            <a:ext cx="1698172" cy="291173"/>
+          </a:xfrm>
+          <a:prstGeom prst="roundRect">
+            <a:avLst/>
+          </a:prstGeom>
+        </p:spPr>
+        <p:style>
+          <a:lnRef idx="0">
+            <a:schemeClr val="accent1"/>
+          </a:lnRef>
+          <a:fillRef idx="3">
+            <a:schemeClr val="accent1"/>
+          </a:fillRef>
+          <a:effectRef idx="3">
+            <a:schemeClr val="accent1"/>
+          </a:effectRef>
+          <a:fontRef idx="minor">
+            <a:schemeClr val="lt1"/>
+          </a:fontRef>
+        </p:style>
+        <p:txBody>
+          <a:bodyPr rtlCol="0" anchor="ctr"/>
+          <a:lstStyle/>
+          <a:p>
+            <a:r>
+              <a:rPr lang="pl-PL" dirty="0"/>
+              <a:t>Audio</a:t>
+            </a:r>
+            <a:r>
+              <a:rPr lang="en-US" dirty="0"/>
+              <a:t>Loader</a:t>
+            </a:r>
+          </a:p>
+        </p:txBody>
+      </p:sp>
+      <p:sp>
+        <p:nvSpPr>
+          <p:cNvPr id="24" name="Rectangle: Rounded Corners 23">
+            <a:extLst>
+              <a:ext uri="{FF2B5EF4-FFF2-40B4-BE49-F238E27FC236}">
+                <a16:creationId xmlns:a16="http://schemas.microsoft.com/office/drawing/2014/main" id="{3EF42813-46D0-10FD-67DE-D6BACF08FB44}"/>
+              </a:ext>
+            </a:extLst>
+          </p:cNvPr>
+          <p:cNvSpPr/>
+          <p:nvPr/>
+        </p:nvSpPr>
+        <p:spPr>
+          <a:xfrm>
+            <a:off x="1468017" y="964033"/>
+            <a:ext cx="2396644" cy="363190"/>
+          </a:xfrm>
+          <a:prstGeom prst="roundRect">
+            <a:avLst>
+              <a:gd name="adj" fmla="val 12160"/>
+            </a:avLst>
+          </a:prstGeom>
+        </p:spPr>
+        <p:style>
+          <a:lnRef idx="1">
+            <a:schemeClr val="accent1"/>
+          </a:lnRef>
+          <a:fillRef idx="2">
+            <a:schemeClr val="accent1"/>
+          </a:fillRef>
+          <a:effectRef idx="1">
+            <a:schemeClr val="accent1"/>
+          </a:effectRef>
+          <a:fontRef idx="minor">
+            <a:schemeClr val="dk1"/>
+          </a:fontRef>
+        </p:style>
+        <p:txBody>
+          <a:bodyPr rtlCol="0" anchor="b"/>
+          <a:lstStyle/>
+          <a:p>
+            <a:pPr marL="285750" indent="-216000">
+              <a:buFont typeface="Arial" panose="020B0604020202020204" pitchFamily="34" charset="0"/>
+              <a:buChar char="•"/>
+            </a:pPr>
+            <a:r>
+              <a:rPr lang="en-US" sz="1400" dirty="0"/>
+              <a:t>Generic interface to ECS</a:t>
+            </a:r>
+          </a:p>
+        </p:txBody>
+      </p:sp>
+      <p:sp>
+        <p:nvSpPr>
+          <p:cNvPr id="25" name="Rectangle: Rounded Corners 24">
+            <a:extLst>
+              <a:ext uri="{FF2B5EF4-FFF2-40B4-BE49-F238E27FC236}">
+                <a16:creationId xmlns:a16="http://schemas.microsoft.com/office/drawing/2014/main" id="{F2C9A6F4-DA46-462F-FA1E-C718EDD33103}"/>
+              </a:ext>
+            </a:extLst>
+          </p:cNvPr>
+          <p:cNvSpPr/>
+          <p:nvPr/>
+        </p:nvSpPr>
+        <p:spPr>
+          <a:xfrm>
+            <a:off x="2293116" y="732006"/>
+            <a:ext cx="746446" cy="291173"/>
+          </a:xfrm>
+          <a:prstGeom prst="roundRect">
+            <a:avLst/>
+          </a:prstGeom>
+        </p:spPr>
+        <p:style>
+          <a:lnRef idx="0">
+            <a:schemeClr val="accent1"/>
+          </a:lnRef>
+          <a:fillRef idx="3">
+            <a:schemeClr val="accent1"/>
+          </a:fillRef>
+          <a:effectRef idx="3">
+            <a:schemeClr val="accent1"/>
+          </a:effectRef>
+          <a:fontRef idx="minor">
+            <a:schemeClr val="lt1"/>
+          </a:fontRef>
+        </p:style>
+        <p:txBody>
+          <a:bodyPr rtlCol="0" anchor="ctr"/>
+          <a:lstStyle/>
+          <a:p>
+            <a:pPr algn="ctr"/>
+            <a:r>
+              <a:rPr lang="en-US" dirty="0"/>
+              <a:t>Asset</a:t>
+            </a:r>
+          </a:p>
+        </p:txBody>
+      </p:sp>
+      <p:sp>
+        <p:nvSpPr>
+          <p:cNvPr id="26" name="Rectangle: Rounded Corners 25">
+            <a:extLst>
+              <a:ext uri="{FF2B5EF4-FFF2-40B4-BE49-F238E27FC236}">
+                <a16:creationId xmlns:a16="http://schemas.microsoft.com/office/drawing/2014/main" id="{085EAEF1-A414-DCE0-CB7D-4284A65BA02B}"/>
+              </a:ext>
+            </a:extLst>
+          </p:cNvPr>
+          <p:cNvSpPr/>
+          <p:nvPr/>
+        </p:nvSpPr>
+        <p:spPr>
+          <a:xfrm>
+            <a:off x="580547" y="1663074"/>
+            <a:ext cx="5312226" cy="1645323"/>
+          </a:xfrm>
+          <a:prstGeom prst="roundRect">
+            <a:avLst>
+              <a:gd name="adj" fmla="val 7245"/>
+            </a:avLst>
+          </a:prstGeom>
+        </p:spPr>
+        <p:style>
+          <a:lnRef idx="1">
+            <a:schemeClr val="accent1"/>
+          </a:lnRef>
+          <a:fillRef idx="2">
+            <a:schemeClr val="accent1"/>
+          </a:fillRef>
+          <a:effectRef idx="1">
+            <a:schemeClr val="accent1"/>
+          </a:effectRef>
+          <a:fontRef idx="minor">
+            <a:schemeClr val="dk1"/>
+          </a:fontRef>
+        </p:style>
+        <p:txBody>
+          <a:bodyPr rtlCol="0" anchor="ctr"/>
+          <a:lstStyle/>
+          <a:p>
+            <a:pPr marL="285750" indent="-216000">
+              <a:buFont typeface="Arial" panose="020B0604020202020204" pitchFamily="34" charset="0"/>
+              <a:buChar char="•"/>
+            </a:pPr>
+            <a:r>
+              <a:rPr lang="en-US" sz="1400" dirty="0"/>
+              <a:t>Concrete Asset</a:t>
+            </a:r>
+          </a:p>
+          <a:p>
+            <a:pPr marL="285750" indent="-216000">
+              <a:buFont typeface="Arial" panose="020B0604020202020204" pitchFamily="34" charset="0"/>
+              <a:buChar char="•"/>
+            </a:pPr>
+            <a:r>
+              <a:rPr lang="en-US" sz="1400" dirty="0"/>
+              <a:t>Public only methods specific to its</a:t>
+            </a:r>
+            <a:br>
+              <a:rPr lang="en-US" sz="1400" dirty="0"/>
+            </a:br>
+            <a:r>
+              <a:rPr lang="en-US" sz="1400" dirty="0"/>
+              <a:t>asset type</a:t>
+            </a:r>
+          </a:p>
+          <a:p>
+            <a:pPr marL="285750" indent="-216000">
+              <a:buFont typeface="Arial" panose="020B0604020202020204" pitchFamily="34" charset="0"/>
+              <a:buChar char="•"/>
+            </a:pPr>
+            <a:r>
+              <a:rPr lang="en-US" sz="1400" dirty="0"/>
+              <a:t>Can be conceptualized as an asset</a:t>
+            </a:r>
+            <a:br>
+              <a:rPr lang="en-US" sz="1400" dirty="0"/>
+            </a:br>
+            <a:r>
+              <a:rPr lang="en-US" sz="1400" dirty="0"/>
+              <a:t>itself, but actually is just an interface</a:t>
+            </a:r>
+            <a:br>
+              <a:rPr lang="en-US" sz="1400" dirty="0"/>
+            </a:br>
+            <a:r>
+              <a:rPr lang="en-US" sz="1400" dirty="0"/>
+              <a:t>to ECS</a:t>
+            </a:r>
+          </a:p>
+        </p:txBody>
+      </p:sp>
+      <p:sp>
+        <p:nvSpPr>
+          <p:cNvPr id="29" name="Rectangle: Rounded Corners 28">
+            <a:extLst>
+              <a:ext uri="{FF2B5EF4-FFF2-40B4-BE49-F238E27FC236}">
+                <a16:creationId xmlns:a16="http://schemas.microsoft.com/office/drawing/2014/main" id="{74B9983E-B778-6BFD-97D6-90BE954CD878}"/>
+              </a:ext>
+            </a:extLst>
+          </p:cNvPr>
+          <p:cNvSpPr/>
+          <p:nvPr/>
+        </p:nvSpPr>
+        <p:spPr>
+          <a:xfrm>
+            <a:off x="4114513" y="1758268"/>
+            <a:ext cx="1698172" cy="291173"/>
+          </a:xfrm>
+          <a:prstGeom prst="roundRect">
+            <a:avLst/>
+          </a:prstGeom>
+        </p:spPr>
+        <p:style>
+          <a:lnRef idx="0">
+            <a:schemeClr val="accent1"/>
+          </a:lnRef>
+          <a:fillRef idx="3">
+            <a:schemeClr val="accent1"/>
+          </a:fillRef>
+          <a:effectRef idx="3">
+            <a:schemeClr val="accent1"/>
+          </a:effectRef>
+          <a:fontRef idx="minor">
+            <a:schemeClr val="lt1"/>
+          </a:fontRef>
+        </p:style>
+        <p:txBody>
+          <a:bodyPr rtlCol="0" anchor="ctr"/>
+          <a:lstStyle/>
+          <a:p>
+            <a:r>
+              <a:rPr lang="en-US" dirty="0"/>
+              <a:t>Texture : Asset</a:t>
+            </a:r>
+          </a:p>
+        </p:txBody>
+      </p:sp>
+      <p:sp>
+        <p:nvSpPr>
+          <p:cNvPr id="30" name="Rectangle: Rounded Corners 29">
+            <a:extLst>
+              <a:ext uri="{FF2B5EF4-FFF2-40B4-BE49-F238E27FC236}">
+                <a16:creationId xmlns:a16="http://schemas.microsoft.com/office/drawing/2014/main" id="{8F679557-2737-50F4-CB08-593E0B2C31EB}"/>
+              </a:ext>
+            </a:extLst>
+          </p:cNvPr>
+          <p:cNvSpPr/>
+          <p:nvPr/>
+        </p:nvSpPr>
+        <p:spPr>
+          <a:xfrm>
+            <a:off x="4114513" y="2143064"/>
+            <a:ext cx="1698172" cy="291173"/>
+          </a:xfrm>
+          <a:prstGeom prst="roundRect">
+            <a:avLst/>
+          </a:prstGeom>
+        </p:spPr>
+        <p:style>
+          <a:lnRef idx="0">
+            <a:schemeClr val="accent1"/>
+          </a:lnRef>
+          <a:fillRef idx="3">
+            <a:schemeClr val="accent1"/>
+          </a:fillRef>
+          <a:effectRef idx="3">
+            <a:schemeClr val="accent1"/>
+          </a:effectRef>
+          <a:fontRef idx="minor">
+            <a:schemeClr val="lt1"/>
+          </a:fontRef>
+        </p:style>
+        <p:txBody>
+          <a:bodyPr rtlCol="0" anchor="ctr"/>
+          <a:lstStyle/>
+          <a:p>
+            <a:r>
+              <a:rPr lang="en-US" dirty="0"/>
+              <a:t>Shader : Asset</a:t>
+            </a:r>
+          </a:p>
+        </p:txBody>
+      </p:sp>
+      <p:sp>
+        <p:nvSpPr>
+          <p:cNvPr id="31" name="Rectangle: Rounded Corners 30">
+            <a:extLst>
+              <a:ext uri="{FF2B5EF4-FFF2-40B4-BE49-F238E27FC236}">
+                <a16:creationId xmlns:a16="http://schemas.microsoft.com/office/drawing/2014/main" id="{70A4F2A2-BE78-F95E-C47E-3E2C5C01F0FB}"/>
+              </a:ext>
+            </a:extLst>
+          </p:cNvPr>
+          <p:cNvSpPr/>
+          <p:nvPr/>
+        </p:nvSpPr>
+        <p:spPr>
+          <a:xfrm>
+            <a:off x="4114513" y="2527860"/>
+            <a:ext cx="1698172" cy="291173"/>
+          </a:xfrm>
+          <a:prstGeom prst="roundRect">
+            <a:avLst/>
+          </a:prstGeom>
+        </p:spPr>
+        <p:style>
+          <a:lnRef idx="0">
+            <a:schemeClr val="accent1"/>
+          </a:lnRef>
+          <a:fillRef idx="3">
+            <a:schemeClr val="accent1"/>
+          </a:fillRef>
+          <a:effectRef idx="3">
+            <a:schemeClr val="accent1"/>
+          </a:effectRef>
+          <a:fontRef idx="minor">
+            <a:schemeClr val="lt1"/>
+          </a:fontRef>
+        </p:style>
+        <p:txBody>
+          <a:bodyPr rtlCol="0" anchor="ctr"/>
+          <a:lstStyle/>
+          <a:p>
+            <a:r>
+              <a:rPr lang="en-US" dirty="0"/>
+              <a:t>Material : Asset</a:t>
+            </a:r>
+          </a:p>
+        </p:txBody>
+      </p:sp>
+      <p:sp>
+        <p:nvSpPr>
+          <p:cNvPr id="32" name="Rectangle: Rounded Corners 31">
+            <a:extLst>
+              <a:ext uri="{FF2B5EF4-FFF2-40B4-BE49-F238E27FC236}">
+                <a16:creationId xmlns:a16="http://schemas.microsoft.com/office/drawing/2014/main" id="{F0D7A861-8771-2F69-5AF5-A01C91A04648}"/>
+              </a:ext>
+            </a:extLst>
+          </p:cNvPr>
+          <p:cNvSpPr/>
+          <p:nvPr/>
+        </p:nvSpPr>
+        <p:spPr>
+          <a:xfrm>
+            <a:off x="4114513" y="2912656"/>
+            <a:ext cx="1698172" cy="291173"/>
+          </a:xfrm>
+          <a:prstGeom prst="roundRect">
+            <a:avLst/>
+          </a:prstGeom>
+        </p:spPr>
+        <p:style>
+          <a:lnRef idx="0">
+            <a:schemeClr val="accent1"/>
+          </a:lnRef>
+          <a:fillRef idx="3">
+            <a:schemeClr val="accent1"/>
+          </a:fillRef>
+          <a:effectRef idx="3">
+            <a:schemeClr val="accent1"/>
+          </a:effectRef>
+          <a:fontRef idx="minor">
+            <a:schemeClr val="lt1"/>
+          </a:fontRef>
+        </p:style>
+        <p:txBody>
+          <a:bodyPr rtlCol="0" anchor="ctr"/>
+          <a:lstStyle/>
+          <a:p>
+            <a:r>
+              <a:rPr lang="en-US" dirty="0"/>
+              <a:t>Audio : Asset</a:t>
+            </a:r>
+          </a:p>
+        </p:txBody>
+      </p:sp>
+      <p:cxnSp>
+        <p:nvCxnSpPr>
+          <p:cNvPr id="34" name="Straight Arrow Connector 33">
+            <a:extLst>
+              <a:ext uri="{FF2B5EF4-FFF2-40B4-BE49-F238E27FC236}">
+                <a16:creationId xmlns:a16="http://schemas.microsoft.com/office/drawing/2014/main" id="{368638C0-86FD-BF63-CFD7-AD8590CC15AA}"/>
+              </a:ext>
+            </a:extLst>
+          </p:cNvPr>
+          <p:cNvCxnSpPr>
+            <a:cxnSpLocks/>
+          </p:cNvCxnSpPr>
+          <p:nvPr/>
+        </p:nvCxnSpPr>
+        <p:spPr>
+          <a:xfrm>
+            <a:off x="3740513" y="1327223"/>
+            <a:ext cx="0" cy="335851"/>
+          </a:xfrm>
+          <a:prstGeom prst="straightConnector1">
+            <a:avLst/>
+          </a:prstGeom>
+          <a:ln>
+            <a:tailEnd type="triangle"/>
+          </a:ln>
+        </p:spPr>
+        <p:style>
+          <a:lnRef idx="3">
+            <a:schemeClr val="accent1"/>
+          </a:lnRef>
+          <a:fillRef idx="0">
+            <a:schemeClr val="accent1"/>
+          </a:fillRef>
+          <a:effectRef idx="2">
+            <a:schemeClr val="accent1"/>
+          </a:effectRef>
+          <a:fontRef idx="minor">
+            <a:schemeClr val="tx1"/>
+          </a:fontRef>
+        </p:style>
+      </p:cxnSp>
+      <p:cxnSp>
+        <p:nvCxnSpPr>
+          <p:cNvPr id="39" name="Connector: Elbow 38">
+            <a:extLst>
+              <a:ext uri="{FF2B5EF4-FFF2-40B4-BE49-F238E27FC236}">
+                <a16:creationId xmlns:a16="http://schemas.microsoft.com/office/drawing/2014/main" id="{CAD081EE-3F1B-2C36-94C4-8FB30D431875}"/>
+              </a:ext>
+            </a:extLst>
+          </p:cNvPr>
+          <p:cNvCxnSpPr>
+            <a:endCxn id="32" idx="1"/>
+          </p:cNvCxnSpPr>
+          <p:nvPr/>
+        </p:nvCxnSpPr>
+        <p:spPr>
+          <a:xfrm rot="16200000" flipH="1">
+            <a:off x="3229929" y="2173658"/>
+            <a:ext cx="1395169" cy="374000"/>
+          </a:xfrm>
+          <a:prstGeom prst="bentConnector2">
+            <a:avLst/>
+          </a:prstGeom>
+          <a:ln>
+            <a:tailEnd type="triangle"/>
+          </a:ln>
+        </p:spPr>
+        <p:style>
+          <a:lnRef idx="3">
+            <a:schemeClr val="accent1"/>
+          </a:lnRef>
+          <a:fillRef idx="0">
+            <a:schemeClr val="accent1"/>
+          </a:fillRef>
+          <a:effectRef idx="2">
+            <a:schemeClr val="accent1"/>
+          </a:effectRef>
+          <a:fontRef idx="minor">
+            <a:schemeClr val="tx1"/>
+          </a:fontRef>
+        </p:style>
+      </p:cxnSp>
+      <p:cxnSp>
+        <p:nvCxnSpPr>
+          <p:cNvPr id="41" name="Connector: Elbow 40">
+            <a:extLst>
+              <a:ext uri="{FF2B5EF4-FFF2-40B4-BE49-F238E27FC236}">
+                <a16:creationId xmlns:a16="http://schemas.microsoft.com/office/drawing/2014/main" id="{750701F6-5177-1999-9EA9-4246A9AEFB83}"/>
+              </a:ext>
+            </a:extLst>
+          </p:cNvPr>
+          <p:cNvCxnSpPr>
+            <a:endCxn id="31" idx="1"/>
+          </p:cNvCxnSpPr>
+          <p:nvPr/>
+        </p:nvCxnSpPr>
+        <p:spPr>
+          <a:xfrm rot="16200000" flipH="1">
+            <a:off x="3422325" y="1981259"/>
+            <a:ext cx="1010374" cy="374001"/>
+          </a:xfrm>
+          <a:prstGeom prst="bentConnector2">
+            <a:avLst/>
+          </a:prstGeom>
+          <a:ln>
+            <a:tailEnd type="triangle"/>
+          </a:ln>
+        </p:spPr>
+        <p:style>
+          <a:lnRef idx="3">
+            <a:schemeClr val="accent1"/>
+          </a:lnRef>
+          <a:fillRef idx="0">
+            <a:schemeClr val="accent1"/>
+          </a:fillRef>
+          <a:effectRef idx="2">
+            <a:schemeClr val="accent1"/>
+          </a:effectRef>
+          <a:fontRef idx="minor">
+            <a:schemeClr val="tx1"/>
+          </a:fontRef>
+        </p:style>
+      </p:cxnSp>
+      <p:cxnSp>
+        <p:nvCxnSpPr>
+          <p:cNvPr id="43" name="Connector: Elbow 42">
+            <a:extLst>
+              <a:ext uri="{FF2B5EF4-FFF2-40B4-BE49-F238E27FC236}">
+                <a16:creationId xmlns:a16="http://schemas.microsoft.com/office/drawing/2014/main" id="{FDA2C075-ACAB-899D-7CC7-AF48D767B0BC}"/>
+              </a:ext>
+            </a:extLst>
+          </p:cNvPr>
+          <p:cNvCxnSpPr>
+            <a:endCxn id="30" idx="1"/>
+          </p:cNvCxnSpPr>
+          <p:nvPr/>
+        </p:nvCxnSpPr>
+        <p:spPr>
+          <a:xfrm rot="16200000" flipH="1">
+            <a:off x="3614722" y="1788859"/>
+            <a:ext cx="625579" cy="374003"/>
+          </a:xfrm>
+          <a:prstGeom prst="bentConnector2">
+            <a:avLst/>
+          </a:prstGeom>
+          <a:ln>
+            <a:tailEnd type="triangle"/>
+          </a:ln>
+        </p:spPr>
+        <p:style>
+          <a:lnRef idx="3">
+            <a:schemeClr val="accent1"/>
+          </a:lnRef>
+          <a:fillRef idx="0">
+            <a:schemeClr val="accent1"/>
+          </a:fillRef>
+          <a:effectRef idx="2">
+            <a:schemeClr val="accent1"/>
+          </a:effectRef>
+          <a:fontRef idx="minor">
+            <a:schemeClr val="tx1"/>
+          </a:fontRef>
+        </p:style>
+      </p:cxnSp>
+      <p:cxnSp>
+        <p:nvCxnSpPr>
+          <p:cNvPr id="45" name="Connector: Elbow 44">
+            <a:extLst>
+              <a:ext uri="{FF2B5EF4-FFF2-40B4-BE49-F238E27FC236}">
+                <a16:creationId xmlns:a16="http://schemas.microsoft.com/office/drawing/2014/main" id="{93FCDE67-0159-EB48-396A-210D41E520E1}"/>
+              </a:ext>
+            </a:extLst>
+          </p:cNvPr>
+          <p:cNvCxnSpPr>
+            <a:endCxn id="29" idx="1"/>
+          </p:cNvCxnSpPr>
+          <p:nvPr/>
+        </p:nvCxnSpPr>
+        <p:spPr>
+          <a:xfrm>
+            <a:off x="3740509" y="1663070"/>
+            <a:ext cx="374004" cy="240785"/>
+          </a:xfrm>
+          <a:prstGeom prst="bentConnector3">
+            <a:avLst>
+              <a:gd name="adj1" fmla="val 104"/>
+            </a:avLst>
+          </a:prstGeom>
+          <a:ln>
+            <a:tailEnd type="triangle"/>
+          </a:ln>
+        </p:spPr>
+        <p:style>
+          <a:lnRef idx="3">
+            <a:schemeClr val="accent1"/>
+          </a:lnRef>
+          <a:fillRef idx="0">
+            <a:schemeClr val="accent1"/>
+          </a:fillRef>
+          <a:effectRef idx="2">
+            <a:schemeClr val="accent1"/>
+          </a:effectRef>
+          <a:fontRef idx="minor">
+            <a:schemeClr val="tx1"/>
+          </a:fontRef>
+        </p:style>
+      </p:cxnSp>
+      <p:sp>
+        <p:nvSpPr>
+          <p:cNvPr id="48" name="Rectangle: Rounded Corners 47">
+            <a:extLst>
+              <a:ext uri="{FF2B5EF4-FFF2-40B4-BE49-F238E27FC236}">
+                <a16:creationId xmlns:a16="http://schemas.microsoft.com/office/drawing/2014/main" id="{B1B16EFC-0F53-09AF-F5F4-6F198738767F}"/>
+              </a:ext>
+            </a:extLst>
+          </p:cNvPr>
+          <p:cNvSpPr/>
+          <p:nvPr/>
+        </p:nvSpPr>
+        <p:spPr>
+          <a:xfrm>
+            <a:off x="2099110" y="3529491"/>
+            <a:ext cx="2310881" cy="291173"/>
+          </a:xfrm>
+          <a:prstGeom prst="roundRect">
+            <a:avLst/>
+          </a:prstGeom>
+        </p:spPr>
+        <p:style>
+          <a:lnRef idx="0">
+            <a:schemeClr val="accent1"/>
+          </a:lnRef>
+          <a:fillRef idx="3">
+            <a:schemeClr val="accent1"/>
+          </a:fillRef>
+          <a:effectRef idx="3">
+            <a:schemeClr val="accent1"/>
+          </a:effectRef>
+          <a:fontRef idx="minor">
+            <a:schemeClr val="lt1"/>
+          </a:fontRef>
+        </p:style>
+        <p:txBody>
+          <a:bodyPr rtlCol="0" anchor="ctr"/>
+          <a:lstStyle/>
+          <a:p>
+            <a:pPr algn="ctr"/>
+            <a:r>
+              <a:rPr lang="en-US" dirty="0" err="1"/>
+              <a:t>AssetHandle</a:t>
+            </a:r>
+            <a:r>
+              <a:rPr lang="en-US" dirty="0"/>
+              <a:t>&lt;</a:t>
+            </a:r>
+            <a:r>
+              <a:rPr lang="en-US" dirty="0" err="1"/>
+              <a:t>tnAsset</a:t>
+            </a:r>
+            <a:r>
+              <a:rPr lang="en-US" dirty="0"/>
+              <a:t>&gt;</a:t>
+            </a:r>
+          </a:p>
+        </p:txBody>
+      </p:sp>
+      <p:sp>
+        <p:nvSpPr>
+          <p:cNvPr id="19" name="Rectangle: Rounded Corners 18">
+            <a:extLst>
+              <a:ext uri="{FF2B5EF4-FFF2-40B4-BE49-F238E27FC236}">
+                <a16:creationId xmlns:a16="http://schemas.microsoft.com/office/drawing/2014/main" id="{0E718222-A285-B7AB-65DE-1190C8ED1063}"/>
+              </a:ext>
+            </a:extLst>
+          </p:cNvPr>
+          <p:cNvSpPr/>
+          <p:nvPr/>
+        </p:nvSpPr>
+        <p:spPr>
+          <a:xfrm>
+            <a:off x="8562879" y="2241829"/>
+            <a:ext cx="2712098" cy="1380037"/>
+          </a:xfrm>
+          <a:prstGeom prst="roundRect">
+            <a:avLst>
+              <a:gd name="adj" fmla="val 12160"/>
+            </a:avLst>
+          </a:prstGeom>
+        </p:spPr>
+        <p:style>
+          <a:lnRef idx="1">
+            <a:schemeClr val="accent1"/>
+          </a:lnRef>
+          <a:fillRef idx="2">
+            <a:schemeClr val="accent1"/>
+          </a:fillRef>
+          <a:effectRef idx="1">
+            <a:schemeClr val="accent1"/>
+          </a:effectRef>
+          <a:fontRef idx="minor">
+            <a:schemeClr val="dk1"/>
+          </a:fontRef>
+        </p:style>
+        <p:txBody>
+          <a:bodyPr rtlCol="0" anchor="t"/>
+          <a:lstStyle/>
+          <a:p>
+            <a:pPr algn="ctr"/>
+            <a:endParaRPr lang="en-US" dirty="0"/>
+          </a:p>
+        </p:txBody>
+      </p:sp>
+      <p:sp>
+        <p:nvSpPr>
+          <p:cNvPr id="18" name="Rectangle: Rounded Corners 17">
+            <a:extLst>
+              <a:ext uri="{FF2B5EF4-FFF2-40B4-BE49-F238E27FC236}">
+                <a16:creationId xmlns:a16="http://schemas.microsoft.com/office/drawing/2014/main" id="{E9063FDF-1E90-C287-F3CB-6DAC3167651D}"/>
+              </a:ext>
+            </a:extLst>
+          </p:cNvPr>
+          <p:cNvSpPr/>
+          <p:nvPr/>
+        </p:nvSpPr>
+        <p:spPr>
+          <a:xfrm>
+            <a:off x="8410479" y="2089429"/>
+            <a:ext cx="2712098" cy="1380037"/>
+          </a:xfrm>
+          <a:prstGeom prst="roundRect">
+            <a:avLst>
+              <a:gd name="adj" fmla="val 12160"/>
+            </a:avLst>
+          </a:prstGeom>
+        </p:spPr>
+        <p:style>
+          <a:lnRef idx="1">
+            <a:schemeClr val="accent1"/>
+          </a:lnRef>
+          <a:fillRef idx="2">
+            <a:schemeClr val="accent1"/>
+          </a:fillRef>
+          <a:effectRef idx="1">
+            <a:schemeClr val="accent1"/>
+          </a:effectRef>
+          <a:fontRef idx="minor">
+            <a:schemeClr val="dk1"/>
+          </a:fontRef>
+        </p:style>
+        <p:txBody>
+          <a:bodyPr rtlCol="0" anchor="t"/>
+          <a:lstStyle/>
+          <a:p>
+            <a:pPr algn="ctr"/>
+            <a:endParaRPr lang="en-US" dirty="0"/>
+          </a:p>
+        </p:txBody>
+      </p:sp>
+      <p:sp>
+        <p:nvSpPr>
+          <p:cNvPr id="17" name="Rectangle: Rounded Corners 16">
+            <a:extLst>
+              <a:ext uri="{FF2B5EF4-FFF2-40B4-BE49-F238E27FC236}">
+                <a16:creationId xmlns:a16="http://schemas.microsoft.com/office/drawing/2014/main" id="{305361BF-E5C7-487A-5E78-A32E29767BFB}"/>
+              </a:ext>
+            </a:extLst>
+          </p:cNvPr>
+          <p:cNvSpPr/>
+          <p:nvPr/>
+        </p:nvSpPr>
+        <p:spPr>
+          <a:xfrm>
+            <a:off x="8258079" y="1937029"/>
+            <a:ext cx="2712098" cy="1380037"/>
+          </a:xfrm>
+          <a:prstGeom prst="roundRect">
+            <a:avLst>
+              <a:gd name="adj" fmla="val 12160"/>
+            </a:avLst>
+          </a:prstGeom>
+        </p:spPr>
+        <p:style>
+          <a:lnRef idx="1">
+            <a:schemeClr val="accent1"/>
+          </a:lnRef>
+          <a:fillRef idx="2">
+            <a:schemeClr val="accent1"/>
+          </a:fillRef>
+          <a:effectRef idx="1">
+            <a:schemeClr val="accent1"/>
+          </a:effectRef>
+          <a:fontRef idx="minor">
+            <a:schemeClr val="dk1"/>
+          </a:fontRef>
+        </p:style>
+        <p:txBody>
+          <a:bodyPr rtlCol="0" anchor="t"/>
+          <a:lstStyle/>
+          <a:p>
+            <a:pPr algn="ctr"/>
+            <a:endParaRPr lang="en-US" dirty="0"/>
+          </a:p>
+        </p:txBody>
+      </p:sp>
+      <p:sp>
+        <p:nvSpPr>
+          <p:cNvPr id="5" name="Rectangle: Rounded Corners 4">
+            <a:extLst>
+              <a:ext uri="{FF2B5EF4-FFF2-40B4-BE49-F238E27FC236}">
+                <a16:creationId xmlns:a16="http://schemas.microsoft.com/office/drawing/2014/main" id="{F875D195-7BA4-C0B7-ABDD-9E716D5BCE41}"/>
+              </a:ext>
+            </a:extLst>
+          </p:cNvPr>
+          <p:cNvSpPr/>
+          <p:nvPr/>
+        </p:nvSpPr>
+        <p:spPr>
+          <a:xfrm>
+            <a:off x="8105679" y="1784629"/>
+            <a:ext cx="2712098" cy="1380037"/>
+          </a:xfrm>
+          <a:prstGeom prst="roundRect">
+            <a:avLst>
+              <a:gd name="adj" fmla="val 12160"/>
+            </a:avLst>
+          </a:prstGeom>
+        </p:spPr>
+        <p:style>
+          <a:lnRef idx="1">
+            <a:schemeClr val="accent1"/>
+          </a:lnRef>
+          <a:fillRef idx="2">
+            <a:schemeClr val="accent1"/>
+          </a:fillRef>
+          <a:effectRef idx="1">
+            <a:schemeClr val="accent1"/>
+          </a:effectRef>
+          <a:fontRef idx="minor">
+            <a:schemeClr val="dk1"/>
+          </a:fontRef>
+        </p:style>
+        <p:txBody>
+          <a:bodyPr rtlCol="0" anchor="t"/>
+          <a:lstStyle/>
+          <a:p>
+            <a:pPr algn="ctr"/>
+            <a:endParaRPr lang="en-US" dirty="0"/>
+          </a:p>
+        </p:txBody>
+      </p:sp>
+      <p:graphicFrame>
+        <p:nvGraphicFramePr>
+          <p:cNvPr id="6" name="Table 5">
+            <a:extLst>
+              <a:ext uri="{FF2B5EF4-FFF2-40B4-BE49-F238E27FC236}">
+                <a16:creationId xmlns:a16="http://schemas.microsoft.com/office/drawing/2014/main" id="{3394259D-24FB-489E-01BE-C86E3C45BFFE}"/>
+              </a:ext>
+            </a:extLst>
+          </p:cNvPr>
+          <p:cNvGraphicFramePr>
+            <a:graphicFrameLocks noGrp="1"/>
+          </p:cNvGraphicFramePr>
+          <p:nvPr>
+            <p:extLst>
+              <p:ext uri="{D42A27DB-BD31-4B8C-83A1-F6EECF244321}">
+                <p14:modId xmlns:p14="http://schemas.microsoft.com/office/powerpoint/2010/main" val="29952105"/>
+              </p:ext>
+            </p:extLst>
+          </p:nvPr>
+        </p:nvGraphicFramePr>
+        <p:xfrm>
+          <a:off x="8266893" y="2030652"/>
+          <a:ext cx="2389670" cy="182292"/>
+        </p:xfrm>
+        <a:graphic>
+          <a:graphicData uri="http://schemas.openxmlformats.org/drawingml/2006/table">
+            <a:tbl>
+              <a:tblPr firstRow="1" bandRow="1">
+                <a:tableStyleId>{93296810-A885-4BE3-A3E7-6D5BEEA58F35}</a:tableStyleId>
+              </a:tblPr>
+              <a:tblGrid>
+                <a:gridCol w="238967">
+                  <a:extLst>
+                    <a:ext uri="{9D8B030D-6E8A-4147-A177-3AD203B41FA5}">
+                      <a16:colId xmlns:a16="http://schemas.microsoft.com/office/drawing/2014/main" val="1452157560"/>
+                    </a:ext>
+                  </a:extLst>
+                </a:gridCol>
+                <a:gridCol w="238967">
+                  <a:extLst>
+                    <a:ext uri="{9D8B030D-6E8A-4147-A177-3AD203B41FA5}">
+                      <a16:colId xmlns:a16="http://schemas.microsoft.com/office/drawing/2014/main" val="2094690716"/>
+                    </a:ext>
+                  </a:extLst>
+                </a:gridCol>
+                <a:gridCol w="238967">
+                  <a:extLst>
+                    <a:ext uri="{9D8B030D-6E8A-4147-A177-3AD203B41FA5}">
+                      <a16:colId xmlns:a16="http://schemas.microsoft.com/office/drawing/2014/main" val="2410800384"/>
+                    </a:ext>
+                  </a:extLst>
+                </a:gridCol>
+                <a:gridCol w="238967">
+                  <a:extLst>
+                    <a:ext uri="{9D8B030D-6E8A-4147-A177-3AD203B41FA5}">
+                      <a16:colId xmlns:a16="http://schemas.microsoft.com/office/drawing/2014/main" val="219437509"/>
+                    </a:ext>
+                  </a:extLst>
+                </a:gridCol>
+                <a:gridCol w="238967">
+                  <a:extLst>
+                    <a:ext uri="{9D8B030D-6E8A-4147-A177-3AD203B41FA5}">
+                      <a16:colId xmlns:a16="http://schemas.microsoft.com/office/drawing/2014/main" val="2787922525"/>
+                    </a:ext>
+                  </a:extLst>
+                </a:gridCol>
+                <a:gridCol w="238967">
+                  <a:extLst>
+                    <a:ext uri="{9D8B030D-6E8A-4147-A177-3AD203B41FA5}">
+                      <a16:colId xmlns:a16="http://schemas.microsoft.com/office/drawing/2014/main" val="4092570086"/>
+                    </a:ext>
+                  </a:extLst>
+                </a:gridCol>
+                <a:gridCol w="238967">
+                  <a:extLst>
+                    <a:ext uri="{9D8B030D-6E8A-4147-A177-3AD203B41FA5}">
+                      <a16:colId xmlns:a16="http://schemas.microsoft.com/office/drawing/2014/main" val="2420869638"/>
+                    </a:ext>
+                  </a:extLst>
+                </a:gridCol>
+                <a:gridCol w="238967">
+                  <a:extLst>
+                    <a:ext uri="{9D8B030D-6E8A-4147-A177-3AD203B41FA5}">
+                      <a16:colId xmlns:a16="http://schemas.microsoft.com/office/drawing/2014/main" val="1752270359"/>
+                    </a:ext>
+                  </a:extLst>
+                </a:gridCol>
+                <a:gridCol w="238967">
+                  <a:extLst>
+                    <a:ext uri="{9D8B030D-6E8A-4147-A177-3AD203B41FA5}">
+                      <a16:colId xmlns:a16="http://schemas.microsoft.com/office/drawing/2014/main" val="1624973094"/>
+                    </a:ext>
+                  </a:extLst>
+                </a:gridCol>
+                <a:gridCol w="238967">
+                  <a:extLst>
+                    <a:ext uri="{9D8B030D-6E8A-4147-A177-3AD203B41FA5}">
+                      <a16:colId xmlns:a16="http://schemas.microsoft.com/office/drawing/2014/main" val="2483870472"/>
+                    </a:ext>
+                  </a:extLst>
+                </a:gridCol>
+              </a:tblGrid>
+              <a:tr h="182292">
+                <a:tc>
+                  <a:txBody>
+                    <a:bodyPr/>
+                    <a:lstStyle/>
+                    <a:p>
+                      <a:endParaRPr lang="en-US" sz="200"/>
+                    </a:p>
+                  </a:txBody>
+                  <a:tcPr>
+                    <a:lnL w="12700" cap="flat" cmpd="sng" algn="ctr">
+                      <a:solidFill>
+                        <a:schemeClr val="tx1"/>
+                      </a:solidFill>
+                      <a:prstDash val="solid"/>
+                      <a:round/>
+                      <a:headEnd type="none" w="med" len="med"/>
+                      <a:tailEnd type="none" w="med" len="med"/>
+                    </a:lnL>
+                    <a:lnR w="12700" cap="flat" cmpd="sng" algn="ctr">
+                      <a:solidFill>
+                        <a:schemeClr val="tx1"/>
+                      </a:solidFill>
+                      <a:prstDash val="solid"/>
+                      <a:round/>
+                      <a:headEnd type="none" w="med" len="med"/>
+                      <a:tailEnd type="none" w="med" len="med"/>
+                    </a:lnR>
+                    <a:lnT w="12700" cap="flat" cmpd="sng" algn="ctr">
+                      <a:solidFill>
+                        <a:schemeClr val="tx1"/>
+                      </a:solidFill>
+                      <a:prstDash val="solid"/>
+                      <a:round/>
+                      <a:headEnd type="none" w="med" len="med"/>
+                      <a:tailEnd type="none" w="med" len="med"/>
+                    </a:lnT>
+                    <a:lnB w="12700" cap="flat" cmpd="sng" algn="ctr">
+                      <a:solidFill>
+                        <a:schemeClr val="tx1"/>
+                      </a:solidFill>
+                      <a:prstDash val="solid"/>
+                      <a:round/>
+                      <a:headEnd type="none" w="med" len="med"/>
+                      <a:tailEnd type="none" w="med" len="med"/>
+                    </a:lnB>
+                    <a:lnTlToBr w="12700" cmpd="sng">
+                      <a:noFill/>
+                      <a:prstDash val="solid"/>
+                    </a:lnTlToBr>
+                    <a:lnBlToTr w="12700" cmpd="sng">
+                      <a:noFill/>
+                      <a:prstDash val="solid"/>
+                    </a:lnBlToTr>
+                  </a:tcPr>
+                </a:tc>
+                <a:tc>
+                  <a:txBody>
+                    <a:bodyPr/>
+                    <a:lstStyle/>
+                    <a:p>
+                      <a:endParaRPr lang="en-US" sz="200"/>
+                    </a:p>
+                  </a:txBody>
+                  <a:tcPr>
+                    <a:lnL w="12700" cap="flat" cmpd="sng" algn="ctr">
+                      <a:solidFill>
+                        <a:schemeClr val="tx1"/>
+                      </a:solidFill>
+                      <a:prstDash val="solid"/>
+                      <a:round/>
+                      <a:headEnd type="none" w="med" len="med"/>
+                      <a:tailEnd type="none" w="med" len="med"/>
+                    </a:lnL>
+                    <a:lnR w="12700" cap="flat" cmpd="sng" algn="ctr">
+                      <a:solidFill>
+                        <a:schemeClr val="tx1"/>
+                      </a:solidFill>
+                      <a:prstDash val="solid"/>
+                      <a:round/>
+                      <a:headEnd type="none" w="med" len="med"/>
+                      <a:tailEnd type="none" w="med" len="med"/>
+                    </a:lnR>
+                    <a:lnT w="12700" cap="flat" cmpd="sng" algn="ctr">
+                      <a:solidFill>
+                        <a:schemeClr val="tx1"/>
+                      </a:solidFill>
+                      <a:prstDash val="solid"/>
+                      <a:round/>
+                      <a:headEnd type="none" w="med" len="med"/>
+                      <a:tailEnd type="none" w="med" len="med"/>
+                    </a:lnT>
+                    <a:lnB w="12700" cap="flat" cmpd="sng" algn="ctr">
+                      <a:solidFill>
+                        <a:schemeClr val="tx1"/>
+                      </a:solidFill>
+                      <a:prstDash val="solid"/>
+                      <a:round/>
+                      <a:headEnd type="none" w="med" len="med"/>
+                      <a:tailEnd type="none" w="med" len="med"/>
+                    </a:lnB>
+                    <a:lnTlToBr w="12700" cmpd="sng">
+                      <a:noFill/>
+                      <a:prstDash val="solid"/>
+                    </a:lnTlToBr>
+                    <a:lnBlToTr w="12700" cmpd="sng">
+                      <a:noFill/>
+                      <a:prstDash val="solid"/>
+                    </a:lnBlToTr>
+                  </a:tcPr>
+                </a:tc>
+                <a:tc>
+                  <a:txBody>
+                    <a:bodyPr/>
+                    <a:lstStyle/>
+                    <a:p>
+                      <a:endParaRPr lang="en-US" sz="200"/>
+                    </a:p>
+                  </a:txBody>
+                  <a:tcPr>
+                    <a:lnL w="12700" cap="flat" cmpd="sng" algn="ctr">
+                      <a:solidFill>
+                        <a:schemeClr val="tx1"/>
+                      </a:solidFill>
+                      <a:prstDash val="solid"/>
+                      <a:round/>
+                      <a:headEnd type="none" w="med" len="med"/>
+                      <a:tailEnd type="none" w="med" len="med"/>
+                    </a:lnL>
+                    <a:lnR w="12700" cap="flat" cmpd="sng" algn="ctr">
+                      <a:solidFill>
+                        <a:schemeClr val="tx1"/>
+                      </a:solidFill>
+                      <a:prstDash val="solid"/>
+                      <a:round/>
+                      <a:headEnd type="none" w="med" len="med"/>
+                      <a:tailEnd type="none" w="med" len="med"/>
+                    </a:lnR>
+                    <a:lnT w="12700" cap="flat" cmpd="sng" algn="ctr">
+                      <a:solidFill>
+                        <a:schemeClr val="tx1"/>
+                      </a:solidFill>
+                      <a:prstDash val="solid"/>
+                      <a:round/>
+                      <a:headEnd type="none" w="med" len="med"/>
+                      <a:tailEnd type="none" w="med" len="med"/>
+                    </a:lnT>
+                    <a:lnB w="12700" cap="flat" cmpd="sng" algn="ctr">
+                      <a:solidFill>
+                        <a:schemeClr val="tx1"/>
+                      </a:solidFill>
+                      <a:prstDash val="solid"/>
+                      <a:round/>
+                      <a:headEnd type="none" w="med" len="med"/>
+                      <a:tailEnd type="none" w="med" len="med"/>
+                    </a:lnB>
+                    <a:lnTlToBr w="12700" cmpd="sng">
+                      <a:noFill/>
+                      <a:prstDash val="solid"/>
+                    </a:lnTlToBr>
+                    <a:lnBlToTr w="12700" cmpd="sng">
+                      <a:noFill/>
+                      <a:prstDash val="solid"/>
+                    </a:lnBlToTr>
+                  </a:tcPr>
+                </a:tc>
+                <a:tc>
+                  <a:txBody>
+                    <a:bodyPr/>
+                    <a:lstStyle/>
+                    <a:p>
+                      <a:endParaRPr lang="en-US" sz="200"/>
+                    </a:p>
+                  </a:txBody>
+                  <a:tcPr>
+                    <a:lnL w="12700" cap="flat" cmpd="sng" algn="ctr">
+                      <a:solidFill>
+                        <a:schemeClr val="tx1"/>
+                      </a:solidFill>
+                      <a:prstDash val="solid"/>
+                      <a:round/>
+                      <a:headEnd type="none" w="med" len="med"/>
+                      <a:tailEnd type="none" w="med" len="med"/>
+                    </a:lnL>
+                    <a:lnR w="12700" cap="flat" cmpd="sng" algn="ctr">
+                      <a:solidFill>
+                        <a:schemeClr val="tx1"/>
+                      </a:solidFill>
+                      <a:prstDash val="solid"/>
+                      <a:round/>
+                      <a:headEnd type="none" w="med" len="med"/>
+                      <a:tailEnd type="none" w="med" len="med"/>
+                    </a:lnR>
+                    <a:lnT w="12700" cap="flat" cmpd="sng" algn="ctr">
+                      <a:solidFill>
+                        <a:schemeClr val="tx1"/>
+                      </a:solidFill>
+                      <a:prstDash val="solid"/>
+                      <a:round/>
+                      <a:headEnd type="none" w="med" len="med"/>
+                      <a:tailEnd type="none" w="med" len="med"/>
+                    </a:lnT>
+                    <a:lnB w="12700" cap="flat" cmpd="sng" algn="ctr">
+                      <a:solidFill>
+                        <a:schemeClr val="tx1"/>
+                      </a:solidFill>
+                      <a:prstDash val="solid"/>
+                      <a:round/>
+                      <a:headEnd type="none" w="med" len="med"/>
+                      <a:tailEnd type="none" w="med" len="med"/>
+                    </a:lnB>
+                    <a:lnTlToBr w="12700" cmpd="sng">
+                      <a:noFill/>
+                      <a:prstDash val="solid"/>
+                    </a:lnTlToBr>
+                    <a:lnBlToTr w="12700" cmpd="sng">
+                      <a:noFill/>
+                      <a:prstDash val="solid"/>
+                    </a:lnBlToTr>
+                  </a:tcPr>
+                </a:tc>
+                <a:tc>
+                  <a:txBody>
+                    <a:bodyPr/>
+                    <a:lstStyle/>
+                    <a:p>
+                      <a:endParaRPr lang="en-US" sz="200"/>
+                    </a:p>
+                  </a:txBody>
+                  <a:tcPr>
+                    <a:lnL w="12700" cap="flat" cmpd="sng" algn="ctr">
+                      <a:solidFill>
+                        <a:schemeClr val="tx1"/>
+                      </a:solidFill>
+                      <a:prstDash val="solid"/>
+                      <a:round/>
+                      <a:headEnd type="none" w="med" len="med"/>
+                      <a:tailEnd type="none" w="med" len="med"/>
+                    </a:lnL>
+                    <a:lnR w="12700" cap="flat" cmpd="sng" algn="ctr">
+                      <a:solidFill>
+                        <a:schemeClr val="tx1"/>
+                      </a:solidFill>
+                      <a:prstDash val="solid"/>
+                      <a:round/>
+                      <a:headEnd type="none" w="med" len="med"/>
+                      <a:tailEnd type="none" w="med" len="med"/>
+                    </a:lnR>
+                    <a:lnT w="12700" cap="flat" cmpd="sng" algn="ctr">
+                      <a:solidFill>
+                        <a:schemeClr val="tx1"/>
+                      </a:solidFill>
+                      <a:prstDash val="solid"/>
+                      <a:round/>
+                      <a:headEnd type="none" w="med" len="med"/>
+                      <a:tailEnd type="none" w="med" len="med"/>
+                    </a:lnT>
+                    <a:lnB w="12700" cap="flat" cmpd="sng" algn="ctr">
+                      <a:solidFill>
+                        <a:schemeClr val="tx1"/>
+                      </a:solidFill>
+                      <a:prstDash val="solid"/>
+                      <a:round/>
+                      <a:headEnd type="none" w="med" len="med"/>
+                      <a:tailEnd type="none" w="med" len="med"/>
+                    </a:lnB>
+                    <a:lnTlToBr w="12700" cmpd="sng">
+                      <a:noFill/>
+                      <a:prstDash val="solid"/>
+                    </a:lnTlToBr>
+                    <a:lnBlToTr w="12700" cmpd="sng">
+                      <a:noFill/>
+                      <a:prstDash val="solid"/>
+                    </a:lnBlToTr>
+                  </a:tcPr>
+                </a:tc>
+                <a:tc>
+                  <a:txBody>
+                    <a:bodyPr/>
+                    <a:lstStyle/>
+                    <a:p>
+                      <a:endParaRPr lang="en-US" sz="200"/>
+                    </a:p>
+                  </a:txBody>
+                  <a:tcPr>
+                    <a:lnL w="12700" cap="flat" cmpd="sng" algn="ctr">
+                      <a:solidFill>
+                        <a:schemeClr val="tx1"/>
+                      </a:solidFill>
+                      <a:prstDash val="solid"/>
+                      <a:round/>
+                      <a:headEnd type="none" w="med" len="med"/>
+                      <a:tailEnd type="none" w="med" len="med"/>
+                    </a:lnL>
+                    <a:lnR w="12700" cap="flat" cmpd="sng" algn="ctr">
+                      <a:solidFill>
+                        <a:schemeClr val="tx1"/>
+                      </a:solidFill>
+                      <a:prstDash val="solid"/>
+                      <a:round/>
+                      <a:headEnd type="none" w="med" len="med"/>
+                      <a:tailEnd type="none" w="med" len="med"/>
+                    </a:lnR>
+                    <a:lnT w="12700" cap="flat" cmpd="sng" algn="ctr">
+                      <a:solidFill>
+                        <a:schemeClr val="tx1"/>
+                      </a:solidFill>
+                      <a:prstDash val="solid"/>
+                      <a:round/>
+                      <a:headEnd type="none" w="med" len="med"/>
+                      <a:tailEnd type="none" w="med" len="med"/>
+                    </a:lnT>
+                    <a:lnB w="12700" cap="flat" cmpd="sng" algn="ctr">
+                      <a:solidFill>
+                        <a:schemeClr val="tx1"/>
+                      </a:solidFill>
+                      <a:prstDash val="solid"/>
+                      <a:round/>
+                      <a:headEnd type="none" w="med" len="med"/>
+                      <a:tailEnd type="none" w="med" len="med"/>
+                    </a:lnB>
+                    <a:lnTlToBr w="12700" cmpd="sng">
+                      <a:noFill/>
+                      <a:prstDash val="solid"/>
+                    </a:lnTlToBr>
+                    <a:lnBlToTr w="12700" cmpd="sng">
+                      <a:noFill/>
+                      <a:prstDash val="solid"/>
+                    </a:lnBlToTr>
+                  </a:tcPr>
+                </a:tc>
+                <a:tc>
+                  <a:txBody>
+                    <a:bodyPr/>
+                    <a:lstStyle/>
+                    <a:p>
+                      <a:endParaRPr lang="en-US" sz="200"/>
+                    </a:p>
+                  </a:txBody>
+                  <a:tcPr>
+                    <a:lnL w="12700" cap="flat" cmpd="sng" algn="ctr">
+                      <a:solidFill>
+                        <a:schemeClr val="tx1"/>
+                      </a:solidFill>
+                      <a:prstDash val="solid"/>
+                      <a:round/>
+                      <a:headEnd type="none" w="med" len="med"/>
+                      <a:tailEnd type="none" w="med" len="med"/>
+                    </a:lnL>
+                    <a:lnR w="12700" cap="flat" cmpd="sng" algn="ctr">
+                      <a:solidFill>
+                        <a:schemeClr val="tx1"/>
+                      </a:solidFill>
+                      <a:prstDash val="solid"/>
+                      <a:round/>
+                      <a:headEnd type="none" w="med" len="med"/>
+                      <a:tailEnd type="none" w="med" len="med"/>
+                    </a:lnR>
+                    <a:lnT w="12700" cap="flat" cmpd="sng" algn="ctr">
+                      <a:solidFill>
+                        <a:schemeClr val="tx1"/>
+                      </a:solidFill>
+                      <a:prstDash val="solid"/>
+                      <a:round/>
+                      <a:headEnd type="none" w="med" len="med"/>
+                      <a:tailEnd type="none" w="med" len="med"/>
+                    </a:lnT>
+                    <a:lnB w="12700" cap="flat" cmpd="sng" algn="ctr">
+                      <a:solidFill>
+                        <a:schemeClr val="tx1"/>
+                      </a:solidFill>
+                      <a:prstDash val="solid"/>
+                      <a:round/>
+                      <a:headEnd type="none" w="med" len="med"/>
+                      <a:tailEnd type="none" w="med" len="med"/>
+                    </a:lnB>
+                    <a:lnTlToBr w="12700" cmpd="sng">
+                      <a:noFill/>
+                      <a:prstDash val="solid"/>
+                    </a:lnTlToBr>
+                    <a:lnBlToTr w="12700" cmpd="sng">
+                      <a:noFill/>
+                      <a:prstDash val="solid"/>
+                    </a:lnBlToTr>
+                  </a:tcPr>
+                </a:tc>
+                <a:tc>
+                  <a:txBody>
+                    <a:bodyPr/>
+                    <a:lstStyle/>
+                    <a:p>
+                      <a:endParaRPr lang="en-US" sz="200" dirty="0"/>
+                    </a:p>
+                  </a:txBody>
+                  <a:tcPr>
+                    <a:lnL w="12700" cap="flat" cmpd="sng" algn="ctr">
+                      <a:solidFill>
+                        <a:schemeClr val="tx1"/>
+                      </a:solidFill>
+                      <a:prstDash val="solid"/>
+                      <a:round/>
+                      <a:headEnd type="none" w="med" len="med"/>
+                      <a:tailEnd type="none" w="med" len="med"/>
+                    </a:lnL>
+                    <a:lnR w="12700" cap="flat" cmpd="sng" algn="ctr">
+                      <a:solidFill>
+                        <a:schemeClr val="tx1"/>
+                      </a:solidFill>
+                      <a:prstDash val="solid"/>
+                      <a:round/>
+                      <a:headEnd type="none" w="med" len="med"/>
+                      <a:tailEnd type="none" w="med" len="med"/>
+                    </a:lnR>
+                    <a:lnT w="12700" cap="flat" cmpd="sng" algn="ctr">
+                      <a:solidFill>
+                        <a:schemeClr val="tx1"/>
+                      </a:solidFill>
+                      <a:prstDash val="solid"/>
+                      <a:round/>
+                      <a:headEnd type="none" w="med" len="med"/>
+                      <a:tailEnd type="none" w="med" len="med"/>
+                    </a:lnT>
+                    <a:lnB w="12700" cap="flat" cmpd="sng" algn="ctr">
+                      <a:solidFill>
+                        <a:schemeClr val="tx1"/>
+                      </a:solidFill>
+                      <a:prstDash val="solid"/>
+                      <a:round/>
+                      <a:headEnd type="none" w="med" len="med"/>
+                      <a:tailEnd type="none" w="med" len="med"/>
+                    </a:lnB>
+                    <a:lnTlToBr w="12700" cmpd="sng">
+                      <a:noFill/>
+                      <a:prstDash val="solid"/>
+                    </a:lnTlToBr>
+                    <a:lnBlToTr w="12700" cmpd="sng">
+                      <a:noFill/>
+                      <a:prstDash val="solid"/>
+                    </a:lnBlToTr>
+                  </a:tcPr>
+                </a:tc>
+                <a:tc>
+                  <a:txBody>
+                    <a:bodyPr/>
+                    <a:lstStyle/>
+                    <a:p>
+                      <a:endParaRPr lang="en-US" sz="200" dirty="0"/>
+                    </a:p>
+                  </a:txBody>
+                  <a:tcPr>
+                    <a:lnL w="12700" cap="flat" cmpd="sng" algn="ctr">
+                      <a:solidFill>
+                        <a:schemeClr val="tx1"/>
+                      </a:solidFill>
+                      <a:prstDash val="solid"/>
+                      <a:round/>
+                      <a:headEnd type="none" w="med" len="med"/>
+                      <a:tailEnd type="none" w="med" len="med"/>
+                    </a:lnL>
+                    <a:lnR w="12700" cap="flat" cmpd="sng" algn="ctr">
+                      <a:solidFill>
+                        <a:schemeClr val="tx1"/>
+                      </a:solidFill>
+                      <a:prstDash val="solid"/>
+                      <a:round/>
+                      <a:headEnd type="none" w="med" len="med"/>
+                      <a:tailEnd type="none" w="med" len="med"/>
+                    </a:lnR>
+                    <a:lnT w="12700" cap="flat" cmpd="sng" algn="ctr">
+                      <a:solidFill>
+                        <a:schemeClr val="tx1"/>
+                      </a:solidFill>
+                      <a:prstDash val="solid"/>
+                      <a:round/>
+                      <a:headEnd type="none" w="med" len="med"/>
+                      <a:tailEnd type="none" w="med" len="med"/>
+                    </a:lnT>
+                    <a:lnB w="12700" cap="flat" cmpd="sng" algn="ctr">
+                      <a:solidFill>
+                        <a:schemeClr val="tx1"/>
+                      </a:solidFill>
+                      <a:prstDash val="solid"/>
+                      <a:round/>
+                      <a:headEnd type="none" w="med" len="med"/>
+                      <a:tailEnd type="none" w="med" len="med"/>
+                    </a:lnB>
+                    <a:lnTlToBr w="12700" cmpd="sng">
+                      <a:noFill/>
+                      <a:prstDash val="solid"/>
+                    </a:lnTlToBr>
+                    <a:lnBlToTr w="12700" cmpd="sng">
+                      <a:noFill/>
+                      <a:prstDash val="solid"/>
+                    </a:lnBlToTr>
+                  </a:tcPr>
+                </a:tc>
+                <a:tc>
+                  <a:txBody>
+                    <a:bodyPr/>
+                    <a:lstStyle/>
+                    <a:p>
+                      <a:endParaRPr lang="en-US" sz="200" dirty="0"/>
+                    </a:p>
+                  </a:txBody>
+                  <a:tcPr>
+                    <a:lnL w="12700" cap="flat" cmpd="sng" algn="ctr">
+                      <a:solidFill>
+                        <a:schemeClr val="tx1"/>
+                      </a:solidFill>
+                      <a:prstDash val="solid"/>
+                      <a:round/>
+                      <a:headEnd type="none" w="med" len="med"/>
+                      <a:tailEnd type="none" w="med" len="med"/>
+                    </a:lnL>
+                    <a:lnR w="12700" cap="flat" cmpd="sng" algn="ctr">
+                      <a:solidFill>
+                        <a:schemeClr val="tx1"/>
+                      </a:solidFill>
+                      <a:prstDash val="solid"/>
+                      <a:round/>
+                      <a:headEnd type="none" w="med" len="med"/>
+                      <a:tailEnd type="none" w="med" len="med"/>
+                    </a:lnR>
+                    <a:lnT w="12700" cap="flat" cmpd="sng" algn="ctr">
+                      <a:solidFill>
+                        <a:schemeClr val="tx1"/>
+                      </a:solidFill>
+                      <a:prstDash val="solid"/>
+                      <a:round/>
+                      <a:headEnd type="none" w="med" len="med"/>
+                      <a:tailEnd type="none" w="med" len="med"/>
+                    </a:lnT>
+                    <a:lnB w="12700" cap="flat" cmpd="sng" algn="ctr">
+                      <a:solidFill>
+                        <a:schemeClr val="tx1"/>
+                      </a:solidFill>
+                      <a:prstDash val="solid"/>
+                      <a:round/>
+                      <a:headEnd type="none" w="med" len="med"/>
+                      <a:tailEnd type="none" w="med" len="med"/>
+                    </a:lnB>
+                    <a:lnTlToBr w="12700" cmpd="sng">
+                      <a:noFill/>
+                      <a:prstDash val="solid"/>
+                    </a:lnTlToBr>
+                    <a:lnBlToTr w="12700" cmpd="sng">
+                      <a:noFill/>
+                      <a:prstDash val="solid"/>
+                    </a:lnBlToTr>
+                  </a:tcPr>
+                </a:tc>
+                <a:extLst>
+                  <a:ext uri="{0D108BD9-81ED-4DB2-BD59-A6C34878D82A}">
+                    <a16:rowId xmlns:a16="http://schemas.microsoft.com/office/drawing/2014/main" val="3771074123"/>
+                  </a:ext>
+                </a:extLst>
+              </a:tr>
+            </a:tbl>
+          </a:graphicData>
+        </a:graphic>
+      </p:graphicFrame>
+      <p:graphicFrame>
+        <p:nvGraphicFramePr>
+          <p:cNvPr id="7" name="Table 6">
+            <a:extLst>
+              <a:ext uri="{FF2B5EF4-FFF2-40B4-BE49-F238E27FC236}">
+                <a16:creationId xmlns:a16="http://schemas.microsoft.com/office/drawing/2014/main" id="{1499153B-0AD3-7E03-98B6-7C6A71CF184B}"/>
+              </a:ext>
+            </a:extLst>
+          </p:cNvPr>
+          <p:cNvGraphicFramePr>
+            <a:graphicFrameLocks noGrp="1"/>
+          </p:cNvGraphicFramePr>
+          <p:nvPr>
+            <p:extLst>
+              <p:ext uri="{D42A27DB-BD31-4B8C-83A1-F6EECF244321}">
+                <p14:modId xmlns:p14="http://schemas.microsoft.com/office/powerpoint/2010/main" val="2054917957"/>
+              </p:ext>
+            </p:extLst>
+          </p:nvPr>
+        </p:nvGraphicFramePr>
+        <p:xfrm>
+          <a:off x="8266892" y="2283974"/>
+          <a:ext cx="1596054" cy="182292"/>
+        </p:xfrm>
+        <a:graphic>
+          <a:graphicData uri="http://schemas.openxmlformats.org/drawingml/2006/table">
+            <a:tbl>
+              <a:tblPr firstRow="1" bandRow="1">
+                <a:tableStyleId>{21E4AEA4-8DFA-4A89-87EB-49C32662AFE0}</a:tableStyleId>
+              </a:tblPr>
+              <a:tblGrid>
+                <a:gridCol w="266009">
+                  <a:extLst>
+                    <a:ext uri="{9D8B030D-6E8A-4147-A177-3AD203B41FA5}">
+                      <a16:colId xmlns:a16="http://schemas.microsoft.com/office/drawing/2014/main" val="1452157560"/>
+                    </a:ext>
+                  </a:extLst>
+                </a:gridCol>
+                <a:gridCol w="266009">
+                  <a:extLst>
+                    <a:ext uri="{9D8B030D-6E8A-4147-A177-3AD203B41FA5}">
+                      <a16:colId xmlns:a16="http://schemas.microsoft.com/office/drawing/2014/main" val="2094690716"/>
+                    </a:ext>
+                  </a:extLst>
+                </a:gridCol>
+                <a:gridCol w="266009">
+                  <a:extLst>
+                    <a:ext uri="{9D8B030D-6E8A-4147-A177-3AD203B41FA5}">
+                      <a16:colId xmlns:a16="http://schemas.microsoft.com/office/drawing/2014/main" val="2410800384"/>
+                    </a:ext>
+                  </a:extLst>
+                </a:gridCol>
+                <a:gridCol w="266009">
+                  <a:extLst>
+                    <a:ext uri="{9D8B030D-6E8A-4147-A177-3AD203B41FA5}">
+                      <a16:colId xmlns:a16="http://schemas.microsoft.com/office/drawing/2014/main" val="219437509"/>
+                    </a:ext>
+                  </a:extLst>
+                </a:gridCol>
+                <a:gridCol w="266009">
+                  <a:extLst>
+                    <a:ext uri="{9D8B030D-6E8A-4147-A177-3AD203B41FA5}">
+                      <a16:colId xmlns:a16="http://schemas.microsoft.com/office/drawing/2014/main" val="4092570086"/>
+                    </a:ext>
+                  </a:extLst>
+                </a:gridCol>
+                <a:gridCol w="266009">
+                  <a:extLst>
+                    <a:ext uri="{9D8B030D-6E8A-4147-A177-3AD203B41FA5}">
+                      <a16:colId xmlns:a16="http://schemas.microsoft.com/office/drawing/2014/main" val="2420869638"/>
+                    </a:ext>
+                  </a:extLst>
+                </a:gridCol>
+              </a:tblGrid>
+              <a:tr h="182292">
+                <a:tc>
+                  <a:txBody>
+                    <a:bodyPr/>
+                    <a:lstStyle/>
+                    <a:p>
+                      <a:endParaRPr lang="en-US" sz="200"/>
+                    </a:p>
+                  </a:txBody>
+                  <a:tcPr>
+                    <a:lnL w="12700" cap="flat" cmpd="sng" algn="ctr">
+                      <a:solidFill>
+                        <a:schemeClr val="tx1"/>
+                      </a:solidFill>
+                      <a:prstDash val="solid"/>
+                      <a:round/>
+                      <a:headEnd type="none" w="med" len="med"/>
+                      <a:tailEnd type="none" w="med" len="med"/>
+                    </a:lnL>
+                    <a:lnR w="12700" cap="flat" cmpd="sng" algn="ctr">
+                      <a:solidFill>
+                        <a:schemeClr val="tx1"/>
+                      </a:solidFill>
+                      <a:prstDash val="solid"/>
+                      <a:round/>
+                      <a:headEnd type="none" w="med" len="med"/>
+                      <a:tailEnd type="none" w="med" len="med"/>
+                    </a:lnR>
+                    <a:lnT w="12700" cap="flat" cmpd="sng" algn="ctr">
+                      <a:solidFill>
+                        <a:schemeClr val="tx1"/>
+                      </a:solidFill>
+                      <a:prstDash val="solid"/>
+                      <a:round/>
+                      <a:headEnd type="none" w="med" len="med"/>
+                      <a:tailEnd type="none" w="med" len="med"/>
+                    </a:lnT>
+                    <a:lnB w="12700" cap="flat" cmpd="sng" algn="ctr">
+                      <a:solidFill>
+                        <a:schemeClr val="tx1"/>
+                      </a:solidFill>
+                      <a:prstDash val="solid"/>
+                      <a:round/>
+                      <a:headEnd type="none" w="med" len="med"/>
+                      <a:tailEnd type="none" w="med" len="med"/>
+                    </a:lnB>
+                  </a:tcPr>
+                </a:tc>
+                <a:tc>
+                  <a:txBody>
+                    <a:bodyPr/>
+                    <a:lstStyle/>
+                    <a:p>
+                      <a:endParaRPr lang="en-US" sz="200"/>
+                    </a:p>
+                  </a:txBody>
+                  <a:tcPr>
+                    <a:lnL w="12700" cap="flat" cmpd="sng" algn="ctr">
+                      <a:solidFill>
+                        <a:schemeClr val="tx1"/>
+                      </a:solidFill>
+                      <a:prstDash val="solid"/>
+                      <a:round/>
+                      <a:headEnd type="none" w="med" len="med"/>
+                      <a:tailEnd type="none" w="med" len="med"/>
+                    </a:lnL>
+                    <a:lnR w="12700" cap="flat" cmpd="sng" algn="ctr">
+                      <a:solidFill>
+                        <a:schemeClr val="tx1"/>
+                      </a:solidFill>
+                      <a:prstDash val="solid"/>
+                      <a:round/>
+                      <a:headEnd type="none" w="med" len="med"/>
+                      <a:tailEnd type="none" w="med" len="med"/>
+                    </a:lnR>
+                    <a:lnT w="12700" cap="flat" cmpd="sng" algn="ctr">
+                      <a:solidFill>
+                        <a:schemeClr val="tx1"/>
+                      </a:solidFill>
+                      <a:prstDash val="solid"/>
+                      <a:round/>
+                      <a:headEnd type="none" w="med" len="med"/>
+                      <a:tailEnd type="none" w="med" len="med"/>
+                    </a:lnT>
+                    <a:lnB w="12700" cap="flat" cmpd="sng" algn="ctr">
+                      <a:solidFill>
+                        <a:schemeClr val="tx1"/>
+                      </a:solidFill>
+                      <a:prstDash val="solid"/>
+                      <a:round/>
+                      <a:headEnd type="none" w="med" len="med"/>
+                      <a:tailEnd type="none" w="med" len="med"/>
+                    </a:lnB>
+                  </a:tcPr>
+                </a:tc>
+                <a:tc>
+                  <a:txBody>
+                    <a:bodyPr/>
+                    <a:lstStyle/>
+                    <a:p>
+                      <a:endParaRPr lang="en-US" sz="200"/>
+                    </a:p>
+                  </a:txBody>
+                  <a:tcPr>
+                    <a:lnL w="12700" cap="flat" cmpd="sng" algn="ctr">
+                      <a:solidFill>
+                        <a:schemeClr val="tx1"/>
+                      </a:solidFill>
+                      <a:prstDash val="solid"/>
+                      <a:round/>
+                      <a:headEnd type="none" w="med" len="med"/>
+                      <a:tailEnd type="none" w="med" len="med"/>
+                    </a:lnL>
+                    <a:lnR w="12700" cap="flat" cmpd="sng" algn="ctr">
+                      <a:solidFill>
+                        <a:schemeClr val="tx1"/>
+                      </a:solidFill>
+                      <a:prstDash val="solid"/>
+                      <a:round/>
+                      <a:headEnd type="none" w="med" len="med"/>
+                      <a:tailEnd type="none" w="med" len="med"/>
+                    </a:lnR>
+                    <a:lnT w="12700" cap="flat" cmpd="sng" algn="ctr">
+                      <a:solidFill>
+                        <a:schemeClr val="tx1"/>
+                      </a:solidFill>
+                      <a:prstDash val="solid"/>
+                      <a:round/>
+                      <a:headEnd type="none" w="med" len="med"/>
+                      <a:tailEnd type="none" w="med" len="med"/>
+                    </a:lnT>
+                    <a:lnB w="12700" cap="flat" cmpd="sng" algn="ctr">
+                      <a:solidFill>
+                        <a:schemeClr val="tx1"/>
+                      </a:solidFill>
+                      <a:prstDash val="solid"/>
+                      <a:round/>
+                      <a:headEnd type="none" w="med" len="med"/>
+                      <a:tailEnd type="none" w="med" len="med"/>
+                    </a:lnB>
+                  </a:tcPr>
+                </a:tc>
+                <a:tc>
+                  <a:txBody>
+                    <a:bodyPr/>
+                    <a:lstStyle/>
+                    <a:p>
+                      <a:endParaRPr lang="en-US" sz="200"/>
+                    </a:p>
+                  </a:txBody>
+                  <a:tcPr>
+                    <a:lnL w="12700" cap="flat" cmpd="sng" algn="ctr">
+                      <a:solidFill>
+                        <a:schemeClr val="tx1"/>
+                      </a:solidFill>
+                      <a:prstDash val="solid"/>
+                      <a:round/>
+                      <a:headEnd type="none" w="med" len="med"/>
+                      <a:tailEnd type="none" w="med" len="med"/>
+                    </a:lnL>
+                    <a:lnR w="12700" cap="flat" cmpd="sng" algn="ctr">
+                      <a:solidFill>
+                        <a:schemeClr val="tx1"/>
+                      </a:solidFill>
+                      <a:prstDash val="solid"/>
+                      <a:round/>
+                      <a:headEnd type="none" w="med" len="med"/>
+                      <a:tailEnd type="none" w="med" len="med"/>
+                    </a:lnR>
+                    <a:lnT w="12700" cap="flat" cmpd="sng" algn="ctr">
+                      <a:solidFill>
+                        <a:schemeClr val="tx1"/>
+                      </a:solidFill>
+                      <a:prstDash val="solid"/>
+                      <a:round/>
+                      <a:headEnd type="none" w="med" len="med"/>
+                      <a:tailEnd type="none" w="med" len="med"/>
+                    </a:lnT>
+                    <a:lnB w="12700" cap="flat" cmpd="sng" algn="ctr">
+                      <a:solidFill>
+                        <a:schemeClr val="tx1"/>
+                      </a:solidFill>
+                      <a:prstDash val="solid"/>
+                      <a:round/>
+                      <a:headEnd type="none" w="med" len="med"/>
+                      <a:tailEnd type="none" w="med" len="med"/>
+                    </a:lnB>
+                  </a:tcPr>
+                </a:tc>
+                <a:tc>
+                  <a:txBody>
+                    <a:bodyPr/>
+                    <a:lstStyle/>
+                    <a:p>
+                      <a:endParaRPr lang="en-US" sz="200" dirty="0"/>
+                    </a:p>
+                  </a:txBody>
+                  <a:tcPr>
+                    <a:lnL w="12700" cap="flat" cmpd="sng" algn="ctr">
+                      <a:solidFill>
+                        <a:schemeClr val="tx1"/>
+                      </a:solidFill>
+                      <a:prstDash val="solid"/>
+                      <a:round/>
+                      <a:headEnd type="none" w="med" len="med"/>
+                      <a:tailEnd type="none" w="med" len="med"/>
+                    </a:lnL>
+                    <a:lnR w="12700" cap="flat" cmpd="sng" algn="ctr">
+                      <a:solidFill>
+                        <a:schemeClr val="tx1"/>
+                      </a:solidFill>
+                      <a:prstDash val="solid"/>
+                      <a:round/>
+                      <a:headEnd type="none" w="med" len="med"/>
+                      <a:tailEnd type="none" w="med" len="med"/>
+                    </a:lnR>
+                    <a:lnT w="12700" cap="flat" cmpd="sng" algn="ctr">
+                      <a:solidFill>
+                        <a:schemeClr val="tx1"/>
+                      </a:solidFill>
+                      <a:prstDash val="solid"/>
+                      <a:round/>
+                      <a:headEnd type="none" w="med" len="med"/>
+                      <a:tailEnd type="none" w="med" len="med"/>
+                    </a:lnT>
+                    <a:lnB w="12700" cap="flat" cmpd="sng" algn="ctr">
+                      <a:solidFill>
+                        <a:schemeClr val="tx1"/>
+                      </a:solidFill>
+                      <a:prstDash val="solid"/>
+                      <a:round/>
+                      <a:headEnd type="none" w="med" len="med"/>
+                      <a:tailEnd type="none" w="med" len="med"/>
+                    </a:lnB>
+                  </a:tcPr>
+                </a:tc>
+                <a:tc>
+                  <a:txBody>
+                    <a:bodyPr/>
+                    <a:lstStyle/>
+                    <a:p>
+                      <a:endParaRPr lang="en-US" sz="200" dirty="0"/>
+                    </a:p>
+                  </a:txBody>
+                  <a:tcPr>
+                    <a:lnL w="12700" cap="flat" cmpd="sng" algn="ctr">
+                      <a:solidFill>
+                        <a:schemeClr val="tx1"/>
+                      </a:solidFill>
+                      <a:prstDash val="solid"/>
+                      <a:round/>
+                      <a:headEnd type="none" w="med" len="med"/>
+                      <a:tailEnd type="none" w="med" len="med"/>
+                    </a:lnL>
+                    <a:lnR w="12700" cap="flat" cmpd="sng" algn="ctr">
+                      <a:solidFill>
+                        <a:schemeClr val="tx1"/>
+                      </a:solidFill>
+                      <a:prstDash val="solid"/>
+                      <a:round/>
+                      <a:headEnd type="none" w="med" len="med"/>
+                      <a:tailEnd type="none" w="med" len="med"/>
+                    </a:lnR>
+                    <a:lnT w="12700" cap="flat" cmpd="sng" algn="ctr">
+                      <a:solidFill>
+                        <a:schemeClr val="tx1"/>
+                      </a:solidFill>
+                      <a:prstDash val="solid"/>
+                      <a:round/>
+                      <a:headEnd type="none" w="med" len="med"/>
+                      <a:tailEnd type="none" w="med" len="med"/>
+                    </a:lnT>
+                    <a:lnB w="12700" cap="flat" cmpd="sng" algn="ctr">
+                      <a:solidFill>
+                        <a:schemeClr val="tx1"/>
+                      </a:solidFill>
+                      <a:prstDash val="solid"/>
+                      <a:round/>
+                      <a:headEnd type="none" w="med" len="med"/>
+                      <a:tailEnd type="none" w="med" len="med"/>
+                    </a:lnB>
+                  </a:tcPr>
+                </a:tc>
+                <a:extLst>
+                  <a:ext uri="{0D108BD9-81ED-4DB2-BD59-A6C34878D82A}">
+                    <a16:rowId xmlns:a16="http://schemas.microsoft.com/office/drawing/2014/main" val="3771074123"/>
+                  </a:ext>
+                </a:extLst>
+              </a:tr>
+            </a:tbl>
+          </a:graphicData>
+        </a:graphic>
+      </p:graphicFrame>
+      <p:graphicFrame>
+        <p:nvGraphicFramePr>
+          <p:cNvPr id="8" name="Table 7">
+            <a:extLst>
+              <a:ext uri="{FF2B5EF4-FFF2-40B4-BE49-F238E27FC236}">
+                <a16:creationId xmlns:a16="http://schemas.microsoft.com/office/drawing/2014/main" id="{09D2CD65-D9F8-AB8E-4726-599243B1A6B3}"/>
+              </a:ext>
+            </a:extLst>
+          </p:cNvPr>
+          <p:cNvGraphicFramePr>
+            <a:graphicFrameLocks noGrp="1"/>
+          </p:cNvGraphicFramePr>
+          <p:nvPr>
+            <p:extLst>
+              <p:ext uri="{D42A27DB-BD31-4B8C-83A1-F6EECF244321}">
+                <p14:modId xmlns:p14="http://schemas.microsoft.com/office/powerpoint/2010/main" val="823260046"/>
+              </p:ext>
+            </p:extLst>
+          </p:nvPr>
+        </p:nvGraphicFramePr>
+        <p:xfrm>
+          <a:off x="8266891" y="2537296"/>
+          <a:ext cx="1782664" cy="182292"/>
+        </p:xfrm>
+        <a:graphic>
+          <a:graphicData uri="http://schemas.openxmlformats.org/drawingml/2006/table">
+            <a:tbl>
+              <a:tblPr firstRow="1" bandRow="1">
+                <a:tableStyleId>{F5AB1C69-6EDB-4FF4-983F-18BD219EF322}</a:tableStyleId>
+              </a:tblPr>
+              <a:tblGrid>
+                <a:gridCol w="445666">
+                  <a:extLst>
+                    <a:ext uri="{9D8B030D-6E8A-4147-A177-3AD203B41FA5}">
+                      <a16:colId xmlns:a16="http://schemas.microsoft.com/office/drawing/2014/main" val="1452157560"/>
+                    </a:ext>
+                  </a:extLst>
+                </a:gridCol>
+                <a:gridCol w="445666">
+                  <a:extLst>
+                    <a:ext uri="{9D8B030D-6E8A-4147-A177-3AD203B41FA5}">
+                      <a16:colId xmlns:a16="http://schemas.microsoft.com/office/drawing/2014/main" val="2410800384"/>
+                    </a:ext>
+                  </a:extLst>
+                </a:gridCol>
+                <a:gridCol w="445666">
+                  <a:extLst>
+                    <a:ext uri="{9D8B030D-6E8A-4147-A177-3AD203B41FA5}">
+                      <a16:colId xmlns:a16="http://schemas.microsoft.com/office/drawing/2014/main" val="219437509"/>
+                    </a:ext>
+                  </a:extLst>
+                </a:gridCol>
+                <a:gridCol w="445666">
+                  <a:extLst>
+                    <a:ext uri="{9D8B030D-6E8A-4147-A177-3AD203B41FA5}">
+                      <a16:colId xmlns:a16="http://schemas.microsoft.com/office/drawing/2014/main" val="2787922525"/>
+                    </a:ext>
+                  </a:extLst>
+                </a:gridCol>
+              </a:tblGrid>
+              <a:tr h="182292">
+                <a:tc>
+                  <a:txBody>
+                    <a:bodyPr/>
+                    <a:lstStyle/>
+                    <a:p>
+                      <a:endParaRPr lang="en-US" sz="200"/>
+                    </a:p>
+                  </a:txBody>
+                  <a:tcPr>
+                    <a:lnL w="12700" cap="flat" cmpd="sng" algn="ctr">
+                      <a:solidFill>
+                        <a:schemeClr val="tx1"/>
+                      </a:solidFill>
+                      <a:prstDash val="solid"/>
+                      <a:round/>
+                      <a:headEnd type="none" w="med" len="med"/>
+                      <a:tailEnd type="none" w="med" len="med"/>
+                    </a:lnL>
+                    <a:lnR w="12700" cap="flat" cmpd="sng" algn="ctr">
+                      <a:solidFill>
+                        <a:schemeClr val="tx1"/>
+                      </a:solidFill>
+                      <a:prstDash val="solid"/>
+                      <a:round/>
+                      <a:headEnd type="none" w="med" len="med"/>
+                      <a:tailEnd type="none" w="med" len="med"/>
+                    </a:lnR>
+                    <a:lnT w="12700" cap="flat" cmpd="sng" algn="ctr">
+                      <a:solidFill>
+                        <a:schemeClr val="tx1"/>
+                      </a:solidFill>
+                      <a:prstDash val="solid"/>
+                      <a:round/>
+                      <a:headEnd type="none" w="med" len="med"/>
+                      <a:tailEnd type="none" w="med" len="med"/>
+                    </a:lnT>
+                    <a:lnB w="12700" cap="flat" cmpd="sng" algn="ctr">
+                      <a:solidFill>
+                        <a:schemeClr val="tx1"/>
+                      </a:solidFill>
+                      <a:prstDash val="solid"/>
+                      <a:round/>
+                      <a:headEnd type="none" w="med" len="med"/>
+                      <a:tailEnd type="none" w="med" len="med"/>
+                    </a:lnB>
+                  </a:tcPr>
+                </a:tc>
+                <a:tc>
+                  <a:txBody>
+                    <a:bodyPr/>
+                    <a:lstStyle/>
+                    <a:p>
+                      <a:endParaRPr lang="en-US" sz="200" dirty="0"/>
+                    </a:p>
+                  </a:txBody>
+                  <a:tcPr>
+                    <a:lnL w="12700" cap="flat" cmpd="sng" algn="ctr">
+                      <a:solidFill>
+                        <a:schemeClr val="tx1"/>
+                      </a:solidFill>
+                      <a:prstDash val="solid"/>
+                      <a:round/>
+                      <a:headEnd type="none" w="med" len="med"/>
+                      <a:tailEnd type="none" w="med" len="med"/>
+                    </a:lnL>
+                    <a:lnR w="12700" cap="flat" cmpd="sng" algn="ctr">
+                      <a:solidFill>
+                        <a:schemeClr val="tx1"/>
+                      </a:solidFill>
+                      <a:prstDash val="solid"/>
+                      <a:round/>
+                      <a:headEnd type="none" w="med" len="med"/>
+                      <a:tailEnd type="none" w="med" len="med"/>
+                    </a:lnR>
+                    <a:lnT w="12700" cap="flat" cmpd="sng" algn="ctr">
+                      <a:solidFill>
+                        <a:schemeClr val="tx1"/>
+                      </a:solidFill>
+                      <a:prstDash val="solid"/>
+                      <a:round/>
+                      <a:headEnd type="none" w="med" len="med"/>
+                      <a:tailEnd type="none" w="med" len="med"/>
+                    </a:lnT>
+                    <a:lnB w="12700" cap="flat" cmpd="sng" algn="ctr">
+                      <a:solidFill>
+                        <a:schemeClr val="tx1"/>
+                      </a:solidFill>
+                      <a:prstDash val="solid"/>
+                      <a:round/>
+                      <a:headEnd type="none" w="med" len="med"/>
+                      <a:tailEnd type="none" w="med" len="med"/>
+                    </a:lnB>
+                  </a:tcPr>
+                </a:tc>
+                <a:tc>
+                  <a:txBody>
+                    <a:bodyPr/>
+                    <a:lstStyle/>
+                    <a:p>
+                      <a:endParaRPr lang="en-US" sz="200" dirty="0"/>
+                    </a:p>
+                  </a:txBody>
+                  <a:tcPr>
+                    <a:lnL w="12700" cap="flat" cmpd="sng" algn="ctr">
+                      <a:solidFill>
+                        <a:schemeClr val="tx1"/>
+                      </a:solidFill>
+                      <a:prstDash val="solid"/>
+                      <a:round/>
+                      <a:headEnd type="none" w="med" len="med"/>
+                      <a:tailEnd type="none" w="med" len="med"/>
+                    </a:lnL>
+                    <a:lnR w="12700" cap="flat" cmpd="sng" algn="ctr">
+                      <a:solidFill>
+                        <a:schemeClr val="tx1"/>
+                      </a:solidFill>
+                      <a:prstDash val="solid"/>
+                      <a:round/>
+                      <a:headEnd type="none" w="med" len="med"/>
+                      <a:tailEnd type="none" w="med" len="med"/>
+                    </a:lnR>
+                    <a:lnT w="12700" cap="flat" cmpd="sng" algn="ctr">
+                      <a:solidFill>
+                        <a:schemeClr val="tx1"/>
+                      </a:solidFill>
+                      <a:prstDash val="solid"/>
+                      <a:round/>
+                      <a:headEnd type="none" w="med" len="med"/>
+                      <a:tailEnd type="none" w="med" len="med"/>
+                    </a:lnT>
+                    <a:lnB w="12700" cap="flat" cmpd="sng" algn="ctr">
+                      <a:solidFill>
+                        <a:schemeClr val="tx1"/>
+                      </a:solidFill>
+                      <a:prstDash val="solid"/>
+                      <a:round/>
+                      <a:headEnd type="none" w="med" len="med"/>
+                      <a:tailEnd type="none" w="med" len="med"/>
+                    </a:lnB>
+                  </a:tcPr>
+                </a:tc>
+                <a:tc>
+                  <a:txBody>
+                    <a:bodyPr/>
+                    <a:lstStyle/>
+                    <a:p>
+                      <a:endParaRPr lang="en-US" sz="200" dirty="0"/>
+                    </a:p>
+                  </a:txBody>
+                  <a:tcPr>
+                    <a:lnL w="12700" cap="flat" cmpd="sng" algn="ctr">
+                      <a:solidFill>
+                        <a:schemeClr val="tx1"/>
+                      </a:solidFill>
+                      <a:prstDash val="solid"/>
+                      <a:round/>
+                      <a:headEnd type="none" w="med" len="med"/>
+                      <a:tailEnd type="none" w="med" len="med"/>
+                    </a:lnL>
+                    <a:lnR w="12700" cap="flat" cmpd="sng" algn="ctr">
+                      <a:solidFill>
+                        <a:schemeClr val="tx1"/>
+                      </a:solidFill>
+                      <a:prstDash val="solid"/>
+                      <a:round/>
+                      <a:headEnd type="none" w="med" len="med"/>
+                      <a:tailEnd type="none" w="med" len="med"/>
+                    </a:lnR>
+                    <a:lnT w="12700" cap="flat" cmpd="sng" algn="ctr">
+                      <a:solidFill>
+                        <a:schemeClr val="tx1"/>
+                      </a:solidFill>
+                      <a:prstDash val="solid"/>
+                      <a:round/>
+                      <a:headEnd type="none" w="med" len="med"/>
+                      <a:tailEnd type="none" w="med" len="med"/>
+                    </a:lnT>
+                    <a:lnB w="12700" cap="flat" cmpd="sng" algn="ctr">
+                      <a:solidFill>
+                        <a:schemeClr val="tx1"/>
+                      </a:solidFill>
+                      <a:prstDash val="solid"/>
+                      <a:round/>
+                      <a:headEnd type="none" w="med" len="med"/>
+                      <a:tailEnd type="none" w="med" len="med"/>
+                    </a:lnB>
+                  </a:tcPr>
+                </a:tc>
+                <a:extLst>
+                  <a:ext uri="{0D108BD9-81ED-4DB2-BD59-A6C34878D82A}">
+                    <a16:rowId xmlns:a16="http://schemas.microsoft.com/office/drawing/2014/main" val="3771074123"/>
+                  </a:ext>
+                </a:extLst>
+              </a:tr>
+            </a:tbl>
+          </a:graphicData>
+        </a:graphic>
+      </p:graphicFrame>
+      <p:graphicFrame>
+        <p:nvGraphicFramePr>
+          <p:cNvPr id="9" name="Table 8">
+            <a:extLst>
+              <a:ext uri="{FF2B5EF4-FFF2-40B4-BE49-F238E27FC236}">
+                <a16:creationId xmlns:a16="http://schemas.microsoft.com/office/drawing/2014/main" id="{315E8A18-FCDF-F1D0-6C08-638D434B0B44}"/>
+              </a:ext>
+            </a:extLst>
+          </p:cNvPr>
+          <p:cNvGraphicFramePr>
+            <a:graphicFrameLocks noGrp="1"/>
+          </p:cNvGraphicFramePr>
+          <p:nvPr>
+            <p:extLst>
+              <p:ext uri="{D42A27DB-BD31-4B8C-83A1-F6EECF244321}">
+                <p14:modId xmlns:p14="http://schemas.microsoft.com/office/powerpoint/2010/main" val="793985519"/>
+              </p:ext>
+            </p:extLst>
+          </p:nvPr>
+        </p:nvGraphicFramePr>
+        <p:xfrm>
+          <a:off x="8266890" y="2790618"/>
+          <a:ext cx="1666240" cy="182292"/>
+        </p:xfrm>
+        <a:graphic>
+          <a:graphicData uri="http://schemas.openxmlformats.org/drawingml/2006/table">
+            <a:tbl>
+              <a:tblPr firstRow="1" bandRow="1">
+                <a:tableStyleId>{00A15C55-8517-42AA-B614-E9B94910E393}</a:tableStyleId>
+              </a:tblPr>
+              <a:tblGrid>
+                <a:gridCol w="208280">
+                  <a:extLst>
+                    <a:ext uri="{9D8B030D-6E8A-4147-A177-3AD203B41FA5}">
+                      <a16:colId xmlns:a16="http://schemas.microsoft.com/office/drawing/2014/main" val="1452157560"/>
+                    </a:ext>
+                  </a:extLst>
+                </a:gridCol>
+                <a:gridCol w="208280">
+                  <a:extLst>
+                    <a:ext uri="{9D8B030D-6E8A-4147-A177-3AD203B41FA5}">
+                      <a16:colId xmlns:a16="http://schemas.microsoft.com/office/drawing/2014/main" val="2094690716"/>
+                    </a:ext>
+                  </a:extLst>
+                </a:gridCol>
+                <a:gridCol w="208280">
+                  <a:extLst>
+                    <a:ext uri="{9D8B030D-6E8A-4147-A177-3AD203B41FA5}">
+                      <a16:colId xmlns:a16="http://schemas.microsoft.com/office/drawing/2014/main" val="2410800384"/>
+                    </a:ext>
+                  </a:extLst>
+                </a:gridCol>
+                <a:gridCol w="208280">
+                  <a:extLst>
+                    <a:ext uri="{9D8B030D-6E8A-4147-A177-3AD203B41FA5}">
+                      <a16:colId xmlns:a16="http://schemas.microsoft.com/office/drawing/2014/main" val="219437509"/>
+                    </a:ext>
+                  </a:extLst>
+                </a:gridCol>
+                <a:gridCol w="208280">
+                  <a:extLst>
+                    <a:ext uri="{9D8B030D-6E8A-4147-A177-3AD203B41FA5}">
+                      <a16:colId xmlns:a16="http://schemas.microsoft.com/office/drawing/2014/main" val="2787922525"/>
+                    </a:ext>
+                  </a:extLst>
+                </a:gridCol>
+                <a:gridCol w="208280">
+                  <a:extLst>
+                    <a:ext uri="{9D8B030D-6E8A-4147-A177-3AD203B41FA5}">
+                      <a16:colId xmlns:a16="http://schemas.microsoft.com/office/drawing/2014/main" val="4092570086"/>
+                    </a:ext>
+                  </a:extLst>
+                </a:gridCol>
+                <a:gridCol w="208280">
+                  <a:extLst>
+                    <a:ext uri="{9D8B030D-6E8A-4147-A177-3AD203B41FA5}">
+                      <a16:colId xmlns:a16="http://schemas.microsoft.com/office/drawing/2014/main" val="1624973094"/>
+                    </a:ext>
+                  </a:extLst>
+                </a:gridCol>
+                <a:gridCol w="208280">
+                  <a:extLst>
+                    <a:ext uri="{9D8B030D-6E8A-4147-A177-3AD203B41FA5}">
+                      <a16:colId xmlns:a16="http://schemas.microsoft.com/office/drawing/2014/main" val="2483870472"/>
+                    </a:ext>
+                  </a:extLst>
+                </a:gridCol>
+              </a:tblGrid>
+              <a:tr h="182292">
+                <a:tc>
+                  <a:txBody>
+                    <a:bodyPr/>
+                    <a:lstStyle/>
+                    <a:p>
+                      <a:endParaRPr lang="en-US" sz="200"/>
+                    </a:p>
+                  </a:txBody>
+                  <a:tcPr>
+                    <a:lnL w="12700" cap="flat" cmpd="sng" algn="ctr">
+                      <a:solidFill>
+                        <a:schemeClr val="tx1"/>
+                      </a:solidFill>
+                      <a:prstDash val="solid"/>
+                      <a:round/>
+                      <a:headEnd type="none" w="med" len="med"/>
+                      <a:tailEnd type="none" w="med" len="med"/>
+                    </a:lnL>
+                    <a:lnR w="12700" cap="flat" cmpd="sng" algn="ctr">
+                      <a:solidFill>
+                        <a:schemeClr val="tx1"/>
+                      </a:solidFill>
+                      <a:prstDash val="solid"/>
+                      <a:round/>
+                      <a:headEnd type="none" w="med" len="med"/>
+                      <a:tailEnd type="none" w="med" len="med"/>
+                    </a:lnR>
+                    <a:lnT w="12700" cap="flat" cmpd="sng" algn="ctr">
+                      <a:solidFill>
+                        <a:schemeClr val="tx1"/>
+                      </a:solidFill>
+                      <a:prstDash val="solid"/>
+                      <a:round/>
+                      <a:headEnd type="none" w="med" len="med"/>
+                      <a:tailEnd type="none" w="med" len="med"/>
+                    </a:lnT>
+                    <a:lnB w="12700" cap="flat" cmpd="sng" algn="ctr">
+                      <a:solidFill>
+                        <a:schemeClr val="tx1"/>
+                      </a:solidFill>
+                      <a:prstDash val="solid"/>
+                      <a:round/>
+                      <a:headEnd type="none" w="med" len="med"/>
+                      <a:tailEnd type="none" w="med" len="med"/>
+                    </a:lnB>
+                  </a:tcPr>
+                </a:tc>
+                <a:tc>
+                  <a:txBody>
+                    <a:bodyPr/>
+                    <a:lstStyle/>
+                    <a:p>
+                      <a:endParaRPr lang="en-US" sz="200"/>
+                    </a:p>
+                  </a:txBody>
+                  <a:tcPr>
+                    <a:lnL w="12700" cap="flat" cmpd="sng" algn="ctr">
+                      <a:solidFill>
+                        <a:schemeClr val="tx1"/>
+                      </a:solidFill>
+                      <a:prstDash val="solid"/>
+                      <a:round/>
+                      <a:headEnd type="none" w="med" len="med"/>
+                      <a:tailEnd type="none" w="med" len="med"/>
+                    </a:lnL>
+                    <a:lnR w="12700" cap="flat" cmpd="sng" algn="ctr">
+                      <a:solidFill>
+                        <a:schemeClr val="tx1"/>
+                      </a:solidFill>
+                      <a:prstDash val="solid"/>
+                      <a:round/>
+                      <a:headEnd type="none" w="med" len="med"/>
+                      <a:tailEnd type="none" w="med" len="med"/>
+                    </a:lnR>
+                    <a:lnT w="12700" cap="flat" cmpd="sng" algn="ctr">
+                      <a:solidFill>
+                        <a:schemeClr val="tx1"/>
+                      </a:solidFill>
+                      <a:prstDash val="solid"/>
+                      <a:round/>
+                      <a:headEnd type="none" w="med" len="med"/>
+                      <a:tailEnd type="none" w="med" len="med"/>
+                    </a:lnT>
+                    <a:lnB w="12700" cap="flat" cmpd="sng" algn="ctr">
+                      <a:solidFill>
+                        <a:schemeClr val="tx1"/>
+                      </a:solidFill>
+                      <a:prstDash val="solid"/>
+                      <a:round/>
+                      <a:headEnd type="none" w="med" len="med"/>
+                      <a:tailEnd type="none" w="med" len="med"/>
+                    </a:lnB>
+                  </a:tcPr>
+                </a:tc>
+                <a:tc>
+                  <a:txBody>
+                    <a:bodyPr/>
+                    <a:lstStyle/>
+                    <a:p>
+                      <a:endParaRPr lang="en-US" sz="200"/>
+                    </a:p>
+                  </a:txBody>
+                  <a:tcPr>
+                    <a:lnL w="12700" cap="flat" cmpd="sng" algn="ctr">
+                      <a:solidFill>
+                        <a:schemeClr val="tx1"/>
+                      </a:solidFill>
+                      <a:prstDash val="solid"/>
+                      <a:round/>
+                      <a:headEnd type="none" w="med" len="med"/>
+                      <a:tailEnd type="none" w="med" len="med"/>
+                    </a:lnL>
+                    <a:lnR w="12700" cap="flat" cmpd="sng" algn="ctr">
+                      <a:solidFill>
+                        <a:schemeClr val="tx1"/>
+                      </a:solidFill>
+                      <a:prstDash val="solid"/>
+                      <a:round/>
+                      <a:headEnd type="none" w="med" len="med"/>
+                      <a:tailEnd type="none" w="med" len="med"/>
+                    </a:lnR>
+                    <a:lnT w="12700" cap="flat" cmpd="sng" algn="ctr">
+                      <a:solidFill>
+                        <a:schemeClr val="tx1"/>
+                      </a:solidFill>
+                      <a:prstDash val="solid"/>
+                      <a:round/>
+                      <a:headEnd type="none" w="med" len="med"/>
+                      <a:tailEnd type="none" w="med" len="med"/>
+                    </a:lnT>
+                    <a:lnB w="12700" cap="flat" cmpd="sng" algn="ctr">
+                      <a:solidFill>
+                        <a:schemeClr val="tx1"/>
+                      </a:solidFill>
+                      <a:prstDash val="solid"/>
+                      <a:round/>
+                      <a:headEnd type="none" w="med" len="med"/>
+                      <a:tailEnd type="none" w="med" len="med"/>
+                    </a:lnB>
+                  </a:tcPr>
+                </a:tc>
+                <a:tc>
+                  <a:txBody>
+                    <a:bodyPr/>
+                    <a:lstStyle/>
+                    <a:p>
+                      <a:endParaRPr lang="en-US" sz="200"/>
+                    </a:p>
+                  </a:txBody>
+                  <a:tcPr>
+                    <a:lnL w="12700" cap="flat" cmpd="sng" algn="ctr">
+                      <a:solidFill>
+                        <a:schemeClr val="tx1"/>
+                      </a:solidFill>
+                      <a:prstDash val="solid"/>
+                      <a:round/>
+                      <a:headEnd type="none" w="med" len="med"/>
+                      <a:tailEnd type="none" w="med" len="med"/>
+                    </a:lnL>
+                    <a:lnR w="12700" cap="flat" cmpd="sng" algn="ctr">
+                      <a:solidFill>
+                        <a:schemeClr val="tx1"/>
+                      </a:solidFill>
+                      <a:prstDash val="solid"/>
+                      <a:round/>
+                      <a:headEnd type="none" w="med" len="med"/>
+                      <a:tailEnd type="none" w="med" len="med"/>
+                    </a:lnR>
+                    <a:lnT w="12700" cap="flat" cmpd="sng" algn="ctr">
+                      <a:solidFill>
+                        <a:schemeClr val="tx1"/>
+                      </a:solidFill>
+                      <a:prstDash val="solid"/>
+                      <a:round/>
+                      <a:headEnd type="none" w="med" len="med"/>
+                      <a:tailEnd type="none" w="med" len="med"/>
+                    </a:lnT>
+                    <a:lnB w="12700" cap="flat" cmpd="sng" algn="ctr">
+                      <a:solidFill>
+                        <a:schemeClr val="tx1"/>
+                      </a:solidFill>
+                      <a:prstDash val="solid"/>
+                      <a:round/>
+                      <a:headEnd type="none" w="med" len="med"/>
+                      <a:tailEnd type="none" w="med" len="med"/>
+                    </a:lnB>
+                  </a:tcPr>
+                </a:tc>
+                <a:tc>
+                  <a:txBody>
+                    <a:bodyPr/>
+                    <a:lstStyle/>
+                    <a:p>
+                      <a:endParaRPr lang="en-US" sz="200"/>
+                    </a:p>
+                  </a:txBody>
+                  <a:tcPr>
+                    <a:lnL w="12700" cap="flat" cmpd="sng" algn="ctr">
+                      <a:solidFill>
+                        <a:schemeClr val="tx1"/>
+                      </a:solidFill>
+                      <a:prstDash val="solid"/>
+                      <a:round/>
+                      <a:headEnd type="none" w="med" len="med"/>
+                      <a:tailEnd type="none" w="med" len="med"/>
+                    </a:lnL>
+                    <a:lnR w="12700" cap="flat" cmpd="sng" algn="ctr">
+                      <a:solidFill>
+                        <a:schemeClr val="tx1"/>
+                      </a:solidFill>
+                      <a:prstDash val="solid"/>
+                      <a:round/>
+                      <a:headEnd type="none" w="med" len="med"/>
+                      <a:tailEnd type="none" w="med" len="med"/>
+                    </a:lnR>
+                    <a:lnT w="12700" cap="flat" cmpd="sng" algn="ctr">
+                      <a:solidFill>
+                        <a:schemeClr val="tx1"/>
+                      </a:solidFill>
+                      <a:prstDash val="solid"/>
+                      <a:round/>
+                      <a:headEnd type="none" w="med" len="med"/>
+                      <a:tailEnd type="none" w="med" len="med"/>
+                    </a:lnT>
+                    <a:lnB w="12700" cap="flat" cmpd="sng" algn="ctr">
+                      <a:solidFill>
+                        <a:schemeClr val="tx1"/>
+                      </a:solidFill>
+                      <a:prstDash val="solid"/>
+                      <a:round/>
+                      <a:headEnd type="none" w="med" len="med"/>
+                      <a:tailEnd type="none" w="med" len="med"/>
+                    </a:lnB>
+                  </a:tcPr>
+                </a:tc>
+                <a:tc>
+                  <a:txBody>
+                    <a:bodyPr/>
+                    <a:lstStyle/>
+                    <a:p>
+                      <a:endParaRPr lang="en-US" sz="200"/>
+                    </a:p>
+                  </a:txBody>
+                  <a:tcPr>
+                    <a:lnL w="12700" cap="flat" cmpd="sng" algn="ctr">
+                      <a:solidFill>
+                        <a:schemeClr val="tx1"/>
+                      </a:solidFill>
+                      <a:prstDash val="solid"/>
+                      <a:round/>
+                      <a:headEnd type="none" w="med" len="med"/>
+                      <a:tailEnd type="none" w="med" len="med"/>
+                    </a:lnL>
+                    <a:lnR w="12700" cap="flat" cmpd="sng" algn="ctr">
+                      <a:solidFill>
+                        <a:schemeClr val="tx1"/>
+                      </a:solidFill>
+                      <a:prstDash val="solid"/>
+                      <a:round/>
+                      <a:headEnd type="none" w="med" len="med"/>
+                      <a:tailEnd type="none" w="med" len="med"/>
+                    </a:lnR>
+                    <a:lnT w="12700" cap="flat" cmpd="sng" algn="ctr">
+                      <a:solidFill>
+                        <a:schemeClr val="tx1"/>
+                      </a:solidFill>
+                      <a:prstDash val="solid"/>
+                      <a:round/>
+                      <a:headEnd type="none" w="med" len="med"/>
+                      <a:tailEnd type="none" w="med" len="med"/>
+                    </a:lnT>
+                    <a:lnB w="12700" cap="flat" cmpd="sng" algn="ctr">
+                      <a:solidFill>
+                        <a:schemeClr val="tx1"/>
+                      </a:solidFill>
+                      <a:prstDash val="solid"/>
+                      <a:round/>
+                      <a:headEnd type="none" w="med" len="med"/>
+                      <a:tailEnd type="none" w="med" len="med"/>
+                    </a:lnB>
+                  </a:tcPr>
+                </a:tc>
+                <a:tc>
+                  <a:txBody>
+                    <a:bodyPr/>
+                    <a:lstStyle/>
+                    <a:p>
+                      <a:endParaRPr lang="en-US" sz="200" dirty="0"/>
+                    </a:p>
+                  </a:txBody>
+                  <a:tcPr>
+                    <a:lnL w="12700" cap="flat" cmpd="sng" algn="ctr">
+                      <a:solidFill>
+                        <a:schemeClr val="tx1"/>
+                      </a:solidFill>
+                      <a:prstDash val="solid"/>
+                      <a:round/>
+                      <a:headEnd type="none" w="med" len="med"/>
+                      <a:tailEnd type="none" w="med" len="med"/>
+                    </a:lnL>
+                    <a:lnR w="12700" cap="flat" cmpd="sng" algn="ctr">
+                      <a:solidFill>
+                        <a:schemeClr val="tx1"/>
+                      </a:solidFill>
+                      <a:prstDash val="solid"/>
+                      <a:round/>
+                      <a:headEnd type="none" w="med" len="med"/>
+                      <a:tailEnd type="none" w="med" len="med"/>
+                    </a:lnR>
+                    <a:lnT w="12700" cap="flat" cmpd="sng" algn="ctr">
+                      <a:solidFill>
+                        <a:schemeClr val="tx1"/>
+                      </a:solidFill>
+                      <a:prstDash val="solid"/>
+                      <a:round/>
+                      <a:headEnd type="none" w="med" len="med"/>
+                      <a:tailEnd type="none" w="med" len="med"/>
+                    </a:lnT>
+                    <a:lnB w="12700" cap="flat" cmpd="sng" algn="ctr">
+                      <a:solidFill>
+                        <a:schemeClr val="tx1"/>
+                      </a:solidFill>
+                      <a:prstDash val="solid"/>
+                      <a:round/>
+                      <a:headEnd type="none" w="med" len="med"/>
+                      <a:tailEnd type="none" w="med" len="med"/>
+                    </a:lnB>
+                  </a:tcPr>
+                </a:tc>
+                <a:tc>
+                  <a:txBody>
+                    <a:bodyPr/>
+                    <a:lstStyle/>
+                    <a:p>
+                      <a:endParaRPr lang="en-US" sz="200" dirty="0"/>
+                    </a:p>
+                  </a:txBody>
+                  <a:tcPr>
+                    <a:lnL w="12700" cap="flat" cmpd="sng" algn="ctr">
+                      <a:solidFill>
+                        <a:schemeClr val="tx1"/>
+                      </a:solidFill>
+                      <a:prstDash val="solid"/>
+                      <a:round/>
+                      <a:headEnd type="none" w="med" len="med"/>
+                      <a:tailEnd type="none" w="med" len="med"/>
+                    </a:lnL>
+                    <a:lnR w="12700" cap="flat" cmpd="sng" algn="ctr">
+                      <a:solidFill>
+                        <a:schemeClr val="tx1"/>
+                      </a:solidFill>
+                      <a:prstDash val="solid"/>
+                      <a:round/>
+                      <a:headEnd type="none" w="med" len="med"/>
+                      <a:tailEnd type="none" w="med" len="med"/>
+                    </a:lnR>
+                    <a:lnT w="12700" cap="flat" cmpd="sng" algn="ctr">
+                      <a:solidFill>
+                        <a:schemeClr val="tx1"/>
+                      </a:solidFill>
+                      <a:prstDash val="solid"/>
+                      <a:round/>
+                      <a:headEnd type="none" w="med" len="med"/>
+                      <a:tailEnd type="none" w="med" len="med"/>
+                    </a:lnT>
+                    <a:lnB w="12700" cap="flat" cmpd="sng" algn="ctr">
+                      <a:solidFill>
+                        <a:schemeClr val="tx1"/>
+                      </a:solidFill>
+                      <a:prstDash val="solid"/>
+                      <a:round/>
+                      <a:headEnd type="none" w="med" len="med"/>
+                      <a:tailEnd type="none" w="med" len="med"/>
+                    </a:lnB>
+                  </a:tcPr>
+                </a:tc>
+                <a:extLst>
+                  <a:ext uri="{0D108BD9-81ED-4DB2-BD59-A6C34878D82A}">
+                    <a16:rowId xmlns:a16="http://schemas.microsoft.com/office/drawing/2014/main" val="3771074123"/>
+                  </a:ext>
+                </a:extLst>
+              </a:tr>
+            </a:tbl>
+          </a:graphicData>
+        </a:graphic>
+      </p:graphicFrame>
+      <p:sp>
+        <p:nvSpPr>
+          <p:cNvPr id="10" name="Rectangle: Rounded Corners 9">
+            <a:extLst>
+              <a:ext uri="{FF2B5EF4-FFF2-40B4-BE49-F238E27FC236}">
+                <a16:creationId xmlns:a16="http://schemas.microsoft.com/office/drawing/2014/main" id="{87C1B9FE-9ADD-5730-5074-00B154FB3187}"/>
+              </a:ext>
+            </a:extLst>
+          </p:cNvPr>
+          <p:cNvSpPr/>
+          <p:nvPr/>
+        </p:nvSpPr>
+        <p:spPr>
+          <a:xfrm>
+            <a:off x="9186475" y="1630770"/>
+            <a:ext cx="550506" cy="291173"/>
+          </a:xfrm>
+          <a:prstGeom prst="roundRect">
+            <a:avLst/>
+          </a:prstGeom>
+        </p:spPr>
+        <p:style>
+          <a:lnRef idx="0">
+            <a:schemeClr val="accent1"/>
+          </a:lnRef>
+          <a:fillRef idx="3">
+            <a:schemeClr val="accent1"/>
+          </a:fillRef>
+          <a:effectRef idx="3">
+            <a:schemeClr val="accent1"/>
+          </a:effectRef>
+          <a:fontRef idx="minor">
+            <a:schemeClr val="lt1"/>
+          </a:fontRef>
+        </p:style>
+        <p:txBody>
+          <a:bodyPr rtlCol="0" anchor="ctr"/>
+          <a:lstStyle/>
+          <a:p>
+            <a:pPr algn="ctr"/>
+            <a:r>
+              <a:rPr lang="en-US" dirty="0"/>
+              <a:t>ECS</a:t>
+            </a:r>
+          </a:p>
+        </p:txBody>
+      </p:sp>
+      <p:sp>
+        <p:nvSpPr>
+          <p:cNvPr id="3" name="Rectangle: Rounded Corners 2">
+            <a:extLst>
+              <a:ext uri="{FF2B5EF4-FFF2-40B4-BE49-F238E27FC236}">
+                <a16:creationId xmlns:a16="http://schemas.microsoft.com/office/drawing/2014/main" id="{67138047-1435-4CFC-D361-44E0446CC57E}"/>
+              </a:ext>
+            </a:extLst>
+          </p:cNvPr>
+          <p:cNvSpPr/>
+          <p:nvPr/>
+        </p:nvSpPr>
+        <p:spPr>
+          <a:xfrm>
+            <a:off x="420900" y="5246725"/>
+            <a:ext cx="2712098" cy="1166516"/>
+          </a:xfrm>
+          <a:prstGeom prst="roundRect">
+            <a:avLst>
+              <a:gd name="adj" fmla="val 12160"/>
+            </a:avLst>
+          </a:prstGeom>
+        </p:spPr>
+        <p:style>
+          <a:lnRef idx="1">
+            <a:schemeClr val="accent1"/>
+          </a:lnRef>
+          <a:fillRef idx="2">
+            <a:schemeClr val="accent1"/>
+          </a:fillRef>
+          <a:effectRef idx="1">
+            <a:schemeClr val="accent1"/>
+          </a:effectRef>
+          <a:fontRef idx="minor">
+            <a:schemeClr val="dk1"/>
+          </a:fontRef>
+        </p:style>
+        <p:txBody>
+          <a:bodyPr rtlCol="0" anchor="ctr"/>
+          <a:lstStyle/>
+          <a:p>
+            <a:pPr marL="285750" indent="-216000">
+              <a:buFont typeface="Arial" panose="020B0604020202020204" pitchFamily="34" charset="0"/>
+              <a:buChar char="•"/>
+            </a:pPr>
+            <a:r>
+              <a:rPr lang="en-US" sz="1400" dirty="0"/>
+              <a:t>Like </a:t>
+            </a:r>
+            <a:r>
+              <a:rPr lang="pl-PL" sz="1400" dirty="0" err="1"/>
+              <a:t>unique_ptr</a:t>
+            </a:r>
+            <a:endParaRPr lang="pl-PL" sz="1400" dirty="0"/>
+          </a:p>
+          <a:p>
+            <a:pPr marL="285750" indent="-216000">
+              <a:buFont typeface="Arial" panose="020B0604020202020204" pitchFamily="34" charset="0"/>
+              <a:buChar char="•"/>
+            </a:pPr>
+            <a:r>
+              <a:rPr lang="pl-PL" sz="1400" dirty="0" err="1"/>
+              <a:t>Like</a:t>
+            </a:r>
+            <a:r>
+              <a:rPr lang="pl-PL" sz="1400" dirty="0"/>
+              <a:t> lock </a:t>
+            </a:r>
+            <a:r>
+              <a:rPr lang="pl-PL" sz="1400" dirty="0" err="1"/>
+              <a:t>guard</a:t>
+            </a:r>
+            <a:endParaRPr lang="en-US" sz="1400" dirty="0"/>
+          </a:p>
+        </p:txBody>
+      </p:sp>
+      <p:sp>
+        <p:nvSpPr>
+          <p:cNvPr id="12" name="Rectangle: Rounded Corners 11">
+            <a:extLst>
+              <a:ext uri="{FF2B5EF4-FFF2-40B4-BE49-F238E27FC236}">
+                <a16:creationId xmlns:a16="http://schemas.microsoft.com/office/drawing/2014/main" id="{320E7630-0CFD-004A-B609-E0DE138512AF}"/>
+              </a:ext>
+            </a:extLst>
+          </p:cNvPr>
+          <p:cNvSpPr/>
+          <p:nvPr/>
+        </p:nvSpPr>
+        <p:spPr>
+          <a:xfrm>
+            <a:off x="523542" y="5073844"/>
+            <a:ext cx="2506816" cy="291173"/>
+          </a:xfrm>
+          <a:prstGeom prst="roundRect">
+            <a:avLst/>
+          </a:prstGeom>
+        </p:spPr>
+        <p:style>
+          <a:lnRef idx="0">
+            <a:schemeClr val="accent1"/>
+          </a:lnRef>
+          <a:fillRef idx="3">
+            <a:schemeClr val="accent1"/>
+          </a:fillRef>
+          <a:effectRef idx="3">
+            <a:schemeClr val="accent1"/>
+          </a:effectRef>
+          <a:fontRef idx="minor">
+            <a:schemeClr val="lt1"/>
+          </a:fontRef>
+        </p:style>
+        <p:txBody>
+          <a:bodyPr rtlCol="0" anchor="ctr"/>
+          <a:lstStyle/>
+          <a:p>
+            <a:pPr algn="ctr"/>
+            <a:r>
+              <a:rPr lang="en-US" dirty="0"/>
+              <a:t>Asset</a:t>
+            </a:r>
+            <a:r>
+              <a:rPr lang="pl-PL" dirty="0"/>
+              <a:t>User</a:t>
+            </a:r>
+            <a:r>
+              <a:rPr lang="en-US" dirty="0"/>
+              <a:t>&lt;</a:t>
+            </a:r>
+            <a:r>
+              <a:rPr lang="en-US" dirty="0" err="1"/>
+              <a:t>tnAsset</a:t>
+            </a:r>
+            <a:r>
+              <a:rPr lang="en-US" dirty="0"/>
+              <a:t>&gt;</a:t>
+            </a:r>
+          </a:p>
+        </p:txBody>
+      </p:sp>
+      <p:sp>
+        <p:nvSpPr>
+          <p:cNvPr id="13" name="Rectangle: Rounded Corners 12">
+            <a:extLst>
+              <a:ext uri="{FF2B5EF4-FFF2-40B4-BE49-F238E27FC236}">
+                <a16:creationId xmlns:a16="http://schemas.microsoft.com/office/drawing/2014/main" id="{6334484C-A69B-18E0-6EA3-9161B22140C0}"/>
+              </a:ext>
+            </a:extLst>
+          </p:cNvPr>
+          <p:cNvSpPr/>
+          <p:nvPr/>
+        </p:nvSpPr>
+        <p:spPr>
+          <a:xfrm>
+            <a:off x="9014643" y="4228943"/>
+            <a:ext cx="1444678" cy="291173"/>
+          </a:xfrm>
+          <a:prstGeom prst="roundRect">
+            <a:avLst/>
+          </a:prstGeom>
+        </p:spPr>
+        <p:style>
+          <a:lnRef idx="0">
+            <a:schemeClr val="accent1"/>
+          </a:lnRef>
+          <a:fillRef idx="3">
+            <a:schemeClr val="accent1"/>
+          </a:fillRef>
+          <a:effectRef idx="3">
+            <a:schemeClr val="accent1"/>
+          </a:effectRef>
+          <a:fontRef idx="minor">
+            <a:schemeClr val="lt1"/>
+          </a:fontRef>
+        </p:style>
+        <p:txBody>
+          <a:bodyPr rtlCol="0" anchor="ctr"/>
+          <a:lstStyle/>
+          <a:p>
+            <a:pPr algn="ctr"/>
+            <a:r>
+              <a:rPr lang="en-US" dirty="0"/>
+              <a:t>Asset</a:t>
+            </a:r>
+            <a:r>
+              <a:rPr lang="pl-PL" dirty="0" err="1"/>
+              <a:t>Loaders</a:t>
+            </a:r>
+            <a:endParaRPr lang="en-US" dirty="0"/>
+          </a:p>
+        </p:txBody>
+      </p:sp>
+      <p:sp>
+        <p:nvSpPr>
+          <p:cNvPr id="15" name="Rectangle: Rounded Corners 14">
+            <a:extLst>
+              <a:ext uri="{FF2B5EF4-FFF2-40B4-BE49-F238E27FC236}">
+                <a16:creationId xmlns:a16="http://schemas.microsoft.com/office/drawing/2014/main" id="{20318DE5-E77C-5009-EA86-699CDE0425AB}"/>
+              </a:ext>
+            </a:extLst>
+          </p:cNvPr>
+          <p:cNvSpPr/>
+          <p:nvPr/>
+        </p:nvSpPr>
+        <p:spPr>
+          <a:xfrm>
+            <a:off x="3333607" y="5248555"/>
+            <a:ext cx="2712098" cy="1166516"/>
+          </a:xfrm>
+          <a:prstGeom prst="roundRect">
+            <a:avLst>
+              <a:gd name="adj" fmla="val 12160"/>
+            </a:avLst>
+          </a:prstGeom>
+        </p:spPr>
+        <p:style>
+          <a:lnRef idx="1">
+            <a:schemeClr val="accent1"/>
+          </a:lnRef>
+          <a:fillRef idx="2">
+            <a:schemeClr val="accent1"/>
+          </a:fillRef>
+          <a:effectRef idx="1">
+            <a:schemeClr val="accent1"/>
+          </a:effectRef>
+          <a:fontRef idx="minor">
+            <a:schemeClr val="dk1"/>
+          </a:fontRef>
+        </p:style>
+        <p:txBody>
+          <a:bodyPr rtlCol="0" anchor="b"/>
+          <a:lstStyle/>
+          <a:p>
+            <a:pPr marL="285750" indent="-216000">
+              <a:buFont typeface="Arial" panose="020B0604020202020204" pitchFamily="34" charset="0"/>
+              <a:buChar char="•"/>
+            </a:pPr>
+            <a:r>
+              <a:rPr lang="en-US" sz="1400" dirty="0"/>
+              <a:t>Like </a:t>
+            </a:r>
+            <a:r>
+              <a:rPr lang="pl-PL" sz="1400" dirty="0" err="1"/>
+              <a:t>shared</a:t>
+            </a:r>
+            <a:r>
+              <a:rPr lang="en-US" sz="1400" dirty="0"/>
+              <a:t>_</a:t>
+            </a:r>
+            <a:r>
+              <a:rPr lang="en-US" sz="1400" dirty="0" err="1"/>
+              <a:t>ptr</a:t>
+            </a:r>
+            <a:endParaRPr lang="pl-PL" sz="1400" dirty="0"/>
+          </a:p>
+          <a:p>
+            <a:pPr marL="285750" indent="-216000">
+              <a:buFont typeface="Arial" panose="020B0604020202020204" pitchFamily="34" charset="0"/>
+              <a:buChar char="•"/>
+            </a:pPr>
+            <a:r>
+              <a:rPr lang="pl-PL" sz="1400" dirty="0" err="1"/>
+              <a:t>Like</a:t>
+            </a:r>
+            <a:r>
+              <a:rPr lang="pl-PL" sz="1400" dirty="0"/>
+              <a:t> lock </a:t>
+            </a:r>
+            <a:r>
+              <a:rPr lang="pl-PL" sz="1400" dirty="0" err="1"/>
+              <a:t>guard</a:t>
+            </a:r>
+            <a:endParaRPr lang="pl-PL" sz="1400" dirty="0"/>
+          </a:p>
+          <a:p>
+            <a:pPr marL="285750" indent="-216000">
+              <a:buFont typeface="Arial" panose="020B0604020202020204" pitchFamily="34" charset="0"/>
+              <a:buChar char="•"/>
+            </a:pPr>
+            <a:r>
+              <a:rPr lang="pl-PL" sz="1400" dirty="0" err="1"/>
+              <a:t>Gives</a:t>
+            </a:r>
+            <a:r>
+              <a:rPr lang="pl-PL" sz="1400" dirty="0"/>
+              <a:t> </a:t>
+            </a:r>
+            <a:r>
+              <a:rPr lang="pl-PL" sz="1400" dirty="0" err="1"/>
+              <a:t>access</a:t>
+            </a:r>
+            <a:r>
+              <a:rPr lang="pl-PL" sz="1400" dirty="0"/>
+              <a:t> </a:t>
+            </a:r>
+            <a:r>
+              <a:rPr lang="pl-PL" sz="1400" dirty="0" err="1"/>
+              <a:t>only</a:t>
+            </a:r>
+            <a:r>
+              <a:rPr lang="pl-PL" sz="1400" dirty="0"/>
+              <a:t> to </a:t>
+            </a:r>
+            <a:r>
+              <a:rPr lang="pl-PL" sz="1400" dirty="0" err="1"/>
+              <a:t>const</a:t>
+            </a:r>
+            <a:r>
+              <a:rPr lang="pl-PL" sz="1400" dirty="0"/>
+              <a:t> </a:t>
+            </a:r>
+            <a:r>
+              <a:rPr lang="pl-PL" sz="1400" dirty="0" err="1"/>
+              <a:t>methods</a:t>
+            </a:r>
+            <a:r>
+              <a:rPr lang="pl-PL" sz="1400" dirty="0"/>
+              <a:t> of </a:t>
+            </a:r>
+            <a:r>
+              <a:rPr lang="en-US" sz="1400" dirty="0" err="1"/>
+              <a:t>tnA</a:t>
+            </a:r>
+            <a:r>
+              <a:rPr lang="pl-PL" sz="1400" dirty="0" err="1"/>
+              <a:t>sset</a:t>
+            </a:r>
+            <a:endParaRPr lang="en-US" sz="1400" dirty="0"/>
+          </a:p>
+        </p:txBody>
+      </p:sp>
+      <p:sp>
+        <p:nvSpPr>
+          <p:cNvPr id="27" name="Rectangle: Rounded Corners 26">
+            <a:extLst>
+              <a:ext uri="{FF2B5EF4-FFF2-40B4-BE49-F238E27FC236}">
+                <a16:creationId xmlns:a16="http://schemas.microsoft.com/office/drawing/2014/main" id="{4A759DC1-565C-90B3-E60A-0DE5E49147DE}"/>
+              </a:ext>
+            </a:extLst>
+          </p:cNvPr>
+          <p:cNvSpPr/>
+          <p:nvPr/>
+        </p:nvSpPr>
+        <p:spPr>
+          <a:xfrm>
+            <a:off x="3436249" y="5075674"/>
+            <a:ext cx="2506816" cy="291173"/>
+          </a:xfrm>
+          <a:prstGeom prst="roundRect">
+            <a:avLst/>
+          </a:prstGeom>
+        </p:spPr>
+        <p:style>
+          <a:lnRef idx="0">
+            <a:schemeClr val="accent1"/>
+          </a:lnRef>
+          <a:fillRef idx="3">
+            <a:schemeClr val="accent1"/>
+          </a:fillRef>
+          <a:effectRef idx="3">
+            <a:schemeClr val="accent1"/>
+          </a:effectRef>
+          <a:fontRef idx="minor">
+            <a:schemeClr val="lt1"/>
+          </a:fontRef>
+        </p:style>
+        <p:txBody>
+          <a:bodyPr rtlCol="0" anchor="ctr"/>
+          <a:lstStyle/>
+          <a:p>
+            <a:pPr algn="ctr"/>
+            <a:r>
+              <a:rPr lang="en-US" dirty="0"/>
+              <a:t>Asset</a:t>
+            </a:r>
+            <a:r>
+              <a:rPr lang="pl-PL" dirty="0" err="1"/>
+              <a:t>Observer</a:t>
+            </a:r>
+            <a:r>
+              <a:rPr lang="en-US" dirty="0"/>
+              <a:t>&lt;</a:t>
+            </a:r>
+            <a:r>
+              <a:rPr lang="en-US" dirty="0" err="1"/>
+              <a:t>tnAsset</a:t>
+            </a:r>
+            <a:r>
+              <a:rPr lang="en-US" dirty="0"/>
+              <a:t>&gt;</a:t>
+            </a:r>
+          </a:p>
+        </p:txBody>
+      </p:sp>
+      <p:cxnSp>
+        <p:nvCxnSpPr>
+          <p:cNvPr id="33" name="Straight Arrow Connector 32">
+            <a:extLst>
+              <a:ext uri="{FF2B5EF4-FFF2-40B4-BE49-F238E27FC236}">
+                <a16:creationId xmlns:a16="http://schemas.microsoft.com/office/drawing/2014/main" id="{E6D48294-6737-74AC-867B-EE0086B7CEA3}"/>
+              </a:ext>
+            </a:extLst>
+          </p:cNvPr>
+          <p:cNvCxnSpPr>
+            <a:cxnSpLocks/>
+            <a:stCxn id="49" idx="2"/>
+          </p:cNvCxnSpPr>
+          <p:nvPr/>
+        </p:nvCxnSpPr>
+        <p:spPr>
+          <a:xfrm flipH="1">
+            <a:off x="2411431" y="4374807"/>
+            <a:ext cx="843119" cy="699037"/>
+          </a:xfrm>
+          <a:prstGeom prst="straightConnector1">
+            <a:avLst/>
+          </a:prstGeom>
+          <a:ln>
+            <a:prstDash val="dash"/>
+            <a:headEnd type="none" w="med" len="med"/>
+            <a:tailEnd type="arrow" w="med" len="med"/>
+          </a:ln>
+        </p:spPr>
+        <p:style>
+          <a:lnRef idx="3">
+            <a:schemeClr val="accent1"/>
+          </a:lnRef>
+          <a:fillRef idx="0">
+            <a:schemeClr val="accent1"/>
+          </a:fillRef>
+          <a:effectRef idx="2">
+            <a:schemeClr val="accent1"/>
+          </a:effectRef>
+          <a:fontRef idx="minor">
+            <a:schemeClr val="tx1"/>
+          </a:fontRef>
+        </p:style>
+      </p:cxnSp>
+      <p:cxnSp>
+        <p:nvCxnSpPr>
+          <p:cNvPr id="35" name="Straight Arrow Connector 34">
+            <a:extLst>
+              <a:ext uri="{FF2B5EF4-FFF2-40B4-BE49-F238E27FC236}">
+                <a16:creationId xmlns:a16="http://schemas.microsoft.com/office/drawing/2014/main" id="{B96B30E5-A163-FFDD-B309-CB6827B1DACF}"/>
+              </a:ext>
+            </a:extLst>
+          </p:cNvPr>
+          <p:cNvCxnSpPr>
+            <a:cxnSpLocks/>
+            <a:stCxn id="49" idx="2"/>
+          </p:cNvCxnSpPr>
+          <p:nvPr/>
+        </p:nvCxnSpPr>
+        <p:spPr>
+          <a:xfrm>
+            <a:off x="3254550" y="4374807"/>
+            <a:ext cx="796210" cy="699037"/>
+          </a:xfrm>
+          <a:prstGeom prst="straightConnector1">
+            <a:avLst/>
+          </a:prstGeom>
+          <a:ln>
+            <a:prstDash val="dash"/>
+            <a:headEnd type="none" w="med" len="med"/>
+            <a:tailEnd type="arrow" w="med" len="med"/>
+          </a:ln>
+        </p:spPr>
+        <p:style>
+          <a:lnRef idx="3">
+            <a:schemeClr val="accent1"/>
+          </a:lnRef>
+          <a:fillRef idx="0">
+            <a:schemeClr val="accent1"/>
+          </a:fillRef>
+          <a:effectRef idx="2">
+            <a:schemeClr val="accent1"/>
+          </a:effectRef>
+          <a:fontRef idx="minor">
+            <a:schemeClr val="tx1"/>
+          </a:fontRef>
+        </p:style>
+      </p:cxnSp>
+      <p:sp>
+        <p:nvSpPr>
+          <p:cNvPr id="46" name="Rectangle: Rounded Corners 45">
+            <a:extLst>
+              <a:ext uri="{FF2B5EF4-FFF2-40B4-BE49-F238E27FC236}">
+                <a16:creationId xmlns:a16="http://schemas.microsoft.com/office/drawing/2014/main" id="{9BDF7E11-BE2C-6836-175E-2E7D81F34479}"/>
+              </a:ext>
+            </a:extLst>
+          </p:cNvPr>
+          <p:cNvSpPr/>
+          <p:nvPr/>
+        </p:nvSpPr>
+        <p:spPr>
+          <a:xfrm>
+            <a:off x="3698530" y="4450392"/>
+            <a:ext cx="987487" cy="291173"/>
+          </a:xfrm>
+          <a:prstGeom prst="roundRect">
+            <a:avLst/>
+          </a:prstGeom>
+        </p:spPr>
+        <p:style>
+          <a:lnRef idx="1">
+            <a:schemeClr val="accent1"/>
+          </a:lnRef>
+          <a:fillRef idx="2">
+            <a:schemeClr val="accent1"/>
+          </a:fillRef>
+          <a:effectRef idx="1">
+            <a:schemeClr val="accent1"/>
+          </a:effectRef>
+          <a:fontRef idx="minor">
+            <a:schemeClr val="dk1"/>
+          </a:fontRef>
+        </p:style>
+        <p:txBody>
+          <a:bodyPr rtlCol="0" anchor="ctr"/>
+          <a:lstStyle/>
+          <a:p>
+            <a:pPr algn="ctr"/>
+            <a:r>
+              <a:rPr lang="pl-PL" sz="1400" dirty="0"/>
+              <a:t>.</a:t>
+            </a:r>
+            <a:r>
+              <a:rPr lang="pl-PL" sz="1400" dirty="0" err="1"/>
+              <a:t>Observe</a:t>
+            </a:r>
+            <a:r>
+              <a:rPr lang="pl-PL" sz="1400" dirty="0"/>
+              <a:t>()</a:t>
+            </a:r>
+            <a:endParaRPr lang="en-US" sz="1400" dirty="0"/>
+          </a:p>
+        </p:txBody>
+      </p:sp>
+      <p:sp>
+        <p:nvSpPr>
+          <p:cNvPr id="47" name="Rectangle: Rounded Corners 46">
+            <a:extLst>
+              <a:ext uri="{FF2B5EF4-FFF2-40B4-BE49-F238E27FC236}">
+                <a16:creationId xmlns:a16="http://schemas.microsoft.com/office/drawing/2014/main" id="{7D075B01-F2E4-A506-EC5C-080F6BCCAE10}"/>
+              </a:ext>
+            </a:extLst>
+          </p:cNvPr>
+          <p:cNvSpPr/>
+          <p:nvPr/>
+        </p:nvSpPr>
+        <p:spPr>
+          <a:xfrm>
+            <a:off x="2162621" y="4450392"/>
+            <a:ext cx="641728" cy="291173"/>
+          </a:xfrm>
+          <a:prstGeom prst="roundRect">
+            <a:avLst/>
+          </a:prstGeom>
+        </p:spPr>
+        <p:style>
+          <a:lnRef idx="1">
+            <a:schemeClr val="accent1"/>
+          </a:lnRef>
+          <a:fillRef idx="2">
+            <a:schemeClr val="accent1"/>
+          </a:fillRef>
+          <a:effectRef idx="1">
+            <a:schemeClr val="accent1"/>
+          </a:effectRef>
+          <a:fontRef idx="minor">
+            <a:schemeClr val="dk1"/>
+          </a:fontRef>
+        </p:style>
+        <p:txBody>
+          <a:bodyPr rtlCol="0" anchor="ctr"/>
+          <a:lstStyle/>
+          <a:p>
+            <a:pPr algn="ctr"/>
+            <a:r>
+              <a:rPr lang="pl-PL" sz="1400" dirty="0"/>
+              <a:t>.</a:t>
+            </a:r>
+            <a:r>
+              <a:rPr lang="pl-PL" sz="1400" dirty="0" err="1"/>
+              <a:t>Use</a:t>
+            </a:r>
+            <a:r>
+              <a:rPr lang="pl-PL" sz="1400" dirty="0"/>
+              <a:t>()</a:t>
+            </a:r>
+            <a:endParaRPr lang="en-US" sz="1400" dirty="0"/>
+          </a:p>
+        </p:txBody>
+      </p:sp>
+      <p:cxnSp>
+        <p:nvCxnSpPr>
+          <p:cNvPr id="52" name="Straight Arrow Connector 51">
+            <a:extLst>
+              <a:ext uri="{FF2B5EF4-FFF2-40B4-BE49-F238E27FC236}">
+                <a16:creationId xmlns:a16="http://schemas.microsoft.com/office/drawing/2014/main" id="{A99E177F-E1DD-DFA3-27B9-C9851D0BB2FD}"/>
+              </a:ext>
+            </a:extLst>
+          </p:cNvPr>
+          <p:cNvCxnSpPr/>
+          <p:nvPr/>
+        </p:nvCxnSpPr>
+        <p:spPr>
+          <a:xfrm>
+            <a:off x="5411755" y="3317066"/>
+            <a:ext cx="0" cy="1756778"/>
+          </a:xfrm>
+          <a:prstGeom prst="straightConnector1">
+            <a:avLst/>
+          </a:prstGeom>
+          <a:ln>
+            <a:tailEnd type="triangle"/>
+          </a:ln>
+        </p:spPr>
+        <p:style>
+          <a:lnRef idx="3">
+            <a:schemeClr val="accent1"/>
+          </a:lnRef>
+          <a:fillRef idx="0">
+            <a:schemeClr val="accent1"/>
+          </a:fillRef>
+          <a:effectRef idx="2">
+            <a:schemeClr val="accent1"/>
+          </a:effectRef>
+          <a:fontRef idx="minor">
+            <a:schemeClr val="tx1"/>
+          </a:fontRef>
+        </p:style>
+      </p:cxnSp>
+      <p:cxnSp>
+        <p:nvCxnSpPr>
+          <p:cNvPr id="53" name="Straight Arrow Connector 52">
+            <a:extLst>
+              <a:ext uri="{FF2B5EF4-FFF2-40B4-BE49-F238E27FC236}">
+                <a16:creationId xmlns:a16="http://schemas.microsoft.com/office/drawing/2014/main" id="{352011AB-C22B-7C34-E7C8-7EB78FCBCE6D}"/>
+              </a:ext>
+            </a:extLst>
+          </p:cNvPr>
+          <p:cNvCxnSpPr>
+            <a:cxnSpLocks/>
+          </p:cNvCxnSpPr>
+          <p:nvPr/>
+        </p:nvCxnSpPr>
+        <p:spPr>
+          <a:xfrm flipH="1">
+            <a:off x="1148041" y="3317066"/>
+            <a:ext cx="21396" cy="1756778"/>
+          </a:xfrm>
+          <a:prstGeom prst="straightConnector1">
+            <a:avLst/>
+          </a:prstGeom>
+          <a:ln>
+            <a:tailEnd type="triangle"/>
+          </a:ln>
+        </p:spPr>
+        <p:style>
+          <a:lnRef idx="3">
+            <a:schemeClr val="accent1"/>
+          </a:lnRef>
+          <a:fillRef idx="0">
+            <a:schemeClr val="accent1"/>
+          </a:fillRef>
+          <a:effectRef idx="2">
+            <a:schemeClr val="accent1"/>
+          </a:effectRef>
+          <a:fontRef idx="minor">
+            <a:schemeClr val="tx1"/>
+          </a:fontRef>
+        </p:style>
+      </p:cxnSp>
+    </p:spTree>
+    <p:extLst>
+      <p:ext uri="{BB962C8B-B14F-4D97-AF65-F5344CB8AC3E}">
+        <p14:creationId xmlns:p14="http://schemas.microsoft.com/office/powerpoint/2010/main" val="21460416"/>
       </p:ext>
     </p:extLst>
   </p:cSld>

--- a/Documentation/Asset Pipeline.pptx
+++ b/Documentation/Asset Pipeline.pptx
@@ -274,7 +274,7 @@
           <a:p>
             <a:fld id="{783DC7D5-4D76-4679-A391-31CBAFA90932}" type="datetimeFigureOut">
               <a:rPr lang="en-US" smtClean="0"/>
-              <a:t>7/27/2024</a:t>
+              <a:t>8/1/2024</a:t>
             </a:fld>
             <a:endParaRPr lang="en-US"/>
           </a:p>
@@ -472,7 +472,7 @@
           <a:p>
             <a:fld id="{783DC7D5-4D76-4679-A391-31CBAFA90932}" type="datetimeFigureOut">
               <a:rPr lang="en-US" smtClean="0"/>
-              <a:t>7/27/2024</a:t>
+              <a:t>8/1/2024</a:t>
             </a:fld>
             <a:endParaRPr lang="en-US"/>
           </a:p>
@@ -680,7 +680,7 @@
           <a:p>
             <a:fld id="{783DC7D5-4D76-4679-A391-31CBAFA90932}" type="datetimeFigureOut">
               <a:rPr lang="en-US" smtClean="0"/>
-              <a:t>7/27/2024</a:t>
+              <a:t>8/1/2024</a:t>
             </a:fld>
             <a:endParaRPr lang="en-US"/>
           </a:p>
@@ -878,7 +878,7 @@
           <a:p>
             <a:fld id="{783DC7D5-4D76-4679-A391-31CBAFA90932}" type="datetimeFigureOut">
               <a:rPr lang="en-US" smtClean="0"/>
-              <a:t>7/27/2024</a:t>
+              <a:t>8/1/2024</a:t>
             </a:fld>
             <a:endParaRPr lang="en-US"/>
           </a:p>
@@ -1153,7 +1153,7 @@
           <a:p>
             <a:fld id="{783DC7D5-4D76-4679-A391-31CBAFA90932}" type="datetimeFigureOut">
               <a:rPr lang="en-US" smtClean="0"/>
-              <a:t>7/27/2024</a:t>
+              <a:t>8/1/2024</a:t>
             </a:fld>
             <a:endParaRPr lang="en-US"/>
           </a:p>
@@ -1418,7 +1418,7 @@
           <a:p>
             <a:fld id="{783DC7D5-4D76-4679-A391-31CBAFA90932}" type="datetimeFigureOut">
               <a:rPr lang="en-US" smtClean="0"/>
-              <a:t>7/27/2024</a:t>
+              <a:t>8/1/2024</a:t>
             </a:fld>
             <a:endParaRPr lang="en-US"/>
           </a:p>
@@ -1830,7 +1830,7 @@
           <a:p>
             <a:fld id="{783DC7D5-4D76-4679-A391-31CBAFA90932}" type="datetimeFigureOut">
               <a:rPr lang="en-US" smtClean="0"/>
-              <a:t>7/27/2024</a:t>
+              <a:t>8/1/2024</a:t>
             </a:fld>
             <a:endParaRPr lang="en-US"/>
           </a:p>
@@ -1971,7 +1971,7 @@
           <a:p>
             <a:fld id="{783DC7D5-4D76-4679-A391-31CBAFA90932}" type="datetimeFigureOut">
               <a:rPr lang="en-US" smtClean="0"/>
-              <a:t>7/27/2024</a:t>
+              <a:t>8/1/2024</a:t>
             </a:fld>
             <a:endParaRPr lang="en-US"/>
           </a:p>
@@ -2084,7 +2084,7 @@
           <a:p>
             <a:fld id="{783DC7D5-4D76-4679-A391-31CBAFA90932}" type="datetimeFigureOut">
               <a:rPr lang="en-US" smtClean="0"/>
-              <a:t>7/27/2024</a:t>
+              <a:t>8/1/2024</a:t>
             </a:fld>
             <a:endParaRPr lang="en-US"/>
           </a:p>
@@ -2395,7 +2395,7 @@
           <a:p>
             <a:fld id="{783DC7D5-4D76-4679-A391-31CBAFA90932}" type="datetimeFigureOut">
               <a:rPr lang="en-US" smtClean="0"/>
-              <a:t>7/27/2024</a:t>
+              <a:t>8/1/2024</a:t>
             </a:fld>
             <a:endParaRPr lang="en-US"/>
           </a:p>
@@ -2683,7 +2683,7 @@
           <a:p>
             <a:fld id="{783DC7D5-4D76-4679-A391-31CBAFA90932}" type="datetimeFigureOut">
               <a:rPr lang="en-US" smtClean="0"/>
-              <a:t>7/27/2024</a:t>
+              <a:t>8/1/2024</a:t>
             </a:fld>
             <a:endParaRPr lang="en-US"/>
           </a:p>
@@ -2924,7 +2924,7 @@
           <a:p>
             <a:fld id="{783DC7D5-4D76-4679-A391-31CBAFA90932}" type="datetimeFigureOut">
               <a:rPr lang="en-US" smtClean="0"/>
-              <a:t>7/27/2024</a:t>
+              <a:t>8/1/2024</a:t>
             </a:fld>
             <a:endParaRPr lang="en-US"/>
           </a:p>
@@ -4123,314 +4123,7 @@
           <a:prstGeom prst="roundRect">
             <a:avLst/>
           </a:prstGeom>
-          <a:solidFill>
-            <a:schemeClr val="accent4">
-              <a:alpha val="50000"/>
-            </a:schemeClr>
-          </a:solidFill>
-          <a:ln>
-            <a:noFill/>
-          </a:ln>
-        </p:spPr>
-        <p:style>
-          <a:lnRef idx="0">
-            <a:scrgbClr r="0" g="0" b="0"/>
-          </a:lnRef>
-          <a:fillRef idx="0">
-            <a:scrgbClr r="0" g="0" b="0"/>
-          </a:fillRef>
-          <a:effectRef idx="0">
-            <a:scrgbClr r="0" g="0" b="0"/>
-          </a:effectRef>
-          <a:fontRef idx="minor">
-            <a:schemeClr val="lt1"/>
-          </a:fontRef>
-        </p:style>
-        <p:txBody>
-          <a:bodyPr rtlCol="0" anchor="ctr"/>
-          <a:lstStyle/>
-          <a:p>
-            <a:pPr algn="ctr"/>
-            <a:r>
-              <a:rPr lang="en-US" sz="1400" dirty="0">
-                <a:solidFill>
-                  <a:schemeClr val="tx1"/>
-                </a:solidFill>
-              </a:rPr>
-              <a:t>Asse</a:t>
-            </a:r>
-            <a:r>
-              <a:rPr lang="pl-PL" sz="1400" dirty="0">
-                <a:solidFill>
-                  <a:schemeClr val="tx1"/>
-                </a:solidFill>
-              </a:rPr>
-              <a:t>t</a:t>
-            </a:r>
-            <a:endParaRPr lang="en-US" sz="1400" dirty="0">
-              <a:solidFill>
-                <a:schemeClr val="tx1"/>
-              </a:solidFill>
-            </a:endParaRPr>
-          </a:p>
-        </p:txBody>
-      </p:sp>
-      <p:sp>
-        <p:nvSpPr>
-          <p:cNvPr id="31" name="Rectangle: Rounded Corners 30">
-            <a:extLst>
-              <a:ext uri="{FF2B5EF4-FFF2-40B4-BE49-F238E27FC236}">
-                <a16:creationId xmlns:a16="http://schemas.microsoft.com/office/drawing/2014/main" id="{FE6023C5-65C7-4233-6EF7-3136820A32BC}"/>
-              </a:ext>
-            </a:extLst>
-          </p:cNvPr>
-          <p:cNvSpPr/>
-          <p:nvPr/>
-        </p:nvSpPr>
-        <p:spPr>
-          <a:xfrm>
-            <a:off x="10190269" y="3103364"/>
-            <a:ext cx="1256082" cy="342651"/>
-          </a:xfrm>
-          <a:prstGeom prst="roundRect">
-            <a:avLst/>
-          </a:prstGeom>
-          <a:solidFill>
-            <a:schemeClr val="accent4">
-              <a:alpha val="50000"/>
-            </a:schemeClr>
-          </a:solidFill>
-          <a:ln>
-            <a:noFill/>
-          </a:ln>
-        </p:spPr>
-        <p:style>
-          <a:lnRef idx="0">
-            <a:scrgbClr r="0" g="0" b="0"/>
-          </a:lnRef>
-          <a:fillRef idx="0">
-            <a:scrgbClr r="0" g="0" b="0"/>
-          </a:fillRef>
-          <a:effectRef idx="0">
-            <a:scrgbClr r="0" g="0" b="0"/>
-          </a:effectRef>
-          <a:fontRef idx="minor">
-            <a:schemeClr val="lt1"/>
-          </a:fontRef>
-        </p:style>
-        <p:txBody>
-          <a:bodyPr rtlCol="0" anchor="ctr"/>
-          <a:lstStyle/>
-          <a:p>
-            <a:pPr algn="ctr"/>
-            <a:r>
-              <a:rPr lang="en-US" sz="1400" dirty="0">
-                <a:solidFill>
-                  <a:schemeClr val="tx1"/>
-                </a:solidFill>
-              </a:rPr>
-              <a:t>Asset</a:t>
-            </a:r>
-          </a:p>
-        </p:txBody>
-      </p:sp>
-      <p:sp>
-        <p:nvSpPr>
-          <p:cNvPr id="97" name="Rectangle: Rounded Corners 96">
-            <a:extLst>
-              <a:ext uri="{FF2B5EF4-FFF2-40B4-BE49-F238E27FC236}">
-                <a16:creationId xmlns:a16="http://schemas.microsoft.com/office/drawing/2014/main" id="{B82C1784-C72C-0F57-3753-A90D4E3A794D}"/>
-              </a:ext>
-            </a:extLst>
-          </p:cNvPr>
-          <p:cNvSpPr/>
-          <p:nvPr/>
-        </p:nvSpPr>
-        <p:spPr>
-          <a:xfrm>
-            <a:off x="10183643" y="3725129"/>
-            <a:ext cx="1256082" cy="342651"/>
-          </a:xfrm>
-          <a:prstGeom prst="roundRect">
-            <a:avLst/>
-          </a:prstGeom>
-          <a:solidFill>
-            <a:schemeClr val="accent4">
-              <a:alpha val="50000"/>
-            </a:schemeClr>
-          </a:solidFill>
-          <a:ln>
-            <a:noFill/>
-          </a:ln>
-        </p:spPr>
-        <p:style>
-          <a:lnRef idx="0">
-            <a:scrgbClr r="0" g="0" b="0"/>
-          </a:lnRef>
-          <a:fillRef idx="0">
-            <a:scrgbClr r="0" g="0" b="0"/>
-          </a:fillRef>
-          <a:effectRef idx="0">
-            <a:scrgbClr r="0" g="0" b="0"/>
-          </a:effectRef>
-          <a:fontRef idx="minor">
-            <a:schemeClr val="lt1"/>
-          </a:fontRef>
-        </p:style>
-        <p:txBody>
-          <a:bodyPr rtlCol="0" anchor="ctr"/>
-          <a:lstStyle/>
-          <a:p>
-            <a:pPr algn="ctr"/>
-            <a:r>
-              <a:rPr lang="en-US" sz="1400" dirty="0">
-                <a:solidFill>
-                  <a:schemeClr val="tx1"/>
-                </a:solidFill>
-              </a:rPr>
-              <a:t>Asset</a:t>
-            </a:r>
-          </a:p>
-        </p:txBody>
-      </p:sp>
-      <p:sp>
-        <p:nvSpPr>
-          <p:cNvPr id="98" name="Rectangle: Rounded Corners 97">
-            <a:extLst>
-              <a:ext uri="{FF2B5EF4-FFF2-40B4-BE49-F238E27FC236}">
-                <a16:creationId xmlns:a16="http://schemas.microsoft.com/office/drawing/2014/main" id="{27EB69E3-5E74-E6D2-B4E8-BC7E0C6D8E2E}"/>
-              </a:ext>
-            </a:extLst>
-          </p:cNvPr>
-          <p:cNvSpPr/>
-          <p:nvPr/>
-        </p:nvSpPr>
-        <p:spPr>
-          <a:xfrm>
-            <a:off x="10183643" y="4382519"/>
-            <a:ext cx="1256082" cy="342651"/>
-          </a:xfrm>
-          <a:prstGeom prst="roundRect">
-            <a:avLst/>
-          </a:prstGeom>
-          <a:solidFill>
-            <a:schemeClr val="accent4">
-              <a:alpha val="50000"/>
-            </a:schemeClr>
-          </a:solidFill>
-          <a:ln>
-            <a:noFill/>
-          </a:ln>
-        </p:spPr>
-        <p:style>
-          <a:lnRef idx="0">
-            <a:scrgbClr r="0" g="0" b="0"/>
-          </a:lnRef>
-          <a:fillRef idx="0">
-            <a:scrgbClr r="0" g="0" b="0"/>
-          </a:fillRef>
-          <a:effectRef idx="0">
-            <a:scrgbClr r="0" g="0" b="0"/>
-          </a:effectRef>
-          <a:fontRef idx="minor">
-            <a:schemeClr val="lt1"/>
-          </a:fontRef>
-        </p:style>
-        <p:txBody>
-          <a:bodyPr rtlCol="0" anchor="ctr"/>
-          <a:lstStyle/>
-          <a:p>
-            <a:pPr algn="ctr"/>
-            <a:r>
-              <a:rPr lang="en-US" sz="1400" dirty="0">
-                <a:solidFill>
-                  <a:schemeClr val="tx1"/>
-                </a:solidFill>
-              </a:rPr>
-              <a:t>Asset</a:t>
-            </a:r>
-          </a:p>
-        </p:txBody>
-      </p:sp>
-      <p:sp>
-        <p:nvSpPr>
-          <p:cNvPr id="99" name="Rectangle: Rounded Corners 98">
-            <a:extLst>
-              <a:ext uri="{FF2B5EF4-FFF2-40B4-BE49-F238E27FC236}">
-                <a16:creationId xmlns:a16="http://schemas.microsoft.com/office/drawing/2014/main" id="{0BB7ACEF-E45A-5F29-14F2-EF850A80384F}"/>
-              </a:ext>
-            </a:extLst>
-          </p:cNvPr>
-          <p:cNvSpPr/>
-          <p:nvPr/>
-        </p:nvSpPr>
-        <p:spPr>
-          <a:xfrm>
-            <a:off x="10183643" y="5022861"/>
-            <a:ext cx="1256082" cy="342651"/>
-          </a:xfrm>
-          <a:prstGeom prst="roundRect">
-            <a:avLst/>
-          </a:prstGeom>
-          <a:solidFill>
-            <a:schemeClr val="accent4">
-              <a:alpha val="50000"/>
-            </a:schemeClr>
-          </a:solidFill>
-          <a:ln>
-            <a:noFill/>
-          </a:ln>
-        </p:spPr>
-        <p:style>
-          <a:lnRef idx="0">
-            <a:scrgbClr r="0" g="0" b="0"/>
-          </a:lnRef>
-          <a:fillRef idx="0">
-            <a:scrgbClr r="0" g="0" b="0"/>
-          </a:fillRef>
-          <a:effectRef idx="0">
-            <a:scrgbClr r="0" g="0" b="0"/>
-          </a:effectRef>
-          <a:fontRef idx="minor">
-            <a:schemeClr val="lt1"/>
-          </a:fontRef>
-        </p:style>
-        <p:txBody>
-          <a:bodyPr rtlCol="0" anchor="ctr"/>
-          <a:lstStyle/>
-          <a:p>
-            <a:pPr algn="ctr"/>
-            <a:r>
-              <a:rPr lang="en-US" sz="1400" dirty="0">
-                <a:solidFill>
-                  <a:schemeClr val="tx1"/>
-                </a:solidFill>
-              </a:rPr>
-              <a:t>Asset</a:t>
-            </a:r>
-          </a:p>
-        </p:txBody>
-      </p:sp>
-      <p:sp>
-        <p:nvSpPr>
-          <p:cNvPr id="101" name="Rectangle: Rounded Corners 100">
-            <a:extLst>
-              <a:ext uri="{FF2B5EF4-FFF2-40B4-BE49-F238E27FC236}">
-                <a16:creationId xmlns:a16="http://schemas.microsoft.com/office/drawing/2014/main" id="{4EF168EE-4A7C-FB80-66F8-3E11653B5DE6}"/>
-              </a:ext>
-            </a:extLst>
-          </p:cNvPr>
-          <p:cNvSpPr/>
-          <p:nvPr/>
-        </p:nvSpPr>
-        <p:spPr>
-          <a:xfrm>
-            <a:off x="8031367" y="1786240"/>
-            <a:ext cx="1256082" cy="350943"/>
-          </a:xfrm>
-          <a:prstGeom prst="roundRect">
-            <a:avLst/>
-          </a:prstGeom>
+          <a:ln/>
         </p:spPr>
         <p:style>
           <a:lnRef idx="0">
@@ -4457,6 +4150,278 @@
                   <a:schemeClr val="tx1"/>
                 </a:solidFill>
               </a:rPr>
+              <a:t>Asse</a:t>
+            </a:r>
+            <a:r>
+              <a:rPr lang="pl-PL" sz="1400" dirty="0">
+                <a:solidFill>
+                  <a:schemeClr val="tx1"/>
+                </a:solidFill>
+              </a:rPr>
+              <a:t>t</a:t>
+            </a:r>
+            <a:endParaRPr lang="en-US" sz="1400" dirty="0">
+              <a:solidFill>
+                <a:schemeClr val="tx1"/>
+              </a:solidFill>
+            </a:endParaRPr>
+          </a:p>
+        </p:txBody>
+      </p:sp>
+      <p:sp>
+        <p:nvSpPr>
+          <p:cNvPr id="31" name="Rectangle: Rounded Corners 30">
+            <a:extLst>
+              <a:ext uri="{FF2B5EF4-FFF2-40B4-BE49-F238E27FC236}">
+                <a16:creationId xmlns:a16="http://schemas.microsoft.com/office/drawing/2014/main" id="{FE6023C5-65C7-4233-6EF7-3136820A32BC}"/>
+              </a:ext>
+            </a:extLst>
+          </p:cNvPr>
+          <p:cNvSpPr/>
+          <p:nvPr/>
+        </p:nvSpPr>
+        <p:spPr>
+          <a:xfrm>
+            <a:off x="10190269" y="3103364"/>
+            <a:ext cx="1256082" cy="342651"/>
+          </a:xfrm>
+          <a:prstGeom prst="roundRect">
+            <a:avLst/>
+          </a:prstGeom>
+          <a:ln/>
+        </p:spPr>
+        <p:style>
+          <a:lnRef idx="0">
+            <a:schemeClr val="accent4"/>
+          </a:lnRef>
+          <a:fillRef idx="3">
+            <a:schemeClr val="accent4"/>
+          </a:fillRef>
+          <a:effectRef idx="3">
+            <a:schemeClr val="accent4"/>
+          </a:effectRef>
+          <a:fontRef idx="minor">
+            <a:schemeClr val="lt1"/>
+          </a:fontRef>
+        </p:style>
+        <p:txBody>
+          <a:bodyPr rtlCol="0" anchor="ctr"/>
+          <a:lstStyle/>
+          <a:p>
+            <a:pPr algn="ctr"/>
+            <a:r>
+              <a:rPr lang="en-US" sz="1400" dirty="0">
+                <a:solidFill>
+                  <a:schemeClr val="tx1"/>
+                </a:solidFill>
+              </a:rPr>
+              <a:t>Asset</a:t>
+            </a:r>
+          </a:p>
+        </p:txBody>
+      </p:sp>
+      <p:sp>
+        <p:nvSpPr>
+          <p:cNvPr id="97" name="Rectangle: Rounded Corners 96">
+            <a:extLst>
+              <a:ext uri="{FF2B5EF4-FFF2-40B4-BE49-F238E27FC236}">
+                <a16:creationId xmlns:a16="http://schemas.microsoft.com/office/drawing/2014/main" id="{B82C1784-C72C-0F57-3753-A90D4E3A794D}"/>
+              </a:ext>
+            </a:extLst>
+          </p:cNvPr>
+          <p:cNvSpPr/>
+          <p:nvPr/>
+        </p:nvSpPr>
+        <p:spPr>
+          <a:xfrm>
+            <a:off x="10183643" y="3725129"/>
+            <a:ext cx="1256082" cy="342651"/>
+          </a:xfrm>
+          <a:prstGeom prst="roundRect">
+            <a:avLst/>
+          </a:prstGeom>
+          <a:ln/>
+        </p:spPr>
+        <p:style>
+          <a:lnRef idx="0">
+            <a:schemeClr val="accent4"/>
+          </a:lnRef>
+          <a:fillRef idx="3">
+            <a:schemeClr val="accent4"/>
+          </a:fillRef>
+          <a:effectRef idx="3">
+            <a:schemeClr val="accent4"/>
+          </a:effectRef>
+          <a:fontRef idx="minor">
+            <a:schemeClr val="lt1"/>
+          </a:fontRef>
+        </p:style>
+        <p:txBody>
+          <a:bodyPr rtlCol="0" anchor="ctr"/>
+          <a:lstStyle/>
+          <a:p>
+            <a:pPr algn="ctr"/>
+            <a:r>
+              <a:rPr lang="en-US" sz="1400" dirty="0">
+                <a:solidFill>
+                  <a:schemeClr val="tx1"/>
+                </a:solidFill>
+              </a:rPr>
+              <a:t>Asset</a:t>
+            </a:r>
+          </a:p>
+        </p:txBody>
+      </p:sp>
+      <p:sp>
+        <p:nvSpPr>
+          <p:cNvPr id="98" name="Rectangle: Rounded Corners 97">
+            <a:extLst>
+              <a:ext uri="{FF2B5EF4-FFF2-40B4-BE49-F238E27FC236}">
+                <a16:creationId xmlns:a16="http://schemas.microsoft.com/office/drawing/2014/main" id="{27EB69E3-5E74-E6D2-B4E8-BC7E0C6D8E2E}"/>
+              </a:ext>
+            </a:extLst>
+          </p:cNvPr>
+          <p:cNvSpPr/>
+          <p:nvPr/>
+        </p:nvSpPr>
+        <p:spPr>
+          <a:xfrm>
+            <a:off x="10183643" y="4382519"/>
+            <a:ext cx="1256082" cy="342651"/>
+          </a:xfrm>
+          <a:prstGeom prst="roundRect">
+            <a:avLst/>
+          </a:prstGeom>
+          <a:ln/>
+        </p:spPr>
+        <p:style>
+          <a:lnRef idx="0">
+            <a:schemeClr val="accent4"/>
+          </a:lnRef>
+          <a:fillRef idx="3">
+            <a:schemeClr val="accent4"/>
+          </a:fillRef>
+          <a:effectRef idx="3">
+            <a:schemeClr val="accent4"/>
+          </a:effectRef>
+          <a:fontRef idx="minor">
+            <a:schemeClr val="lt1"/>
+          </a:fontRef>
+        </p:style>
+        <p:txBody>
+          <a:bodyPr rtlCol="0" anchor="ctr"/>
+          <a:lstStyle/>
+          <a:p>
+            <a:pPr algn="ctr"/>
+            <a:r>
+              <a:rPr lang="en-US" sz="1400" dirty="0">
+                <a:solidFill>
+                  <a:schemeClr val="tx1"/>
+                </a:solidFill>
+              </a:rPr>
+              <a:t>Asset</a:t>
+            </a:r>
+          </a:p>
+        </p:txBody>
+      </p:sp>
+      <p:sp>
+        <p:nvSpPr>
+          <p:cNvPr id="99" name="Rectangle: Rounded Corners 98">
+            <a:extLst>
+              <a:ext uri="{FF2B5EF4-FFF2-40B4-BE49-F238E27FC236}">
+                <a16:creationId xmlns:a16="http://schemas.microsoft.com/office/drawing/2014/main" id="{0BB7ACEF-E45A-5F29-14F2-EF850A80384F}"/>
+              </a:ext>
+            </a:extLst>
+          </p:cNvPr>
+          <p:cNvSpPr/>
+          <p:nvPr/>
+        </p:nvSpPr>
+        <p:spPr>
+          <a:xfrm>
+            <a:off x="10183643" y="5022861"/>
+            <a:ext cx="1256082" cy="342651"/>
+          </a:xfrm>
+          <a:prstGeom prst="roundRect">
+            <a:avLst/>
+          </a:prstGeom>
+          <a:ln/>
+        </p:spPr>
+        <p:style>
+          <a:lnRef idx="0">
+            <a:schemeClr val="accent4"/>
+          </a:lnRef>
+          <a:fillRef idx="3">
+            <a:schemeClr val="accent4"/>
+          </a:fillRef>
+          <a:effectRef idx="3">
+            <a:schemeClr val="accent4"/>
+          </a:effectRef>
+          <a:fontRef idx="minor">
+            <a:schemeClr val="lt1"/>
+          </a:fontRef>
+        </p:style>
+        <p:txBody>
+          <a:bodyPr rtlCol="0" anchor="ctr"/>
+          <a:lstStyle/>
+          <a:p>
+            <a:pPr algn="ctr"/>
+            <a:r>
+              <a:rPr lang="en-US" sz="1400" dirty="0">
+                <a:solidFill>
+                  <a:schemeClr val="tx1"/>
+                </a:solidFill>
+              </a:rPr>
+              <a:t>Asset</a:t>
+            </a:r>
+          </a:p>
+        </p:txBody>
+      </p:sp>
+      <p:sp>
+        <p:nvSpPr>
+          <p:cNvPr id="101" name="Rectangle: Rounded Corners 100">
+            <a:extLst>
+              <a:ext uri="{FF2B5EF4-FFF2-40B4-BE49-F238E27FC236}">
+                <a16:creationId xmlns:a16="http://schemas.microsoft.com/office/drawing/2014/main" id="{4EF168EE-4A7C-FB80-66F8-3E11653B5DE6}"/>
+              </a:ext>
+            </a:extLst>
+          </p:cNvPr>
+          <p:cNvSpPr/>
+          <p:nvPr/>
+        </p:nvSpPr>
+        <p:spPr>
+          <a:xfrm>
+            <a:off x="8031367" y="1786240"/>
+            <a:ext cx="1256082" cy="350943"/>
+          </a:xfrm>
+          <a:prstGeom prst="roundRect">
+            <a:avLst/>
+          </a:prstGeom>
+        </p:spPr>
+        <p:style>
+          <a:lnRef idx="0">
+            <a:schemeClr val="accent4"/>
+          </a:lnRef>
+          <a:fillRef idx="3">
+            <a:schemeClr val="accent4"/>
+          </a:fillRef>
+          <a:effectRef idx="3">
+            <a:schemeClr val="accent4"/>
+          </a:effectRef>
+          <a:fontRef idx="minor">
+            <a:schemeClr val="lt1"/>
+          </a:fontRef>
+        </p:style>
+        <p:txBody>
+          <a:bodyPr rtlCol="0" anchor="ctr"/>
+          <a:lstStyle/>
+          <a:p>
+            <a:pPr algn="ctr"/>
+            <a:r>
+              <a:rPr lang="en-US" sz="1400" dirty="0">
+                <a:solidFill>
+                  <a:schemeClr val="tx1"/>
+                </a:solidFill>
+              </a:rPr>
               <a:t>Asset Proxy</a:t>
             </a:r>
           </a:p>
@@ -4482,24 +4447,17 @@
           <a:prstGeom prst="roundRect">
             <a:avLst/>
           </a:prstGeom>
-          <a:solidFill>
-            <a:schemeClr val="accent4">
-              <a:alpha val="50000"/>
-            </a:schemeClr>
-          </a:solidFill>
-          <a:ln>
-            <a:noFill/>
-          </a:ln>
+          <a:ln/>
         </p:spPr>
         <p:style>
           <a:lnRef idx="0">
-            <a:scrgbClr r="0" g="0" b="0"/>
+            <a:schemeClr val="accent4"/>
           </a:lnRef>
-          <a:fillRef idx="0">
-            <a:scrgbClr r="0" g="0" b="0"/>
+          <a:fillRef idx="3">
+            <a:schemeClr val="accent4"/>
           </a:fillRef>
-          <a:effectRef idx="0">
-            <a:scrgbClr r="0" g="0" b="0"/>
+          <a:effectRef idx="3">
+            <a:schemeClr val="accent4"/>
           </a:effectRef>
           <a:fontRef idx="minor">
             <a:schemeClr val="lt1"/>
@@ -5454,24 +5412,17 @@
           <a:prstGeom prst="roundRect">
             <a:avLst/>
           </a:prstGeom>
-          <a:solidFill>
-            <a:schemeClr val="accent4">
-              <a:alpha val="50000"/>
-            </a:schemeClr>
-          </a:solidFill>
-          <a:ln>
-            <a:noFill/>
-          </a:ln>
+          <a:ln/>
         </p:spPr>
         <p:style>
           <a:lnRef idx="0">
-            <a:scrgbClr r="0" g="0" b="0"/>
+            <a:schemeClr val="accent4"/>
           </a:lnRef>
-          <a:fillRef idx="0">
-            <a:scrgbClr r="0" g="0" b="0"/>
+          <a:fillRef idx="3">
+            <a:schemeClr val="accent4"/>
           </a:fillRef>
-          <a:effectRef idx="0">
-            <a:scrgbClr r="0" g="0" b="0"/>
+          <a:effectRef idx="3">
+            <a:schemeClr val="accent4"/>
           </a:effectRef>
           <a:fontRef idx="minor">
             <a:schemeClr val="lt1"/>

--- a/Documentation/Asset Pipeline.pptx
+++ b/Documentation/Asset Pipeline.pptx
@@ -4,11 +4,14 @@
   <p:sldMasterIdLst>
     <p:sldMasterId id="2147483648" r:id="rId1"/>
   </p:sldMasterIdLst>
+  <p:notesMasterIdLst>
+    <p:notesMasterId r:id="rId6"/>
+  </p:notesMasterIdLst>
   <p:sldIdLst>
     <p:sldId id="256" r:id="rId2"/>
-    <p:sldId id="257" r:id="rId3"/>
-    <p:sldId id="259" r:id="rId4"/>
-    <p:sldId id="260" r:id="rId5"/>
+    <p:sldId id="261" r:id="rId3"/>
+    <p:sldId id="260" r:id="rId4"/>
+    <p:sldId id="262" r:id="rId5"/>
   </p:sldIdLst>
   <p:sldSz cx="12192000" cy="6858000"/>
   <p:notesSz cx="6858000" cy="9144000"/>
@@ -127,6 +130,440 @@
 </p:cmAuthorLst>
 </file>
 
+<file path=ppt/notesMasters/notesMaster1.xml><?xml version="1.0" encoding="utf-8"?>
+<p:notesMaster xmlns:a="http://schemas.openxmlformats.org/drawingml/2006/main" xmlns:r="http://schemas.openxmlformats.org/officeDocument/2006/relationships" xmlns:p="http://schemas.openxmlformats.org/presentationml/2006/main">
+  <p:cSld>
+    <p:bg>
+      <p:bgRef idx="1001">
+        <a:schemeClr val="bg1"/>
+      </p:bgRef>
+    </p:bg>
+    <p:spTree>
+      <p:nvGrpSpPr>
+        <p:cNvPr id="1" name=""/>
+        <p:cNvGrpSpPr/>
+        <p:nvPr/>
+      </p:nvGrpSpPr>
+      <p:grpSpPr>
+        <a:xfrm>
+          <a:off x="0" y="0"/>
+          <a:ext cx="0" cy="0"/>
+          <a:chOff x="0" y="0"/>
+          <a:chExt cx="0" cy="0"/>
+        </a:xfrm>
+      </p:grpSpPr>
+      <p:sp>
+        <p:nvSpPr>
+          <p:cNvPr id="2" name="Symbol zastępczy nagłówka 1"/>
+          <p:cNvSpPr>
+            <a:spLocks noGrp="1"/>
+          </p:cNvSpPr>
+          <p:nvPr>
+            <p:ph type="hdr" sz="quarter"/>
+          </p:nvPr>
+        </p:nvSpPr>
+        <p:spPr>
+          <a:xfrm>
+            <a:off x="0" y="0"/>
+            <a:ext cx="2971800" cy="458788"/>
+          </a:xfrm>
+          <a:prstGeom prst="rect">
+            <a:avLst/>
+          </a:prstGeom>
+        </p:spPr>
+        <p:txBody>
+          <a:bodyPr vert="horz" lIns="91440" tIns="45720" rIns="91440" bIns="45720" rtlCol="0"/>
+          <a:lstStyle>
+            <a:lvl1pPr algn="l">
+              <a:defRPr sz="1200"/>
+            </a:lvl1pPr>
+          </a:lstStyle>
+          <a:p>
+            <a:endParaRPr lang="en-US"/>
+          </a:p>
+        </p:txBody>
+      </p:sp>
+      <p:sp>
+        <p:nvSpPr>
+          <p:cNvPr id="3" name="Symbol zastępczy daty 2"/>
+          <p:cNvSpPr>
+            <a:spLocks noGrp="1"/>
+          </p:cNvSpPr>
+          <p:nvPr>
+            <p:ph type="dt" idx="1"/>
+          </p:nvPr>
+        </p:nvSpPr>
+        <p:spPr>
+          <a:xfrm>
+            <a:off x="3884613" y="0"/>
+            <a:ext cx="2971800" cy="458788"/>
+          </a:xfrm>
+          <a:prstGeom prst="rect">
+            <a:avLst/>
+          </a:prstGeom>
+        </p:spPr>
+        <p:txBody>
+          <a:bodyPr vert="horz" lIns="91440" tIns="45720" rIns="91440" bIns="45720" rtlCol="0"/>
+          <a:lstStyle>
+            <a:lvl1pPr algn="r">
+              <a:defRPr sz="1200"/>
+            </a:lvl1pPr>
+          </a:lstStyle>
+          <a:p>
+            <a:fld id="{D0E2DD2C-27F7-4F93-96E8-CD28AD9267D9}" type="datetimeFigureOut">
+              <a:rPr lang="en-US" smtClean="0"/>
+              <a:t>5/2/2025</a:t>
+            </a:fld>
+            <a:endParaRPr lang="en-US"/>
+          </a:p>
+        </p:txBody>
+      </p:sp>
+      <p:sp>
+        <p:nvSpPr>
+          <p:cNvPr id="4" name="Symbol zastępczy obrazu slajdu 3"/>
+          <p:cNvSpPr>
+            <a:spLocks noGrp="1" noRot="1" noChangeAspect="1"/>
+          </p:cNvSpPr>
+          <p:nvPr>
+            <p:ph type="sldImg" idx="2"/>
+          </p:nvPr>
+        </p:nvSpPr>
+        <p:spPr>
+          <a:xfrm>
+            <a:off x="685800" y="1143000"/>
+            <a:ext cx="5486400" cy="3086100"/>
+          </a:xfrm>
+          <a:prstGeom prst="rect">
+            <a:avLst/>
+          </a:prstGeom>
+          <a:noFill/>
+          <a:ln w="12700">
+            <a:solidFill>
+              <a:prstClr val="black"/>
+            </a:solidFill>
+          </a:ln>
+        </p:spPr>
+        <p:txBody>
+          <a:bodyPr vert="horz" lIns="91440" tIns="45720" rIns="91440" bIns="45720" rtlCol="0" anchor="ctr"/>
+          <a:lstStyle/>
+          <a:p>
+            <a:endParaRPr lang="en-US"/>
+          </a:p>
+        </p:txBody>
+      </p:sp>
+      <p:sp>
+        <p:nvSpPr>
+          <p:cNvPr id="5" name="Symbol zastępczy notatek 4"/>
+          <p:cNvSpPr>
+            <a:spLocks noGrp="1"/>
+          </p:cNvSpPr>
+          <p:nvPr>
+            <p:ph type="body" sz="quarter" idx="3"/>
+          </p:nvPr>
+        </p:nvSpPr>
+        <p:spPr>
+          <a:xfrm>
+            <a:off x="685800" y="4400550"/>
+            <a:ext cx="5486400" cy="3600450"/>
+          </a:xfrm>
+          <a:prstGeom prst="rect">
+            <a:avLst/>
+          </a:prstGeom>
+        </p:spPr>
+        <p:txBody>
+          <a:bodyPr vert="horz" lIns="91440" tIns="45720" rIns="91440" bIns="45720" rtlCol="0"/>
+          <a:lstStyle/>
+          <a:p>
+            <a:pPr lvl="0"/>
+            <a:r>
+              <a:rPr lang="pl-PL"/>
+              <a:t>Kliknij, aby edytować style wzorca tekstu</a:t>
+            </a:r>
+          </a:p>
+          <a:p>
+            <a:pPr lvl="1"/>
+            <a:r>
+              <a:rPr lang="pl-PL"/>
+              <a:t>Drugi poziom</a:t>
+            </a:r>
+          </a:p>
+          <a:p>
+            <a:pPr lvl="2"/>
+            <a:r>
+              <a:rPr lang="pl-PL"/>
+              <a:t>Trzeci poziom</a:t>
+            </a:r>
+          </a:p>
+          <a:p>
+            <a:pPr lvl="3"/>
+            <a:r>
+              <a:rPr lang="pl-PL"/>
+              <a:t>Czwarty poziom</a:t>
+            </a:r>
+          </a:p>
+          <a:p>
+            <a:pPr lvl="4"/>
+            <a:r>
+              <a:rPr lang="pl-PL"/>
+              <a:t>Piąty poziom</a:t>
+            </a:r>
+            <a:endParaRPr lang="en-US"/>
+          </a:p>
+        </p:txBody>
+      </p:sp>
+      <p:sp>
+        <p:nvSpPr>
+          <p:cNvPr id="6" name="Symbol zastępczy stopki 5"/>
+          <p:cNvSpPr>
+            <a:spLocks noGrp="1"/>
+          </p:cNvSpPr>
+          <p:nvPr>
+            <p:ph type="ftr" sz="quarter" idx="4"/>
+          </p:nvPr>
+        </p:nvSpPr>
+        <p:spPr>
+          <a:xfrm>
+            <a:off x="0" y="8685213"/>
+            <a:ext cx="2971800" cy="458787"/>
+          </a:xfrm>
+          <a:prstGeom prst="rect">
+            <a:avLst/>
+          </a:prstGeom>
+        </p:spPr>
+        <p:txBody>
+          <a:bodyPr vert="horz" lIns="91440" tIns="45720" rIns="91440" bIns="45720" rtlCol="0" anchor="b"/>
+          <a:lstStyle>
+            <a:lvl1pPr algn="l">
+              <a:defRPr sz="1200"/>
+            </a:lvl1pPr>
+          </a:lstStyle>
+          <a:p>
+            <a:endParaRPr lang="en-US"/>
+          </a:p>
+        </p:txBody>
+      </p:sp>
+      <p:sp>
+        <p:nvSpPr>
+          <p:cNvPr id="7" name="Symbol zastępczy numeru slajdu 6"/>
+          <p:cNvSpPr>
+            <a:spLocks noGrp="1"/>
+          </p:cNvSpPr>
+          <p:nvPr>
+            <p:ph type="sldNum" sz="quarter" idx="5"/>
+          </p:nvPr>
+        </p:nvSpPr>
+        <p:spPr>
+          <a:xfrm>
+            <a:off x="3884613" y="8685213"/>
+            <a:ext cx="2971800" cy="458787"/>
+          </a:xfrm>
+          <a:prstGeom prst="rect">
+            <a:avLst/>
+          </a:prstGeom>
+        </p:spPr>
+        <p:txBody>
+          <a:bodyPr vert="horz" lIns="91440" tIns="45720" rIns="91440" bIns="45720" rtlCol="0" anchor="b"/>
+          <a:lstStyle>
+            <a:lvl1pPr algn="r">
+              <a:defRPr sz="1200"/>
+            </a:lvl1pPr>
+          </a:lstStyle>
+          <a:p>
+            <a:fld id="{583D7F03-7197-42E4-9778-D52D335F305D}" type="slidenum">
+              <a:rPr lang="en-US" smtClean="0"/>
+              <a:t>‹#›</a:t>
+            </a:fld>
+            <a:endParaRPr lang="en-US"/>
+          </a:p>
+        </p:txBody>
+      </p:sp>
+    </p:spTree>
+    <p:extLst>
+      <p:ext uri="{BB962C8B-B14F-4D97-AF65-F5344CB8AC3E}">
+        <p14:creationId xmlns:p14="http://schemas.microsoft.com/office/powerpoint/2010/main" val="1894875393"/>
+      </p:ext>
+    </p:extLst>
+  </p:cSld>
+  <p:clrMap bg1="lt1" tx1="dk1" bg2="lt2" tx2="dk2" accent1="accent1" accent2="accent2" accent3="accent3" accent4="accent4" accent5="accent5" accent6="accent6" hlink="hlink" folHlink="folHlink"/>
+  <p:notesStyle>
+    <a:lvl1pPr marL="0" algn="l" defTabSz="914400" rtl="0" eaLnBrk="1" latinLnBrk="0" hangingPunct="1">
+      <a:defRPr sz="1200" kern="1200">
+        <a:solidFill>
+          <a:schemeClr val="tx1"/>
+        </a:solidFill>
+        <a:latin typeface="+mn-lt"/>
+        <a:ea typeface="+mn-ea"/>
+        <a:cs typeface="+mn-cs"/>
+      </a:defRPr>
+    </a:lvl1pPr>
+    <a:lvl2pPr marL="457200" algn="l" defTabSz="914400" rtl="0" eaLnBrk="1" latinLnBrk="0" hangingPunct="1">
+      <a:defRPr sz="1200" kern="1200">
+        <a:solidFill>
+          <a:schemeClr val="tx1"/>
+        </a:solidFill>
+        <a:latin typeface="+mn-lt"/>
+        <a:ea typeface="+mn-ea"/>
+        <a:cs typeface="+mn-cs"/>
+      </a:defRPr>
+    </a:lvl2pPr>
+    <a:lvl3pPr marL="914400" algn="l" defTabSz="914400" rtl="0" eaLnBrk="1" latinLnBrk="0" hangingPunct="1">
+      <a:defRPr sz="1200" kern="1200">
+        <a:solidFill>
+          <a:schemeClr val="tx1"/>
+        </a:solidFill>
+        <a:latin typeface="+mn-lt"/>
+        <a:ea typeface="+mn-ea"/>
+        <a:cs typeface="+mn-cs"/>
+      </a:defRPr>
+    </a:lvl3pPr>
+    <a:lvl4pPr marL="1371600" algn="l" defTabSz="914400" rtl="0" eaLnBrk="1" latinLnBrk="0" hangingPunct="1">
+      <a:defRPr sz="1200" kern="1200">
+        <a:solidFill>
+          <a:schemeClr val="tx1"/>
+        </a:solidFill>
+        <a:latin typeface="+mn-lt"/>
+        <a:ea typeface="+mn-ea"/>
+        <a:cs typeface="+mn-cs"/>
+      </a:defRPr>
+    </a:lvl4pPr>
+    <a:lvl5pPr marL="1828800" algn="l" defTabSz="914400" rtl="0" eaLnBrk="1" latinLnBrk="0" hangingPunct="1">
+      <a:defRPr sz="1200" kern="1200">
+        <a:solidFill>
+          <a:schemeClr val="tx1"/>
+        </a:solidFill>
+        <a:latin typeface="+mn-lt"/>
+        <a:ea typeface="+mn-ea"/>
+        <a:cs typeface="+mn-cs"/>
+      </a:defRPr>
+    </a:lvl5pPr>
+    <a:lvl6pPr marL="2286000" algn="l" defTabSz="914400" rtl="0" eaLnBrk="1" latinLnBrk="0" hangingPunct="1">
+      <a:defRPr sz="1200" kern="1200">
+        <a:solidFill>
+          <a:schemeClr val="tx1"/>
+        </a:solidFill>
+        <a:latin typeface="+mn-lt"/>
+        <a:ea typeface="+mn-ea"/>
+        <a:cs typeface="+mn-cs"/>
+      </a:defRPr>
+    </a:lvl6pPr>
+    <a:lvl7pPr marL="2743200" algn="l" defTabSz="914400" rtl="0" eaLnBrk="1" latinLnBrk="0" hangingPunct="1">
+      <a:defRPr sz="1200" kern="1200">
+        <a:solidFill>
+          <a:schemeClr val="tx1"/>
+        </a:solidFill>
+        <a:latin typeface="+mn-lt"/>
+        <a:ea typeface="+mn-ea"/>
+        <a:cs typeface="+mn-cs"/>
+      </a:defRPr>
+    </a:lvl7pPr>
+    <a:lvl8pPr marL="3200400" algn="l" defTabSz="914400" rtl="0" eaLnBrk="1" latinLnBrk="0" hangingPunct="1">
+      <a:defRPr sz="1200" kern="1200">
+        <a:solidFill>
+          <a:schemeClr val="tx1"/>
+        </a:solidFill>
+        <a:latin typeface="+mn-lt"/>
+        <a:ea typeface="+mn-ea"/>
+        <a:cs typeface="+mn-cs"/>
+      </a:defRPr>
+    </a:lvl8pPr>
+    <a:lvl9pPr marL="3657600" algn="l" defTabSz="914400" rtl="0" eaLnBrk="1" latinLnBrk="0" hangingPunct="1">
+      <a:defRPr sz="1200" kern="1200">
+        <a:solidFill>
+          <a:schemeClr val="tx1"/>
+        </a:solidFill>
+        <a:latin typeface="+mn-lt"/>
+        <a:ea typeface="+mn-ea"/>
+        <a:cs typeface="+mn-cs"/>
+      </a:defRPr>
+    </a:lvl9pPr>
+  </p:notesStyle>
+</p:notesMaster>
+</file>
+
+<file path=ppt/notesSlides/notesSlide1.xml><?xml version="1.0" encoding="utf-8"?>
+<p:notes xmlns:a="http://schemas.openxmlformats.org/drawingml/2006/main" xmlns:r="http://schemas.openxmlformats.org/officeDocument/2006/relationships" xmlns:p="http://schemas.openxmlformats.org/presentationml/2006/main">
+  <p:cSld>
+    <p:spTree>
+      <p:nvGrpSpPr>
+        <p:cNvPr id="1" name=""/>
+        <p:cNvGrpSpPr/>
+        <p:nvPr/>
+      </p:nvGrpSpPr>
+      <p:grpSpPr>
+        <a:xfrm>
+          <a:off x="0" y="0"/>
+          <a:ext cx="0" cy="0"/>
+          <a:chOff x="0" y="0"/>
+          <a:chExt cx="0" cy="0"/>
+        </a:xfrm>
+      </p:grpSpPr>
+      <p:sp>
+        <p:nvSpPr>
+          <p:cNvPr id="2" name="Symbol zastępczy obrazu slajdu 1"/>
+          <p:cNvSpPr>
+            <a:spLocks noGrp="1" noRot="1" noChangeAspect="1"/>
+          </p:cNvSpPr>
+          <p:nvPr>
+            <p:ph type="sldImg"/>
+          </p:nvPr>
+        </p:nvSpPr>
+        <p:spPr/>
+      </p:sp>
+      <p:sp>
+        <p:nvSpPr>
+          <p:cNvPr id="3" name="Symbol zastępczy notatek 2"/>
+          <p:cNvSpPr>
+            <a:spLocks noGrp="1"/>
+          </p:cNvSpPr>
+          <p:nvPr>
+            <p:ph type="body" idx="1"/>
+          </p:nvPr>
+        </p:nvSpPr>
+        <p:spPr/>
+        <p:txBody>
+          <a:bodyPr/>
+          <a:lstStyle/>
+          <a:p>
+            <a:endParaRPr lang="en-US" dirty="0"/>
+          </a:p>
+        </p:txBody>
+      </p:sp>
+      <p:sp>
+        <p:nvSpPr>
+          <p:cNvPr id="4" name="Symbol zastępczy numeru slajdu 3"/>
+          <p:cNvSpPr>
+            <a:spLocks noGrp="1"/>
+          </p:cNvSpPr>
+          <p:nvPr>
+            <p:ph type="sldNum" sz="quarter" idx="5"/>
+          </p:nvPr>
+        </p:nvSpPr>
+        <p:spPr/>
+        <p:txBody>
+          <a:bodyPr/>
+          <a:lstStyle/>
+          <a:p>
+            <a:fld id="{583D7F03-7197-42E4-9778-D52D335F305D}" type="slidenum">
+              <a:rPr lang="en-US" smtClean="0"/>
+              <a:t>2</a:t>
+            </a:fld>
+            <a:endParaRPr lang="en-US"/>
+          </a:p>
+        </p:txBody>
+      </p:sp>
+    </p:spTree>
+    <p:extLst>
+      <p:ext uri="{BB962C8B-B14F-4D97-AF65-F5344CB8AC3E}">
+        <p14:creationId xmlns:p14="http://schemas.microsoft.com/office/powerpoint/2010/main" val="3750262061"/>
+      </p:ext>
+    </p:extLst>
+  </p:cSld>
+  <p:clrMapOvr>
+    <a:masterClrMapping/>
+  </p:clrMapOvr>
+</p:notes>
+</file>
+
 <file path=ppt/slideLayouts/slideLayout1.xml><?xml version="1.0" encoding="utf-8"?>
 <p:sldLayout xmlns:a="http://schemas.openxmlformats.org/drawingml/2006/main" xmlns:r="http://schemas.openxmlformats.org/officeDocument/2006/relationships" xmlns:p="http://schemas.openxmlformats.org/presentationml/2006/main" type="title" preserve="1">
   <p:cSld name="Title Slide">
@@ -274,7 +711,7 @@
           <a:p>
             <a:fld id="{783DC7D5-4D76-4679-A391-31CBAFA90932}" type="datetimeFigureOut">
               <a:rPr lang="en-US" smtClean="0"/>
-              <a:t>8/1/2024</a:t>
+              <a:t>5/2/2025</a:t>
             </a:fld>
             <a:endParaRPr lang="en-US"/>
           </a:p>
@@ -472,7 +909,7 @@
           <a:p>
             <a:fld id="{783DC7D5-4D76-4679-A391-31CBAFA90932}" type="datetimeFigureOut">
               <a:rPr lang="en-US" smtClean="0"/>
-              <a:t>8/1/2024</a:t>
+              <a:t>5/2/2025</a:t>
             </a:fld>
             <a:endParaRPr lang="en-US"/>
           </a:p>
@@ -680,7 +1117,7 @@
           <a:p>
             <a:fld id="{783DC7D5-4D76-4679-A391-31CBAFA90932}" type="datetimeFigureOut">
               <a:rPr lang="en-US" smtClean="0"/>
-              <a:t>8/1/2024</a:t>
+              <a:t>5/2/2025</a:t>
             </a:fld>
             <a:endParaRPr lang="en-US"/>
           </a:p>
@@ -878,7 +1315,7 @@
           <a:p>
             <a:fld id="{783DC7D5-4D76-4679-A391-31CBAFA90932}" type="datetimeFigureOut">
               <a:rPr lang="en-US" smtClean="0"/>
-              <a:t>8/1/2024</a:t>
+              <a:t>5/2/2025</a:t>
             </a:fld>
             <a:endParaRPr lang="en-US"/>
           </a:p>
@@ -1153,7 +1590,7 @@
           <a:p>
             <a:fld id="{783DC7D5-4D76-4679-A391-31CBAFA90932}" type="datetimeFigureOut">
               <a:rPr lang="en-US" smtClean="0"/>
-              <a:t>8/1/2024</a:t>
+              <a:t>5/2/2025</a:t>
             </a:fld>
             <a:endParaRPr lang="en-US"/>
           </a:p>
@@ -1418,7 +1855,7 @@
           <a:p>
             <a:fld id="{783DC7D5-4D76-4679-A391-31CBAFA90932}" type="datetimeFigureOut">
               <a:rPr lang="en-US" smtClean="0"/>
-              <a:t>8/1/2024</a:t>
+              <a:t>5/2/2025</a:t>
             </a:fld>
             <a:endParaRPr lang="en-US"/>
           </a:p>
@@ -1830,7 +2267,7 @@
           <a:p>
             <a:fld id="{783DC7D5-4D76-4679-A391-31CBAFA90932}" type="datetimeFigureOut">
               <a:rPr lang="en-US" smtClean="0"/>
-              <a:t>8/1/2024</a:t>
+              <a:t>5/2/2025</a:t>
             </a:fld>
             <a:endParaRPr lang="en-US"/>
           </a:p>
@@ -1971,7 +2408,7 @@
           <a:p>
             <a:fld id="{783DC7D5-4D76-4679-A391-31CBAFA90932}" type="datetimeFigureOut">
               <a:rPr lang="en-US" smtClean="0"/>
-              <a:t>8/1/2024</a:t>
+              <a:t>5/2/2025</a:t>
             </a:fld>
             <a:endParaRPr lang="en-US"/>
           </a:p>
@@ -2084,7 +2521,7 @@
           <a:p>
             <a:fld id="{783DC7D5-4D76-4679-A391-31CBAFA90932}" type="datetimeFigureOut">
               <a:rPr lang="en-US" smtClean="0"/>
-              <a:t>8/1/2024</a:t>
+              <a:t>5/2/2025</a:t>
             </a:fld>
             <a:endParaRPr lang="en-US"/>
           </a:p>
@@ -2395,7 +2832,7 @@
           <a:p>
             <a:fld id="{783DC7D5-4D76-4679-A391-31CBAFA90932}" type="datetimeFigureOut">
               <a:rPr lang="en-US" smtClean="0"/>
-              <a:t>8/1/2024</a:t>
+              <a:t>5/2/2025</a:t>
             </a:fld>
             <a:endParaRPr lang="en-US"/>
           </a:p>
@@ -2683,7 +3120,7 @@
           <a:p>
             <a:fld id="{783DC7D5-4D76-4679-A391-31CBAFA90932}" type="datetimeFigureOut">
               <a:rPr lang="en-US" smtClean="0"/>
-              <a:t>8/1/2024</a:t>
+              <a:t>5/2/2025</a:t>
             </a:fld>
             <a:endParaRPr lang="en-US"/>
           </a:p>
@@ -2924,7 +3361,7 @@
           <a:p>
             <a:fld id="{783DC7D5-4D76-4679-A391-31CBAFA90932}" type="datetimeFigureOut">
               <a:rPr lang="en-US" smtClean="0"/>
-              <a:t>8/1/2024</a:t>
+              <a:t>5/2/2025</a:t>
             </a:fld>
             <a:endParaRPr lang="en-US"/>
           </a:p>
@@ -3385,60 +3822,23 @@
           <a:p>
             <a:pPr algn="ctr"/>
             <a:r>
-              <a:rPr lang="pl-PL" sz="3200" b="1" dirty="0" err="1">
+              <a:rPr lang="en-US" sz="3200" b="1" dirty="0">
                 <a:solidFill>
                   <a:schemeClr val="tx1"/>
                 </a:solidFill>
               </a:rPr>
-              <a:t>Asset</a:t>
-            </a:r>
-            <a:r>
-              <a:rPr lang="pl-PL" sz="3200" b="1" dirty="0">
+              <a:t>Asset Pipeline</a:t>
+            </a:r>
+          </a:p>
+          <a:p>
+            <a:pPr algn="ctr"/>
+            <a:r>
+              <a:rPr lang="en-US" sz="3200" b="1" dirty="0">
                 <a:solidFill>
                   <a:schemeClr val="tx1"/>
                 </a:solidFill>
               </a:rPr>
-              <a:t> </a:t>
-            </a:r>
-            <a:r>
-              <a:rPr lang="pl-PL" sz="3200" b="1" dirty="0" err="1">
-                <a:solidFill>
-                  <a:schemeClr val="tx1"/>
-                </a:solidFill>
-              </a:rPr>
-              <a:t>Pipeline</a:t>
-            </a:r>
-            <a:endParaRPr lang="pl-PL" sz="3200" b="1" dirty="0">
-              <a:solidFill>
-                <a:schemeClr val="tx1"/>
-              </a:solidFill>
-            </a:endParaRPr>
-          </a:p>
-          <a:p>
-            <a:pPr algn="ctr"/>
-            <a:r>
-              <a:rPr lang="pl-PL" sz="3200" b="1" dirty="0">
-                <a:solidFill>
-                  <a:schemeClr val="tx1"/>
-                </a:solidFill>
-              </a:rPr>
-              <a:t>of </a:t>
-            </a:r>
-            <a:r>
-              <a:rPr lang="pl-PL" sz="3200" b="1" dirty="0" err="1">
-                <a:solidFill>
-                  <a:schemeClr val="tx1"/>
-                </a:solidFill>
-              </a:rPr>
-              <a:t>Fools</a:t>
-            </a:r>
-            <a:r>
-              <a:rPr lang="pl-PL" sz="3200" b="1" dirty="0">
-                <a:solidFill>
-                  <a:schemeClr val="tx1"/>
-                </a:solidFill>
-              </a:rPr>
-              <a:t> Engine</a:t>
+              <a:t>of Fools Engine</a:t>
             </a:r>
           </a:p>
         </p:txBody>
@@ -3487,18 +3887,9 @@
           <a:p>
             <a:pPr algn="ctr"/>
             <a:r>
-              <a:rPr lang="pl-PL" dirty="0" err="1"/>
-              <a:t>Work</a:t>
-            </a:r>
-            <a:r>
-              <a:rPr lang="pl-PL" dirty="0"/>
-              <a:t> in </a:t>
-            </a:r>
-            <a:r>
-              <a:rPr lang="pl-PL" dirty="0" err="1"/>
-              <a:t>progress</a:t>
-            </a:r>
-            <a:endParaRPr lang="en-GB" dirty="0"/>
+              <a:rPr lang="en-US" dirty="0"/>
+              <a:t>Work in progress</a:t>
+            </a:r>
           </a:p>
         </p:txBody>
       </p:sp>
@@ -3520,7 +3911,13 @@
   <p:cSld>
     <p:spTree>
       <p:nvGrpSpPr>
-        <p:cNvPr id="1" name=""/>
+        <p:cNvPr id="1" name="">
+          <a:extLst>
+            <a:ext uri="{FF2B5EF4-FFF2-40B4-BE49-F238E27FC236}">
+              <a16:creationId xmlns:a16="http://schemas.microsoft.com/office/drawing/2014/main" id="{9BBF5ECA-56E3-DE76-AA11-E3E6631D2779}"/>
+            </a:ext>
+          </a:extLst>
+        </p:cNvPr>
         <p:cNvGrpSpPr/>
         <p:nvPr/>
       </p:nvGrpSpPr>
@@ -3534,2226 +3931,19 @@
       </p:grpSpPr>
       <p:sp>
         <p:nvSpPr>
-          <p:cNvPr id="175" name="TextBox 174">
-            <a:extLst>
-              <a:ext uri="{FF2B5EF4-FFF2-40B4-BE49-F238E27FC236}">
-                <a16:creationId xmlns:a16="http://schemas.microsoft.com/office/drawing/2014/main" id="{3C9A4C0F-3003-F045-87B1-23FE381480E0}"/>
-              </a:ext>
-            </a:extLst>
-          </p:cNvPr>
-          <p:cNvSpPr txBox="1"/>
+          <p:cNvPr id="11" name="Rectangle: Rounded Corners 10">
+            <a:extLst>
+              <a:ext uri="{FF2B5EF4-FFF2-40B4-BE49-F238E27FC236}">
+                <a16:creationId xmlns:a16="http://schemas.microsoft.com/office/drawing/2014/main" id="{CF14D1E7-EAC0-EADD-53A3-BB4D512A8E91}"/>
+              </a:ext>
+            </a:extLst>
+          </p:cNvPr>
+          <p:cNvSpPr/>
           <p:nvPr/>
         </p:nvSpPr>
         <p:spPr>
           <a:xfrm>
-            <a:off x="606732" y="1147177"/>
-            <a:ext cx="10826295" cy="4462760"/>
-          </a:xfrm>
-          <a:prstGeom prst="rect">
-            <a:avLst/>
-          </a:prstGeom>
-          <a:noFill/>
-        </p:spPr>
-        <p:txBody>
-          <a:bodyPr wrap="square" rtlCol="0">
-            <a:spAutoFit/>
-          </a:bodyPr>
-          <a:lstStyle/>
-          <a:p>
-            <a:r>
-              <a:rPr lang="en-US" sz="2000" dirty="0"/>
-              <a:t>Problem Description</a:t>
-            </a:r>
-          </a:p>
-          <a:p>
-            <a:r>
-              <a:rPr lang="en-US" sz="1600" dirty="0"/>
-              <a:t>Assets authored in external programs sometimes</a:t>
-            </a:r>
-            <a:r>
-              <a:rPr lang="pl-PL" sz="1600" dirty="0"/>
-              <a:t> </a:t>
-            </a:r>
-            <a:r>
-              <a:rPr lang="en-US" sz="1600" dirty="0"/>
-              <a:t>cannot be used directly either by the editor or by the game:</a:t>
-            </a:r>
-          </a:p>
-          <a:p>
-            <a:r>
-              <a:rPr lang="en-US" sz="1600" dirty="0"/>
-              <a:t>- Single file may include data about multiple assets</a:t>
-            </a:r>
-          </a:p>
-          <a:p>
-            <a:r>
-              <a:rPr lang="en-US" sz="1600" dirty="0"/>
-              <a:t>- Many existing formats</a:t>
-            </a:r>
-          </a:p>
-          <a:p>
-            <a:r>
-              <a:rPr lang="en-US" sz="1600" dirty="0"/>
-              <a:t>- Formats not suitable for quick loading at the game’s runtime</a:t>
-            </a:r>
-          </a:p>
-          <a:p>
-            <a:r>
-              <a:rPr lang="en-US" sz="1600" dirty="0"/>
-              <a:t>- Formats not suitable for direct usage (structure of data is not optimal and/or requires additional processing/data generation)</a:t>
-            </a:r>
-          </a:p>
-          <a:p>
-            <a:endParaRPr lang="en-US" sz="1600" dirty="0"/>
-          </a:p>
-          <a:p>
-            <a:r>
-              <a:rPr lang="en-US" sz="2000" dirty="0"/>
-              <a:t>Standard Solution - importing:</a:t>
-            </a:r>
-          </a:p>
-          <a:p>
-            <a:pPr marL="342900" indent="-342900">
-              <a:buAutoNum type="arabicPeriod"/>
-            </a:pPr>
-            <a:r>
-              <a:rPr lang="en-US" sz="1600" dirty="0"/>
-              <a:t>Asset loader loading all types of assets.</a:t>
-            </a:r>
-          </a:p>
-          <a:p>
-            <a:pPr marL="342900" indent="-342900">
-              <a:buFontTx/>
-              <a:buAutoNum type="arabicPeriod"/>
-            </a:pPr>
-            <a:r>
-              <a:rPr lang="en-US" sz="1600" dirty="0"/>
-              <a:t>Additional processing and data generation into a universally structured asset (per type).</a:t>
-            </a:r>
-          </a:p>
-          <a:p>
-            <a:pPr marL="342900" indent="-342900">
-              <a:buAutoNum type="arabicPeriod"/>
-            </a:pPr>
-            <a:r>
-              <a:rPr lang="en-US" sz="1600" dirty="0"/>
-              <a:t>Saving the asset to a disk for quick and easy loading.</a:t>
-            </a:r>
-          </a:p>
-          <a:p>
-            <a:endParaRPr lang="en-US" sz="1600" dirty="0"/>
-          </a:p>
-          <a:p>
-            <a:r>
-              <a:rPr lang="en-US" sz="2000" dirty="0"/>
-              <a:t>Issues with Standard Solution:</a:t>
-            </a:r>
-          </a:p>
-          <a:p>
-            <a:r>
-              <a:rPr lang="en-US" sz="1600" dirty="0"/>
-              <a:t>- The asset file generated by the engine does not reference the original source file.</a:t>
-            </a:r>
-          </a:p>
-          <a:p>
-            <a:r>
-              <a:rPr lang="en-US" sz="1600" dirty="0"/>
-              <a:t>- The original asset file requires reimporting whenever it changes.</a:t>
-            </a:r>
-          </a:p>
-          <a:p>
-            <a:r>
-              <a:rPr lang="en-US" sz="1600" dirty="0"/>
-              <a:t>- Data is duplicated on a disk, just in a different format.</a:t>
-            </a:r>
-          </a:p>
-          <a:p>
-            <a:r>
-              <a:rPr lang="en-US" sz="1600" dirty="0"/>
-              <a:t>- Still, an additional packaging process is necessary to improve loading times in the game’s runtime. </a:t>
-            </a:r>
-          </a:p>
-        </p:txBody>
-      </p:sp>
-    </p:spTree>
-    <p:extLst>
-      <p:ext uri="{BB962C8B-B14F-4D97-AF65-F5344CB8AC3E}">
-        <p14:creationId xmlns:p14="http://schemas.microsoft.com/office/powerpoint/2010/main" val="1746923400"/>
-      </p:ext>
-    </p:extLst>
-  </p:cSld>
-  <p:clrMapOvr>
-    <a:masterClrMapping/>
-  </p:clrMapOvr>
-</p:sld>
-</file>
-
-<file path=ppt/slides/slide3.xml><?xml version="1.0" encoding="utf-8"?>
-<p:sld xmlns:a="http://schemas.openxmlformats.org/drawingml/2006/main" xmlns:r="http://schemas.openxmlformats.org/officeDocument/2006/relationships" xmlns:p="http://schemas.openxmlformats.org/presentationml/2006/main">
-  <p:cSld>
-    <p:spTree>
-      <p:nvGrpSpPr>
-        <p:cNvPr id="1" name=""/>
-        <p:cNvGrpSpPr/>
-        <p:nvPr/>
-      </p:nvGrpSpPr>
-      <p:grpSpPr>
-        <a:xfrm>
-          <a:off x="0" y="0"/>
-          <a:ext cx="0" cy="0"/>
-          <a:chOff x="0" y="0"/>
-          <a:chExt cx="0" cy="0"/>
-        </a:xfrm>
-      </p:grpSpPr>
-      <p:sp>
-        <p:nvSpPr>
-          <p:cNvPr id="170" name="Rectangle: Rounded Corners 169">
-            <a:extLst>
-              <a:ext uri="{FF2B5EF4-FFF2-40B4-BE49-F238E27FC236}">
-                <a16:creationId xmlns:a16="http://schemas.microsoft.com/office/drawing/2014/main" id="{C0E9F582-9011-5992-26D6-B9ECEEB44C20}"/>
-              </a:ext>
-            </a:extLst>
-          </p:cNvPr>
-          <p:cNvSpPr/>
-          <p:nvPr/>
-        </p:nvSpPr>
-        <p:spPr>
-          <a:xfrm>
-            <a:off x="9879891" y="1417017"/>
-            <a:ext cx="1889861" cy="4796058"/>
-          </a:xfrm>
-          <a:prstGeom prst="roundRect">
-            <a:avLst>
-              <a:gd name="adj" fmla="val 17399"/>
-            </a:avLst>
-          </a:prstGeom>
-        </p:spPr>
-        <p:style>
-          <a:lnRef idx="1">
-            <a:schemeClr val="accent1"/>
-          </a:lnRef>
-          <a:fillRef idx="2">
-            <a:schemeClr val="accent1"/>
-          </a:fillRef>
-          <a:effectRef idx="1">
-            <a:schemeClr val="accent1"/>
-          </a:effectRef>
-          <a:fontRef idx="minor">
-            <a:schemeClr val="dk1"/>
-          </a:fontRef>
-        </p:style>
-        <p:txBody>
-          <a:bodyPr rtlCol="0" anchor="ctr"/>
-          <a:lstStyle/>
-          <a:p>
-            <a:pPr algn="ctr"/>
-            <a:endParaRPr lang="en-US"/>
-          </a:p>
-        </p:txBody>
-      </p:sp>
-      <p:sp>
-        <p:nvSpPr>
-          <p:cNvPr id="169" name="Rectangle: Rounded Corners 168">
-            <a:extLst>
-              <a:ext uri="{FF2B5EF4-FFF2-40B4-BE49-F238E27FC236}">
-                <a16:creationId xmlns:a16="http://schemas.microsoft.com/office/drawing/2014/main" id="{DDAA0E54-0848-0B68-8396-D70ABD40FC8B}"/>
-              </a:ext>
-            </a:extLst>
-          </p:cNvPr>
-          <p:cNvSpPr/>
-          <p:nvPr/>
-        </p:nvSpPr>
-        <p:spPr>
-          <a:xfrm>
-            <a:off x="5977812" y="1417017"/>
-            <a:ext cx="3593702" cy="4796058"/>
-          </a:xfrm>
-          <a:prstGeom prst="roundRect">
-            <a:avLst>
-              <a:gd name="adj" fmla="val 7466"/>
-            </a:avLst>
-          </a:prstGeom>
-        </p:spPr>
-        <p:style>
-          <a:lnRef idx="1">
-            <a:schemeClr val="accent3"/>
-          </a:lnRef>
-          <a:fillRef idx="2">
-            <a:schemeClr val="accent3"/>
-          </a:fillRef>
-          <a:effectRef idx="1">
-            <a:schemeClr val="accent3"/>
-          </a:effectRef>
-          <a:fontRef idx="minor">
-            <a:schemeClr val="dk1"/>
-          </a:fontRef>
-        </p:style>
-        <p:txBody>
-          <a:bodyPr rtlCol="0" anchor="ctr"/>
-          <a:lstStyle/>
-          <a:p>
-            <a:pPr algn="ctr"/>
-            <a:endParaRPr lang="en-US"/>
-          </a:p>
-        </p:txBody>
-      </p:sp>
-      <p:sp>
-        <p:nvSpPr>
-          <p:cNvPr id="10" name="Rectangle: Rounded Corners 9">
-            <a:extLst>
-              <a:ext uri="{FF2B5EF4-FFF2-40B4-BE49-F238E27FC236}">
-                <a16:creationId xmlns:a16="http://schemas.microsoft.com/office/drawing/2014/main" id="{055E5BE3-29E9-50D9-C498-C8DCFE3DB140}"/>
-              </a:ext>
-            </a:extLst>
-          </p:cNvPr>
-          <p:cNvSpPr/>
-          <p:nvPr/>
-        </p:nvSpPr>
-        <p:spPr>
-          <a:xfrm>
-            <a:off x="6275759" y="1786627"/>
-            <a:ext cx="1256082" cy="350943"/>
-          </a:xfrm>
-          <a:prstGeom prst="roundRect">
-            <a:avLst/>
-          </a:prstGeom>
-        </p:spPr>
-        <p:style>
-          <a:lnRef idx="0">
-            <a:schemeClr val="accent4"/>
-          </a:lnRef>
-          <a:fillRef idx="3">
-            <a:schemeClr val="accent4"/>
-          </a:fillRef>
-          <a:effectRef idx="3">
-            <a:schemeClr val="accent4"/>
-          </a:effectRef>
-          <a:fontRef idx="minor">
-            <a:schemeClr val="lt1"/>
-          </a:fontRef>
-        </p:style>
-        <p:txBody>
-          <a:bodyPr rtlCol="0" anchor="ctr"/>
-          <a:lstStyle/>
-          <a:p>
-            <a:pPr algn="ctr"/>
-            <a:r>
-              <a:rPr lang="en-US" sz="1400" dirty="0">
-                <a:solidFill>
-                  <a:schemeClr val="tx1"/>
-                </a:solidFill>
-              </a:rPr>
-              <a:t>Asset Source</a:t>
-            </a:r>
-          </a:p>
-        </p:txBody>
-      </p:sp>
-      <p:sp>
-        <p:nvSpPr>
-          <p:cNvPr id="14" name="Rectangle: Rounded Corners 13">
-            <a:extLst>
-              <a:ext uri="{FF2B5EF4-FFF2-40B4-BE49-F238E27FC236}">
-                <a16:creationId xmlns:a16="http://schemas.microsoft.com/office/drawing/2014/main" id="{A8B24E9D-2FFE-8970-4A92-BC67E23FD65D}"/>
-              </a:ext>
-            </a:extLst>
-          </p:cNvPr>
-          <p:cNvSpPr/>
-          <p:nvPr/>
-        </p:nvSpPr>
-        <p:spPr>
-          <a:xfrm>
-            <a:off x="8006688" y="3092823"/>
-            <a:ext cx="1256082" cy="350943"/>
-          </a:xfrm>
-          <a:prstGeom prst="roundRect">
-            <a:avLst/>
-          </a:prstGeom>
-        </p:spPr>
-        <p:style>
-          <a:lnRef idx="0">
-            <a:schemeClr val="accent4"/>
-          </a:lnRef>
-          <a:fillRef idx="3">
-            <a:schemeClr val="accent4"/>
-          </a:fillRef>
-          <a:effectRef idx="3">
-            <a:schemeClr val="accent4"/>
-          </a:effectRef>
-          <a:fontRef idx="minor">
-            <a:schemeClr val="lt1"/>
-          </a:fontRef>
-        </p:style>
-        <p:txBody>
-          <a:bodyPr rtlCol="0" anchor="ctr"/>
-          <a:lstStyle/>
-          <a:p>
-            <a:pPr algn="ctr"/>
-            <a:r>
-              <a:rPr lang="en-US" sz="1400" dirty="0">
-                <a:solidFill>
-                  <a:schemeClr val="tx1"/>
-                </a:solidFill>
-              </a:rPr>
-              <a:t>Asset Proxy</a:t>
-            </a:r>
-          </a:p>
-        </p:txBody>
-      </p:sp>
-      <p:sp>
-        <p:nvSpPr>
-          <p:cNvPr id="19" name="Rectangle: Rounded Corners 18">
-            <a:extLst>
-              <a:ext uri="{FF2B5EF4-FFF2-40B4-BE49-F238E27FC236}">
-                <a16:creationId xmlns:a16="http://schemas.microsoft.com/office/drawing/2014/main" id="{C4A9DF4A-74EC-E9B3-1A93-12C76F4588EE}"/>
-              </a:ext>
-            </a:extLst>
-          </p:cNvPr>
-          <p:cNvSpPr/>
-          <p:nvPr/>
-        </p:nvSpPr>
-        <p:spPr>
-          <a:xfrm>
-            <a:off x="8006688" y="3720983"/>
-            <a:ext cx="1256082" cy="350943"/>
-          </a:xfrm>
-          <a:prstGeom prst="roundRect">
-            <a:avLst/>
-          </a:prstGeom>
-        </p:spPr>
-        <p:style>
-          <a:lnRef idx="0">
-            <a:schemeClr val="accent4"/>
-          </a:lnRef>
-          <a:fillRef idx="3">
-            <a:schemeClr val="accent4"/>
-          </a:fillRef>
-          <a:effectRef idx="3">
-            <a:schemeClr val="accent4"/>
-          </a:effectRef>
-          <a:fontRef idx="minor">
-            <a:schemeClr val="lt1"/>
-          </a:fontRef>
-        </p:style>
-        <p:txBody>
-          <a:bodyPr rtlCol="0" anchor="ctr"/>
-          <a:lstStyle/>
-          <a:p>
-            <a:pPr algn="ctr"/>
-            <a:r>
-              <a:rPr lang="en-US" sz="1400" dirty="0">
-                <a:solidFill>
-                  <a:schemeClr val="tx1"/>
-                </a:solidFill>
-              </a:rPr>
-              <a:t>Asset Proxy</a:t>
-            </a:r>
-          </a:p>
-        </p:txBody>
-      </p:sp>
-      <p:sp>
-        <p:nvSpPr>
-          <p:cNvPr id="21" name="Rectangle: Rounded Corners 20">
-            <a:extLst>
-              <a:ext uri="{FF2B5EF4-FFF2-40B4-BE49-F238E27FC236}">
-                <a16:creationId xmlns:a16="http://schemas.microsoft.com/office/drawing/2014/main" id="{B3BEE67D-16C1-8266-9492-13ACC6A3A4BC}"/>
-              </a:ext>
-            </a:extLst>
-          </p:cNvPr>
-          <p:cNvSpPr/>
-          <p:nvPr/>
-        </p:nvSpPr>
-        <p:spPr>
-          <a:xfrm>
-            <a:off x="6251080" y="4710688"/>
-            <a:ext cx="1256082" cy="350943"/>
-          </a:xfrm>
-          <a:prstGeom prst="roundRect">
-            <a:avLst/>
-          </a:prstGeom>
-        </p:spPr>
-        <p:style>
-          <a:lnRef idx="0">
-            <a:schemeClr val="accent4"/>
-          </a:lnRef>
-          <a:fillRef idx="3">
-            <a:schemeClr val="accent4"/>
-          </a:fillRef>
-          <a:effectRef idx="3">
-            <a:schemeClr val="accent4"/>
-          </a:effectRef>
-          <a:fontRef idx="minor">
-            <a:schemeClr val="lt1"/>
-          </a:fontRef>
-        </p:style>
-        <p:txBody>
-          <a:bodyPr rtlCol="0" anchor="ctr"/>
-          <a:lstStyle/>
-          <a:p>
-            <a:pPr algn="ctr"/>
-            <a:r>
-              <a:rPr lang="en-US" sz="1400" dirty="0">
-                <a:solidFill>
-                  <a:schemeClr val="tx1"/>
-                </a:solidFill>
-              </a:rPr>
-              <a:t>Asset Source</a:t>
-            </a:r>
-          </a:p>
-        </p:txBody>
-      </p:sp>
-      <p:sp>
-        <p:nvSpPr>
-          <p:cNvPr id="23" name="Rectangle: Rounded Corners 22">
-            <a:extLst>
-              <a:ext uri="{FF2B5EF4-FFF2-40B4-BE49-F238E27FC236}">
-                <a16:creationId xmlns:a16="http://schemas.microsoft.com/office/drawing/2014/main" id="{0AA9B7D8-3394-6E5D-51DF-A8F8E02666CB}"/>
-              </a:ext>
-            </a:extLst>
-          </p:cNvPr>
-          <p:cNvSpPr/>
-          <p:nvPr/>
-        </p:nvSpPr>
-        <p:spPr>
-          <a:xfrm>
-            <a:off x="8006688" y="4387471"/>
-            <a:ext cx="1256082" cy="350943"/>
-          </a:xfrm>
-          <a:prstGeom prst="roundRect">
-            <a:avLst/>
-          </a:prstGeom>
-        </p:spPr>
-        <p:style>
-          <a:lnRef idx="0">
-            <a:schemeClr val="accent4"/>
-          </a:lnRef>
-          <a:fillRef idx="3">
-            <a:schemeClr val="accent4"/>
-          </a:fillRef>
-          <a:effectRef idx="3">
-            <a:schemeClr val="accent4"/>
-          </a:effectRef>
-          <a:fontRef idx="minor">
-            <a:schemeClr val="lt1"/>
-          </a:fontRef>
-        </p:style>
-        <p:txBody>
-          <a:bodyPr rtlCol="0" anchor="ctr"/>
-          <a:lstStyle/>
-          <a:p>
-            <a:pPr algn="ctr"/>
-            <a:r>
-              <a:rPr lang="en-US" sz="1400" dirty="0">
-                <a:solidFill>
-                  <a:schemeClr val="tx1"/>
-                </a:solidFill>
-              </a:rPr>
-              <a:t>Asset Proxy</a:t>
-            </a:r>
-          </a:p>
-        </p:txBody>
-      </p:sp>
-      <p:sp>
-        <p:nvSpPr>
-          <p:cNvPr id="26" name="Rectangle: Rounded Corners 25">
-            <a:extLst>
-              <a:ext uri="{FF2B5EF4-FFF2-40B4-BE49-F238E27FC236}">
-                <a16:creationId xmlns:a16="http://schemas.microsoft.com/office/drawing/2014/main" id="{88D70D07-FE3B-EC1C-709D-AC86198386C7}"/>
-              </a:ext>
-            </a:extLst>
-          </p:cNvPr>
-          <p:cNvSpPr/>
-          <p:nvPr/>
-        </p:nvSpPr>
-        <p:spPr>
-          <a:xfrm>
-            <a:off x="8006688" y="5022861"/>
-            <a:ext cx="1256082" cy="350943"/>
-          </a:xfrm>
-          <a:prstGeom prst="roundRect">
-            <a:avLst/>
-          </a:prstGeom>
-        </p:spPr>
-        <p:style>
-          <a:lnRef idx="0">
-            <a:schemeClr val="accent4"/>
-          </a:lnRef>
-          <a:fillRef idx="3">
-            <a:schemeClr val="accent4"/>
-          </a:fillRef>
-          <a:effectRef idx="3">
-            <a:schemeClr val="accent4"/>
-          </a:effectRef>
-          <a:fontRef idx="minor">
-            <a:schemeClr val="lt1"/>
-          </a:fontRef>
-        </p:style>
-        <p:txBody>
-          <a:bodyPr rtlCol="0" anchor="ctr"/>
-          <a:lstStyle/>
-          <a:p>
-            <a:pPr algn="ctr"/>
-            <a:r>
-              <a:rPr lang="en-US" sz="1400" dirty="0">
-                <a:solidFill>
-                  <a:schemeClr val="tx1"/>
-                </a:solidFill>
-              </a:rPr>
-              <a:t>Asset Proxy</a:t>
-            </a:r>
-          </a:p>
-        </p:txBody>
-      </p:sp>
-      <p:sp>
-        <p:nvSpPr>
-          <p:cNvPr id="30" name="Rectangle: Rounded Corners 29">
-            <a:extLst>
-              <a:ext uri="{FF2B5EF4-FFF2-40B4-BE49-F238E27FC236}">
-                <a16:creationId xmlns:a16="http://schemas.microsoft.com/office/drawing/2014/main" id="{E45F4621-3998-D58E-5535-ADD2BFAF0E5A}"/>
-              </a:ext>
-            </a:extLst>
-          </p:cNvPr>
-          <p:cNvSpPr/>
-          <p:nvPr/>
-        </p:nvSpPr>
-        <p:spPr>
-          <a:xfrm>
-            <a:off x="10214948" y="2451731"/>
-            <a:ext cx="1256082" cy="342651"/>
-          </a:xfrm>
-          <a:prstGeom prst="roundRect">
-            <a:avLst/>
-          </a:prstGeom>
-          <a:ln/>
-        </p:spPr>
-        <p:style>
-          <a:lnRef idx="0">
-            <a:schemeClr val="accent4"/>
-          </a:lnRef>
-          <a:fillRef idx="3">
-            <a:schemeClr val="accent4"/>
-          </a:fillRef>
-          <a:effectRef idx="3">
-            <a:schemeClr val="accent4"/>
-          </a:effectRef>
-          <a:fontRef idx="minor">
-            <a:schemeClr val="lt1"/>
-          </a:fontRef>
-        </p:style>
-        <p:txBody>
-          <a:bodyPr rtlCol="0" anchor="ctr"/>
-          <a:lstStyle/>
-          <a:p>
-            <a:pPr algn="ctr"/>
-            <a:r>
-              <a:rPr lang="en-US" sz="1400" dirty="0">
-                <a:solidFill>
-                  <a:schemeClr val="tx1"/>
-                </a:solidFill>
-              </a:rPr>
-              <a:t>Asse</a:t>
-            </a:r>
-            <a:r>
-              <a:rPr lang="pl-PL" sz="1400" dirty="0">
-                <a:solidFill>
-                  <a:schemeClr val="tx1"/>
-                </a:solidFill>
-              </a:rPr>
-              <a:t>t</a:t>
-            </a:r>
-            <a:endParaRPr lang="en-US" sz="1400" dirty="0">
-              <a:solidFill>
-                <a:schemeClr val="tx1"/>
-              </a:solidFill>
-            </a:endParaRPr>
-          </a:p>
-        </p:txBody>
-      </p:sp>
-      <p:sp>
-        <p:nvSpPr>
-          <p:cNvPr id="31" name="Rectangle: Rounded Corners 30">
-            <a:extLst>
-              <a:ext uri="{FF2B5EF4-FFF2-40B4-BE49-F238E27FC236}">
-                <a16:creationId xmlns:a16="http://schemas.microsoft.com/office/drawing/2014/main" id="{FE6023C5-65C7-4233-6EF7-3136820A32BC}"/>
-              </a:ext>
-            </a:extLst>
-          </p:cNvPr>
-          <p:cNvSpPr/>
-          <p:nvPr/>
-        </p:nvSpPr>
-        <p:spPr>
-          <a:xfrm>
-            <a:off x="10190269" y="3103364"/>
-            <a:ext cx="1256082" cy="342651"/>
-          </a:xfrm>
-          <a:prstGeom prst="roundRect">
-            <a:avLst/>
-          </a:prstGeom>
-          <a:ln/>
-        </p:spPr>
-        <p:style>
-          <a:lnRef idx="0">
-            <a:schemeClr val="accent4"/>
-          </a:lnRef>
-          <a:fillRef idx="3">
-            <a:schemeClr val="accent4"/>
-          </a:fillRef>
-          <a:effectRef idx="3">
-            <a:schemeClr val="accent4"/>
-          </a:effectRef>
-          <a:fontRef idx="minor">
-            <a:schemeClr val="lt1"/>
-          </a:fontRef>
-        </p:style>
-        <p:txBody>
-          <a:bodyPr rtlCol="0" anchor="ctr"/>
-          <a:lstStyle/>
-          <a:p>
-            <a:pPr algn="ctr"/>
-            <a:r>
-              <a:rPr lang="en-US" sz="1400" dirty="0">
-                <a:solidFill>
-                  <a:schemeClr val="tx1"/>
-                </a:solidFill>
-              </a:rPr>
-              <a:t>Asset</a:t>
-            </a:r>
-          </a:p>
-        </p:txBody>
-      </p:sp>
-      <p:sp>
-        <p:nvSpPr>
-          <p:cNvPr id="97" name="Rectangle: Rounded Corners 96">
-            <a:extLst>
-              <a:ext uri="{FF2B5EF4-FFF2-40B4-BE49-F238E27FC236}">
-                <a16:creationId xmlns:a16="http://schemas.microsoft.com/office/drawing/2014/main" id="{B82C1784-C72C-0F57-3753-A90D4E3A794D}"/>
-              </a:ext>
-            </a:extLst>
-          </p:cNvPr>
-          <p:cNvSpPr/>
-          <p:nvPr/>
-        </p:nvSpPr>
-        <p:spPr>
-          <a:xfrm>
-            <a:off x="10183643" y="3725129"/>
-            <a:ext cx="1256082" cy="342651"/>
-          </a:xfrm>
-          <a:prstGeom prst="roundRect">
-            <a:avLst/>
-          </a:prstGeom>
-          <a:ln/>
-        </p:spPr>
-        <p:style>
-          <a:lnRef idx="0">
-            <a:schemeClr val="accent4"/>
-          </a:lnRef>
-          <a:fillRef idx="3">
-            <a:schemeClr val="accent4"/>
-          </a:fillRef>
-          <a:effectRef idx="3">
-            <a:schemeClr val="accent4"/>
-          </a:effectRef>
-          <a:fontRef idx="minor">
-            <a:schemeClr val="lt1"/>
-          </a:fontRef>
-        </p:style>
-        <p:txBody>
-          <a:bodyPr rtlCol="0" anchor="ctr"/>
-          <a:lstStyle/>
-          <a:p>
-            <a:pPr algn="ctr"/>
-            <a:r>
-              <a:rPr lang="en-US" sz="1400" dirty="0">
-                <a:solidFill>
-                  <a:schemeClr val="tx1"/>
-                </a:solidFill>
-              </a:rPr>
-              <a:t>Asset</a:t>
-            </a:r>
-          </a:p>
-        </p:txBody>
-      </p:sp>
-      <p:sp>
-        <p:nvSpPr>
-          <p:cNvPr id="98" name="Rectangle: Rounded Corners 97">
-            <a:extLst>
-              <a:ext uri="{FF2B5EF4-FFF2-40B4-BE49-F238E27FC236}">
-                <a16:creationId xmlns:a16="http://schemas.microsoft.com/office/drawing/2014/main" id="{27EB69E3-5E74-E6D2-B4E8-BC7E0C6D8E2E}"/>
-              </a:ext>
-            </a:extLst>
-          </p:cNvPr>
-          <p:cNvSpPr/>
-          <p:nvPr/>
-        </p:nvSpPr>
-        <p:spPr>
-          <a:xfrm>
-            <a:off x="10183643" y="4382519"/>
-            <a:ext cx="1256082" cy="342651"/>
-          </a:xfrm>
-          <a:prstGeom prst="roundRect">
-            <a:avLst/>
-          </a:prstGeom>
-          <a:ln/>
-        </p:spPr>
-        <p:style>
-          <a:lnRef idx="0">
-            <a:schemeClr val="accent4"/>
-          </a:lnRef>
-          <a:fillRef idx="3">
-            <a:schemeClr val="accent4"/>
-          </a:fillRef>
-          <a:effectRef idx="3">
-            <a:schemeClr val="accent4"/>
-          </a:effectRef>
-          <a:fontRef idx="minor">
-            <a:schemeClr val="lt1"/>
-          </a:fontRef>
-        </p:style>
-        <p:txBody>
-          <a:bodyPr rtlCol="0" anchor="ctr"/>
-          <a:lstStyle/>
-          <a:p>
-            <a:pPr algn="ctr"/>
-            <a:r>
-              <a:rPr lang="en-US" sz="1400" dirty="0">
-                <a:solidFill>
-                  <a:schemeClr val="tx1"/>
-                </a:solidFill>
-              </a:rPr>
-              <a:t>Asset</a:t>
-            </a:r>
-          </a:p>
-        </p:txBody>
-      </p:sp>
-      <p:sp>
-        <p:nvSpPr>
-          <p:cNvPr id="99" name="Rectangle: Rounded Corners 98">
-            <a:extLst>
-              <a:ext uri="{FF2B5EF4-FFF2-40B4-BE49-F238E27FC236}">
-                <a16:creationId xmlns:a16="http://schemas.microsoft.com/office/drawing/2014/main" id="{0BB7ACEF-E45A-5F29-14F2-EF850A80384F}"/>
-              </a:ext>
-            </a:extLst>
-          </p:cNvPr>
-          <p:cNvSpPr/>
-          <p:nvPr/>
-        </p:nvSpPr>
-        <p:spPr>
-          <a:xfrm>
-            <a:off x="10183643" y="5022861"/>
-            <a:ext cx="1256082" cy="342651"/>
-          </a:xfrm>
-          <a:prstGeom prst="roundRect">
-            <a:avLst/>
-          </a:prstGeom>
-          <a:ln/>
-        </p:spPr>
-        <p:style>
-          <a:lnRef idx="0">
-            <a:schemeClr val="accent4"/>
-          </a:lnRef>
-          <a:fillRef idx="3">
-            <a:schemeClr val="accent4"/>
-          </a:fillRef>
-          <a:effectRef idx="3">
-            <a:schemeClr val="accent4"/>
-          </a:effectRef>
-          <a:fontRef idx="minor">
-            <a:schemeClr val="lt1"/>
-          </a:fontRef>
-        </p:style>
-        <p:txBody>
-          <a:bodyPr rtlCol="0" anchor="ctr"/>
-          <a:lstStyle/>
-          <a:p>
-            <a:pPr algn="ctr"/>
-            <a:r>
-              <a:rPr lang="en-US" sz="1400" dirty="0">
-                <a:solidFill>
-                  <a:schemeClr val="tx1"/>
-                </a:solidFill>
-              </a:rPr>
-              <a:t>Asset</a:t>
-            </a:r>
-          </a:p>
-        </p:txBody>
-      </p:sp>
-      <p:sp>
-        <p:nvSpPr>
-          <p:cNvPr id="101" name="Rectangle: Rounded Corners 100">
-            <a:extLst>
-              <a:ext uri="{FF2B5EF4-FFF2-40B4-BE49-F238E27FC236}">
-                <a16:creationId xmlns:a16="http://schemas.microsoft.com/office/drawing/2014/main" id="{4EF168EE-4A7C-FB80-66F8-3E11653B5DE6}"/>
-              </a:ext>
-            </a:extLst>
-          </p:cNvPr>
-          <p:cNvSpPr/>
-          <p:nvPr/>
-        </p:nvSpPr>
-        <p:spPr>
-          <a:xfrm>
-            <a:off x="8031367" y="1786240"/>
-            <a:ext cx="1256082" cy="350943"/>
-          </a:xfrm>
-          <a:prstGeom prst="roundRect">
-            <a:avLst/>
-          </a:prstGeom>
-        </p:spPr>
-        <p:style>
-          <a:lnRef idx="0">
-            <a:schemeClr val="accent4"/>
-          </a:lnRef>
-          <a:fillRef idx="3">
-            <a:schemeClr val="accent4"/>
-          </a:fillRef>
-          <a:effectRef idx="3">
-            <a:schemeClr val="accent4"/>
-          </a:effectRef>
-          <a:fontRef idx="minor">
-            <a:schemeClr val="lt1"/>
-          </a:fontRef>
-        </p:style>
-        <p:txBody>
-          <a:bodyPr rtlCol="0" anchor="ctr"/>
-          <a:lstStyle/>
-          <a:p>
-            <a:pPr algn="ctr"/>
-            <a:r>
-              <a:rPr lang="en-US" sz="1400" dirty="0">
-                <a:solidFill>
-                  <a:schemeClr val="tx1"/>
-                </a:solidFill>
-              </a:rPr>
-              <a:t>Asset Proxy</a:t>
-            </a:r>
-          </a:p>
-        </p:txBody>
-      </p:sp>
-      <p:sp>
-        <p:nvSpPr>
-          <p:cNvPr id="102" name="Rectangle: Rounded Corners 101">
-            <a:extLst>
-              <a:ext uri="{FF2B5EF4-FFF2-40B4-BE49-F238E27FC236}">
-                <a16:creationId xmlns:a16="http://schemas.microsoft.com/office/drawing/2014/main" id="{A1F4AB2A-0E67-6F5D-0554-54679C1B8314}"/>
-              </a:ext>
-            </a:extLst>
-          </p:cNvPr>
-          <p:cNvSpPr/>
-          <p:nvPr/>
-        </p:nvSpPr>
-        <p:spPr>
-          <a:xfrm>
-            <a:off x="10214948" y="1793395"/>
-            <a:ext cx="1256082" cy="342651"/>
-          </a:xfrm>
-          <a:prstGeom prst="roundRect">
-            <a:avLst/>
-          </a:prstGeom>
-          <a:ln/>
-        </p:spPr>
-        <p:style>
-          <a:lnRef idx="0">
-            <a:schemeClr val="accent4"/>
-          </a:lnRef>
-          <a:fillRef idx="3">
-            <a:schemeClr val="accent4"/>
-          </a:fillRef>
-          <a:effectRef idx="3">
-            <a:schemeClr val="accent4"/>
-          </a:effectRef>
-          <a:fontRef idx="minor">
-            <a:schemeClr val="lt1"/>
-          </a:fontRef>
-        </p:style>
-        <p:txBody>
-          <a:bodyPr rtlCol="0" anchor="ctr"/>
-          <a:lstStyle/>
-          <a:p>
-            <a:pPr algn="ctr"/>
-            <a:r>
-              <a:rPr lang="en-US" sz="1400" dirty="0">
-                <a:solidFill>
-                  <a:schemeClr val="tx1"/>
-                </a:solidFill>
-              </a:rPr>
-              <a:t>Asse</a:t>
-            </a:r>
-            <a:r>
-              <a:rPr lang="pl-PL" sz="1400" dirty="0">
-                <a:solidFill>
-                  <a:schemeClr val="tx1"/>
-                </a:solidFill>
-              </a:rPr>
-              <a:t>t</a:t>
-            </a:r>
-            <a:endParaRPr lang="en-US" sz="1400" dirty="0">
-              <a:solidFill>
-                <a:schemeClr val="tx1"/>
-              </a:solidFill>
-            </a:endParaRPr>
-          </a:p>
-        </p:txBody>
-      </p:sp>
-      <p:cxnSp>
-        <p:nvCxnSpPr>
-          <p:cNvPr id="105" name="Straight Arrow Connector 104">
-            <a:extLst>
-              <a:ext uri="{FF2B5EF4-FFF2-40B4-BE49-F238E27FC236}">
-                <a16:creationId xmlns:a16="http://schemas.microsoft.com/office/drawing/2014/main" id="{45F3D26E-64F3-02BC-147A-4E6F0D37D1D2}"/>
-              </a:ext>
-            </a:extLst>
-          </p:cNvPr>
-          <p:cNvCxnSpPr>
-            <a:cxnSpLocks/>
-            <a:stCxn id="101" idx="1"/>
-            <a:endCxn id="10" idx="3"/>
-          </p:cNvCxnSpPr>
-          <p:nvPr/>
-        </p:nvCxnSpPr>
-        <p:spPr>
-          <a:xfrm flipH="1">
-            <a:off x="7531841" y="1961712"/>
-            <a:ext cx="499526" cy="387"/>
-          </a:xfrm>
-          <a:prstGeom prst="straightConnector1">
-            <a:avLst/>
-          </a:prstGeom>
-          <a:ln>
-            <a:tailEnd type="triangle"/>
-          </a:ln>
-        </p:spPr>
-        <p:style>
-          <a:lnRef idx="3">
-            <a:schemeClr val="dk1"/>
-          </a:lnRef>
-          <a:fillRef idx="0">
-            <a:schemeClr val="dk1"/>
-          </a:fillRef>
-          <a:effectRef idx="2">
-            <a:schemeClr val="dk1"/>
-          </a:effectRef>
-          <a:fontRef idx="minor">
-            <a:schemeClr val="tx1"/>
-          </a:fontRef>
-        </p:style>
-      </p:cxnSp>
-      <p:cxnSp>
-        <p:nvCxnSpPr>
-          <p:cNvPr id="107" name="Straight Arrow Connector 106">
-            <a:extLst>
-              <a:ext uri="{FF2B5EF4-FFF2-40B4-BE49-F238E27FC236}">
-                <a16:creationId xmlns:a16="http://schemas.microsoft.com/office/drawing/2014/main" id="{16AA6696-B8CE-F8D5-A92C-EBFC4B381A8F}"/>
-              </a:ext>
-            </a:extLst>
-          </p:cNvPr>
-          <p:cNvCxnSpPr>
-            <a:cxnSpLocks/>
-            <a:stCxn id="102" idx="1"/>
-            <a:endCxn id="101" idx="3"/>
-          </p:cNvCxnSpPr>
-          <p:nvPr/>
-        </p:nvCxnSpPr>
-        <p:spPr>
-          <a:xfrm flipH="1" flipV="1">
-            <a:off x="9287449" y="1961712"/>
-            <a:ext cx="927499" cy="3009"/>
-          </a:xfrm>
-          <a:prstGeom prst="straightConnector1">
-            <a:avLst/>
-          </a:prstGeom>
-          <a:ln>
-            <a:headEnd type="triangle" w="med" len="med"/>
-            <a:tailEnd type="triangle" w="med" len="med"/>
-          </a:ln>
-        </p:spPr>
-        <p:style>
-          <a:lnRef idx="3">
-            <a:schemeClr val="dk1"/>
-          </a:lnRef>
-          <a:fillRef idx="0">
-            <a:schemeClr val="dk1"/>
-          </a:fillRef>
-          <a:effectRef idx="2">
-            <a:schemeClr val="dk1"/>
-          </a:effectRef>
-          <a:fontRef idx="minor">
-            <a:schemeClr val="tx1"/>
-          </a:fontRef>
-        </p:style>
-      </p:cxnSp>
-      <p:cxnSp>
-        <p:nvCxnSpPr>
-          <p:cNvPr id="115" name="Straight Arrow Connector 114">
-            <a:extLst>
-              <a:ext uri="{FF2B5EF4-FFF2-40B4-BE49-F238E27FC236}">
-                <a16:creationId xmlns:a16="http://schemas.microsoft.com/office/drawing/2014/main" id="{569AAA13-BC3A-508C-5EAE-7447278A1980}"/>
-              </a:ext>
-            </a:extLst>
-          </p:cNvPr>
-          <p:cNvCxnSpPr>
-            <a:cxnSpLocks/>
-            <a:stCxn id="14" idx="1"/>
-            <a:endCxn id="27" idx="3"/>
-          </p:cNvCxnSpPr>
-          <p:nvPr/>
-        </p:nvCxnSpPr>
-        <p:spPr>
-          <a:xfrm flipH="1">
-            <a:off x="7507162" y="3268295"/>
-            <a:ext cx="499526" cy="1304"/>
-          </a:xfrm>
-          <a:prstGeom prst="straightConnector1">
-            <a:avLst/>
-          </a:prstGeom>
-          <a:ln>
-            <a:tailEnd type="triangle"/>
-          </a:ln>
-        </p:spPr>
-        <p:style>
-          <a:lnRef idx="3">
-            <a:schemeClr val="dk1"/>
-          </a:lnRef>
-          <a:fillRef idx="0">
-            <a:schemeClr val="dk1"/>
-          </a:fillRef>
-          <a:effectRef idx="2">
-            <a:schemeClr val="dk1"/>
-          </a:effectRef>
-          <a:fontRef idx="minor">
-            <a:schemeClr val="tx1"/>
-          </a:fontRef>
-        </p:style>
-      </p:cxnSp>
-      <p:cxnSp>
-        <p:nvCxnSpPr>
-          <p:cNvPr id="117" name="Straight Arrow Connector 116">
-            <a:extLst>
-              <a:ext uri="{FF2B5EF4-FFF2-40B4-BE49-F238E27FC236}">
-                <a16:creationId xmlns:a16="http://schemas.microsoft.com/office/drawing/2014/main" id="{6299C5AB-9FDF-8FCC-ABC3-2FAE62A4B5F3}"/>
-              </a:ext>
-            </a:extLst>
-          </p:cNvPr>
-          <p:cNvCxnSpPr>
-            <a:cxnSpLocks/>
-            <a:stCxn id="19" idx="1"/>
-            <a:endCxn id="27" idx="3"/>
-          </p:cNvCxnSpPr>
-          <p:nvPr/>
-        </p:nvCxnSpPr>
-        <p:spPr>
-          <a:xfrm flipH="1" flipV="1">
-            <a:off x="7507162" y="3269599"/>
-            <a:ext cx="499526" cy="626856"/>
-          </a:xfrm>
-          <a:prstGeom prst="straightConnector1">
-            <a:avLst/>
-          </a:prstGeom>
-          <a:ln>
-            <a:tailEnd type="triangle"/>
-          </a:ln>
-        </p:spPr>
-        <p:style>
-          <a:lnRef idx="3">
-            <a:schemeClr val="dk1"/>
-          </a:lnRef>
-          <a:fillRef idx="0">
-            <a:schemeClr val="dk1"/>
-          </a:fillRef>
-          <a:effectRef idx="2">
-            <a:schemeClr val="dk1"/>
-          </a:effectRef>
-          <a:fontRef idx="minor">
-            <a:schemeClr val="tx1"/>
-          </a:fontRef>
-        </p:style>
-      </p:cxnSp>
-      <p:cxnSp>
-        <p:nvCxnSpPr>
-          <p:cNvPr id="119" name="Straight Arrow Connector 118">
-            <a:extLst>
-              <a:ext uri="{FF2B5EF4-FFF2-40B4-BE49-F238E27FC236}">
-                <a16:creationId xmlns:a16="http://schemas.microsoft.com/office/drawing/2014/main" id="{1380BE15-3B4C-9C55-EE4D-BEEA163064D8}"/>
-              </a:ext>
-            </a:extLst>
-          </p:cNvPr>
-          <p:cNvCxnSpPr>
-            <a:cxnSpLocks/>
-            <a:stCxn id="31" idx="1"/>
-            <a:endCxn id="14" idx="3"/>
-          </p:cNvCxnSpPr>
-          <p:nvPr/>
-        </p:nvCxnSpPr>
-        <p:spPr>
-          <a:xfrm flipH="1" flipV="1">
-            <a:off x="9262770" y="3268295"/>
-            <a:ext cx="927499" cy="6395"/>
-          </a:xfrm>
-          <a:prstGeom prst="straightConnector1">
-            <a:avLst/>
-          </a:prstGeom>
-          <a:ln>
-            <a:headEnd type="triangle" w="med" len="med"/>
-            <a:tailEnd type="triangle" w="med" len="med"/>
-          </a:ln>
-        </p:spPr>
-        <p:style>
-          <a:lnRef idx="3">
-            <a:schemeClr val="dk1"/>
-          </a:lnRef>
-          <a:fillRef idx="0">
-            <a:schemeClr val="dk1"/>
-          </a:fillRef>
-          <a:effectRef idx="2">
-            <a:schemeClr val="dk1"/>
-          </a:effectRef>
-          <a:fontRef idx="minor">
-            <a:schemeClr val="tx1"/>
-          </a:fontRef>
-        </p:style>
-      </p:cxnSp>
-      <p:cxnSp>
-        <p:nvCxnSpPr>
-          <p:cNvPr id="121" name="Straight Arrow Connector 120">
-            <a:extLst>
-              <a:ext uri="{FF2B5EF4-FFF2-40B4-BE49-F238E27FC236}">
-                <a16:creationId xmlns:a16="http://schemas.microsoft.com/office/drawing/2014/main" id="{8D176073-0446-1DCB-2992-EB946347C39B}"/>
-              </a:ext>
-            </a:extLst>
-          </p:cNvPr>
-          <p:cNvCxnSpPr>
-            <a:cxnSpLocks/>
-            <a:stCxn id="97" idx="1"/>
-            <a:endCxn id="19" idx="3"/>
-          </p:cNvCxnSpPr>
-          <p:nvPr/>
-        </p:nvCxnSpPr>
-        <p:spPr>
-          <a:xfrm flipH="1">
-            <a:off x="9262770" y="3896455"/>
-            <a:ext cx="920873" cy="0"/>
-          </a:xfrm>
-          <a:prstGeom prst="straightConnector1">
-            <a:avLst/>
-          </a:prstGeom>
-          <a:ln>
-            <a:headEnd type="triangle" w="med" len="med"/>
-            <a:tailEnd type="triangle" w="med" len="med"/>
-          </a:ln>
-        </p:spPr>
-        <p:style>
-          <a:lnRef idx="3">
-            <a:schemeClr val="dk1"/>
-          </a:lnRef>
-          <a:fillRef idx="0">
-            <a:schemeClr val="dk1"/>
-          </a:fillRef>
-          <a:effectRef idx="2">
-            <a:schemeClr val="dk1"/>
-          </a:effectRef>
-          <a:fontRef idx="minor">
-            <a:schemeClr val="tx1"/>
-          </a:fontRef>
-        </p:style>
-      </p:cxnSp>
-      <p:cxnSp>
-        <p:nvCxnSpPr>
-          <p:cNvPr id="123" name="Straight Arrow Connector 122">
-            <a:extLst>
-              <a:ext uri="{FF2B5EF4-FFF2-40B4-BE49-F238E27FC236}">
-                <a16:creationId xmlns:a16="http://schemas.microsoft.com/office/drawing/2014/main" id="{9FC70683-D3B4-3B33-3E88-D81EF7A5F2D6}"/>
-              </a:ext>
-            </a:extLst>
-          </p:cNvPr>
-          <p:cNvCxnSpPr>
-            <a:cxnSpLocks/>
-            <a:stCxn id="23" idx="1"/>
-            <a:endCxn id="21" idx="3"/>
-          </p:cNvCxnSpPr>
-          <p:nvPr/>
-        </p:nvCxnSpPr>
-        <p:spPr>
-          <a:xfrm flipH="1">
-            <a:off x="7507162" y="4562943"/>
-            <a:ext cx="499526" cy="323217"/>
-          </a:xfrm>
-          <a:prstGeom prst="straightConnector1">
-            <a:avLst/>
-          </a:prstGeom>
-          <a:ln>
-            <a:tailEnd type="triangle"/>
-          </a:ln>
-        </p:spPr>
-        <p:style>
-          <a:lnRef idx="3">
-            <a:schemeClr val="dk1"/>
-          </a:lnRef>
-          <a:fillRef idx="0">
-            <a:schemeClr val="dk1"/>
-          </a:fillRef>
-          <a:effectRef idx="2">
-            <a:schemeClr val="dk1"/>
-          </a:effectRef>
-          <a:fontRef idx="minor">
-            <a:schemeClr val="tx1"/>
-          </a:fontRef>
-        </p:style>
-      </p:cxnSp>
-      <p:cxnSp>
-        <p:nvCxnSpPr>
-          <p:cNvPr id="125" name="Straight Arrow Connector 124">
-            <a:extLst>
-              <a:ext uri="{FF2B5EF4-FFF2-40B4-BE49-F238E27FC236}">
-                <a16:creationId xmlns:a16="http://schemas.microsoft.com/office/drawing/2014/main" id="{3A4E9FCA-E731-A5AA-6F69-F81E5A3473DF}"/>
-              </a:ext>
-            </a:extLst>
-          </p:cNvPr>
-          <p:cNvCxnSpPr>
-            <a:cxnSpLocks/>
-            <a:stCxn id="26" idx="1"/>
-            <a:endCxn id="21" idx="3"/>
-          </p:cNvCxnSpPr>
-          <p:nvPr/>
-        </p:nvCxnSpPr>
-        <p:spPr>
-          <a:xfrm flipH="1" flipV="1">
-            <a:off x="7507162" y="4886160"/>
-            <a:ext cx="499526" cy="312173"/>
-          </a:xfrm>
-          <a:prstGeom prst="straightConnector1">
-            <a:avLst/>
-          </a:prstGeom>
-          <a:ln>
-            <a:tailEnd type="triangle"/>
-          </a:ln>
-        </p:spPr>
-        <p:style>
-          <a:lnRef idx="3">
-            <a:schemeClr val="dk1"/>
-          </a:lnRef>
-          <a:fillRef idx="0">
-            <a:schemeClr val="dk1"/>
-          </a:fillRef>
-          <a:effectRef idx="2">
-            <a:schemeClr val="dk1"/>
-          </a:effectRef>
-          <a:fontRef idx="minor">
-            <a:schemeClr val="tx1"/>
-          </a:fontRef>
-        </p:style>
-      </p:cxnSp>
-      <p:cxnSp>
-        <p:nvCxnSpPr>
-          <p:cNvPr id="129" name="Straight Arrow Connector 128">
-            <a:extLst>
-              <a:ext uri="{FF2B5EF4-FFF2-40B4-BE49-F238E27FC236}">
-                <a16:creationId xmlns:a16="http://schemas.microsoft.com/office/drawing/2014/main" id="{CC59A5F5-5766-4534-4A2D-BD00F6073D7B}"/>
-              </a:ext>
-            </a:extLst>
-          </p:cNvPr>
-          <p:cNvCxnSpPr>
-            <a:cxnSpLocks/>
-            <a:stCxn id="98" idx="1"/>
-            <a:endCxn id="23" idx="3"/>
-          </p:cNvCxnSpPr>
-          <p:nvPr/>
-        </p:nvCxnSpPr>
-        <p:spPr>
-          <a:xfrm flipH="1">
-            <a:off x="9262770" y="4553845"/>
-            <a:ext cx="920873" cy="9098"/>
-          </a:xfrm>
-          <a:prstGeom prst="straightConnector1">
-            <a:avLst/>
-          </a:prstGeom>
-          <a:ln>
-            <a:headEnd type="triangle" w="med" len="med"/>
-            <a:tailEnd type="triangle" w="med" len="med"/>
-          </a:ln>
-        </p:spPr>
-        <p:style>
-          <a:lnRef idx="3">
-            <a:schemeClr val="dk1"/>
-          </a:lnRef>
-          <a:fillRef idx="0">
-            <a:schemeClr val="dk1"/>
-          </a:fillRef>
-          <a:effectRef idx="2">
-            <a:schemeClr val="dk1"/>
-          </a:effectRef>
-          <a:fontRef idx="minor">
-            <a:schemeClr val="tx1"/>
-          </a:fontRef>
-        </p:style>
-      </p:cxnSp>
-      <p:cxnSp>
-        <p:nvCxnSpPr>
-          <p:cNvPr id="131" name="Straight Arrow Connector 130">
-            <a:extLst>
-              <a:ext uri="{FF2B5EF4-FFF2-40B4-BE49-F238E27FC236}">
-                <a16:creationId xmlns:a16="http://schemas.microsoft.com/office/drawing/2014/main" id="{2CE73484-A248-2F7F-9FD9-88D85E278714}"/>
-              </a:ext>
-            </a:extLst>
-          </p:cNvPr>
-          <p:cNvCxnSpPr>
-            <a:cxnSpLocks/>
-            <a:stCxn id="99" idx="1"/>
-            <a:endCxn id="26" idx="3"/>
-          </p:cNvCxnSpPr>
-          <p:nvPr/>
-        </p:nvCxnSpPr>
-        <p:spPr>
-          <a:xfrm flipH="1">
-            <a:off x="9262770" y="5194187"/>
-            <a:ext cx="920873" cy="4146"/>
-          </a:xfrm>
-          <a:prstGeom prst="straightConnector1">
-            <a:avLst/>
-          </a:prstGeom>
-          <a:ln>
-            <a:headEnd type="triangle" w="med" len="med"/>
-            <a:tailEnd type="triangle" w="med" len="med"/>
-          </a:ln>
-        </p:spPr>
-        <p:style>
-          <a:lnRef idx="3">
-            <a:schemeClr val="dk1"/>
-          </a:lnRef>
-          <a:fillRef idx="0">
-            <a:schemeClr val="dk1"/>
-          </a:fillRef>
-          <a:effectRef idx="2">
-            <a:schemeClr val="dk1"/>
-          </a:effectRef>
-          <a:fontRef idx="minor">
-            <a:schemeClr val="tx1"/>
-          </a:fontRef>
-        </p:style>
-      </p:cxnSp>
-      <p:sp>
-        <p:nvSpPr>
-          <p:cNvPr id="171" name="Rectangle: Rounded Corners 170">
-            <a:extLst>
-              <a:ext uri="{FF2B5EF4-FFF2-40B4-BE49-F238E27FC236}">
-                <a16:creationId xmlns:a16="http://schemas.microsoft.com/office/drawing/2014/main" id="{1AF6DC80-E98E-36E5-5C60-DB03679A7A45}"/>
-              </a:ext>
-            </a:extLst>
-          </p:cNvPr>
-          <p:cNvSpPr/>
-          <p:nvPr/>
-        </p:nvSpPr>
-        <p:spPr>
-          <a:xfrm>
-            <a:off x="9928396" y="1067694"/>
-            <a:ext cx="1792850" cy="582346"/>
-          </a:xfrm>
-          <a:prstGeom prst="roundRect">
-            <a:avLst/>
-          </a:prstGeom>
-        </p:spPr>
-        <p:style>
-          <a:lnRef idx="0">
-            <a:schemeClr val="accent1"/>
-          </a:lnRef>
-          <a:fillRef idx="3">
-            <a:schemeClr val="accent1"/>
-          </a:fillRef>
-          <a:effectRef idx="3">
-            <a:schemeClr val="accent1"/>
-          </a:effectRef>
-          <a:fontRef idx="minor">
-            <a:schemeClr val="lt1"/>
-          </a:fontRef>
-        </p:style>
-        <p:txBody>
-          <a:bodyPr rtlCol="0" anchor="ctr"/>
-          <a:lstStyle/>
-          <a:p>
-            <a:pPr algn="ctr"/>
-            <a:r>
-              <a:rPr lang="en-US" dirty="0"/>
-              <a:t>Editor’s Runtime Memory</a:t>
-            </a:r>
-          </a:p>
-        </p:txBody>
-      </p:sp>
-      <p:sp>
-        <p:nvSpPr>
-          <p:cNvPr id="172" name="Rectangle: Rounded Corners 171">
-            <a:extLst>
-              <a:ext uri="{FF2B5EF4-FFF2-40B4-BE49-F238E27FC236}">
-                <a16:creationId xmlns:a16="http://schemas.microsoft.com/office/drawing/2014/main" id="{57880FDC-CA66-2E4D-29AB-999765BABA22}"/>
-              </a:ext>
-            </a:extLst>
-          </p:cNvPr>
-          <p:cNvSpPr/>
-          <p:nvPr/>
-        </p:nvSpPr>
-        <p:spPr>
-          <a:xfrm>
-            <a:off x="6829236" y="1065525"/>
-            <a:ext cx="1792850" cy="582346"/>
-          </a:xfrm>
-          <a:prstGeom prst="roundRect">
-            <a:avLst/>
-          </a:prstGeom>
-        </p:spPr>
-        <p:style>
-          <a:lnRef idx="0">
-            <a:schemeClr val="accent3"/>
-          </a:lnRef>
-          <a:fillRef idx="3">
-            <a:schemeClr val="accent3"/>
-          </a:fillRef>
-          <a:effectRef idx="3">
-            <a:schemeClr val="accent3"/>
-          </a:effectRef>
-          <a:fontRef idx="minor">
-            <a:schemeClr val="lt1"/>
-          </a:fontRef>
-        </p:style>
-        <p:txBody>
-          <a:bodyPr rtlCol="0" anchor="ctr"/>
-          <a:lstStyle/>
-          <a:p>
-            <a:pPr algn="ctr"/>
-            <a:r>
-              <a:rPr lang="en-US" sz="2400" dirty="0"/>
-              <a:t>Disk</a:t>
-            </a:r>
-          </a:p>
-        </p:txBody>
-      </p:sp>
-      <p:sp>
-        <p:nvSpPr>
-          <p:cNvPr id="175" name="TextBox 174">
-            <a:extLst>
-              <a:ext uri="{FF2B5EF4-FFF2-40B4-BE49-F238E27FC236}">
-                <a16:creationId xmlns:a16="http://schemas.microsoft.com/office/drawing/2014/main" id="{3C9A4C0F-3003-F045-87B1-23FE381480E0}"/>
-              </a:ext>
-            </a:extLst>
-          </p:cNvPr>
-          <p:cNvSpPr txBox="1"/>
-          <p:nvPr/>
-        </p:nvSpPr>
-        <p:spPr>
-          <a:xfrm>
-            <a:off x="422248" y="1309886"/>
-            <a:ext cx="5271499" cy="3416320"/>
-          </a:xfrm>
-          <a:prstGeom prst="rect">
-            <a:avLst/>
-          </a:prstGeom>
-          <a:noFill/>
-        </p:spPr>
-        <p:txBody>
-          <a:bodyPr wrap="square" rtlCol="0">
-            <a:spAutoFit/>
-          </a:bodyPr>
-          <a:lstStyle/>
-          <a:p>
-            <a:r>
-              <a:rPr lang="en-US" sz="2000" dirty="0"/>
-              <a:t>Assets Import Model in Fools Engine:</a:t>
-            </a:r>
-          </a:p>
-          <a:p>
-            <a:r>
-              <a:rPr lang="en-US" sz="1600" dirty="0"/>
-              <a:t>Assets are not saved to disk after importing.</a:t>
-            </a:r>
-          </a:p>
-          <a:p>
-            <a:r>
-              <a:rPr lang="en-US" sz="1600" dirty="0"/>
-              <a:t>Loading and importing processes are unified in the editor.</a:t>
-            </a:r>
-          </a:p>
-          <a:p>
-            <a:r>
-              <a:rPr lang="en-US" sz="1600" dirty="0"/>
-              <a:t>Import settings for a given asset are saved in a dedicated file.</a:t>
-            </a:r>
-          </a:p>
-          <a:p>
-            <a:endParaRPr lang="en-US" sz="1600" dirty="0"/>
-          </a:p>
-          <a:p>
-            <a:r>
-              <a:rPr lang="en-US" sz="2000" dirty="0"/>
-              <a:t>Advantages:</a:t>
-            </a:r>
-          </a:p>
-          <a:p>
-            <a:r>
-              <a:rPr lang="en-US" sz="1600" dirty="0"/>
-              <a:t>Setting import options is necessary only once (unless a change in the Asset Source File creates a need for adjustment).</a:t>
-            </a:r>
-          </a:p>
-          <a:p>
-            <a:r>
-              <a:rPr lang="en-US" sz="1600" dirty="0"/>
-              <a:t>Assets can be hot-loaded at the editor’s runtime or the runtime of a non-distribution game build without manual reimporting.</a:t>
-            </a:r>
-          </a:p>
-          <a:p>
-            <a:r>
-              <a:rPr lang="en-US" sz="1600" dirty="0"/>
-              <a:t>Asset data is stored on disk in one form without duplication.</a:t>
-            </a:r>
-          </a:p>
-        </p:txBody>
-      </p:sp>
-      <p:sp>
-        <p:nvSpPr>
-          <p:cNvPr id="27" name="Rectangle: Rounded Corners 26">
-            <a:extLst>
-              <a:ext uri="{FF2B5EF4-FFF2-40B4-BE49-F238E27FC236}">
-                <a16:creationId xmlns:a16="http://schemas.microsoft.com/office/drawing/2014/main" id="{0BD2276D-7E34-9900-16A1-C196491FDF01}"/>
-              </a:ext>
-            </a:extLst>
-          </p:cNvPr>
-          <p:cNvSpPr/>
-          <p:nvPr/>
-        </p:nvSpPr>
-        <p:spPr>
-          <a:xfrm>
-            <a:off x="6251080" y="3094127"/>
-            <a:ext cx="1256082" cy="350943"/>
-          </a:xfrm>
-          <a:prstGeom prst="roundRect">
-            <a:avLst/>
-          </a:prstGeom>
-        </p:spPr>
-        <p:style>
-          <a:lnRef idx="0">
-            <a:schemeClr val="accent4"/>
-          </a:lnRef>
-          <a:fillRef idx="3">
-            <a:schemeClr val="accent4"/>
-          </a:fillRef>
-          <a:effectRef idx="3">
-            <a:schemeClr val="accent4"/>
-          </a:effectRef>
-          <a:fontRef idx="minor">
-            <a:schemeClr val="lt1"/>
-          </a:fontRef>
-        </p:style>
-        <p:txBody>
-          <a:bodyPr rtlCol="0" anchor="ctr"/>
-          <a:lstStyle/>
-          <a:p>
-            <a:pPr algn="ctr"/>
-            <a:r>
-              <a:rPr lang="en-US" sz="1400" dirty="0">
-                <a:solidFill>
-                  <a:schemeClr val="tx1"/>
-                </a:solidFill>
-              </a:rPr>
-              <a:t>Asset Source</a:t>
-            </a:r>
-          </a:p>
-        </p:txBody>
-      </p:sp>
-      <p:sp>
-        <p:nvSpPr>
-          <p:cNvPr id="124" name="Rectangle: Rounded Corners 123">
-            <a:extLst>
-              <a:ext uri="{FF2B5EF4-FFF2-40B4-BE49-F238E27FC236}">
-                <a16:creationId xmlns:a16="http://schemas.microsoft.com/office/drawing/2014/main" id="{43654C64-1342-F26E-435F-AE7AC7573C6B}"/>
-              </a:ext>
-            </a:extLst>
-          </p:cNvPr>
-          <p:cNvSpPr/>
-          <p:nvPr/>
-        </p:nvSpPr>
-        <p:spPr>
-          <a:xfrm>
-            <a:off x="8006688" y="2447718"/>
-            <a:ext cx="1256082" cy="350943"/>
-          </a:xfrm>
-          <a:prstGeom prst="roundRect">
-            <a:avLst/>
-          </a:prstGeom>
-        </p:spPr>
-        <p:style>
-          <a:lnRef idx="0">
-            <a:schemeClr val="accent4"/>
-          </a:lnRef>
-          <a:fillRef idx="3">
-            <a:schemeClr val="accent4"/>
-          </a:fillRef>
-          <a:effectRef idx="3">
-            <a:schemeClr val="accent4"/>
-          </a:effectRef>
-          <a:fontRef idx="minor">
-            <a:schemeClr val="lt1"/>
-          </a:fontRef>
-        </p:style>
-        <p:txBody>
-          <a:bodyPr rtlCol="0" anchor="ctr"/>
-          <a:lstStyle/>
-          <a:p>
-            <a:pPr algn="ctr"/>
-            <a:r>
-              <a:rPr lang="en-US" sz="1400" dirty="0">
-                <a:solidFill>
-                  <a:schemeClr val="tx1"/>
-                </a:solidFill>
-              </a:rPr>
-              <a:t>Asset Proxy</a:t>
-            </a:r>
-          </a:p>
-        </p:txBody>
-      </p:sp>
-      <p:cxnSp>
-        <p:nvCxnSpPr>
-          <p:cNvPr id="136" name="Straight Arrow Connector 135">
-            <a:extLst>
-              <a:ext uri="{FF2B5EF4-FFF2-40B4-BE49-F238E27FC236}">
-                <a16:creationId xmlns:a16="http://schemas.microsoft.com/office/drawing/2014/main" id="{02C27280-467A-0052-B003-BEFA7A558294}"/>
-              </a:ext>
-            </a:extLst>
-          </p:cNvPr>
-          <p:cNvCxnSpPr>
-            <a:cxnSpLocks/>
-            <a:stCxn id="124" idx="1"/>
-            <a:endCxn id="27" idx="3"/>
-          </p:cNvCxnSpPr>
-          <p:nvPr/>
-        </p:nvCxnSpPr>
-        <p:spPr>
-          <a:xfrm flipH="1">
-            <a:off x="7507162" y="2623190"/>
-            <a:ext cx="499526" cy="646409"/>
-          </a:xfrm>
-          <a:prstGeom prst="straightConnector1">
-            <a:avLst/>
-          </a:prstGeom>
-          <a:ln>
-            <a:tailEnd type="triangle"/>
-          </a:ln>
-        </p:spPr>
-        <p:style>
-          <a:lnRef idx="3">
-            <a:schemeClr val="dk1"/>
-          </a:lnRef>
-          <a:fillRef idx="0">
-            <a:schemeClr val="dk1"/>
-          </a:fillRef>
-          <a:effectRef idx="2">
-            <a:schemeClr val="dk1"/>
-          </a:effectRef>
-          <a:fontRef idx="minor">
-            <a:schemeClr val="tx1"/>
-          </a:fontRef>
-        </p:style>
-      </p:cxnSp>
-      <p:cxnSp>
-        <p:nvCxnSpPr>
-          <p:cNvPr id="139" name="Straight Arrow Connector 138">
-            <a:extLst>
-              <a:ext uri="{FF2B5EF4-FFF2-40B4-BE49-F238E27FC236}">
-                <a16:creationId xmlns:a16="http://schemas.microsoft.com/office/drawing/2014/main" id="{48CFB61E-DA5E-34BB-70B9-3661562798F5}"/>
-              </a:ext>
-            </a:extLst>
-          </p:cNvPr>
-          <p:cNvCxnSpPr>
-            <a:cxnSpLocks/>
-            <a:stCxn id="30" idx="1"/>
-            <a:endCxn id="124" idx="3"/>
-          </p:cNvCxnSpPr>
-          <p:nvPr/>
-        </p:nvCxnSpPr>
-        <p:spPr>
-          <a:xfrm flipH="1">
-            <a:off x="9262770" y="2623057"/>
-            <a:ext cx="952178" cy="133"/>
-          </a:xfrm>
-          <a:prstGeom prst="straightConnector1">
-            <a:avLst/>
-          </a:prstGeom>
-          <a:ln>
-            <a:headEnd type="triangle" w="med" len="med"/>
-            <a:tailEnd type="triangle" w="med" len="med"/>
-          </a:ln>
-        </p:spPr>
-        <p:style>
-          <a:lnRef idx="3">
-            <a:schemeClr val="dk1"/>
-          </a:lnRef>
-          <a:fillRef idx="0">
-            <a:schemeClr val="dk1"/>
-          </a:fillRef>
-          <a:effectRef idx="2">
-            <a:schemeClr val="dk1"/>
-          </a:effectRef>
-          <a:fontRef idx="minor">
-            <a:schemeClr val="tx1"/>
-          </a:fontRef>
-        </p:style>
-      </p:cxnSp>
-      <p:sp>
-        <p:nvSpPr>
-          <p:cNvPr id="2" name="Rectangle: Rounded Corners 1">
-            <a:extLst>
-              <a:ext uri="{FF2B5EF4-FFF2-40B4-BE49-F238E27FC236}">
-                <a16:creationId xmlns:a16="http://schemas.microsoft.com/office/drawing/2014/main" id="{DF8CDD2A-EE5F-1DDE-4394-7F17F0C44C65}"/>
-              </a:ext>
-            </a:extLst>
-          </p:cNvPr>
-          <p:cNvSpPr/>
-          <p:nvPr/>
-        </p:nvSpPr>
-        <p:spPr>
-          <a:xfrm>
-            <a:off x="6251080" y="5615221"/>
-            <a:ext cx="1256082" cy="350943"/>
-          </a:xfrm>
-          <a:prstGeom prst="roundRect">
-            <a:avLst/>
-          </a:prstGeom>
-        </p:spPr>
-        <p:style>
-          <a:lnRef idx="0">
-            <a:schemeClr val="accent4"/>
-          </a:lnRef>
-          <a:fillRef idx="3">
-            <a:schemeClr val="accent4"/>
-          </a:fillRef>
-          <a:effectRef idx="3">
-            <a:schemeClr val="accent4"/>
-          </a:effectRef>
-          <a:fontRef idx="minor">
-            <a:schemeClr val="lt1"/>
-          </a:fontRef>
-        </p:style>
-        <p:txBody>
-          <a:bodyPr rtlCol="0" anchor="ctr"/>
-          <a:lstStyle/>
-          <a:p>
-            <a:pPr algn="ctr"/>
-            <a:r>
-              <a:rPr lang="en-US" sz="1400" dirty="0">
-                <a:solidFill>
-                  <a:schemeClr val="tx1"/>
-                </a:solidFill>
-              </a:rPr>
-              <a:t>Asset Source</a:t>
-            </a:r>
-          </a:p>
-        </p:txBody>
-      </p:sp>
-      <p:sp>
-        <p:nvSpPr>
-          <p:cNvPr id="3" name="Rectangle: Rounded Corners 2">
-            <a:extLst>
-              <a:ext uri="{FF2B5EF4-FFF2-40B4-BE49-F238E27FC236}">
-                <a16:creationId xmlns:a16="http://schemas.microsoft.com/office/drawing/2014/main" id="{D43B4F9A-69EB-2662-2FD8-FEAE4087527A}"/>
-              </a:ext>
-            </a:extLst>
-          </p:cNvPr>
-          <p:cNvSpPr/>
-          <p:nvPr/>
-        </p:nvSpPr>
-        <p:spPr>
-          <a:xfrm>
-            <a:off x="8006688" y="5614834"/>
-            <a:ext cx="1256082" cy="350943"/>
-          </a:xfrm>
-          <a:prstGeom prst="roundRect">
-            <a:avLst/>
-          </a:prstGeom>
-        </p:spPr>
-        <p:style>
-          <a:lnRef idx="0">
-            <a:schemeClr val="accent4"/>
-          </a:lnRef>
-          <a:fillRef idx="3">
-            <a:schemeClr val="accent4"/>
-          </a:fillRef>
-          <a:effectRef idx="3">
-            <a:schemeClr val="accent4"/>
-          </a:effectRef>
-          <a:fontRef idx="minor">
-            <a:schemeClr val="lt1"/>
-          </a:fontRef>
-        </p:style>
-        <p:txBody>
-          <a:bodyPr rtlCol="0" anchor="ctr"/>
-          <a:lstStyle/>
-          <a:p>
-            <a:pPr algn="ctr"/>
-            <a:r>
-              <a:rPr lang="en-US" sz="1400" dirty="0">
-                <a:solidFill>
-                  <a:schemeClr val="tx1"/>
-                </a:solidFill>
-              </a:rPr>
-              <a:t>Asset Proxy</a:t>
-            </a:r>
-          </a:p>
-        </p:txBody>
-      </p:sp>
-      <p:sp>
-        <p:nvSpPr>
-          <p:cNvPr id="4" name="Rectangle: Rounded Corners 3">
-            <a:extLst>
-              <a:ext uri="{FF2B5EF4-FFF2-40B4-BE49-F238E27FC236}">
-                <a16:creationId xmlns:a16="http://schemas.microsoft.com/office/drawing/2014/main" id="{ECC9FF4F-0FAE-37CF-190E-96AE2673EEC1}"/>
-              </a:ext>
-            </a:extLst>
-          </p:cNvPr>
-          <p:cNvSpPr/>
-          <p:nvPr/>
-        </p:nvSpPr>
-        <p:spPr>
-          <a:xfrm>
-            <a:off x="10190269" y="5621989"/>
-            <a:ext cx="1256082" cy="342651"/>
-          </a:xfrm>
-          <a:prstGeom prst="roundRect">
-            <a:avLst/>
-          </a:prstGeom>
-          <a:ln/>
-        </p:spPr>
-        <p:style>
-          <a:lnRef idx="0">
-            <a:schemeClr val="accent4"/>
-          </a:lnRef>
-          <a:fillRef idx="3">
-            <a:schemeClr val="accent4"/>
-          </a:fillRef>
-          <a:effectRef idx="3">
-            <a:schemeClr val="accent4"/>
-          </a:effectRef>
-          <a:fontRef idx="minor">
-            <a:schemeClr val="lt1"/>
-          </a:fontRef>
-        </p:style>
-        <p:txBody>
-          <a:bodyPr rtlCol="0" anchor="ctr"/>
-          <a:lstStyle/>
-          <a:p>
-            <a:pPr algn="ctr"/>
-            <a:r>
-              <a:rPr lang="en-US" sz="1400" dirty="0">
-                <a:solidFill>
-                  <a:schemeClr val="tx1"/>
-                </a:solidFill>
-              </a:rPr>
-              <a:t>Asse</a:t>
-            </a:r>
-            <a:r>
-              <a:rPr lang="pl-PL" sz="1400" dirty="0">
-                <a:solidFill>
-                  <a:schemeClr val="tx1"/>
-                </a:solidFill>
-              </a:rPr>
-              <a:t>t</a:t>
-            </a:r>
-            <a:endParaRPr lang="en-US" sz="1400" dirty="0">
-              <a:solidFill>
-                <a:schemeClr val="tx1"/>
-              </a:solidFill>
-            </a:endParaRPr>
-          </a:p>
-        </p:txBody>
-      </p:sp>
-      <p:cxnSp>
-        <p:nvCxnSpPr>
-          <p:cNvPr id="5" name="Straight Arrow Connector 4">
-            <a:extLst>
-              <a:ext uri="{FF2B5EF4-FFF2-40B4-BE49-F238E27FC236}">
-                <a16:creationId xmlns:a16="http://schemas.microsoft.com/office/drawing/2014/main" id="{96C7BB1F-C62B-EAC8-9E4D-A79516EDBB8A}"/>
-              </a:ext>
-            </a:extLst>
-          </p:cNvPr>
-          <p:cNvCxnSpPr>
-            <a:cxnSpLocks/>
-            <a:stCxn id="3" idx="1"/>
-            <a:endCxn id="2" idx="3"/>
-          </p:cNvCxnSpPr>
-          <p:nvPr/>
-        </p:nvCxnSpPr>
-        <p:spPr>
-          <a:xfrm flipH="1">
-            <a:off x="7507162" y="5790306"/>
-            <a:ext cx="499526" cy="387"/>
-          </a:xfrm>
-          <a:prstGeom prst="straightConnector1">
-            <a:avLst/>
-          </a:prstGeom>
-          <a:ln>
-            <a:tailEnd type="triangle"/>
-          </a:ln>
-        </p:spPr>
-        <p:style>
-          <a:lnRef idx="3">
-            <a:schemeClr val="dk1"/>
-          </a:lnRef>
-          <a:fillRef idx="0">
-            <a:schemeClr val="dk1"/>
-          </a:fillRef>
-          <a:effectRef idx="2">
-            <a:schemeClr val="dk1"/>
-          </a:effectRef>
-          <a:fontRef idx="minor">
-            <a:schemeClr val="tx1"/>
-          </a:fontRef>
-        </p:style>
-      </p:cxnSp>
-      <p:cxnSp>
-        <p:nvCxnSpPr>
-          <p:cNvPr id="6" name="Straight Arrow Connector 5">
-            <a:extLst>
-              <a:ext uri="{FF2B5EF4-FFF2-40B4-BE49-F238E27FC236}">
-                <a16:creationId xmlns:a16="http://schemas.microsoft.com/office/drawing/2014/main" id="{1E1E309B-7312-0D9E-43E3-FABB0B9CD601}"/>
-              </a:ext>
-            </a:extLst>
-          </p:cNvPr>
-          <p:cNvCxnSpPr>
-            <a:cxnSpLocks/>
-            <a:stCxn id="4" idx="1"/>
-            <a:endCxn id="3" idx="3"/>
-          </p:cNvCxnSpPr>
-          <p:nvPr/>
-        </p:nvCxnSpPr>
-        <p:spPr>
-          <a:xfrm flipH="1" flipV="1">
-            <a:off x="9262770" y="5790306"/>
-            <a:ext cx="927499" cy="3009"/>
-          </a:xfrm>
-          <a:prstGeom prst="straightConnector1">
-            <a:avLst/>
-          </a:prstGeom>
-          <a:ln>
-            <a:headEnd type="triangle" w="med" len="med"/>
-            <a:tailEnd type="triangle" w="med" len="med"/>
-          </a:ln>
-        </p:spPr>
-        <p:style>
-          <a:lnRef idx="3">
-            <a:schemeClr val="dk1"/>
-          </a:lnRef>
-          <a:fillRef idx="0">
-            <a:schemeClr val="dk1"/>
-          </a:fillRef>
-          <a:effectRef idx="2">
-            <a:schemeClr val="dk1"/>
-          </a:effectRef>
-          <a:fontRef idx="minor">
-            <a:schemeClr val="tx1"/>
-          </a:fontRef>
-        </p:style>
-      </p:cxnSp>
-    </p:spTree>
-    <p:extLst>
-      <p:ext uri="{BB962C8B-B14F-4D97-AF65-F5344CB8AC3E}">
-        <p14:creationId xmlns:p14="http://schemas.microsoft.com/office/powerpoint/2010/main" val="3482331004"/>
-      </p:ext>
-    </p:extLst>
-  </p:cSld>
-  <p:clrMapOvr>
-    <a:masterClrMapping/>
-  </p:clrMapOvr>
-</p:sld>
-</file>
-
-<file path=ppt/slides/slide4.xml><?xml version="1.0" encoding="utf-8"?>
-<p:sld xmlns:a="http://schemas.openxmlformats.org/drawingml/2006/main" xmlns:r="http://schemas.openxmlformats.org/officeDocument/2006/relationships" xmlns:p="http://schemas.openxmlformats.org/presentationml/2006/main">
-  <p:cSld>
-    <p:spTree>
-      <p:nvGrpSpPr>
-        <p:cNvPr id="1" name=""/>
-        <p:cNvGrpSpPr/>
-        <p:nvPr/>
-      </p:nvGrpSpPr>
-      <p:grpSpPr>
-        <a:xfrm>
-          <a:off x="0" y="0"/>
-          <a:ext cx="0" cy="0"/>
-          <a:chOff x="0" y="0"/>
-          <a:chExt cx="0" cy="0"/>
-        </a:xfrm>
-      </p:grpSpPr>
-      <p:sp>
-        <p:nvSpPr>
-          <p:cNvPr id="14" name="Rectangle: Rounded Corners 13">
-            <a:extLst>
-              <a:ext uri="{FF2B5EF4-FFF2-40B4-BE49-F238E27FC236}">
-                <a16:creationId xmlns:a16="http://schemas.microsoft.com/office/drawing/2014/main" id="{2AB9F892-4AE6-8275-7017-38642685BC75}"/>
-              </a:ext>
-            </a:extLst>
-          </p:cNvPr>
-          <p:cNvSpPr/>
-          <p:nvPr/>
-        </p:nvSpPr>
-        <p:spPr>
-          <a:xfrm>
-            <a:off x="8630521" y="4411094"/>
-            <a:ext cx="2212920" cy="1891003"/>
-          </a:xfrm>
-          <a:prstGeom prst="roundRect">
-            <a:avLst>
-              <a:gd name="adj" fmla="val 12160"/>
-            </a:avLst>
-          </a:prstGeom>
-        </p:spPr>
-        <p:style>
-          <a:lnRef idx="1">
-            <a:schemeClr val="accent1"/>
-          </a:lnRef>
-          <a:fillRef idx="2">
-            <a:schemeClr val="accent1"/>
-          </a:fillRef>
-          <a:effectRef idx="1">
-            <a:schemeClr val="accent1"/>
-          </a:effectRef>
-          <a:fontRef idx="minor">
-            <a:schemeClr val="dk1"/>
-          </a:fontRef>
-        </p:style>
-        <p:txBody>
-          <a:bodyPr rtlCol="0" anchor="b"/>
-          <a:lstStyle/>
-          <a:p>
-            <a:pPr marL="69750"/>
-            <a:endParaRPr lang="en-US" sz="1400" dirty="0"/>
-          </a:p>
-        </p:txBody>
-      </p:sp>
-      <p:sp>
-        <p:nvSpPr>
-          <p:cNvPr id="49" name="Rectangle: Rounded Corners 48">
-            <a:extLst>
-              <a:ext uri="{FF2B5EF4-FFF2-40B4-BE49-F238E27FC236}">
-                <a16:creationId xmlns:a16="http://schemas.microsoft.com/office/drawing/2014/main" id="{3DA6CFE8-1891-5B54-1E0D-1A1BC025E081}"/>
-              </a:ext>
-            </a:extLst>
-          </p:cNvPr>
-          <p:cNvSpPr/>
-          <p:nvPr/>
-        </p:nvSpPr>
-        <p:spPr>
-          <a:xfrm>
-            <a:off x="1898501" y="3702372"/>
-            <a:ext cx="2712098" cy="672435"/>
-          </a:xfrm>
-          <a:prstGeom prst="roundRect">
-            <a:avLst>
-              <a:gd name="adj" fmla="val 12160"/>
-            </a:avLst>
-          </a:prstGeom>
-        </p:spPr>
-        <p:style>
-          <a:lnRef idx="1">
-            <a:schemeClr val="accent1"/>
-          </a:lnRef>
-          <a:fillRef idx="2">
-            <a:schemeClr val="accent1"/>
-          </a:fillRef>
-          <a:effectRef idx="1">
-            <a:schemeClr val="accent1"/>
-          </a:effectRef>
-          <a:fontRef idx="minor">
-            <a:schemeClr val="dk1"/>
-          </a:fontRef>
-        </p:style>
-        <p:txBody>
-          <a:bodyPr rtlCol="0" anchor="b"/>
-          <a:lstStyle/>
-          <a:p>
-            <a:pPr marL="285750" indent="-216000">
-              <a:buFont typeface="Arial" panose="020B0604020202020204" pitchFamily="34" charset="0"/>
-              <a:buChar char="•"/>
-            </a:pPr>
-            <a:r>
-              <a:rPr lang="en-US" sz="1400" dirty="0"/>
-              <a:t>Like </a:t>
-            </a:r>
-            <a:r>
-              <a:rPr lang="en-US" sz="1400" dirty="0" err="1"/>
-              <a:t>weak_ptr</a:t>
-            </a:r>
-            <a:endParaRPr lang="pl-PL" sz="1400" dirty="0"/>
-          </a:p>
-          <a:p>
-            <a:pPr marL="285750" indent="-216000">
-              <a:buFont typeface="Arial" panose="020B0604020202020204" pitchFamily="34" charset="0"/>
-              <a:buChar char="•"/>
-            </a:pPr>
-            <a:r>
-              <a:rPr lang="pl-PL" sz="1400" dirty="0"/>
-              <a:t>Just </a:t>
-            </a:r>
-            <a:r>
-              <a:rPr lang="pl-PL" sz="1400" dirty="0" err="1"/>
-              <a:t>AssetID</a:t>
-            </a:r>
-            <a:endParaRPr lang="en-US" sz="1400" dirty="0"/>
-          </a:p>
-        </p:txBody>
-      </p:sp>
-      <p:sp>
-        <p:nvSpPr>
-          <p:cNvPr id="4" name="Rectangle: Rounded Corners 3">
-            <a:extLst>
-              <a:ext uri="{FF2B5EF4-FFF2-40B4-BE49-F238E27FC236}">
-                <a16:creationId xmlns:a16="http://schemas.microsoft.com/office/drawing/2014/main" id="{9B34552E-9BD7-0A0C-084C-D59CBFB6B90F}"/>
-              </a:ext>
-            </a:extLst>
-          </p:cNvPr>
-          <p:cNvSpPr/>
-          <p:nvPr/>
-        </p:nvSpPr>
-        <p:spPr>
-          <a:xfrm>
-            <a:off x="4517811" y="301347"/>
-            <a:ext cx="2712098" cy="582346"/>
-          </a:xfrm>
-          <a:prstGeom prst="roundRect">
-            <a:avLst/>
-          </a:prstGeom>
-        </p:spPr>
-        <p:style>
-          <a:lnRef idx="0">
-            <a:schemeClr val="accent1"/>
-          </a:lnRef>
-          <a:fillRef idx="3">
-            <a:schemeClr val="accent1"/>
-          </a:fillRef>
-          <a:effectRef idx="3">
-            <a:schemeClr val="accent1"/>
-          </a:effectRef>
-          <a:fontRef idx="minor">
-            <a:schemeClr val="lt1"/>
-          </a:fontRef>
-        </p:style>
-        <p:txBody>
-          <a:bodyPr rtlCol="0" anchor="ctr"/>
-          <a:lstStyle/>
-          <a:p>
-            <a:pPr algn="ctr"/>
-            <a:r>
-              <a:rPr lang="en-US" dirty="0"/>
-              <a:t>Runtime’s Management</a:t>
-            </a:r>
-          </a:p>
-        </p:txBody>
-      </p:sp>
-      <p:sp>
-        <p:nvSpPr>
-          <p:cNvPr id="11" name="Rectangle: Rounded Corners 10">
-            <a:extLst>
-              <a:ext uri="{FF2B5EF4-FFF2-40B4-BE49-F238E27FC236}">
-                <a16:creationId xmlns:a16="http://schemas.microsoft.com/office/drawing/2014/main" id="{4D27B462-0403-79E1-FD21-40C1F106D7CA}"/>
-              </a:ext>
-            </a:extLst>
-          </p:cNvPr>
-          <p:cNvSpPr/>
-          <p:nvPr/>
-        </p:nvSpPr>
-        <p:spPr>
-          <a:xfrm>
-            <a:off x="7800884" y="952257"/>
+            <a:off x="7947164" y="529233"/>
             <a:ext cx="3813106" cy="2950584"/>
           </a:xfrm>
           <a:prstGeom prst="roundRect">
@@ -5808,10 +3998,10 @@
       </p:sp>
       <p:sp>
         <p:nvSpPr>
-          <p:cNvPr id="16" name="Rectangle: Rounded Corners 15">
-            <a:extLst>
-              <a:ext uri="{FF2B5EF4-FFF2-40B4-BE49-F238E27FC236}">
-                <a16:creationId xmlns:a16="http://schemas.microsoft.com/office/drawing/2014/main" id="{E95E1443-876E-5358-E360-96AECB58DB48}"/>
+          <p:cNvPr id="4" name="Rectangle: Rounded Corners 3">
+            <a:extLst>
+              <a:ext uri="{FF2B5EF4-FFF2-40B4-BE49-F238E27FC236}">
+                <a16:creationId xmlns:a16="http://schemas.microsoft.com/office/drawing/2014/main" id="{3384F6B3-7709-56C2-6D06-D57565B7EDE1}"/>
               </a:ext>
             </a:extLst>
           </p:cNvPr>
@@ -5820,7 +4010,61 @@
         </p:nvSpPr>
         <p:spPr>
           <a:xfrm>
-            <a:off x="8917442" y="789824"/>
+            <a:off x="2603249" y="385855"/>
+            <a:ext cx="2712098" cy="582346"/>
+          </a:xfrm>
+          <a:prstGeom prst="roundRect">
+            <a:avLst/>
+          </a:prstGeom>
+        </p:spPr>
+        <p:style>
+          <a:lnRef idx="0">
+            <a:schemeClr val="accent1"/>
+          </a:lnRef>
+          <a:fillRef idx="3">
+            <a:schemeClr val="accent1"/>
+          </a:fillRef>
+          <a:effectRef idx="3">
+            <a:schemeClr val="accent1"/>
+          </a:effectRef>
+          <a:fontRef idx="minor">
+            <a:schemeClr val="lt1"/>
+          </a:fontRef>
+        </p:style>
+        <p:txBody>
+          <a:bodyPr rtlCol="0" anchor="ctr"/>
+          <a:lstStyle/>
+          <a:p>
+            <a:pPr algn="ctr"/>
+            <a:r>
+              <a:rPr lang="en-US" dirty="0"/>
+              <a:t>Runtime Management</a:t>
+            </a:r>
+          </a:p>
+          <a:p>
+            <a:pPr algn="ctr"/>
+            <a:r>
+              <a:rPr lang="en-US" sz="1200" dirty="0"/>
+              <a:t>Editor and Game</a:t>
+            </a:r>
+          </a:p>
+        </p:txBody>
+      </p:sp>
+      <p:sp>
+        <p:nvSpPr>
+          <p:cNvPr id="16" name="Rectangle: Rounded Corners 15">
+            <a:extLst>
+              <a:ext uri="{FF2B5EF4-FFF2-40B4-BE49-F238E27FC236}">
+                <a16:creationId xmlns:a16="http://schemas.microsoft.com/office/drawing/2014/main" id="{82C93808-12D2-3D5F-4FBB-E1DE07155D29}"/>
+              </a:ext>
+            </a:extLst>
+          </p:cNvPr>
+          <p:cNvSpPr/>
+          <p:nvPr/>
+        </p:nvSpPr>
+        <p:spPr>
+          <a:xfrm>
+            <a:off x="9063722" y="366800"/>
             <a:ext cx="1698172" cy="291173"/>
           </a:xfrm>
           <a:prstGeom prst="roundRect">
@@ -5856,10 +4100,10 @@
       </p:sp>
       <p:sp>
         <p:nvSpPr>
-          <p:cNvPr id="20" name="Rectangle: Rounded Corners 19">
-            <a:extLst>
-              <a:ext uri="{FF2B5EF4-FFF2-40B4-BE49-F238E27FC236}">
-                <a16:creationId xmlns:a16="http://schemas.microsoft.com/office/drawing/2014/main" id="{9A7AA30D-BFD4-79CE-25C5-CBEA8C68FD00}"/>
+          <p:cNvPr id="19" name="Rectangle: Rounded Corners 18">
+            <a:extLst>
+              <a:ext uri="{FF2B5EF4-FFF2-40B4-BE49-F238E27FC236}">
+                <a16:creationId xmlns:a16="http://schemas.microsoft.com/office/drawing/2014/main" id="{E17A3AEF-BF67-EBEA-4830-45261C24924E}"/>
               </a:ext>
             </a:extLst>
           </p:cNvPr>
@@ -5868,846 +4112,7 @@
         </p:nvSpPr>
         <p:spPr>
           <a:xfrm>
-            <a:off x="8887896" y="4694266"/>
-            <a:ext cx="1698172" cy="291173"/>
-          </a:xfrm>
-          <a:prstGeom prst="roundRect">
-            <a:avLst/>
-          </a:prstGeom>
-        </p:spPr>
-        <p:style>
-          <a:lnRef idx="0">
-            <a:schemeClr val="accent1"/>
-          </a:lnRef>
-          <a:fillRef idx="3">
-            <a:schemeClr val="accent1"/>
-          </a:fillRef>
-          <a:effectRef idx="3">
-            <a:schemeClr val="accent1"/>
-          </a:effectRef>
-          <a:fontRef idx="minor">
-            <a:schemeClr val="lt1"/>
-          </a:fontRef>
-        </p:style>
-        <p:txBody>
-          <a:bodyPr rtlCol="0" anchor="ctr"/>
-          <a:lstStyle/>
-          <a:p>
-            <a:r>
-              <a:rPr lang="pl-PL" dirty="0" err="1"/>
-              <a:t>TextureLoader</a:t>
-            </a:r>
-            <a:endParaRPr lang="en-US" dirty="0"/>
-          </a:p>
-        </p:txBody>
-      </p:sp>
-      <p:sp>
-        <p:nvSpPr>
-          <p:cNvPr id="21" name="Rectangle: Rounded Corners 20">
-            <a:extLst>
-              <a:ext uri="{FF2B5EF4-FFF2-40B4-BE49-F238E27FC236}">
-                <a16:creationId xmlns:a16="http://schemas.microsoft.com/office/drawing/2014/main" id="{91C8088E-D709-D392-3900-8A97632FCCE3}"/>
-              </a:ext>
-            </a:extLst>
-          </p:cNvPr>
-          <p:cNvSpPr/>
-          <p:nvPr/>
-        </p:nvSpPr>
-        <p:spPr>
-          <a:xfrm>
-            <a:off x="8887896" y="5079062"/>
-            <a:ext cx="1698172" cy="291173"/>
-          </a:xfrm>
-          <a:prstGeom prst="roundRect">
-            <a:avLst/>
-          </a:prstGeom>
-        </p:spPr>
-        <p:style>
-          <a:lnRef idx="0">
-            <a:schemeClr val="accent1"/>
-          </a:lnRef>
-          <a:fillRef idx="3">
-            <a:schemeClr val="accent1"/>
-          </a:fillRef>
-          <a:effectRef idx="3">
-            <a:schemeClr val="accent1"/>
-          </a:effectRef>
-          <a:fontRef idx="minor">
-            <a:schemeClr val="lt1"/>
-          </a:fontRef>
-        </p:style>
-        <p:txBody>
-          <a:bodyPr rtlCol="0" anchor="ctr"/>
-          <a:lstStyle/>
-          <a:p>
-            <a:r>
-              <a:rPr lang="pl-PL" dirty="0" err="1"/>
-              <a:t>Shader</a:t>
-            </a:r>
-            <a:r>
-              <a:rPr lang="en-US" dirty="0"/>
-              <a:t>Loader</a:t>
-            </a:r>
-          </a:p>
-        </p:txBody>
-      </p:sp>
-      <p:sp>
-        <p:nvSpPr>
-          <p:cNvPr id="22" name="Rectangle: Rounded Corners 21">
-            <a:extLst>
-              <a:ext uri="{FF2B5EF4-FFF2-40B4-BE49-F238E27FC236}">
-                <a16:creationId xmlns:a16="http://schemas.microsoft.com/office/drawing/2014/main" id="{E1B96F15-E655-ACC0-8971-BDE84D0E67B4}"/>
-              </a:ext>
-            </a:extLst>
-          </p:cNvPr>
-          <p:cNvSpPr/>
-          <p:nvPr/>
-        </p:nvSpPr>
-        <p:spPr>
-          <a:xfrm>
-            <a:off x="8887896" y="5463858"/>
-            <a:ext cx="1698172" cy="291173"/>
-          </a:xfrm>
-          <a:prstGeom prst="roundRect">
-            <a:avLst/>
-          </a:prstGeom>
-        </p:spPr>
-        <p:style>
-          <a:lnRef idx="0">
-            <a:schemeClr val="accent1"/>
-          </a:lnRef>
-          <a:fillRef idx="3">
-            <a:schemeClr val="accent1"/>
-          </a:fillRef>
-          <a:effectRef idx="3">
-            <a:schemeClr val="accent1"/>
-          </a:effectRef>
-          <a:fontRef idx="minor">
-            <a:schemeClr val="lt1"/>
-          </a:fontRef>
-        </p:style>
-        <p:txBody>
-          <a:bodyPr rtlCol="0" anchor="ctr"/>
-          <a:lstStyle/>
-          <a:p>
-            <a:r>
-              <a:rPr lang="pl-PL" dirty="0" err="1"/>
-              <a:t>Material</a:t>
-            </a:r>
-            <a:r>
-              <a:rPr lang="en-US" dirty="0"/>
-              <a:t>Loader</a:t>
-            </a:r>
-          </a:p>
-        </p:txBody>
-      </p:sp>
-      <p:sp>
-        <p:nvSpPr>
-          <p:cNvPr id="23" name="Rectangle: Rounded Corners 22">
-            <a:extLst>
-              <a:ext uri="{FF2B5EF4-FFF2-40B4-BE49-F238E27FC236}">
-                <a16:creationId xmlns:a16="http://schemas.microsoft.com/office/drawing/2014/main" id="{5DFE7CE4-B094-F994-4B5C-D0B4AA11D0DC}"/>
-              </a:ext>
-            </a:extLst>
-          </p:cNvPr>
-          <p:cNvSpPr/>
-          <p:nvPr/>
-        </p:nvSpPr>
-        <p:spPr>
-          <a:xfrm>
-            <a:off x="8887896" y="5848654"/>
-            <a:ext cx="1698172" cy="291173"/>
-          </a:xfrm>
-          <a:prstGeom prst="roundRect">
-            <a:avLst/>
-          </a:prstGeom>
-        </p:spPr>
-        <p:style>
-          <a:lnRef idx="0">
-            <a:schemeClr val="accent1"/>
-          </a:lnRef>
-          <a:fillRef idx="3">
-            <a:schemeClr val="accent1"/>
-          </a:fillRef>
-          <a:effectRef idx="3">
-            <a:schemeClr val="accent1"/>
-          </a:effectRef>
-          <a:fontRef idx="minor">
-            <a:schemeClr val="lt1"/>
-          </a:fontRef>
-        </p:style>
-        <p:txBody>
-          <a:bodyPr rtlCol="0" anchor="ctr"/>
-          <a:lstStyle/>
-          <a:p>
-            <a:r>
-              <a:rPr lang="pl-PL" dirty="0"/>
-              <a:t>Audio</a:t>
-            </a:r>
-            <a:r>
-              <a:rPr lang="en-US" dirty="0"/>
-              <a:t>Loader</a:t>
-            </a:r>
-          </a:p>
-        </p:txBody>
-      </p:sp>
-      <p:sp>
-        <p:nvSpPr>
-          <p:cNvPr id="24" name="Rectangle: Rounded Corners 23">
-            <a:extLst>
-              <a:ext uri="{FF2B5EF4-FFF2-40B4-BE49-F238E27FC236}">
-                <a16:creationId xmlns:a16="http://schemas.microsoft.com/office/drawing/2014/main" id="{3EF42813-46D0-10FD-67DE-D6BACF08FB44}"/>
-              </a:ext>
-            </a:extLst>
-          </p:cNvPr>
-          <p:cNvSpPr/>
-          <p:nvPr/>
-        </p:nvSpPr>
-        <p:spPr>
-          <a:xfrm>
-            <a:off x="1468017" y="964033"/>
-            <a:ext cx="2396644" cy="363190"/>
-          </a:xfrm>
-          <a:prstGeom prst="roundRect">
-            <a:avLst>
-              <a:gd name="adj" fmla="val 12160"/>
-            </a:avLst>
-          </a:prstGeom>
-        </p:spPr>
-        <p:style>
-          <a:lnRef idx="1">
-            <a:schemeClr val="accent1"/>
-          </a:lnRef>
-          <a:fillRef idx="2">
-            <a:schemeClr val="accent1"/>
-          </a:fillRef>
-          <a:effectRef idx="1">
-            <a:schemeClr val="accent1"/>
-          </a:effectRef>
-          <a:fontRef idx="minor">
-            <a:schemeClr val="dk1"/>
-          </a:fontRef>
-        </p:style>
-        <p:txBody>
-          <a:bodyPr rtlCol="0" anchor="b"/>
-          <a:lstStyle/>
-          <a:p>
-            <a:pPr marL="285750" indent="-216000">
-              <a:buFont typeface="Arial" panose="020B0604020202020204" pitchFamily="34" charset="0"/>
-              <a:buChar char="•"/>
-            </a:pPr>
-            <a:r>
-              <a:rPr lang="en-US" sz="1400" dirty="0"/>
-              <a:t>Generic interface to ECS</a:t>
-            </a:r>
-          </a:p>
-        </p:txBody>
-      </p:sp>
-      <p:sp>
-        <p:nvSpPr>
-          <p:cNvPr id="25" name="Rectangle: Rounded Corners 24">
-            <a:extLst>
-              <a:ext uri="{FF2B5EF4-FFF2-40B4-BE49-F238E27FC236}">
-                <a16:creationId xmlns:a16="http://schemas.microsoft.com/office/drawing/2014/main" id="{F2C9A6F4-DA46-462F-FA1E-C718EDD33103}"/>
-              </a:ext>
-            </a:extLst>
-          </p:cNvPr>
-          <p:cNvSpPr/>
-          <p:nvPr/>
-        </p:nvSpPr>
-        <p:spPr>
-          <a:xfrm>
-            <a:off x="2293116" y="732006"/>
-            <a:ext cx="746446" cy="291173"/>
-          </a:xfrm>
-          <a:prstGeom prst="roundRect">
-            <a:avLst/>
-          </a:prstGeom>
-        </p:spPr>
-        <p:style>
-          <a:lnRef idx="0">
-            <a:schemeClr val="accent1"/>
-          </a:lnRef>
-          <a:fillRef idx="3">
-            <a:schemeClr val="accent1"/>
-          </a:fillRef>
-          <a:effectRef idx="3">
-            <a:schemeClr val="accent1"/>
-          </a:effectRef>
-          <a:fontRef idx="minor">
-            <a:schemeClr val="lt1"/>
-          </a:fontRef>
-        </p:style>
-        <p:txBody>
-          <a:bodyPr rtlCol="0" anchor="ctr"/>
-          <a:lstStyle/>
-          <a:p>
-            <a:pPr algn="ctr"/>
-            <a:r>
-              <a:rPr lang="en-US" dirty="0"/>
-              <a:t>Asset</a:t>
-            </a:r>
-          </a:p>
-        </p:txBody>
-      </p:sp>
-      <p:sp>
-        <p:nvSpPr>
-          <p:cNvPr id="26" name="Rectangle: Rounded Corners 25">
-            <a:extLst>
-              <a:ext uri="{FF2B5EF4-FFF2-40B4-BE49-F238E27FC236}">
-                <a16:creationId xmlns:a16="http://schemas.microsoft.com/office/drawing/2014/main" id="{085EAEF1-A414-DCE0-CB7D-4284A65BA02B}"/>
-              </a:ext>
-            </a:extLst>
-          </p:cNvPr>
-          <p:cNvSpPr/>
-          <p:nvPr/>
-        </p:nvSpPr>
-        <p:spPr>
-          <a:xfrm>
-            <a:off x="580547" y="1663074"/>
-            <a:ext cx="5312226" cy="1645323"/>
-          </a:xfrm>
-          <a:prstGeom prst="roundRect">
-            <a:avLst>
-              <a:gd name="adj" fmla="val 7245"/>
-            </a:avLst>
-          </a:prstGeom>
-        </p:spPr>
-        <p:style>
-          <a:lnRef idx="1">
-            <a:schemeClr val="accent1"/>
-          </a:lnRef>
-          <a:fillRef idx="2">
-            <a:schemeClr val="accent1"/>
-          </a:fillRef>
-          <a:effectRef idx="1">
-            <a:schemeClr val="accent1"/>
-          </a:effectRef>
-          <a:fontRef idx="minor">
-            <a:schemeClr val="dk1"/>
-          </a:fontRef>
-        </p:style>
-        <p:txBody>
-          <a:bodyPr rtlCol="0" anchor="ctr"/>
-          <a:lstStyle/>
-          <a:p>
-            <a:pPr marL="285750" indent="-216000">
-              <a:buFont typeface="Arial" panose="020B0604020202020204" pitchFamily="34" charset="0"/>
-              <a:buChar char="•"/>
-            </a:pPr>
-            <a:r>
-              <a:rPr lang="en-US" sz="1400" dirty="0"/>
-              <a:t>Concrete Asset</a:t>
-            </a:r>
-          </a:p>
-          <a:p>
-            <a:pPr marL="285750" indent="-216000">
-              <a:buFont typeface="Arial" panose="020B0604020202020204" pitchFamily="34" charset="0"/>
-              <a:buChar char="•"/>
-            </a:pPr>
-            <a:r>
-              <a:rPr lang="en-US" sz="1400" dirty="0"/>
-              <a:t>Public only methods specific to its</a:t>
-            </a:r>
-            <a:br>
-              <a:rPr lang="en-US" sz="1400" dirty="0"/>
-            </a:br>
-            <a:r>
-              <a:rPr lang="en-US" sz="1400" dirty="0"/>
-              <a:t>asset type</a:t>
-            </a:r>
-          </a:p>
-          <a:p>
-            <a:pPr marL="285750" indent="-216000">
-              <a:buFont typeface="Arial" panose="020B0604020202020204" pitchFamily="34" charset="0"/>
-              <a:buChar char="•"/>
-            </a:pPr>
-            <a:r>
-              <a:rPr lang="en-US" sz="1400" dirty="0"/>
-              <a:t>Can be conceptualized as an asset</a:t>
-            </a:r>
-            <a:br>
-              <a:rPr lang="en-US" sz="1400" dirty="0"/>
-            </a:br>
-            <a:r>
-              <a:rPr lang="en-US" sz="1400" dirty="0"/>
-              <a:t>itself, but actually is just an interface</a:t>
-            </a:r>
-            <a:br>
-              <a:rPr lang="en-US" sz="1400" dirty="0"/>
-            </a:br>
-            <a:r>
-              <a:rPr lang="en-US" sz="1400" dirty="0"/>
-              <a:t>to ECS</a:t>
-            </a:r>
-          </a:p>
-        </p:txBody>
-      </p:sp>
-      <p:sp>
-        <p:nvSpPr>
-          <p:cNvPr id="29" name="Rectangle: Rounded Corners 28">
-            <a:extLst>
-              <a:ext uri="{FF2B5EF4-FFF2-40B4-BE49-F238E27FC236}">
-                <a16:creationId xmlns:a16="http://schemas.microsoft.com/office/drawing/2014/main" id="{74B9983E-B778-6BFD-97D6-90BE954CD878}"/>
-              </a:ext>
-            </a:extLst>
-          </p:cNvPr>
-          <p:cNvSpPr/>
-          <p:nvPr/>
-        </p:nvSpPr>
-        <p:spPr>
-          <a:xfrm>
-            <a:off x="4114513" y="1758268"/>
-            <a:ext cx="1698172" cy="291173"/>
-          </a:xfrm>
-          <a:prstGeom prst="roundRect">
-            <a:avLst/>
-          </a:prstGeom>
-        </p:spPr>
-        <p:style>
-          <a:lnRef idx="0">
-            <a:schemeClr val="accent1"/>
-          </a:lnRef>
-          <a:fillRef idx="3">
-            <a:schemeClr val="accent1"/>
-          </a:fillRef>
-          <a:effectRef idx="3">
-            <a:schemeClr val="accent1"/>
-          </a:effectRef>
-          <a:fontRef idx="minor">
-            <a:schemeClr val="lt1"/>
-          </a:fontRef>
-        </p:style>
-        <p:txBody>
-          <a:bodyPr rtlCol="0" anchor="ctr"/>
-          <a:lstStyle/>
-          <a:p>
-            <a:r>
-              <a:rPr lang="en-US" dirty="0"/>
-              <a:t>Texture : Asset</a:t>
-            </a:r>
-          </a:p>
-        </p:txBody>
-      </p:sp>
-      <p:sp>
-        <p:nvSpPr>
-          <p:cNvPr id="30" name="Rectangle: Rounded Corners 29">
-            <a:extLst>
-              <a:ext uri="{FF2B5EF4-FFF2-40B4-BE49-F238E27FC236}">
-                <a16:creationId xmlns:a16="http://schemas.microsoft.com/office/drawing/2014/main" id="{8F679557-2737-50F4-CB08-593E0B2C31EB}"/>
-              </a:ext>
-            </a:extLst>
-          </p:cNvPr>
-          <p:cNvSpPr/>
-          <p:nvPr/>
-        </p:nvSpPr>
-        <p:spPr>
-          <a:xfrm>
-            <a:off x="4114513" y="2143064"/>
-            <a:ext cx="1698172" cy="291173"/>
-          </a:xfrm>
-          <a:prstGeom prst="roundRect">
-            <a:avLst/>
-          </a:prstGeom>
-        </p:spPr>
-        <p:style>
-          <a:lnRef idx="0">
-            <a:schemeClr val="accent1"/>
-          </a:lnRef>
-          <a:fillRef idx="3">
-            <a:schemeClr val="accent1"/>
-          </a:fillRef>
-          <a:effectRef idx="3">
-            <a:schemeClr val="accent1"/>
-          </a:effectRef>
-          <a:fontRef idx="minor">
-            <a:schemeClr val="lt1"/>
-          </a:fontRef>
-        </p:style>
-        <p:txBody>
-          <a:bodyPr rtlCol="0" anchor="ctr"/>
-          <a:lstStyle/>
-          <a:p>
-            <a:r>
-              <a:rPr lang="en-US" dirty="0"/>
-              <a:t>Shader : Asset</a:t>
-            </a:r>
-          </a:p>
-        </p:txBody>
-      </p:sp>
-      <p:sp>
-        <p:nvSpPr>
-          <p:cNvPr id="31" name="Rectangle: Rounded Corners 30">
-            <a:extLst>
-              <a:ext uri="{FF2B5EF4-FFF2-40B4-BE49-F238E27FC236}">
-                <a16:creationId xmlns:a16="http://schemas.microsoft.com/office/drawing/2014/main" id="{70A4F2A2-BE78-F95E-C47E-3E2C5C01F0FB}"/>
-              </a:ext>
-            </a:extLst>
-          </p:cNvPr>
-          <p:cNvSpPr/>
-          <p:nvPr/>
-        </p:nvSpPr>
-        <p:spPr>
-          <a:xfrm>
-            <a:off x="4114513" y="2527860"/>
-            <a:ext cx="1698172" cy="291173"/>
-          </a:xfrm>
-          <a:prstGeom prst="roundRect">
-            <a:avLst/>
-          </a:prstGeom>
-        </p:spPr>
-        <p:style>
-          <a:lnRef idx="0">
-            <a:schemeClr val="accent1"/>
-          </a:lnRef>
-          <a:fillRef idx="3">
-            <a:schemeClr val="accent1"/>
-          </a:fillRef>
-          <a:effectRef idx="3">
-            <a:schemeClr val="accent1"/>
-          </a:effectRef>
-          <a:fontRef idx="minor">
-            <a:schemeClr val="lt1"/>
-          </a:fontRef>
-        </p:style>
-        <p:txBody>
-          <a:bodyPr rtlCol="0" anchor="ctr"/>
-          <a:lstStyle/>
-          <a:p>
-            <a:r>
-              <a:rPr lang="en-US" dirty="0"/>
-              <a:t>Material : Asset</a:t>
-            </a:r>
-          </a:p>
-        </p:txBody>
-      </p:sp>
-      <p:sp>
-        <p:nvSpPr>
-          <p:cNvPr id="32" name="Rectangle: Rounded Corners 31">
-            <a:extLst>
-              <a:ext uri="{FF2B5EF4-FFF2-40B4-BE49-F238E27FC236}">
-                <a16:creationId xmlns:a16="http://schemas.microsoft.com/office/drawing/2014/main" id="{F0D7A861-8771-2F69-5AF5-A01C91A04648}"/>
-              </a:ext>
-            </a:extLst>
-          </p:cNvPr>
-          <p:cNvSpPr/>
-          <p:nvPr/>
-        </p:nvSpPr>
-        <p:spPr>
-          <a:xfrm>
-            <a:off x="4114513" y="2912656"/>
-            <a:ext cx="1698172" cy="291173"/>
-          </a:xfrm>
-          <a:prstGeom prst="roundRect">
-            <a:avLst/>
-          </a:prstGeom>
-        </p:spPr>
-        <p:style>
-          <a:lnRef idx="0">
-            <a:schemeClr val="accent1"/>
-          </a:lnRef>
-          <a:fillRef idx="3">
-            <a:schemeClr val="accent1"/>
-          </a:fillRef>
-          <a:effectRef idx="3">
-            <a:schemeClr val="accent1"/>
-          </a:effectRef>
-          <a:fontRef idx="minor">
-            <a:schemeClr val="lt1"/>
-          </a:fontRef>
-        </p:style>
-        <p:txBody>
-          <a:bodyPr rtlCol="0" anchor="ctr"/>
-          <a:lstStyle/>
-          <a:p>
-            <a:r>
-              <a:rPr lang="en-US" dirty="0"/>
-              <a:t>Audio : Asset</a:t>
-            </a:r>
-          </a:p>
-        </p:txBody>
-      </p:sp>
-      <p:cxnSp>
-        <p:nvCxnSpPr>
-          <p:cNvPr id="34" name="Straight Arrow Connector 33">
-            <a:extLst>
-              <a:ext uri="{FF2B5EF4-FFF2-40B4-BE49-F238E27FC236}">
-                <a16:creationId xmlns:a16="http://schemas.microsoft.com/office/drawing/2014/main" id="{368638C0-86FD-BF63-CFD7-AD8590CC15AA}"/>
-              </a:ext>
-            </a:extLst>
-          </p:cNvPr>
-          <p:cNvCxnSpPr>
-            <a:cxnSpLocks/>
-          </p:cNvCxnSpPr>
-          <p:nvPr/>
-        </p:nvCxnSpPr>
-        <p:spPr>
-          <a:xfrm>
-            <a:off x="3740513" y="1327223"/>
-            <a:ext cx="0" cy="335851"/>
-          </a:xfrm>
-          <a:prstGeom prst="straightConnector1">
-            <a:avLst/>
-          </a:prstGeom>
-          <a:ln>
-            <a:tailEnd type="triangle"/>
-          </a:ln>
-        </p:spPr>
-        <p:style>
-          <a:lnRef idx="3">
-            <a:schemeClr val="accent1"/>
-          </a:lnRef>
-          <a:fillRef idx="0">
-            <a:schemeClr val="accent1"/>
-          </a:fillRef>
-          <a:effectRef idx="2">
-            <a:schemeClr val="accent1"/>
-          </a:effectRef>
-          <a:fontRef idx="minor">
-            <a:schemeClr val="tx1"/>
-          </a:fontRef>
-        </p:style>
-      </p:cxnSp>
-      <p:cxnSp>
-        <p:nvCxnSpPr>
-          <p:cNvPr id="39" name="Connector: Elbow 38">
-            <a:extLst>
-              <a:ext uri="{FF2B5EF4-FFF2-40B4-BE49-F238E27FC236}">
-                <a16:creationId xmlns:a16="http://schemas.microsoft.com/office/drawing/2014/main" id="{CAD081EE-3F1B-2C36-94C4-8FB30D431875}"/>
-              </a:ext>
-            </a:extLst>
-          </p:cNvPr>
-          <p:cNvCxnSpPr>
-            <a:endCxn id="32" idx="1"/>
-          </p:cNvCxnSpPr>
-          <p:nvPr/>
-        </p:nvCxnSpPr>
-        <p:spPr>
-          <a:xfrm rot="16200000" flipH="1">
-            <a:off x="3229929" y="2173658"/>
-            <a:ext cx="1395169" cy="374000"/>
-          </a:xfrm>
-          <a:prstGeom prst="bentConnector2">
-            <a:avLst/>
-          </a:prstGeom>
-          <a:ln>
-            <a:tailEnd type="triangle"/>
-          </a:ln>
-        </p:spPr>
-        <p:style>
-          <a:lnRef idx="3">
-            <a:schemeClr val="accent1"/>
-          </a:lnRef>
-          <a:fillRef idx="0">
-            <a:schemeClr val="accent1"/>
-          </a:fillRef>
-          <a:effectRef idx="2">
-            <a:schemeClr val="accent1"/>
-          </a:effectRef>
-          <a:fontRef idx="minor">
-            <a:schemeClr val="tx1"/>
-          </a:fontRef>
-        </p:style>
-      </p:cxnSp>
-      <p:cxnSp>
-        <p:nvCxnSpPr>
-          <p:cNvPr id="41" name="Connector: Elbow 40">
-            <a:extLst>
-              <a:ext uri="{FF2B5EF4-FFF2-40B4-BE49-F238E27FC236}">
-                <a16:creationId xmlns:a16="http://schemas.microsoft.com/office/drawing/2014/main" id="{750701F6-5177-1999-9EA9-4246A9AEFB83}"/>
-              </a:ext>
-            </a:extLst>
-          </p:cNvPr>
-          <p:cNvCxnSpPr>
-            <a:endCxn id="31" idx="1"/>
-          </p:cNvCxnSpPr>
-          <p:nvPr/>
-        </p:nvCxnSpPr>
-        <p:spPr>
-          <a:xfrm rot="16200000" flipH="1">
-            <a:off x="3422325" y="1981259"/>
-            <a:ext cx="1010374" cy="374001"/>
-          </a:xfrm>
-          <a:prstGeom prst="bentConnector2">
-            <a:avLst/>
-          </a:prstGeom>
-          <a:ln>
-            <a:tailEnd type="triangle"/>
-          </a:ln>
-        </p:spPr>
-        <p:style>
-          <a:lnRef idx="3">
-            <a:schemeClr val="accent1"/>
-          </a:lnRef>
-          <a:fillRef idx="0">
-            <a:schemeClr val="accent1"/>
-          </a:fillRef>
-          <a:effectRef idx="2">
-            <a:schemeClr val="accent1"/>
-          </a:effectRef>
-          <a:fontRef idx="minor">
-            <a:schemeClr val="tx1"/>
-          </a:fontRef>
-        </p:style>
-      </p:cxnSp>
-      <p:cxnSp>
-        <p:nvCxnSpPr>
-          <p:cNvPr id="43" name="Connector: Elbow 42">
-            <a:extLst>
-              <a:ext uri="{FF2B5EF4-FFF2-40B4-BE49-F238E27FC236}">
-                <a16:creationId xmlns:a16="http://schemas.microsoft.com/office/drawing/2014/main" id="{FDA2C075-ACAB-899D-7CC7-AF48D767B0BC}"/>
-              </a:ext>
-            </a:extLst>
-          </p:cNvPr>
-          <p:cNvCxnSpPr>
-            <a:endCxn id="30" idx="1"/>
-          </p:cNvCxnSpPr>
-          <p:nvPr/>
-        </p:nvCxnSpPr>
-        <p:spPr>
-          <a:xfrm rot="16200000" flipH="1">
-            <a:off x="3614722" y="1788859"/>
-            <a:ext cx="625579" cy="374003"/>
-          </a:xfrm>
-          <a:prstGeom prst="bentConnector2">
-            <a:avLst/>
-          </a:prstGeom>
-          <a:ln>
-            <a:tailEnd type="triangle"/>
-          </a:ln>
-        </p:spPr>
-        <p:style>
-          <a:lnRef idx="3">
-            <a:schemeClr val="accent1"/>
-          </a:lnRef>
-          <a:fillRef idx="0">
-            <a:schemeClr val="accent1"/>
-          </a:fillRef>
-          <a:effectRef idx="2">
-            <a:schemeClr val="accent1"/>
-          </a:effectRef>
-          <a:fontRef idx="minor">
-            <a:schemeClr val="tx1"/>
-          </a:fontRef>
-        </p:style>
-      </p:cxnSp>
-      <p:cxnSp>
-        <p:nvCxnSpPr>
-          <p:cNvPr id="45" name="Connector: Elbow 44">
-            <a:extLst>
-              <a:ext uri="{FF2B5EF4-FFF2-40B4-BE49-F238E27FC236}">
-                <a16:creationId xmlns:a16="http://schemas.microsoft.com/office/drawing/2014/main" id="{93FCDE67-0159-EB48-396A-210D41E520E1}"/>
-              </a:ext>
-            </a:extLst>
-          </p:cNvPr>
-          <p:cNvCxnSpPr>
-            <a:endCxn id="29" idx="1"/>
-          </p:cNvCxnSpPr>
-          <p:nvPr/>
-        </p:nvCxnSpPr>
-        <p:spPr>
-          <a:xfrm>
-            <a:off x="3740509" y="1663070"/>
-            <a:ext cx="374004" cy="240785"/>
-          </a:xfrm>
-          <a:prstGeom prst="bentConnector3">
-            <a:avLst>
-              <a:gd name="adj1" fmla="val 104"/>
-            </a:avLst>
-          </a:prstGeom>
-          <a:ln>
-            <a:tailEnd type="triangle"/>
-          </a:ln>
-        </p:spPr>
-        <p:style>
-          <a:lnRef idx="3">
-            <a:schemeClr val="accent1"/>
-          </a:lnRef>
-          <a:fillRef idx="0">
-            <a:schemeClr val="accent1"/>
-          </a:fillRef>
-          <a:effectRef idx="2">
-            <a:schemeClr val="accent1"/>
-          </a:effectRef>
-          <a:fontRef idx="minor">
-            <a:schemeClr val="tx1"/>
-          </a:fontRef>
-        </p:style>
-      </p:cxnSp>
-      <p:sp>
-        <p:nvSpPr>
-          <p:cNvPr id="48" name="Rectangle: Rounded Corners 47">
-            <a:extLst>
-              <a:ext uri="{FF2B5EF4-FFF2-40B4-BE49-F238E27FC236}">
-                <a16:creationId xmlns:a16="http://schemas.microsoft.com/office/drawing/2014/main" id="{B1B16EFC-0F53-09AF-F5F4-6F198738767F}"/>
-              </a:ext>
-            </a:extLst>
-          </p:cNvPr>
-          <p:cNvSpPr/>
-          <p:nvPr/>
-        </p:nvSpPr>
-        <p:spPr>
-          <a:xfrm>
-            <a:off x="2099110" y="3529491"/>
-            <a:ext cx="2310881" cy="291173"/>
-          </a:xfrm>
-          <a:prstGeom prst="roundRect">
-            <a:avLst/>
-          </a:prstGeom>
-        </p:spPr>
-        <p:style>
-          <a:lnRef idx="0">
-            <a:schemeClr val="accent1"/>
-          </a:lnRef>
-          <a:fillRef idx="3">
-            <a:schemeClr val="accent1"/>
-          </a:fillRef>
-          <a:effectRef idx="3">
-            <a:schemeClr val="accent1"/>
-          </a:effectRef>
-          <a:fontRef idx="minor">
-            <a:schemeClr val="lt1"/>
-          </a:fontRef>
-        </p:style>
-        <p:txBody>
-          <a:bodyPr rtlCol="0" anchor="ctr"/>
-          <a:lstStyle/>
-          <a:p>
-            <a:pPr algn="ctr"/>
-            <a:r>
-              <a:rPr lang="en-US" dirty="0" err="1"/>
-              <a:t>AssetHandle</a:t>
-            </a:r>
-            <a:r>
-              <a:rPr lang="en-US" dirty="0"/>
-              <a:t>&lt;</a:t>
-            </a:r>
-            <a:r>
-              <a:rPr lang="en-US" dirty="0" err="1"/>
-              <a:t>tnAsset</a:t>
-            </a:r>
-            <a:r>
-              <a:rPr lang="en-US" dirty="0"/>
-              <a:t>&gt;</a:t>
-            </a:r>
-          </a:p>
-        </p:txBody>
-      </p:sp>
-      <p:sp>
-        <p:nvSpPr>
-          <p:cNvPr id="19" name="Rectangle: Rounded Corners 18">
-            <a:extLst>
-              <a:ext uri="{FF2B5EF4-FFF2-40B4-BE49-F238E27FC236}">
-                <a16:creationId xmlns:a16="http://schemas.microsoft.com/office/drawing/2014/main" id="{0E718222-A285-B7AB-65DE-1190C8ED1063}"/>
-              </a:ext>
-            </a:extLst>
-          </p:cNvPr>
-          <p:cNvSpPr/>
-          <p:nvPr/>
-        </p:nvSpPr>
-        <p:spPr>
-          <a:xfrm>
-            <a:off x="8562879" y="2241829"/>
+            <a:off x="8709159" y="1818805"/>
             <a:ext cx="2712098" cy="1380037"/>
           </a:xfrm>
           <a:prstGeom prst="roundRect">
@@ -6744,7 +4149,7 @@
           <p:cNvPr id="18" name="Rectangle: Rounded Corners 17">
             <a:extLst>
               <a:ext uri="{FF2B5EF4-FFF2-40B4-BE49-F238E27FC236}">
-                <a16:creationId xmlns:a16="http://schemas.microsoft.com/office/drawing/2014/main" id="{E9063FDF-1E90-C287-F3CB-6DAC3167651D}"/>
+                <a16:creationId xmlns:a16="http://schemas.microsoft.com/office/drawing/2014/main" id="{3E2D51CF-C98F-8A87-43A8-BEB30D37DF26}"/>
               </a:ext>
             </a:extLst>
           </p:cNvPr>
@@ -6753,7 +4158,7 @@
         </p:nvSpPr>
         <p:spPr>
           <a:xfrm>
-            <a:off x="8410479" y="2089429"/>
+            <a:off x="8556759" y="1666405"/>
             <a:ext cx="2712098" cy="1380037"/>
           </a:xfrm>
           <a:prstGeom prst="roundRect">
@@ -6790,7 +4195,7 @@
           <p:cNvPr id="17" name="Rectangle: Rounded Corners 16">
             <a:extLst>
               <a:ext uri="{FF2B5EF4-FFF2-40B4-BE49-F238E27FC236}">
-                <a16:creationId xmlns:a16="http://schemas.microsoft.com/office/drawing/2014/main" id="{305361BF-E5C7-487A-5E78-A32E29767BFB}"/>
+                <a16:creationId xmlns:a16="http://schemas.microsoft.com/office/drawing/2014/main" id="{B6959E22-4E2A-ACFF-40F8-6DC52736ECB6}"/>
               </a:ext>
             </a:extLst>
           </p:cNvPr>
@@ -6799,7 +4204,7 @@
         </p:nvSpPr>
         <p:spPr>
           <a:xfrm>
-            <a:off x="8258079" y="1937029"/>
+            <a:off x="8404359" y="1514005"/>
             <a:ext cx="2712098" cy="1380037"/>
           </a:xfrm>
           <a:prstGeom prst="roundRect">
@@ -6836,7 +4241,7 @@
           <p:cNvPr id="5" name="Rectangle: Rounded Corners 4">
             <a:extLst>
               <a:ext uri="{FF2B5EF4-FFF2-40B4-BE49-F238E27FC236}">
-                <a16:creationId xmlns:a16="http://schemas.microsoft.com/office/drawing/2014/main" id="{F875D195-7BA4-C0B7-ABDD-9E716D5BCE41}"/>
+                <a16:creationId xmlns:a16="http://schemas.microsoft.com/office/drawing/2014/main" id="{13CE2984-FC23-7C9A-CFFB-B97F55D2AF3C}"/>
               </a:ext>
             </a:extLst>
           </p:cNvPr>
@@ -6845,7 +4250,7 @@
         </p:nvSpPr>
         <p:spPr>
           <a:xfrm>
-            <a:off x="8105679" y="1784629"/>
+            <a:off x="8251959" y="1361605"/>
             <a:ext cx="2712098" cy="1380037"/>
           </a:xfrm>
           <a:prstGeom prst="roundRect">
@@ -6882,7 +4287,7 @@
           <p:cNvPr id="6" name="Table 5">
             <a:extLst>
               <a:ext uri="{FF2B5EF4-FFF2-40B4-BE49-F238E27FC236}">
-                <a16:creationId xmlns:a16="http://schemas.microsoft.com/office/drawing/2014/main" id="{3394259D-24FB-489E-01BE-C86E3C45BFFE}"/>
+                <a16:creationId xmlns:a16="http://schemas.microsoft.com/office/drawing/2014/main" id="{E6F97C2F-45B2-77CB-9927-B8D80F536DDD}"/>
               </a:ext>
             </a:extLst>
           </p:cNvPr>
@@ -6892,13 +4297,13 @@
           <p:nvPr>
             <p:extLst>
               <p:ext uri="{D42A27DB-BD31-4B8C-83A1-F6EECF244321}">
-                <p14:modId xmlns:p14="http://schemas.microsoft.com/office/powerpoint/2010/main" val="29952105"/>
+                <p14:modId xmlns:p14="http://schemas.microsoft.com/office/powerpoint/2010/main" val="606179892"/>
               </p:ext>
             </p:extLst>
           </p:nvPr>
         </p:nvGraphicFramePr>
         <p:xfrm>
-          <a:off x="8266893" y="2030652"/>
+          <a:off x="8413173" y="1607628"/>
           <a:ext cx="2389670" cy="182292"/>
         </p:xfrm>
         <a:graphic>
@@ -7545,7 +4950,7 @@
           <p:cNvPr id="7" name="Table 6">
             <a:extLst>
               <a:ext uri="{FF2B5EF4-FFF2-40B4-BE49-F238E27FC236}">
-                <a16:creationId xmlns:a16="http://schemas.microsoft.com/office/drawing/2014/main" id="{1499153B-0AD3-7E03-98B6-7C6A71CF184B}"/>
+                <a16:creationId xmlns:a16="http://schemas.microsoft.com/office/drawing/2014/main" id="{74BE8794-0B6D-7B47-27B2-05E7CE34E163}"/>
               </a:ext>
             </a:extLst>
           </p:cNvPr>
@@ -7555,13 +4960,13 @@
           <p:nvPr>
             <p:extLst>
               <p:ext uri="{D42A27DB-BD31-4B8C-83A1-F6EECF244321}">
-                <p14:modId xmlns:p14="http://schemas.microsoft.com/office/powerpoint/2010/main" val="2054917957"/>
+                <p14:modId xmlns:p14="http://schemas.microsoft.com/office/powerpoint/2010/main" val="251418482"/>
               </p:ext>
             </p:extLst>
           </p:nvPr>
         </p:nvGraphicFramePr>
         <p:xfrm>
-          <a:off x="8266892" y="2283974"/>
+          <a:off x="8413172" y="1860950"/>
           <a:ext cx="1596054" cy="182292"/>
         </p:xfrm>
         <a:graphic>
@@ -7912,7 +5317,7 @@
           <p:cNvPr id="8" name="Table 7">
             <a:extLst>
               <a:ext uri="{FF2B5EF4-FFF2-40B4-BE49-F238E27FC236}">
-                <a16:creationId xmlns:a16="http://schemas.microsoft.com/office/drawing/2014/main" id="{09D2CD65-D9F8-AB8E-4726-599243B1A6B3}"/>
+                <a16:creationId xmlns:a16="http://schemas.microsoft.com/office/drawing/2014/main" id="{813C76AB-9289-979D-F0B2-452B03FFD57E}"/>
               </a:ext>
             </a:extLst>
           </p:cNvPr>
@@ -7922,13 +5327,13 @@
           <p:nvPr>
             <p:extLst>
               <p:ext uri="{D42A27DB-BD31-4B8C-83A1-F6EECF244321}">
-                <p14:modId xmlns:p14="http://schemas.microsoft.com/office/powerpoint/2010/main" val="823260046"/>
+                <p14:modId xmlns:p14="http://schemas.microsoft.com/office/powerpoint/2010/main" val="654300718"/>
               </p:ext>
             </p:extLst>
           </p:nvPr>
         </p:nvGraphicFramePr>
         <p:xfrm>
-          <a:off x="8266891" y="2537296"/>
+          <a:off x="8413171" y="2114272"/>
           <a:ext cx="1782664" cy="182292"/>
         </p:xfrm>
         <a:graphic>
@@ -8171,7 +5576,7 @@
           <p:cNvPr id="9" name="Table 8">
             <a:extLst>
               <a:ext uri="{FF2B5EF4-FFF2-40B4-BE49-F238E27FC236}">
-                <a16:creationId xmlns:a16="http://schemas.microsoft.com/office/drawing/2014/main" id="{315E8A18-FCDF-F1D0-6C08-638D434B0B44}"/>
+                <a16:creationId xmlns:a16="http://schemas.microsoft.com/office/drawing/2014/main" id="{753E20BC-26F9-CA62-BA7E-204FF623E788}"/>
               </a:ext>
             </a:extLst>
           </p:cNvPr>
@@ -8181,13 +5586,13 @@
           <p:nvPr>
             <p:extLst>
               <p:ext uri="{D42A27DB-BD31-4B8C-83A1-F6EECF244321}">
-                <p14:modId xmlns:p14="http://schemas.microsoft.com/office/powerpoint/2010/main" val="793985519"/>
+                <p14:modId xmlns:p14="http://schemas.microsoft.com/office/powerpoint/2010/main" val="1525885701"/>
               </p:ext>
             </p:extLst>
           </p:nvPr>
         </p:nvGraphicFramePr>
         <p:xfrm>
-          <a:off x="8266890" y="2790618"/>
+          <a:off x="8413170" y="2367594"/>
           <a:ext cx="1666240" cy="182292"/>
         </p:xfrm>
         <a:graphic>
@@ -8646,7 +6051,7 @@
           <p:cNvPr id="10" name="Rectangle: Rounded Corners 9">
             <a:extLst>
               <a:ext uri="{FF2B5EF4-FFF2-40B4-BE49-F238E27FC236}">
-                <a16:creationId xmlns:a16="http://schemas.microsoft.com/office/drawing/2014/main" id="{87C1B9FE-9ADD-5730-5074-00B154FB3187}"/>
+                <a16:creationId xmlns:a16="http://schemas.microsoft.com/office/drawing/2014/main" id="{A6DDF581-5B86-170F-3E65-BA0862109DC4}"/>
               </a:ext>
             </a:extLst>
           </p:cNvPr>
@@ -8655,7 +6060,7 @@
         </p:nvSpPr>
         <p:spPr>
           <a:xfrm>
-            <a:off x="9186475" y="1630770"/>
+            <a:off x="9332755" y="1207746"/>
             <a:ext cx="550506" cy="291173"/>
           </a:xfrm>
           <a:prstGeom prst="roundRect">
@@ -8690,10 +6095,276 @@
       </p:sp>
       <p:sp>
         <p:nvSpPr>
-          <p:cNvPr id="3" name="Rectangle: Rounded Corners 2">
-            <a:extLst>
-              <a:ext uri="{FF2B5EF4-FFF2-40B4-BE49-F238E27FC236}">
-                <a16:creationId xmlns:a16="http://schemas.microsoft.com/office/drawing/2014/main" id="{67138047-1435-4CFC-D361-44E0446CC57E}"/>
+          <p:cNvPr id="2" name="TextBox 174">
+            <a:extLst>
+              <a:ext uri="{FF2B5EF4-FFF2-40B4-BE49-F238E27FC236}">
+                <a16:creationId xmlns:a16="http://schemas.microsoft.com/office/drawing/2014/main" id="{B840F48E-9753-BBEE-3243-976A6FAF4C3A}"/>
+              </a:ext>
+            </a:extLst>
+          </p:cNvPr>
+          <p:cNvSpPr txBox="1"/>
+          <p:nvPr/>
+        </p:nvSpPr>
+        <p:spPr>
+          <a:xfrm>
+            <a:off x="318784" y="972443"/>
+            <a:ext cx="7326164" cy="2369880"/>
+          </a:xfrm>
+          <a:prstGeom prst="rect">
+            <a:avLst/>
+          </a:prstGeom>
+          <a:noFill/>
+        </p:spPr>
+        <p:txBody>
+          <a:bodyPr wrap="square" rtlCol="0">
+            <a:spAutoFit/>
+          </a:bodyPr>
+          <a:lstStyle/>
+          <a:p>
+            <a:pPr algn="just"/>
+            <a:r>
+              <a:rPr lang="en-US" sz="2000" dirty="0"/>
+              <a:t>Storage structure:</a:t>
+            </a:r>
+          </a:p>
+          <a:p>
+            <a:pPr algn="just"/>
+            <a:r>
+              <a:rPr lang="en-US" sz="1600" dirty="0"/>
+              <a:t>Assets are broken down into components and stored in ECS (each asset type has its own - runtime ID may be identical for multiple assets as long, as they are different types).</a:t>
+            </a:r>
+          </a:p>
+          <a:p>
+            <a:pPr algn="just"/>
+            <a:r>
+              <a:rPr lang="en-US" sz="1600" dirty="0"/>
+              <a:t>This gives flexibility of allowing easy creation of asset subtypes (e.g. standalone mesh and mesh that is part of a model), connections and dependencies between assets without redesigning whole asset system or fighting with poorly predicted inheritance hierarchy. Lack of complex interactions between assets (only loading dependencies and similar) makes ECS perfect fit.</a:t>
+            </a:r>
+          </a:p>
+        </p:txBody>
+      </p:sp>
+      <p:sp>
+        <p:nvSpPr>
+          <p:cNvPr id="38" name="TextBox 174">
+            <a:extLst>
+              <a:ext uri="{FF2B5EF4-FFF2-40B4-BE49-F238E27FC236}">
+                <a16:creationId xmlns:a16="http://schemas.microsoft.com/office/drawing/2014/main" id="{BDD77A1B-BA92-8A1E-BB64-ABBB1A3CDDC1}"/>
+              </a:ext>
+            </a:extLst>
+          </p:cNvPr>
+          <p:cNvSpPr txBox="1"/>
+          <p:nvPr/>
+        </p:nvSpPr>
+        <p:spPr>
+          <a:xfrm>
+            <a:off x="313542" y="3339413"/>
+            <a:ext cx="11554998" cy="1138773"/>
+          </a:xfrm>
+          <a:prstGeom prst="rect">
+            <a:avLst/>
+          </a:prstGeom>
+          <a:noFill/>
+        </p:spPr>
+        <p:txBody>
+          <a:bodyPr wrap="square" rtlCol="0">
+            <a:spAutoFit/>
+          </a:bodyPr>
+          <a:lstStyle/>
+          <a:p>
+            <a:pPr algn="just"/>
+            <a:r>
+              <a:rPr lang="en-US" sz="2000" dirty="0"/>
+              <a:t>Centralized streaming:</a:t>
+            </a:r>
+          </a:p>
+          <a:p>
+            <a:pPr algn="just"/>
+            <a:r>
+              <a:rPr lang="en-US" sz="1600" dirty="0"/>
+              <a:t>You can never assume an asset is loaded and there is no explicit asset loading request possibility. Instead, a handle to the asset has a loading priority value - </a:t>
+            </a:r>
+            <a:r>
+              <a:rPr lang="en-US" sz="1600" dirty="0" err="1"/>
+              <a:t>enum</a:t>
+            </a:r>
+            <a:r>
+              <a:rPr lang="en-US" sz="1600" dirty="0"/>
+              <a:t>. Asset handles of each loading priority are atomically counted in a component of that asset (reference counting). Asset Manager uses those counts to decide centrally which assets to load and unload:</a:t>
+            </a:r>
+          </a:p>
+        </p:txBody>
+      </p:sp>
+      <p:pic>
+        <p:nvPicPr>
+          <p:cNvPr id="13" name="Obraz 12">
+            <a:extLst>
+              <a:ext uri="{FF2B5EF4-FFF2-40B4-BE49-F238E27FC236}">
+                <a16:creationId xmlns:a16="http://schemas.microsoft.com/office/drawing/2014/main" id="{84415EB4-3E81-1A80-86C1-42A88B5DF9FB}"/>
+              </a:ext>
+            </a:extLst>
+          </p:cNvPr>
+          <p:cNvPicPr>
+            <a:picLocks noChangeAspect="1"/>
+          </p:cNvPicPr>
+          <p:nvPr/>
+        </p:nvPicPr>
+        <p:blipFill>
+          <a:blip r:embed="rId3"/>
+          <a:stretch>
+            <a:fillRect/>
+          </a:stretch>
+        </p:blipFill>
+        <p:spPr>
+          <a:xfrm>
+            <a:off x="8845419" y="4251664"/>
+            <a:ext cx="2709325" cy="1377753"/>
+          </a:xfrm>
+          <a:prstGeom prst="rect">
+            <a:avLst/>
+          </a:prstGeom>
+        </p:spPr>
+      </p:pic>
+      <p:sp>
+        <p:nvSpPr>
+          <p:cNvPr id="14" name="TextBox 174">
+            <a:extLst>
+              <a:ext uri="{FF2B5EF4-FFF2-40B4-BE49-F238E27FC236}">
+                <a16:creationId xmlns:a16="http://schemas.microsoft.com/office/drawing/2014/main" id="{78B6CFE9-200C-0178-2827-812534C4F41B}"/>
+              </a:ext>
+            </a:extLst>
+          </p:cNvPr>
+          <p:cNvSpPr txBox="1"/>
+          <p:nvPr/>
+        </p:nvSpPr>
+        <p:spPr>
+          <a:xfrm>
+            <a:off x="312654" y="5666461"/>
+            <a:ext cx="11554999" cy="830997"/>
+          </a:xfrm>
+          <a:prstGeom prst="rect">
+            <a:avLst/>
+          </a:prstGeom>
+          <a:noFill/>
+        </p:spPr>
+        <p:txBody>
+          <a:bodyPr wrap="square" rtlCol="0">
+            <a:spAutoFit/>
+          </a:bodyPr>
+          <a:lstStyle/>
+          <a:p>
+            <a:pPr algn="just"/>
+            <a:r>
+              <a:rPr lang="en-US" sz="1600" dirty="0"/>
+              <a:t>This makes dynamic adaptive asset loading management much easier and safer (e.g. preloading assets for next level simply by setting their handles from None to Low). Asset loading/unloading and score calculation/sorting runs in an asynchronous loop, but in a foreground (structured concurrency).</a:t>
+            </a:r>
+          </a:p>
+        </p:txBody>
+      </p:sp>
+      <p:sp>
+        <p:nvSpPr>
+          <p:cNvPr id="15" name="TextBox 174">
+            <a:extLst>
+              <a:ext uri="{FF2B5EF4-FFF2-40B4-BE49-F238E27FC236}">
+                <a16:creationId xmlns:a16="http://schemas.microsoft.com/office/drawing/2014/main" id="{1ACE7A83-40FF-0BAB-3E5A-4AF60264ED2A}"/>
+              </a:ext>
+            </a:extLst>
+          </p:cNvPr>
+          <p:cNvSpPr txBox="1"/>
+          <p:nvPr/>
+        </p:nvSpPr>
+        <p:spPr>
+          <a:xfrm>
+            <a:off x="312654" y="4512309"/>
+            <a:ext cx="6441821" cy="1077218"/>
+          </a:xfrm>
+          <a:prstGeom prst="rect">
+            <a:avLst/>
+          </a:prstGeom>
+          <a:noFill/>
+        </p:spPr>
+        <p:txBody>
+          <a:bodyPr wrap="square" rtlCol="0">
+            <a:spAutoFit/>
+          </a:bodyPr>
+          <a:lstStyle/>
+          <a:p>
+            <a:pPr marL="342900" indent="-342900" algn="just">
+              <a:buFont typeface="+mj-lt"/>
+              <a:buAutoNum type="arabicPeriod"/>
+            </a:pPr>
+            <a:r>
+              <a:rPr lang="en-US" sz="1600" dirty="0"/>
+              <a:t>Calculates score of each asset as ∑ of count*priority</a:t>
+            </a:r>
+          </a:p>
+          <a:p>
+            <a:pPr marL="342900" indent="-342900" algn="just">
+              <a:buFont typeface="+mj-lt"/>
+              <a:buAutoNum type="arabicPeriod"/>
+            </a:pPr>
+            <a:r>
+              <a:rPr lang="en-US" sz="1600" dirty="0"/>
+              <a:t>Sorts those scores</a:t>
+            </a:r>
+          </a:p>
+          <a:p>
+            <a:pPr marL="342900" indent="-342900" algn="just">
+              <a:buFont typeface="+mj-lt"/>
+              <a:buAutoNum type="arabicPeriod"/>
+            </a:pPr>
+            <a:r>
+              <a:rPr lang="en-US" sz="1600" dirty="0"/>
+              <a:t>Unloads assets with score 0</a:t>
+            </a:r>
+          </a:p>
+          <a:p>
+            <a:pPr marL="342900" indent="-342900" algn="just">
+              <a:buFont typeface="+mj-lt"/>
+              <a:buAutoNum type="arabicPeriod"/>
+            </a:pPr>
+            <a:r>
+              <a:rPr lang="en-US" sz="1600" dirty="0"/>
+              <a:t>Load as many assets as much memory is available</a:t>
+            </a:r>
+          </a:p>
+        </p:txBody>
+      </p:sp>
+    </p:spTree>
+    <p:extLst>
+      <p:ext uri="{BB962C8B-B14F-4D97-AF65-F5344CB8AC3E}">
+        <p14:creationId xmlns:p14="http://schemas.microsoft.com/office/powerpoint/2010/main" val="3509704278"/>
+      </p:ext>
+    </p:extLst>
+  </p:cSld>
+  <p:clrMapOvr>
+    <a:masterClrMapping/>
+  </p:clrMapOvr>
+</p:sld>
+</file>
+
+<file path=ppt/slides/slide3.xml><?xml version="1.0" encoding="utf-8"?>
+<p:sld xmlns:a="http://schemas.openxmlformats.org/drawingml/2006/main" xmlns:r="http://schemas.openxmlformats.org/officeDocument/2006/relationships" xmlns:p="http://schemas.openxmlformats.org/presentationml/2006/main">
+  <p:cSld>
+    <p:spTree>
+      <p:nvGrpSpPr>
+        <p:cNvPr id="1" name=""/>
+        <p:cNvGrpSpPr/>
+        <p:nvPr/>
+      </p:nvGrpSpPr>
+      <p:grpSpPr>
+        <a:xfrm>
+          <a:off x="0" y="0"/>
+          <a:ext cx="0" cy="0"/>
+          <a:chOff x="0" y="0"/>
+          <a:chExt cx="0" cy="0"/>
+        </a:xfrm>
+      </p:grpSpPr>
+      <p:sp>
+        <p:nvSpPr>
+          <p:cNvPr id="49" name="Rectangle: Rounded Corners 48">
+            <a:extLst>
+              <a:ext uri="{FF2B5EF4-FFF2-40B4-BE49-F238E27FC236}">
+                <a16:creationId xmlns:a16="http://schemas.microsoft.com/office/drawing/2014/main" id="{3DA6CFE8-1891-5B54-1E0D-1A1BC025E081}"/>
               </a:ext>
             </a:extLst>
           </p:cNvPr>
@@ -8702,8 +6373,8 @@
         </p:nvSpPr>
         <p:spPr>
           <a:xfrm>
-            <a:off x="420900" y="5246725"/>
-            <a:ext cx="2712098" cy="1166516"/>
+            <a:off x="1877012" y="4165973"/>
+            <a:ext cx="2712098" cy="403767"/>
           </a:xfrm>
           <a:prstGeom prst="roundRect">
             <a:avLst>
@@ -8726,39 +6397,21 @@
           </a:fontRef>
         </p:style>
         <p:txBody>
-          <a:bodyPr rtlCol="0" anchor="ctr"/>
+          <a:bodyPr rtlCol="0" anchor="b"/>
           <a:lstStyle/>
           <a:p>
-            <a:pPr marL="285750" indent="-216000">
-              <a:buFont typeface="Arial" panose="020B0604020202020204" pitchFamily="34" charset="0"/>
-              <a:buChar char="•"/>
-            </a:pPr>
+            <a:pPr marL="69750" algn="ctr"/>
+            <a:r>
+              <a:rPr lang="en-US" sz="1400" dirty="0" err="1"/>
+              <a:t>AssetID</a:t>
+            </a:r>
             <a:r>
               <a:rPr lang="en-US" sz="1400" dirty="0"/>
-              <a:t>Like </a:t>
-            </a:r>
-            <a:r>
-              <a:rPr lang="pl-PL" sz="1400" dirty="0" err="1"/>
-              <a:t>unique_ptr</a:t>
-            </a:r>
-            <a:endParaRPr lang="pl-PL" sz="1400" dirty="0"/>
-          </a:p>
-          <a:p>
-            <a:pPr marL="285750" indent="-216000">
-              <a:buFont typeface="Arial" panose="020B0604020202020204" pitchFamily="34" charset="0"/>
-              <a:buChar char="•"/>
-            </a:pPr>
-            <a:r>
-              <a:rPr lang="pl-PL" sz="1400" dirty="0" err="1"/>
-              <a:t>Like</a:t>
-            </a:r>
-            <a:r>
-              <a:rPr lang="pl-PL" sz="1400" dirty="0"/>
-              <a:t> lock </a:t>
-            </a:r>
-            <a:r>
-              <a:rPr lang="pl-PL" sz="1400" dirty="0" err="1"/>
-              <a:t>guard</a:t>
+              <a:t> + </a:t>
+            </a:r>
+            <a:r>
+              <a:rPr lang="en-US" sz="1400" dirty="0" err="1"/>
+              <a:t>AssetLoadingPriority</a:t>
             </a:r>
             <a:endParaRPr lang="en-US" sz="1400" dirty="0"/>
           </a:p>
@@ -8766,10 +6419,10 @@
       </p:sp>
       <p:sp>
         <p:nvSpPr>
-          <p:cNvPr id="12" name="Rectangle: Rounded Corners 11">
-            <a:extLst>
-              <a:ext uri="{FF2B5EF4-FFF2-40B4-BE49-F238E27FC236}">
-                <a16:creationId xmlns:a16="http://schemas.microsoft.com/office/drawing/2014/main" id="{320E7630-0CFD-004A-B609-E0DE138512AF}"/>
+          <p:cNvPr id="4" name="Rectangle: Rounded Corners 3">
+            <a:extLst>
+              <a:ext uri="{FF2B5EF4-FFF2-40B4-BE49-F238E27FC236}">
+                <a16:creationId xmlns:a16="http://schemas.microsoft.com/office/drawing/2014/main" id="{9B34552E-9BD7-0A0C-084C-D59CBFB6B90F}"/>
               </a:ext>
             </a:extLst>
           </p:cNvPr>
@@ -8778,8 +6431,8 @@
         </p:nvSpPr>
         <p:spPr>
           <a:xfrm>
-            <a:off x="523542" y="5073844"/>
-            <a:ext cx="2506816" cy="291173"/>
+            <a:off x="1866509" y="415174"/>
+            <a:ext cx="2712098" cy="582346"/>
           </a:xfrm>
           <a:prstGeom prst="roundRect">
             <a:avLst/>
@@ -8806,33 +6459,17 @@
             <a:pPr algn="ctr"/>
             <a:r>
               <a:rPr lang="en-US" dirty="0"/>
-              <a:t>Asset</a:t>
-            </a:r>
-            <a:r>
-              <a:rPr lang="pl-PL" dirty="0"/>
-              <a:t>User</a:t>
-            </a:r>
-            <a:r>
-              <a:rPr lang="en-US" dirty="0"/>
-              <a:t>&lt;</a:t>
-            </a:r>
-            <a:r>
-              <a:rPr lang="en-US" dirty="0" err="1"/>
-              <a:t>tnAsset</a:t>
-            </a:r>
-            <a:r>
-              <a:rPr lang="en-US" dirty="0"/>
-              <a:t>&gt;</a:t>
-            </a:r>
-          </a:p>
-        </p:txBody>
-      </p:sp>
-      <p:sp>
-        <p:nvSpPr>
-          <p:cNvPr id="13" name="Rectangle: Rounded Corners 12">
-            <a:extLst>
-              <a:ext uri="{FF2B5EF4-FFF2-40B4-BE49-F238E27FC236}">
-                <a16:creationId xmlns:a16="http://schemas.microsoft.com/office/drawing/2014/main" id="{6334484C-A69B-18E0-6EA3-9161B22140C0}"/>
+              <a:t>Access</a:t>
+            </a:r>
+          </a:p>
+        </p:txBody>
+      </p:sp>
+      <p:sp>
+        <p:nvSpPr>
+          <p:cNvPr id="24" name="Rectangle: Rounded Corners 23">
+            <a:extLst>
+              <a:ext uri="{FF2B5EF4-FFF2-40B4-BE49-F238E27FC236}">
+                <a16:creationId xmlns:a16="http://schemas.microsoft.com/office/drawing/2014/main" id="{3EF42813-46D0-10FD-67DE-D6BACF08FB44}"/>
               </a:ext>
             </a:extLst>
           </p:cNvPr>
@@ -8841,60 +6478,8 @@
         </p:nvSpPr>
         <p:spPr>
           <a:xfrm>
-            <a:off x="9014643" y="4228943"/>
-            <a:ext cx="1444678" cy="291173"/>
-          </a:xfrm>
-          <a:prstGeom prst="roundRect">
-            <a:avLst/>
-          </a:prstGeom>
-        </p:spPr>
-        <p:style>
-          <a:lnRef idx="0">
-            <a:schemeClr val="accent1"/>
-          </a:lnRef>
-          <a:fillRef idx="3">
-            <a:schemeClr val="accent1"/>
-          </a:fillRef>
-          <a:effectRef idx="3">
-            <a:schemeClr val="accent1"/>
-          </a:effectRef>
-          <a:fontRef idx="minor">
-            <a:schemeClr val="lt1"/>
-          </a:fontRef>
-        </p:style>
-        <p:txBody>
-          <a:bodyPr rtlCol="0" anchor="ctr"/>
-          <a:lstStyle/>
-          <a:p>
-            <a:pPr algn="ctr"/>
-            <a:r>
-              <a:rPr lang="en-US" dirty="0"/>
-              <a:t>Asset</a:t>
-            </a:r>
-            <a:r>
-              <a:rPr lang="pl-PL" dirty="0" err="1"/>
-              <a:t>Loaders</a:t>
-            </a:r>
-            <a:endParaRPr lang="en-US" dirty="0"/>
-          </a:p>
-        </p:txBody>
-      </p:sp>
-      <p:sp>
-        <p:nvSpPr>
-          <p:cNvPr id="15" name="Rectangle: Rounded Corners 14">
-            <a:extLst>
-              <a:ext uri="{FF2B5EF4-FFF2-40B4-BE49-F238E27FC236}">
-                <a16:creationId xmlns:a16="http://schemas.microsoft.com/office/drawing/2014/main" id="{20318DE5-E77C-5009-EA86-699CDE0425AB}"/>
-              </a:ext>
-            </a:extLst>
-          </p:cNvPr>
-          <p:cNvSpPr/>
-          <p:nvPr/>
-        </p:nvSpPr>
-        <p:spPr>
-          <a:xfrm>
-            <a:off x="3333607" y="5248555"/>
-            <a:ext cx="2712098" cy="1166516"/>
+            <a:off x="2077621" y="1586433"/>
+            <a:ext cx="2396644" cy="363190"/>
           </a:xfrm>
           <a:prstGeom prst="roundRect">
             <a:avLst>
@@ -8926,104 +6511,17 @@
             </a:pPr>
             <a:r>
               <a:rPr lang="en-US" sz="1400" dirty="0"/>
-              <a:t>Like </a:t>
-            </a:r>
-            <a:r>
-              <a:rPr lang="pl-PL" sz="1400" dirty="0" err="1"/>
-              <a:t>shared</a:t>
-            </a:r>
-            <a:r>
-              <a:rPr lang="en-US" sz="1400" dirty="0"/>
-              <a:t>_</a:t>
-            </a:r>
-            <a:r>
-              <a:rPr lang="en-US" sz="1400" dirty="0" err="1"/>
-              <a:t>ptr</a:t>
-            </a:r>
-            <a:endParaRPr lang="pl-PL" sz="1400" dirty="0"/>
-          </a:p>
-          <a:p>
-            <a:pPr marL="285750" indent="-216000">
-              <a:buFont typeface="Arial" panose="020B0604020202020204" pitchFamily="34" charset="0"/>
-              <a:buChar char="•"/>
-            </a:pPr>
-            <a:r>
-              <a:rPr lang="pl-PL" sz="1400" dirty="0" err="1"/>
-              <a:t>Like</a:t>
-            </a:r>
-            <a:r>
-              <a:rPr lang="pl-PL" sz="1400" dirty="0"/>
-              <a:t> lock </a:t>
-            </a:r>
-            <a:r>
-              <a:rPr lang="pl-PL" sz="1400" dirty="0" err="1"/>
-              <a:t>guard</a:t>
-            </a:r>
-            <a:endParaRPr lang="pl-PL" sz="1400" dirty="0"/>
-          </a:p>
-          <a:p>
-            <a:pPr marL="285750" indent="-216000">
-              <a:buFont typeface="Arial" panose="020B0604020202020204" pitchFamily="34" charset="0"/>
-              <a:buChar char="•"/>
-            </a:pPr>
-            <a:r>
-              <a:rPr lang="pl-PL" sz="1400" dirty="0" err="1"/>
-              <a:t>Gives</a:t>
-            </a:r>
-            <a:r>
-              <a:rPr lang="pl-PL" sz="1400" dirty="0"/>
-              <a:t> </a:t>
-            </a:r>
-            <a:r>
-              <a:rPr lang="pl-PL" sz="1400" dirty="0" err="1"/>
-              <a:t>access</a:t>
-            </a:r>
-            <a:r>
-              <a:rPr lang="pl-PL" sz="1400" dirty="0"/>
-              <a:t> </a:t>
-            </a:r>
-            <a:r>
-              <a:rPr lang="pl-PL" sz="1400" dirty="0" err="1"/>
-              <a:t>only</a:t>
-            </a:r>
-            <a:r>
-              <a:rPr lang="pl-PL" sz="1400" dirty="0"/>
-              <a:t> to </a:t>
-            </a:r>
-            <a:r>
-              <a:rPr lang="pl-PL" sz="1400" dirty="0" err="1"/>
-              <a:t>const</a:t>
-            </a:r>
-            <a:r>
-              <a:rPr lang="pl-PL" sz="1400" dirty="0"/>
-              <a:t> </a:t>
-            </a:r>
-            <a:r>
-              <a:rPr lang="pl-PL" sz="1400" dirty="0" err="1"/>
-              <a:t>methods</a:t>
-            </a:r>
-            <a:r>
-              <a:rPr lang="pl-PL" sz="1400" dirty="0"/>
-              <a:t> of </a:t>
-            </a:r>
-            <a:r>
-              <a:rPr lang="en-US" sz="1400" dirty="0" err="1"/>
-              <a:t>tnA</a:t>
-            </a:r>
-            <a:r>
-              <a:rPr lang="pl-PL" sz="1400" dirty="0" err="1"/>
-              <a:t>sset</a:t>
-            </a:r>
-            <a:endParaRPr lang="en-US" sz="1400" dirty="0"/>
-          </a:p>
-        </p:txBody>
-      </p:sp>
-      <p:sp>
-        <p:nvSpPr>
-          <p:cNvPr id="27" name="Rectangle: Rounded Corners 26">
-            <a:extLst>
-              <a:ext uri="{FF2B5EF4-FFF2-40B4-BE49-F238E27FC236}">
-                <a16:creationId xmlns:a16="http://schemas.microsoft.com/office/drawing/2014/main" id="{4A759DC1-565C-90B3-E60A-0DE5E49147DE}"/>
+              <a:t>Generic interface to ECS</a:t>
+            </a:r>
+          </a:p>
+        </p:txBody>
+      </p:sp>
+      <p:sp>
+        <p:nvSpPr>
+          <p:cNvPr id="25" name="Rectangle: Rounded Corners 24">
+            <a:extLst>
+              <a:ext uri="{FF2B5EF4-FFF2-40B4-BE49-F238E27FC236}">
+                <a16:creationId xmlns:a16="http://schemas.microsoft.com/office/drawing/2014/main" id="{F2C9A6F4-DA46-462F-FA1E-C718EDD33103}"/>
               </a:ext>
             </a:extLst>
           </p:cNvPr>
@@ -9032,8 +6530,8 @@
         </p:nvSpPr>
         <p:spPr>
           <a:xfrm>
-            <a:off x="3436249" y="5075674"/>
-            <a:ext cx="2506816" cy="291173"/>
+            <a:off x="2902720" y="1354406"/>
+            <a:ext cx="746446" cy="291173"/>
           </a:xfrm>
           <a:prstGeom prst="roundRect">
             <a:avLst/>
@@ -9062,9 +6560,536 @@
               <a:rPr lang="en-US" dirty="0"/>
               <a:t>Asset</a:t>
             </a:r>
-            <a:r>
-              <a:rPr lang="pl-PL" dirty="0" err="1"/>
-              <a:t>Observer</a:t>
+          </a:p>
+        </p:txBody>
+      </p:sp>
+      <p:sp>
+        <p:nvSpPr>
+          <p:cNvPr id="26" name="Rectangle: Rounded Corners 25">
+            <a:extLst>
+              <a:ext uri="{FF2B5EF4-FFF2-40B4-BE49-F238E27FC236}">
+                <a16:creationId xmlns:a16="http://schemas.microsoft.com/office/drawing/2014/main" id="{085EAEF1-A414-DCE0-CB7D-4284A65BA02B}"/>
+              </a:ext>
+            </a:extLst>
+          </p:cNvPr>
+          <p:cNvSpPr/>
+          <p:nvPr/>
+        </p:nvSpPr>
+        <p:spPr>
+          <a:xfrm>
+            <a:off x="576948" y="2167078"/>
+            <a:ext cx="5312226" cy="1645323"/>
+          </a:xfrm>
+          <a:prstGeom prst="roundRect">
+            <a:avLst>
+              <a:gd name="adj" fmla="val 7245"/>
+            </a:avLst>
+          </a:prstGeom>
+        </p:spPr>
+        <p:style>
+          <a:lnRef idx="1">
+            <a:schemeClr val="accent1"/>
+          </a:lnRef>
+          <a:fillRef idx="2">
+            <a:schemeClr val="accent1"/>
+          </a:fillRef>
+          <a:effectRef idx="1">
+            <a:schemeClr val="accent1"/>
+          </a:effectRef>
+          <a:fontRef idx="minor">
+            <a:schemeClr val="dk1"/>
+          </a:fontRef>
+        </p:style>
+        <p:txBody>
+          <a:bodyPr rtlCol="0" anchor="ctr"/>
+          <a:lstStyle/>
+          <a:p>
+            <a:pPr marL="285750" indent="-216000">
+              <a:buFont typeface="Arial" panose="020B0604020202020204" pitchFamily="34" charset="0"/>
+              <a:buChar char="•"/>
+            </a:pPr>
+            <a:r>
+              <a:rPr lang="en-US" sz="1400" dirty="0"/>
+              <a:t>Concrete Asset</a:t>
+            </a:r>
+          </a:p>
+          <a:p>
+            <a:pPr marL="285750" indent="-216000">
+              <a:buFont typeface="Arial" panose="020B0604020202020204" pitchFamily="34" charset="0"/>
+              <a:buChar char="•"/>
+            </a:pPr>
+            <a:r>
+              <a:rPr lang="en-US" sz="1400" dirty="0"/>
+              <a:t>Public only methods specific to its</a:t>
+            </a:r>
+            <a:br>
+              <a:rPr lang="en-US" sz="1400" dirty="0"/>
+            </a:br>
+            <a:r>
+              <a:rPr lang="en-US" sz="1400" dirty="0"/>
+              <a:t>asset type</a:t>
+            </a:r>
+          </a:p>
+          <a:p>
+            <a:pPr marL="285750" indent="-216000">
+              <a:buFont typeface="Arial" panose="020B0604020202020204" pitchFamily="34" charset="0"/>
+              <a:buChar char="•"/>
+            </a:pPr>
+            <a:r>
+              <a:rPr lang="en-US" sz="1400" dirty="0"/>
+              <a:t>Can be conceptualized as an asset</a:t>
+            </a:r>
+            <a:br>
+              <a:rPr lang="en-US" sz="1400" dirty="0"/>
+            </a:br>
+            <a:r>
+              <a:rPr lang="en-US" sz="1400" dirty="0"/>
+              <a:t>itself, but actually is just an interface</a:t>
+            </a:r>
+            <a:br>
+              <a:rPr lang="en-US" sz="1400" dirty="0"/>
+            </a:br>
+            <a:r>
+              <a:rPr lang="en-US" sz="1400" dirty="0"/>
+              <a:t>to ECS</a:t>
+            </a:r>
+          </a:p>
+        </p:txBody>
+      </p:sp>
+      <p:sp>
+        <p:nvSpPr>
+          <p:cNvPr id="29" name="Rectangle: Rounded Corners 28">
+            <a:extLst>
+              <a:ext uri="{FF2B5EF4-FFF2-40B4-BE49-F238E27FC236}">
+                <a16:creationId xmlns:a16="http://schemas.microsoft.com/office/drawing/2014/main" id="{74B9983E-B778-6BFD-97D6-90BE954CD878}"/>
+              </a:ext>
+            </a:extLst>
+          </p:cNvPr>
+          <p:cNvSpPr/>
+          <p:nvPr/>
+        </p:nvSpPr>
+        <p:spPr>
+          <a:xfrm>
+            <a:off x="4110914" y="2262272"/>
+            <a:ext cx="1698172" cy="291173"/>
+          </a:xfrm>
+          <a:prstGeom prst="roundRect">
+            <a:avLst/>
+          </a:prstGeom>
+        </p:spPr>
+        <p:style>
+          <a:lnRef idx="0">
+            <a:schemeClr val="accent1"/>
+          </a:lnRef>
+          <a:fillRef idx="3">
+            <a:schemeClr val="accent1"/>
+          </a:fillRef>
+          <a:effectRef idx="3">
+            <a:schemeClr val="accent1"/>
+          </a:effectRef>
+          <a:fontRef idx="minor">
+            <a:schemeClr val="lt1"/>
+          </a:fontRef>
+        </p:style>
+        <p:txBody>
+          <a:bodyPr rtlCol="0" anchor="ctr"/>
+          <a:lstStyle/>
+          <a:p>
+            <a:r>
+              <a:rPr lang="en-US" dirty="0"/>
+              <a:t>Texture : Asset</a:t>
+            </a:r>
+          </a:p>
+        </p:txBody>
+      </p:sp>
+      <p:sp>
+        <p:nvSpPr>
+          <p:cNvPr id="30" name="Rectangle: Rounded Corners 29">
+            <a:extLst>
+              <a:ext uri="{FF2B5EF4-FFF2-40B4-BE49-F238E27FC236}">
+                <a16:creationId xmlns:a16="http://schemas.microsoft.com/office/drawing/2014/main" id="{8F679557-2737-50F4-CB08-593E0B2C31EB}"/>
+              </a:ext>
+            </a:extLst>
+          </p:cNvPr>
+          <p:cNvSpPr/>
+          <p:nvPr/>
+        </p:nvSpPr>
+        <p:spPr>
+          <a:xfrm>
+            <a:off x="4110914" y="2647068"/>
+            <a:ext cx="1698172" cy="291173"/>
+          </a:xfrm>
+          <a:prstGeom prst="roundRect">
+            <a:avLst/>
+          </a:prstGeom>
+        </p:spPr>
+        <p:style>
+          <a:lnRef idx="0">
+            <a:schemeClr val="accent1"/>
+          </a:lnRef>
+          <a:fillRef idx="3">
+            <a:schemeClr val="accent1"/>
+          </a:fillRef>
+          <a:effectRef idx="3">
+            <a:schemeClr val="accent1"/>
+          </a:effectRef>
+          <a:fontRef idx="minor">
+            <a:schemeClr val="lt1"/>
+          </a:fontRef>
+        </p:style>
+        <p:txBody>
+          <a:bodyPr rtlCol="0" anchor="ctr"/>
+          <a:lstStyle/>
+          <a:p>
+            <a:r>
+              <a:rPr lang="en-US" dirty="0"/>
+              <a:t>Shader : Asset</a:t>
+            </a:r>
+          </a:p>
+        </p:txBody>
+      </p:sp>
+      <p:sp>
+        <p:nvSpPr>
+          <p:cNvPr id="31" name="Rectangle: Rounded Corners 30">
+            <a:extLst>
+              <a:ext uri="{FF2B5EF4-FFF2-40B4-BE49-F238E27FC236}">
+                <a16:creationId xmlns:a16="http://schemas.microsoft.com/office/drawing/2014/main" id="{70A4F2A2-BE78-F95E-C47E-3E2C5C01F0FB}"/>
+              </a:ext>
+            </a:extLst>
+          </p:cNvPr>
+          <p:cNvSpPr/>
+          <p:nvPr/>
+        </p:nvSpPr>
+        <p:spPr>
+          <a:xfrm>
+            <a:off x="4110914" y="3031864"/>
+            <a:ext cx="1698172" cy="291173"/>
+          </a:xfrm>
+          <a:prstGeom prst="roundRect">
+            <a:avLst/>
+          </a:prstGeom>
+        </p:spPr>
+        <p:style>
+          <a:lnRef idx="0">
+            <a:schemeClr val="accent1"/>
+          </a:lnRef>
+          <a:fillRef idx="3">
+            <a:schemeClr val="accent1"/>
+          </a:fillRef>
+          <a:effectRef idx="3">
+            <a:schemeClr val="accent1"/>
+          </a:effectRef>
+          <a:fontRef idx="minor">
+            <a:schemeClr val="lt1"/>
+          </a:fontRef>
+        </p:style>
+        <p:txBody>
+          <a:bodyPr rtlCol="0" anchor="ctr"/>
+          <a:lstStyle/>
+          <a:p>
+            <a:r>
+              <a:rPr lang="en-US" dirty="0"/>
+              <a:t>Material : Asset</a:t>
+            </a:r>
+          </a:p>
+        </p:txBody>
+      </p:sp>
+      <p:sp>
+        <p:nvSpPr>
+          <p:cNvPr id="32" name="Rectangle: Rounded Corners 31">
+            <a:extLst>
+              <a:ext uri="{FF2B5EF4-FFF2-40B4-BE49-F238E27FC236}">
+                <a16:creationId xmlns:a16="http://schemas.microsoft.com/office/drawing/2014/main" id="{F0D7A861-8771-2F69-5AF5-A01C91A04648}"/>
+              </a:ext>
+            </a:extLst>
+          </p:cNvPr>
+          <p:cNvSpPr/>
+          <p:nvPr/>
+        </p:nvSpPr>
+        <p:spPr>
+          <a:xfrm>
+            <a:off x="4110914" y="3416660"/>
+            <a:ext cx="1698172" cy="291173"/>
+          </a:xfrm>
+          <a:prstGeom prst="roundRect">
+            <a:avLst/>
+          </a:prstGeom>
+        </p:spPr>
+        <p:style>
+          <a:lnRef idx="0">
+            <a:schemeClr val="accent1"/>
+          </a:lnRef>
+          <a:fillRef idx="3">
+            <a:schemeClr val="accent1"/>
+          </a:fillRef>
+          <a:effectRef idx="3">
+            <a:schemeClr val="accent1"/>
+          </a:effectRef>
+          <a:fontRef idx="minor">
+            <a:schemeClr val="lt1"/>
+          </a:fontRef>
+        </p:style>
+        <p:txBody>
+          <a:bodyPr rtlCol="0" anchor="ctr"/>
+          <a:lstStyle/>
+          <a:p>
+            <a:r>
+              <a:rPr lang="en-US" dirty="0"/>
+              <a:t>Audio : Asset</a:t>
+            </a:r>
+          </a:p>
+        </p:txBody>
+      </p:sp>
+      <p:cxnSp>
+        <p:nvCxnSpPr>
+          <p:cNvPr id="34" name="Straight Arrow Connector 33">
+            <a:extLst>
+              <a:ext uri="{FF2B5EF4-FFF2-40B4-BE49-F238E27FC236}">
+                <a16:creationId xmlns:a16="http://schemas.microsoft.com/office/drawing/2014/main" id="{368638C0-86FD-BF63-CFD7-AD8590CC15AA}"/>
+              </a:ext>
+            </a:extLst>
+          </p:cNvPr>
+          <p:cNvCxnSpPr>
+            <a:cxnSpLocks/>
+          </p:cNvCxnSpPr>
+          <p:nvPr/>
+        </p:nvCxnSpPr>
+        <p:spPr>
+          <a:xfrm>
+            <a:off x="3736914" y="1949623"/>
+            <a:ext cx="0" cy="217455"/>
+          </a:xfrm>
+          <a:prstGeom prst="straightConnector1">
+            <a:avLst/>
+          </a:prstGeom>
+          <a:ln>
+            <a:tailEnd type="triangle"/>
+          </a:ln>
+        </p:spPr>
+        <p:style>
+          <a:lnRef idx="3">
+            <a:schemeClr val="accent1"/>
+          </a:lnRef>
+          <a:fillRef idx="0">
+            <a:schemeClr val="accent1"/>
+          </a:fillRef>
+          <a:effectRef idx="2">
+            <a:schemeClr val="accent1"/>
+          </a:effectRef>
+          <a:fontRef idx="minor">
+            <a:schemeClr val="tx1"/>
+          </a:fontRef>
+        </p:style>
+      </p:cxnSp>
+      <p:cxnSp>
+        <p:nvCxnSpPr>
+          <p:cNvPr id="39" name="Connector: Elbow 38">
+            <a:extLst>
+              <a:ext uri="{FF2B5EF4-FFF2-40B4-BE49-F238E27FC236}">
+                <a16:creationId xmlns:a16="http://schemas.microsoft.com/office/drawing/2014/main" id="{CAD081EE-3F1B-2C36-94C4-8FB30D431875}"/>
+              </a:ext>
+            </a:extLst>
+          </p:cNvPr>
+          <p:cNvCxnSpPr>
+            <a:endCxn id="32" idx="1"/>
+          </p:cNvCxnSpPr>
+          <p:nvPr/>
+        </p:nvCxnSpPr>
+        <p:spPr>
+          <a:xfrm rot="16200000" flipH="1">
+            <a:off x="3226330" y="2677662"/>
+            <a:ext cx="1395169" cy="374000"/>
+          </a:xfrm>
+          <a:prstGeom prst="bentConnector2">
+            <a:avLst/>
+          </a:prstGeom>
+          <a:ln>
+            <a:tailEnd type="triangle"/>
+          </a:ln>
+        </p:spPr>
+        <p:style>
+          <a:lnRef idx="3">
+            <a:schemeClr val="accent1"/>
+          </a:lnRef>
+          <a:fillRef idx="0">
+            <a:schemeClr val="accent1"/>
+          </a:fillRef>
+          <a:effectRef idx="2">
+            <a:schemeClr val="accent1"/>
+          </a:effectRef>
+          <a:fontRef idx="minor">
+            <a:schemeClr val="tx1"/>
+          </a:fontRef>
+        </p:style>
+      </p:cxnSp>
+      <p:cxnSp>
+        <p:nvCxnSpPr>
+          <p:cNvPr id="41" name="Connector: Elbow 40">
+            <a:extLst>
+              <a:ext uri="{FF2B5EF4-FFF2-40B4-BE49-F238E27FC236}">
+                <a16:creationId xmlns:a16="http://schemas.microsoft.com/office/drawing/2014/main" id="{750701F6-5177-1999-9EA9-4246A9AEFB83}"/>
+              </a:ext>
+            </a:extLst>
+          </p:cNvPr>
+          <p:cNvCxnSpPr>
+            <a:endCxn id="31" idx="1"/>
+          </p:cNvCxnSpPr>
+          <p:nvPr/>
+        </p:nvCxnSpPr>
+        <p:spPr>
+          <a:xfrm rot="16200000" flipH="1">
+            <a:off x="3418726" y="2485263"/>
+            <a:ext cx="1010374" cy="374001"/>
+          </a:xfrm>
+          <a:prstGeom prst="bentConnector2">
+            <a:avLst/>
+          </a:prstGeom>
+          <a:ln>
+            <a:tailEnd type="triangle"/>
+          </a:ln>
+        </p:spPr>
+        <p:style>
+          <a:lnRef idx="3">
+            <a:schemeClr val="accent1"/>
+          </a:lnRef>
+          <a:fillRef idx="0">
+            <a:schemeClr val="accent1"/>
+          </a:fillRef>
+          <a:effectRef idx="2">
+            <a:schemeClr val="accent1"/>
+          </a:effectRef>
+          <a:fontRef idx="minor">
+            <a:schemeClr val="tx1"/>
+          </a:fontRef>
+        </p:style>
+      </p:cxnSp>
+      <p:cxnSp>
+        <p:nvCxnSpPr>
+          <p:cNvPr id="43" name="Connector: Elbow 42">
+            <a:extLst>
+              <a:ext uri="{FF2B5EF4-FFF2-40B4-BE49-F238E27FC236}">
+                <a16:creationId xmlns:a16="http://schemas.microsoft.com/office/drawing/2014/main" id="{FDA2C075-ACAB-899D-7CC7-AF48D767B0BC}"/>
+              </a:ext>
+            </a:extLst>
+          </p:cNvPr>
+          <p:cNvCxnSpPr>
+            <a:endCxn id="30" idx="1"/>
+          </p:cNvCxnSpPr>
+          <p:nvPr/>
+        </p:nvCxnSpPr>
+        <p:spPr>
+          <a:xfrm rot="16200000" flipH="1">
+            <a:off x="3611123" y="2292863"/>
+            <a:ext cx="625579" cy="374003"/>
+          </a:xfrm>
+          <a:prstGeom prst="bentConnector2">
+            <a:avLst/>
+          </a:prstGeom>
+          <a:ln>
+            <a:tailEnd type="triangle"/>
+          </a:ln>
+        </p:spPr>
+        <p:style>
+          <a:lnRef idx="3">
+            <a:schemeClr val="accent1"/>
+          </a:lnRef>
+          <a:fillRef idx="0">
+            <a:schemeClr val="accent1"/>
+          </a:fillRef>
+          <a:effectRef idx="2">
+            <a:schemeClr val="accent1"/>
+          </a:effectRef>
+          <a:fontRef idx="minor">
+            <a:schemeClr val="tx1"/>
+          </a:fontRef>
+        </p:style>
+      </p:cxnSp>
+      <p:cxnSp>
+        <p:nvCxnSpPr>
+          <p:cNvPr id="45" name="Connector: Elbow 44">
+            <a:extLst>
+              <a:ext uri="{FF2B5EF4-FFF2-40B4-BE49-F238E27FC236}">
+                <a16:creationId xmlns:a16="http://schemas.microsoft.com/office/drawing/2014/main" id="{93FCDE67-0159-EB48-396A-210D41E520E1}"/>
+              </a:ext>
+            </a:extLst>
+          </p:cNvPr>
+          <p:cNvCxnSpPr>
+            <a:endCxn id="29" idx="1"/>
+          </p:cNvCxnSpPr>
+          <p:nvPr/>
+        </p:nvCxnSpPr>
+        <p:spPr>
+          <a:xfrm>
+            <a:off x="3736910" y="2167074"/>
+            <a:ext cx="374004" cy="240785"/>
+          </a:xfrm>
+          <a:prstGeom prst="bentConnector3">
+            <a:avLst>
+              <a:gd name="adj1" fmla="val 104"/>
+            </a:avLst>
+          </a:prstGeom>
+          <a:ln>
+            <a:tailEnd type="triangle"/>
+          </a:ln>
+        </p:spPr>
+        <p:style>
+          <a:lnRef idx="3">
+            <a:schemeClr val="accent1"/>
+          </a:lnRef>
+          <a:fillRef idx="0">
+            <a:schemeClr val="accent1"/>
+          </a:fillRef>
+          <a:effectRef idx="2">
+            <a:schemeClr val="accent1"/>
+          </a:effectRef>
+          <a:fontRef idx="minor">
+            <a:schemeClr val="tx1"/>
+          </a:fontRef>
+        </p:style>
+      </p:cxnSp>
+      <p:sp>
+        <p:nvSpPr>
+          <p:cNvPr id="48" name="Rectangle: Rounded Corners 47">
+            <a:extLst>
+              <a:ext uri="{FF2B5EF4-FFF2-40B4-BE49-F238E27FC236}">
+                <a16:creationId xmlns:a16="http://schemas.microsoft.com/office/drawing/2014/main" id="{B1B16EFC-0F53-09AF-F5F4-6F198738767F}"/>
+              </a:ext>
+            </a:extLst>
+          </p:cNvPr>
+          <p:cNvSpPr/>
+          <p:nvPr/>
+        </p:nvSpPr>
+        <p:spPr>
+          <a:xfrm>
+            <a:off x="2077621" y="3993092"/>
+            <a:ext cx="2310881" cy="291173"/>
+          </a:xfrm>
+          <a:prstGeom prst="roundRect">
+            <a:avLst/>
+          </a:prstGeom>
+        </p:spPr>
+        <p:style>
+          <a:lnRef idx="0">
+            <a:schemeClr val="accent1"/>
+          </a:lnRef>
+          <a:fillRef idx="3">
+            <a:schemeClr val="accent1"/>
+          </a:fillRef>
+          <a:effectRef idx="3">
+            <a:schemeClr val="accent1"/>
+          </a:effectRef>
+          <a:fontRef idx="minor">
+            <a:schemeClr val="lt1"/>
+          </a:fontRef>
+        </p:style>
+        <p:txBody>
+          <a:bodyPr rtlCol="0" anchor="ctr"/>
+          <a:lstStyle/>
+          <a:p>
+            <a:pPr algn="ctr"/>
+            <a:r>
+              <a:rPr lang="en-US" dirty="0" err="1"/>
+              <a:t>AssetHandle</a:t>
             </a:r>
             <a:r>
               <a:rPr lang="en-US" dirty="0"/>
@@ -9078,6 +7103,262 @@
               <a:rPr lang="en-US" dirty="0"/>
               <a:t>&gt;</a:t>
             </a:r>
+          </a:p>
+        </p:txBody>
+      </p:sp>
+      <p:sp>
+        <p:nvSpPr>
+          <p:cNvPr id="3" name="Rectangle: Rounded Corners 2">
+            <a:extLst>
+              <a:ext uri="{FF2B5EF4-FFF2-40B4-BE49-F238E27FC236}">
+                <a16:creationId xmlns:a16="http://schemas.microsoft.com/office/drawing/2014/main" id="{67138047-1435-4CFC-D361-44E0446CC57E}"/>
+              </a:ext>
+            </a:extLst>
+          </p:cNvPr>
+          <p:cNvSpPr/>
+          <p:nvPr/>
+        </p:nvSpPr>
+        <p:spPr>
+          <a:xfrm>
+            <a:off x="601344" y="5379773"/>
+            <a:ext cx="2272508" cy="890403"/>
+          </a:xfrm>
+          <a:prstGeom prst="roundRect">
+            <a:avLst>
+              <a:gd name="adj" fmla="val 12160"/>
+            </a:avLst>
+          </a:prstGeom>
+        </p:spPr>
+        <p:style>
+          <a:lnRef idx="1">
+            <a:schemeClr val="accent1"/>
+          </a:lnRef>
+          <a:fillRef idx="2">
+            <a:schemeClr val="accent1"/>
+          </a:fillRef>
+          <a:effectRef idx="1">
+            <a:schemeClr val="accent1"/>
+          </a:effectRef>
+          <a:fontRef idx="minor">
+            <a:schemeClr val="dk1"/>
+          </a:fontRef>
+        </p:style>
+        <p:txBody>
+          <a:bodyPr rtlCol="0" anchor="ctr"/>
+          <a:lstStyle/>
+          <a:p>
+            <a:pPr marL="285750" indent="-216000">
+              <a:buFont typeface="Arial" panose="020B0604020202020204" pitchFamily="34" charset="0"/>
+              <a:buChar char="•"/>
+            </a:pPr>
+            <a:r>
+              <a:rPr lang="en-US" sz="1400" dirty="0"/>
+              <a:t>Like </a:t>
+            </a:r>
+            <a:r>
+              <a:rPr lang="en-US" sz="1400" dirty="0" err="1"/>
+              <a:t>unique_ptr</a:t>
+            </a:r>
+            <a:endParaRPr lang="en-US" sz="1400" dirty="0"/>
+          </a:p>
+          <a:p>
+            <a:pPr marL="285750" indent="-216000">
+              <a:buFont typeface="Arial" panose="020B0604020202020204" pitchFamily="34" charset="0"/>
+              <a:buChar char="•"/>
+            </a:pPr>
+            <a:r>
+              <a:rPr lang="en-US" sz="1400" dirty="0"/>
+              <a:t>Like lock guard</a:t>
+            </a:r>
+          </a:p>
+        </p:txBody>
+      </p:sp>
+      <p:sp>
+        <p:nvSpPr>
+          <p:cNvPr id="12" name="Rectangle: Rounded Corners 11">
+            <a:extLst>
+              <a:ext uri="{FF2B5EF4-FFF2-40B4-BE49-F238E27FC236}">
+                <a16:creationId xmlns:a16="http://schemas.microsoft.com/office/drawing/2014/main" id="{320E7630-0CFD-004A-B609-E0DE138512AF}"/>
+              </a:ext>
+            </a:extLst>
+          </p:cNvPr>
+          <p:cNvSpPr/>
+          <p:nvPr/>
+        </p:nvSpPr>
+        <p:spPr>
+          <a:xfrm>
+            <a:off x="423019" y="5194447"/>
+            <a:ext cx="2668044" cy="291173"/>
+          </a:xfrm>
+          <a:prstGeom prst="roundRect">
+            <a:avLst/>
+          </a:prstGeom>
+        </p:spPr>
+        <p:style>
+          <a:lnRef idx="0">
+            <a:schemeClr val="accent1"/>
+          </a:lnRef>
+          <a:fillRef idx="3">
+            <a:schemeClr val="accent1"/>
+          </a:fillRef>
+          <a:effectRef idx="3">
+            <a:schemeClr val="accent1"/>
+          </a:effectRef>
+          <a:fontRef idx="minor">
+            <a:schemeClr val="lt1"/>
+          </a:fontRef>
+        </p:style>
+        <p:txBody>
+          <a:bodyPr rtlCol="0" anchor="ctr"/>
+          <a:lstStyle/>
+          <a:p>
+            <a:pPr algn="ctr"/>
+            <a:r>
+              <a:rPr lang="en-US" dirty="0" err="1"/>
+              <a:t>AssetUser</a:t>
+            </a:r>
+            <a:r>
+              <a:rPr lang="en-US" dirty="0"/>
+              <a:t>&lt;&gt; : </a:t>
+            </a:r>
+            <a:r>
+              <a:rPr lang="en-US" dirty="0" err="1"/>
+              <a:t>tnAsset</a:t>
+            </a:r>
+            <a:endParaRPr lang="en-US" dirty="0"/>
+          </a:p>
+        </p:txBody>
+      </p:sp>
+      <p:sp>
+        <p:nvSpPr>
+          <p:cNvPr id="15" name="Rectangle: Rounded Corners 14">
+            <a:extLst>
+              <a:ext uri="{FF2B5EF4-FFF2-40B4-BE49-F238E27FC236}">
+                <a16:creationId xmlns:a16="http://schemas.microsoft.com/office/drawing/2014/main" id="{20318DE5-E77C-5009-EA86-699CDE0425AB}"/>
+              </a:ext>
+            </a:extLst>
+          </p:cNvPr>
+          <p:cNvSpPr/>
+          <p:nvPr/>
+        </p:nvSpPr>
+        <p:spPr>
+          <a:xfrm>
+            <a:off x="3555506" y="5381603"/>
+            <a:ext cx="2272508" cy="890403"/>
+          </a:xfrm>
+          <a:prstGeom prst="roundRect">
+            <a:avLst>
+              <a:gd name="adj" fmla="val 12160"/>
+            </a:avLst>
+          </a:prstGeom>
+        </p:spPr>
+        <p:style>
+          <a:lnRef idx="1">
+            <a:schemeClr val="accent1"/>
+          </a:lnRef>
+          <a:fillRef idx="2">
+            <a:schemeClr val="accent1"/>
+          </a:fillRef>
+          <a:effectRef idx="1">
+            <a:schemeClr val="accent1"/>
+          </a:effectRef>
+          <a:fontRef idx="minor">
+            <a:schemeClr val="dk1"/>
+          </a:fontRef>
+        </p:style>
+        <p:txBody>
+          <a:bodyPr rtlCol="0" anchor="b"/>
+          <a:lstStyle/>
+          <a:p>
+            <a:pPr marL="285750" indent="-216000">
+              <a:buFont typeface="Arial" panose="020B0604020202020204" pitchFamily="34" charset="0"/>
+              <a:buChar char="•"/>
+            </a:pPr>
+            <a:r>
+              <a:rPr lang="en-US" sz="1400" dirty="0"/>
+              <a:t>Like </a:t>
+            </a:r>
+            <a:r>
+              <a:rPr lang="en-US" sz="1400" dirty="0" err="1"/>
+              <a:t>shared_ptr</a:t>
+            </a:r>
+            <a:endParaRPr lang="en-US" sz="1400" dirty="0"/>
+          </a:p>
+          <a:p>
+            <a:pPr marL="285750" indent="-216000">
+              <a:buFont typeface="Arial" panose="020B0604020202020204" pitchFamily="34" charset="0"/>
+              <a:buChar char="•"/>
+            </a:pPr>
+            <a:r>
+              <a:rPr lang="en-US" sz="1400" dirty="0"/>
+              <a:t>Like lock guard</a:t>
+            </a:r>
+          </a:p>
+          <a:p>
+            <a:pPr marL="285750" indent="-216000">
+              <a:buFont typeface="Arial" panose="020B0604020202020204" pitchFamily="34" charset="0"/>
+              <a:buChar char="•"/>
+            </a:pPr>
+            <a:r>
+              <a:rPr lang="en-US" sz="1400" dirty="0"/>
+              <a:t>Always const</a:t>
+            </a:r>
+          </a:p>
+        </p:txBody>
+      </p:sp>
+      <p:sp>
+        <p:nvSpPr>
+          <p:cNvPr id="27" name="Rectangle: Rounded Corners 26">
+            <a:extLst>
+              <a:ext uri="{FF2B5EF4-FFF2-40B4-BE49-F238E27FC236}">
+                <a16:creationId xmlns:a16="http://schemas.microsoft.com/office/drawing/2014/main" id="{4A759DC1-565C-90B3-E60A-0DE5E49147DE}"/>
+              </a:ext>
+            </a:extLst>
+          </p:cNvPr>
+          <p:cNvSpPr/>
+          <p:nvPr/>
+        </p:nvSpPr>
+        <p:spPr>
+          <a:xfrm>
+            <a:off x="3377181" y="5196277"/>
+            <a:ext cx="2668044" cy="291173"/>
+          </a:xfrm>
+          <a:prstGeom prst="roundRect">
+            <a:avLst/>
+          </a:prstGeom>
+        </p:spPr>
+        <p:style>
+          <a:lnRef idx="0">
+            <a:schemeClr val="accent1"/>
+          </a:lnRef>
+          <a:fillRef idx="3">
+            <a:schemeClr val="accent1"/>
+          </a:fillRef>
+          <a:effectRef idx="3">
+            <a:schemeClr val="accent1"/>
+          </a:effectRef>
+          <a:fontRef idx="minor">
+            <a:schemeClr val="lt1"/>
+          </a:fontRef>
+        </p:style>
+        <p:txBody>
+          <a:bodyPr rtlCol="0" anchor="ctr"/>
+          <a:lstStyle/>
+          <a:p>
+            <a:pPr algn="ctr"/>
+            <a:r>
+              <a:rPr lang="en-US" dirty="0" err="1"/>
+              <a:t>AssetObserver</a:t>
+            </a:r>
+            <a:r>
+              <a:rPr lang="en-US" dirty="0"/>
+              <a:t>&lt;&gt; : </a:t>
+            </a:r>
+            <a:r>
+              <a:rPr lang="en-US" dirty="0" err="1"/>
+              <a:t>tnAsset</a:t>
+            </a:r>
+            <a:endParaRPr lang="en-US" dirty="0"/>
           </a:p>
         </p:txBody>
       </p:sp>
@@ -9098,8 +7379,8 @@
         </p:nvCxnSpPr>
         <p:spPr>
           <a:xfrm flipH="1">
-            <a:off x="2411431" y="4374807"/>
-            <a:ext cx="843119" cy="699037"/>
+            <a:off x="2602017" y="4569740"/>
+            <a:ext cx="631044" cy="616038"/>
           </a:xfrm>
           <a:prstGeom prst="straightConnector1">
             <a:avLst/>
@@ -9142,8 +7423,8 @@
         </p:nvCxnSpPr>
         <p:spPr>
           <a:xfrm>
-            <a:off x="3254550" y="4374807"/>
-            <a:ext cx="796210" cy="699037"/>
+            <a:off x="3233061" y="4569740"/>
+            <a:ext cx="631044" cy="624707"/>
           </a:xfrm>
           <a:prstGeom prst="straightConnector1">
             <a:avLst/>
@@ -9183,7 +7464,7 @@
         </p:nvSpPr>
         <p:spPr>
           <a:xfrm>
-            <a:off x="3698530" y="4450392"/>
+            <a:off x="3739548" y="4679880"/>
             <a:ext cx="987487" cy="291173"/>
           </a:xfrm>
           <a:prstGeom prst="roundRect">
@@ -9210,18 +7491,9 @@
           <a:p>
             <a:pPr algn="ctr"/>
             <a:r>
-              <a:rPr lang="pl-PL" sz="1400" dirty="0"/>
-              <a:t>.</a:t>
-            </a:r>
-            <a:r>
-              <a:rPr lang="pl-PL" sz="1400" dirty="0" err="1"/>
-              <a:t>Observe</a:t>
-            </a:r>
-            <a:r>
-              <a:rPr lang="pl-PL" sz="1400" dirty="0"/>
-              <a:t>()</a:t>
-            </a:r>
-            <a:endParaRPr lang="en-US" sz="1400" dirty="0"/>
+              <a:rPr lang="en-US" sz="1400" dirty="0"/>
+              <a:t>.Observe()</a:t>
+            </a:r>
           </a:p>
         </p:txBody>
       </p:sp>
@@ -9239,7 +7511,7 @@
         </p:nvSpPr>
         <p:spPr>
           <a:xfrm>
-            <a:off x="2162621" y="4450392"/>
+            <a:off x="2074712" y="4679779"/>
             <a:ext cx="641728" cy="291173"/>
           </a:xfrm>
           <a:prstGeom prst="roundRect">
@@ -9266,18 +7538,9 @@
           <a:p>
             <a:pPr algn="ctr"/>
             <a:r>
-              <a:rPr lang="pl-PL" sz="1400" dirty="0"/>
-              <a:t>.</a:t>
-            </a:r>
-            <a:r>
-              <a:rPr lang="pl-PL" sz="1400" dirty="0" err="1"/>
-              <a:t>Use</a:t>
-            </a:r>
-            <a:r>
-              <a:rPr lang="pl-PL" sz="1400" dirty="0"/>
-              <a:t>()</a:t>
-            </a:r>
-            <a:endParaRPr lang="en-US" sz="1400" dirty="0"/>
+              <a:rPr lang="en-US" sz="1400" dirty="0"/>
+              <a:t>.Use()</a:t>
+            </a:r>
           </a:p>
         </p:txBody>
       </p:sp>
@@ -9290,13 +7553,15 @@
               </a:ext>
             </a:extLst>
           </p:cNvPr>
-          <p:cNvCxnSpPr/>
+          <p:cNvCxnSpPr>
+            <a:cxnSpLocks/>
+          </p:cNvCxnSpPr>
           <p:nvPr/>
         </p:nvCxnSpPr>
         <p:spPr>
           <a:xfrm>
-            <a:off x="5411755" y="3317066"/>
-            <a:ext cx="0" cy="1756778"/>
+            <a:off x="5413849" y="3812401"/>
+            <a:ext cx="0" cy="1382046"/>
           </a:xfrm>
           <a:prstGeom prst="straightConnector1">
             <a:avLst/>
@@ -9336,8 +7601,8 @@
         </p:nvCxnSpPr>
         <p:spPr>
           <a:xfrm flipH="1">
-            <a:off x="1148041" y="3317066"/>
-            <a:ext cx="21396" cy="1756778"/>
+            <a:off x="1150135" y="3812401"/>
+            <a:ext cx="25404" cy="1382046"/>
           </a:xfrm>
           <a:prstGeom prst="straightConnector1">
             <a:avLst/>
@@ -9361,10 +7626,1077 @@
           </a:fontRef>
         </p:style>
       </p:cxnSp>
+      <p:sp>
+        <p:nvSpPr>
+          <p:cNvPr id="7" name="Rectangle: Rounded Corners 3">
+            <a:extLst>
+              <a:ext uri="{FF2B5EF4-FFF2-40B4-BE49-F238E27FC236}">
+                <a16:creationId xmlns:a16="http://schemas.microsoft.com/office/drawing/2014/main" id="{2AC0048E-D772-5FE3-D7BA-FDBAF51C3A99}"/>
+              </a:ext>
+            </a:extLst>
+          </p:cNvPr>
+          <p:cNvSpPr/>
+          <p:nvPr/>
+        </p:nvSpPr>
+        <p:spPr>
+          <a:xfrm>
+            <a:off x="7613393" y="415174"/>
+            <a:ext cx="2712098" cy="582346"/>
+          </a:xfrm>
+          <a:prstGeom prst="roundRect">
+            <a:avLst/>
+          </a:prstGeom>
+        </p:spPr>
+        <p:style>
+          <a:lnRef idx="0">
+            <a:schemeClr val="accent1"/>
+          </a:lnRef>
+          <a:fillRef idx="3">
+            <a:schemeClr val="accent1"/>
+          </a:fillRef>
+          <a:effectRef idx="3">
+            <a:schemeClr val="accent1"/>
+          </a:effectRef>
+          <a:fontRef idx="minor">
+            <a:schemeClr val="lt1"/>
+          </a:fontRef>
+        </p:style>
+        <p:txBody>
+          <a:bodyPr rtlCol="0" anchor="ctr"/>
+          <a:lstStyle/>
+          <a:p>
+            <a:pPr algn="ctr"/>
+            <a:r>
+              <a:rPr lang="en-US" dirty="0"/>
+              <a:t>Synchronization</a:t>
+            </a:r>
+          </a:p>
+        </p:txBody>
+      </p:sp>
+      <p:sp>
+        <p:nvSpPr>
+          <p:cNvPr id="20" name="Prostokąt: zaokrąglone rogi 19">
+            <a:extLst>
+              <a:ext uri="{FF2B5EF4-FFF2-40B4-BE49-F238E27FC236}">
+                <a16:creationId xmlns:a16="http://schemas.microsoft.com/office/drawing/2014/main" id="{6D35BE75-E2AA-4E05-6BD5-2F27FE44E115}"/>
+              </a:ext>
+            </a:extLst>
+          </p:cNvPr>
+          <p:cNvSpPr/>
+          <p:nvPr/>
+        </p:nvSpPr>
+        <p:spPr>
+          <a:xfrm>
+            <a:off x="7563572" y="1465205"/>
+            <a:ext cx="1317466" cy="360747"/>
+          </a:xfrm>
+          <a:prstGeom prst="roundRect">
+            <a:avLst/>
+          </a:prstGeom>
+        </p:spPr>
+        <p:style>
+          <a:lnRef idx="1">
+            <a:schemeClr val="accent3"/>
+          </a:lnRef>
+          <a:fillRef idx="2">
+            <a:schemeClr val="accent3"/>
+          </a:fillRef>
+          <a:effectRef idx="1">
+            <a:schemeClr val="accent3"/>
+          </a:effectRef>
+          <a:fontRef idx="minor">
+            <a:schemeClr val="dk1"/>
+          </a:fontRef>
+        </p:style>
+        <p:txBody>
+          <a:bodyPr rtlCol="0" anchor="ctr"/>
+          <a:lstStyle/>
+          <a:p>
+            <a:pPr algn="ctr"/>
+            <a:r>
+              <a:rPr lang="en-US" dirty="0"/>
+              <a:t>Mutex A</a:t>
+            </a:r>
+          </a:p>
+        </p:txBody>
+      </p:sp>
+      <p:sp>
+        <p:nvSpPr>
+          <p:cNvPr id="21" name="Prostokąt: zaokrąglone rogi 20">
+            <a:extLst>
+              <a:ext uri="{FF2B5EF4-FFF2-40B4-BE49-F238E27FC236}">
+                <a16:creationId xmlns:a16="http://schemas.microsoft.com/office/drawing/2014/main" id="{912EC7EA-FC82-EC0B-4756-0A02D27862F8}"/>
+              </a:ext>
+            </a:extLst>
+          </p:cNvPr>
+          <p:cNvSpPr/>
+          <p:nvPr/>
+        </p:nvSpPr>
+        <p:spPr>
+          <a:xfrm>
+            <a:off x="9155996" y="1465205"/>
+            <a:ext cx="1317466" cy="360747"/>
+          </a:xfrm>
+          <a:prstGeom prst="roundRect">
+            <a:avLst/>
+          </a:prstGeom>
+        </p:spPr>
+        <p:style>
+          <a:lnRef idx="1">
+            <a:schemeClr val="accent3"/>
+          </a:lnRef>
+          <a:fillRef idx="2">
+            <a:schemeClr val="accent3"/>
+          </a:fillRef>
+          <a:effectRef idx="1">
+            <a:schemeClr val="accent3"/>
+          </a:effectRef>
+          <a:fontRef idx="minor">
+            <a:schemeClr val="dk1"/>
+          </a:fontRef>
+        </p:style>
+        <p:txBody>
+          <a:bodyPr rtlCol="0" anchor="ctr"/>
+          <a:lstStyle/>
+          <a:p>
+            <a:pPr algn="ctr"/>
+            <a:r>
+              <a:rPr lang="en-US" dirty="0"/>
+              <a:t>Mutex B</a:t>
+            </a:r>
+          </a:p>
+        </p:txBody>
+      </p:sp>
+      <p:sp>
+        <p:nvSpPr>
+          <p:cNvPr id="22" name="Prostokąt: zaokrąglone rogi 21">
+            <a:extLst>
+              <a:ext uri="{FF2B5EF4-FFF2-40B4-BE49-F238E27FC236}">
+                <a16:creationId xmlns:a16="http://schemas.microsoft.com/office/drawing/2014/main" id="{3BB90B92-4C3B-8A32-48AD-0C693331AE68}"/>
+              </a:ext>
+            </a:extLst>
+          </p:cNvPr>
+          <p:cNvSpPr/>
+          <p:nvPr/>
+        </p:nvSpPr>
+        <p:spPr>
+          <a:xfrm>
+            <a:off x="7563572" y="2040667"/>
+            <a:ext cx="2909887" cy="360747"/>
+          </a:xfrm>
+          <a:prstGeom prst="roundRect">
+            <a:avLst/>
+          </a:prstGeom>
+        </p:spPr>
+        <p:style>
+          <a:lnRef idx="1">
+            <a:schemeClr val="accent3"/>
+          </a:lnRef>
+          <a:fillRef idx="2">
+            <a:schemeClr val="accent3"/>
+          </a:fillRef>
+          <a:effectRef idx="1">
+            <a:schemeClr val="accent3"/>
+          </a:effectRef>
+          <a:fontRef idx="minor">
+            <a:schemeClr val="dk1"/>
+          </a:fontRef>
+        </p:style>
+        <p:txBody>
+          <a:bodyPr rtlCol="0" anchor="ctr"/>
+          <a:lstStyle/>
+          <a:p>
+            <a:pPr algn="ctr"/>
+            <a:r>
+              <a:rPr lang="en-US" dirty="0"/>
+              <a:t>Atomic Observers Count</a:t>
+            </a:r>
+          </a:p>
+        </p:txBody>
+      </p:sp>
+      <p:graphicFrame>
+        <p:nvGraphicFramePr>
+          <p:cNvPr id="40" name="Tabela 39">
+            <a:extLst>
+              <a:ext uri="{FF2B5EF4-FFF2-40B4-BE49-F238E27FC236}">
+                <a16:creationId xmlns:a16="http://schemas.microsoft.com/office/drawing/2014/main" id="{5CAEC3CA-DFF1-04E5-5A19-BD7B29C94EE8}"/>
+              </a:ext>
+            </a:extLst>
+          </p:cNvPr>
+          <p:cNvGraphicFramePr>
+            <a:graphicFrameLocks noGrp="1"/>
+          </p:cNvGraphicFramePr>
+          <p:nvPr>
+            <p:extLst>
+              <p:ext uri="{D42A27DB-BD31-4B8C-83A1-F6EECF244321}">
+                <p14:modId xmlns:p14="http://schemas.microsoft.com/office/powerpoint/2010/main" val="3966715361"/>
+              </p:ext>
+            </p:extLst>
+          </p:nvPr>
+        </p:nvGraphicFramePr>
+        <p:xfrm>
+          <a:off x="6520218" y="2718753"/>
+          <a:ext cx="4995026" cy="3060006"/>
+        </p:xfrm>
+        <a:graphic>
+          <a:graphicData uri="http://schemas.openxmlformats.org/drawingml/2006/table">
+            <a:tbl>
+              <a:tblPr firstRow="1" bandRow="1">
+                <a:tableStyleId>{5940675A-B579-460E-94D1-54222C63F5DA}</a:tableStyleId>
+              </a:tblPr>
+              <a:tblGrid>
+                <a:gridCol w="2497513">
+                  <a:extLst>
+                    <a:ext uri="{9D8B030D-6E8A-4147-A177-3AD203B41FA5}">
+                      <a16:colId xmlns:a16="http://schemas.microsoft.com/office/drawing/2014/main" val="2271414279"/>
+                    </a:ext>
+                  </a:extLst>
+                </a:gridCol>
+                <a:gridCol w="2497513">
+                  <a:extLst>
+                    <a:ext uri="{9D8B030D-6E8A-4147-A177-3AD203B41FA5}">
+                      <a16:colId xmlns:a16="http://schemas.microsoft.com/office/drawing/2014/main" val="1892622944"/>
+                    </a:ext>
+                  </a:extLst>
+                </a:gridCol>
+              </a:tblGrid>
+              <a:tr h="1530003">
+                <a:tc>
+                  <a:txBody>
+                    <a:bodyPr/>
+                    <a:lstStyle/>
+                    <a:p>
+                      <a:pPr algn="l"/>
+                      <a:r>
+                        <a:rPr lang="en-US" dirty="0"/>
+                        <a:t>Observer()</a:t>
+                      </a:r>
+                    </a:p>
+                    <a:p>
+                      <a:pPr marL="342900" indent="-342900" algn="l">
+                        <a:buFont typeface="+mj-lt"/>
+                        <a:buAutoNum type="arabicPeriod"/>
+                      </a:pPr>
+                      <a:r>
+                        <a:rPr lang="en-US" sz="1400" dirty="0"/>
+                        <a:t>Lock Mutex A</a:t>
+                      </a:r>
+                    </a:p>
+                    <a:p>
+                      <a:pPr marL="342900" indent="-342900" algn="l">
+                        <a:buFont typeface="+mj-lt"/>
+                        <a:buAutoNum type="arabicPeriod"/>
+                      </a:pPr>
+                      <a:r>
+                        <a:rPr lang="en-US" sz="1400" dirty="0"/>
+                        <a:t>Observers Count ++</a:t>
+                      </a:r>
+                    </a:p>
+                    <a:p>
+                      <a:pPr marL="342900" indent="-342900" algn="l">
+                        <a:buFont typeface="+mj-lt"/>
+                        <a:buAutoNum type="arabicPeriod"/>
+                      </a:pPr>
+                      <a:r>
+                        <a:rPr lang="en-US" sz="1400" dirty="0"/>
+                        <a:t>If 2. was 0</a:t>
+                      </a:r>
+                      <a:r>
+                        <a:rPr lang="pl-PL" sz="1400" dirty="0"/>
+                        <a:t>-</a:t>
+                      </a:r>
+                      <a:r>
+                        <a:rPr lang="en-US" sz="1400" dirty="0"/>
+                        <a:t>&gt;1</a:t>
+                      </a:r>
+                    </a:p>
+                    <a:p>
+                      <a:pPr marL="800100" lvl="1" indent="-342900" algn="l">
+                        <a:buFont typeface="Arial" panose="020B0604020202020204" pitchFamily="34" charset="0"/>
+                        <a:buChar char="•"/>
+                      </a:pPr>
+                      <a:r>
+                        <a:rPr lang="en-US" sz="1400" dirty="0"/>
+                        <a:t>Lock Mutex B</a:t>
+                      </a:r>
+                    </a:p>
+                    <a:p>
+                      <a:pPr marL="342900" indent="-342900" algn="l">
+                        <a:buFont typeface="+mj-lt"/>
+                        <a:buAutoNum type="arabicPeriod"/>
+                      </a:pPr>
+                      <a:r>
+                        <a:rPr lang="en-US" sz="1400" dirty="0"/>
+                        <a:t>Unlock Mutex A</a:t>
+                      </a:r>
+                    </a:p>
+                  </a:txBody>
+                  <a:tcPr/>
+                </a:tc>
+                <a:tc>
+                  <a:txBody>
+                    <a:bodyPr/>
+                    <a:lstStyle/>
+                    <a:p>
+                      <a:pPr algn="l"/>
+                      <a:r>
+                        <a:rPr lang="en-US" dirty="0"/>
+                        <a:t>User()</a:t>
+                      </a:r>
+                    </a:p>
+                    <a:p>
+                      <a:pPr marL="342900" indent="-342900" algn="l">
+                        <a:buFont typeface="+mj-lt"/>
+                        <a:buAutoNum type="arabicPeriod"/>
+                      </a:pPr>
+                      <a:r>
+                        <a:rPr lang="en-US" sz="1400" dirty="0"/>
+                        <a:t>Lock Mutex A</a:t>
+                      </a:r>
+                    </a:p>
+                    <a:p>
+                      <a:pPr marL="342900" indent="-342900" algn="l">
+                        <a:buFont typeface="+mj-lt"/>
+                        <a:buAutoNum type="arabicPeriod"/>
+                      </a:pPr>
+                      <a:r>
+                        <a:rPr lang="en-US" sz="1400" dirty="0"/>
+                        <a:t>Lock Mutex B</a:t>
+                      </a:r>
+                    </a:p>
+                  </a:txBody>
+                  <a:tcPr/>
+                </a:tc>
+                <a:extLst>
+                  <a:ext uri="{0D108BD9-81ED-4DB2-BD59-A6C34878D82A}">
+                    <a16:rowId xmlns:a16="http://schemas.microsoft.com/office/drawing/2014/main" val="3113378373"/>
+                  </a:ext>
+                </a:extLst>
+              </a:tr>
+              <a:tr h="1530003">
+                <a:tc>
+                  <a:txBody>
+                    <a:bodyPr/>
+                    <a:lstStyle/>
+                    <a:p>
+                      <a:pPr algn="l"/>
+                      <a:r>
+                        <a:rPr lang="en-US" b="1" dirty="0"/>
+                        <a:t>~</a:t>
+                      </a:r>
+                      <a:r>
+                        <a:rPr lang="en-US" dirty="0"/>
+                        <a:t>Observer()</a:t>
+                      </a:r>
+                    </a:p>
+                    <a:p>
+                      <a:pPr marL="342900" indent="-342900" algn="l">
+                        <a:buFont typeface="+mj-lt"/>
+                        <a:buAutoNum type="arabicPeriod"/>
+                      </a:pPr>
+                      <a:r>
+                        <a:rPr lang="en-US" sz="1400" dirty="0"/>
+                        <a:t>Observers Count --</a:t>
+                      </a:r>
+                    </a:p>
+                    <a:p>
+                      <a:pPr marL="342900" indent="-342900" algn="l">
+                        <a:buFont typeface="+mj-lt"/>
+                        <a:buAutoNum type="arabicPeriod"/>
+                      </a:pPr>
+                      <a:r>
+                        <a:rPr lang="en-US" sz="1400" dirty="0"/>
+                        <a:t>If 1. was 1</a:t>
+                      </a:r>
+                      <a:r>
+                        <a:rPr lang="pl-PL" sz="1400" dirty="0"/>
+                        <a:t>-</a:t>
+                      </a:r>
+                      <a:r>
+                        <a:rPr lang="en-US" sz="1400" dirty="0"/>
+                        <a:t>&gt;0</a:t>
+                      </a:r>
+                    </a:p>
+                    <a:p>
+                      <a:pPr marL="800100" lvl="1" indent="-342900" algn="l">
+                        <a:buFont typeface="Arial" panose="020B0604020202020204" pitchFamily="34" charset="0"/>
+                        <a:buChar char="•"/>
+                      </a:pPr>
+                      <a:r>
+                        <a:rPr lang="en-US" sz="1400" dirty="0"/>
+                        <a:t>Unlock Mutex B</a:t>
+                      </a:r>
+                    </a:p>
+                  </a:txBody>
+                  <a:tcPr/>
+                </a:tc>
+                <a:tc>
+                  <a:txBody>
+                    <a:bodyPr/>
+                    <a:lstStyle/>
+                    <a:p>
+                      <a:pPr algn="l"/>
+                      <a:r>
+                        <a:rPr lang="en-US" b="1" dirty="0"/>
+                        <a:t>~</a:t>
+                      </a:r>
+                      <a:r>
+                        <a:rPr lang="en-US" dirty="0"/>
+                        <a:t>User()</a:t>
+                      </a:r>
+                    </a:p>
+                    <a:p>
+                      <a:pPr marL="342900" indent="-342900" algn="l">
+                        <a:buFont typeface="+mj-lt"/>
+                        <a:buAutoNum type="arabicPeriod"/>
+                      </a:pPr>
+                      <a:r>
+                        <a:rPr lang="en-US" sz="1400" dirty="0"/>
+                        <a:t>Unlock Mutex B</a:t>
+                      </a:r>
+                    </a:p>
+                    <a:p>
+                      <a:pPr marL="342900" indent="-342900" algn="l">
+                        <a:buFont typeface="+mj-lt"/>
+                        <a:buAutoNum type="arabicPeriod"/>
+                      </a:pPr>
+                      <a:r>
+                        <a:rPr lang="en-US" sz="1400" dirty="0"/>
+                        <a:t>Unlock Mutex A</a:t>
+                      </a:r>
+                    </a:p>
+                  </a:txBody>
+                  <a:tcPr/>
+                </a:tc>
+                <a:extLst>
+                  <a:ext uri="{0D108BD9-81ED-4DB2-BD59-A6C34878D82A}">
+                    <a16:rowId xmlns:a16="http://schemas.microsoft.com/office/drawing/2014/main" val="2656901571"/>
+                  </a:ext>
+                </a:extLst>
+              </a:tr>
+            </a:tbl>
+          </a:graphicData>
+        </a:graphic>
+      </p:graphicFrame>
     </p:spTree>
     <p:extLst>
       <p:ext uri="{BB962C8B-B14F-4D97-AF65-F5344CB8AC3E}">
         <p14:creationId xmlns:p14="http://schemas.microsoft.com/office/powerpoint/2010/main" val="21460416"/>
+      </p:ext>
+    </p:extLst>
+  </p:cSld>
+  <p:clrMapOvr>
+    <a:masterClrMapping/>
+  </p:clrMapOvr>
+</p:sld>
+</file>
+
+<file path=ppt/slides/slide4.xml><?xml version="1.0" encoding="utf-8"?>
+<p:sld xmlns:a="http://schemas.openxmlformats.org/drawingml/2006/main" xmlns:r="http://schemas.openxmlformats.org/officeDocument/2006/relationships" xmlns:p="http://schemas.openxmlformats.org/presentationml/2006/main">
+  <p:cSld>
+    <p:spTree>
+      <p:nvGrpSpPr>
+        <p:cNvPr id="1" name="">
+          <a:extLst>
+            <a:ext uri="{FF2B5EF4-FFF2-40B4-BE49-F238E27FC236}">
+              <a16:creationId xmlns:a16="http://schemas.microsoft.com/office/drawing/2014/main" id="{B5FA9AD4-D71B-42D5-D3E4-7F80FA13647B}"/>
+            </a:ext>
+          </a:extLst>
+        </p:cNvPr>
+        <p:cNvGrpSpPr/>
+        <p:nvPr/>
+      </p:nvGrpSpPr>
+      <p:grpSpPr>
+        <a:xfrm>
+          <a:off x="0" y="0"/>
+          <a:ext cx="0" cy="0"/>
+          <a:chOff x="0" y="0"/>
+          <a:chExt cx="0" cy="0"/>
+        </a:xfrm>
+      </p:grpSpPr>
+      <p:pic>
+        <p:nvPicPr>
+          <p:cNvPr id="75" name="Obraz 74">
+            <a:extLst>
+              <a:ext uri="{FF2B5EF4-FFF2-40B4-BE49-F238E27FC236}">
+                <a16:creationId xmlns:a16="http://schemas.microsoft.com/office/drawing/2014/main" id="{BECE016E-6725-9C7E-171C-398650795766}"/>
+              </a:ext>
+            </a:extLst>
+          </p:cNvPr>
+          <p:cNvPicPr>
+            <a:picLocks noChangeAspect="1"/>
+          </p:cNvPicPr>
+          <p:nvPr/>
+        </p:nvPicPr>
+        <p:blipFill>
+          <a:blip r:embed="rId2"/>
+          <a:stretch>
+            <a:fillRect/>
+          </a:stretch>
+        </p:blipFill>
+        <p:spPr>
+          <a:xfrm>
+            <a:off x="3122647" y="2556587"/>
+            <a:ext cx="7588900" cy="2129997"/>
+          </a:xfrm>
+          <a:prstGeom prst="rect">
+            <a:avLst/>
+          </a:prstGeom>
+        </p:spPr>
+      </p:pic>
+      <p:sp>
+        <p:nvSpPr>
+          <p:cNvPr id="4" name="Rectangle: Rounded Corners 3">
+            <a:extLst>
+              <a:ext uri="{FF2B5EF4-FFF2-40B4-BE49-F238E27FC236}">
+                <a16:creationId xmlns:a16="http://schemas.microsoft.com/office/drawing/2014/main" id="{01418581-A409-2192-2A07-4725F3576055}"/>
+              </a:ext>
+            </a:extLst>
+          </p:cNvPr>
+          <p:cNvSpPr/>
+          <p:nvPr/>
+        </p:nvSpPr>
+        <p:spPr>
+          <a:xfrm>
+            <a:off x="4090964" y="296966"/>
+            <a:ext cx="3566358" cy="582346"/>
+          </a:xfrm>
+          <a:prstGeom prst="roundRect">
+            <a:avLst/>
+          </a:prstGeom>
+        </p:spPr>
+        <p:style>
+          <a:lnRef idx="0">
+            <a:schemeClr val="accent1"/>
+          </a:lnRef>
+          <a:fillRef idx="3">
+            <a:schemeClr val="accent1"/>
+          </a:fillRef>
+          <a:effectRef idx="3">
+            <a:schemeClr val="accent1"/>
+          </a:effectRef>
+          <a:fontRef idx="minor">
+            <a:schemeClr val="lt1"/>
+          </a:fontRef>
+        </p:style>
+        <p:txBody>
+          <a:bodyPr rtlCol="0" anchor="ctr"/>
+          <a:lstStyle/>
+          <a:p>
+            <a:pPr algn="ctr"/>
+            <a:r>
+              <a:rPr lang="en-US" dirty="0"/>
+              <a:t>Synchronized Runtime Access</a:t>
+            </a:r>
+          </a:p>
+          <a:p>
+            <a:pPr algn="ctr"/>
+            <a:r>
+              <a:rPr lang="en-US" sz="2000" b="1" dirty="0"/>
+              <a:t>Examples</a:t>
+            </a:r>
+            <a:endParaRPr lang="en-US" b="1" dirty="0"/>
+          </a:p>
+        </p:txBody>
+      </p:sp>
+      <p:sp>
+        <p:nvSpPr>
+          <p:cNvPr id="2" name="Prostokąt: zaokrąglone rogi 1">
+            <a:extLst>
+              <a:ext uri="{FF2B5EF4-FFF2-40B4-BE49-F238E27FC236}">
+                <a16:creationId xmlns:a16="http://schemas.microsoft.com/office/drawing/2014/main" id="{BA87AED6-D731-709A-98FC-6434E9FF1E83}"/>
+              </a:ext>
+            </a:extLst>
+          </p:cNvPr>
+          <p:cNvSpPr/>
+          <p:nvPr/>
+        </p:nvSpPr>
+        <p:spPr>
+          <a:xfrm>
+            <a:off x="335901" y="3265715"/>
+            <a:ext cx="2264230" cy="833532"/>
+          </a:xfrm>
+          <a:prstGeom prst="roundRect">
+            <a:avLst/>
+          </a:prstGeom>
+        </p:spPr>
+        <p:style>
+          <a:lnRef idx="1">
+            <a:schemeClr val="accent1"/>
+          </a:lnRef>
+          <a:fillRef idx="2">
+            <a:schemeClr val="accent1"/>
+          </a:fillRef>
+          <a:effectRef idx="1">
+            <a:schemeClr val="accent1"/>
+          </a:effectRef>
+          <a:fontRef idx="minor">
+            <a:schemeClr val="dk1"/>
+          </a:fontRef>
+        </p:style>
+        <p:txBody>
+          <a:bodyPr rtlCol="0" anchor="ctr"/>
+          <a:lstStyle/>
+          <a:p>
+            <a:pPr algn="ctr"/>
+            <a:r>
+              <a:rPr lang="en-US" sz="1200" dirty="0"/>
+              <a:t>Dedicated scope to destroy </a:t>
+            </a:r>
+            <a:r>
+              <a:rPr lang="en-US" sz="1200" dirty="0" err="1"/>
+              <a:t>shaderUser</a:t>
+            </a:r>
+            <a:r>
+              <a:rPr lang="en-US" sz="1200" dirty="0"/>
+              <a:t> and release locks when its no longer needed</a:t>
+            </a:r>
+          </a:p>
+        </p:txBody>
+      </p:sp>
+      <p:sp>
+        <p:nvSpPr>
+          <p:cNvPr id="6" name="Nawias klamrowy otwierający 5">
+            <a:extLst>
+              <a:ext uri="{FF2B5EF4-FFF2-40B4-BE49-F238E27FC236}">
+                <a16:creationId xmlns:a16="http://schemas.microsoft.com/office/drawing/2014/main" id="{0AFAEBB2-30B9-7ACD-4FC9-03F35C22FCF5}"/>
+              </a:ext>
+            </a:extLst>
+          </p:cNvPr>
+          <p:cNvSpPr/>
+          <p:nvPr/>
+        </p:nvSpPr>
+        <p:spPr>
+          <a:xfrm>
+            <a:off x="2662334" y="3072880"/>
+            <a:ext cx="367004" cy="1219200"/>
+          </a:xfrm>
+          <a:prstGeom prst="leftBrace">
+            <a:avLst>
+              <a:gd name="adj1" fmla="val 55149"/>
+              <a:gd name="adj2" fmla="val 50000"/>
+            </a:avLst>
+          </a:prstGeom>
+          <a:ln w="38100">
+            <a:solidFill>
+              <a:srgbClr val="FF0000"/>
+            </a:solidFill>
+          </a:ln>
+        </p:spPr>
+        <p:style>
+          <a:lnRef idx="3">
+            <a:schemeClr val="dk1"/>
+          </a:lnRef>
+          <a:fillRef idx="0">
+            <a:schemeClr val="dk1"/>
+          </a:fillRef>
+          <a:effectRef idx="2">
+            <a:schemeClr val="dk1"/>
+          </a:effectRef>
+          <a:fontRef idx="minor">
+            <a:schemeClr val="tx1"/>
+          </a:fontRef>
+        </p:style>
+        <p:txBody>
+          <a:bodyPr rtlCol="0" anchor="ctr"/>
+          <a:lstStyle/>
+          <a:p>
+            <a:pPr algn="ctr"/>
+            <a:endParaRPr lang="en-US" dirty="0"/>
+          </a:p>
+        </p:txBody>
+      </p:sp>
+      <p:cxnSp>
+        <p:nvCxnSpPr>
+          <p:cNvPr id="10" name="Łącznik prosty 9">
+            <a:extLst>
+              <a:ext uri="{FF2B5EF4-FFF2-40B4-BE49-F238E27FC236}">
+                <a16:creationId xmlns:a16="http://schemas.microsoft.com/office/drawing/2014/main" id="{ED9AAB46-268A-BE8A-E15E-AD0AD03C9FB9}"/>
+              </a:ext>
+            </a:extLst>
+          </p:cNvPr>
+          <p:cNvCxnSpPr/>
+          <p:nvPr/>
+        </p:nvCxnSpPr>
+        <p:spPr>
+          <a:xfrm>
+            <a:off x="5984035" y="3072880"/>
+            <a:ext cx="734009" cy="0"/>
+          </a:xfrm>
+          <a:prstGeom prst="line">
+            <a:avLst/>
+          </a:prstGeom>
+          <a:ln w="28575">
+            <a:solidFill>
+              <a:srgbClr val="FF0000"/>
+            </a:solidFill>
+          </a:ln>
+        </p:spPr>
+        <p:style>
+          <a:lnRef idx="3">
+            <a:schemeClr val="accent1"/>
+          </a:lnRef>
+          <a:fillRef idx="0">
+            <a:schemeClr val="accent1"/>
+          </a:fillRef>
+          <a:effectRef idx="2">
+            <a:schemeClr val="accent1"/>
+          </a:effectRef>
+          <a:fontRef idx="minor">
+            <a:schemeClr val="tx1"/>
+          </a:fontRef>
+        </p:style>
+      </p:cxnSp>
+      <p:cxnSp>
+        <p:nvCxnSpPr>
+          <p:cNvPr id="11" name="Łącznik prosty 10">
+            <a:extLst>
+              <a:ext uri="{FF2B5EF4-FFF2-40B4-BE49-F238E27FC236}">
+                <a16:creationId xmlns:a16="http://schemas.microsoft.com/office/drawing/2014/main" id="{E406229B-3FAC-D5D7-D50B-4D416FD22920}"/>
+              </a:ext>
+            </a:extLst>
+          </p:cNvPr>
+          <p:cNvCxnSpPr>
+            <a:cxnSpLocks/>
+          </p:cNvCxnSpPr>
+          <p:nvPr/>
+        </p:nvCxnSpPr>
+        <p:spPr>
+          <a:xfrm>
+            <a:off x="5050974" y="4624872"/>
+            <a:ext cx="391886" cy="0"/>
+          </a:xfrm>
+          <a:prstGeom prst="line">
+            <a:avLst/>
+          </a:prstGeom>
+          <a:ln w="38100">
+            <a:solidFill>
+              <a:srgbClr val="FF0000"/>
+            </a:solidFill>
+          </a:ln>
+        </p:spPr>
+        <p:style>
+          <a:lnRef idx="3">
+            <a:schemeClr val="accent1"/>
+          </a:lnRef>
+          <a:fillRef idx="0">
+            <a:schemeClr val="accent1"/>
+          </a:fillRef>
+          <a:effectRef idx="2">
+            <a:schemeClr val="accent1"/>
+          </a:effectRef>
+          <a:fontRef idx="minor">
+            <a:schemeClr val="tx1"/>
+          </a:fontRef>
+        </p:style>
+      </p:cxnSp>
+      <p:sp>
+        <p:nvSpPr>
+          <p:cNvPr id="63" name="Prostokąt: zaokrąglone rogi 62">
+            <a:extLst>
+              <a:ext uri="{FF2B5EF4-FFF2-40B4-BE49-F238E27FC236}">
+                <a16:creationId xmlns:a16="http://schemas.microsoft.com/office/drawing/2014/main" id="{C7B617CD-A88D-6BD5-612E-D345F53B601E}"/>
+              </a:ext>
+            </a:extLst>
+          </p:cNvPr>
+          <p:cNvSpPr/>
+          <p:nvPr/>
+        </p:nvSpPr>
+        <p:spPr>
+          <a:xfrm>
+            <a:off x="6562535" y="1395605"/>
+            <a:ext cx="3645156" cy="666621"/>
+          </a:xfrm>
+          <a:prstGeom prst="roundRect">
+            <a:avLst/>
+          </a:prstGeom>
+        </p:spPr>
+        <p:style>
+          <a:lnRef idx="1">
+            <a:schemeClr val="accent1"/>
+          </a:lnRef>
+          <a:fillRef idx="2">
+            <a:schemeClr val="accent1"/>
+          </a:fillRef>
+          <a:effectRef idx="1">
+            <a:schemeClr val="accent1"/>
+          </a:effectRef>
+          <a:fontRef idx="minor">
+            <a:schemeClr val="dk1"/>
+          </a:fontRef>
+        </p:style>
+        <p:txBody>
+          <a:bodyPr rtlCol="0" anchor="ctr"/>
+          <a:lstStyle/>
+          <a:p>
+            <a:pPr algn="ctr"/>
+            <a:r>
+              <a:rPr lang="en-US" sz="1200" dirty="0"/>
+              <a:t>Use() and Observe() are chainable for convenience.</a:t>
+            </a:r>
+          </a:p>
+          <a:p>
+            <a:pPr algn="ctr"/>
+            <a:r>
+              <a:rPr lang="en-US" sz="1200" dirty="0"/>
+              <a:t>Synchronization is inline (beware of the cost!).</a:t>
+            </a:r>
+          </a:p>
+        </p:txBody>
+      </p:sp>
+      <p:cxnSp>
+        <p:nvCxnSpPr>
+          <p:cNvPr id="71" name="Łącznik prosty 70">
+            <a:extLst>
+              <a:ext uri="{FF2B5EF4-FFF2-40B4-BE49-F238E27FC236}">
+                <a16:creationId xmlns:a16="http://schemas.microsoft.com/office/drawing/2014/main" id="{1E441B41-D2FE-82B9-A6A5-74E3B2B9FBC7}"/>
+              </a:ext>
+            </a:extLst>
+          </p:cNvPr>
+          <p:cNvCxnSpPr>
+            <a:cxnSpLocks/>
+          </p:cNvCxnSpPr>
+          <p:nvPr/>
+        </p:nvCxnSpPr>
+        <p:spPr>
+          <a:xfrm>
+            <a:off x="4708851" y="3387009"/>
+            <a:ext cx="4012163" cy="0"/>
+          </a:xfrm>
+          <a:prstGeom prst="line">
+            <a:avLst/>
+          </a:prstGeom>
+          <a:ln w="28575">
+            <a:solidFill>
+              <a:srgbClr val="FF0000"/>
+            </a:solidFill>
+          </a:ln>
+        </p:spPr>
+        <p:style>
+          <a:lnRef idx="3">
+            <a:schemeClr val="accent1"/>
+          </a:lnRef>
+          <a:fillRef idx="0">
+            <a:schemeClr val="accent1"/>
+          </a:fillRef>
+          <a:effectRef idx="2">
+            <a:schemeClr val="accent1"/>
+          </a:effectRef>
+          <a:fontRef idx="minor">
+            <a:schemeClr val="tx1"/>
+          </a:fontRef>
+        </p:style>
+      </p:cxnSp>
+      <p:cxnSp>
+        <p:nvCxnSpPr>
+          <p:cNvPr id="78" name="Łącznik: zakrzywiony 77">
+            <a:extLst>
+              <a:ext uri="{FF2B5EF4-FFF2-40B4-BE49-F238E27FC236}">
+                <a16:creationId xmlns:a16="http://schemas.microsoft.com/office/drawing/2014/main" id="{626567C6-750C-9D8B-C424-13B23134FA21}"/>
+              </a:ext>
+            </a:extLst>
+          </p:cNvPr>
+          <p:cNvCxnSpPr>
+            <a:cxnSpLocks/>
+            <a:endCxn id="63" idx="2"/>
+          </p:cNvCxnSpPr>
+          <p:nvPr/>
+        </p:nvCxnSpPr>
+        <p:spPr>
+          <a:xfrm flipV="1">
+            <a:off x="6714932" y="2062226"/>
+            <a:ext cx="1670181" cy="1010654"/>
+          </a:xfrm>
+          <a:prstGeom prst="curvedConnector2">
+            <a:avLst/>
+          </a:prstGeom>
+          <a:ln w="28575">
+            <a:tailEnd type="triangle"/>
+          </a:ln>
+        </p:spPr>
+        <p:style>
+          <a:lnRef idx="1">
+            <a:schemeClr val="accent1"/>
+          </a:lnRef>
+          <a:fillRef idx="0">
+            <a:schemeClr val="accent1"/>
+          </a:fillRef>
+          <a:effectRef idx="0">
+            <a:schemeClr val="accent1"/>
+          </a:effectRef>
+          <a:fontRef idx="minor">
+            <a:schemeClr val="tx1"/>
+          </a:fontRef>
+        </p:style>
+      </p:cxnSp>
+      <p:cxnSp>
+        <p:nvCxnSpPr>
+          <p:cNvPr id="80" name="Łącznik: zakrzywiony 79">
+            <a:extLst>
+              <a:ext uri="{FF2B5EF4-FFF2-40B4-BE49-F238E27FC236}">
+                <a16:creationId xmlns:a16="http://schemas.microsoft.com/office/drawing/2014/main" id="{B5245C15-7103-9FC9-F784-DB209C24C8AB}"/>
+              </a:ext>
+            </a:extLst>
+          </p:cNvPr>
+          <p:cNvCxnSpPr>
+            <a:cxnSpLocks/>
+            <a:endCxn id="63" idx="2"/>
+          </p:cNvCxnSpPr>
+          <p:nvPr/>
+        </p:nvCxnSpPr>
+        <p:spPr>
+          <a:xfrm flipV="1">
+            <a:off x="5442860" y="2062226"/>
+            <a:ext cx="2942253" cy="2562646"/>
+          </a:xfrm>
+          <a:prstGeom prst="curvedConnector2">
+            <a:avLst/>
+          </a:prstGeom>
+          <a:ln w="28575">
+            <a:tailEnd type="triangle"/>
+          </a:ln>
+        </p:spPr>
+        <p:style>
+          <a:lnRef idx="1">
+            <a:schemeClr val="accent1"/>
+          </a:lnRef>
+          <a:fillRef idx="0">
+            <a:schemeClr val="accent1"/>
+          </a:fillRef>
+          <a:effectRef idx="0">
+            <a:schemeClr val="accent1"/>
+          </a:effectRef>
+          <a:fontRef idx="minor">
+            <a:schemeClr val="tx1"/>
+          </a:fontRef>
+        </p:style>
+      </p:cxnSp>
+      <p:sp>
+        <p:nvSpPr>
+          <p:cNvPr id="81" name="Prostokąt: zaokrąglone rogi 80">
+            <a:extLst>
+              <a:ext uri="{FF2B5EF4-FFF2-40B4-BE49-F238E27FC236}">
+                <a16:creationId xmlns:a16="http://schemas.microsoft.com/office/drawing/2014/main" id="{247C19A0-D2AE-C068-79EF-8EFAF8DC93C6}"/>
+              </a:ext>
+            </a:extLst>
+          </p:cNvPr>
+          <p:cNvSpPr/>
+          <p:nvPr/>
+        </p:nvSpPr>
+        <p:spPr>
+          <a:xfrm>
+            <a:off x="7551582" y="5074538"/>
+            <a:ext cx="4086802" cy="1058784"/>
+          </a:xfrm>
+          <a:prstGeom prst="roundRect">
+            <a:avLst/>
+          </a:prstGeom>
+        </p:spPr>
+        <p:style>
+          <a:lnRef idx="1">
+            <a:schemeClr val="accent1"/>
+          </a:lnRef>
+          <a:fillRef idx="2">
+            <a:schemeClr val="accent1"/>
+          </a:fillRef>
+          <a:effectRef idx="1">
+            <a:schemeClr val="accent1"/>
+          </a:effectRef>
+          <a:fontRef idx="minor">
+            <a:schemeClr val="dk1"/>
+          </a:fontRef>
+        </p:style>
+        <p:txBody>
+          <a:bodyPr rtlCol="0" anchor="ctr"/>
+          <a:lstStyle/>
+          <a:p>
+            <a:pPr algn="ctr"/>
+            <a:r>
+              <a:rPr lang="en-US" sz="1200" dirty="0" err="1"/>
+              <a:t>AssetHandle</a:t>
+            </a:r>
+            <a:r>
+              <a:rPr lang="en-US" sz="1200" dirty="0"/>
+              <a:t> is constructible on the fly.</a:t>
+            </a:r>
+          </a:p>
+          <a:p>
+            <a:pPr algn="ctr"/>
+            <a:endParaRPr lang="en-US" sz="1200" dirty="0"/>
+          </a:p>
+          <a:p>
+            <a:pPr algn="ctr"/>
+            <a:r>
+              <a:rPr lang="en-US" sz="1200" dirty="0" err="1"/>
+              <a:t>AssetHandles</a:t>
+            </a:r>
+            <a:r>
+              <a:rPr lang="en-US" sz="1200" dirty="0"/>
+              <a:t> with </a:t>
+            </a:r>
+            <a:r>
+              <a:rPr lang="en-US" sz="1200" dirty="0" err="1"/>
+              <a:t>AssetLoadingPriority</a:t>
+            </a:r>
+            <a:r>
+              <a:rPr lang="en-US" sz="1200" dirty="0"/>
+              <a:t>::None are not globally counted – no hidden cost.</a:t>
+            </a:r>
+          </a:p>
+        </p:txBody>
+      </p:sp>
+      <p:sp>
+        <p:nvSpPr>
+          <p:cNvPr id="94" name="Łuk 93">
+            <a:extLst>
+              <a:ext uri="{FF2B5EF4-FFF2-40B4-BE49-F238E27FC236}">
+                <a16:creationId xmlns:a16="http://schemas.microsoft.com/office/drawing/2014/main" id="{A4E96E68-DB85-581D-84BA-BFE55E13D1FC}"/>
+              </a:ext>
+            </a:extLst>
+          </p:cNvPr>
+          <p:cNvSpPr/>
+          <p:nvPr/>
+        </p:nvSpPr>
+        <p:spPr>
+          <a:xfrm>
+            <a:off x="7641775" y="3393065"/>
+            <a:ext cx="2158482" cy="3374733"/>
+          </a:xfrm>
+          <a:prstGeom prst="arc">
+            <a:avLst/>
+          </a:prstGeom>
+          <a:ln w="28575">
+            <a:headEnd type="none" w="med" len="med"/>
+            <a:tailEnd type="triangle" w="med" len="med"/>
+          </a:ln>
+        </p:spPr>
+        <p:style>
+          <a:lnRef idx="1">
+            <a:schemeClr val="accent1"/>
+          </a:lnRef>
+          <a:fillRef idx="0">
+            <a:schemeClr val="accent1"/>
+          </a:fillRef>
+          <a:effectRef idx="0">
+            <a:schemeClr val="accent1"/>
+          </a:effectRef>
+          <a:fontRef idx="minor">
+            <a:schemeClr val="tx1"/>
+          </a:fontRef>
+        </p:style>
+        <p:txBody>
+          <a:bodyPr rtlCol="0" anchor="ctr"/>
+          <a:lstStyle/>
+          <a:p>
+            <a:pPr algn="ctr"/>
+            <a:endParaRPr lang="en-US"/>
+          </a:p>
+        </p:txBody>
+      </p:sp>
+    </p:spTree>
+    <p:extLst>
+      <p:ext uri="{BB962C8B-B14F-4D97-AF65-F5344CB8AC3E}">
+        <p14:creationId xmlns:p14="http://schemas.microsoft.com/office/powerpoint/2010/main" val="786740795"/>
       </p:ext>
     </p:extLst>
   </p:cSld>
@@ -9667,4 +8999,299 @@
     </a:ext>
   </a:extLst>
 </a:theme>
+</file>
+
+<file path=ppt/theme/theme2.xml><?xml version="1.0" encoding="utf-8"?>
+<a:theme xmlns:a="http://schemas.openxmlformats.org/drawingml/2006/main" name="Motyw pakietu Office">
+  <a:themeElements>
+    <a:clrScheme name="Pakiet Office">
+      <a:dk1>
+        <a:sysClr val="windowText" lastClr="000000"/>
+      </a:dk1>
+      <a:lt1>
+        <a:sysClr val="window" lastClr="FFFFFF"/>
+      </a:lt1>
+      <a:dk2>
+        <a:srgbClr val="44546A"/>
+      </a:dk2>
+      <a:lt2>
+        <a:srgbClr val="E7E6E6"/>
+      </a:lt2>
+      <a:accent1>
+        <a:srgbClr val="4472C4"/>
+      </a:accent1>
+      <a:accent2>
+        <a:srgbClr val="ED7D31"/>
+      </a:accent2>
+      <a:accent3>
+        <a:srgbClr val="A5A5A5"/>
+      </a:accent3>
+      <a:accent4>
+        <a:srgbClr val="FFC000"/>
+      </a:accent4>
+      <a:accent5>
+        <a:srgbClr val="5B9BD5"/>
+      </a:accent5>
+      <a:accent6>
+        <a:srgbClr val="70AD47"/>
+      </a:accent6>
+      <a:hlink>
+        <a:srgbClr val="0563C1"/>
+      </a:hlink>
+      <a:folHlink>
+        <a:srgbClr val="954F72"/>
+      </a:folHlink>
+    </a:clrScheme>
+    <a:fontScheme name="Pakiet Office">
+      <a:majorFont>
+        <a:latin typeface="Calibri Light" panose="020F0302020204030204"/>
+        <a:ea typeface=""/>
+        <a:cs typeface=""/>
+        <a:font script="Jpan" typeface="游ゴシック Light"/>
+        <a:font script="Hang" typeface="맑은 고딕"/>
+        <a:font script="Hans" typeface="等线 Light"/>
+        <a:font script="Hant" typeface="新細明體"/>
+        <a:font script="Arab" typeface="Times New Roman"/>
+        <a:font script="Hebr" typeface="Times New Roman"/>
+        <a:font script="Thai" typeface="Angsana New"/>
+        <a:font script="Ethi" typeface="Nyala"/>
+        <a:font script="Beng" typeface="Vrinda"/>
+        <a:font script="Gujr" typeface="Shruti"/>
+        <a:font script="Khmr" typeface="MoolBoran"/>
+        <a:font script="Knda" typeface="Tunga"/>
+        <a:font script="Guru" typeface="Raavi"/>
+        <a:font script="Cans" typeface="Euphemia"/>
+        <a:font script="Cher" typeface="Plantagenet Cherokee"/>
+        <a:font script="Yiii" typeface="Microsoft Yi Baiti"/>
+        <a:font script="Tibt" typeface="Microsoft Himalaya"/>
+        <a:font script="Thaa" typeface="MV Boli"/>
+        <a:font script="Deva" typeface="Mangal"/>
+        <a:font script="Telu" typeface="Gautami"/>
+        <a:font script="Taml" typeface="Latha"/>
+        <a:font script="Syrc" typeface="Estrangelo Edessa"/>
+        <a:font script="Orya" typeface="Kalinga"/>
+        <a:font script="Mlym" typeface="Kartika"/>
+        <a:font script="Laoo" typeface="DokChampa"/>
+        <a:font script="Sinh" typeface="Iskoola Pota"/>
+        <a:font script="Mong" typeface="Mongolian Baiti"/>
+        <a:font script="Viet" typeface="Times New Roman"/>
+        <a:font script="Uigh" typeface="Microsoft Uighur"/>
+        <a:font script="Geor" typeface="Sylfaen"/>
+        <a:font script="Armn" typeface="Arial"/>
+        <a:font script="Bugi" typeface="Leelawadee UI"/>
+        <a:font script="Bopo" typeface="Microsoft JhengHei"/>
+        <a:font script="Java" typeface="Javanese Text"/>
+        <a:font script="Lisu" typeface="Segoe UI"/>
+        <a:font script="Mymr" typeface="Myanmar Text"/>
+        <a:font script="Nkoo" typeface="Ebrima"/>
+        <a:font script="Olck" typeface="Nirmala UI"/>
+        <a:font script="Osma" typeface="Ebrima"/>
+        <a:font script="Phag" typeface="Phagspa"/>
+        <a:font script="Syrn" typeface="Estrangelo Edessa"/>
+        <a:font script="Syrj" typeface="Estrangelo Edessa"/>
+        <a:font script="Syre" typeface="Estrangelo Edessa"/>
+        <a:font script="Sora" typeface="Nirmala UI"/>
+        <a:font script="Tale" typeface="Microsoft Tai Le"/>
+        <a:font script="Talu" typeface="Microsoft New Tai Lue"/>
+        <a:font script="Tfng" typeface="Ebrima"/>
+      </a:majorFont>
+      <a:minorFont>
+        <a:latin typeface="Calibri" panose="020F0502020204030204"/>
+        <a:ea typeface=""/>
+        <a:cs typeface=""/>
+        <a:font script="Jpan" typeface="游ゴシック"/>
+        <a:font script="Hang" typeface="맑은 고딕"/>
+        <a:font script="Hans" typeface="等线"/>
+        <a:font script="Hant" typeface="新細明體"/>
+        <a:font script="Arab" typeface="Arial"/>
+        <a:font script="Hebr" typeface="Arial"/>
+        <a:font script="Thai" typeface="Cordia New"/>
+        <a:font script="Ethi" typeface="Nyala"/>
+        <a:font script="Beng" typeface="Vrinda"/>
+        <a:font script="Gujr" typeface="Shruti"/>
+        <a:font script="Khmr" typeface="DaunPenh"/>
+        <a:font script="Knda" typeface="Tunga"/>
+        <a:font script="Guru" typeface="Raavi"/>
+        <a:font script="Cans" typeface="Euphemia"/>
+        <a:font script="Cher" typeface="Plantagenet Cherokee"/>
+        <a:font script="Yiii" typeface="Microsoft Yi Baiti"/>
+        <a:font script="Tibt" typeface="Microsoft Himalaya"/>
+        <a:font script="Thaa" typeface="MV Boli"/>
+        <a:font script="Deva" typeface="Mangal"/>
+        <a:font script="Telu" typeface="Gautami"/>
+        <a:font script="Taml" typeface="Latha"/>
+        <a:font script="Syrc" typeface="Estrangelo Edessa"/>
+        <a:font script="Orya" typeface="Kalinga"/>
+        <a:font script="Mlym" typeface="Kartika"/>
+        <a:font script="Laoo" typeface="DokChampa"/>
+        <a:font script="Sinh" typeface="Iskoola Pota"/>
+        <a:font script="Mong" typeface="Mongolian Baiti"/>
+        <a:font script="Viet" typeface="Arial"/>
+        <a:font script="Uigh" typeface="Microsoft Uighur"/>
+        <a:font script="Geor" typeface="Sylfaen"/>
+        <a:font script="Armn" typeface="Arial"/>
+        <a:font script="Bugi" typeface="Leelawadee UI"/>
+        <a:font script="Bopo" typeface="Microsoft JhengHei"/>
+        <a:font script="Java" typeface="Javanese Text"/>
+        <a:font script="Lisu" typeface="Segoe UI"/>
+        <a:font script="Mymr" typeface="Myanmar Text"/>
+        <a:font script="Nkoo" typeface="Ebrima"/>
+        <a:font script="Olck" typeface="Nirmala UI"/>
+        <a:font script="Osma" typeface="Ebrima"/>
+        <a:font script="Phag" typeface="Phagspa"/>
+        <a:font script="Syrn" typeface="Estrangelo Edessa"/>
+        <a:font script="Syrj" typeface="Estrangelo Edessa"/>
+        <a:font script="Syre" typeface="Estrangelo Edessa"/>
+        <a:font script="Sora" typeface="Nirmala UI"/>
+        <a:font script="Tale" typeface="Microsoft Tai Le"/>
+        <a:font script="Talu" typeface="Microsoft New Tai Lue"/>
+        <a:font script="Tfng" typeface="Ebrima"/>
+      </a:minorFont>
+    </a:fontScheme>
+    <a:fmtScheme name="Pakiet Office">
+      <a:fillStyleLst>
+        <a:solidFill>
+          <a:schemeClr val="phClr"/>
+        </a:solidFill>
+        <a:gradFill rotWithShape="1">
+          <a:gsLst>
+            <a:gs pos="0">
+              <a:schemeClr val="phClr">
+                <a:lumMod val="110000"/>
+                <a:satMod val="105000"/>
+                <a:tint val="67000"/>
+              </a:schemeClr>
+            </a:gs>
+            <a:gs pos="50000">
+              <a:schemeClr val="phClr">
+                <a:lumMod val="105000"/>
+                <a:satMod val="103000"/>
+                <a:tint val="73000"/>
+              </a:schemeClr>
+            </a:gs>
+            <a:gs pos="100000">
+              <a:schemeClr val="phClr">
+                <a:lumMod val="105000"/>
+                <a:satMod val="109000"/>
+                <a:tint val="81000"/>
+              </a:schemeClr>
+            </a:gs>
+          </a:gsLst>
+          <a:lin ang="5400000" scaled="0"/>
+        </a:gradFill>
+        <a:gradFill rotWithShape="1">
+          <a:gsLst>
+            <a:gs pos="0">
+              <a:schemeClr val="phClr">
+                <a:satMod val="103000"/>
+                <a:lumMod val="102000"/>
+                <a:tint val="94000"/>
+              </a:schemeClr>
+            </a:gs>
+            <a:gs pos="50000">
+              <a:schemeClr val="phClr">
+                <a:satMod val="110000"/>
+                <a:lumMod val="100000"/>
+                <a:shade val="100000"/>
+              </a:schemeClr>
+            </a:gs>
+            <a:gs pos="100000">
+              <a:schemeClr val="phClr">
+                <a:lumMod val="99000"/>
+                <a:satMod val="120000"/>
+                <a:shade val="78000"/>
+              </a:schemeClr>
+            </a:gs>
+          </a:gsLst>
+          <a:lin ang="5400000" scaled="0"/>
+        </a:gradFill>
+      </a:fillStyleLst>
+      <a:lnStyleLst>
+        <a:ln w="6350" cap="flat" cmpd="sng" algn="ctr">
+          <a:solidFill>
+            <a:schemeClr val="phClr"/>
+          </a:solidFill>
+          <a:prstDash val="solid"/>
+          <a:miter lim="800000"/>
+        </a:ln>
+        <a:ln w="12700" cap="flat" cmpd="sng" algn="ctr">
+          <a:solidFill>
+            <a:schemeClr val="phClr"/>
+          </a:solidFill>
+          <a:prstDash val="solid"/>
+          <a:miter lim="800000"/>
+        </a:ln>
+        <a:ln w="19050" cap="flat" cmpd="sng" algn="ctr">
+          <a:solidFill>
+            <a:schemeClr val="phClr"/>
+          </a:solidFill>
+          <a:prstDash val="solid"/>
+          <a:miter lim="800000"/>
+        </a:ln>
+      </a:lnStyleLst>
+      <a:effectStyleLst>
+        <a:effectStyle>
+          <a:effectLst/>
+        </a:effectStyle>
+        <a:effectStyle>
+          <a:effectLst/>
+        </a:effectStyle>
+        <a:effectStyle>
+          <a:effectLst>
+            <a:outerShdw blurRad="57150" dist="19050" dir="5400000" algn="ctr" rotWithShape="0">
+              <a:srgbClr val="000000">
+                <a:alpha val="63000"/>
+              </a:srgbClr>
+            </a:outerShdw>
+          </a:effectLst>
+        </a:effectStyle>
+      </a:effectStyleLst>
+      <a:bgFillStyleLst>
+        <a:solidFill>
+          <a:schemeClr val="phClr"/>
+        </a:solidFill>
+        <a:solidFill>
+          <a:schemeClr val="phClr">
+            <a:tint val="95000"/>
+            <a:satMod val="170000"/>
+          </a:schemeClr>
+        </a:solidFill>
+        <a:gradFill rotWithShape="1">
+          <a:gsLst>
+            <a:gs pos="0">
+              <a:schemeClr val="phClr">
+                <a:tint val="93000"/>
+                <a:satMod val="150000"/>
+                <a:shade val="98000"/>
+                <a:lumMod val="102000"/>
+              </a:schemeClr>
+            </a:gs>
+            <a:gs pos="50000">
+              <a:schemeClr val="phClr">
+                <a:tint val="98000"/>
+                <a:satMod val="130000"/>
+                <a:shade val="90000"/>
+                <a:lumMod val="103000"/>
+              </a:schemeClr>
+            </a:gs>
+            <a:gs pos="100000">
+              <a:schemeClr val="phClr">
+                <a:shade val="63000"/>
+                <a:satMod val="120000"/>
+              </a:schemeClr>
+            </a:gs>
+          </a:gsLst>
+          <a:lin ang="5400000" scaled="0"/>
+        </a:gradFill>
+      </a:bgFillStyleLst>
+    </a:fmtScheme>
+  </a:themeElements>
+  <a:objectDefaults/>
+  <a:extraClrSchemeLst/>
+  <a:extLst>
+    <a:ext uri="{05A4C25C-085E-4340-85A3-A5531E510DB2}">
+      <thm15:themeFamily xmlns:thm15="http://schemas.microsoft.com/office/thememl/2012/main" name="Office Theme" id="{62F939B6-93AF-4DB8-9C6B-D6C7DFDC589F}" vid="{4A3C46E8-61CC-4603-A589-7422A47A8E4A}"/>
+    </a:ext>
+  </a:extLst>
+</a:theme>
 </file>
--- a/Documentation/Asset Pipeline.pptx
+++ b/Documentation/Asset Pipeline.pptx
@@ -5,13 +5,14 @@
     <p:sldMasterId id="2147483648" r:id="rId1"/>
   </p:sldMasterIdLst>
   <p:notesMasterIdLst>
-    <p:notesMasterId r:id="rId6"/>
+    <p:notesMasterId r:id="rId7"/>
   </p:notesMasterIdLst>
   <p:sldIdLst>
     <p:sldId id="256" r:id="rId2"/>
     <p:sldId id="261" r:id="rId3"/>
     <p:sldId id="260" r:id="rId4"/>
     <p:sldId id="262" r:id="rId5"/>
+    <p:sldId id="263" r:id="rId6"/>
   </p:sldIdLst>
   <p:sldSz cx="12192000" cy="6858000"/>
   <p:notesSz cx="6858000" cy="9144000"/>
@@ -212,7 +213,7 @@
           <a:p>
             <a:fld id="{D0E2DD2C-27F7-4F93-96E8-CD28AD9267D9}" type="datetimeFigureOut">
               <a:rPr lang="en-US" smtClean="0"/>
-              <a:t>5/2/2025</a:t>
+              <a:t>5/13/2025</a:t>
             </a:fld>
             <a:endParaRPr lang="en-US"/>
           </a:p>
@@ -711,7 +712,7 @@
           <a:p>
             <a:fld id="{783DC7D5-4D76-4679-A391-31CBAFA90932}" type="datetimeFigureOut">
               <a:rPr lang="en-US" smtClean="0"/>
-              <a:t>5/2/2025</a:t>
+              <a:t>5/13/2025</a:t>
             </a:fld>
             <a:endParaRPr lang="en-US"/>
           </a:p>
@@ -909,7 +910,7 @@
           <a:p>
             <a:fld id="{783DC7D5-4D76-4679-A391-31CBAFA90932}" type="datetimeFigureOut">
               <a:rPr lang="en-US" smtClean="0"/>
-              <a:t>5/2/2025</a:t>
+              <a:t>5/13/2025</a:t>
             </a:fld>
             <a:endParaRPr lang="en-US"/>
           </a:p>
@@ -1117,7 +1118,7 @@
           <a:p>
             <a:fld id="{783DC7D5-4D76-4679-A391-31CBAFA90932}" type="datetimeFigureOut">
               <a:rPr lang="en-US" smtClean="0"/>
-              <a:t>5/2/2025</a:t>
+              <a:t>5/13/2025</a:t>
             </a:fld>
             <a:endParaRPr lang="en-US"/>
           </a:p>
@@ -1315,7 +1316,7 @@
           <a:p>
             <a:fld id="{783DC7D5-4D76-4679-A391-31CBAFA90932}" type="datetimeFigureOut">
               <a:rPr lang="en-US" smtClean="0"/>
-              <a:t>5/2/2025</a:t>
+              <a:t>5/13/2025</a:t>
             </a:fld>
             <a:endParaRPr lang="en-US"/>
           </a:p>
@@ -1590,7 +1591,7 @@
           <a:p>
             <a:fld id="{783DC7D5-4D76-4679-A391-31CBAFA90932}" type="datetimeFigureOut">
               <a:rPr lang="en-US" smtClean="0"/>
-              <a:t>5/2/2025</a:t>
+              <a:t>5/13/2025</a:t>
             </a:fld>
             <a:endParaRPr lang="en-US"/>
           </a:p>
@@ -1855,7 +1856,7 @@
           <a:p>
             <a:fld id="{783DC7D5-4D76-4679-A391-31CBAFA90932}" type="datetimeFigureOut">
               <a:rPr lang="en-US" smtClean="0"/>
-              <a:t>5/2/2025</a:t>
+              <a:t>5/13/2025</a:t>
             </a:fld>
             <a:endParaRPr lang="en-US"/>
           </a:p>
@@ -2267,7 +2268,7 @@
           <a:p>
             <a:fld id="{783DC7D5-4D76-4679-A391-31CBAFA90932}" type="datetimeFigureOut">
               <a:rPr lang="en-US" smtClean="0"/>
-              <a:t>5/2/2025</a:t>
+              <a:t>5/13/2025</a:t>
             </a:fld>
             <a:endParaRPr lang="en-US"/>
           </a:p>
@@ -2408,7 +2409,7 @@
           <a:p>
             <a:fld id="{783DC7D5-4D76-4679-A391-31CBAFA90932}" type="datetimeFigureOut">
               <a:rPr lang="en-US" smtClean="0"/>
-              <a:t>5/2/2025</a:t>
+              <a:t>5/13/2025</a:t>
             </a:fld>
             <a:endParaRPr lang="en-US"/>
           </a:p>
@@ -2521,7 +2522,7 @@
           <a:p>
             <a:fld id="{783DC7D5-4D76-4679-A391-31CBAFA90932}" type="datetimeFigureOut">
               <a:rPr lang="en-US" smtClean="0"/>
-              <a:t>5/2/2025</a:t>
+              <a:t>5/13/2025</a:t>
             </a:fld>
             <a:endParaRPr lang="en-US"/>
           </a:p>
@@ -2832,7 +2833,7 @@
           <a:p>
             <a:fld id="{783DC7D5-4D76-4679-A391-31CBAFA90932}" type="datetimeFigureOut">
               <a:rPr lang="en-US" smtClean="0"/>
-              <a:t>5/2/2025</a:t>
+              <a:t>5/13/2025</a:t>
             </a:fld>
             <a:endParaRPr lang="en-US"/>
           </a:p>
@@ -3120,7 +3121,7 @@
           <a:p>
             <a:fld id="{783DC7D5-4D76-4679-A391-31CBAFA90932}" type="datetimeFigureOut">
               <a:rPr lang="en-US" smtClean="0"/>
-              <a:t>5/2/2025</a:t>
+              <a:t>5/13/2025</a:t>
             </a:fld>
             <a:endParaRPr lang="en-US"/>
           </a:p>
@@ -3361,7 +3362,7 @@
           <a:p>
             <a:fld id="{783DC7D5-4D76-4679-A391-31CBAFA90932}" type="datetimeFigureOut">
               <a:rPr lang="en-US" smtClean="0"/>
-              <a:t>5/2/2025</a:t>
+              <a:t>5/13/2025</a:t>
             </a:fld>
             <a:endParaRPr lang="en-US"/>
           </a:p>
@@ -8697,6 +8698,1344 @@
     <p:extLst>
       <p:ext uri="{BB962C8B-B14F-4D97-AF65-F5344CB8AC3E}">
         <p14:creationId xmlns:p14="http://schemas.microsoft.com/office/powerpoint/2010/main" val="786740795"/>
+      </p:ext>
+    </p:extLst>
+  </p:cSld>
+  <p:clrMapOvr>
+    <a:masterClrMapping/>
+  </p:clrMapOvr>
+</p:sld>
+</file>
+
+<file path=ppt/slides/slide5.xml><?xml version="1.0" encoding="utf-8"?>
+<p:sld xmlns:a="http://schemas.openxmlformats.org/drawingml/2006/main" xmlns:r="http://schemas.openxmlformats.org/officeDocument/2006/relationships" xmlns:p="http://schemas.openxmlformats.org/presentationml/2006/main">
+  <p:cSld>
+    <p:spTree>
+      <p:nvGrpSpPr>
+        <p:cNvPr id="1" name=""/>
+        <p:cNvGrpSpPr/>
+        <p:nvPr/>
+      </p:nvGrpSpPr>
+      <p:grpSpPr>
+        <a:xfrm>
+          <a:off x="0" y="0"/>
+          <a:ext cx="0" cy="0"/>
+          <a:chOff x="0" y="0"/>
+          <a:chExt cx="0" cy="0"/>
+        </a:xfrm>
+      </p:grpSpPr>
+      <p:sp>
+        <p:nvSpPr>
+          <p:cNvPr id="16" name="Prostokąt: zaokrąglone rogi 15">
+            <a:extLst>
+              <a:ext uri="{FF2B5EF4-FFF2-40B4-BE49-F238E27FC236}">
+                <a16:creationId xmlns:a16="http://schemas.microsoft.com/office/drawing/2014/main" id="{2A0423BC-C930-8484-D2D7-D42A2484E299}"/>
+              </a:ext>
+            </a:extLst>
+          </p:cNvPr>
+          <p:cNvSpPr/>
+          <p:nvPr/>
+        </p:nvSpPr>
+        <p:spPr>
+          <a:xfrm>
+            <a:off x="3446108" y="3344138"/>
+            <a:ext cx="7352524" cy="582346"/>
+          </a:xfrm>
+          <a:prstGeom prst="roundRect">
+            <a:avLst/>
+          </a:prstGeom>
+        </p:spPr>
+        <p:style>
+          <a:lnRef idx="1">
+            <a:schemeClr val="accent3"/>
+          </a:lnRef>
+          <a:fillRef idx="2">
+            <a:schemeClr val="accent3"/>
+          </a:fillRef>
+          <a:effectRef idx="1">
+            <a:schemeClr val="accent3"/>
+          </a:effectRef>
+          <a:fontRef idx="minor">
+            <a:schemeClr val="dk1"/>
+          </a:fontRef>
+        </p:style>
+        <p:txBody>
+          <a:bodyPr rtlCol="0" anchor="ctr"/>
+          <a:lstStyle/>
+          <a:p>
+            <a:pPr algn="ctr"/>
+            <a:endParaRPr lang="en-US" sz="2000" b="1" dirty="0"/>
+          </a:p>
+        </p:txBody>
+      </p:sp>
+      <p:sp>
+        <p:nvSpPr>
+          <p:cNvPr id="2" name="Rectangle: Rounded Corners 3">
+            <a:extLst>
+              <a:ext uri="{FF2B5EF4-FFF2-40B4-BE49-F238E27FC236}">
+                <a16:creationId xmlns:a16="http://schemas.microsoft.com/office/drawing/2014/main" id="{404DC3D8-F878-872E-5898-6AFED02B9CDC}"/>
+              </a:ext>
+            </a:extLst>
+          </p:cNvPr>
+          <p:cNvSpPr/>
+          <p:nvPr/>
+        </p:nvSpPr>
+        <p:spPr>
+          <a:xfrm>
+            <a:off x="4057794" y="378414"/>
+            <a:ext cx="3566358" cy="582346"/>
+          </a:xfrm>
+          <a:prstGeom prst="roundRect">
+            <a:avLst/>
+          </a:prstGeom>
+        </p:spPr>
+        <p:style>
+          <a:lnRef idx="0">
+            <a:schemeClr val="accent1"/>
+          </a:lnRef>
+          <a:fillRef idx="3">
+            <a:schemeClr val="accent1"/>
+          </a:fillRef>
+          <a:effectRef idx="3">
+            <a:schemeClr val="accent1"/>
+          </a:effectRef>
+          <a:fontRef idx="minor">
+            <a:schemeClr val="lt1"/>
+          </a:fontRef>
+        </p:style>
+        <p:txBody>
+          <a:bodyPr rtlCol="0" anchor="ctr"/>
+          <a:lstStyle/>
+          <a:p>
+            <a:pPr algn="ctr"/>
+            <a:r>
+              <a:rPr lang="en-US" dirty="0"/>
+              <a:t>Geometry Assets</a:t>
+            </a:r>
+          </a:p>
+        </p:txBody>
+      </p:sp>
+      <p:sp>
+        <p:nvSpPr>
+          <p:cNvPr id="6" name="Prostokąt: zaokrąglone rogi 5">
+            <a:extLst>
+              <a:ext uri="{FF2B5EF4-FFF2-40B4-BE49-F238E27FC236}">
+                <a16:creationId xmlns:a16="http://schemas.microsoft.com/office/drawing/2014/main" id="{7DC1B869-0D55-DBE5-CB6D-B52A1D9AB747}"/>
+              </a:ext>
+            </a:extLst>
+          </p:cNvPr>
+          <p:cNvSpPr/>
+          <p:nvPr/>
+        </p:nvSpPr>
+        <p:spPr>
+          <a:xfrm>
+            <a:off x="5097624" y="3404013"/>
+            <a:ext cx="1996752" cy="454090"/>
+          </a:xfrm>
+          <a:prstGeom prst="roundRect">
+            <a:avLst/>
+          </a:prstGeom>
+        </p:spPr>
+        <p:style>
+          <a:lnRef idx="1">
+            <a:schemeClr val="accent1"/>
+          </a:lnRef>
+          <a:fillRef idx="2">
+            <a:schemeClr val="accent1"/>
+          </a:fillRef>
+          <a:effectRef idx="1">
+            <a:schemeClr val="accent1"/>
+          </a:effectRef>
+          <a:fontRef idx="minor">
+            <a:schemeClr val="dk1"/>
+          </a:fontRef>
+        </p:style>
+        <p:txBody>
+          <a:bodyPr rtlCol="0" anchor="ctr"/>
+          <a:lstStyle/>
+          <a:p>
+            <a:pPr algn="ctr"/>
+            <a:r>
+              <a:rPr lang="en-US" dirty="0"/>
+              <a:t>Mesh</a:t>
+            </a:r>
+          </a:p>
+        </p:txBody>
+      </p:sp>
+      <p:sp>
+        <p:nvSpPr>
+          <p:cNvPr id="7" name="Prostokąt: zaokrąglone rogi 6">
+            <a:extLst>
+              <a:ext uri="{FF2B5EF4-FFF2-40B4-BE49-F238E27FC236}">
+                <a16:creationId xmlns:a16="http://schemas.microsoft.com/office/drawing/2014/main" id="{BA477DC3-49B8-4D7A-AF02-F386BACC8A94}"/>
+              </a:ext>
+            </a:extLst>
+          </p:cNvPr>
+          <p:cNvSpPr/>
+          <p:nvPr/>
+        </p:nvSpPr>
+        <p:spPr>
+          <a:xfrm>
+            <a:off x="7181465" y="3404013"/>
+            <a:ext cx="1996752" cy="454090"/>
+          </a:xfrm>
+          <a:prstGeom prst="roundRect">
+            <a:avLst/>
+          </a:prstGeom>
+        </p:spPr>
+        <p:style>
+          <a:lnRef idx="1">
+            <a:schemeClr val="accent1"/>
+          </a:lnRef>
+          <a:fillRef idx="2">
+            <a:schemeClr val="accent1"/>
+          </a:fillRef>
+          <a:effectRef idx="1">
+            <a:schemeClr val="accent1"/>
+          </a:effectRef>
+          <a:fontRef idx="minor">
+            <a:schemeClr val="dk1"/>
+          </a:fontRef>
+        </p:style>
+        <p:txBody>
+          <a:bodyPr rtlCol="0" anchor="ctr"/>
+          <a:lstStyle/>
+          <a:p>
+            <a:pPr algn="ctr"/>
+            <a:r>
+              <a:rPr lang="en-US" dirty="0" err="1"/>
+              <a:t>MaterialInstance</a:t>
+            </a:r>
+            <a:endParaRPr lang="en-US" dirty="0"/>
+          </a:p>
+        </p:txBody>
+      </p:sp>
+      <p:sp>
+        <p:nvSpPr>
+          <p:cNvPr id="13" name="Prostokąt: zaokrąglone rogi 12">
+            <a:extLst>
+              <a:ext uri="{FF2B5EF4-FFF2-40B4-BE49-F238E27FC236}">
+                <a16:creationId xmlns:a16="http://schemas.microsoft.com/office/drawing/2014/main" id="{A0FD60EF-87B6-6B13-F32F-D0B4B552008D}"/>
+              </a:ext>
+            </a:extLst>
+          </p:cNvPr>
+          <p:cNvSpPr/>
+          <p:nvPr/>
+        </p:nvSpPr>
+        <p:spPr>
+          <a:xfrm>
+            <a:off x="3446108" y="1217291"/>
+            <a:ext cx="7352524" cy="582346"/>
+          </a:xfrm>
+          <a:prstGeom prst="roundRect">
+            <a:avLst/>
+          </a:prstGeom>
+        </p:spPr>
+        <p:style>
+          <a:lnRef idx="1">
+            <a:schemeClr val="accent3"/>
+          </a:lnRef>
+          <a:fillRef idx="2">
+            <a:schemeClr val="accent3"/>
+          </a:fillRef>
+          <a:effectRef idx="1">
+            <a:schemeClr val="accent3"/>
+          </a:effectRef>
+          <a:fontRef idx="minor">
+            <a:schemeClr val="dk1"/>
+          </a:fontRef>
+        </p:style>
+        <p:txBody>
+          <a:bodyPr rtlCol="0" anchor="ctr"/>
+          <a:lstStyle/>
+          <a:p>
+            <a:pPr algn="ctr"/>
+            <a:endParaRPr lang="en-US"/>
+          </a:p>
+        </p:txBody>
+      </p:sp>
+      <p:sp>
+        <p:nvSpPr>
+          <p:cNvPr id="14" name="Prostokąt: zaokrąglone rogi 13">
+            <a:extLst>
+              <a:ext uri="{FF2B5EF4-FFF2-40B4-BE49-F238E27FC236}">
+                <a16:creationId xmlns:a16="http://schemas.microsoft.com/office/drawing/2014/main" id="{897FECBC-4C47-1445-96DB-428BA58D01CB}"/>
+              </a:ext>
+            </a:extLst>
+          </p:cNvPr>
+          <p:cNvSpPr/>
+          <p:nvPr/>
+        </p:nvSpPr>
+        <p:spPr>
+          <a:xfrm>
+            <a:off x="3446108" y="1926240"/>
+            <a:ext cx="7352524" cy="582346"/>
+          </a:xfrm>
+          <a:prstGeom prst="roundRect">
+            <a:avLst/>
+          </a:prstGeom>
+        </p:spPr>
+        <p:style>
+          <a:lnRef idx="1">
+            <a:schemeClr val="accent3"/>
+          </a:lnRef>
+          <a:fillRef idx="2">
+            <a:schemeClr val="accent3"/>
+          </a:fillRef>
+          <a:effectRef idx="1">
+            <a:schemeClr val="accent3"/>
+          </a:effectRef>
+          <a:fontRef idx="minor">
+            <a:schemeClr val="dk1"/>
+          </a:fontRef>
+        </p:style>
+        <p:txBody>
+          <a:bodyPr rtlCol="0" anchor="ctr"/>
+          <a:lstStyle/>
+          <a:p>
+            <a:pPr algn="ctr"/>
+            <a:endParaRPr lang="en-US" sz="1800" b="1" dirty="0"/>
+          </a:p>
+        </p:txBody>
+      </p:sp>
+      <p:sp>
+        <p:nvSpPr>
+          <p:cNvPr id="15" name="Prostokąt: zaokrąglone rogi 14">
+            <a:extLst>
+              <a:ext uri="{FF2B5EF4-FFF2-40B4-BE49-F238E27FC236}">
+                <a16:creationId xmlns:a16="http://schemas.microsoft.com/office/drawing/2014/main" id="{B94F2211-64DC-A131-4117-28163CC5E325}"/>
+              </a:ext>
+            </a:extLst>
+          </p:cNvPr>
+          <p:cNvSpPr/>
+          <p:nvPr/>
+        </p:nvSpPr>
+        <p:spPr>
+          <a:xfrm>
+            <a:off x="3446108" y="2635189"/>
+            <a:ext cx="7352524" cy="582346"/>
+          </a:xfrm>
+          <a:prstGeom prst="roundRect">
+            <a:avLst/>
+          </a:prstGeom>
+        </p:spPr>
+        <p:style>
+          <a:lnRef idx="1">
+            <a:schemeClr val="accent3"/>
+          </a:lnRef>
+          <a:fillRef idx="2">
+            <a:schemeClr val="accent3"/>
+          </a:fillRef>
+          <a:effectRef idx="1">
+            <a:schemeClr val="accent3"/>
+          </a:effectRef>
+          <a:fontRef idx="minor">
+            <a:schemeClr val="dk1"/>
+          </a:fontRef>
+        </p:style>
+        <p:txBody>
+          <a:bodyPr rtlCol="0" anchor="ctr"/>
+          <a:lstStyle/>
+          <a:p>
+            <a:pPr algn="ctr"/>
+            <a:endParaRPr lang="en-US"/>
+          </a:p>
+        </p:txBody>
+      </p:sp>
+      <p:sp>
+        <p:nvSpPr>
+          <p:cNvPr id="17" name="Prostokąt: zaokrąglone rogi 16">
+            <a:extLst>
+              <a:ext uri="{FF2B5EF4-FFF2-40B4-BE49-F238E27FC236}">
+                <a16:creationId xmlns:a16="http://schemas.microsoft.com/office/drawing/2014/main" id="{29B3EDB4-AA20-7B1E-2E67-D0B4A67C0906}"/>
+              </a:ext>
+            </a:extLst>
+          </p:cNvPr>
+          <p:cNvSpPr/>
+          <p:nvPr/>
+        </p:nvSpPr>
+        <p:spPr>
+          <a:xfrm>
+            <a:off x="3446108" y="4053087"/>
+            <a:ext cx="7352524" cy="582346"/>
+          </a:xfrm>
+          <a:prstGeom prst="roundRect">
+            <a:avLst/>
+          </a:prstGeom>
+        </p:spPr>
+        <p:style>
+          <a:lnRef idx="1">
+            <a:schemeClr val="accent3"/>
+          </a:lnRef>
+          <a:fillRef idx="2">
+            <a:schemeClr val="accent3"/>
+          </a:fillRef>
+          <a:effectRef idx="1">
+            <a:schemeClr val="accent3"/>
+          </a:effectRef>
+          <a:fontRef idx="minor">
+            <a:schemeClr val="dk1"/>
+          </a:fontRef>
+        </p:style>
+        <p:txBody>
+          <a:bodyPr rtlCol="0" anchor="ctr"/>
+          <a:lstStyle/>
+          <a:p>
+            <a:pPr algn="ctr"/>
+            <a:endParaRPr lang="en-US" sz="2000" b="1" dirty="0"/>
+          </a:p>
+        </p:txBody>
+      </p:sp>
+      <p:sp>
+        <p:nvSpPr>
+          <p:cNvPr id="18" name="Prostokąt: zaokrąglone rogi 17">
+            <a:extLst>
+              <a:ext uri="{FF2B5EF4-FFF2-40B4-BE49-F238E27FC236}">
+                <a16:creationId xmlns:a16="http://schemas.microsoft.com/office/drawing/2014/main" id="{154721C8-F29E-2243-06B1-A602C584922D}"/>
+              </a:ext>
+            </a:extLst>
+          </p:cNvPr>
+          <p:cNvSpPr/>
+          <p:nvPr/>
+        </p:nvSpPr>
+        <p:spPr>
+          <a:xfrm>
+            <a:off x="3446108" y="4762035"/>
+            <a:ext cx="7352524" cy="582346"/>
+          </a:xfrm>
+          <a:prstGeom prst="roundRect">
+            <a:avLst/>
+          </a:prstGeom>
+        </p:spPr>
+        <p:style>
+          <a:lnRef idx="1">
+            <a:schemeClr val="accent3"/>
+          </a:lnRef>
+          <a:fillRef idx="2">
+            <a:schemeClr val="accent3"/>
+          </a:fillRef>
+          <a:effectRef idx="1">
+            <a:schemeClr val="accent3"/>
+          </a:effectRef>
+          <a:fontRef idx="minor">
+            <a:schemeClr val="dk1"/>
+          </a:fontRef>
+        </p:style>
+        <p:txBody>
+          <a:bodyPr rtlCol="0" anchor="ctr"/>
+          <a:lstStyle/>
+          <a:p>
+            <a:pPr algn="ctr"/>
+            <a:endParaRPr lang="en-US"/>
+          </a:p>
+        </p:txBody>
+      </p:sp>
+      <p:sp>
+        <p:nvSpPr>
+          <p:cNvPr id="19" name="Prostokąt: zaokrąglone rogi 18">
+            <a:extLst>
+              <a:ext uri="{FF2B5EF4-FFF2-40B4-BE49-F238E27FC236}">
+                <a16:creationId xmlns:a16="http://schemas.microsoft.com/office/drawing/2014/main" id="{AB90DAFD-234B-7A84-A8D3-4555CC31A120}"/>
+              </a:ext>
+            </a:extLst>
+          </p:cNvPr>
+          <p:cNvSpPr/>
+          <p:nvPr/>
+        </p:nvSpPr>
+        <p:spPr>
+          <a:xfrm>
+            <a:off x="6183089" y="4117212"/>
+            <a:ext cx="1996752" cy="454091"/>
+          </a:xfrm>
+          <a:prstGeom prst="roundRect">
+            <a:avLst/>
+          </a:prstGeom>
+        </p:spPr>
+        <p:style>
+          <a:lnRef idx="1">
+            <a:schemeClr val="accent1"/>
+          </a:lnRef>
+          <a:fillRef idx="2">
+            <a:schemeClr val="accent1"/>
+          </a:fillRef>
+          <a:effectRef idx="1">
+            <a:schemeClr val="accent1"/>
+          </a:effectRef>
+          <a:fontRef idx="minor">
+            <a:schemeClr val="dk1"/>
+          </a:fontRef>
+        </p:style>
+        <p:txBody>
+          <a:bodyPr rtlCol="0" anchor="t"/>
+          <a:lstStyle/>
+          <a:p>
+            <a:pPr algn="ctr"/>
+            <a:r>
+              <a:rPr lang="en-US" dirty="0"/>
+              <a:t>N × </a:t>
+            </a:r>
+            <a:r>
+              <a:rPr lang="en-US" dirty="0" err="1"/>
+              <a:t>RenderMesh</a:t>
+            </a:r>
+            <a:endParaRPr lang="en-US" dirty="0"/>
+          </a:p>
+        </p:txBody>
+      </p:sp>
+      <p:sp>
+        <p:nvSpPr>
+          <p:cNvPr id="21" name="Prostokąt: zaokrąglone rogi 20">
+            <a:extLst>
+              <a:ext uri="{FF2B5EF4-FFF2-40B4-BE49-F238E27FC236}">
+                <a16:creationId xmlns:a16="http://schemas.microsoft.com/office/drawing/2014/main" id="{D583FA01-2820-1FD4-E0D6-EFDA0DDBFAC3}"/>
+              </a:ext>
+            </a:extLst>
+          </p:cNvPr>
+          <p:cNvSpPr/>
+          <p:nvPr/>
+        </p:nvSpPr>
+        <p:spPr>
+          <a:xfrm>
+            <a:off x="3446108" y="5470983"/>
+            <a:ext cx="7352524" cy="582346"/>
+          </a:xfrm>
+          <a:prstGeom prst="roundRect">
+            <a:avLst/>
+          </a:prstGeom>
+        </p:spPr>
+        <p:style>
+          <a:lnRef idx="1">
+            <a:schemeClr val="accent3"/>
+          </a:lnRef>
+          <a:fillRef idx="2">
+            <a:schemeClr val="accent3"/>
+          </a:fillRef>
+          <a:effectRef idx="1">
+            <a:schemeClr val="accent3"/>
+          </a:effectRef>
+          <a:fontRef idx="minor">
+            <a:schemeClr val="dk1"/>
+          </a:fontRef>
+        </p:style>
+        <p:txBody>
+          <a:bodyPr rtlCol="0" anchor="ctr"/>
+          <a:lstStyle/>
+          <a:p>
+            <a:pPr algn="ctr"/>
+            <a:endParaRPr lang="en-US" sz="1800" b="1" dirty="0"/>
+          </a:p>
+        </p:txBody>
+      </p:sp>
+      <p:sp>
+        <p:nvSpPr>
+          <p:cNvPr id="22" name="Prostokąt: zaokrąglone rogi 21">
+            <a:extLst>
+              <a:ext uri="{FF2B5EF4-FFF2-40B4-BE49-F238E27FC236}">
+                <a16:creationId xmlns:a16="http://schemas.microsoft.com/office/drawing/2014/main" id="{BF595126-B4DB-766D-BB40-875AEB9834EA}"/>
+              </a:ext>
+            </a:extLst>
+          </p:cNvPr>
+          <p:cNvSpPr/>
+          <p:nvPr/>
+        </p:nvSpPr>
+        <p:spPr>
+          <a:xfrm>
+            <a:off x="4040153" y="5543383"/>
+            <a:ext cx="1996752" cy="454091"/>
+          </a:xfrm>
+          <a:prstGeom prst="roundRect">
+            <a:avLst/>
+          </a:prstGeom>
+        </p:spPr>
+        <p:style>
+          <a:lnRef idx="1">
+            <a:schemeClr val="accent1"/>
+          </a:lnRef>
+          <a:fillRef idx="2">
+            <a:schemeClr val="accent1"/>
+          </a:fillRef>
+          <a:effectRef idx="1">
+            <a:schemeClr val="accent1"/>
+          </a:effectRef>
+          <a:fontRef idx="minor">
+            <a:schemeClr val="dk1"/>
+          </a:fontRef>
+        </p:style>
+        <p:txBody>
+          <a:bodyPr rtlCol="0" anchor="t"/>
+          <a:lstStyle/>
+          <a:p>
+            <a:pPr algn="ctr"/>
+            <a:r>
+              <a:rPr lang="en-US" dirty="0"/>
+              <a:t>Skeleton</a:t>
+            </a:r>
+          </a:p>
+        </p:txBody>
+      </p:sp>
+      <p:sp>
+        <p:nvSpPr>
+          <p:cNvPr id="23" name="Prostokąt: zaokrąglone rogi 22">
+            <a:extLst>
+              <a:ext uri="{FF2B5EF4-FFF2-40B4-BE49-F238E27FC236}">
+                <a16:creationId xmlns:a16="http://schemas.microsoft.com/office/drawing/2014/main" id="{3E9B9E4D-B225-7EED-713C-596F474BCFDF}"/>
+              </a:ext>
+            </a:extLst>
+          </p:cNvPr>
+          <p:cNvSpPr/>
+          <p:nvPr/>
+        </p:nvSpPr>
+        <p:spPr>
+          <a:xfrm>
+            <a:off x="6123994" y="5543383"/>
+            <a:ext cx="1996752" cy="454091"/>
+          </a:xfrm>
+          <a:prstGeom prst="roundRect">
+            <a:avLst/>
+          </a:prstGeom>
+        </p:spPr>
+        <p:style>
+          <a:lnRef idx="1">
+            <a:schemeClr val="accent1"/>
+          </a:lnRef>
+          <a:fillRef idx="2">
+            <a:schemeClr val="accent1"/>
+          </a:fillRef>
+          <a:effectRef idx="1">
+            <a:schemeClr val="accent1"/>
+          </a:effectRef>
+          <a:fontRef idx="minor">
+            <a:schemeClr val="dk1"/>
+          </a:fontRef>
+        </p:style>
+        <p:txBody>
+          <a:bodyPr rtlCol="0" anchor="t"/>
+          <a:lstStyle/>
+          <a:p>
+            <a:pPr algn="ctr"/>
+            <a:r>
+              <a:rPr lang="en-US" dirty="0"/>
+              <a:t>Model</a:t>
+            </a:r>
+          </a:p>
+        </p:txBody>
+      </p:sp>
+      <p:sp>
+        <p:nvSpPr>
+          <p:cNvPr id="24" name="Prostokąt: zaokrąglone rogi 23">
+            <a:extLst>
+              <a:ext uri="{FF2B5EF4-FFF2-40B4-BE49-F238E27FC236}">
+                <a16:creationId xmlns:a16="http://schemas.microsoft.com/office/drawing/2014/main" id="{CA4F5D74-F9C0-33DB-A6C3-11AF9EF90C8F}"/>
+              </a:ext>
+            </a:extLst>
+          </p:cNvPr>
+          <p:cNvSpPr/>
+          <p:nvPr/>
+        </p:nvSpPr>
+        <p:spPr>
+          <a:xfrm>
+            <a:off x="4049486" y="1990365"/>
+            <a:ext cx="1996752" cy="454090"/>
+          </a:xfrm>
+          <a:prstGeom prst="roundRect">
+            <a:avLst/>
+          </a:prstGeom>
+        </p:spPr>
+        <p:style>
+          <a:lnRef idx="1">
+            <a:schemeClr val="accent1"/>
+          </a:lnRef>
+          <a:fillRef idx="2">
+            <a:schemeClr val="accent1"/>
+          </a:fillRef>
+          <a:effectRef idx="1">
+            <a:schemeClr val="accent1"/>
+          </a:effectRef>
+          <a:fontRef idx="minor">
+            <a:schemeClr val="dk1"/>
+          </a:fontRef>
+        </p:style>
+        <p:txBody>
+          <a:bodyPr rtlCol="0" anchor="ctr"/>
+          <a:lstStyle/>
+          <a:p>
+            <a:pPr algn="ctr"/>
+            <a:r>
+              <a:rPr lang="en-US" dirty="0"/>
+              <a:t>Material</a:t>
+            </a:r>
+          </a:p>
+        </p:txBody>
+      </p:sp>
+      <p:sp>
+        <p:nvSpPr>
+          <p:cNvPr id="25" name="Prostokąt: zaokrąglone rogi 24">
+            <a:extLst>
+              <a:ext uri="{FF2B5EF4-FFF2-40B4-BE49-F238E27FC236}">
+                <a16:creationId xmlns:a16="http://schemas.microsoft.com/office/drawing/2014/main" id="{7B90A194-A5C2-66A5-F7C2-BEDE06203A33}"/>
+              </a:ext>
+            </a:extLst>
+          </p:cNvPr>
+          <p:cNvSpPr/>
+          <p:nvPr/>
+        </p:nvSpPr>
+        <p:spPr>
+          <a:xfrm>
+            <a:off x="6127101" y="1990171"/>
+            <a:ext cx="1996752" cy="454091"/>
+          </a:xfrm>
+          <a:prstGeom prst="roundRect">
+            <a:avLst/>
+          </a:prstGeom>
+        </p:spPr>
+        <p:style>
+          <a:lnRef idx="1">
+            <a:schemeClr val="accent1"/>
+          </a:lnRef>
+          <a:fillRef idx="2">
+            <a:schemeClr val="accent1"/>
+          </a:fillRef>
+          <a:effectRef idx="1">
+            <a:schemeClr val="accent1"/>
+          </a:effectRef>
+          <a:fontRef idx="minor">
+            <a:schemeClr val="dk1"/>
+          </a:fontRef>
+        </p:style>
+        <p:txBody>
+          <a:bodyPr rtlCol="0" anchor="t"/>
+          <a:lstStyle/>
+          <a:p>
+            <a:pPr algn="ctr"/>
+            <a:r>
+              <a:rPr lang="en-US" sz="1800" b="1" dirty="0"/>
+              <a:t>N × </a:t>
+            </a:r>
+            <a:r>
+              <a:rPr lang="en-US" dirty="0"/>
+              <a:t>Texture</a:t>
+            </a:r>
+          </a:p>
+        </p:txBody>
+      </p:sp>
+      <p:sp>
+        <p:nvSpPr>
+          <p:cNvPr id="26" name="Prostokąt: zaokrąglone rogi 25">
+            <a:extLst>
+              <a:ext uri="{FF2B5EF4-FFF2-40B4-BE49-F238E27FC236}">
+                <a16:creationId xmlns:a16="http://schemas.microsoft.com/office/drawing/2014/main" id="{F42F88EB-1A34-1A30-5484-700E344CD7B0}"/>
+              </a:ext>
+            </a:extLst>
+          </p:cNvPr>
+          <p:cNvSpPr/>
+          <p:nvPr/>
+        </p:nvSpPr>
+        <p:spPr>
+          <a:xfrm>
+            <a:off x="5097624" y="1281419"/>
+            <a:ext cx="1996752" cy="454090"/>
+          </a:xfrm>
+          <a:prstGeom prst="roundRect">
+            <a:avLst/>
+          </a:prstGeom>
+        </p:spPr>
+        <p:style>
+          <a:lnRef idx="1">
+            <a:schemeClr val="accent1"/>
+          </a:lnRef>
+          <a:fillRef idx="2">
+            <a:schemeClr val="accent1"/>
+          </a:fillRef>
+          <a:effectRef idx="1">
+            <a:schemeClr val="accent1"/>
+          </a:effectRef>
+          <a:fontRef idx="minor">
+            <a:schemeClr val="dk1"/>
+          </a:fontRef>
+        </p:style>
+        <p:txBody>
+          <a:bodyPr rtlCol="0" anchor="ctr"/>
+          <a:lstStyle/>
+          <a:p>
+            <a:pPr algn="ctr"/>
+            <a:r>
+              <a:rPr lang="en-US" dirty="0"/>
+              <a:t>Shader</a:t>
+            </a:r>
+          </a:p>
+        </p:txBody>
+      </p:sp>
+      <p:sp>
+        <p:nvSpPr>
+          <p:cNvPr id="27" name="Prostokąt: zaokrąglone rogi 26">
+            <a:extLst>
+              <a:ext uri="{FF2B5EF4-FFF2-40B4-BE49-F238E27FC236}">
+                <a16:creationId xmlns:a16="http://schemas.microsoft.com/office/drawing/2014/main" id="{569493F9-F3EC-0062-A180-C93A667ADF67}"/>
+              </a:ext>
+            </a:extLst>
+          </p:cNvPr>
+          <p:cNvSpPr/>
+          <p:nvPr/>
+        </p:nvSpPr>
+        <p:spPr>
+          <a:xfrm>
+            <a:off x="7181465" y="1281419"/>
+            <a:ext cx="1996752" cy="454090"/>
+          </a:xfrm>
+          <a:prstGeom prst="roundRect">
+            <a:avLst/>
+          </a:prstGeom>
+        </p:spPr>
+        <p:style>
+          <a:lnRef idx="1">
+            <a:schemeClr val="accent4"/>
+          </a:lnRef>
+          <a:fillRef idx="2">
+            <a:schemeClr val="accent4"/>
+          </a:fillRef>
+          <a:effectRef idx="1">
+            <a:schemeClr val="accent4"/>
+          </a:effectRef>
+          <a:fontRef idx="minor">
+            <a:schemeClr val="dk1"/>
+          </a:fontRef>
+        </p:style>
+        <p:txBody>
+          <a:bodyPr rtlCol="0" anchor="ctr"/>
+          <a:lstStyle/>
+          <a:p>
+            <a:pPr algn="ctr"/>
+            <a:r>
+              <a:rPr lang="en-US" sz="1400" dirty="0"/>
+              <a:t>Shader parameters (samplers, uniforms)</a:t>
+            </a:r>
+          </a:p>
+        </p:txBody>
+      </p:sp>
+      <p:sp>
+        <p:nvSpPr>
+          <p:cNvPr id="28" name="Prostokąt: zaokrąglone rogi 27">
+            <a:extLst>
+              <a:ext uri="{FF2B5EF4-FFF2-40B4-BE49-F238E27FC236}">
+                <a16:creationId xmlns:a16="http://schemas.microsoft.com/office/drawing/2014/main" id="{5C27AB83-49D2-7C3E-5AC5-6488022D575E}"/>
+              </a:ext>
+            </a:extLst>
+          </p:cNvPr>
+          <p:cNvSpPr/>
+          <p:nvPr/>
+        </p:nvSpPr>
+        <p:spPr>
+          <a:xfrm>
+            <a:off x="8204716" y="1990172"/>
+            <a:ext cx="1996752" cy="454090"/>
+          </a:xfrm>
+          <a:prstGeom prst="roundRect">
+            <a:avLst/>
+          </a:prstGeom>
+        </p:spPr>
+        <p:style>
+          <a:lnRef idx="1">
+            <a:schemeClr val="accent4"/>
+          </a:lnRef>
+          <a:fillRef idx="2">
+            <a:schemeClr val="accent4"/>
+          </a:fillRef>
+          <a:effectRef idx="1">
+            <a:schemeClr val="accent4"/>
+          </a:effectRef>
+          <a:fontRef idx="minor">
+            <a:schemeClr val="dk1"/>
+          </a:fontRef>
+        </p:style>
+        <p:txBody>
+          <a:bodyPr rtlCol="0" anchor="ctr"/>
+          <a:lstStyle/>
+          <a:p>
+            <a:pPr algn="ctr"/>
+            <a:r>
+              <a:rPr lang="en-US" sz="1400" dirty="0"/>
+              <a:t>Uniform Values</a:t>
+            </a:r>
+          </a:p>
+        </p:txBody>
+      </p:sp>
+      <p:sp>
+        <p:nvSpPr>
+          <p:cNvPr id="29" name="Prostokąt: zaokrąglone rogi 28">
+            <a:extLst>
+              <a:ext uri="{FF2B5EF4-FFF2-40B4-BE49-F238E27FC236}">
+                <a16:creationId xmlns:a16="http://schemas.microsoft.com/office/drawing/2014/main" id="{ABDC9015-5091-503D-A9A9-AB69ED341999}"/>
+              </a:ext>
+            </a:extLst>
+          </p:cNvPr>
+          <p:cNvSpPr/>
+          <p:nvPr/>
+        </p:nvSpPr>
+        <p:spPr>
+          <a:xfrm>
+            <a:off x="6123994" y="2699315"/>
+            <a:ext cx="1996752" cy="454090"/>
+          </a:xfrm>
+          <a:prstGeom prst="roundRect">
+            <a:avLst/>
+          </a:prstGeom>
+        </p:spPr>
+        <p:style>
+          <a:lnRef idx="1">
+            <a:schemeClr val="accent4"/>
+          </a:lnRef>
+          <a:fillRef idx="2">
+            <a:schemeClr val="accent4"/>
+          </a:fillRef>
+          <a:effectRef idx="1">
+            <a:schemeClr val="accent4"/>
+          </a:effectRef>
+          <a:fontRef idx="minor">
+            <a:schemeClr val="dk1"/>
+          </a:fontRef>
+        </p:style>
+        <p:txBody>
+          <a:bodyPr rtlCol="0" anchor="ctr"/>
+          <a:lstStyle/>
+          <a:p>
+            <a:pPr algn="ctr"/>
+            <a:r>
+              <a:rPr lang="en-US" sz="1400" dirty="0"/>
+              <a:t>Vertices and Indices</a:t>
+            </a:r>
+          </a:p>
+        </p:txBody>
+      </p:sp>
+      <p:sp>
+        <p:nvSpPr>
+          <p:cNvPr id="30" name="Prostokąt: zaokrąglone rogi 29">
+            <a:extLst>
+              <a:ext uri="{FF2B5EF4-FFF2-40B4-BE49-F238E27FC236}">
+                <a16:creationId xmlns:a16="http://schemas.microsoft.com/office/drawing/2014/main" id="{99303775-020C-8FCE-35FF-1F7E6C962DA7}"/>
+              </a:ext>
+            </a:extLst>
+          </p:cNvPr>
+          <p:cNvSpPr/>
+          <p:nvPr/>
+        </p:nvSpPr>
+        <p:spPr>
+          <a:xfrm>
+            <a:off x="6183089" y="4826163"/>
+            <a:ext cx="1996752" cy="454090"/>
+          </a:xfrm>
+          <a:prstGeom prst="roundRect">
+            <a:avLst/>
+          </a:prstGeom>
+        </p:spPr>
+        <p:style>
+          <a:lnRef idx="1">
+            <a:schemeClr val="accent4"/>
+          </a:lnRef>
+          <a:fillRef idx="2">
+            <a:schemeClr val="accent4"/>
+          </a:fillRef>
+          <a:effectRef idx="1">
+            <a:schemeClr val="accent4"/>
+          </a:effectRef>
+          <a:fontRef idx="minor">
+            <a:schemeClr val="dk1"/>
+          </a:fontRef>
+        </p:style>
+        <p:txBody>
+          <a:bodyPr rtlCol="0" anchor="ctr"/>
+          <a:lstStyle/>
+          <a:p>
+            <a:pPr algn="ctr"/>
+            <a:r>
+              <a:rPr lang="en-US" sz="1100" dirty="0"/>
+              <a:t>Hierarchy of transforms with default values (base pose)</a:t>
+            </a:r>
+          </a:p>
+        </p:txBody>
+      </p:sp>
+      <p:sp>
+        <p:nvSpPr>
+          <p:cNvPr id="5" name="Prostokąt: zaokrąglone rogi 4">
+            <a:extLst>
+              <a:ext uri="{FF2B5EF4-FFF2-40B4-BE49-F238E27FC236}">
+                <a16:creationId xmlns:a16="http://schemas.microsoft.com/office/drawing/2014/main" id="{557E3F4A-60E9-DCA0-D97F-434355F2C91D}"/>
+              </a:ext>
+            </a:extLst>
+          </p:cNvPr>
+          <p:cNvSpPr/>
+          <p:nvPr/>
+        </p:nvSpPr>
+        <p:spPr>
+          <a:xfrm>
+            <a:off x="1539550" y="3408263"/>
+            <a:ext cx="1996752" cy="454091"/>
+          </a:xfrm>
+          <a:prstGeom prst="roundRect">
+            <a:avLst/>
+          </a:prstGeom>
+        </p:spPr>
+        <p:style>
+          <a:lnRef idx="1">
+            <a:schemeClr val="accent1"/>
+          </a:lnRef>
+          <a:fillRef idx="2">
+            <a:schemeClr val="accent1"/>
+          </a:fillRef>
+          <a:effectRef idx="1">
+            <a:schemeClr val="accent1"/>
+          </a:effectRef>
+          <a:fontRef idx="minor">
+            <a:schemeClr val="dk1"/>
+          </a:fontRef>
+        </p:style>
+        <p:txBody>
+          <a:bodyPr rtlCol="0" anchor="t"/>
+          <a:lstStyle/>
+          <a:p>
+            <a:pPr algn="ctr"/>
+            <a:r>
+              <a:rPr lang="en-US" dirty="0" err="1"/>
+              <a:t>RenderMesh</a:t>
+            </a:r>
+            <a:endParaRPr lang="en-US" dirty="0"/>
+          </a:p>
+        </p:txBody>
+      </p:sp>
+      <p:sp>
+        <p:nvSpPr>
+          <p:cNvPr id="3" name="Prostokąt: zaokrąglone rogi 2">
+            <a:extLst>
+              <a:ext uri="{FF2B5EF4-FFF2-40B4-BE49-F238E27FC236}">
+                <a16:creationId xmlns:a16="http://schemas.microsoft.com/office/drawing/2014/main" id="{C4776758-F8EB-4357-8F25-C44477D42B3E}"/>
+              </a:ext>
+            </a:extLst>
+          </p:cNvPr>
+          <p:cNvSpPr/>
+          <p:nvPr/>
+        </p:nvSpPr>
+        <p:spPr>
+          <a:xfrm>
+            <a:off x="1539549" y="2699315"/>
+            <a:ext cx="1996752" cy="454090"/>
+          </a:xfrm>
+          <a:prstGeom prst="roundRect">
+            <a:avLst/>
+          </a:prstGeom>
+        </p:spPr>
+        <p:style>
+          <a:lnRef idx="1">
+            <a:schemeClr val="accent1"/>
+          </a:lnRef>
+          <a:fillRef idx="2">
+            <a:schemeClr val="accent1"/>
+          </a:fillRef>
+          <a:effectRef idx="1">
+            <a:schemeClr val="accent1"/>
+          </a:effectRef>
+          <a:fontRef idx="minor">
+            <a:schemeClr val="dk1"/>
+          </a:fontRef>
+        </p:style>
+        <p:txBody>
+          <a:bodyPr rtlCol="0" anchor="ctr"/>
+          <a:lstStyle/>
+          <a:p>
+            <a:pPr algn="ctr"/>
+            <a:r>
+              <a:rPr lang="en-US" dirty="0"/>
+              <a:t>Mesh</a:t>
+            </a:r>
+          </a:p>
+        </p:txBody>
+      </p:sp>
+      <p:sp>
+        <p:nvSpPr>
+          <p:cNvPr id="4" name="Prostokąt: zaokrąglone rogi 3">
+            <a:extLst>
+              <a:ext uri="{FF2B5EF4-FFF2-40B4-BE49-F238E27FC236}">
+                <a16:creationId xmlns:a16="http://schemas.microsoft.com/office/drawing/2014/main" id="{8052E21F-3AB5-BDE8-DC91-780EA97C6F68}"/>
+              </a:ext>
+            </a:extLst>
+          </p:cNvPr>
+          <p:cNvSpPr/>
+          <p:nvPr/>
+        </p:nvSpPr>
+        <p:spPr>
+          <a:xfrm>
+            <a:off x="1539549" y="1990367"/>
+            <a:ext cx="1996752" cy="454090"/>
+          </a:xfrm>
+          <a:prstGeom prst="roundRect">
+            <a:avLst/>
+          </a:prstGeom>
+        </p:spPr>
+        <p:style>
+          <a:lnRef idx="1">
+            <a:schemeClr val="accent1"/>
+          </a:lnRef>
+          <a:fillRef idx="2">
+            <a:schemeClr val="accent1"/>
+          </a:fillRef>
+          <a:effectRef idx="1">
+            <a:schemeClr val="accent1"/>
+          </a:effectRef>
+          <a:fontRef idx="minor">
+            <a:schemeClr val="dk1"/>
+          </a:fontRef>
+        </p:style>
+        <p:txBody>
+          <a:bodyPr rtlCol="0" anchor="ctr"/>
+          <a:lstStyle/>
+          <a:p>
+            <a:pPr algn="ctr"/>
+            <a:r>
+              <a:rPr lang="en-US" dirty="0" err="1"/>
+              <a:t>MaterialInstance</a:t>
+            </a:r>
+            <a:endParaRPr lang="en-US" dirty="0"/>
+          </a:p>
+        </p:txBody>
+      </p:sp>
+      <p:sp>
+        <p:nvSpPr>
+          <p:cNvPr id="8" name="Prostokąt: zaokrąglone rogi 7">
+            <a:extLst>
+              <a:ext uri="{FF2B5EF4-FFF2-40B4-BE49-F238E27FC236}">
+                <a16:creationId xmlns:a16="http://schemas.microsoft.com/office/drawing/2014/main" id="{09686041-2BBF-BF0F-1A49-FF7BCFEAFFEC}"/>
+              </a:ext>
+            </a:extLst>
+          </p:cNvPr>
+          <p:cNvSpPr/>
+          <p:nvPr/>
+        </p:nvSpPr>
+        <p:spPr>
+          <a:xfrm>
+            <a:off x="1539549" y="4117212"/>
+            <a:ext cx="1996752" cy="454091"/>
+          </a:xfrm>
+          <a:prstGeom prst="roundRect">
+            <a:avLst/>
+          </a:prstGeom>
+        </p:spPr>
+        <p:style>
+          <a:lnRef idx="1">
+            <a:schemeClr val="accent1"/>
+          </a:lnRef>
+          <a:fillRef idx="2">
+            <a:schemeClr val="accent1"/>
+          </a:fillRef>
+          <a:effectRef idx="1">
+            <a:schemeClr val="accent1"/>
+          </a:effectRef>
+          <a:fontRef idx="minor">
+            <a:schemeClr val="dk1"/>
+          </a:fontRef>
+        </p:style>
+        <p:txBody>
+          <a:bodyPr rtlCol="0" anchor="t"/>
+          <a:lstStyle/>
+          <a:p>
+            <a:pPr algn="ctr"/>
+            <a:r>
+              <a:rPr lang="en-US" dirty="0"/>
+              <a:t>Model</a:t>
+            </a:r>
+          </a:p>
+        </p:txBody>
+      </p:sp>
+      <p:sp>
+        <p:nvSpPr>
+          <p:cNvPr id="9" name="Prostokąt: zaokrąglone rogi 8">
+            <a:extLst>
+              <a:ext uri="{FF2B5EF4-FFF2-40B4-BE49-F238E27FC236}">
+                <a16:creationId xmlns:a16="http://schemas.microsoft.com/office/drawing/2014/main" id="{855B2F68-687D-EDD6-4E78-2D44B5FF46A4}"/>
+              </a:ext>
+            </a:extLst>
+          </p:cNvPr>
+          <p:cNvSpPr/>
+          <p:nvPr/>
+        </p:nvSpPr>
+        <p:spPr>
+          <a:xfrm>
+            <a:off x="1539549" y="4826163"/>
+            <a:ext cx="1996752" cy="454091"/>
+          </a:xfrm>
+          <a:prstGeom prst="roundRect">
+            <a:avLst/>
+          </a:prstGeom>
+        </p:spPr>
+        <p:style>
+          <a:lnRef idx="1">
+            <a:schemeClr val="accent1"/>
+          </a:lnRef>
+          <a:fillRef idx="2">
+            <a:schemeClr val="accent1"/>
+          </a:fillRef>
+          <a:effectRef idx="1">
+            <a:schemeClr val="accent1"/>
+          </a:effectRef>
+          <a:fontRef idx="minor">
+            <a:schemeClr val="dk1"/>
+          </a:fontRef>
+        </p:style>
+        <p:txBody>
+          <a:bodyPr rtlCol="0" anchor="t"/>
+          <a:lstStyle/>
+          <a:p>
+            <a:pPr algn="ctr"/>
+            <a:r>
+              <a:rPr lang="en-US" dirty="0"/>
+              <a:t>Skeleton</a:t>
+            </a:r>
+          </a:p>
+        </p:txBody>
+      </p:sp>
+      <p:sp>
+        <p:nvSpPr>
+          <p:cNvPr id="10" name="Prostokąt: zaokrąglone rogi 9">
+            <a:extLst>
+              <a:ext uri="{FF2B5EF4-FFF2-40B4-BE49-F238E27FC236}">
+                <a16:creationId xmlns:a16="http://schemas.microsoft.com/office/drawing/2014/main" id="{CF0201FE-182B-A715-5EFB-89E3DB288C39}"/>
+              </a:ext>
+            </a:extLst>
+          </p:cNvPr>
+          <p:cNvSpPr/>
+          <p:nvPr/>
+        </p:nvSpPr>
+        <p:spPr>
+          <a:xfrm>
+            <a:off x="1539549" y="1281419"/>
+            <a:ext cx="1996752" cy="454090"/>
+          </a:xfrm>
+          <a:prstGeom prst="roundRect">
+            <a:avLst/>
+          </a:prstGeom>
+        </p:spPr>
+        <p:style>
+          <a:lnRef idx="1">
+            <a:schemeClr val="accent1"/>
+          </a:lnRef>
+          <a:fillRef idx="2">
+            <a:schemeClr val="accent1"/>
+          </a:fillRef>
+          <a:effectRef idx="1">
+            <a:schemeClr val="accent1"/>
+          </a:effectRef>
+          <a:fontRef idx="minor">
+            <a:schemeClr val="dk1"/>
+          </a:fontRef>
+        </p:style>
+        <p:txBody>
+          <a:bodyPr rtlCol="0" anchor="ctr"/>
+          <a:lstStyle/>
+          <a:p>
+            <a:pPr algn="ctr"/>
+            <a:r>
+              <a:rPr lang="en-US" dirty="0"/>
+              <a:t>Material</a:t>
+            </a:r>
+          </a:p>
+        </p:txBody>
+      </p:sp>
+      <p:sp>
+        <p:nvSpPr>
+          <p:cNvPr id="20" name="Prostokąt: zaokrąglone rogi 19">
+            <a:extLst>
+              <a:ext uri="{FF2B5EF4-FFF2-40B4-BE49-F238E27FC236}">
+                <a16:creationId xmlns:a16="http://schemas.microsoft.com/office/drawing/2014/main" id="{E974B9BC-FF5E-6BA1-5D41-9FA952D76AE8}"/>
+              </a:ext>
+            </a:extLst>
+          </p:cNvPr>
+          <p:cNvSpPr/>
+          <p:nvPr/>
+        </p:nvSpPr>
+        <p:spPr>
+          <a:xfrm>
+            <a:off x="1539549" y="5535108"/>
+            <a:ext cx="1996752" cy="454091"/>
+          </a:xfrm>
+          <a:prstGeom prst="roundRect">
+            <a:avLst/>
+          </a:prstGeom>
+        </p:spPr>
+        <p:style>
+          <a:lnRef idx="1">
+            <a:schemeClr val="accent1"/>
+          </a:lnRef>
+          <a:fillRef idx="2">
+            <a:schemeClr val="accent1"/>
+          </a:fillRef>
+          <a:effectRef idx="1">
+            <a:schemeClr val="accent1"/>
+          </a:effectRef>
+          <a:fontRef idx="minor">
+            <a:schemeClr val="dk1"/>
+          </a:fontRef>
+        </p:style>
+        <p:txBody>
+          <a:bodyPr rtlCol="0" anchor="t"/>
+          <a:lstStyle/>
+          <a:p>
+            <a:pPr algn="ctr"/>
+            <a:r>
+              <a:rPr lang="en-US" dirty="0" err="1"/>
+              <a:t>SkinnedModel</a:t>
+            </a:r>
+            <a:endParaRPr lang="en-US" dirty="0"/>
+          </a:p>
+        </p:txBody>
+      </p:sp>
+      <p:sp>
+        <p:nvSpPr>
+          <p:cNvPr id="32" name="Prostokąt: zaokrąglone rogi 31">
+            <a:extLst>
+              <a:ext uri="{FF2B5EF4-FFF2-40B4-BE49-F238E27FC236}">
+                <a16:creationId xmlns:a16="http://schemas.microsoft.com/office/drawing/2014/main" id="{EDDA5CDE-6FD3-ACBF-8E5B-F0BE562B71B9}"/>
+              </a:ext>
+            </a:extLst>
+          </p:cNvPr>
+          <p:cNvSpPr/>
+          <p:nvPr/>
+        </p:nvSpPr>
+        <p:spPr>
+          <a:xfrm>
+            <a:off x="8204716" y="5543384"/>
+            <a:ext cx="1996752" cy="454090"/>
+          </a:xfrm>
+          <a:prstGeom prst="roundRect">
+            <a:avLst/>
+          </a:prstGeom>
+        </p:spPr>
+        <p:style>
+          <a:lnRef idx="1">
+            <a:schemeClr val="accent4"/>
+          </a:lnRef>
+          <a:fillRef idx="2">
+            <a:schemeClr val="accent4"/>
+          </a:fillRef>
+          <a:effectRef idx="1">
+            <a:schemeClr val="accent4"/>
+          </a:effectRef>
+          <a:fontRef idx="minor">
+            <a:schemeClr val="dk1"/>
+          </a:fontRef>
+        </p:style>
+        <p:txBody>
+          <a:bodyPr rtlCol="0" anchor="ctr"/>
+          <a:lstStyle/>
+          <a:p>
+            <a:pPr algn="ctr"/>
+            <a:r>
+              <a:rPr lang="en-US" sz="1400" dirty="0"/>
+              <a:t>Skinning</a:t>
+            </a:r>
+          </a:p>
+        </p:txBody>
+      </p:sp>
+    </p:spTree>
+    <p:extLst>
+      <p:ext uri="{BB962C8B-B14F-4D97-AF65-F5344CB8AC3E}">
+        <p14:creationId xmlns:p14="http://schemas.microsoft.com/office/powerpoint/2010/main" val="3986972889"/>
       </p:ext>
     </p:extLst>
   </p:cSld>

--- a/Documentation/Asset Pipeline.pptx
+++ b/Documentation/Asset Pipeline.pptx
@@ -213,7 +213,7 @@
           <a:p>
             <a:fld id="{D0E2DD2C-27F7-4F93-96E8-CD28AD9267D9}" type="datetimeFigureOut">
               <a:rPr lang="en-US" smtClean="0"/>
-              <a:t>5/13/2025</a:t>
+              <a:t>5/15/2025</a:t>
             </a:fld>
             <a:endParaRPr lang="en-US"/>
           </a:p>
@@ -712,7 +712,7 @@
           <a:p>
             <a:fld id="{783DC7D5-4D76-4679-A391-31CBAFA90932}" type="datetimeFigureOut">
               <a:rPr lang="en-US" smtClean="0"/>
-              <a:t>5/13/2025</a:t>
+              <a:t>5/15/2025</a:t>
             </a:fld>
             <a:endParaRPr lang="en-US"/>
           </a:p>
@@ -910,7 +910,7 @@
           <a:p>
             <a:fld id="{783DC7D5-4D76-4679-A391-31CBAFA90932}" type="datetimeFigureOut">
               <a:rPr lang="en-US" smtClean="0"/>
-              <a:t>5/13/2025</a:t>
+              <a:t>5/15/2025</a:t>
             </a:fld>
             <a:endParaRPr lang="en-US"/>
           </a:p>
@@ -1118,7 +1118,7 @@
           <a:p>
             <a:fld id="{783DC7D5-4D76-4679-A391-31CBAFA90932}" type="datetimeFigureOut">
               <a:rPr lang="en-US" smtClean="0"/>
-              <a:t>5/13/2025</a:t>
+              <a:t>5/15/2025</a:t>
             </a:fld>
             <a:endParaRPr lang="en-US"/>
           </a:p>
@@ -1316,7 +1316,7 @@
           <a:p>
             <a:fld id="{783DC7D5-4D76-4679-A391-31CBAFA90932}" type="datetimeFigureOut">
               <a:rPr lang="en-US" smtClean="0"/>
-              <a:t>5/13/2025</a:t>
+              <a:t>5/15/2025</a:t>
             </a:fld>
             <a:endParaRPr lang="en-US"/>
           </a:p>
@@ -1591,7 +1591,7 @@
           <a:p>
             <a:fld id="{783DC7D5-4D76-4679-A391-31CBAFA90932}" type="datetimeFigureOut">
               <a:rPr lang="en-US" smtClean="0"/>
-              <a:t>5/13/2025</a:t>
+              <a:t>5/15/2025</a:t>
             </a:fld>
             <a:endParaRPr lang="en-US"/>
           </a:p>
@@ -1856,7 +1856,7 @@
           <a:p>
             <a:fld id="{783DC7D5-4D76-4679-A391-31CBAFA90932}" type="datetimeFigureOut">
               <a:rPr lang="en-US" smtClean="0"/>
-              <a:t>5/13/2025</a:t>
+              <a:t>5/15/2025</a:t>
             </a:fld>
             <a:endParaRPr lang="en-US"/>
           </a:p>
@@ -2268,7 +2268,7 @@
           <a:p>
             <a:fld id="{783DC7D5-4D76-4679-A391-31CBAFA90932}" type="datetimeFigureOut">
               <a:rPr lang="en-US" smtClean="0"/>
-              <a:t>5/13/2025</a:t>
+              <a:t>5/15/2025</a:t>
             </a:fld>
             <a:endParaRPr lang="en-US"/>
           </a:p>
@@ -2409,7 +2409,7 @@
           <a:p>
             <a:fld id="{783DC7D5-4D76-4679-A391-31CBAFA90932}" type="datetimeFigureOut">
               <a:rPr lang="en-US" smtClean="0"/>
-              <a:t>5/13/2025</a:t>
+              <a:t>5/15/2025</a:t>
             </a:fld>
             <a:endParaRPr lang="en-US"/>
           </a:p>
@@ -2522,7 +2522,7 @@
           <a:p>
             <a:fld id="{783DC7D5-4D76-4679-A391-31CBAFA90932}" type="datetimeFigureOut">
               <a:rPr lang="en-US" smtClean="0"/>
-              <a:t>5/13/2025</a:t>
+              <a:t>5/15/2025</a:t>
             </a:fld>
             <a:endParaRPr lang="en-US"/>
           </a:p>
@@ -2833,7 +2833,7 @@
           <a:p>
             <a:fld id="{783DC7D5-4D76-4679-A391-31CBAFA90932}" type="datetimeFigureOut">
               <a:rPr lang="en-US" smtClean="0"/>
-              <a:t>5/13/2025</a:t>
+              <a:t>5/15/2025</a:t>
             </a:fld>
             <a:endParaRPr lang="en-US"/>
           </a:p>
@@ -3121,7 +3121,7 @@
           <a:p>
             <a:fld id="{783DC7D5-4D76-4679-A391-31CBAFA90932}" type="datetimeFigureOut">
               <a:rPr lang="en-US" smtClean="0"/>
-              <a:t>5/13/2025</a:t>
+              <a:t>5/15/2025</a:t>
             </a:fld>
             <a:endParaRPr lang="en-US"/>
           </a:p>
@@ -3362,7 +3362,7 @@
           <a:p>
             <a:fld id="{783DC7D5-4D76-4679-A391-31CBAFA90932}" type="datetimeFigureOut">
               <a:rPr lang="en-US" smtClean="0"/>
-              <a:t>5/13/2025</a:t>
+              <a:t>5/15/2025</a:t>
             </a:fld>
             <a:endParaRPr lang="en-US"/>
           </a:p>
@@ -3945,7 +3945,7 @@
         <p:spPr>
           <a:xfrm>
             <a:off x="7947164" y="529233"/>
-            <a:ext cx="3813106" cy="2950584"/>
+            <a:ext cx="3813106" cy="2498052"/>
           </a:xfrm>
           <a:prstGeom prst="roundRect">
             <a:avLst>
@@ -3977,21 +3977,6 @@
             </a:pPr>
             <a:r>
               <a:rPr lang="en-US" sz="1400" dirty="0"/>
-              <a:t>Creates and manages </a:t>
-            </a:r>
-            <a:r>
-              <a:rPr lang="en-US" sz="1400" dirty="0" err="1"/>
-              <a:t>ECSes</a:t>
-            </a:r>
-            <a:endParaRPr lang="en-US" sz="1400" dirty="0"/>
-          </a:p>
-          <a:p>
-            <a:pPr marL="285750" indent="-216000">
-              <a:buFont typeface="Arial" panose="020B0604020202020204" pitchFamily="34" charset="0"/>
-              <a:buChar char="•"/>
-            </a:pPr>
-            <a:r>
-              <a:rPr lang="en-US" sz="1400" dirty="0"/>
               <a:t>Decides what to load and what to unload</a:t>
             </a:r>
           </a:p>
@@ -4101,10 +4086,10 @@
       </p:sp>
       <p:sp>
         <p:nvSpPr>
-          <p:cNvPr id="19" name="Rectangle: Rounded Corners 18">
-            <a:extLst>
-              <a:ext uri="{FF2B5EF4-FFF2-40B4-BE49-F238E27FC236}">
-                <a16:creationId xmlns:a16="http://schemas.microsoft.com/office/drawing/2014/main" id="{E17A3AEF-BF67-EBEA-4830-45261C24924E}"/>
+          <p:cNvPr id="5" name="Rectangle: Rounded Corners 4">
+            <a:extLst>
+              <a:ext uri="{FF2B5EF4-FFF2-40B4-BE49-F238E27FC236}">
+                <a16:creationId xmlns:a16="http://schemas.microsoft.com/office/drawing/2014/main" id="{13CE2984-FC23-7C9A-CFFB-B97F55D2AF3C}"/>
               </a:ext>
             </a:extLst>
           </p:cNvPr>
@@ -4113,145 +4098,7 @@
         </p:nvSpPr>
         <p:spPr>
           <a:xfrm>
-            <a:off x="8709159" y="1818805"/>
-            <a:ext cx="2712098" cy="1380037"/>
-          </a:xfrm>
-          <a:prstGeom prst="roundRect">
-            <a:avLst>
-              <a:gd name="adj" fmla="val 12160"/>
-            </a:avLst>
-          </a:prstGeom>
-        </p:spPr>
-        <p:style>
-          <a:lnRef idx="1">
-            <a:schemeClr val="accent1"/>
-          </a:lnRef>
-          <a:fillRef idx="2">
-            <a:schemeClr val="accent1"/>
-          </a:fillRef>
-          <a:effectRef idx="1">
-            <a:schemeClr val="accent1"/>
-          </a:effectRef>
-          <a:fontRef idx="minor">
-            <a:schemeClr val="dk1"/>
-          </a:fontRef>
-        </p:style>
-        <p:txBody>
-          <a:bodyPr rtlCol="0" anchor="t"/>
-          <a:lstStyle/>
-          <a:p>
-            <a:pPr algn="ctr"/>
-            <a:endParaRPr lang="en-US" dirty="0"/>
-          </a:p>
-        </p:txBody>
-      </p:sp>
-      <p:sp>
-        <p:nvSpPr>
-          <p:cNvPr id="18" name="Rectangle: Rounded Corners 17">
-            <a:extLst>
-              <a:ext uri="{FF2B5EF4-FFF2-40B4-BE49-F238E27FC236}">
-                <a16:creationId xmlns:a16="http://schemas.microsoft.com/office/drawing/2014/main" id="{3E2D51CF-C98F-8A87-43A8-BEB30D37DF26}"/>
-              </a:ext>
-            </a:extLst>
-          </p:cNvPr>
-          <p:cNvSpPr/>
-          <p:nvPr/>
-        </p:nvSpPr>
-        <p:spPr>
-          <a:xfrm>
-            <a:off x="8556759" y="1666405"/>
-            <a:ext cx="2712098" cy="1380037"/>
-          </a:xfrm>
-          <a:prstGeom prst="roundRect">
-            <a:avLst>
-              <a:gd name="adj" fmla="val 12160"/>
-            </a:avLst>
-          </a:prstGeom>
-        </p:spPr>
-        <p:style>
-          <a:lnRef idx="1">
-            <a:schemeClr val="accent1"/>
-          </a:lnRef>
-          <a:fillRef idx="2">
-            <a:schemeClr val="accent1"/>
-          </a:fillRef>
-          <a:effectRef idx="1">
-            <a:schemeClr val="accent1"/>
-          </a:effectRef>
-          <a:fontRef idx="minor">
-            <a:schemeClr val="dk1"/>
-          </a:fontRef>
-        </p:style>
-        <p:txBody>
-          <a:bodyPr rtlCol="0" anchor="t"/>
-          <a:lstStyle/>
-          <a:p>
-            <a:pPr algn="ctr"/>
-            <a:endParaRPr lang="en-US" dirty="0"/>
-          </a:p>
-        </p:txBody>
-      </p:sp>
-      <p:sp>
-        <p:nvSpPr>
-          <p:cNvPr id="17" name="Rectangle: Rounded Corners 16">
-            <a:extLst>
-              <a:ext uri="{FF2B5EF4-FFF2-40B4-BE49-F238E27FC236}">
-                <a16:creationId xmlns:a16="http://schemas.microsoft.com/office/drawing/2014/main" id="{B6959E22-4E2A-ACFF-40F8-6DC52736ECB6}"/>
-              </a:ext>
-            </a:extLst>
-          </p:cNvPr>
-          <p:cNvSpPr/>
-          <p:nvPr/>
-        </p:nvSpPr>
-        <p:spPr>
-          <a:xfrm>
-            <a:off x="8404359" y="1514005"/>
-            <a:ext cx="2712098" cy="1380037"/>
-          </a:xfrm>
-          <a:prstGeom prst="roundRect">
-            <a:avLst>
-              <a:gd name="adj" fmla="val 12160"/>
-            </a:avLst>
-          </a:prstGeom>
-        </p:spPr>
-        <p:style>
-          <a:lnRef idx="1">
-            <a:schemeClr val="accent1"/>
-          </a:lnRef>
-          <a:fillRef idx="2">
-            <a:schemeClr val="accent1"/>
-          </a:fillRef>
-          <a:effectRef idx="1">
-            <a:schemeClr val="accent1"/>
-          </a:effectRef>
-          <a:fontRef idx="minor">
-            <a:schemeClr val="dk1"/>
-          </a:fontRef>
-        </p:style>
-        <p:txBody>
-          <a:bodyPr rtlCol="0" anchor="t"/>
-          <a:lstStyle/>
-          <a:p>
-            <a:pPr algn="ctr"/>
-            <a:endParaRPr lang="en-US" dirty="0"/>
-          </a:p>
-        </p:txBody>
-      </p:sp>
-      <p:sp>
-        <p:nvSpPr>
-          <p:cNvPr id="5" name="Rectangle: Rounded Corners 4">
-            <a:extLst>
-              <a:ext uri="{FF2B5EF4-FFF2-40B4-BE49-F238E27FC236}">
-                <a16:creationId xmlns:a16="http://schemas.microsoft.com/office/drawing/2014/main" id="{13CE2984-FC23-7C9A-CFFB-B97F55D2AF3C}"/>
-              </a:ext>
-            </a:extLst>
-          </p:cNvPr>
-          <p:cNvSpPr/>
-          <p:nvPr/>
-        </p:nvSpPr>
-        <p:spPr>
-          <a:xfrm>
-            <a:off x="8251959" y="1361605"/>
+            <a:off x="8512371" y="1285365"/>
             <a:ext cx="2712098" cy="1380037"/>
           </a:xfrm>
           <a:prstGeom prst="roundRect">
@@ -4298,13 +4145,13 @@
           <p:nvPr>
             <p:extLst>
               <p:ext uri="{D42A27DB-BD31-4B8C-83A1-F6EECF244321}">
-                <p14:modId xmlns:p14="http://schemas.microsoft.com/office/powerpoint/2010/main" val="606179892"/>
+                <p14:modId xmlns:p14="http://schemas.microsoft.com/office/powerpoint/2010/main" val="3611313631"/>
               </p:ext>
             </p:extLst>
           </p:nvPr>
         </p:nvGraphicFramePr>
         <p:xfrm>
-          <a:off x="8413173" y="1607628"/>
+          <a:off x="8673585" y="1531388"/>
           <a:ext cx="2389670" cy="182292"/>
         </p:xfrm>
         <a:graphic>
@@ -4961,13 +4808,13 @@
           <p:nvPr>
             <p:extLst>
               <p:ext uri="{D42A27DB-BD31-4B8C-83A1-F6EECF244321}">
-                <p14:modId xmlns:p14="http://schemas.microsoft.com/office/powerpoint/2010/main" val="251418482"/>
+                <p14:modId xmlns:p14="http://schemas.microsoft.com/office/powerpoint/2010/main" val="3983933751"/>
               </p:ext>
             </p:extLst>
           </p:nvPr>
         </p:nvGraphicFramePr>
         <p:xfrm>
-          <a:off x="8413172" y="1860950"/>
+          <a:off x="8673584" y="1784710"/>
           <a:ext cx="1596054" cy="182292"/>
         </p:xfrm>
         <a:graphic>
@@ -5328,13 +5175,13 @@
           <p:nvPr>
             <p:extLst>
               <p:ext uri="{D42A27DB-BD31-4B8C-83A1-F6EECF244321}">
-                <p14:modId xmlns:p14="http://schemas.microsoft.com/office/powerpoint/2010/main" val="654300718"/>
+                <p14:modId xmlns:p14="http://schemas.microsoft.com/office/powerpoint/2010/main" val="2363325901"/>
               </p:ext>
             </p:extLst>
           </p:nvPr>
         </p:nvGraphicFramePr>
         <p:xfrm>
-          <a:off x="8413171" y="2114272"/>
+          <a:off x="8673583" y="2038032"/>
           <a:ext cx="1782664" cy="182292"/>
         </p:xfrm>
         <a:graphic>
@@ -5587,13 +5434,13 @@
           <p:nvPr>
             <p:extLst>
               <p:ext uri="{D42A27DB-BD31-4B8C-83A1-F6EECF244321}">
-                <p14:modId xmlns:p14="http://schemas.microsoft.com/office/powerpoint/2010/main" val="1525885701"/>
+                <p14:modId xmlns:p14="http://schemas.microsoft.com/office/powerpoint/2010/main" val="1101792248"/>
               </p:ext>
             </p:extLst>
           </p:nvPr>
         </p:nvGraphicFramePr>
         <p:xfrm>
-          <a:off x="8413170" y="2367594"/>
+          <a:off x="8673582" y="2291354"/>
           <a:ext cx="1666240" cy="182292"/>
         </p:xfrm>
         <a:graphic>
@@ -6061,7 +5908,7 @@
         </p:nvSpPr>
         <p:spPr>
           <a:xfrm>
-            <a:off x="9332755" y="1207746"/>
+            <a:off x="9593167" y="1131506"/>
             <a:ext cx="550506" cy="291173"/>
           </a:xfrm>
           <a:prstGeom prst="roundRect">
@@ -6108,8 +5955,8 @@
         </p:nvSpPr>
         <p:spPr>
           <a:xfrm>
-            <a:off x="318784" y="972443"/>
-            <a:ext cx="7326164" cy="2369880"/>
+            <a:off x="431730" y="1498919"/>
+            <a:ext cx="5915164" cy="646331"/>
           </a:xfrm>
           <a:prstGeom prst="rect">
             <a:avLst/>
@@ -6132,14 +5979,7 @@
             <a:pPr algn="just"/>
             <a:r>
               <a:rPr lang="en-US" sz="1600" dirty="0"/>
-              <a:t>Assets are broken down into components and stored in ECS (each asset type has its own - runtime ID may be identical for multiple assets as long, as they are different types).</a:t>
-            </a:r>
-          </a:p>
-          <a:p>
-            <a:pPr algn="just"/>
-            <a:r>
-              <a:rPr lang="en-US" sz="1600" dirty="0"/>
-              <a:t>This gives flexibility of allowing easy creation of asset subtypes (e.g. standalone mesh and mesh that is part of a model), connections and dependencies between assets without redesigning whole asset system or fighting with poorly predicted inheritance hierarchy. Lack of complex interactions between assets (only loading dependencies and similar) makes ECS perfect fit.</a:t>
+              <a:t>Assets are broken down into components and stored in ECS.</a:t>
             </a:r>
           </a:p>
         </p:txBody>
@@ -6158,7 +5998,7 @@
         </p:nvSpPr>
         <p:spPr>
           <a:xfrm>
-            <a:off x="313542" y="3339413"/>
+            <a:off x="312655" y="3025032"/>
             <a:ext cx="11554998" cy="1138773"/>
           </a:xfrm>
           <a:prstGeom prst="rect">
@@ -6275,7 +6115,7 @@
         </p:nvSpPr>
         <p:spPr>
           <a:xfrm>
-            <a:off x="312654" y="4512309"/>
+            <a:off x="312654" y="4376524"/>
             <a:ext cx="6441821" cy="1077218"/>
           </a:xfrm>
           <a:prstGeom prst="rect">

--- a/Documentation/Asset Pipeline.pptx
+++ b/Documentation/Asset Pipeline.pptx
@@ -5,14 +5,16 @@
     <p:sldMasterId id="2147483648" r:id="rId1"/>
   </p:sldMasterIdLst>
   <p:notesMasterIdLst>
-    <p:notesMasterId r:id="rId7"/>
+    <p:notesMasterId r:id="rId9"/>
   </p:notesMasterIdLst>
   <p:sldIdLst>
     <p:sldId id="256" r:id="rId2"/>
     <p:sldId id="261" r:id="rId3"/>
-    <p:sldId id="260" r:id="rId4"/>
-    <p:sldId id="262" r:id="rId5"/>
-    <p:sldId id="263" r:id="rId6"/>
+    <p:sldId id="265" r:id="rId4"/>
+    <p:sldId id="260" r:id="rId5"/>
+    <p:sldId id="264" r:id="rId6"/>
+    <p:sldId id="262" r:id="rId7"/>
+    <p:sldId id="263" r:id="rId8"/>
   </p:sldIdLst>
   <p:sldSz cx="12192000" cy="6858000"/>
   <p:notesSz cx="6858000" cy="9144000"/>
@@ -213,7 +215,7 @@
           <a:p>
             <a:fld id="{D0E2DD2C-27F7-4F93-96E8-CD28AD9267D9}" type="datetimeFigureOut">
               <a:rPr lang="en-US" smtClean="0"/>
-              <a:t>5/15/2025</a:t>
+              <a:t>5/20/2025</a:t>
             </a:fld>
             <a:endParaRPr lang="en-US"/>
           </a:p>
@@ -565,6 +567,114 @@
 </p:notes>
 </file>
 
+<file path=ppt/notesSlides/notesSlide2.xml><?xml version="1.0" encoding="utf-8"?>
+<p:notes xmlns:a="http://schemas.openxmlformats.org/drawingml/2006/main" xmlns:r="http://schemas.openxmlformats.org/officeDocument/2006/relationships" xmlns:p="http://schemas.openxmlformats.org/presentationml/2006/main">
+  <p:cSld>
+    <p:spTree>
+      <p:nvGrpSpPr>
+        <p:cNvPr id="1" name="">
+          <a:extLst>
+            <a:ext uri="{FF2B5EF4-FFF2-40B4-BE49-F238E27FC236}">
+              <a16:creationId xmlns:a16="http://schemas.microsoft.com/office/drawing/2014/main" id="{B3AE9004-0E1D-91B1-7106-A42D2DA27530}"/>
+            </a:ext>
+          </a:extLst>
+        </p:cNvPr>
+        <p:cNvGrpSpPr/>
+        <p:nvPr/>
+      </p:nvGrpSpPr>
+      <p:grpSpPr>
+        <a:xfrm>
+          <a:off x="0" y="0"/>
+          <a:ext cx="0" cy="0"/>
+          <a:chOff x="0" y="0"/>
+          <a:chExt cx="0" cy="0"/>
+        </a:xfrm>
+      </p:grpSpPr>
+      <p:sp>
+        <p:nvSpPr>
+          <p:cNvPr id="2" name="Symbol zastępczy obrazu slajdu 1">
+            <a:extLst>
+              <a:ext uri="{FF2B5EF4-FFF2-40B4-BE49-F238E27FC236}">
+                <a16:creationId xmlns:a16="http://schemas.microsoft.com/office/drawing/2014/main" id="{0EFF6D5C-AE87-B77E-F61A-025730E69D89}"/>
+              </a:ext>
+            </a:extLst>
+          </p:cNvPr>
+          <p:cNvSpPr>
+            <a:spLocks noGrp="1" noRot="1" noChangeAspect="1"/>
+          </p:cNvSpPr>
+          <p:nvPr>
+            <p:ph type="sldImg"/>
+          </p:nvPr>
+        </p:nvSpPr>
+        <p:spPr/>
+      </p:sp>
+      <p:sp>
+        <p:nvSpPr>
+          <p:cNvPr id="3" name="Symbol zastępczy notatek 2">
+            <a:extLst>
+              <a:ext uri="{FF2B5EF4-FFF2-40B4-BE49-F238E27FC236}">
+                <a16:creationId xmlns:a16="http://schemas.microsoft.com/office/drawing/2014/main" id="{7E028B0B-CCA9-81FA-00C2-7561697CAA36}"/>
+              </a:ext>
+            </a:extLst>
+          </p:cNvPr>
+          <p:cNvSpPr>
+            <a:spLocks noGrp="1"/>
+          </p:cNvSpPr>
+          <p:nvPr>
+            <p:ph type="body" idx="1"/>
+          </p:nvPr>
+        </p:nvSpPr>
+        <p:spPr/>
+        <p:txBody>
+          <a:bodyPr/>
+          <a:lstStyle/>
+          <a:p>
+            <a:endParaRPr lang="en-US" dirty="0"/>
+          </a:p>
+        </p:txBody>
+      </p:sp>
+      <p:sp>
+        <p:nvSpPr>
+          <p:cNvPr id="4" name="Symbol zastępczy numeru slajdu 3">
+            <a:extLst>
+              <a:ext uri="{FF2B5EF4-FFF2-40B4-BE49-F238E27FC236}">
+                <a16:creationId xmlns:a16="http://schemas.microsoft.com/office/drawing/2014/main" id="{66199B2E-9142-202B-185F-A384DBA2AE70}"/>
+              </a:ext>
+            </a:extLst>
+          </p:cNvPr>
+          <p:cNvSpPr>
+            <a:spLocks noGrp="1"/>
+          </p:cNvSpPr>
+          <p:nvPr>
+            <p:ph type="sldNum" sz="quarter" idx="5"/>
+          </p:nvPr>
+        </p:nvSpPr>
+        <p:spPr/>
+        <p:txBody>
+          <a:bodyPr/>
+          <a:lstStyle/>
+          <a:p>
+            <a:fld id="{583D7F03-7197-42E4-9778-D52D335F305D}" type="slidenum">
+              <a:rPr lang="en-US" smtClean="0"/>
+              <a:t>3</a:t>
+            </a:fld>
+            <a:endParaRPr lang="en-US"/>
+          </a:p>
+        </p:txBody>
+      </p:sp>
+    </p:spTree>
+    <p:extLst>
+      <p:ext uri="{BB962C8B-B14F-4D97-AF65-F5344CB8AC3E}">
+        <p14:creationId xmlns:p14="http://schemas.microsoft.com/office/powerpoint/2010/main" val="112674718"/>
+      </p:ext>
+    </p:extLst>
+  </p:cSld>
+  <p:clrMapOvr>
+    <a:masterClrMapping/>
+  </p:clrMapOvr>
+</p:notes>
+</file>
+
 <file path=ppt/slideLayouts/slideLayout1.xml><?xml version="1.0" encoding="utf-8"?>
 <p:sldLayout xmlns:a="http://schemas.openxmlformats.org/drawingml/2006/main" xmlns:r="http://schemas.openxmlformats.org/officeDocument/2006/relationships" xmlns:p="http://schemas.openxmlformats.org/presentationml/2006/main" type="title" preserve="1">
   <p:cSld name="Title Slide">
@@ -712,7 +822,7 @@
           <a:p>
             <a:fld id="{783DC7D5-4D76-4679-A391-31CBAFA90932}" type="datetimeFigureOut">
               <a:rPr lang="en-US" smtClean="0"/>
-              <a:t>5/15/2025</a:t>
+              <a:t>5/20/2025</a:t>
             </a:fld>
             <a:endParaRPr lang="en-US"/>
           </a:p>
@@ -910,7 +1020,7 @@
           <a:p>
             <a:fld id="{783DC7D5-4D76-4679-A391-31CBAFA90932}" type="datetimeFigureOut">
               <a:rPr lang="en-US" smtClean="0"/>
-              <a:t>5/15/2025</a:t>
+              <a:t>5/20/2025</a:t>
             </a:fld>
             <a:endParaRPr lang="en-US"/>
           </a:p>
@@ -1118,7 +1228,7 @@
           <a:p>
             <a:fld id="{783DC7D5-4D76-4679-A391-31CBAFA90932}" type="datetimeFigureOut">
               <a:rPr lang="en-US" smtClean="0"/>
-              <a:t>5/15/2025</a:t>
+              <a:t>5/20/2025</a:t>
             </a:fld>
             <a:endParaRPr lang="en-US"/>
           </a:p>
@@ -1316,7 +1426,7 @@
           <a:p>
             <a:fld id="{783DC7D5-4D76-4679-A391-31CBAFA90932}" type="datetimeFigureOut">
               <a:rPr lang="en-US" smtClean="0"/>
-              <a:t>5/15/2025</a:t>
+              <a:t>5/20/2025</a:t>
             </a:fld>
             <a:endParaRPr lang="en-US"/>
           </a:p>
@@ -1591,7 +1701,7 @@
           <a:p>
             <a:fld id="{783DC7D5-4D76-4679-A391-31CBAFA90932}" type="datetimeFigureOut">
               <a:rPr lang="en-US" smtClean="0"/>
-              <a:t>5/15/2025</a:t>
+              <a:t>5/20/2025</a:t>
             </a:fld>
             <a:endParaRPr lang="en-US"/>
           </a:p>
@@ -1856,7 +1966,7 @@
           <a:p>
             <a:fld id="{783DC7D5-4D76-4679-A391-31CBAFA90932}" type="datetimeFigureOut">
               <a:rPr lang="en-US" smtClean="0"/>
-              <a:t>5/15/2025</a:t>
+              <a:t>5/20/2025</a:t>
             </a:fld>
             <a:endParaRPr lang="en-US"/>
           </a:p>
@@ -2268,7 +2378,7 @@
           <a:p>
             <a:fld id="{783DC7D5-4D76-4679-A391-31CBAFA90932}" type="datetimeFigureOut">
               <a:rPr lang="en-US" smtClean="0"/>
-              <a:t>5/15/2025</a:t>
+              <a:t>5/20/2025</a:t>
             </a:fld>
             <a:endParaRPr lang="en-US"/>
           </a:p>
@@ -2409,7 +2519,7 @@
           <a:p>
             <a:fld id="{783DC7D5-4D76-4679-A391-31CBAFA90932}" type="datetimeFigureOut">
               <a:rPr lang="en-US" smtClean="0"/>
-              <a:t>5/15/2025</a:t>
+              <a:t>5/20/2025</a:t>
             </a:fld>
             <a:endParaRPr lang="en-US"/>
           </a:p>
@@ -2522,7 +2632,7 @@
           <a:p>
             <a:fld id="{783DC7D5-4D76-4679-A391-31CBAFA90932}" type="datetimeFigureOut">
               <a:rPr lang="en-US" smtClean="0"/>
-              <a:t>5/15/2025</a:t>
+              <a:t>5/20/2025</a:t>
             </a:fld>
             <a:endParaRPr lang="en-US"/>
           </a:p>
@@ -2833,7 +2943,7 @@
           <a:p>
             <a:fld id="{783DC7D5-4D76-4679-A391-31CBAFA90932}" type="datetimeFigureOut">
               <a:rPr lang="en-US" smtClean="0"/>
-              <a:t>5/15/2025</a:t>
+              <a:t>5/20/2025</a:t>
             </a:fld>
             <a:endParaRPr lang="en-US"/>
           </a:p>
@@ -3121,7 +3231,7 @@
           <a:p>
             <a:fld id="{783DC7D5-4D76-4679-A391-31CBAFA90932}" type="datetimeFigureOut">
               <a:rPr lang="en-US" smtClean="0"/>
-              <a:t>5/15/2025</a:t>
+              <a:t>5/20/2025</a:t>
             </a:fld>
             <a:endParaRPr lang="en-US"/>
           </a:p>
@@ -3362,7 +3472,7 @@
           <a:p>
             <a:fld id="{783DC7D5-4D76-4679-A391-31CBAFA90932}" type="datetimeFigureOut">
               <a:rPr lang="en-US" smtClean="0"/>
-              <a:t>5/15/2025</a:t>
+              <a:t>5/20/2025</a:t>
             </a:fld>
             <a:endParaRPr lang="en-US"/>
           </a:p>
@@ -3944,7 +4054,7 @@
         </p:nvSpPr>
         <p:spPr>
           <a:xfrm>
-            <a:off x="7947164" y="529233"/>
+            <a:off x="7609411" y="3428682"/>
             <a:ext cx="3813106" cy="2498052"/>
           </a:xfrm>
           <a:prstGeom prst="roundRect">
@@ -3975,10 +4085,7 @@
               <a:buFont typeface="Arial" panose="020B0604020202020204" pitchFamily="34" charset="0"/>
               <a:buChar char="•"/>
             </a:pPr>
-            <a:r>
-              <a:rPr lang="en-US" sz="1400" dirty="0"/>
-              <a:t>Decides what to load and what to unload</a:t>
-            </a:r>
+            <a:endParaRPr lang="en-US" sz="1400" dirty="0"/>
           </a:p>
         </p:txBody>
       </p:sp>
@@ -3996,7 +4103,7 @@
         </p:nvSpPr>
         <p:spPr>
           <a:xfrm>
-            <a:off x="2603249" y="385855"/>
+            <a:off x="3958192" y="384937"/>
             <a:ext cx="2712098" cy="582346"/>
           </a:xfrm>
           <a:prstGeom prst="roundRect">
@@ -4023,8 +4130,8 @@
           <a:p>
             <a:pPr algn="ctr"/>
             <a:r>
-              <a:rPr lang="en-US" dirty="0"/>
-              <a:t>Runtime Management</a:t>
+              <a:rPr lang="en-US" sz="1800" dirty="0"/>
+              <a:t>Storage structure</a:t>
             </a:r>
           </a:p>
           <a:p>
@@ -4050,7 +4157,7 @@
         </p:nvSpPr>
         <p:spPr>
           <a:xfrm>
-            <a:off x="9063722" y="366800"/>
+            <a:off x="8725969" y="3266249"/>
             <a:ext cx="1698172" cy="291173"/>
           </a:xfrm>
           <a:prstGeom prst="roundRect">
@@ -4098,7 +4205,7 @@
         </p:nvSpPr>
         <p:spPr>
           <a:xfrm>
-            <a:off x="8512371" y="1285365"/>
+            <a:off x="8174618" y="4184814"/>
             <a:ext cx="2712098" cy="1380037"/>
           </a:xfrm>
           <a:prstGeom prst="roundRect">
@@ -4145,13 +4252,13 @@
           <p:nvPr>
             <p:extLst>
               <p:ext uri="{D42A27DB-BD31-4B8C-83A1-F6EECF244321}">
-                <p14:modId xmlns:p14="http://schemas.microsoft.com/office/powerpoint/2010/main" val="3611313631"/>
+                <p14:modId xmlns:p14="http://schemas.microsoft.com/office/powerpoint/2010/main" val="2668751953"/>
               </p:ext>
             </p:extLst>
           </p:nvPr>
         </p:nvGraphicFramePr>
         <p:xfrm>
-          <a:off x="8673585" y="1531388"/>
+          <a:off x="8335832" y="4430837"/>
           <a:ext cx="2389670" cy="182292"/>
         </p:xfrm>
         <a:graphic>
@@ -4808,13 +4915,13 @@
           <p:nvPr>
             <p:extLst>
               <p:ext uri="{D42A27DB-BD31-4B8C-83A1-F6EECF244321}">
-                <p14:modId xmlns:p14="http://schemas.microsoft.com/office/powerpoint/2010/main" val="3983933751"/>
+                <p14:modId xmlns:p14="http://schemas.microsoft.com/office/powerpoint/2010/main" val="863077694"/>
               </p:ext>
             </p:extLst>
           </p:nvPr>
         </p:nvGraphicFramePr>
         <p:xfrm>
-          <a:off x="8673584" y="1784710"/>
+          <a:off x="8335831" y="4684159"/>
           <a:ext cx="1596054" cy="182292"/>
         </p:xfrm>
         <a:graphic>
@@ -5175,13 +5282,13 @@
           <p:nvPr>
             <p:extLst>
               <p:ext uri="{D42A27DB-BD31-4B8C-83A1-F6EECF244321}">
-                <p14:modId xmlns:p14="http://schemas.microsoft.com/office/powerpoint/2010/main" val="2363325901"/>
+                <p14:modId xmlns:p14="http://schemas.microsoft.com/office/powerpoint/2010/main" val="286022438"/>
               </p:ext>
             </p:extLst>
           </p:nvPr>
         </p:nvGraphicFramePr>
         <p:xfrm>
-          <a:off x="8673583" y="2038032"/>
+          <a:off x="8335830" y="4937481"/>
           <a:ext cx="1782664" cy="182292"/>
         </p:xfrm>
         <a:graphic>
@@ -5434,13 +5541,13 @@
           <p:nvPr>
             <p:extLst>
               <p:ext uri="{D42A27DB-BD31-4B8C-83A1-F6EECF244321}">
-                <p14:modId xmlns:p14="http://schemas.microsoft.com/office/powerpoint/2010/main" val="1101792248"/>
+                <p14:modId xmlns:p14="http://schemas.microsoft.com/office/powerpoint/2010/main" val="3682411830"/>
               </p:ext>
             </p:extLst>
           </p:nvPr>
         </p:nvGraphicFramePr>
         <p:xfrm>
-          <a:off x="8673582" y="2291354"/>
+          <a:off x="8335829" y="5190803"/>
           <a:ext cx="1666240" cy="182292"/>
         </p:xfrm>
         <a:graphic>
@@ -5908,7 +6015,7 @@
         </p:nvSpPr>
         <p:spPr>
           <a:xfrm>
-            <a:off x="9593167" y="1131506"/>
+            <a:off x="9255414" y="4030955"/>
             <a:ext cx="550506" cy="291173"/>
           </a:xfrm>
           <a:prstGeom prst="roundRect">
@@ -5955,8 +6062,8 @@
         </p:nvSpPr>
         <p:spPr>
           <a:xfrm>
-            <a:off x="431730" y="1498919"/>
-            <a:ext cx="5915164" cy="646331"/>
+            <a:off x="1335260" y="1436114"/>
+            <a:ext cx="6686158" cy="4770537"/>
           </a:xfrm>
           <a:prstGeom prst="rect">
             <a:avLst/>
@@ -5971,201 +6078,186 @@
           <a:p>
             <a:pPr algn="just"/>
             <a:r>
-              <a:rPr lang="en-US" sz="2000" dirty="0"/>
-              <a:t>Storage structure:</a:t>
-            </a:r>
-          </a:p>
-          <a:p>
-            <a:pPr algn="just"/>
-            <a:r>
               <a:rPr lang="en-US" sz="1600" dirty="0"/>
               <a:t>Assets are broken down into components and stored in ECS.</a:t>
             </a:r>
           </a:p>
-        </p:txBody>
-      </p:sp>
-      <p:sp>
-        <p:nvSpPr>
-          <p:cNvPr id="38" name="TextBox 174">
-            <a:extLst>
-              <a:ext uri="{FF2B5EF4-FFF2-40B4-BE49-F238E27FC236}">
-                <a16:creationId xmlns:a16="http://schemas.microsoft.com/office/drawing/2014/main" id="{BDD77A1B-BA92-8A1E-BB64-ABBB1A3CDDC1}"/>
-              </a:ext>
-            </a:extLst>
-          </p:cNvPr>
-          <p:cNvSpPr txBox="1"/>
-          <p:nvPr/>
-        </p:nvSpPr>
-        <p:spPr>
-          <a:xfrm>
-            <a:off x="312655" y="3025032"/>
-            <a:ext cx="11554998" cy="1138773"/>
-          </a:xfrm>
-          <a:prstGeom prst="rect">
-            <a:avLst/>
-          </a:prstGeom>
-          <a:noFill/>
-        </p:spPr>
-        <p:txBody>
-          <a:bodyPr wrap="square" rtlCol="0">
-            <a:spAutoFit/>
-          </a:bodyPr>
-          <a:lstStyle/>
           <a:p>
             <a:pPr algn="just"/>
-            <a:r>
-              <a:rPr lang="en-US" sz="2000" dirty="0"/>
-              <a:t>Centralized streaming:</a:t>
-            </a:r>
+            <a:endParaRPr lang="en-US" sz="1600" dirty="0"/>
           </a:p>
           <a:p>
             <a:pPr algn="just"/>
             <a:r>
+              <a:rPr lang="en-US" sz="1600" dirty="0" err="1"/>
+              <a:t>AssetManager</a:t>
+            </a:r>
+            <a:r>
               <a:rPr lang="en-US" sz="1600" dirty="0"/>
-              <a:t>You can never assume an asset is loaded and there is no explicit asset loading request possibility. Instead, a handle to the asset has a loading priority value - </a:t>
-            </a:r>
+              <a:t> creates assets and decides what to load and what to unload.</a:t>
+            </a:r>
+          </a:p>
+          <a:p>
+            <a:pPr algn="just"/>
+            <a:endParaRPr lang="en-US" sz="1600" dirty="0"/>
+          </a:p>
+          <a:p>
+            <a:pPr algn="just"/>
+            <a:r>
+              <a:rPr lang="en-US" sz="1600" dirty="0"/>
+              <a:t>Asset Types:</a:t>
+            </a:r>
+          </a:p>
+          <a:p>
+            <a:pPr marL="285750" indent="-285750" algn="just">
+              <a:buFont typeface="Arial" panose="020B0604020202020204" pitchFamily="34" charset="0"/>
+              <a:buChar char="•"/>
+            </a:pPr>
+            <a:r>
+              <a:rPr lang="en-US" sz="1600" dirty="0"/>
+              <a:t>Texture,</a:t>
+            </a:r>
+          </a:p>
+          <a:p>
+            <a:pPr marL="285750" indent="-285750" algn="just">
+              <a:buFont typeface="Arial" panose="020B0604020202020204" pitchFamily="34" charset="0"/>
+              <a:buChar char="•"/>
+            </a:pPr>
+            <a:r>
+              <a:rPr lang="en-US" sz="1600" dirty="0"/>
+              <a:t>Texture2D,</a:t>
+            </a:r>
+          </a:p>
+          <a:p>
+            <a:pPr marL="285750" indent="-285750" algn="just">
+              <a:buFont typeface="Arial" panose="020B0604020202020204" pitchFamily="34" charset="0"/>
+              <a:buChar char="•"/>
+            </a:pPr>
+            <a:r>
+              <a:rPr lang="en-US" sz="1600" dirty="0"/>
+              <a:t>Shader,</a:t>
+            </a:r>
+          </a:p>
+          <a:p>
+            <a:pPr marL="285750" indent="-285750" algn="just">
+              <a:buFont typeface="Arial" panose="020B0604020202020204" pitchFamily="34" charset="0"/>
+              <a:buChar char="•"/>
+            </a:pPr>
             <a:r>
               <a:rPr lang="en-US" sz="1600" dirty="0" err="1"/>
-              <a:t>enum</a:t>
+              <a:t>ShadingModel</a:t>
             </a:r>
             <a:r>
               <a:rPr lang="en-US" sz="1600" dirty="0"/>
-              <a:t>. Asset handles of each loading priority are atomically counted in a component of that asset (reference counting). Asset Manager uses those counts to decide centrally which assets to load and unload:</a:t>
-            </a:r>
-          </a:p>
-        </p:txBody>
-      </p:sp>
-      <p:pic>
-        <p:nvPicPr>
-          <p:cNvPr id="13" name="Obraz 12">
-            <a:extLst>
-              <a:ext uri="{FF2B5EF4-FFF2-40B4-BE49-F238E27FC236}">
-                <a16:creationId xmlns:a16="http://schemas.microsoft.com/office/drawing/2014/main" id="{84415EB4-3E81-1A80-86C1-42A88B5DF9FB}"/>
-              </a:ext>
-            </a:extLst>
-          </p:cNvPr>
-          <p:cNvPicPr>
-            <a:picLocks noChangeAspect="1"/>
-          </p:cNvPicPr>
-          <p:nvPr/>
-        </p:nvPicPr>
-        <p:blipFill>
-          <a:blip r:embed="rId3"/>
-          <a:stretch>
-            <a:fillRect/>
-          </a:stretch>
-        </p:blipFill>
-        <p:spPr>
-          <a:xfrm>
-            <a:off x="8845419" y="4251664"/>
-            <a:ext cx="2709325" cy="1377753"/>
-          </a:xfrm>
-          <a:prstGeom prst="rect">
-            <a:avLst/>
-          </a:prstGeom>
-        </p:spPr>
-      </p:pic>
-      <p:sp>
-        <p:nvSpPr>
-          <p:cNvPr id="14" name="TextBox 174">
-            <a:extLst>
-              <a:ext uri="{FF2B5EF4-FFF2-40B4-BE49-F238E27FC236}">
-                <a16:creationId xmlns:a16="http://schemas.microsoft.com/office/drawing/2014/main" id="{78B6CFE9-200C-0178-2827-812534C4F41B}"/>
-              </a:ext>
-            </a:extLst>
-          </p:cNvPr>
-          <p:cNvSpPr txBox="1"/>
-          <p:nvPr/>
-        </p:nvSpPr>
-        <p:spPr>
-          <a:xfrm>
-            <a:off x="312654" y="5666461"/>
-            <a:ext cx="11554999" cy="830997"/>
-          </a:xfrm>
-          <a:prstGeom prst="rect">
-            <a:avLst/>
-          </a:prstGeom>
-          <a:noFill/>
-        </p:spPr>
-        <p:txBody>
-          <a:bodyPr wrap="square" rtlCol="0">
-            <a:spAutoFit/>
-          </a:bodyPr>
-          <a:lstStyle/>
-          <a:p>
-            <a:pPr algn="just"/>
+              <a:t>,</a:t>
+            </a:r>
+          </a:p>
+          <a:p>
+            <a:pPr marL="285750" indent="-285750" algn="just">
+              <a:buFont typeface="Arial" panose="020B0604020202020204" pitchFamily="34" charset="0"/>
+              <a:buChar char="•"/>
+            </a:pPr>
             <a:r>
               <a:rPr lang="en-US" sz="1600" dirty="0"/>
-              <a:t>This makes dynamic adaptive asset loading management much easier and safer (e.g. preloading assets for next level simply by setting their handles from None to Low). Asset loading/unloading and score calculation/sorting runs in an asynchronous loop, but in a foreground (structured concurrency).</a:t>
-            </a:r>
-          </a:p>
-        </p:txBody>
-      </p:sp>
-      <p:sp>
-        <p:nvSpPr>
-          <p:cNvPr id="15" name="TextBox 174">
-            <a:extLst>
-              <a:ext uri="{FF2B5EF4-FFF2-40B4-BE49-F238E27FC236}">
-                <a16:creationId xmlns:a16="http://schemas.microsoft.com/office/drawing/2014/main" id="{1ACE7A83-40FF-0BAB-3E5A-4AF60264ED2A}"/>
-              </a:ext>
-            </a:extLst>
-          </p:cNvPr>
-          <p:cNvSpPr txBox="1"/>
-          <p:nvPr/>
-        </p:nvSpPr>
-        <p:spPr>
-          <a:xfrm>
-            <a:off x="312654" y="4376524"/>
-            <a:ext cx="6441821" cy="1077218"/>
-          </a:xfrm>
-          <a:prstGeom prst="rect">
-            <a:avLst/>
-          </a:prstGeom>
-          <a:noFill/>
-        </p:spPr>
-        <p:txBody>
-          <a:bodyPr wrap="square" rtlCol="0">
-            <a:spAutoFit/>
-          </a:bodyPr>
-          <a:lstStyle/>
-          <a:p>
-            <a:pPr marL="342900" indent="-342900" algn="just">
-              <a:buFont typeface="+mj-lt"/>
-              <a:buAutoNum type="arabicPeriod"/>
+              <a:t>Material,</a:t>
+            </a:r>
+          </a:p>
+          <a:p>
+            <a:pPr marL="285750" indent="-285750" algn="just">
+              <a:buFont typeface="Arial" panose="020B0604020202020204" pitchFamily="34" charset="0"/>
+              <a:buChar char="•"/>
             </a:pPr>
             <a:r>
               <a:rPr lang="en-US" sz="1600" dirty="0"/>
-              <a:t>Calculates score of each asset as ∑ of count*priority</a:t>
-            </a:r>
-          </a:p>
-          <a:p>
-            <a:pPr marL="342900" indent="-342900" algn="just">
-              <a:buFont typeface="+mj-lt"/>
-              <a:buAutoNum type="arabicPeriod"/>
+              <a:t>Mesh,</a:t>
+            </a:r>
+          </a:p>
+          <a:p>
+            <a:pPr marL="285750" indent="-285750" algn="just">
+              <a:buFont typeface="Arial" panose="020B0604020202020204" pitchFamily="34" charset="0"/>
+              <a:buChar char="•"/>
             </a:pPr>
             <a:r>
+              <a:rPr lang="en-US" sz="1600" dirty="0" err="1"/>
+              <a:t>RenderMesh</a:t>
+            </a:r>
+            <a:r>
               <a:rPr lang="en-US" sz="1600" dirty="0"/>
-              <a:t>Sorts those scores</a:t>
-            </a:r>
-          </a:p>
-          <a:p>
-            <a:pPr marL="342900" indent="-342900" algn="just">
-              <a:buFont typeface="+mj-lt"/>
-              <a:buAutoNum type="arabicPeriod"/>
+              <a:t>,</a:t>
+            </a:r>
+          </a:p>
+          <a:p>
+            <a:pPr marL="285750" indent="-285750" algn="just">
+              <a:buFont typeface="Arial" panose="020B0604020202020204" pitchFamily="34" charset="0"/>
+              <a:buChar char="•"/>
             </a:pPr>
             <a:r>
               <a:rPr lang="en-US" sz="1600" dirty="0"/>
-              <a:t>Unloads assets with score 0</a:t>
-            </a:r>
-          </a:p>
-          <a:p>
-            <a:pPr marL="342900" indent="-342900" algn="just">
-              <a:buFont typeface="+mj-lt"/>
-              <a:buAutoNum type="arabicPeriod"/>
+              <a:t>Model,</a:t>
+            </a:r>
+          </a:p>
+          <a:p>
+            <a:pPr marL="285750" indent="-285750" algn="just">
+              <a:buFont typeface="Arial" panose="020B0604020202020204" pitchFamily="34" charset="0"/>
+              <a:buChar char="•"/>
             </a:pPr>
             <a:r>
               <a:rPr lang="en-US" sz="1600" dirty="0"/>
-              <a:t>Load as many assets as much memory is available</a:t>
+              <a:t>Skeleton,</a:t>
+            </a:r>
+          </a:p>
+          <a:p>
+            <a:pPr marL="285750" indent="-285750" algn="just">
+              <a:buFont typeface="Arial" panose="020B0604020202020204" pitchFamily="34" charset="0"/>
+              <a:buChar char="•"/>
+            </a:pPr>
+            <a:r>
+              <a:rPr lang="en-US" sz="1600" dirty="0" err="1"/>
+              <a:t>SkinnedModel</a:t>
+            </a:r>
+            <a:r>
+              <a:rPr lang="en-US" sz="1600" dirty="0"/>
+              <a:t>,</a:t>
+            </a:r>
+          </a:p>
+          <a:p>
+            <a:pPr marL="285750" indent="-285750" algn="just">
+              <a:buFont typeface="Arial" panose="020B0604020202020204" pitchFamily="34" charset="0"/>
+              <a:buChar char="•"/>
+            </a:pPr>
+            <a:r>
+              <a:rPr lang="en-US" sz="1600" dirty="0"/>
+              <a:t>Animation,</a:t>
+            </a:r>
+          </a:p>
+          <a:p>
+            <a:pPr marL="285750" indent="-285750" algn="just">
+              <a:buFont typeface="Arial" panose="020B0604020202020204" pitchFamily="34" charset="0"/>
+              <a:buChar char="•"/>
+            </a:pPr>
+            <a:r>
+              <a:rPr lang="en-US" sz="1600" dirty="0"/>
+              <a:t>Scene,</a:t>
+            </a:r>
+          </a:p>
+          <a:p>
+            <a:pPr marL="285750" indent="-285750" algn="just">
+              <a:buFont typeface="Arial" panose="020B0604020202020204" pitchFamily="34" charset="0"/>
+              <a:buChar char="•"/>
+            </a:pPr>
+            <a:r>
+              <a:rPr lang="en-US" sz="1600" dirty="0"/>
+              <a:t>Prefab,</a:t>
+            </a:r>
+          </a:p>
+          <a:p>
+            <a:pPr marL="285750" indent="-285750" algn="just">
+              <a:buFont typeface="Arial" panose="020B0604020202020204" pitchFamily="34" charset="0"/>
+              <a:buChar char="•"/>
+            </a:pPr>
+            <a:r>
+              <a:rPr lang="en-US" sz="1600" dirty="0"/>
+              <a:t>Audio</a:t>
             </a:r>
           </a:p>
         </p:txBody>
@@ -6188,6 +6280,272 @@
   <p:cSld>
     <p:spTree>
       <p:nvGrpSpPr>
+        <p:cNvPr id="1" name="">
+          <a:extLst>
+            <a:ext uri="{FF2B5EF4-FFF2-40B4-BE49-F238E27FC236}">
+              <a16:creationId xmlns:a16="http://schemas.microsoft.com/office/drawing/2014/main" id="{D96993B2-9C15-E053-B6AC-8093773B3FB6}"/>
+            </a:ext>
+          </a:extLst>
+        </p:cNvPr>
+        <p:cNvGrpSpPr/>
+        <p:nvPr/>
+      </p:nvGrpSpPr>
+      <p:grpSpPr>
+        <a:xfrm>
+          <a:off x="0" y="0"/>
+          <a:ext cx="0" cy="0"/>
+          <a:chOff x="0" y="0"/>
+          <a:chExt cx="0" cy="0"/>
+        </a:xfrm>
+      </p:grpSpPr>
+      <p:sp>
+        <p:nvSpPr>
+          <p:cNvPr id="4" name="Rectangle: Rounded Corners 3">
+            <a:extLst>
+              <a:ext uri="{FF2B5EF4-FFF2-40B4-BE49-F238E27FC236}">
+                <a16:creationId xmlns:a16="http://schemas.microsoft.com/office/drawing/2014/main" id="{819009C1-B0A4-2B26-6A41-BBFA67D35DBE}"/>
+              </a:ext>
+            </a:extLst>
+          </p:cNvPr>
+          <p:cNvSpPr/>
+          <p:nvPr/>
+        </p:nvSpPr>
+        <p:spPr>
+          <a:xfrm>
+            <a:off x="4734104" y="360542"/>
+            <a:ext cx="2712098" cy="582346"/>
+          </a:xfrm>
+          <a:prstGeom prst="roundRect">
+            <a:avLst/>
+          </a:prstGeom>
+        </p:spPr>
+        <p:style>
+          <a:lnRef idx="0">
+            <a:schemeClr val="accent1"/>
+          </a:lnRef>
+          <a:fillRef idx="3">
+            <a:schemeClr val="accent1"/>
+          </a:fillRef>
+          <a:effectRef idx="3">
+            <a:schemeClr val="accent1"/>
+          </a:effectRef>
+          <a:fontRef idx="minor">
+            <a:schemeClr val="lt1"/>
+          </a:fontRef>
+        </p:style>
+        <p:txBody>
+          <a:bodyPr rtlCol="0" anchor="ctr"/>
+          <a:lstStyle/>
+          <a:p>
+            <a:pPr algn="ctr"/>
+            <a:r>
+              <a:rPr lang="en-US" dirty="0"/>
+              <a:t>Runtime Management</a:t>
+            </a:r>
+          </a:p>
+          <a:p>
+            <a:pPr algn="ctr"/>
+            <a:r>
+              <a:rPr lang="en-US" sz="1200" dirty="0"/>
+              <a:t>Editor and Game</a:t>
+            </a:r>
+          </a:p>
+        </p:txBody>
+      </p:sp>
+      <p:sp>
+        <p:nvSpPr>
+          <p:cNvPr id="38" name="TextBox 174">
+            <a:extLst>
+              <a:ext uri="{FF2B5EF4-FFF2-40B4-BE49-F238E27FC236}">
+                <a16:creationId xmlns:a16="http://schemas.microsoft.com/office/drawing/2014/main" id="{1A69DFC9-6799-E624-E84B-8D5F2BB38FE5}"/>
+              </a:ext>
+            </a:extLst>
+          </p:cNvPr>
+          <p:cNvSpPr txBox="1"/>
+          <p:nvPr/>
+        </p:nvSpPr>
+        <p:spPr>
+          <a:xfrm>
+            <a:off x="431008" y="1590588"/>
+            <a:ext cx="11318290" cy="1138773"/>
+          </a:xfrm>
+          <a:prstGeom prst="rect">
+            <a:avLst/>
+          </a:prstGeom>
+          <a:noFill/>
+        </p:spPr>
+        <p:txBody>
+          <a:bodyPr wrap="square" rtlCol="0">
+            <a:spAutoFit/>
+          </a:bodyPr>
+          <a:lstStyle/>
+          <a:p>
+            <a:pPr algn="just"/>
+            <a:r>
+              <a:rPr lang="en-US" sz="2000" dirty="0"/>
+              <a:t>Centralized streaming:</a:t>
+            </a:r>
+          </a:p>
+          <a:p>
+            <a:pPr algn="just"/>
+            <a:r>
+              <a:rPr lang="en-US" sz="1600" dirty="0"/>
+              <a:t>You can never assume an asset is loaded and there is no explicit asset loading request possibility. Instead, a handle to the asset has a loading priority value - </a:t>
+            </a:r>
+            <a:r>
+              <a:rPr lang="en-US" sz="1600" dirty="0" err="1"/>
+              <a:t>enum</a:t>
+            </a:r>
+            <a:r>
+              <a:rPr lang="en-US" sz="1600" dirty="0"/>
+              <a:t>. Asset handles of each loading priority are atomically counted in a component of that asset (reference counting). Asset Manager uses those counts to decide centrally which assets to load and unload:</a:t>
+            </a:r>
+          </a:p>
+        </p:txBody>
+      </p:sp>
+      <p:pic>
+        <p:nvPicPr>
+          <p:cNvPr id="13" name="Obraz 12">
+            <a:extLst>
+              <a:ext uri="{FF2B5EF4-FFF2-40B4-BE49-F238E27FC236}">
+                <a16:creationId xmlns:a16="http://schemas.microsoft.com/office/drawing/2014/main" id="{AD2F7317-A225-74F6-A24D-D9A75BD890A2}"/>
+              </a:ext>
+            </a:extLst>
+          </p:cNvPr>
+          <p:cNvPicPr>
+            <a:picLocks noChangeAspect="1"/>
+          </p:cNvPicPr>
+          <p:nvPr/>
+        </p:nvPicPr>
+        <p:blipFill>
+          <a:blip r:embed="rId3"/>
+          <a:stretch>
+            <a:fillRect/>
+          </a:stretch>
+        </p:blipFill>
+        <p:spPr>
+          <a:xfrm>
+            <a:off x="8921619" y="3929834"/>
+            <a:ext cx="2709325" cy="1377753"/>
+          </a:xfrm>
+          <a:prstGeom prst="rect">
+            <a:avLst/>
+          </a:prstGeom>
+        </p:spPr>
+      </p:pic>
+      <p:sp>
+        <p:nvSpPr>
+          <p:cNvPr id="14" name="TextBox 174">
+            <a:extLst>
+              <a:ext uri="{FF2B5EF4-FFF2-40B4-BE49-F238E27FC236}">
+                <a16:creationId xmlns:a16="http://schemas.microsoft.com/office/drawing/2014/main" id="{FC3B3CC7-1C9E-A7B9-E246-AF24F12BB258}"/>
+              </a:ext>
+            </a:extLst>
+          </p:cNvPr>
+          <p:cNvSpPr txBox="1"/>
+          <p:nvPr/>
+        </p:nvSpPr>
+        <p:spPr>
+          <a:xfrm>
+            <a:off x="431008" y="4618710"/>
+            <a:ext cx="7821696" cy="1077218"/>
+          </a:xfrm>
+          <a:prstGeom prst="rect">
+            <a:avLst/>
+          </a:prstGeom>
+          <a:noFill/>
+        </p:spPr>
+        <p:txBody>
+          <a:bodyPr wrap="square" rtlCol="0">
+            <a:spAutoFit/>
+          </a:bodyPr>
+          <a:lstStyle/>
+          <a:p>
+            <a:pPr algn="just"/>
+            <a:r>
+              <a:rPr lang="en-US" sz="1600" dirty="0"/>
+              <a:t>This makes dynamic adaptive asset loading management much easier and safer (e.g. preloading assets for next level simply by setting their handles from None to Low). Asset loading/unloading and score calculation/sorting runs in an asynchronous loop, but in a foreground (structured concurrency).</a:t>
+            </a:r>
+          </a:p>
+        </p:txBody>
+      </p:sp>
+      <p:sp>
+        <p:nvSpPr>
+          <p:cNvPr id="15" name="TextBox 174">
+            <a:extLst>
+              <a:ext uri="{FF2B5EF4-FFF2-40B4-BE49-F238E27FC236}">
+                <a16:creationId xmlns:a16="http://schemas.microsoft.com/office/drawing/2014/main" id="{067B7CED-B707-54A5-6971-56978590A6DF}"/>
+              </a:ext>
+            </a:extLst>
+          </p:cNvPr>
+          <p:cNvSpPr txBox="1"/>
+          <p:nvPr/>
+        </p:nvSpPr>
+        <p:spPr>
+          <a:xfrm>
+            <a:off x="369804" y="3043024"/>
+            <a:ext cx="6441821" cy="1077218"/>
+          </a:xfrm>
+          <a:prstGeom prst="rect">
+            <a:avLst/>
+          </a:prstGeom>
+          <a:noFill/>
+        </p:spPr>
+        <p:txBody>
+          <a:bodyPr wrap="square" rtlCol="0">
+            <a:spAutoFit/>
+          </a:bodyPr>
+          <a:lstStyle/>
+          <a:p>
+            <a:pPr marL="342900" indent="-342900" algn="just">
+              <a:buFont typeface="+mj-lt"/>
+              <a:buAutoNum type="arabicPeriod"/>
+            </a:pPr>
+            <a:r>
+              <a:rPr lang="en-US" sz="1600" dirty="0"/>
+              <a:t>Calculates score of each asset as ∑ of count*priority</a:t>
+            </a:r>
+          </a:p>
+          <a:p>
+            <a:pPr marL="342900" indent="-342900" algn="just">
+              <a:buFont typeface="+mj-lt"/>
+              <a:buAutoNum type="arabicPeriod"/>
+            </a:pPr>
+            <a:r>
+              <a:rPr lang="en-US" sz="1600" dirty="0"/>
+              <a:t>Sorts assets based on theirs scores:</a:t>
+            </a:r>
+          </a:p>
+          <a:p>
+            <a:pPr marL="342900" indent="-342900" algn="just">
+              <a:buFont typeface="+mj-lt"/>
+              <a:buAutoNum type="arabicPeriod"/>
+            </a:pPr>
+            <a:r>
+              <a:rPr lang="en-US" sz="1600" dirty="0"/>
+              <a:t>Load as many assets as much memory is available going from highest score down (and unloading going from lowest score up).</a:t>
+            </a:r>
+          </a:p>
+        </p:txBody>
+      </p:sp>
+    </p:spTree>
+    <p:extLst>
+      <p:ext uri="{BB962C8B-B14F-4D97-AF65-F5344CB8AC3E}">
+        <p14:creationId xmlns:p14="http://schemas.microsoft.com/office/powerpoint/2010/main" val="4008094631"/>
+      </p:ext>
+    </p:extLst>
+  </p:cSld>
+  <p:clrMapOvr>
+    <a:masterClrMapping/>
+  </p:clrMapOvr>
+</p:sld>
+</file>
+
+<file path=ppt/slides/slide4.xml><?xml version="1.0" encoding="utf-8"?>
+<p:sld xmlns:a="http://schemas.openxmlformats.org/drawingml/2006/main" xmlns:r="http://schemas.openxmlformats.org/officeDocument/2006/relationships" xmlns:p="http://schemas.openxmlformats.org/presentationml/2006/main">
+  <p:cSld>
+    <p:spTree>
+      <p:nvGrpSpPr>
         <p:cNvPr id="1" name=""/>
         <p:cNvGrpSpPr/>
         <p:nvPr/>
@@ -6214,7 +6572,7 @@
         </p:nvSpPr>
         <p:spPr>
           <a:xfrm>
-            <a:off x="1877012" y="4165973"/>
+            <a:off x="4777672" y="4165973"/>
             <a:ext cx="2712098" cy="403767"/>
           </a:xfrm>
           <a:prstGeom prst="roundRect">
@@ -6272,7 +6630,7 @@
         </p:nvSpPr>
         <p:spPr>
           <a:xfrm>
-            <a:off x="1866509" y="415174"/>
+            <a:off x="4591959" y="415174"/>
             <a:ext cx="2712098" cy="582346"/>
           </a:xfrm>
           <a:prstGeom prst="roundRect">
@@ -6319,7 +6677,7 @@
         </p:nvSpPr>
         <p:spPr>
           <a:xfrm>
-            <a:off x="2077621" y="1586433"/>
+            <a:off x="3557853" y="1479899"/>
             <a:ext cx="2396644" cy="363190"/>
           </a:xfrm>
           <a:prstGeom prst="roundRect">
@@ -6346,10 +6704,7 @@
           <a:bodyPr rtlCol="0" anchor="b"/>
           <a:lstStyle/>
           <a:p>
-            <a:pPr marL="285750" indent="-216000">
-              <a:buFont typeface="Arial" panose="020B0604020202020204" pitchFamily="34" charset="0"/>
-              <a:buChar char="•"/>
-            </a:pPr>
+            <a:pPr marL="69750" algn="ctr"/>
             <a:r>
               <a:rPr lang="en-US" sz="1400" dirty="0"/>
               <a:t>Generic interface to ECS</a:t>
@@ -6371,8 +6726,8 @@
         </p:nvSpPr>
         <p:spPr>
           <a:xfrm>
-            <a:off x="2902720" y="1354406"/>
-            <a:ext cx="746446" cy="291173"/>
+            <a:off x="3921204" y="1247872"/>
+            <a:ext cx="1669942" cy="291173"/>
           </a:xfrm>
           <a:prstGeom prst="roundRect">
             <a:avLst/>
@@ -6398,9 +6753,10 @@
           <a:p>
             <a:pPr algn="ctr"/>
             <a:r>
-              <a:rPr lang="en-US" dirty="0"/>
-              <a:t>Asset</a:t>
-            </a:r>
+              <a:rPr lang="en-US" dirty="0" err="1"/>
+              <a:t>AssetInterface</a:t>
+            </a:r>
+            <a:endParaRPr lang="en-US" dirty="0"/>
           </a:p>
         </p:txBody>
       </p:sp>
@@ -6418,8 +6774,8 @@
         </p:nvSpPr>
         <p:spPr>
           <a:xfrm>
-            <a:off x="576948" y="2167078"/>
-            <a:ext cx="5312226" cy="1645323"/>
+            <a:off x="396659" y="2228295"/>
+            <a:ext cx="2806535" cy="2277994"/>
           </a:xfrm>
           <a:prstGeom prst="roundRect">
             <a:avLst>
@@ -6451,7 +6807,7 @@
             </a:pPr>
             <a:r>
               <a:rPr lang="en-US" sz="1400" dirty="0"/>
-              <a:t>Concrete Asset</a:t>
+              <a:t>Interface to a concrete Asset</a:t>
             </a:r>
           </a:p>
           <a:p>
@@ -6461,14 +6817,7 @@
             </a:pPr>
             <a:r>
               <a:rPr lang="en-US" sz="1400" dirty="0"/>
-              <a:t>Public only methods specific to its</a:t>
-            </a:r>
-            <a:br>
-              <a:rPr lang="en-US" sz="1400" dirty="0"/>
-            </a:br>
-            <a:r>
-              <a:rPr lang="en-US" sz="1400" dirty="0"/>
-              <a:t>asset type</a:t>
+              <a:t>Public only methods specific to its asset type</a:t>
             </a:r>
           </a:p>
           <a:p>
@@ -6478,21 +6827,25 @@
             </a:pPr>
             <a:r>
               <a:rPr lang="en-US" sz="1400" dirty="0"/>
-              <a:t>Can be conceptualized as an asset</a:t>
-            </a:r>
-            <a:br>
+              <a:t>Can be conceptualized as an asset itself, but actually is just an ECS handle (Asset ID + Registry </a:t>
+            </a:r>
+            <a:r>
+              <a:rPr lang="en-US" sz="1400" dirty="0" err="1"/>
+              <a:t>ptr</a:t>
+            </a:r>
+            <a:r>
               <a:rPr lang="en-US" sz="1400" dirty="0"/>
-            </a:br>
+              <a:t>)</a:t>
+            </a:r>
+          </a:p>
+          <a:p>
+            <a:pPr marL="285750" indent="-216000">
+              <a:buFont typeface="Arial" panose="020B0604020202020204" pitchFamily="34" charset="0"/>
+              <a:buChar char="•"/>
+            </a:pPr>
             <a:r>
               <a:rPr lang="en-US" sz="1400" dirty="0"/>
-              <a:t>itself, but actually is just an interface</a:t>
-            </a:r>
-            <a:br>
-              <a:rPr lang="en-US" sz="1400" dirty="0"/>
-            </a:br>
-            <a:r>
-              <a:rPr lang="en-US" sz="1400" dirty="0"/>
-              <a:t>to ECS</a:t>
+              <a:t>Treats Asset as const</a:t>
             </a:r>
           </a:p>
         </p:txBody>
@@ -6511,8 +6864,8 @@
         </p:nvSpPr>
         <p:spPr>
           <a:xfrm>
-            <a:off x="4110914" y="2262272"/>
-            <a:ext cx="1698172" cy="291173"/>
+            <a:off x="4037553" y="2155738"/>
+            <a:ext cx="1846864" cy="291173"/>
           </a:xfrm>
           <a:prstGeom prst="roundRect">
             <a:avLst/>
@@ -6537,9 +6890,10 @@
           <a:lstStyle/>
           <a:p>
             <a:r>
-              <a:rPr lang="en-US" dirty="0"/>
-              <a:t>Texture : Asset</a:t>
-            </a:r>
+              <a:rPr lang="en-US" dirty="0" err="1"/>
+              <a:t>TextureObserver</a:t>
+            </a:r>
+            <a:endParaRPr lang="en-US" dirty="0"/>
           </a:p>
         </p:txBody>
       </p:sp>
@@ -6557,8 +6911,8 @@
         </p:nvSpPr>
         <p:spPr>
           <a:xfrm>
-            <a:off x="4110914" y="2647068"/>
-            <a:ext cx="1698172" cy="291173"/>
+            <a:off x="4037553" y="2540534"/>
+            <a:ext cx="1846864" cy="291173"/>
           </a:xfrm>
           <a:prstGeom prst="roundRect">
             <a:avLst/>
@@ -6583,9 +6937,10 @@
           <a:lstStyle/>
           <a:p>
             <a:r>
-              <a:rPr lang="en-US" dirty="0"/>
-              <a:t>Shader : Asset</a:t>
-            </a:r>
+              <a:rPr lang="en-US" dirty="0" err="1"/>
+              <a:t>ShaderObserver</a:t>
+            </a:r>
+            <a:endParaRPr lang="en-US" dirty="0"/>
           </a:p>
         </p:txBody>
       </p:sp>
@@ -6603,8 +6958,8 @@
         </p:nvSpPr>
         <p:spPr>
           <a:xfrm>
-            <a:off x="4110914" y="3031864"/>
-            <a:ext cx="1698172" cy="291173"/>
+            <a:off x="4037553" y="2925330"/>
+            <a:ext cx="1846864" cy="291173"/>
           </a:xfrm>
           <a:prstGeom prst="roundRect">
             <a:avLst/>
@@ -6629,9 +6984,10 @@
           <a:lstStyle/>
           <a:p>
             <a:r>
-              <a:rPr lang="en-US" dirty="0"/>
-              <a:t>Material : Asset</a:t>
-            </a:r>
+              <a:rPr lang="en-US" dirty="0" err="1"/>
+              <a:t>MaterialObserver</a:t>
+            </a:r>
+            <a:endParaRPr lang="en-US" dirty="0"/>
           </a:p>
         </p:txBody>
       </p:sp>
@@ -6649,8 +7005,8 @@
         </p:nvSpPr>
         <p:spPr>
           <a:xfrm>
-            <a:off x="4110914" y="3416660"/>
-            <a:ext cx="1698172" cy="291173"/>
+            <a:off x="4037553" y="3310126"/>
+            <a:ext cx="1846864" cy="291173"/>
           </a:xfrm>
           <a:prstGeom prst="roundRect">
             <a:avLst/>
@@ -6675,9 +7031,10 @@
           <a:lstStyle/>
           <a:p>
             <a:r>
-              <a:rPr lang="en-US" dirty="0"/>
-              <a:t>Audio : Asset</a:t>
-            </a:r>
+              <a:rPr lang="en-US" dirty="0" err="1"/>
+              <a:t>AudioObserver</a:t>
+            </a:r>
+            <a:endParaRPr lang="en-US" dirty="0"/>
           </a:p>
         </p:txBody>
       </p:sp>
@@ -6697,7 +7054,7 @@
         </p:nvCxnSpPr>
         <p:spPr>
           <a:xfrm>
-            <a:off x="3736914" y="1949623"/>
+            <a:off x="3663553" y="1843089"/>
             <a:ext cx="0" cy="217455"/>
           </a:xfrm>
           <a:prstGeom prst="straightConnector1">
@@ -6732,14 +7089,15 @@
             </a:extLst>
           </p:cNvPr>
           <p:cNvCxnSpPr>
+            <a:cxnSpLocks/>
             <a:endCxn id="32" idx="1"/>
           </p:cNvCxnSpPr>
           <p:nvPr/>
         </p:nvCxnSpPr>
         <p:spPr>
           <a:xfrm rot="16200000" flipH="1">
-            <a:off x="3226330" y="2677662"/>
-            <a:ext cx="1395169" cy="374000"/>
+            <a:off x="3152968" y="2571128"/>
+            <a:ext cx="1395170" cy="374000"/>
           </a:xfrm>
           <a:prstGeom prst="bentConnector2">
             <a:avLst/>
@@ -6773,14 +7131,15 @@
             </a:extLst>
           </p:cNvPr>
           <p:cNvCxnSpPr>
+            <a:cxnSpLocks/>
             <a:endCxn id="31" idx="1"/>
           </p:cNvCxnSpPr>
           <p:nvPr/>
         </p:nvCxnSpPr>
         <p:spPr>
           <a:xfrm rot="16200000" flipH="1">
-            <a:off x="3418726" y="2485263"/>
-            <a:ext cx="1010374" cy="374001"/>
+            <a:off x="3345365" y="2378729"/>
+            <a:ext cx="1010374" cy="374002"/>
           </a:xfrm>
           <a:prstGeom prst="bentConnector2">
             <a:avLst/>
@@ -6814,14 +7173,15 @@
             </a:extLst>
           </p:cNvPr>
           <p:cNvCxnSpPr>
+            <a:cxnSpLocks/>
             <a:endCxn id="30" idx="1"/>
           </p:cNvCxnSpPr>
           <p:nvPr/>
         </p:nvCxnSpPr>
         <p:spPr>
           <a:xfrm rot="16200000" flipH="1">
-            <a:off x="3611123" y="2292863"/>
-            <a:ext cx="625579" cy="374003"/>
+            <a:off x="3537761" y="2186329"/>
+            <a:ext cx="625580" cy="374004"/>
           </a:xfrm>
           <a:prstGeom prst="bentConnector2">
             <a:avLst/>
@@ -6855,18 +7215,19 @@
             </a:extLst>
           </p:cNvPr>
           <p:cNvCxnSpPr>
+            <a:cxnSpLocks/>
             <a:endCxn id="29" idx="1"/>
           </p:cNvCxnSpPr>
           <p:nvPr/>
         </p:nvCxnSpPr>
         <p:spPr>
           <a:xfrm>
-            <a:off x="3736910" y="2167074"/>
+            <a:off x="3663549" y="2060540"/>
             <a:ext cx="374004" cy="240785"/>
           </a:xfrm>
           <a:prstGeom prst="bentConnector3">
             <a:avLst>
-              <a:gd name="adj1" fmla="val 104"/>
+              <a:gd name="adj1" fmla="val 152"/>
             </a:avLst>
           </a:prstGeom>
           <a:ln>
@@ -6902,8 +7263,8 @@
         </p:nvSpPr>
         <p:spPr>
           <a:xfrm>
-            <a:off x="2077621" y="3993092"/>
-            <a:ext cx="2310881" cy="291173"/>
+            <a:off x="4901321" y="3993092"/>
+            <a:ext cx="2464802" cy="291173"/>
           </a:xfrm>
           <a:prstGeom prst="roundRect">
             <a:avLst/>
@@ -6934,7 +7295,7 @@
             </a:r>
             <a:r>
               <a:rPr lang="en-US" dirty="0"/>
-              <a:t>&lt;</a:t>
+              <a:t>&lt; </a:t>
             </a:r>
             <a:r>
               <a:rPr lang="en-US" dirty="0" err="1"/>
@@ -6942,7 +7303,7 @@
             </a:r>
             <a:r>
               <a:rPr lang="en-US" dirty="0"/>
-              <a:t>&gt;</a:t>
+              <a:t> &gt;</a:t>
             </a:r>
           </a:p>
         </p:txBody>
@@ -6961,8 +7322,8 @@
         </p:nvSpPr>
         <p:spPr>
           <a:xfrm>
-            <a:off x="601344" y="5379773"/>
-            <a:ext cx="2272508" cy="890403"/>
+            <a:off x="6383940" y="5379773"/>
+            <a:ext cx="2391760" cy="1114648"/>
           </a:xfrm>
           <a:prstGeom prst="roundRect">
             <a:avLst>
@@ -6985,7 +7346,7 @@
           </a:fontRef>
         </p:style>
         <p:txBody>
-          <a:bodyPr rtlCol="0" anchor="ctr"/>
+          <a:bodyPr rtlCol="0" anchor="b"/>
           <a:lstStyle/>
           <a:p>
             <a:pPr marL="285750" indent="-216000">
@@ -6994,13 +7355,8 @@
             </a:pPr>
             <a:r>
               <a:rPr lang="en-US" sz="1400" dirty="0"/>
-              <a:t>Like </a:t>
-            </a:r>
-            <a:r>
-              <a:rPr lang="en-US" sz="1400" dirty="0" err="1"/>
-              <a:t>unique_ptr</a:t>
-            </a:r>
-            <a:endParaRPr lang="en-US" sz="1400" dirty="0"/>
+              <a:t>Common (templated) derivation of all users</a:t>
+            </a:r>
           </a:p>
           <a:p>
             <a:pPr marL="285750" indent="-216000">
@@ -7009,7 +7365,7 @@
             </a:pPr>
             <a:r>
               <a:rPr lang="en-US" sz="1400" dirty="0"/>
-              <a:t>Like lock guard</a:t>
+              <a:t>Acting like a unique lock guard</a:t>
             </a:r>
           </a:p>
         </p:txBody>
@@ -7028,8 +7384,8 @@
         </p:nvSpPr>
         <p:spPr>
           <a:xfrm>
-            <a:off x="423019" y="5194447"/>
-            <a:ext cx="2668044" cy="291173"/>
+            <a:off x="6205614" y="5194447"/>
+            <a:ext cx="2790711" cy="291173"/>
           </a:xfrm>
           <a:prstGeom prst="roundRect">
             <a:avLst/>
@@ -7060,13 +7416,16 @@
             </a:r>
             <a:r>
               <a:rPr lang="en-US" dirty="0"/>
-              <a:t>&lt;&gt; : </a:t>
+              <a:t>&lt; </a:t>
             </a:r>
             <a:r>
               <a:rPr lang="en-US" dirty="0" err="1"/>
               <a:t>tnAsset</a:t>
             </a:r>
-            <a:endParaRPr lang="en-US" dirty="0"/>
+            <a:r>
+              <a:rPr lang="en-US" dirty="0"/>
+              <a:t> &gt;</a:t>
+            </a:r>
           </a:p>
         </p:txBody>
       </p:sp>
@@ -7084,8 +7443,8 @@
         </p:nvSpPr>
         <p:spPr>
           <a:xfrm>
-            <a:off x="3555506" y="5381603"/>
-            <a:ext cx="2272508" cy="890403"/>
+            <a:off x="3371850" y="5379773"/>
+            <a:ext cx="2509494" cy="1114648"/>
           </a:xfrm>
           <a:prstGeom prst="roundRect">
             <a:avLst>
@@ -7117,13 +7476,8 @@
             </a:pPr>
             <a:r>
               <a:rPr lang="en-US" sz="1400" dirty="0"/>
-              <a:t>Like </a:t>
-            </a:r>
-            <a:r>
-              <a:rPr lang="en-US" sz="1400" dirty="0" err="1"/>
-              <a:t>shared_ptr</a:t>
-            </a:r>
-            <a:endParaRPr lang="en-US" sz="1400" dirty="0"/>
+              <a:t>Common (templated) derivation of all observers</a:t>
+            </a:r>
           </a:p>
           <a:p>
             <a:pPr marL="285750" indent="-216000">
@@ -7132,17 +7486,7 @@
             </a:pPr>
             <a:r>
               <a:rPr lang="en-US" sz="1400" dirty="0"/>
-              <a:t>Like lock guard</a:t>
-            </a:r>
-          </a:p>
-          <a:p>
-            <a:pPr marL="285750" indent="-216000">
-              <a:buFont typeface="Arial" panose="020B0604020202020204" pitchFamily="34" charset="0"/>
-              <a:buChar char="•"/>
-            </a:pPr>
-            <a:r>
-              <a:rPr lang="en-US" sz="1400" dirty="0"/>
-              <a:t>Always const</a:t>
+              <a:t>Acting like a shared lock guard</a:t>
             </a:r>
           </a:p>
         </p:txBody>
@@ -7161,8 +7505,8 @@
         </p:nvSpPr>
         <p:spPr>
           <a:xfrm>
-            <a:off x="3377181" y="5196277"/>
-            <a:ext cx="2668044" cy="291173"/>
+            <a:off x="3203194" y="5194447"/>
+            <a:ext cx="2856243" cy="291173"/>
           </a:xfrm>
           <a:prstGeom prst="roundRect">
             <a:avLst/>
@@ -7193,13 +7537,16 @@
             </a:r>
             <a:r>
               <a:rPr lang="en-US" dirty="0"/>
-              <a:t>&lt;&gt; : </a:t>
+              <a:t>&lt; </a:t>
             </a:r>
             <a:r>
               <a:rPr lang="en-US" dirty="0" err="1"/>
               <a:t>tnAsset</a:t>
             </a:r>
-            <a:endParaRPr lang="en-US" dirty="0"/>
+            <a:r>
+              <a:rPr lang="en-US" dirty="0"/>
+              <a:t> &gt;</a:t>
+            </a:r>
           </a:p>
         </p:txBody>
       </p:sp>
@@ -7220,7 +7567,7 @@
         </p:nvCxnSpPr>
         <p:spPr>
           <a:xfrm flipH="1">
-            <a:off x="2602017" y="4569740"/>
+            <a:off x="5502677" y="4569740"/>
             <a:ext cx="631044" cy="616038"/>
           </a:xfrm>
           <a:prstGeom prst="straightConnector1">
@@ -7264,7 +7611,7 @@
         </p:nvCxnSpPr>
         <p:spPr>
           <a:xfrm>
-            <a:off x="3233061" y="4569740"/>
+            <a:off x="6133721" y="4569740"/>
             <a:ext cx="631044" cy="624707"/>
           </a:xfrm>
           <a:prstGeom prst="straightConnector1">
@@ -7305,7 +7652,7 @@
         </p:nvSpPr>
         <p:spPr>
           <a:xfrm>
-            <a:off x="3739548" y="4679880"/>
+            <a:off x="4634206" y="4688448"/>
             <a:ext cx="987487" cy="291173"/>
           </a:xfrm>
           <a:prstGeom prst="roundRect">
@@ -7352,7 +7699,7 @@
         </p:nvSpPr>
         <p:spPr>
           <a:xfrm>
-            <a:off x="2074712" y="4679779"/>
+            <a:off x="6647986" y="4688448"/>
             <a:ext cx="641728" cy="291173"/>
           </a:xfrm>
           <a:prstGeom prst="roundRect">
@@ -7385,24 +7732,213 @@
           </a:p>
         </p:txBody>
       </p:sp>
+      <p:sp>
+        <p:nvSpPr>
+          <p:cNvPr id="13" name="Rectangle: Rounded Corners 28">
+            <a:extLst>
+              <a:ext uri="{FF2B5EF4-FFF2-40B4-BE49-F238E27FC236}">
+                <a16:creationId xmlns:a16="http://schemas.microsoft.com/office/drawing/2014/main" id="{0896CC2F-843C-0E59-F288-040DB1E9FA70}"/>
+              </a:ext>
+            </a:extLst>
+          </p:cNvPr>
+          <p:cNvSpPr/>
+          <p:nvPr/>
+        </p:nvSpPr>
+        <p:spPr>
+          <a:xfrm>
+            <a:off x="6359316" y="2155738"/>
+            <a:ext cx="1846864" cy="291173"/>
+          </a:xfrm>
+          <a:prstGeom prst="roundRect">
+            <a:avLst/>
+          </a:prstGeom>
+        </p:spPr>
+        <p:style>
+          <a:lnRef idx="0">
+            <a:schemeClr val="accent1"/>
+          </a:lnRef>
+          <a:fillRef idx="3">
+            <a:schemeClr val="accent1"/>
+          </a:fillRef>
+          <a:effectRef idx="3">
+            <a:schemeClr val="accent1"/>
+          </a:effectRef>
+          <a:fontRef idx="minor">
+            <a:schemeClr val="lt1"/>
+          </a:fontRef>
+        </p:style>
+        <p:txBody>
+          <a:bodyPr rtlCol="0" anchor="ctr"/>
+          <a:lstStyle/>
+          <a:p>
+            <a:r>
+              <a:rPr lang="en-US" dirty="0" err="1"/>
+              <a:t>TextureUser</a:t>
+            </a:r>
+            <a:endParaRPr lang="en-US" dirty="0"/>
+          </a:p>
+        </p:txBody>
+      </p:sp>
+      <p:sp>
+        <p:nvSpPr>
+          <p:cNvPr id="14" name="Rectangle: Rounded Corners 29">
+            <a:extLst>
+              <a:ext uri="{FF2B5EF4-FFF2-40B4-BE49-F238E27FC236}">
+                <a16:creationId xmlns:a16="http://schemas.microsoft.com/office/drawing/2014/main" id="{4840085D-FFDE-E329-56F6-30F9E9CF84B2}"/>
+              </a:ext>
+            </a:extLst>
+          </p:cNvPr>
+          <p:cNvSpPr/>
+          <p:nvPr/>
+        </p:nvSpPr>
+        <p:spPr>
+          <a:xfrm>
+            <a:off x="6359316" y="2540534"/>
+            <a:ext cx="1846864" cy="291173"/>
+          </a:xfrm>
+          <a:prstGeom prst="roundRect">
+            <a:avLst/>
+          </a:prstGeom>
+        </p:spPr>
+        <p:style>
+          <a:lnRef idx="0">
+            <a:schemeClr val="accent1"/>
+          </a:lnRef>
+          <a:fillRef idx="3">
+            <a:schemeClr val="accent1"/>
+          </a:fillRef>
+          <a:effectRef idx="3">
+            <a:schemeClr val="accent1"/>
+          </a:effectRef>
+          <a:fontRef idx="minor">
+            <a:schemeClr val="lt1"/>
+          </a:fontRef>
+        </p:style>
+        <p:txBody>
+          <a:bodyPr rtlCol="0" anchor="ctr"/>
+          <a:lstStyle/>
+          <a:p>
+            <a:r>
+              <a:rPr lang="en-US" dirty="0" err="1"/>
+              <a:t>ShaderUser</a:t>
+            </a:r>
+            <a:endParaRPr lang="en-US" dirty="0"/>
+          </a:p>
+        </p:txBody>
+      </p:sp>
+      <p:sp>
+        <p:nvSpPr>
+          <p:cNvPr id="16" name="Rectangle: Rounded Corners 30">
+            <a:extLst>
+              <a:ext uri="{FF2B5EF4-FFF2-40B4-BE49-F238E27FC236}">
+                <a16:creationId xmlns:a16="http://schemas.microsoft.com/office/drawing/2014/main" id="{AC2AC64B-3BDA-A2AE-3384-2B457D81E504}"/>
+              </a:ext>
+            </a:extLst>
+          </p:cNvPr>
+          <p:cNvSpPr/>
+          <p:nvPr/>
+        </p:nvSpPr>
+        <p:spPr>
+          <a:xfrm>
+            <a:off x="6359316" y="2925330"/>
+            <a:ext cx="1846864" cy="291173"/>
+          </a:xfrm>
+          <a:prstGeom prst="roundRect">
+            <a:avLst/>
+          </a:prstGeom>
+        </p:spPr>
+        <p:style>
+          <a:lnRef idx="0">
+            <a:schemeClr val="accent1"/>
+          </a:lnRef>
+          <a:fillRef idx="3">
+            <a:schemeClr val="accent1"/>
+          </a:fillRef>
+          <a:effectRef idx="3">
+            <a:schemeClr val="accent1"/>
+          </a:effectRef>
+          <a:fontRef idx="minor">
+            <a:schemeClr val="lt1"/>
+          </a:fontRef>
+        </p:style>
+        <p:txBody>
+          <a:bodyPr rtlCol="0" anchor="ctr"/>
+          <a:lstStyle/>
+          <a:p>
+            <a:r>
+              <a:rPr lang="en-US" dirty="0" err="1"/>
+              <a:t>MaterialUser</a:t>
+            </a:r>
+            <a:endParaRPr lang="en-US" dirty="0"/>
+          </a:p>
+        </p:txBody>
+      </p:sp>
+      <p:sp>
+        <p:nvSpPr>
+          <p:cNvPr id="17" name="Rectangle: Rounded Corners 31">
+            <a:extLst>
+              <a:ext uri="{FF2B5EF4-FFF2-40B4-BE49-F238E27FC236}">
+                <a16:creationId xmlns:a16="http://schemas.microsoft.com/office/drawing/2014/main" id="{B1E38D9D-25A5-1EAB-1193-0981584CD309}"/>
+              </a:ext>
+            </a:extLst>
+          </p:cNvPr>
+          <p:cNvSpPr/>
+          <p:nvPr/>
+        </p:nvSpPr>
+        <p:spPr>
+          <a:xfrm>
+            <a:off x="6359316" y="3310126"/>
+            <a:ext cx="1846864" cy="291173"/>
+          </a:xfrm>
+          <a:prstGeom prst="roundRect">
+            <a:avLst/>
+          </a:prstGeom>
+        </p:spPr>
+        <p:style>
+          <a:lnRef idx="0">
+            <a:schemeClr val="accent1"/>
+          </a:lnRef>
+          <a:fillRef idx="3">
+            <a:schemeClr val="accent1"/>
+          </a:fillRef>
+          <a:effectRef idx="3">
+            <a:schemeClr val="accent1"/>
+          </a:effectRef>
+          <a:fontRef idx="minor">
+            <a:schemeClr val="lt1"/>
+          </a:fontRef>
+        </p:style>
+        <p:txBody>
+          <a:bodyPr rtlCol="0" anchor="ctr"/>
+          <a:lstStyle/>
+          <a:p>
+            <a:r>
+              <a:rPr lang="en-US" dirty="0" err="1"/>
+              <a:t>AudioUser</a:t>
+            </a:r>
+            <a:endParaRPr lang="en-US" dirty="0"/>
+          </a:p>
+        </p:txBody>
+      </p:sp>
       <p:cxnSp>
         <p:nvCxnSpPr>
-          <p:cNvPr id="52" name="Straight Arrow Connector 51">
-            <a:extLst>
-              <a:ext uri="{FF2B5EF4-FFF2-40B4-BE49-F238E27FC236}">
-                <a16:creationId xmlns:a16="http://schemas.microsoft.com/office/drawing/2014/main" id="{A99E177F-E1DD-DFA3-27B9-C9851D0BB2FD}"/>
+          <p:cNvPr id="19" name="Łącznik prosty ze strzałką 18">
+            <a:extLst>
+              <a:ext uri="{FF2B5EF4-FFF2-40B4-BE49-F238E27FC236}">
+                <a16:creationId xmlns:a16="http://schemas.microsoft.com/office/drawing/2014/main" id="{F6749D9A-BB9C-69AD-FE8F-C9B62FBCBE02}"/>
               </a:ext>
             </a:extLst>
           </p:cNvPr>
           <p:cNvCxnSpPr>
-            <a:cxnSpLocks/>
+            <a:stCxn id="29" idx="3"/>
+            <a:endCxn id="13" idx="1"/>
           </p:cNvCxnSpPr>
           <p:nvPr/>
         </p:nvCxnSpPr>
         <p:spPr>
           <a:xfrm>
-            <a:off x="5413849" y="3812401"/>
-            <a:ext cx="0" cy="1382046"/>
+            <a:off x="5884417" y="2301325"/>
+            <a:ext cx="474899" cy="0"/>
           </a:xfrm>
           <a:prstGeom prst="straightConnector1">
             <a:avLst/>
@@ -7428,22 +7964,23 @@
       </p:cxnSp>
       <p:cxnSp>
         <p:nvCxnSpPr>
-          <p:cNvPr id="53" name="Straight Arrow Connector 52">
-            <a:extLst>
-              <a:ext uri="{FF2B5EF4-FFF2-40B4-BE49-F238E27FC236}">
-                <a16:creationId xmlns:a16="http://schemas.microsoft.com/office/drawing/2014/main" id="{352011AB-C22B-7C34-E7C8-7EB78FCBCE6D}"/>
+          <p:cNvPr id="28" name="Łącznik prosty ze strzałką 27">
+            <a:extLst>
+              <a:ext uri="{FF2B5EF4-FFF2-40B4-BE49-F238E27FC236}">
+                <a16:creationId xmlns:a16="http://schemas.microsoft.com/office/drawing/2014/main" id="{61B5217A-FF17-A3F2-2FC0-E3E534D02189}"/>
               </a:ext>
             </a:extLst>
           </p:cNvPr>
           <p:cNvCxnSpPr>
-            <a:cxnSpLocks/>
+            <a:stCxn id="30" idx="3"/>
+            <a:endCxn id="14" idx="1"/>
           </p:cNvCxnSpPr>
           <p:nvPr/>
         </p:nvCxnSpPr>
         <p:spPr>
-          <a:xfrm flipH="1">
-            <a:off x="1150135" y="3812401"/>
-            <a:ext cx="25404" cy="1382046"/>
+          <a:xfrm>
+            <a:off x="5884417" y="2686121"/>
+            <a:ext cx="474899" cy="0"/>
           </a:xfrm>
           <a:prstGeom prst="straightConnector1">
             <a:avLst/>
@@ -7467,12 +8004,96 @@
           </a:fontRef>
         </p:style>
       </p:cxnSp>
-      <p:sp>
-        <p:nvSpPr>
-          <p:cNvPr id="7" name="Rectangle: Rounded Corners 3">
-            <a:extLst>
-              <a:ext uri="{FF2B5EF4-FFF2-40B4-BE49-F238E27FC236}">
-                <a16:creationId xmlns:a16="http://schemas.microsoft.com/office/drawing/2014/main" id="{2AC0048E-D772-5FE3-D7BA-FDBAF51C3A99}"/>
+      <p:cxnSp>
+        <p:nvCxnSpPr>
+          <p:cNvPr id="37" name="Łącznik prosty ze strzałką 36">
+            <a:extLst>
+              <a:ext uri="{FF2B5EF4-FFF2-40B4-BE49-F238E27FC236}">
+                <a16:creationId xmlns:a16="http://schemas.microsoft.com/office/drawing/2014/main" id="{D80D36D1-1DFA-487F-298F-053B0BBE9EEA}"/>
+              </a:ext>
+            </a:extLst>
+          </p:cNvPr>
+          <p:cNvCxnSpPr>
+            <a:stCxn id="31" idx="3"/>
+            <a:endCxn id="16" idx="1"/>
+          </p:cNvCxnSpPr>
+          <p:nvPr/>
+        </p:nvCxnSpPr>
+        <p:spPr>
+          <a:xfrm>
+            <a:off x="5884417" y="3070917"/>
+            <a:ext cx="474899" cy="0"/>
+          </a:xfrm>
+          <a:prstGeom prst="straightConnector1">
+            <a:avLst/>
+          </a:prstGeom>
+          <a:ln>
+            <a:tailEnd type="triangle"/>
+          </a:ln>
+        </p:spPr>
+        <p:style>
+          <a:lnRef idx="3">
+            <a:schemeClr val="accent1"/>
+          </a:lnRef>
+          <a:fillRef idx="0">
+            <a:schemeClr val="accent1"/>
+          </a:fillRef>
+          <a:effectRef idx="2">
+            <a:schemeClr val="accent1"/>
+          </a:effectRef>
+          <a:fontRef idx="minor">
+            <a:schemeClr val="tx1"/>
+          </a:fontRef>
+        </p:style>
+      </p:cxnSp>
+      <p:cxnSp>
+        <p:nvCxnSpPr>
+          <p:cNvPr id="42" name="Łącznik prosty ze strzałką 41">
+            <a:extLst>
+              <a:ext uri="{FF2B5EF4-FFF2-40B4-BE49-F238E27FC236}">
+                <a16:creationId xmlns:a16="http://schemas.microsoft.com/office/drawing/2014/main" id="{23EFA2F2-C238-92D0-0045-E0178B4F4989}"/>
+              </a:ext>
+            </a:extLst>
+          </p:cNvPr>
+          <p:cNvCxnSpPr>
+            <a:stCxn id="32" idx="3"/>
+            <a:endCxn id="17" idx="1"/>
+          </p:cNvCxnSpPr>
+          <p:nvPr/>
+        </p:nvCxnSpPr>
+        <p:spPr>
+          <a:xfrm>
+            <a:off x="5884417" y="3455713"/>
+            <a:ext cx="474899" cy="0"/>
+          </a:xfrm>
+          <a:prstGeom prst="straightConnector1">
+            <a:avLst/>
+          </a:prstGeom>
+          <a:ln>
+            <a:tailEnd type="triangle"/>
+          </a:ln>
+        </p:spPr>
+        <p:style>
+          <a:lnRef idx="3">
+            <a:schemeClr val="accent1"/>
+          </a:lnRef>
+          <a:fillRef idx="0">
+            <a:schemeClr val="accent1"/>
+          </a:fillRef>
+          <a:effectRef idx="2">
+            <a:schemeClr val="accent1"/>
+          </a:effectRef>
+          <a:fontRef idx="minor">
+            <a:schemeClr val="tx1"/>
+          </a:fontRef>
+        </p:style>
+      </p:cxnSp>
+      <p:sp>
+        <p:nvSpPr>
+          <p:cNvPr id="76" name="Rectangle: Rounded Corners 25">
+            <a:extLst>
+              <a:ext uri="{FF2B5EF4-FFF2-40B4-BE49-F238E27FC236}">
+                <a16:creationId xmlns:a16="http://schemas.microsoft.com/office/drawing/2014/main" id="{86D5CA39-305F-1B73-C391-3C5BD1BF811B}"/>
               </a:ext>
             </a:extLst>
           </p:cNvPr>
@@ -7481,8 +8102,60 @@
         </p:nvSpPr>
         <p:spPr>
           <a:xfrm>
-            <a:off x="7613393" y="415174"/>
-            <a:ext cx="2712098" cy="582346"/>
+            <a:off x="8996326" y="2228293"/>
+            <a:ext cx="2806535" cy="2277995"/>
+          </a:xfrm>
+          <a:prstGeom prst="roundRect">
+            <a:avLst>
+              <a:gd name="adj" fmla="val 7245"/>
+            </a:avLst>
+          </a:prstGeom>
+        </p:spPr>
+        <p:style>
+          <a:lnRef idx="1">
+            <a:schemeClr val="accent1"/>
+          </a:lnRef>
+          <a:fillRef idx="2">
+            <a:schemeClr val="accent1"/>
+          </a:fillRef>
+          <a:effectRef idx="1">
+            <a:schemeClr val="accent1"/>
+          </a:effectRef>
+          <a:fontRef idx="minor">
+            <a:schemeClr val="dk1"/>
+          </a:fontRef>
+        </p:style>
+        <p:txBody>
+          <a:bodyPr rtlCol="0" anchor="ctr"/>
+          <a:lstStyle/>
+          <a:p>
+            <a:pPr marL="285750" indent="-216000">
+              <a:buFont typeface="Arial" panose="020B0604020202020204" pitchFamily="34" charset="0"/>
+              <a:buChar char="•"/>
+            </a:pPr>
+            <a:r>
+              <a:rPr lang="en-US" sz="1400" dirty="0"/>
+              <a:t>Extends Observer adding methods modifying an Asset</a:t>
+            </a:r>
+          </a:p>
+        </p:txBody>
+      </p:sp>
+      <p:sp>
+        <p:nvSpPr>
+          <p:cNvPr id="77" name="Rectangle: Rounded Corners 24">
+            <a:extLst>
+              <a:ext uri="{FF2B5EF4-FFF2-40B4-BE49-F238E27FC236}">
+                <a16:creationId xmlns:a16="http://schemas.microsoft.com/office/drawing/2014/main" id="{2C67E1BD-3604-E857-D9D4-04E029E2D43A}"/>
+              </a:ext>
+            </a:extLst>
+          </p:cNvPr>
+          <p:cNvSpPr/>
+          <p:nvPr/>
+        </p:nvSpPr>
+        <p:spPr>
+          <a:xfrm>
+            <a:off x="918846" y="2060540"/>
+            <a:ext cx="1669942" cy="291173"/>
           </a:xfrm>
           <a:prstGeom prst="roundRect">
             <a:avLst/>
@@ -7509,6 +8182,651 @@
             <a:pPr algn="ctr"/>
             <a:r>
               <a:rPr lang="en-US" dirty="0"/>
+              <a:t>Observer</a:t>
+            </a:r>
+          </a:p>
+        </p:txBody>
+      </p:sp>
+      <p:sp>
+        <p:nvSpPr>
+          <p:cNvPr id="78" name="Rectangle: Rounded Corners 24">
+            <a:extLst>
+              <a:ext uri="{FF2B5EF4-FFF2-40B4-BE49-F238E27FC236}">
+                <a16:creationId xmlns:a16="http://schemas.microsoft.com/office/drawing/2014/main" id="{2DAC3360-27C2-5575-730D-27956685787F}"/>
+              </a:ext>
+            </a:extLst>
+          </p:cNvPr>
+          <p:cNvSpPr/>
+          <p:nvPr/>
+        </p:nvSpPr>
+        <p:spPr>
+          <a:xfrm>
+            <a:off x="9564622" y="2035345"/>
+            <a:ext cx="1669942" cy="291173"/>
+          </a:xfrm>
+          <a:prstGeom prst="roundRect">
+            <a:avLst/>
+          </a:prstGeom>
+        </p:spPr>
+        <p:style>
+          <a:lnRef idx="0">
+            <a:schemeClr val="accent1"/>
+          </a:lnRef>
+          <a:fillRef idx="3">
+            <a:schemeClr val="accent1"/>
+          </a:fillRef>
+          <a:effectRef idx="3">
+            <a:schemeClr val="accent1"/>
+          </a:effectRef>
+          <a:fontRef idx="minor">
+            <a:schemeClr val="lt1"/>
+          </a:fontRef>
+        </p:style>
+        <p:txBody>
+          <a:bodyPr rtlCol="0" anchor="ctr"/>
+          <a:lstStyle/>
+          <a:p>
+            <a:pPr algn="ctr"/>
+            <a:r>
+              <a:rPr lang="en-US" dirty="0"/>
+              <a:t>User</a:t>
+            </a:r>
+          </a:p>
+        </p:txBody>
+      </p:sp>
+    </p:spTree>
+    <p:extLst>
+      <p:ext uri="{BB962C8B-B14F-4D97-AF65-F5344CB8AC3E}">
+        <p14:creationId xmlns:p14="http://schemas.microsoft.com/office/powerpoint/2010/main" val="21460416"/>
+      </p:ext>
+    </p:extLst>
+  </p:cSld>
+  <p:clrMapOvr>
+    <a:masterClrMapping/>
+  </p:clrMapOvr>
+</p:sld>
+</file>
+
+<file path=ppt/slides/slide5.xml><?xml version="1.0" encoding="utf-8"?>
+<p:sld xmlns:a="http://schemas.openxmlformats.org/drawingml/2006/main" xmlns:r="http://schemas.openxmlformats.org/officeDocument/2006/relationships" xmlns:p="http://schemas.openxmlformats.org/presentationml/2006/main">
+  <p:cSld>
+    <p:spTree>
+      <p:nvGrpSpPr>
+        <p:cNvPr id="1" name="">
+          <a:extLst>
+            <a:ext uri="{FF2B5EF4-FFF2-40B4-BE49-F238E27FC236}">
+              <a16:creationId xmlns:a16="http://schemas.microsoft.com/office/drawing/2014/main" id="{351CFD3B-E715-9A28-0B3A-269C4D8BF0DE}"/>
+            </a:ext>
+          </a:extLst>
+        </p:cNvPr>
+        <p:cNvGrpSpPr/>
+        <p:nvPr/>
+      </p:nvGrpSpPr>
+      <p:grpSpPr>
+        <a:xfrm>
+          <a:off x="0" y="0"/>
+          <a:ext cx="0" cy="0"/>
+          <a:chOff x="0" y="0"/>
+          <a:chExt cx="0" cy="0"/>
+        </a:xfrm>
+      </p:grpSpPr>
+      <p:sp>
+        <p:nvSpPr>
+          <p:cNvPr id="49" name="Rectangle: Rounded Corners 48">
+            <a:extLst>
+              <a:ext uri="{FF2B5EF4-FFF2-40B4-BE49-F238E27FC236}">
+                <a16:creationId xmlns:a16="http://schemas.microsoft.com/office/drawing/2014/main" id="{C90EF193-3B60-0144-7139-C03A4D6A6332}"/>
+              </a:ext>
+            </a:extLst>
+          </p:cNvPr>
+          <p:cNvSpPr/>
+          <p:nvPr/>
+        </p:nvSpPr>
+        <p:spPr>
+          <a:xfrm>
+            <a:off x="7750394" y="1067061"/>
+            <a:ext cx="2712098" cy="403767"/>
+          </a:xfrm>
+          <a:prstGeom prst="roundRect">
+            <a:avLst>
+              <a:gd name="adj" fmla="val 12160"/>
+            </a:avLst>
+          </a:prstGeom>
+        </p:spPr>
+        <p:style>
+          <a:lnRef idx="1">
+            <a:schemeClr val="accent1"/>
+          </a:lnRef>
+          <a:fillRef idx="2">
+            <a:schemeClr val="accent1"/>
+          </a:fillRef>
+          <a:effectRef idx="1">
+            <a:schemeClr val="accent1"/>
+          </a:effectRef>
+          <a:fontRef idx="minor">
+            <a:schemeClr val="dk1"/>
+          </a:fontRef>
+        </p:style>
+        <p:txBody>
+          <a:bodyPr rtlCol="0" anchor="b"/>
+          <a:lstStyle/>
+          <a:p>
+            <a:pPr marL="69750" algn="ctr"/>
+            <a:r>
+              <a:rPr lang="en-US" sz="1400" dirty="0" err="1"/>
+              <a:t>AssetID</a:t>
+            </a:r>
+            <a:r>
+              <a:rPr lang="en-US" sz="1400" dirty="0"/>
+              <a:t> + </a:t>
+            </a:r>
+            <a:r>
+              <a:rPr lang="en-US" sz="1400" dirty="0" err="1"/>
+              <a:t>AssetLoadingPriority</a:t>
+            </a:r>
+            <a:endParaRPr lang="en-US" sz="1400" dirty="0"/>
+          </a:p>
+        </p:txBody>
+      </p:sp>
+      <p:sp>
+        <p:nvSpPr>
+          <p:cNvPr id="48" name="Rectangle: Rounded Corners 47">
+            <a:extLst>
+              <a:ext uri="{FF2B5EF4-FFF2-40B4-BE49-F238E27FC236}">
+                <a16:creationId xmlns:a16="http://schemas.microsoft.com/office/drawing/2014/main" id="{BB6E1BE3-B0F0-1E2D-0D47-3B40084323D3}"/>
+              </a:ext>
+            </a:extLst>
+          </p:cNvPr>
+          <p:cNvSpPr/>
+          <p:nvPr/>
+        </p:nvSpPr>
+        <p:spPr>
+          <a:xfrm>
+            <a:off x="7887787" y="894180"/>
+            <a:ext cx="2437314" cy="291173"/>
+          </a:xfrm>
+          <a:prstGeom prst="roundRect">
+            <a:avLst/>
+          </a:prstGeom>
+        </p:spPr>
+        <p:style>
+          <a:lnRef idx="0">
+            <a:schemeClr val="accent1"/>
+          </a:lnRef>
+          <a:fillRef idx="3">
+            <a:schemeClr val="accent1"/>
+          </a:fillRef>
+          <a:effectRef idx="3">
+            <a:schemeClr val="accent1"/>
+          </a:effectRef>
+          <a:fontRef idx="minor">
+            <a:schemeClr val="lt1"/>
+          </a:fontRef>
+        </p:style>
+        <p:txBody>
+          <a:bodyPr rtlCol="0" anchor="ctr"/>
+          <a:lstStyle/>
+          <a:p>
+            <a:pPr algn="ctr"/>
+            <a:r>
+              <a:rPr lang="en-US" dirty="0" err="1"/>
+              <a:t>AssetHandle</a:t>
+            </a:r>
+            <a:r>
+              <a:rPr lang="en-US" dirty="0"/>
+              <a:t>&lt; </a:t>
+            </a:r>
+            <a:r>
+              <a:rPr lang="en-US" dirty="0" err="1"/>
+              <a:t>tnAsset</a:t>
+            </a:r>
+            <a:r>
+              <a:rPr lang="en-US" dirty="0"/>
+              <a:t> &gt;</a:t>
+            </a:r>
+          </a:p>
+        </p:txBody>
+      </p:sp>
+      <p:sp>
+        <p:nvSpPr>
+          <p:cNvPr id="3" name="Rectangle: Rounded Corners 2">
+            <a:extLst>
+              <a:ext uri="{FF2B5EF4-FFF2-40B4-BE49-F238E27FC236}">
+                <a16:creationId xmlns:a16="http://schemas.microsoft.com/office/drawing/2014/main" id="{B4409D1D-162C-0453-9D8C-6E62DD5C9B56}"/>
+              </a:ext>
+            </a:extLst>
+          </p:cNvPr>
+          <p:cNvSpPr/>
+          <p:nvPr/>
+        </p:nvSpPr>
+        <p:spPr>
+          <a:xfrm>
+            <a:off x="9356662" y="2280861"/>
+            <a:ext cx="2272508" cy="659189"/>
+          </a:xfrm>
+          <a:prstGeom prst="roundRect">
+            <a:avLst>
+              <a:gd name="adj" fmla="val 12160"/>
+            </a:avLst>
+          </a:prstGeom>
+        </p:spPr>
+        <p:style>
+          <a:lnRef idx="1">
+            <a:schemeClr val="accent1"/>
+          </a:lnRef>
+          <a:fillRef idx="2">
+            <a:schemeClr val="accent1"/>
+          </a:fillRef>
+          <a:effectRef idx="1">
+            <a:schemeClr val="accent1"/>
+          </a:effectRef>
+          <a:fontRef idx="minor">
+            <a:schemeClr val="dk1"/>
+          </a:fontRef>
+        </p:style>
+        <p:txBody>
+          <a:bodyPr rtlCol="0" anchor="b"/>
+          <a:lstStyle/>
+          <a:p>
+            <a:pPr marL="69750" algn="ctr"/>
+            <a:r>
+              <a:rPr lang="en-US" sz="1400" dirty="0"/>
+              <a:t>Acting like a unique lock guard</a:t>
+            </a:r>
+          </a:p>
+        </p:txBody>
+      </p:sp>
+      <p:sp>
+        <p:nvSpPr>
+          <p:cNvPr id="12" name="Rectangle: Rounded Corners 11">
+            <a:extLst>
+              <a:ext uri="{FF2B5EF4-FFF2-40B4-BE49-F238E27FC236}">
+                <a16:creationId xmlns:a16="http://schemas.microsoft.com/office/drawing/2014/main" id="{AB5E67B0-0507-9DF8-925C-CAADBC511F41}"/>
+              </a:ext>
+            </a:extLst>
+          </p:cNvPr>
+          <p:cNvSpPr/>
+          <p:nvPr/>
+        </p:nvSpPr>
+        <p:spPr>
+          <a:xfrm>
+            <a:off x="9178337" y="2095535"/>
+            <a:ext cx="2668044" cy="291173"/>
+          </a:xfrm>
+          <a:prstGeom prst="roundRect">
+            <a:avLst/>
+          </a:prstGeom>
+        </p:spPr>
+        <p:style>
+          <a:lnRef idx="0">
+            <a:schemeClr val="accent1"/>
+          </a:lnRef>
+          <a:fillRef idx="3">
+            <a:schemeClr val="accent1"/>
+          </a:fillRef>
+          <a:effectRef idx="3">
+            <a:schemeClr val="accent1"/>
+          </a:effectRef>
+          <a:fontRef idx="minor">
+            <a:schemeClr val="lt1"/>
+          </a:fontRef>
+        </p:style>
+        <p:txBody>
+          <a:bodyPr rtlCol="0" anchor="ctr"/>
+          <a:lstStyle/>
+          <a:p>
+            <a:pPr algn="ctr"/>
+            <a:r>
+              <a:rPr lang="en-US" dirty="0" err="1"/>
+              <a:t>AssetUser</a:t>
+            </a:r>
+            <a:r>
+              <a:rPr lang="en-US" dirty="0"/>
+              <a:t>&lt; </a:t>
+            </a:r>
+            <a:r>
+              <a:rPr lang="en-US" dirty="0" err="1"/>
+              <a:t>tnAsset</a:t>
+            </a:r>
+            <a:r>
+              <a:rPr lang="en-US" dirty="0"/>
+              <a:t> &gt;</a:t>
+            </a:r>
+          </a:p>
+        </p:txBody>
+      </p:sp>
+      <p:sp>
+        <p:nvSpPr>
+          <p:cNvPr id="15" name="Rectangle: Rounded Corners 14">
+            <a:extLst>
+              <a:ext uri="{FF2B5EF4-FFF2-40B4-BE49-F238E27FC236}">
+                <a16:creationId xmlns:a16="http://schemas.microsoft.com/office/drawing/2014/main" id="{44633F3C-AB34-9C61-3961-F9E42249B95A}"/>
+              </a:ext>
+            </a:extLst>
+          </p:cNvPr>
+          <p:cNvSpPr/>
+          <p:nvPr/>
+        </p:nvSpPr>
+        <p:spPr>
+          <a:xfrm>
+            <a:off x="6542440" y="2280861"/>
+            <a:ext cx="2272508" cy="659189"/>
+          </a:xfrm>
+          <a:prstGeom prst="roundRect">
+            <a:avLst>
+              <a:gd name="adj" fmla="val 12160"/>
+            </a:avLst>
+          </a:prstGeom>
+        </p:spPr>
+        <p:style>
+          <a:lnRef idx="1">
+            <a:schemeClr val="accent1"/>
+          </a:lnRef>
+          <a:fillRef idx="2">
+            <a:schemeClr val="accent1"/>
+          </a:fillRef>
+          <a:effectRef idx="1">
+            <a:schemeClr val="accent1"/>
+          </a:effectRef>
+          <a:fontRef idx="minor">
+            <a:schemeClr val="dk1"/>
+          </a:fontRef>
+        </p:style>
+        <p:txBody>
+          <a:bodyPr rtlCol="0" anchor="b"/>
+          <a:lstStyle/>
+          <a:p>
+            <a:pPr marL="69750" algn="ctr"/>
+            <a:r>
+              <a:rPr lang="en-US" sz="1400" dirty="0"/>
+              <a:t>Acting like a shared lock guard</a:t>
+            </a:r>
+          </a:p>
+        </p:txBody>
+      </p:sp>
+      <p:sp>
+        <p:nvSpPr>
+          <p:cNvPr id="27" name="Rectangle: Rounded Corners 26">
+            <a:extLst>
+              <a:ext uri="{FF2B5EF4-FFF2-40B4-BE49-F238E27FC236}">
+                <a16:creationId xmlns:a16="http://schemas.microsoft.com/office/drawing/2014/main" id="{F1496BFC-596A-3840-58AD-FCE4E0863FF6}"/>
+              </a:ext>
+            </a:extLst>
+          </p:cNvPr>
+          <p:cNvSpPr/>
+          <p:nvPr/>
+        </p:nvSpPr>
+        <p:spPr>
+          <a:xfrm>
+            <a:off x="6364115" y="2095535"/>
+            <a:ext cx="2668044" cy="291173"/>
+          </a:xfrm>
+          <a:prstGeom prst="roundRect">
+            <a:avLst/>
+          </a:prstGeom>
+        </p:spPr>
+        <p:style>
+          <a:lnRef idx="0">
+            <a:schemeClr val="accent1"/>
+          </a:lnRef>
+          <a:fillRef idx="3">
+            <a:schemeClr val="accent1"/>
+          </a:fillRef>
+          <a:effectRef idx="3">
+            <a:schemeClr val="accent1"/>
+          </a:effectRef>
+          <a:fontRef idx="minor">
+            <a:schemeClr val="lt1"/>
+          </a:fontRef>
+        </p:style>
+        <p:txBody>
+          <a:bodyPr rtlCol="0" anchor="ctr"/>
+          <a:lstStyle/>
+          <a:p>
+            <a:pPr algn="ctr"/>
+            <a:r>
+              <a:rPr lang="en-US" dirty="0" err="1"/>
+              <a:t>AssetObserver</a:t>
+            </a:r>
+            <a:r>
+              <a:rPr lang="en-US" dirty="0"/>
+              <a:t>&lt; </a:t>
+            </a:r>
+            <a:r>
+              <a:rPr lang="en-US" dirty="0" err="1"/>
+              <a:t>tnAsset</a:t>
+            </a:r>
+            <a:r>
+              <a:rPr lang="en-US" dirty="0"/>
+              <a:t> &gt;</a:t>
+            </a:r>
+          </a:p>
+        </p:txBody>
+      </p:sp>
+      <p:cxnSp>
+        <p:nvCxnSpPr>
+          <p:cNvPr id="33" name="Straight Arrow Connector 32">
+            <a:extLst>
+              <a:ext uri="{FF2B5EF4-FFF2-40B4-BE49-F238E27FC236}">
+                <a16:creationId xmlns:a16="http://schemas.microsoft.com/office/drawing/2014/main" id="{33C77421-9C74-63FD-9BC5-9EA83A080BA6}"/>
+              </a:ext>
+            </a:extLst>
+          </p:cNvPr>
+          <p:cNvCxnSpPr>
+            <a:cxnSpLocks/>
+            <a:stCxn id="49" idx="2"/>
+          </p:cNvCxnSpPr>
+          <p:nvPr/>
+        </p:nvCxnSpPr>
+        <p:spPr>
+          <a:xfrm flipH="1">
+            <a:off x="8475399" y="1470828"/>
+            <a:ext cx="631044" cy="616038"/>
+          </a:xfrm>
+          <a:prstGeom prst="straightConnector1">
+            <a:avLst/>
+          </a:prstGeom>
+          <a:ln>
+            <a:prstDash val="dash"/>
+            <a:headEnd type="none" w="med" len="med"/>
+            <a:tailEnd type="arrow" w="med" len="med"/>
+          </a:ln>
+        </p:spPr>
+        <p:style>
+          <a:lnRef idx="3">
+            <a:schemeClr val="accent1"/>
+          </a:lnRef>
+          <a:fillRef idx="0">
+            <a:schemeClr val="accent1"/>
+          </a:fillRef>
+          <a:effectRef idx="2">
+            <a:schemeClr val="accent1"/>
+          </a:effectRef>
+          <a:fontRef idx="minor">
+            <a:schemeClr val="tx1"/>
+          </a:fontRef>
+        </p:style>
+      </p:cxnSp>
+      <p:cxnSp>
+        <p:nvCxnSpPr>
+          <p:cNvPr id="35" name="Straight Arrow Connector 34">
+            <a:extLst>
+              <a:ext uri="{FF2B5EF4-FFF2-40B4-BE49-F238E27FC236}">
+                <a16:creationId xmlns:a16="http://schemas.microsoft.com/office/drawing/2014/main" id="{F3623534-411D-E25E-3503-C6D061B1320E}"/>
+              </a:ext>
+            </a:extLst>
+          </p:cNvPr>
+          <p:cNvCxnSpPr>
+            <a:cxnSpLocks/>
+            <a:stCxn id="49" idx="2"/>
+          </p:cNvCxnSpPr>
+          <p:nvPr/>
+        </p:nvCxnSpPr>
+        <p:spPr>
+          <a:xfrm>
+            <a:off x="9106443" y="1470828"/>
+            <a:ext cx="631044" cy="624707"/>
+          </a:xfrm>
+          <a:prstGeom prst="straightConnector1">
+            <a:avLst/>
+          </a:prstGeom>
+          <a:ln>
+            <a:prstDash val="dash"/>
+            <a:headEnd type="none" w="med" len="med"/>
+            <a:tailEnd type="arrow" w="med" len="med"/>
+          </a:ln>
+        </p:spPr>
+        <p:style>
+          <a:lnRef idx="3">
+            <a:schemeClr val="accent1"/>
+          </a:lnRef>
+          <a:fillRef idx="0">
+            <a:schemeClr val="accent1"/>
+          </a:fillRef>
+          <a:effectRef idx="2">
+            <a:schemeClr val="accent1"/>
+          </a:effectRef>
+          <a:fontRef idx="minor">
+            <a:schemeClr val="tx1"/>
+          </a:fontRef>
+        </p:style>
+      </p:cxnSp>
+      <p:sp>
+        <p:nvSpPr>
+          <p:cNvPr id="46" name="Rectangle: Rounded Corners 45">
+            <a:extLst>
+              <a:ext uri="{FF2B5EF4-FFF2-40B4-BE49-F238E27FC236}">
+                <a16:creationId xmlns:a16="http://schemas.microsoft.com/office/drawing/2014/main" id="{3BAA4C64-0BC4-A1AE-2D00-AEC38A76DBC4}"/>
+              </a:ext>
+            </a:extLst>
+          </p:cNvPr>
+          <p:cNvSpPr/>
+          <p:nvPr/>
+        </p:nvSpPr>
+        <p:spPr>
+          <a:xfrm>
+            <a:off x="7606928" y="1589536"/>
+            <a:ext cx="987487" cy="291173"/>
+          </a:xfrm>
+          <a:prstGeom prst="roundRect">
+            <a:avLst/>
+          </a:prstGeom>
+        </p:spPr>
+        <p:style>
+          <a:lnRef idx="1">
+            <a:schemeClr val="accent1"/>
+          </a:lnRef>
+          <a:fillRef idx="2">
+            <a:schemeClr val="accent1"/>
+          </a:fillRef>
+          <a:effectRef idx="1">
+            <a:schemeClr val="accent1"/>
+          </a:effectRef>
+          <a:fontRef idx="minor">
+            <a:schemeClr val="dk1"/>
+          </a:fontRef>
+        </p:style>
+        <p:txBody>
+          <a:bodyPr rtlCol="0" anchor="ctr"/>
+          <a:lstStyle/>
+          <a:p>
+            <a:pPr algn="ctr"/>
+            <a:r>
+              <a:rPr lang="en-US" sz="1400" dirty="0"/>
+              <a:t>.Observe()</a:t>
+            </a:r>
+          </a:p>
+        </p:txBody>
+      </p:sp>
+      <p:sp>
+        <p:nvSpPr>
+          <p:cNvPr id="47" name="Rectangle: Rounded Corners 46">
+            <a:extLst>
+              <a:ext uri="{FF2B5EF4-FFF2-40B4-BE49-F238E27FC236}">
+                <a16:creationId xmlns:a16="http://schemas.microsoft.com/office/drawing/2014/main" id="{EB7A9D6F-89DC-2474-3811-B5FCC4E02593}"/>
+              </a:ext>
+            </a:extLst>
+          </p:cNvPr>
+          <p:cNvSpPr/>
+          <p:nvPr/>
+        </p:nvSpPr>
+        <p:spPr>
+          <a:xfrm>
+            <a:off x="9620708" y="1589536"/>
+            <a:ext cx="641728" cy="291173"/>
+          </a:xfrm>
+          <a:prstGeom prst="roundRect">
+            <a:avLst/>
+          </a:prstGeom>
+        </p:spPr>
+        <p:style>
+          <a:lnRef idx="1">
+            <a:schemeClr val="accent1"/>
+          </a:lnRef>
+          <a:fillRef idx="2">
+            <a:schemeClr val="accent1"/>
+          </a:fillRef>
+          <a:effectRef idx="1">
+            <a:schemeClr val="accent1"/>
+          </a:effectRef>
+          <a:fontRef idx="minor">
+            <a:schemeClr val="dk1"/>
+          </a:fontRef>
+        </p:style>
+        <p:txBody>
+          <a:bodyPr rtlCol="0" anchor="ctr"/>
+          <a:lstStyle/>
+          <a:p>
+            <a:pPr algn="ctr"/>
+            <a:r>
+              <a:rPr lang="en-US" sz="1400" dirty="0"/>
+              <a:t>.Use()</a:t>
+            </a:r>
+          </a:p>
+        </p:txBody>
+      </p:sp>
+      <p:sp>
+        <p:nvSpPr>
+          <p:cNvPr id="7" name="Rectangle: Rounded Corners 3">
+            <a:extLst>
+              <a:ext uri="{FF2B5EF4-FFF2-40B4-BE49-F238E27FC236}">
+                <a16:creationId xmlns:a16="http://schemas.microsoft.com/office/drawing/2014/main" id="{67F84B00-962E-DE15-4464-21748DEC7603}"/>
+              </a:ext>
+            </a:extLst>
+          </p:cNvPr>
+          <p:cNvSpPr/>
+          <p:nvPr/>
+        </p:nvSpPr>
+        <p:spPr>
+          <a:xfrm>
+            <a:off x="4739951" y="389476"/>
+            <a:ext cx="2712098" cy="582346"/>
+          </a:xfrm>
+          <a:prstGeom prst="roundRect">
+            <a:avLst/>
+          </a:prstGeom>
+        </p:spPr>
+        <p:style>
+          <a:lnRef idx="0">
+            <a:schemeClr val="accent1"/>
+          </a:lnRef>
+          <a:fillRef idx="3">
+            <a:schemeClr val="accent1"/>
+          </a:fillRef>
+          <a:effectRef idx="3">
+            <a:schemeClr val="accent1"/>
+          </a:effectRef>
+          <a:fontRef idx="minor">
+            <a:schemeClr val="lt1"/>
+          </a:fontRef>
+        </p:style>
+        <p:txBody>
+          <a:bodyPr rtlCol="0" anchor="ctr"/>
+          <a:lstStyle/>
+          <a:p>
+            <a:pPr algn="ctr"/>
+            <a:r>
+              <a:rPr lang="en-US" dirty="0"/>
               <a:t>Synchronization</a:t>
             </a:r>
           </a:p>
@@ -7519,7 +8837,7 @@
           <p:cNvPr id="20" name="Prostokąt: zaokrąglone rogi 19">
             <a:extLst>
               <a:ext uri="{FF2B5EF4-FFF2-40B4-BE49-F238E27FC236}">
-                <a16:creationId xmlns:a16="http://schemas.microsoft.com/office/drawing/2014/main" id="{6D35BE75-E2AA-4E05-6BD5-2F27FE44E115}"/>
+                <a16:creationId xmlns:a16="http://schemas.microsoft.com/office/drawing/2014/main" id="{05FEAA22-7D45-1AA8-71E5-73155C542963}"/>
               </a:ext>
             </a:extLst>
           </p:cNvPr>
@@ -7528,8 +8846,8 @@
         </p:nvSpPr>
         <p:spPr>
           <a:xfrm>
-            <a:off x="7563572" y="1465205"/>
-            <a:ext cx="1317466" cy="360747"/>
+            <a:off x="1990625" y="2675868"/>
+            <a:ext cx="2143616" cy="360747"/>
           </a:xfrm>
           <a:prstGeom prst="roundRect">
             <a:avLst/>
@@ -7566,7 +8884,7 @@
           <p:cNvPr id="21" name="Prostokąt: zaokrąglone rogi 20">
             <a:extLst>
               <a:ext uri="{FF2B5EF4-FFF2-40B4-BE49-F238E27FC236}">
-                <a16:creationId xmlns:a16="http://schemas.microsoft.com/office/drawing/2014/main" id="{912EC7EA-FC82-EC0B-4756-0A02D27862F8}"/>
+                <a16:creationId xmlns:a16="http://schemas.microsoft.com/office/drawing/2014/main" id="{FF3FE17A-1407-9982-8858-1A0FF1E22792}"/>
               </a:ext>
             </a:extLst>
           </p:cNvPr>
@@ -7575,8 +8893,8 @@
         </p:nvSpPr>
         <p:spPr>
           <a:xfrm>
-            <a:off x="9155996" y="1465205"/>
-            <a:ext cx="1317466" cy="360747"/>
+            <a:off x="2166706" y="4019274"/>
+            <a:ext cx="1851784" cy="360747"/>
           </a:xfrm>
           <a:prstGeom prst="roundRect">
             <a:avLst/>
@@ -7613,7 +8931,7 @@
           <p:cNvPr id="22" name="Prostokąt: zaokrąglone rogi 21">
             <a:extLst>
               <a:ext uri="{FF2B5EF4-FFF2-40B4-BE49-F238E27FC236}">
-                <a16:creationId xmlns:a16="http://schemas.microsoft.com/office/drawing/2014/main" id="{3BB90B92-4C3B-8A32-48AD-0C693331AE68}"/>
+                <a16:creationId xmlns:a16="http://schemas.microsoft.com/office/drawing/2014/main" id="{231E5F2B-D162-22DE-DDCE-3DAAD86D1E79}"/>
               </a:ext>
             </a:extLst>
           </p:cNvPr>
@@ -7622,8 +8940,8 @@
         </p:nvSpPr>
         <p:spPr>
           <a:xfrm>
-            <a:off x="7563572" y="2040667"/>
-            <a:ext cx="2909887" cy="360747"/>
+            <a:off x="1111251" y="5819065"/>
+            <a:ext cx="4124162" cy="360747"/>
           </a:xfrm>
           <a:prstGeom prst="roundRect">
             <a:avLst/>
@@ -7660,7 +8978,7 @@
           <p:cNvPr id="40" name="Tabela 39">
             <a:extLst>
               <a:ext uri="{FF2B5EF4-FFF2-40B4-BE49-F238E27FC236}">
-                <a16:creationId xmlns:a16="http://schemas.microsoft.com/office/drawing/2014/main" id="{5CAEC3CA-DFF1-04E5-5A19-BD7B29C94EE8}"/>
+                <a16:creationId xmlns:a16="http://schemas.microsoft.com/office/drawing/2014/main" id="{9B76C2DB-7CF3-54A7-F889-E75F23AFCA9C}"/>
               </a:ext>
             </a:extLst>
           </p:cNvPr>
@@ -7670,14 +8988,14 @@
           <p:nvPr>
             <p:extLst>
               <p:ext uri="{D42A27DB-BD31-4B8C-83A1-F6EECF244321}">
-                <p14:modId xmlns:p14="http://schemas.microsoft.com/office/powerpoint/2010/main" val="3966715361"/>
+                <p14:modId xmlns:p14="http://schemas.microsoft.com/office/powerpoint/2010/main" val="1259015543"/>
               </p:ext>
             </p:extLst>
           </p:nvPr>
         </p:nvGraphicFramePr>
         <p:xfrm>
-          <a:off x="6520218" y="2718753"/>
-          <a:ext cx="4995026" cy="3060006"/>
+          <a:off x="6904903" y="3317356"/>
+          <a:ext cx="4403082" cy="3060006"/>
         </p:xfrm>
         <a:graphic>
           <a:graphicData uri="http://schemas.openxmlformats.org/drawingml/2006/table">
@@ -7686,14 +9004,14 @@
                 <a:tableStyleId>{5940675A-B579-460E-94D1-54222C63F5DA}</a:tableStyleId>
               </a:tblPr>
               <a:tblGrid>
-                <a:gridCol w="2497513">
+                <a:gridCol w="2201541">
                   <a:extLst>
                     <a:ext uri="{9D8B030D-6E8A-4147-A177-3AD203B41FA5}">
                       <a16:colId xmlns:a16="http://schemas.microsoft.com/office/drawing/2014/main" val="2271414279"/>
                     </a:ext>
                   </a:extLst>
                 </a:gridCol>
-                <a:gridCol w="2497513">
+                <a:gridCol w="2201541">
                   <a:extLst>
                     <a:ext uri="{9D8B030D-6E8A-4147-A177-3AD203B41FA5}">
                       <a16:colId xmlns:a16="http://schemas.microsoft.com/office/drawing/2014/main" val="1892622944"/>
@@ -7919,10 +9237,1401 @@
           </a:graphicData>
         </a:graphic>
       </p:graphicFrame>
+      <p:sp>
+        <p:nvSpPr>
+          <p:cNvPr id="5" name="Prostokąt: zaokrąglone rogi 4">
+            <a:extLst>
+              <a:ext uri="{FF2B5EF4-FFF2-40B4-BE49-F238E27FC236}">
+                <a16:creationId xmlns:a16="http://schemas.microsoft.com/office/drawing/2014/main" id="{91A2592E-6DB3-3A67-065D-BDBB51DAAB72}"/>
+              </a:ext>
+            </a:extLst>
+          </p:cNvPr>
+          <p:cNvSpPr/>
+          <p:nvPr/>
+        </p:nvSpPr>
+        <p:spPr>
+          <a:xfrm>
+            <a:off x="489839" y="1373579"/>
+            <a:ext cx="1366795" cy="655684"/>
+          </a:xfrm>
+          <a:prstGeom prst="roundRect">
+            <a:avLst/>
+          </a:prstGeom>
+        </p:spPr>
+        <p:style>
+          <a:lnRef idx="0">
+            <a:schemeClr val="accent6"/>
+          </a:lnRef>
+          <a:fillRef idx="3">
+            <a:schemeClr val="accent6"/>
+          </a:fillRef>
+          <a:effectRef idx="3">
+            <a:schemeClr val="accent6"/>
+          </a:effectRef>
+          <a:fontRef idx="minor">
+            <a:schemeClr val="lt1"/>
+          </a:fontRef>
+        </p:style>
+        <p:txBody>
+          <a:bodyPr rtlCol="0" anchor="ctr"/>
+          <a:lstStyle/>
+          <a:p>
+            <a:pPr algn="ctr"/>
+            <a:r>
+              <a:rPr lang="en-US" dirty="0"/>
+              <a:t>Observer constructor</a:t>
+            </a:r>
+          </a:p>
+        </p:txBody>
+      </p:sp>
+      <p:cxnSp>
+        <p:nvCxnSpPr>
+          <p:cNvPr id="8" name="Łącznik prosty ze strzałką 7">
+            <a:extLst>
+              <a:ext uri="{FF2B5EF4-FFF2-40B4-BE49-F238E27FC236}">
+                <a16:creationId xmlns:a16="http://schemas.microsoft.com/office/drawing/2014/main" id="{18DDACD0-C801-EB8C-0B1C-2F7BD6A267C4}"/>
+              </a:ext>
+            </a:extLst>
+          </p:cNvPr>
+          <p:cNvCxnSpPr>
+            <a:cxnSpLocks/>
+          </p:cNvCxnSpPr>
+          <p:nvPr/>
+        </p:nvCxnSpPr>
+        <p:spPr>
+          <a:xfrm>
+            <a:off x="1813615" y="2008768"/>
+            <a:ext cx="367198" cy="665793"/>
+          </a:xfrm>
+          <a:prstGeom prst="straightConnector1">
+            <a:avLst/>
+          </a:prstGeom>
+          <a:ln>
+            <a:tailEnd type="triangle"/>
+          </a:ln>
+        </p:spPr>
+        <p:style>
+          <a:lnRef idx="3">
+            <a:schemeClr val="accent6"/>
+          </a:lnRef>
+          <a:fillRef idx="0">
+            <a:schemeClr val="accent6"/>
+          </a:fillRef>
+          <a:effectRef idx="2">
+            <a:schemeClr val="accent6"/>
+          </a:effectRef>
+          <a:fontRef idx="minor">
+            <a:schemeClr val="tx1"/>
+          </a:fontRef>
+        </p:style>
+      </p:cxnSp>
+      <p:cxnSp>
+        <p:nvCxnSpPr>
+          <p:cNvPr id="11" name="Łącznik prosty ze strzałką 10">
+            <a:extLst>
+              <a:ext uri="{FF2B5EF4-FFF2-40B4-BE49-F238E27FC236}">
+                <a16:creationId xmlns:a16="http://schemas.microsoft.com/office/drawing/2014/main" id="{EF78121E-16CB-1E5E-068D-36E8A889E726}"/>
+              </a:ext>
+            </a:extLst>
+          </p:cNvPr>
+          <p:cNvCxnSpPr>
+            <a:cxnSpLocks/>
+          </p:cNvCxnSpPr>
+          <p:nvPr/>
+        </p:nvCxnSpPr>
+        <p:spPr>
+          <a:xfrm flipH="1">
+            <a:off x="1263931" y="3035961"/>
+            <a:ext cx="902775" cy="1163686"/>
+          </a:xfrm>
+          <a:prstGeom prst="straightConnector1">
+            <a:avLst/>
+          </a:prstGeom>
+          <a:ln>
+            <a:tailEnd type="triangle"/>
+          </a:ln>
+        </p:spPr>
+        <p:style>
+          <a:lnRef idx="3">
+            <a:schemeClr val="accent6"/>
+          </a:lnRef>
+          <a:fillRef idx="0">
+            <a:schemeClr val="accent6"/>
+          </a:fillRef>
+          <a:effectRef idx="2">
+            <a:schemeClr val="accent6"/>
+          </a:effectRef>
+          <a:fontRef idx="minor">
+            <a:schemeClr val="tx1"/>
+          </a:fontRef>
+        </p:style>
+      </p:cxnSp>
+      <p:cxnSp>
+        <p:nvCxnSpPr>
+          <p:cNvPr id="23" name="Łącznik prosty ze strzałką 22">
+            <a:extLst>
+              <a:ext uri="{FF2B5EF4-FFF2-40B4-BE49-F238E27FC236}">
+                <a16:creationId xmlns:a16="http://schemas.microsoft.com/office/drawing/2014/main" id="{D967AE62-E1A0-131C-0E74-54057CEF730C}"/>
+              </a:ext>
+            </a:extLst>
+          </p:cNvPr>
+          <p:cNvCxnSpPr>
+            <a:cxnSpLocks/>
+          </p:cNvCxnSpPr>
+          <p:nvPr/>
+        </p:nvCxnSpPr>
+        <p:spPr>
+          <a:xfrm>
+            <a:off x="1263931" y="4200565"/>
+            <a:ext cx="0" cy="1618500"/>
+          </a:xfrm>
+          <a:prstGeom prst="straightConnector1">
+            <a:avLst/>
+          </a:prstGeom>
+          <a:ln>
+            <a:tailEnd type="triangle"/>
+          </a:ln>
+        </p:spPr>
+        <p:style>
+          <a:lnRef idx="3">
+            <a:schemeClr val="accent6"/>
+          </a:lnRef>
+          <a:fillRef idx="0">
+            <a:schemeClr val="accent6"/>
+          </a:fillRef>
+          <a:effectRef idx="2">
+            <a:schemeClr val="accent6"/>
+          </a:effectRef>
+          <a:fontRef idx="minor">
+            <a:schemeClr val="tx1"/>
+          </a:fontRef>
+        </p:style>
+      </p:cxnSp>
+      <p:cxnSp>
+        <p:nvCxnSpPr>
+          <p:cNvPr id="55" name="Łącznik prosty ze strzałką 54">
+            <a:extLst>
+              <a:ext uri="{FF2B5EF4-FFF2-40B4-BE49-F238E27FC236}">
+                <a16:creationId xmlns:a16="http://schemas.microsoft.com/office/drawing/2014/main" id="{53AEB3C7-B099-78D0-7E9A-30C2549FBC78}"/>
+              </a:ext>
+            </a:extLst>
+          </p:cNvPr>
+          <p:cNvCxnSpPr>
+            <a:cxnSpLocks/>
+          </p:cNvCxnSpPr>
+          <p:nvPr/>
+        </p:nvCxnSpPr>
+        <p:spPr>
+          <a:xfrm flipV="1">
+            <a:off x="1361221" y="5130125"/>
+            <a:ext cx="672543" cy="678042"/>
+          </a:xfrm>
+          <a:prstGeom prst="straightConnector1">
+            <a:avLst/>
+          </a:prstGeom>
+          <a:ln>
+            <a:tailEnd type="triangle"/>
+          </a:ln>
+        </p:spPr>
+        <p:style>
+          <a:lnRef idx="3">
+            <a:schemeClr val="accent6"/>
+          </a:lnRef>
+          <a:fillRef idx="0">
+            <a:schemeClr val="accent6"/>
+          </a:fillRef>
+          <a:effectRef idx="2">
+            <a:schemeClr val="accent6"/>
+          </a:effectRef>
+          <a:fontRef idx="minor">
+            <a:schemeClr val="tx1"/>
+          </a:fontRef>
+        </p:style>
+      </p:cxnSp>
+      <p:cxnSp>
+        <p:nvCxnSpPr>
+          <p:cNvPr id="57" name="Łącznik prosty ze strzałką 56">
+            <a:extLst>
+              <a:ext uri="{FF2B5EF4-FFF2-40B4-BE49-F238E27FC236}">
+                <a16:creationId xmlns:a16="http://schemas.microsoft.com/office/drawing/2014/main" id="{27F9A589-51A5-3F2B-BCCB-A2ED878A2281}"/>
+              </a:ext>
+            </a:extLst>
+          </p:cNvPr>
+          <p:cNvCxnSpPr>
+            <a:cxnSpLocks/>
+          </p:cNvCxnSpPr>
+          <p:nvPr/>
+        </p:nvCxnSpPr>
+        <p:spPr>
+          <a:xfrm flipH="1" flipV="1">
+            <a:off x="1811593" y="4199647"/>
+            <a:ext cx="225131" cy="930478"/>
+          </a:xfrm>
+          <a:prstGeom prst="straightConnector1">
+            <a:avLst/>
+          </a:prstGeom>
+          <a:ln>
+            <a:tailEnd type="triangle"/>
+          </a:ln>
+        </p:spPr>
+        <p:style>
+          <a:lnRef idx="3">
+            <a:schemeClr val="accent6"/>
+          </a:lnRef>
+          <a:fillRef idx="0">
+            <a:schemeClr val="accent6"/>
+          </a:fillRef>
+          <a:effectRef idx="2">
+            <a:schemeClr val="accent6"/>
+          </a:effectRef>
+          <a:fontRef idx="minor">
+            <a:schemeClr val="tx1"/>
+          </a:fontRef>
+        </p:style>
+      </p:cxnSp>
+      <p:cxnSp>
+        <p:nvCxnSpPr>
+          <p:cNvPr id="59" name="Łącznik prosty ze strzałką 58">
+            <a:extLst>
+              <a:ext uri="{FF2B5EF4-FFF2-40B4-BE49-F238E27FC236}">
+                <a16:creationId xmlns:a16="http://schemas.microsoft.com/office/drawing/2014/main" id="{51D4B5D6-D7AA-4450-2AB6-04C1D5FE8F6F}"/>
+              </a:ext>
+            </a:extLst>
+          </p:cNvPr>
+          <p:cNvCxnSpPr>
+            <a:cxnSpLocks/>
+          </p:cNvCxnSpPr>
+          <p:nvPr/>
+        </p:nvCxnSpPr>
+        <p:spPr>
+          <a:xfrm flipV="1">
+            <a:off x="1811593" y="3596481"/>
+            <a:ext cx="622045" cy="603166"/>
+          </a:xfrm>
+          <a:prstGeom prst="straightConnector1">
+            <a:avLst/>
+          </a:prstGeom>
+          <a:ln>
+            <a:tailEnd type="triangle"/>
+          </a:ln>
+        </p:spPr>
+        <p:style>
+          <a:lnRef idx="3">
+            <a:schemeClr val="accent6"/>
+          </a:lnRef>
+          <a:fillRef idx="0">
+            <a:schemeClr val="accent6"/>
+          </a:fillRef>
+          <a:effectRef idx="2">
+            <a:schemeClr val="accent6"/>
+          </a:effectRef>
+          <a:fontRef idx="minor">
+            <a:schemeClr val="tx1"/>
+          </a:fontRef>
+        </p:style>
+      </p:cxnSp>
+      <p:cxnSp>
+        <p:nvCxnSpPr>
+          <p:cNvPr id="61" name="Łącznik prosty ze strzałką 60">
+            <a:extLst>
+              <a:ext uri="{FF2B5EF4-FFF2-40B4-BE49-F238E27FC236}">
+                <a16:creationId xmlns:a16="http://schemas.microsoft.com/office/drawing/2014/main" id="{1FBADFE4-2252-8725-FE83-2C5A5C8CEBBE}"/>
+              </a:ext>
+            </a:extLst>
+          </p:cNvPr>
+          <p:cNvCxnSpPr/>
+          <p:nvPr/>
+        </p:nvCxnSpPr>
+        <p:spPr>
+          <a:xfrm flipV="1">
+            <a:off x="2450786" y="3035961"/>
+            <a:ext cx="0" cy="529003"/>
+          </a:xfrm>
+          <a:prstGeom prst="straightConnector1">
+            <a:avLst/>
+          </a:prstGeom>
+          <a:ln>
+            <a:tailEnd type="triangle"/>
+          </a:ln>
+        </p:spPr>
+        <p:style>
+          <a:lnRef idx="3">
+            <a:schemeClr val="accent6"/>
+          </a:lnRef>
+          <a:fillRef idx="0">
+            <a:schemeClr val="accent6"/>
+          </a:fillRef>
+          <a:effectRef idx="2">
+            <a:schemeClr val="accent6"/>
+          </a:effectRef>
+          <a:fontRef idx="minor">
+            <a:schemeClr val="tx1"/>
+          </a:fontRef>
+        </p:style>
+      </p:cxnSp>
+      <p:cxnSp>
+        <p:nvCxnSpPr>
+          <p:cNvPr id="76" name="Łącznik prosty ze strzałką 75">
+            <a:extLst>
+              <a:ext uri="{FF2B5EF4-FFF2-40B4-BE49-F238E27FC236}">
+                <a16:creationId xmlns:a16="http://schemas.microsoft.com/office/drawing/2014/main" id="{FFB796AF-01E9-3B47-6B70-1EE5CA070405}"/>
+              </a:ext>
+            </a:extLst>
+          </p:cNvPr>
+          <p:cNvCxnSpPr>
+            <a:cxnSpLocks/>
+          </p:cNvCxnSpPr>
+          <p:nvPr/>
+        </p:nvCxnSpPr>
+        <p:spPr>
+          <a:xfrm flipV="1">
+            <a:off x="2053873" y="4380021"/>
+            <a:ext cx="396913" cy="719522"/>
+          </a:xfrm>
+          <a:prstGeom prst="straightConnector1">
+            <a:avLst/>
+          </a:prstGeom>
+          <a:ln>
+            <a:prstDash val="dash"/>
+            <a:tailEnd type="triangle"/>
+          </a:ln>
+        </p:spPr>
+        <p:style>
+          <a:lnRef idx="3">
+            <a:schemeClr val="accent6"/>
+          </a:lnRef>
+          <a:fillRef idx="0">
+            <a:schemeClr val="accent6"/>
+          </a:fillRef>
+          <a:effectRef idx="2">
+            <a:schemeClr val="accent6"/>
+          </a:effectRef>
+          <a:fontRef idx="minor">
+            <a:schemeClr val="tx1"/>
+          </a:fontRef>
+        </p:style>
+      </p:cxnSp>
+      <p:cxnSp>
+        <p:nvCxnSpPr>
+          <p:cNvPr id="78" name="Łącznik prosty ze strzałką 77">
+            <a:extLst>
+              <a:ext uri="{FF2B5EF4-FFF2-40B4-BE49-F238E27FC236}">
+                <a16:creationId xmlns:a16="http://schemas.microsoft.com/office/drawing/2014/main" id="{4D95AD7F-2DD6-3BD8-DBC8-D306CED70357}"/>
+              </a:ext>
+            </a:extLst>
+          </p:cNvPr>
+          <p:cNvCxnSpPr>
+            <a:cxnSpLocks/>
+          </p:cNvCxnSpPr>
+          <p:nvPr/>
+        </p:nvCxnSpPr>
+        <p:spPr>
+          <a:xfrm flipV="1">
+            <a:off x="2450786" y="3596481"/>
+            <a:ext cx="0" cy="422793"/>
+          </a:xfrm>
+          <a:prstGeom prst="straightConnector1">
+            <a:avLst/>
+          </a:prstGeom>
+          <a:ln>
+            <a:prstDash val="dash"/>
+            <a:tailEnd type="triangle"/>
+          </a:ln>
+        </p:spPr>
+        <p:style>
+          <a:lnRef idx="3">
+            <a:schemeClr val="accent6"/>
+          </a:lnRef>
+          <a:fillRef idx="0">
+            <a:schemeClr val="accent6"/>
+          </a:fillRef>
+          <a:effectRef idx="2">
+            <a:schemeClr val="accent6"/>
+          </a:effectRef>
+          <a:fontRef idx="minor">
+            <a:schemeClr val="tx1"/>
+          </a:fontRef>
+        </p:style>
+      </p:cxnSp>
+      <p:sp>
+        <p:nvSpPr>
+          <p:cNvPr id="86" name="Prostokąt: zaokrąglone rogi 85">
+            <a:extLst>
+              <a:ext uri="{FF2B5EF4-FFF2-40B4-BE49-F238E27FC236}">
+                <a16:creationId xmlns:a16="http://schemas.microsoft.com/office/drawing/2014/main" id="{36F31DE1-EE6E-CD8D-E09A-D9A409456634}"/>
+              </a:ext>
+            </a:extLst>
+          </p:cNvPr>
+          <p:cNvSpPr/>
+          <p:nvPr/>
+        </p:nvSpPr>
+        <p:spPr>
+          <a:xfrm>
+            <a:off x="2255097" y="1416543"/>
+            <a:ext cx="2335181" cy="403767"/>
+          </a:xfrm>
+          <a:prstGeom prst="roundRect">
+            <a:avLst/>
+          </a:prstGeom>
+        </p:spPr>
+        <p:style>
+          <a:lnRef idx="1">
+            <a:schemeClr val="accent6"/>
+          </a:lnRef>
+          <a:fillRef idx="2">
+            <a:schemeClr val="accent6"/>
+          </a:fillRef>
+          <a:effectRef idx="1">
+            <a:schemeClr val="accent6"/>
+          </a:effectRef>
+          <a:fontRef idx="minor">
+            <a:schemeClr val="dk1"/>
+          </a:fontRef>
+        </p:style>
+        <p:txBody>
+          <a:bodyPr rtlCol="0" anchor="ctr"/>
+          <a:lstStyle/>
+          <a:p>
+            <a:pPr algn="ctr"/>
+            <a:r>
+              <a:rPr lang="en-US" dirty="0"/>
+              <a:t>Observing</a:t>
+            </a:r>
+          </a:p>
+        </p:txBody>
+      </p:sp>
+      <p:cxnSp>
+        <p:nvCxnSpPr>
+          <p:cNvPr id="87" name="Łącznik prosty ze strzałką 86">
+            <a:extLst>
+              <a:ext uri="{FF2B5EF4-FFF2-40B4-BE49-F238E27FC236}">
+                <a16:creationId xmlns:a16="http://schemas.microsoft.com/office/drawing/2014/main" id="{5881CDA8-706E-AFDF-8700-116917FB122F}"/>
+              </a:ext>
+            </a:extLst>
+          </p:cNvPr>
+          <p:cNvCxnSpPr>
+            <a:cxnSpLocks/>
+          </p:cNvCxnSpPr>
+          <p:nvPr/>
+        </p:nvCxnSpPr>
+        <p:spPr>
+          <a:xfrm flipV="1">
+            <a:off x="2456822" y="1826660"/>
+            <a:ext cx="0" cy="837328"/>
+          </a:xfrm>
+          <a:prstGeom prst="straightConnector1">
+            <a:avLst/>
+          </a:prstGeom>
+          <a:ln>
+            <a:tailEnd type="triangle"/>
+          </a:ln>
+        </p:spPr>
+        <p:style>
+          <a:lnRef idx="3">
+            <a:schemeClr val="accent6"/>
+          </a:lnRef>
+          <a:fillRef idx="0">
+            <a:schemeClr val="accent6"/>
+          </a:fillRef>
+          <a:effectRef idx="2">
+            <a:schemeClr val="accent6"/>
+          </a:effectRef>
+          <a:fontRef idx="minor">
+            <a:schemeClr val="tx1"/>
+          </a:fontRef>
+        </p:style>
+      </p:cxnSp>
+      <p:cxnSp>
+        <p:nvCxnSpPr>
+          <p:cNvPr id="91" name="Łącznik prosty ze strzałką 90">
+            <a:extLst>
+              <a:ext uri="{FF2B5EF4-FFF2-40B4-BE49-F238E27FC236}">
+                <a16:creationId xmlns:a16="http://schemas.microsoft.com/office/drawing/2014/main" id="{4DCC9B42-3178-C128-1853-37C9471EB5D3}"/>
+              </a:ext>
+            </a:extLst>
+          </p:cNvPr>
+          <p:cNvCxnSpPr>
+            <a:cxnSpLocks/>
+          </p:cNvCxnSpPr>
+          <p:nvPr/>
+        </p:nvCxnSpPr>
+        <p:spPr>
+          <a:xfrm>
+            <a:off x="5085283" y="4153420"/>
+            <a:ext cx="0" cy="1655267"/>
+          </a:xfrm>
+          <a:prstGeom prst="straightConnector1">
+            <a:avLst/>
+          </a:prstGeom>
+          <a:ln>
+            <a:tailEnd type="triangle"/>
+          </a:ln>
+        </p:spPr>
+        <p:style>
+          <a:lnRef idx="3">
+            <a:schemeClr val="accent6"/>
+          </a:lnRef>
+          <a:fillRef idx="0">
+            <a:schemeClr val="accent6"/>
+          </a:fillRef>
+          <a:effectRef idx="2">
+            <a:schemeClr val="accent6"/>
+          </a:effectRef>
+          <a:fontRef idx="minor">
+            <a:schemeClr val="tx1"/>
+          </a:fontRef>
+        </p:style>
+      </p:cxnSp>
+      <p:cxnSp>
+        <p:nvCxnSpPr>
+          <p:cNvPr id="95" name="Łącznik prosty ze strzałką 94">
+            <a:extLst>
+              <a:ext uri="{FF2B5EF4-FFF2-40B4-BE49-F238E27FC236}">
+                <a16:creationId xmlns:a16="http://schemas.microsoft.com/office/drawing/2014/main" id="{0585CF5E-A744-D917-3A7E-922FD29F107F}"/>
+              </a:ext>
+            </a:extLst>
+          </p:cNvPr>
+          <p:cNvCxnSpPr>
+            <a:cxnSpLocks/>
+          </p:cNvCxnSpPr>
+          <p:nvPr/>
+        </p:nvCxnSpPr>
+        <p:spPr>
+          <a:xfrm flipH="1" flipV="1">
+            <a:off x="4330700" y="5182306"/>
+            <a:ext cx="638312" cy="625861"/>
+          </a:xfrm>
+          <a:prstGeom prst="straightConnector1">
+            <a:avLst/>
+          </a:prstGeom>
+          <a:ln>
+            <a:tailEnd type="triangle"/>
+          </a:ln>
+        </p:spPr>
+        <p:style>
+          <a:lnRef idx="3">
+            <a:schemeClr val="accent6"/>
+          </a:lnRef>
+          <a:fillRef idx="0">
+            <a:schemeClr val="accent6"/>
+          </a:fillRef>
+          <a:effectRef idx="2">
+            <a:schemeClr val="accent6"/>
+          </a:effectRef>
+          <a:fontRef idx="minor">
+            <a:schemeClr val="tx1"/>
+          </a:fontRef>
+        </p:style>
+      </p:cxnSp>
+      <p:cxnSp>
+        <p:nvCxnSpPr>
+          <p:cNvPr id="96" name="Łącznik prosty ze strzałką 95">
+            <a:extLst>
+              <a:ext uri="{FF2B5EF4-FFF2-40B4-BE49-F238E27FC236}">
+                <a16:creationId xmlns:a16="http://schemas.microsoft.com/office/drawing/2014/main" id="{976B2C71-8F0B-6B9E-2528-41939295E856}"/>
+              </a:ext>
+            </a:extLst>
+          </p:cNvPr>
+          <p:cNvCxnSpPr>
+            <a:cxnSpLocks/>
+          </p:cNvCxnSpPr>
+          <p:nvPr/>
+        </p:nvCxnSpPr>
+        <p:spPr>
+          <a:xfrm flipV="1">
+            <a:off x="4362840" y="4238423"/>
+            <a:ext cx="172266" cy="943883"/>
+          </a:xfrm>
+          <a:prstGeom prst="straightConnector1">
+            <a:avLst/>
+          </a:prstGeom>
+          <a:ln>
+            <a:tailEnd type="triangle"/>
+          </a:ln>
+        </p:spPr>
+        <p:style>
+          <a:lnRef idx="3">
+            <a:schemeClr val="accent6"/>
+          </a:lnRef>
+          <a:fillRef idx="0">
+            <a:schemeClr val="accent6"/>
+          </a:fillRef>
+          <a:effectRef idx="2">
+            <a:schemeClr val="accent6"/>
+          </a:effectRef>
+          <a:fontRef idx="minor">
+            <a:schemeClr val="tx1"/>
+          </a:fontRef>
+        </p:style>
+      </p:cxnSp>
+      <p:cxnSp>
+        <p:nvCxnSpPr>
+          <p:cNvPr id="97" name="Łącznik prosty ze strzałką 96">
+            <a:extLst>
+              <a:ext uri="{FF2B5EF4-FFF2-40B4-BE49-F238E27FC236}">
+                <a16:creationId xmlns:a16="http://schemas.microsoft.com/office/drawing/2014/main" id="{088525AB-0CAB-48C0-2312-5F4CEDF49C85}"/>
+              </a:ext>
+            </a:extLst>
+          </p:cNvPr>
+          <p:cNvCxnSpPr>
+            <a:cxnSpLocks/>
+            <a:endCxn id="103" idx="2"/>
+          </p:cNvCxnSpPr>
+          <p:nvPr/>
+        </p:nvCxnSpPr>
+        <p:spPr>
+          <a:xfrm flipH="1" flipV="1">
+            <a:off x="4120277" y="3698847"/>
+            <a:ext cx="414829" cy="539576"/>
+          </a:xfrm>
+          <a:prstGeom prst="straightConnector1">
+            <a:avLst/>
+          </a:prstGeom>
+          <a:ln>
+            <a:tailEnd type="triangle"/>
+          </a:ln>
+        </p:spPr>
+        <p:style>
+          <a:lnRef idx="3">
+            <a:schemeClr val="accent6"/>
+          </a:lnRef>
+          <a:fillRef idx="0">
+            <a:schemeClr val="accent6"/>
+          </a:fillRef>
+          <a:effectRef idx="2">
+            <a:schemeClr val="accent6"/>
+          </a:effectRef>
+          <a:fontRef idx="minor">
+            <a:schemeClr val="tx1"/>
+          </a:fontRef>
+        </p:style>
+      </p:cxnSp>
+      <p:cxnSp>
+        <p:nvCxnSpPr>
+          <p:cNvPr id="98" name="Łącznik prosty ze strzałką 97">
+            <a:extLst>
+              <a:ext uri="{FF2B5EF4-FFF2-40B4-BE49-F238E27FC236}">
+                <a16:creationId xmlns:a16="http://schemas.microsoft.com/office/drawing/2014/main" id="{9F091C5C-6F9C-F730-7B98-58037DC33DA3}"/>
+              </a:ext>
+            </a:extLst>
+          </p:cNvPr>
+          <p:cNvCxnSpPr>
+            <a:cxnSpLocks/>
+          </p:cNvCxnSpPr>
+          <p:nvPr/>
+        </p:nvCxnSpPr>
+        <p:spPr>
+          <a:xfrm flipH="1" flipV="1">
+            <a:off x="3832240" y="4390919"/>
+            <a:ext cx="498460" cy="791387"/>
+          </a:xfrm>
+          <a:prstGeom prst="straightConnector1">
+            <a:avLst/>
+          </a:prstGeom>
+          <a:ln>
+            <a:prstDash val="dash"/>
+            <a:tailEnd type="triangle"/>
+          </a:ln>
+        </p:spPr>
+        <p:style>
+          <a:lnRef idx="3">
+            <a:schemeClr val="accent6"/>
+          </a:lnRef>
+          <a:fillRef idx="0">
+            <a:schemeClr val="accent6"/>
+          </a:fillRef>
+          <a:effectRef idx="2">
+            <a:schemeClr val="accent6"/>
+          </a:effectRef>
+          <a:fontRef idx="minor">
+            <a:schemeClr val="tx1"/>
+          </a:fontRef>
+        </p:style>
+      </p:cxnSp>
+      <p:cxnSp>
+        <p:nvCxnSpPr>
+          <p:cNvPr id="99" name="Łącznik prosty ze strzałką 98">
+            <a:extLst>
+              <a:ext uri="{FF2B5EF4-FFF2-40B4-BE49-F238E27FC236}">
+                <a16:creationId xmlns:a16="http://schemas.microsoft.com/office/drawing/2014/main" id="{38EA0E44-53B0-3047-9488-AC8F1B2A51E7}"/>
+              </a:ext>
+            </a:extLst>
+          </p:cNvPr>
+          <p:cNvCxnSpPr>
+            <a:cxnSpLocks/>
+            <a:endCxn id="103" idx="2"/>
+          </p:cNvCxnSpPr>
+          <p:nvPr/>
+        </p:nvCxnSpPr>
+        <p:spPr>
+          <a:xfrm flipV="1">
+            <a:off x="3832240" y="3698847"/>
+            <a:ext cx="288037" cy="331325"/>
+          </a:xfrm>
+          <a:prstGeom prst="straightConnector1">
+            <a:avLst/>
+          </a:prstGeom>
+          <a:ln>
+            <a:prstDash val="dash"/>
+            <a:tailEnd type="triangle"/>
+          </a:ln>
+        </p:spPr>
+        <p:style>
+          <a:lnRef idx="3">
+            <a:schemeClr val="accent6"/>
+          </a:lnRef>
+          <a:fillRef idx="0">
+            <a:schemeClr val="accent6"/>
+          </a:fillRef>
+          <a:effectRef idx="2">
+            <a:schemeClr val="accent6"/>
+          </a:effectRef>
+          <a:fontRef idx="minor">
+            <a:schemeClr val="tx1"/>
+          </a:fontRef>
+        </p:style>
+      </p:cxnSp>
+      <p:sp>
+        <p:nvSpPr>
+          <p:cNvPr id="103" name="Prostokąt: zaokrąglone rogi 102">
+            <a:extLst>
+              <a:ext uri="{FF2B5EF4-FFF2-40B4-BE49-F238E27FC236}">
+                <a16:creationId xmlns:a16="http://schemas.microsoft.com/office/drawing/2014/main" id="{99E78C9D-FABC-6D42-8A44-48D5E654AE3C}"/>
+              </a:ext>
+            </a:extLst>
+          </p:cNvPr>
+          <p:cNvSpPr/>
+          <p:nvPr/>
+        </p:nvSpPr>
+        <p:spPr>
+          <a:xfrm>
+            <a:off x="3796622" y="3295080"/>
+            <a:ext cx="647309" cy="403767"/>
+          </a:xfrm>
+          <a:prstGeom prst="roundRect">
+            <a:avLst/>
+          </a:prstGeom>
+        </p:spPr>
+        <p:style>
+          <a:lnRef idx="0">
+            <a:schemeClr val="accent6"/>
+          </a:lnRef>
+          <a:fillRef idx="3">
+            <a:schemeClr val="accent6"/>
+          </a:fillRef>
+          <a:effectRef idx="3">
+            <a:schemeClr val="accent6"/>
+          </a:effectRef>
+          <a:fontRef idx="minor">
+            <a:schemeClr val="lt1"/>
+          </a:fontRef>
+        </p:style>
+        <p:txBody>
+          <a:bodyPr rtlCol="0" anchor="ctr"/>
+          <a:lstStyle/>
+          <a:p>
+            <a:pPr algn="ctr"/>
+            <a:r>
+              <a:rPr lang="en-US" dirty="0"/>
+              <a:t>End</a:t>
+            </a:r>
+          </a:p>
+        </p:txBody>
+      </p:sp>
+      <p:sp>
+        <p:nvSpPr>
+          <p:cNvPr id="104" name="Prostokąt: zaokrąglone rogi 103">
+            <a:extLst>
+              <a:ext uri="{FF2B5EF4-FFF2-40B4-BE49-F238E27FC236}">
+                <a16:creationId xmlns:a16="http://schemas.microsoft.com/office/drawing/2014/main" id="{7092512B-A66C-FA80-869C-3C4D2A134D0F}"/>
+              </a:ext>
+            </a:extLst>
+          </p:cNvPr>
+          <p:cNvSpPr/>
+          <p:nvPr/>
+        </p:nvSpPr>
+        <p:spPr>
+          <a:xfrm>
+            <a:off x="4797211" y="1407280"/>
+            <a:ext cx="1343237" cy="655684"/>
+          </a:xfrm>
+          <a:prstGeom prst="roundRect">
+            <a:avLst/>
+          </a:prstGeom>
+        </p:spPr>
+        <p:style>
+          <a:lnRef idx="0">
+            <a:schemeClr val="accent2"/>
+          </a:lnRef>
+          <a:fillRef idx="3">
+            <a:schemeClr val="accent2"/>
+          </a:fillRef>
+          <a:effectRef idx="3">
+            <a:schemeClr val="accent2"/>
+          </a:effectRef>
+          <a:fontRef idx="minor">
+            <a:schemeClr val="lt1"/>
+          </a:fontRef>
+        </p:style>
+        <p:txBody>
+          <a:bodyPr rtlCol="0" anchor="ctr"/>
+          <a:lstStyle/>
+          <a:p>
+            <a:pPr algn="ctr"/>
+            <a:r>
+              <a:rPr lang="en-US" dirty="0"/>
+              <a:t>User constructor</a:t>
+            </a:r>
+          </a:p>
+        </p:txBody>
+      </p:sp>
+      <p:cxnSp>
+        <p:nvCxnSpPr>
+          <p:cNvPr id="106" name="Łącznik prosty ze strzałką 105">
+            <a:extLst>
+              <a:ext uri="{FF2B5EF4-FFF2-40B4-BE49-F238E27FC236}">
+                <a16:creationId xmlns:a16="http://schemas.microsoft.com/office/drawing/2014/main" id="{85C4BAFC-FD3D-F9FC-3C4F-FF58B9880C5A}"/>
+              </a:ext>
+            </a:extLst>
+          </p:cNvPr>
+          <p:cNvCxnSpPr>
+            <a:cxnSpLocks/>
+          </p:cNvCxnSpPr>
+          <p:nvPr/>
+        </p:nvCxnSpPr>
+        <p:spPr>
+          <a:xfrm flipH="1">
+            <a:off x="2783183" y="1984985"/>
+            <a:ext cx="2014029" cy="673336"/>
+          </a:xfrm>
+          <a:prstGeom prst="straightConnector1">
+            <a:avLst/>
+          </a:prstGeom>
+          <a:ln>
+            <a:tailEnd type="triangle"/>
+          </a:ln>
+        </p:spPr>
+        <p:style>
+          <a:lnRef idx="3">
+            <a:schemeClr val="accent2"/>
+          </a:lnRef>
+          <a:fillRef idx="0">
+            <a:schemeClr val="accent2"/>
+          </a:fillRef>
+          <a:effectRef idx="2">
+            <a:schemeClr val="accent2"/>
+          </a:effectRef>
+          <a:fontRef idx="minor">
+            <a:schemeClr val="tx1"/>
+          </a:fontRef>
+        </p:style>
+      </p:cxnSp>
+      <p:cxnSp>
+        <p:nvCxnSpPr>
+          <p:cNvPr id="108" name="Łącznik prosty ze strzałką 107">
+            <a:extLst>
+              <a:ext uri="{FF2B5EF4-FFF2-40B4-BE49-F238E27FC236}">
+                <a16:creationId xmlns:a16="http://schemas.microsoft.com/office/drawing/2014/main" id="{B300A2BC-F5AA-64F6-0744-86C25D6EACDF}"/>
+              </a:ext>
+            </a:extLst>
+          </p:cNvPr>
+          <p:cNvCxnSpPr>
+            <a:cxnSpLocks/>
+          </p:cNvCxnSpPr>
+          <p:nvPr/>
+        </p:nvCxnSpPr>
+        <p:spPr>
+          <a:xfrm>
+            <a:off x="2775290" y="3034813"/>
+            <a:ext cx="7893" cy="973563"/>
+          </a:xfrm>
+          <a:prstGeom prst="straightConnector1">
+            <a:avLst/>
+          </a:prstGeom>
+          <a:ln>
+            <a:tailEnd type="triangle"/>
+          </a:ln>
+        </p:spPr>
+        <p:style>
+          <a:lnRef idx="3">
+            <a:schemeClr val="accent2"/>
+          </a:lnRef>
+          <a:fillRef idx="0">
+            <a:schemeClr val="accent2"/>
+          </a:fillRef>
+          <a:effectRef idx="2">
+            <a:schemeClr val="accent2"/>
+          </a:effectRef>
+          <a:fontRef idx="minor">
+            <a:schemeClr val="tx1"/>
+          </a:fontRef>
+        </p:style>
+      </p:cxnSp>
+      <p:sp>
+        <p:nvSpPr>
+          <p:cNvPr id="112" name="Prostokąt: zaokrąglone rogi 111">
+            <a:extLst>
+              <a:ext uri="{FF2B5EF4-FFF2-40B4-BE49-F238E27FC236}">
+                <a16:creationId xmlns:a16="http://schemas.microsoft.com/office/drawing/2014/main" id="{249C346F-10BA-C44A-33B6-366BB587BB83}"/>
+              </a:ext>
+            </a:extLst>
+          </p:cNvPr>
+          <p:cNvSpPr/>
+          <p:nvPr/>
+        </p:nvSpPr>
+        <p:spPr>
+          <a:xfrm>
+            <a:off x="2720087" y="5037690"/>
+            <a:ext cx="784275" cy="403767"/>
+          </a:xfrm>
+          <a:prstGeom prst="roundRect">
+            <a:avLst/>
+          </a:prstGeom>
+        </p:spPr>
+        <p:style>
+          <a:lnRef idx="1">
+            <a:schemeClr val="accent2"/>
+          </a:lnRef>
+          <a:fillRef idx="2">
+            <a:schemeClr val="accent2"/>
+          </a:fillRef>
+          <a:effectRef idx="1">
+            <a:schemeClr val="accent2"/>
+          </a:effectRef>
+          <a:fontRef idx="minor">
+            <a:schemeClr val="dk1"/>
+          </a:fontRef>
+        </p:style>
+        <p:txBody>
+          <a:bodyPr rtlCol="0" anchor="ctr"/>
+          <a:lstStyle/>
+          <a:p>
+            <a:pPr algn="ctr"/>
+            <a:r>
+              <a:rPr lang="en-US" dirty="0"/>
+              <a:t>Using</a:t>
+            </a:r>
+          </a:p>
+        </p:txBody>
+      </p:sp>
+      <p:cxnSp>
+        <p:nvCxnSpPr>
+          <p:cNvPr id="125" name="Łącznik prosty ze strzałką 124">
+            <a:extLst>
+              <a:ext uri="{FF2B5EF4-FFF2-40B4-BE49-F238E27FC236}">
+                <a16:creationId xmlns:a16="http://schemas.microsoft.com/office/drawing/2014/main" id="{ED9221AD-34D7-5E50-1BBE-C9B88EDD5E6F}"/>
+              </a:ext>
+            </a:extLst>
+          </p:cNvPr>
+          <p:cNvCxnSpPr>
+            <a:cxnSpLocks/>
+            <a:endCxn id="112" idx="0"/>
+          </p:cNvCxnSpPr>
+          <p:nvPr/>
+        </p:nvCxnSpPr>
+        <p:spPr>
+          <a:xfrm>
+            <a:off x="2767397" y="4371975"/>
+            <a:ext cx="344828" cy="665715"/>
+          </a:xfrm>
+          <a:prstGeom prst="straightConnector1">
+            <a:avLst/>
+          </a:prstGeom>
+          <a:ln>
+            <a:tailEnd type="triangle"/>
+          </a:ln>
+        </p:spPr>
+        <p:style>
+          <a:lnRef idx="3">
+            <a:schemeClr val="accent2"/>
+          </a:lnRef>
+          <a:fillRef idx="0">
+            <a:schemeClr val="accent2"/>
+          </a:fillRef>
+          <a:effectRef idx="2">
+            <a:schemeClr val="accent2"/>
+          </a:effectRef>
+          <a:fontRef idx="minor">
+            <a:schemeClr val="tx1"/>
+          </a:fontRef>
+        </p:style>
+      </p:cxnSp>
+      <p:cxnSp>
+        <p:nvCxnSpPr>
+          <p:cNvPr id="127" name="Łącznik prosty ze strzałką 126">
+            <a:extLst>
+              <a:ext uri="{FF2B5EF4-FFF2-40B4-BE49-F238E27FC236}">
+                <a16:creationId xmlns:a16="http://schemas.microsoft.com/office/drawing/2014/main" id="{81D2EB34-285C-2B4B-759D-EC150E10B312}"/>
+              </a:ext>
+            </a:extLst>
+          </p:cNvPr>
+          <p:cNvCxnSpPr>
+            <a:cxnSpLocks/>
+            <a:stCxn id="112" idx="0"/>
+          </p:cNvCxnSpPr>
+          <p:nvPr/>
+        </p:nvCxnSpPr>
+        <p:spPr>
+          <a:xfrm flipV="1">
+            <a:off x="3112225" y="4390919"/>
+            <a:ext cx="177075" cy="646771"/>
+          </a:xfrm>
+          <a:prstGeom prst="straightConnector1">
+            <a:avLst/>
+          </a:prstGeom>
+          <a:ln>
+            <a:tailEnd type="triangle"/>
+          </a:ln>
+        </p:spPr>
+        <p:style>
+          <a:lnRef idx="3">
+            <a:schemeClr val="accent2"/>
+          </a:lnRef>
+          <a:fillRef idx="0">
+            <a:schemeClr val="accent2"/>
+          </a:fillRef>
+          <a:effectRef idx="2">
+            <a:schemeClr val="accent2"/>
+          </a:effectRef>
+          <a:fontRef idx="minor">
+            <a:schemeClr val="tx1"/>
+          </a:fontRef>
+        </p:style>
+      </p:cxnSp>
+      <p:cxnSp>
+        <p:nvCxnSpPr>
+          <p:cNvPr id="131" name="Łącznik prosty ze strzałką 130">
+            <a:extLst>
+              <a:ext uri="{FF2B5EF4-FFF2-40B4-BE49-F238E27FC236}">
+                <a16:creationId xmlns:a16="http://schemas.microsoft.com/office/drawing/2014/main" id="{8C37F702-4EE0-4F21-55E6-716A66807B7A}"/>
+              </a:ext>
+            </a:extLst>
+          </p:cNvPr>
+          <p:cNvCxnSpPr>
+            <a:cxnSpLocks/>
+          </p:cNvCxnSpPr>
+          <p:nvPr/>
+        </p:nvCxnSpPr>
+        <p:spPr>
+          <a:xfrm flipV="1">
+            <a:off x="3289300" y="3032820"/>
+            <a:ext cx="289263" cy="980491"/>
+          </a:xfrm>
+          <a:prstGeom prst="straightConnector1">
+            <a:avLst/>
+          </a:prstGeom>
+          <a:ln>
+            <a:tailEnd type="triangle"/>
+          </a:ln>
+        </p:spPr>
+        <p:style>
+          <a:lnRef idx="3">
+            <a:schemeClr val="accent2"/>
+          </a:lnRef>
+          <a:fillRef idx="0">
+            <a:schemeClr val="accent2"/>
+          </a:fillRef>
+          <a:effectRef idx="2">
+            <a:schemeClr val="accent2"/>
+          </a:effectRef>
+          <a:fontRef idx="minor">
+            <a:schemeClr val="tx1"/>
+          </a:fontRef>
+        </p:style>
+      </p:cxnSp>
+      <p:cxnSp>
+        <p:nvCxnSpPr>
+          <p:cNvPr id="135" name="Łącznik prosty ze strzałką 134">
+            <a:extLst>
+              <a:ext uri="{FF2B5EF4-FFF2-40B4-BE49-F238E27FC236}">
+                <a16:creationId xmlns:a16="http://schemas.microsoft.com/office/drawing/2014/main" id="{50077E2F-48B9-FC6A-AA3C-6E8933FD931B}"/>
+              </a:ext>
+            </a:extLst>
+          </p:cNvPr>
+          <p:cNvCxnSpPr>
+            <a:cxnSpLocks/>
+          </p:cNvCxnSpPr>
+          <p:nvPr/>
+        </p:nvCxnSpPr>
+        <p:spPr>
+          <a:xfrm flipV="1">
+            <a:off x="3626765" y="2437463"/>
+            <a:ext cx="1246929" cy="214555"/>
+          </a:xfrm>
+          <a:prstGeom prst="straightConnector1">
+            <a:avLst/>
+          </a:prstGeom>
+          <a:ln>
+            <a:tailEnd type="triangle"/>
+          </a:ln>
+        </p:spPr>
+        <p:style>
+          <a:lnRef idx="3">
+            <a:schemeClr val="accent2"/>
+          </a:lnRef>
+          <a:fillRef idx="0">
+            <a:schemeClr val="accent2"/>
+          </a:fillRef>
+          <a:effectRef idx="2">
+            <a:schemeClr val="accent2"/>
+          </a:effectRef>
+          <a:fontRef idx="minor">
+            <a:schemeClr val="tx1"/>
+          </a:fontRef>
+        </p:style>
+      </p:cxnSp>
+      <p:sp>
+        <p:nvSpPr>
+          <p:cNvPr id="140" name="Prostokąt: zaokrąglone rogi 139">
+            <a:extLst>
+              <a:ext uri="{FF2B5EF4-FFF2-40B4-BE49-F238E27FC236}">
+                <a16:creationId xmlns:a16="http://schemas.microsoft.com/office/drawing/2014/main" id="{4CF63BC0-AA90-2A5D-C086-DDF8FCEC3116}"/>
+              </a:ext>
+            </a:extLst>
+          </p:cNvPr>
+          <p:cNvSpPr/>
+          <p:nvPr/>
+        </p:nvSpPr>
+        <p:spPr>
+          <a:xfrm>
+            <a:off x="4882433" y="2280861"/>
+            <a:ext cx="647309" cy="403767"/>
+          </a:xfrm>
+          <a:prstGeom prst="roundRect">
+            <a:avLst/>
+          </a:prstGeom>
+        </p:spPr>
+        <p:style>
+          <a:lnRef idx="0">
+            <a:schemeClr val="accent2"/>
+          </a:lnRef>
+          <a:fillRef idx="3">
+            <a:schemeClr val="accent2"/>
+          </a:fillRef>
+          <a:effectRef idx="3">
+            <a:schemeClr val="accent2"/>
+          </a:effectRef>
+          <a:fontRef idx="minor">
+            <a:schemeClr val="lt1"/>
+          </a:fontRef>
+        </p:style>
+        <p:txBody>
+          <a:bodyPr rtlCol="0" anchor="ctr"/>
+          <a:lstStyle/>
+          <a:p>
+            <a:pPr algn="ctr"/>
+            <a:r>
+              <a:rPr lang="en-US" dirty="0"/>
+              <a:t>End</a:t>
+            </a:r>
+          </a:p>
+        </p:txBody>
+      </p:sp>
+      <p:sp>
+        <p:nvSpPr>
+          <p:cNvPr id="142" name="pole tekstowe 141">
+            <a:extLst>
+              <a:ext uri="{FF2B5EF4-FFF2-40B4-BE49-F238E27FC236}">
+                <a16:creationId xmlns:a16="http://schemas.microsoft.com/office/drawing/2014/main" id="{5BD10849-C690-7389-9412-40CCFCF03196}"/>
+              </a:ext>
+            </a:extLst>
+          </p:cNvPr>
+          <p:cNvSpPr txBox="1"/>
+          <p:nvPr/>
+        </p:nvSpPr>
+        <p:spPr>
+          <a:xfrm>
+            <a:off x="2053872" y="4865638"/>
+            <a:ext cx="704913" cy="230832"/>
+          </a:xfrm>
+          <a:prstGeom prst="rect">
+            <a:avLst/>
+          </a:prstGeom>
+          <a:noFill/>
+        </p:spPr>
+        <p:txBody>
+          <a:bodyPr wrap="square" rtlCol="0">
+            <a:spAutoFit/>
+          </a:bodyPr>
+          <a:lstStyle/>
+          <a:p>
+            <a:pPr algn="ctr"/>
+            <a:r>
+              <a:rPr lang="en-US" sz="900" b="1" dirty="0">
+                <a:solidFill>
+                  <a:schemeClr val="accent6"/>
+                </a:solidFill>
+              </a:rPr>
+              <a:t>Count == 1</a:t>
+            </a:r>
+          </a:p>
+        </p:txBody>
+      </p:sp>
+      <p:sp>
+        <p:nvSpPr>
+          <p:cNvPr id="150" name="pole tekstowe 149">
+            <a:extLst>
+              <a:ext uri="{FF2B5EF4-FFF2-40B4-BE49-F238E27FC236}">
+                <a16:creationId xmlns:a16="http://schemas.microsoft.com/office/drawing/2014/main" id="{8C2DB64A-CCF9-36F7-CF8C-633E8FD81625}"/>
+              </a:ext>
+            </a:extLst>
+          </p:cNvPr>
+          <p:cNvSpPr txBox="1"/>
+          <p:nvPr/>
+        </p:nvSpPr>
+        <p:spPr>
+          <a:xfrm>
+            <a:off x="1361376" y="4868711"/>
+            <a:ext cx="704913" cy="230832"/>
+          </a:xfrm>
+          <a:prstGeom prst="rect">
+            <a:avLst/>
+          </a:prstGeom>
+          <a:noFill/>
+        </p:spPr>
+        <p:txBody>
+          <a:bodyPr wrap="square" rtlCol="0">
+            <a:spAutoFit/>
+          </a:bodyPr>
+          <a:lstStyle/>
+          <a:p>
+            <a:pPr algn="ctr"/>
+            <a:r>
+              <a:rPr lang="en-US" sz="900" b="1" dirty="0">
+                <a:solidFill>
+                  <a:schemeClr val="accent6"/>
+                </a:solidFill>
+              </a:rPr>
+              <a:t>Count &gt; 1</a:t>
+            </a:r>
+          </a:p>
+        </p:txBody>
+      </p:sp>
+      <p:cxnSp>
+        <p:nvCxnSpPr>
+          <p:cNvPr id="157" name="Łącznik prosty ze strzałką 156">
+            <a:extLst>
+              <a:ext uri="{FF2B5EF4-FFF2-40B4-BE49-F238E27FC236}">
+                <a16:creationId xmlns:a16="http://schemas.microsoft.com/office/drawing/2014/main" id="{16AB6119-D2BB-81C7-0979-C118B580D150}"/>
+              </a:ext>
+            </a:extLst>
+          </p:cNvPr>
+          <p:cNvCxnSpPr>
+            <a:cxnSpLocks/>
+          </p:cNvCxnSpPr>
+          <p:nvPr/>
+        </p:nvCxnSpPr>
+        <p:spPr>
+          <a:xfrm>
+            <a:off x="4386783" y="1826660"/>
+            <a:ext cx="704970" cy="2292095"/>
+          </a:xfrm>
+          <a:prstGeom prst="straightConnector1">
+            <a:avLst/>
+          </a:prstGeom>
+          <a:ln>
+            <a:tailEnd type="triangle"/>
+          </a:ln>
+        </p:spPr>
+        <p:style>
+          <a:lnRef idx="3">
+            <a:schemeClr val="accent6"/>
+          </a:lnRef>
+          <a:fillRef idx="0">
+            <a:schemeClr val="accent6"/>
+          </a:fillRef>
+          <a:effectRef idx="2">
+            <a:schemeClr val="accent6"/>
+          </a:effectRef>
+          <a:fontRef idx="minor">
+            <a:schemeClr val="tx1"/>
+          </a:fontRef>
+        </p:style>
+      </p:cxnSp>
+      <p:sp>
+        <p:nvSpPr>
+          <p:cNvPr id="174" name="pole tekstowe 173">
+            <a:extLst>
+              <a:ext uri="{FF2B5EF4-FFF2-40B4-BE49-F238E27FC236}">
+                <a16:creationId xmlns:a16="http://schemas.microsoft.com/office/drawing/2014/main" id="{EB848076-E837-A7D2-506C-9A9B97D7DE23}"/>
+              </a:ext>
+            </a:extLst>
+          </p:cNvPr>
+          <p:cNvSpPr txBox="1"/>
+          <p:nvPr/>
+        </p:nvSpPr>
+        <p:spPr>
+          <a:xfrm>
+            <a:off x="3555683" y="4876015"/>
+            <a:ext cx="704913" cy="230832"/>
+          </a:xfrm>
+          <a:prstGeom prst="rect">
+            <a:avLst/>
+          </a:prstGeom>
+          <a:noFill/>
+        </p:spPr>
+        <p:txBody>
+          <a:bodyPr wrap="square" rtlCol="0">
+            <a:spAutoFit/>
+          </a:bodyPr>
+          <a:lstStyle/>
+          <a:p>
+            <a:pPr algn="ctr"/>
+            <a:r>
+              <a:rPr lang="en-US" sz="900" b="1" dirty="0">
+                <a:solidFill>
+                  <a:schemeClr val="accent6"/>
+                </a:solidFill>
+              </a:rPr>
+              <a:t>Count == 0</a:t>
+            </a:r>
+          </a:p>
+        </p:txBody>
+      </p:sp>
+      <p:sp>
+        <p:nvSpPr>
+          <p:cNvPr id="175" name="pole tekstowe 174">
+            <a:extLst>
+              <a:ext uri="{FF2B5EF4-FFF2-40B4-BE49-F238E27FC236}">
+                <a16:creationId xmlns:a16="http://schemas.microsoft.com/office/drawing/2014/main" id="{E95DA522-7C24-B0E0-ED2E-6144E72C42DA}"/>
+              </a:ext>
+            </a:extLst>
+          </p:cNvPr>
+          <p:cNvSpPr txBox="1"/>
+          <p:nvPr/>
+        </p:nvSpPr>
+        <p:spPr>
+          <a:xfrm>
+            <a:off x="4305567" y="4884688"/>
+            <a:ext cx="704913" cy="230832"/>
+          </a:xfrm>
+          <a:prstGeom prst="rect">
+            <a:avLst/>
+          </a:prstGeom>
+          <a:noFill/>
+        </p:spPr>
+        <p:txBody>
+          <a:bodyPr wrap="square" rtlCol="0">
+            <a:spAutoFit/>
+          </a:bodyPr>
+          <a:lstStyle/>
+          <a:p>
+            <a:pPr algn="ctr"/>
+            <a:r>
+              <a:rPr lang="en-US" sz="900" b="1" dirty="0">
+                <a:solidFill>
+                  <a:schemeClr val="accent6"/>
+                </a:solidFill>
+              </a:rPr>
+              <a:t>Count &gt; 0</a:t>
+            </a:r>
+          </a:p>
+        </p:txBody>
+      </p:sp>
     </p:spTree>
     <p:extLst>
       <p:ext uri="{BB962C8B-B14F-4D97-AF65-F5344CB8AC3E}">
-        <p14:creationId xmlns:p14="http://schemas.microsoft.com/office/powerpoint/2010/main" val="21460416"/>
+        <p14:creationId xmlns:p14="http://schemas.microsoft.com/office/powerpoint/2010/main" val="2132662021"/>
       </p:ext>
     </p:extLst>
   </p:cSld>
@@ -7932,7 +10641,7 @@
 </p:sld>
 </file>
 
-<file path=ppt/slides/slide4.xml><?xml version="1.0" encoding="utf-8"?>
+<file path=ppt/slides/slide6.xml><?xml version="1.0" encoding="utf-8"?>
 <p:sld xmlns:a="http://schemas.openxmlformats.org/drawingml/2006/main" xmlns:r="http://schemas.openxmlformats.org/officeDocument/2006/relationships" xmlns:p="http://schemas.openxmlformats.org/presentationml/2006/main">
   <p:cSld>
     <p:spTree>
@@ -7957,10 +10666,10 @@
       </p:grpSpPr>
       <p:pic>
         <p:nvPicPr>
-          <p:cNvPr id="75" name="Obraz 74">
-            <a:extLst>
-              <a:ext uri="{FF2B5EF4-FFF2-40B4-BE49-F238E27FC236}">
-                <a16:creationId xmlns:a16="http://schemas.microsoft.com/office/drawing/2014/main" id="{BECE016E-6725-9C7E-171C-398650795766}"/>
+          <p:cNvPr id="5" name="Obraz 4">
+            <a:extLst>
+              <a:ext uri="{FF2B5EF4-FFF2-40B4-BE49-F238E27FC236}">
+                <a16:creationId xmlns:a16="http://schemas.microsoft.com/office/drawing/2014/main" id="{2D34841B-C04C-FFF1-87C8-72881EFBEEFE}"/>
               </a:ext>
             </a:extLst>
           </p:cNvPr>
@@ -7977,8 +10686,8 @@
         </p:blipFill>
         <p:spPr>
           <a:xfrm>
-            <a:off x="3122647" y="2556587"/>
-            <a:ext cx="7588900" cy="2129997"/>
+            <a:off x="2270799" y="1255893"/>
+            <a:ext cx="8371801" cy="2603914"/>
           </a:xfrm>
           <a:prstGeom prst="rect">
             <a:avLst/>
@@ -8054,8 +10763,8 @@
         </p:nvSpPr>
         <p:spPr>
           <a:xfrm>
-            <a:off x="335901" y="3265715"/>
-            <a:ext cx="2264230" cy="833532"/>
+            <a:off x="479842" y="2101330"/>
+            <a:ext cx="1435749" cy="1219199"/>
           </a:xfrm>
           <a:prstGeom prst="roundRect">
             <a:avLst/>
@@ -8063,13 +10772,13 @@
         </p:spPr>
         <p:style>
           <a:lnRef idx="1">
-            <a:schemeClr val="accent1"/>
+            <a:schemeClr val="accent6"/>
           </a:lnRef>
           <a:fillRef idx="2">
-            <a:schemeClr val="accent1"/>
+            <a:schemeClr val="accent6"/>
           </a:fillRef>
           <a:effectRef idx="1">
-            <a:schemeClr val="accent1"/>
+            <a:schemeClr val="accent6"/>
           </a:effectRef>
           <a:fontRef idx="minor">
             <a:schemeClr val="dk1"/>
@@ -8086,7 +10795,7 @@
             </a:r>
             <a:r>
               <a:rPr lang="en-US" sz="1200" dirty="0" err="1"/>
-              <a:t>shaderUser</a:t>
+              <a:t>shader_observer</a:t>
             </a:r>
             <a:r>
               <a:rPr lang="en-US" sz="1200" dirty="0"/>
@@ -8109,7 +10818,7 @@
         </p:nvSpPr>
         <p:spPr>
           <a:xfrm>
-            <a:off x="2662334" y="3072880"/>
+            <a:off x="1970184" y="2133080"/>
             <a:ext cx="367004" cy="1219200"/>
           </a:xfrm>
           <a:prstGeom prst="leftBrace">
@@ -8120,7 +10829,7 @@
           </a:prstGeom>
           <a:ln w="38100">
             <a:solidFill>
-              <a:srgbClr val="FF0000"/>
+              <a:schemeClr val="accent6"/>
             </a:solidFill>
           </a:ln>
         </p:spPr>
@@ -8161,7 +10870,7 @@
         </p:nvCxnSpPr>
         <p:spPr>
           <a:xfrm>
-            <a:off x="5984035" y="3072880"/>
+            <a:off x="6131773" y="2101330"/>
             <a:ext cx="734009" cy="0"/>
           </a:xfrm>
           <a:prstGeom prst="line">
@@ -8169,7 +10878,7 @@
           </a:prstGeom>
           <a:ln w="28575">
             <a:solidFill>
-              <a:srgbClr val="FF0000"/>
+              <a:srgbClr val="FFFF00"/>
             </a:solidFill>
           </a:ln>
         </p:spPr>
@@ -8203,16 +10912,16 @@
           <p:nvPr/>
         </p:nvCxnSpPr>
         <p:spPr>
-          <a:xfrm>
-            <a:off x="5050974" y="4624872"/>
-            <a:ext cx="391886" cy="0"/>
+          <a:xfrm flipV="1">
+            <a:off x="7112000" y="3747092"/>
+            <a:ext cx="650655" cy="1480"/>
           </a:xfrm>
           <a:prstGeom prst="line">
             <a:avLst/>
           </a:prstGeom>
           <a:ln w="38100">
             <a:solidFill>
-              <a:srgbClr val="FF0000"/>
+              <a:srgbClr val="FFFF00"/>
             </a:solidFill>
           </a:ln>
         </p:spPr>
@@ -8245,7 +10954,7 @@
         </p:nvSpPr>
         <p:spPr>
           <a:xfrm>
-            <a:off x="6562535" y="1395605"/>
+            <a:off x="7803372" y="4297645"/>
             <a:ext cx="3645156" cy="666621"/>
           </a:xfrm>
           <a:prstGeom prst="roundRect">
@@ -8254,13 +10963,13 @@
         </p:spPr>
         <p:style>
           <a:lnRef idx="1">
-            <a:schemeClr val="accent1"/>
+            <a:schemeClr val="accent4"/>
           </a:lnRef>
           <a:fillRef idx="2">
-            <a:schemeClr val="accent1"/>
+            <a:schemeClr val="accent4"/>
           </a:fillRef>
           <a:effectRef idx="1">
-            <a:schemeClr val="accent1"/>
+            <a:schemeClr val="accent4"/>
           </a:effectRef>
           <a:fontRef idx="minor">
             <a:schemeClr val="dk1"/>
@@ -8300,9 +11009,9 @@
           <p:nvPr/>
         </p:nvCxnSpPr>
         <p:spPr>
-          <a:xfrm>
-            <a:off x="4708851" y="3387009"/>
-            <a:ext cx="4012163" cy="0"/>
+          <a:xfrm flipV="1">
+            <a:off x="4358824" y="2443024"/>
+            <a:ext cx="3779030" cy="10241"/>
           </a:xfrm>
           <a:prstGeom prst="line">
             <a:avLst/>
@@ -8328,41 +11037,167 @@
           </a:fontRef>
         </p:style>
       </p:cxnSp>
+      <p:sp>
+        <p:nvSpPr>
+          <p:cNvPr id="81" name="Prostokąt: zaokrąglone rogi 80">
+            <a:extLst>
+              <a:ext uri="{FF2B5EF4-FFF2-40B4-BE49-F238E27FC236}">
+                <a16:creationId xmlns:a16="http://schemas.microsoft.com/office/drawing/2014/main" id="{247C19A0-D2AE-C068-79EF-8EFAF8DC93C6}"/>
+              </a:ext>
+            </a:extLst>
+          </p:cNvPr>
+          <p:cNvSpPr/>
+          <p:nvPr/>
+        </p:nvSpPr>
+        <p:spPr>
+          <a:xfrm>
+            <a:off x="1238085" y="4434874"/>
+            <a:ext cx="4086802" cy="1058784"/>
+          </a:xfrm>
+          <a:prstGeom prst="roundRect">
+            <a:avLst/>
+          </a:prstGeom>
+        </p:spPr>
+        <p:style>
+          <a:lnRef idx="1">
+            <a:schemeClr val="accent2"/>
+          </a:lnRef>
+          <a:fillRef idx="2">
+            <a:schemeClr val="accent2"/>
+          </a:fillRef>
+          <a:effectRef idx="1">
+            <a:schemeClr val="accent2"/>
+          </a:effectRef>
+          <a:fontRef idx="minor">
+            <a:schemeClr val="dk1"/>
+          </a:fontRef>
+        </p:style>
+        <p:txBody>
+          <a:bodyPr rtlCol="0" anchor="ctr"/>
+          <a:lstStyle/>
+          <a:p>
+            <a:pPr algn="ctr"/>
+            <a:r>
+              <a:rPr lang="en-US" sz="1200" dirty="0" err="1"/>
+              <a:t>AssetHandle</a:t>
+            </a:r>
+            <a:r>
+              <a:rPr lang="en-US" sz="1200" dirty="0"/>
+              <a:t> is constructible on the fly.</a:t>
+            </a:r>
+          </a:p>
+          <a:p>
+            <a:pPr algn="ctr"/>
+            <a:endParaRPr lang="en-US" sz="1200" dirty="0"/>
+          </a:p>
+          <a:p>
+            <a:pPr algn="ctr"/>
+            <a:r>
+              <a:rPr lang="en-US" sz="1200" dirty="0" err="1"/>
+              <a:t>AssetHandles</a:t>
+            </a:r>
+            <a:r>
+              <a:rPr lang="en-US" sz="1200" dirty="0"/>
+              <a:t> with </a:t>
+            </a:r>
+            <a:r>
+              <a:rPr lang="en-US" sz="1200" dirty="0" err="1"/>
+              <a:t>AssetLoadingPriority</a:t>
+            </a:r>
+            <a:r>
+              <a:rPr lang="en-US" sz="1200" dirty="0"/>
+              <a:t>::None are not globally counted – no hidden cost.</a:t>
+            </a:r>
+          </a:p>
+        </p:txBody>
+      </p:sp>
+      <p:sp>
+        <p:nvSpPr>
+          <p:cNvPr id="94" name="Łuk 93">
+            <a:extLst>
+              <a:ext uri="{FF2B5EF4-FFF2-40B4-BE49-F238E27FC236}">
+                <a16:creationId xmlns:a16="http://schemas.microsoft.com/office/drawing/2014/main" id="{A4E96E68-DB85-581D-84BA-BFE55E13D1FC}"/>
+              </a:ext>
+            </a:extLst>
+          </p:cNvPr>
+          <p:cNvSpPr/>
+          <p:nvPr/>
+        </p:nvSpPr>
+        <p:spPr>
+          <a:xfrm flipH="1">
+            <a:off x="2133267" y="2448144"/>
+            <a:ext cx="4451114" cy="3957526"/>
+          </a:xfrm>
+          <a:prstGeom prst="arc">
+            <a:avLst/>
+          </a:prstGeom>
+          <a:ln w="28575">
+            <a:solidFill>
+              <a:srgbClr val="FF0000"/>
+            </a:solidFill>
+            <a:headEnd type="none" w="med" len="med"/>
+            <a:tailEnd type="triangle" w="med" len="med"/>
+          </a:ln>
+        </p:spPr>
+        <p:style>
+          <a:lnRef idx="1">
+            <a:schemeClr val="accent1"/>
+          </a:lnRef>
+          <a:fillRef idx="0">
+            <a:schemeClr val="accent1"/>
+          </a:fillRef>
+          <a:effectRef idx="0">
+            <a:schemeClr val="accent1"/>
+          </a:effectRef>
+          <a:fontRef idx="minor">
+            <a:schemeClr val="tx1"/>
+          </a:fontRef>
+        </p:style>
+        <p:txBody>
+          <a:bodyPr rtlCol="0" anchor="ctr"/>
+          <a:lstStyle/>
+          <a:p>
+            <a:pPr algn="ctr"/>
+            <a:endParaRPr lang="en-US"/>
+          </a:p>
+        </p:txBody>
+      </p:sp>
       <p:cxnSp>
         <p:nvCxnSpPr>
-          <p:cNvPr id="78" name="Łącznik: zakrzywiony 77">
-            <a:extLst>
-              <a:ext uri="{FF2B5EF4-FFF2-40B4-BE49-F238E27FC236}">
-                <a16:creationId xmlns:a16="http://schemas.microsoft.com/office/drawing/2014/main" id="{626567C6-750C-9D8B-C424-13B23134FA21}"/>
+          <p:cNvPr id="14" name="Łącznik prosty 13">
+            <a:extLst>
+              <a:ext uri="{FF2B5EF4-FFF2-40B4-BE49-F238E27FC236}">
+                <a16:creationId xmlns:a16="http://schemas.microsoft.com/office/drawing/2014/main" id="{650A180E-92C1-8DFE-E570-0D3884EF6749}"/>
               </a:ext>
             </a:extLst>
           </p:cNvPr>
           <p:cNvCxnSpPr>
             <a:cxnSpLocks/>
-            <a:endCxn id="63" idx="2"/>
           </p:cNvCxnSpPr>
           <p:nvPr/>
         </p:nvCxnSpPr>
         <p:spPr>
-          <a:xfrm flipV="1">
-            <a:off x="6714932" y="2062226"/>
-            <a:ext cx="1670181" cy="1010654"/>
-          </a:xfrm>
-          <a:prstGeom prst="curvedConnector2">
+          <a:xfrm>
+            <a:off x="4214548" y="1946173"/>
+            <a:ext cx="5272352" cy="0"/>
+          </a:xfrm>
+          <a:prstGeom prst="line">
             <a:avLst/>
           </a:prstGeom>
           <a:ln w="28575">
-            <a:tailEnd type="triangle"/>
+            <a:solidFill>
+              <a:srgbClr val="FF0000"/>
+            </a:solidFill>
           </a:ln>
         </p:spPr>
         <p:style>
-          <a:lnRef idx="1">
+          <a:lnRef idx="3">
             <a:schemeClr val="accent1"/>
           </a:lnRef>
           <a:fillRef idx="0">
             <a:schemeClr val="accent1"/>
           </a:fillRef>
-          <a:effectRef idx="0">
+          <a:effectRef idx="2">
             <a:schemeClr val="accent1"/>
           </a:effectRef>
           <a:fontRef idx="minor">
@@ -8370,41 +11205,201 @@
           </a:fontRef>
         </p:style>
       </p:cxnSp>
+      <p:sp>
+        <p:nvSpPr>
+          <p:cNvPr id="22" name="Łuk 21">
+            <a:extLst>
+              <a:ext uri="{FF2B5EF4-FFF2-40B4-BE49-F238E27FC236}">
+                <a16:creationId xmlns:a16="http://schemas.microsoft.com/office/drawing/2014/main" id="{AD27090E-36E8-26A3-3128-8420F7C6807A}"/>
+              </a:ext>
+            </a:extLst>
+          </p:cNvPr>
+          <p:cNvSpPr/>
+          <p:nvPr/>
+        </p:nvSpPr>
+        <p:spPr>
+          <a:xfrm rot="5400000" flipH="1" flipV="1">
+            <a:off x="4590577" y="1466807"/>
+            <a:ext cx="4412787" cy="5681834"/>
+          </a:xfrm>
+          <a:prstGeom prst="arc">
+            <a:avLst>
+              <a:gd name="adj1" fmla="val 87858"/>
+              <a:gd name="adj2" fmla="val 5365406"/>
+            </a:avLst>
+          </a:prstGeom>
+          <a:ln w="28575">
+            <a:solidFill>
+              <a:srgbClr val="FFFF00"/>
+            </a:solidFill>
+            <a:headEnd type="none" w="med" len="med"/>
+            <a:tailEnd type="triangle" w="med" len="med"/>
+          </a:ln>
+        </p:spPr>
+        <p:style>
+          <a:lnRef idx="1">
+            <a:schemeClr val="accent1"/>
+          </a:lnRef>
+          <a:fillRef idx="0">
+            <a:schemeClr val="accent1"/>
+          </a:fillRef>
+          <a:effectRef idx="0">
+            <a:schemeClr val="accent1"/>
+          </a:effectRef>
+          <a:fontRef idx="minor">
+            <a:schemeClr val="tx1"/>
+          </a:fontRef>
+        </p:style>
+        <p:txBody>
+          <a:bodyPr rtlCol="0" anchor="ctr"/>
+          <a:lstStyle/>
+          <a:p>
+            <a:pPr algn="ctr"/>
+            <a:endParaRPr lang="en-US"/>
+          </a:p>
+        </p:txBody>
+      </p:sp>
+      <p:sp>
+        <p:nvSpPr>
+          <p:cNvPr id="26" name="Łuk 25">
+            <a:extLst>
+              <a:ext uri="{FF2B5EF4-FFF2-40B4-BE49-F238E27FC236}">
+                <a16:creationId xmlns:a16="http://schemas.microsoft.com/office/drawing/2014/main" id="{FB6D6F38-CC39-19D6-79BD-D8E177A58D93}"/>
+              </a:ext>
+            </a:extLst>
+          </p:cNvPr>
+          <p:cNvSpPr/>
+          <p:nvPr/>
+        </p:nvSpPr>
+        <p:spPr>
+          <a:xfrm flipH="1">
+            <a:off x="2130534" y="1946173"/>
+            <a:ext cx="4155966" cy="4960461"/>
+          </a:xfrm>
+          <a:prstGeom prst="arc">
+            <a:avLst/>
+          </a:prstGeom>
+          <a:ln w="28575">
+            <a:solidFill>
+              <a:srgbClr val="FF0000"/>
+            </a:solidFill>
+            <a:headEnd type="none" w="med" len="med"/>
+            <a:tailEnd type="triangle" w="med" len="med"/>
+          </a:ln>
+        </p:spPr>
+        <p:style>
+          <a:lnRef idx="1">
+            <a:schemeClr val="accent1"/>
+          </a:lnRef>
+          <a:fillRef idx="0">
+            <a:schemeClr val="accent1"/>
+          </a:fillRef>
+          <a:effectRef idx="0">
+            <a:schemeClr val="accent1"/>
+          </a:effectRef>
+          <a:fontRef idx="minor">
+            <a:schemeClr val="tx1"/>
+          </a:fontRef>
+        </p:style>
+        <p:txBody>
+          <a:bodyPr rtlCol="0" anchor="ctr"/>
+          <a:lstStyle/>
+          <a:p>
+            <a:pPr algn="ctr"/>
+            <a:endParaRPr lang="en-US"/>
+          </a:p>
+        </p:txBody>
+      </p:sp>
+      <p:sp>
+        <p:nvSpPr>
+          <p:cNvPr id="28" name="Łuk 27">
+            <a:extLst>
+              <a:ext uri="{FF2B5EF4-FFF2-40B4-BE49-F238E27FC236}">
+                <a16:creationId xmlns:a16="http://schemas.microsoft.com/office/drawing/2014/main" id="{7AE2D700-25D6-7916-5ED2-1ABDBBBDD08E}"/>
+              </a:ext>
+            </a:extLst>
+          </p:cNvPr>
+          <p:cNvSpPr/>
+          <p:nvPr/>
+        </p:nvSpPr>
+        <p:spPr>
+          <a:xfrm rot="5400000" flipH="1" flipV="1">
+            <a:off x="7150852" y="2374740"/>
+            <a:ext cx="1115577" cy="3847582"/>
+          </a:xfrm>
+          <a:prstGeom prst="arc">
+            <a:avLst>
+              <a:gd name="adj1" fmla="val 87858"/>
+              <a:gd name="adj2" fmla="val 5365406"/>
+            </a:avLst>
+          </a:prstGeom>
+          <a:ln w="28575">
+            <a:solidFill>
+              <a:srgbClr val="FFFF00"/>
+            </a:solidFill>
+            <a:headEnd type="none" w="med" len="med"/>
+            <a:tailEnd type="triangle" w="med" len="med"/>
+          </a:ln>
+        </p:spPr>
+        <p:style>
+          <a:lnRef idx="1">
+            <a:schemeClr val="accent1"/>
+          </a:lnRef>
+          <a:fillRef idx="0">
+            <a:schemeClr val="accent1"/>
+          </a:fillRef>
+          <a:effectRef idx="0">
+            <a:schemeClr val="accent1"/>
+          </a:effectRef>
+          <a:fontRef idx="minor">
+            <a:schemeClr val="tx1"/>
+          </a:fontRef>
+        </p:style>
+        <p:txBody>
+          <a:bodyPr rtlCol="0" anchor="ctr"/>
+          <a:lstStyle/>
+          <a:p>
+            <a:pPr algn="ctr"/>
+            <a:endParaRPr lang="en-US"/>
+          </a:p>
+        </p:txBody>
+      </p:sp>
       <p:cxnSp>
         <p:nvCxnSpPr>
-          <p:cNvPr id="80" name="Łącznik: zakrzywiony 79">
-            <a:extLst>
-              <a:ext uri="{FF2B5EF4-FFF2-40B4-BE49-F238E27FC236}">
-                <a16:creationId xmlns:a16="http://schemas.microsoft.com/office/drawing/2014/main" id="{B5245C15-7103-9FC9-F784-DB209C24C8AB}"/>
+          <p:cNvPr id="29" name="Łącznik prosty 28">
+            <a:extLst>
+              <a:ext uri="{FF2B5EF4-FFF2-40B4-BE49-F238E27FC236}">
+                <a16:creationId xmlns:a16="http://schemas.microsoft.com/office/drawing/2014/main" id="{0E1BAE77-2E62-635A-960E-D8CE45C93A4E}"/>
               </a:ext>
             </a:extLst>
           </p:cNvPr>
           <p:cNvCxnSpPr>
             <a:cxnSpLocks/>
-            <a:endCxn id="63" idx="2"/>
           </p:cNvCxnSpPr>
           <p:nvPr/>
         </p:nvCxnSpPr>
         <p:spPr>
-          <a:xfrm flipV="1">
-            <a:off x="5442860" y="2062226"/>
-            <a:ext cx="2942253" cy="2562646"/>
-          </a:xfrm>
-          <a:prstGeom prst="curvedConnector2">
+          <a:xfrm>
+            <a:off x="2418572" y="3743303"/>
+            <a:ext cx="4625771" cy="3789"/>
+          </a:xfrm>
+          <a:prstGeom prst="line">
             <a:avLst/>
           </a:prstGeom>
           <a:ln w="28575">
-            <a:tailEnd type="triangle"/>
+            <a:solidFill>
+              <a:srgbClr val="FF0000"/>
+            </a:solidFill>
           </a:ln>
         </p:spPr>
         <p:style>
-          <a:lnRef idx="1">
+          <a:lnRef idx="3">
             <a:schemeClr val="accent1"/>
           </a:lnRef>
           <a:fillRef idx="0">
             <a:schemeClr val="accent1"/>
           </a:fillRef>
-          <a:effectRef idx="0">
+          <a:effectRef idx="2">
             <a:schemeClr val="accent1"/>
           </a:effectRef>
           <a:fontRef idx="minor">
@@ -8414,10 +11409,10 @@
       </p:cxnSp>
       <p:sp>
         <p:nvSpPr>
-          <p:cNvPr id="81" name="Prostokąt: zaokrąglone rogi 80">
-            <a:extLst>
-              <a:ext uri="{FF2B5EF4-FFF2-40B4-BE49-F238E27FC236}">
-                <a16:creationId xmlns:a16="http://schemas.microsoft.com/office/drawing/2014/main" id="{247C19A0-D2AE-C068-79EF-8EFAF8DC93C6}"/>
+          <p:cNvPr id="32" name="Łuk 31">
+            <a:extLst>
+              <a:ext uri="{FF2B5EF4-FFF2-40B4-BE49-F238E27FC236}">
+                <a16:creationId xmlns:a16="http://schemas.microsoft.com/office/drawing/2014/main" id="{7E163559-6A1C-20D6-277D-4F74766241EA}"/>
               </a:ext>
             </a:extLst>
           </p:cNvPr>
@@ -8425,88 +11420,17 @@
           <p:nvPr/>
         </p:nvSpPr>
         <p:spPr>
-          <a:xfrm>
-            <a:off x="7551582" y="5074538"/>
-            <a:ext cx="4086802" cy="1058784"/>
-          </a:xfrm>
-          <a:prstGeom prst="roundRect">
-            <a:avLst/>
-          </a:prstGeom>
-        </p:spPr>
-        <p:style>
-          <a:lnRef idx="1">
-            <a:schemeClr val="accent1"/>
-          </a:lnRef>
-          <a:fillRef idx="2">
-            <a:schemeClr val="accent1"/>
-          </a:fillRef>
-          <a:effectRef idx="1">
-            <a:schemeClr val="accent1"/>
-          </a:effectRef>
-          <a:fontRef idx="minor">
-            <a:schemeClr val="dk1"/>
-          </a:fontRef>
-        </p:style>
-        <p:txBody>
-          <a:bodyPr rtlCol="0" anchor="ctr"/>
-          <a:lstStyle/>
-          <a:p>
-            <a:pPr algn="ctr"/>
-            <a:r>
-              <a:rPr lang="en-US" sz="1200" dirty="0" err="1"/>
-              <a:t>AssetHandle</a:t>
-            </a:r>
-            <a:r>
-              <a:rPr lang="en-US" sz="1200" dirty="0"/>
-              <a:t> is constructible on the fly.</a:t>
-            </a:r>
-          </a:p>
-          <a:p>
-            <a:pPr algn="ctr"/>
-            <a:endParaRPr lang="en-US" sz="1200" dirty="0"/>
-          </a:p>
-          <a:p>
-            <a:pPr algn="ctr"/>
-            <a:r>
-              <a:rPr lang="en-US" sz="1200" dirty="0" err="1"/>
-              <a:t>AssetHandles</a:t>
-            </a:r>
-            <a:r>
-              <a:rPr lang="en-US" sz="1200" dirty="0"/>
-              <a:t> with </a:t>
-            </a:r>
-            <a:r>
-              <a:rPr lang="en-US" sz="1200" dirty="0" err="1"/>
-              <a:t>AssetLoadingPriority</a:t>
-            </a:r>
-            <a:r>
-              <a:rPr lang="en-US" sz="1200" dirty="0"/>
-              <a:t>::None are not globally counted – no hidden cost.</a:t>
-            </a:r>
-          </a:p>
-        </p:txBody>
-      </p:sp>
-      <p:sp>
-        <p:nvSpPr>
-          <p:cNvPr id="94" name="Łuk 93">
-            <a:extLst>
-              <a:ext uri="{FF2B5EF4-FFF2-40B4-BE49-F238E27FC236}">
-                <a16:creationId xmlns:a16="http://schemas.microsoft.com/office/drawing/2014/main" id="{A4E96E68-DB85-581D-84BA-BFE55E13D1FC}"/>
-              </a:ext>
-            </a:extLst>
-          </p:cNvPr>
-          <p:cNvSpPr/>
-          <p:nvPr/>
-        </p:nvSpPr>
-        <p:spPr>
-          <a:xfrm>
-            <a:off x="7641775" y="3393065"/>
-            <a:ext cx="2158482" cy="3374733"/>
+          <a:xfrm flipH="1">
+            <a:off x="2127810" y="3738946"/>
+            <a:ext cx="603531" cy="1391854"/>
           </a:xfrm>
           <a:prstGeom prst="arc">
             <a:avLst/>
           </a:prstGeom>
           <a:ln w="28575">
+            <a:solidFill>
+              <a:srgbClr val="FF0000"/>
+            </a:solidFill>
             <a:headEnd type="none" w="med" len="med"/>
             <a:tailEnd type="triangle" w="med" len="med"/>
           </a:ln>
@@ -8547,7 +11471,7 @@
 </p:sld>
 </file>
 
-<file path=ppt/slides/slide5.xml><?xml version="1.0" encoding="utf-8"?>
+<file path=ppt/slides/slide7.xml><?xml version="1.0" encoding="utf-8"?>
 <p:sld xmlns:a="http://schemas.openxmlformats.org/drawingml/2006/main" xmlns:r="http://schemas.openxmlformats.org/officeDocument/2006/relationships" xmlns:p="http://schemas.openxmlformats.org/presentationml/2006/main">
   <p:cSld>
     <p:spTree>
@@ -8743,10 +11667,9 @@
           <a:p>
             <a:pPr algn="ctr"/>
             <a:r>
-              <a:rPr lang="en-US" dirty="0" err="1"/>
-              <a:t>MaterialInstance</a:t>
-            </a:r>
-            <a:endParaRPr lang="en-US" dirty="0"/>
+              <a:rPr lang="en-US" dirty="0"/>
+              <a:t>Material</a:t>
+            </a:r>
           </a:p>
         </p:txBody>
       </p:sp>
@@ -9201,9 +12124,10 @@
           <a:p>
             <a:pPr algn="ctr"/>
             <a:r>
-              <a:rPr lang="en-US" dirty="0"/>
-              <a:t>Material</a:t>
-            </a:r>
+              <a:rPr lang="en-US" dirty="0" err="1"/>
+              <a:t>ShadingModel</a:t>
+            </a:r>
+            <a:endParaRPr lang="en-US" dirty="0"/>
           </a:p>
         </p:txBody>
       </p:sp>
@@ -9629,10 +12553,9 @@
           <a:p>
             <a:pPr algn="ctr"/>
             <a:r>
-              <a:rPr lang="en-US" dirty="0" err="1"/>
-              <a:t>MaterialInstance</a:t>
-            </a:r>
-            <a:endParaRPr lang="en-US" dirty="0"/>
+              <a:rPr lang="en-US" dirty="0"/>
+              <a:t>Material</a:t>
+            </a:r>
           </a:p>
         </p:txBody>
       </p:sp>
@@ -9771,9 +12694,10 @@
           <a:p>
             <a:pPr algn="ctr"/>
             <a:r>
-              <a:rPr lang="en-US" dirty="0"/>
-              <a:t>Material</a:t>
-            </a:r>
+              <a:rPr lang="en-US" dirty="0" err="1"/>
+              <a:t>ShadingModel</a:t>
+            </a:r>
+            <a:endParaRPr lang="en-US" dirty="0"/>
           </a:p>
         </p:txBody>
       </p:sp>

--- a/Documentation/Asset Pipeline.pptx
+++ b/Documentation/Asset Pipeline.pptx
@@ -10,11 +10,11 @@
   <p:sldIdLst>
     <p:sldId id="256" r:id="rId2"/>
     <p:sldId id="261" r:id="rId3"/>
-    <p:sldId id="265" r:id="rId4"/>
-    <p:sldId id="260" r:id="rId5"/>
-    <p:sldId id="264" r:id="rId6"/>
-    <p:sldId id="262" r:id="rId7"/>
-    <p:sldId id="263" r:id="rId8"/>
+    <p:sldId id="263" r:id="rId4"/>
+    <p:sldId id="265" r:id="rId5"/>
+    <p:sldId id="260" r:id="rId6"/>
+    <p:sldId id="264" r:id="rId7"/>
+    <p:sldId id="262" r:id="rId8"/>
   </p:sldIdLst>
   <p:sldSz cx="12192000" cy="6858000"/>
   <p:notesSz cx="6858000" cy="9144000"/>
@@ -215,7 +215,7 @@
           <a:p>
             <a:fld id="{D0E2DD2C-27F7-4F93-96E8-CD28AD9267D9}" type="datetimeFigureOut">
               <a:rPr lang="en-US" smtClean="0"/>
-              <a:t>5/20/2025</a:t>
+              <a:t>5/22/2025</a:t>
             </a:fld>
             <a:endParaRPr lang="en-US"/>
           </a:p>
@@ -656,7 +656,7 @@
           <a:p>
             <a:fld id="{583D7F03-7197-42E4-9778-D52D335F305D}" type="slidenum">
               <a:rPr lang="en-US" smtClean="0"/>
-              <a:t>3</a:t>
+              <a:t>4</a:t>
             </a:fld>
             <a:endParaRPr lang="en-US"/>
           </a:p>
@@ -822,7 +822,7 @@
           <a:p>
             <a:fld id="{783DC7D5-4D76-4679-A391-31CBAFA90932}" type="datetimeFigureOut">
               <a:rPr lang="en-US" smtClean="0"/>
-              <a:t>5/20/2025</a:t>
+              <a:t>5/22/2025</a:t>
             </a:fld>
             <a:endParaRPr lang="en-US"/>
           </a:p>
@@ -1020,7 +1020,7 @@
           <a:p>
             <a:fld id="{783DC7D5-4D76-4679-A391-31CBAFA90932}" type="datetimeFigureOut">
               <a:rPr lang="en-US" smtClean="0"/>
-              <a:t>5/20/2025</a:t>
+              <a:t>5/22/2025</a:t>
             </a:fld>
             <a:endParaRPr lang="en-US"/>
           </a:p>
@@ -1228,7 +1228,7 @@
           <a:p>
             <a:fld id="{783DC7D5-4D76-4679-A391-31CBAFA90932}" type="datetimeFigureOut">
               <a:rPr lang="en-US" smtClean="0"/>
-              <a:t>5/20/2025</a:t>
+              <a:t>5/22/2025</a:t>
             </a:fld>
             <a:endParaRPr lang="en-US"/>
           </a:p>
@@ -1426,7 +1426,7 @@
           <a:p>
             <a:fld id="{783DC7D5-4D76-4679-A391-31CBAFA90932}" type="datetimeFigureOut">
               <a:rPr lang="en-US" smtClean="0"/>
-              <a:t>5/20/2025</a:t>
+              <a:t>5/22/2025</a:t>
             </a:fld>
             <a:endParaRPr lang="en-US"/>
           </a:p>
@@ -1701,7 +1701,7 @@
           <a:p>
             <a:fld id="{783DC7D5-4D76-4679-A391-31CBAFA90932}" type="datetimeFigureOut">
               <a:rPr lang="en-US" smtClean="0"/>
-              <a:t>5/20/2025</a:t>
+              <a:t>5/22/2025</a:t>
             </a:fld>
             <a:endParaRPr lang="en-US"/>
           </a:p>
@@ -1966,7 +1966,7 @@
           <a:p>
             <a:fld id="{783DC7D5-4D76-4679-A391-31CBAFA90932}" type="datetimeFigureOut">
               <a:rPr lang="en-US" smtClean="0"/>
-              <a:t>5/20/2025</a:t>
+              <a:t>5/22/2025</a:t>
             </a:fld>
             <a:endParaRPr lang="en-US"/>
           </a:p>
@@ -2378,7 +2378,7 @@
           <a:p>
             <a:fld id="{783DC7D5-4D76-4679-A391-31CBAFA90932}" type="datetimeFigureOut">
               <a:rPr lang="en-US" smtClean="0"/>
-              <a:t>5/20/2025</a:t>
+              <a:t>5/22/2025</a:t>
             </a:fld>
             <a:endParaRPr lang="en-US"/>
           </a:p>
@@ -2519,7 +2519,7 @@
           <a:p>
             <a:fld id="{783DC7D5-4D76-4679-A391-31CBAFA90932}" type="datetimeFigureOut">
               <a:rPr lang="en-US" smtClean="0"/>
-              <a:t>5/20/2025</a:t>
+              <a:t>5/22/2025</a:t>
             </a:fld>
             <a:endParaRPr lang="en-US"/>
           </a:p>
@@ -2632,7 +2632,7 @@
           <a:p>
             <a:fld id="{783DC7D5-4D76-4679-A391-31CBAFA90932}" type="datetimeFigureOut">
               <a:rPr lang="en-US" smtClean="0"/>
-              <a:t>5/20/2025</a:t>
+              <a:t>5/22/2025</a:t>
             </a:fld>
             <a:endParaRPr lang="en-US"/>
           </a:p>
@@ -2943,7 +2943,7 @@
           <a:p>
             <a:fld id="{783DC7D5-4D76-4679-A391-31CBAFA90932}" type="datetimeFigureOut">
               <a:rPr lang="en-US" smtClean="0"/>
-              <a:t>5/20/2025</a:t>
+              <a:t>5/22/2025</a:t>
             </a:fld>
             <a:endParaRPr lang="en-US"/>
           </a:p>
@@ -3231,7 +3231,7 @@
           <a:p>
             <a:fld id="{783DC7D5-4D76-4679-A391-31CBAFA90932}" type="datetimeFigureOut">
               <a:rPr lang="en-US" smtClean="0"/>
-              <a:t>5/20/2025</a:t>
+              <a:t>5/22/2025</a:t>
             </a:fld>
             <a:endParaRPr lang="en-US"/>
           </a:p>
@@ -3472,7 +3472,7 @@
           <a:p>
             <a:fld id="{783DC7D5-4D76-4679-A391-31CBAFA90932}" type="datetimeFigureOut">
               <a:rPr lang="en-US" smtClean="0"/>
-              <a:t>5/20/2025</a:t>
+              <a:t>5/22/2025</a:t>
             </a:fld>
             <a:endParaRPr lang="en-US"/>
           </a:p>
@@ -6280,6 +6280,1344 @@
   <p:cSld>
     <p:spTree>
       <p:nvGrpSpPr>
+        <p:cNvPr id="1" name=""/>
+        <p:cNvGrpSpPr/>
+        <p:nvPr/>
+      </p:nvGrpSpPr>
+      <p:grpSpPr>
+        <a:xfrm>
+          <a:off x="0" y="0"/>
+          <a:ext cx="0" cy="0"/>
+          <a:chOff x="0" y="0"/>
+          <a:chExt cx="0" cy="0"/>
+        </a:xfrm>
+      </p:grpSpPr>
+      <p:sp>
+        <p:nvSpPr>
+          <p:cNvPr id="16" name="Prostokąt: zaokrąglone rogi 15">
+            <a:extLst>
+              <a:ext uri="{FF2B5EF4-FFF2-40B4-BE49-F238E27FC236}">
+                <a16:creationId xmlns:a16="http://schemas.microsoft.com/office/drawing/2014/main" id="{2A0423BC-C930-8484-D2D7-D42A2484E299}"/>
+              </a:ext>
+            </a:extLst>
+          </p:cNvPr>
+          <p:cNvSpPr/>
+          <p:nvPr/>
+        </p:nvSpPr>
+        <p:spPr>
+          <a:xfrm>
+            <a:off x="3446108" y="3344138"/>
+            <a:ext cx="7352524" cy="582346"/>
+          </a:xfrm>
+          <a:prstGeom prst="roundRect">
+            <a:avLst/>
+          </a:prstGeom>
+        </p:spPr>
+        <p:style>
+          <a:lnRef idx="1">
+            <a:schemeClr val="accent3"/>
+          </a:lnRef>
+          <a:fillRef idx="2">
+            <a:schemeClr val="accent3"/>
+          </a:fillRef>
+          <a:effectRef idx="1">
+            <a:schemeClr val="accent3"/>
+          </a:effectRef>
+          <a:fontRef idx="minor">
+            <a:schemeClr val="dk1"/>
+          </a:fontRef>
+        </p:style>
+        <p:txBody>
+          <a:bodyPr rtlCol="0" anchor="ctr"/>
+          <a:lstStyle/>
+          <a:p>
+            <a:pPr algn="ctr"/>
+            <a:endParaRPr lang="en-US" sz="2000" b="1" dirty="0"/>
+          </a:p>
+        </p:txBody>
+      </p:sp>
+      <p:sp>
+        <p:nvSpPr>
+          <p:cNvPr id="2" name="Rectangle: Rounded Corners 3">
+            <a:extLst>
+              <a:ext uri="{FF2B5EF4-FFF2-40B4-BE49-F238E27FC236}">
+                <a16:creationId xmlns:a16="http://schemas.microsoft.com/office/drawing/2014/main" id="{404DC3D8-F878-872E-5898-6AFED02B9CDC}"/>
+              </a:ext>
+            </a:extLst>
+          </p:cNvPr>
+          <p:cNvSpPr/>
+          <p:nvPr/>
+        </p:nvSpPr>
+        <p:spPr>
+          <a:xfrm>
+            <a:off x="4057794" y="378414"/>
+            <a:ext cx="3566358" cy="582346"/>
+          </a:xfrm>
+          <a:prstGeom prst="roundRect">
+            <a:avLst/>
+          </a:prstGeom>
+        </p:spPr>
+        <p:style>
+          <a:lnRef idx="0">
+            <a:schemeClr val="accent1"/>
+          </a:lnRef>
+          <a:fillRef idx="3">
+            <a:schemeClr val="accent1"/>
+          </a:fillRef>
+          <a:effectRef idx="3">
+            <a:schemeClr val="accent1"/>
+          </a:effectRef>
+          <a:fontRef idx="minor">
+            <a:schemeClr val="lt1"/>
+          </a:fontRef>
+        </p:style>
+        <p:txBody>
+          <a:bodyPr rtlCol="0" anchor="ctr"/>
+          <a:lstStyle/>
+          <a:p>
+            <a:pPr algn="ctr"/>
+            <a:r>
+              <a:rPr lang="en-US" dirty="0"/>
+              <a:t>Geometry Assets</a:t>
+            </a:r>
+          </a:p>
+        </p:txBody>
+      </p:sp>
+      <p:sp>
+        <p:nvSpPr>
+          <p:cNvPr id="6" name="Prostokąt: zaokrąglone rogi 5">
+            <a:extLst>
+              <a:ext uri="{FF2B5EF4-FFF2-40B4-BE49-F238E27FC236}">
+                <a16:creationId xmlns:a16="http://schemas.microsoft.com/office/drawing/2014/main" id="{7DC1B869-0D55-DBE5-CB6D-B52A1D9AB747}"/>
+              </a:ext>
+            </a:extLst>
+          </p:cNvPr>
+          <p:cNvSpPr/>
+          <p:nvPr/>
+        </p:nvSpPr>
+        <p:spPr>
+          <a:xfrm>
+            <a:off x="5097624" y="3404013"/>
+            <a:ext cx="1996752" cy="454090"/>
+          </a:xfrm>
+          <a:prstGeom prst="roundRect">
+            <a:avLst/>
+          </a:prstGeom>
+        </p:spPr>
+        <p:style>
+          <a:lnRef idx="1">
+            <a:schemeClr val="accent1"/>
+          </a:lnRef>
+          <a:fillRef idx="2">
+            <a:schemeClr val="accent1"/>
+          </a:fillRef>
+          <a:effectRef idx="1">
+            <a:schemeClr val="accent1"/>
+          </a:effectRef>
+          <a:fontRef idx="minor">
+            <a:schemeClr val="dk1"/>
+          </a:fontRef>
+        </p:style>
+        <p:txBody>
+          <a:bodyPr rtlCol="0" anchor="ctr"/>
+          <a:lstStyle/>
+          <a:p>
+            <a:pPr algn="ctr"/>
+            <a:r>
+              <a:rPr lang="en-US" dirty="0"/>
+              <a:t>Mesh</a:t>
+            </a:r>
+          </a:p>
+        </p:txBody>
+      </p:sp>
+      <p:sp>
+        <p:nvSpPr>
+          <p:cNvPr id="7" name="Prostokąt: zaokrąglone rogi 6">
+            <a:extLst>
+              <a:ext uri="{FF2B5EF4-FFF2-40B4-BE49-F238E27FC236}">
+                <a16:creationId xmlns:a16="http://schemas.microsoft.com/office/drawing/2014/main" id="{BA477DC3-49B8-4D7A-AF02-F386BACC8A94}"/>
+              </a:ext>
+            </a:extLst>
+          </p:cNvPr>
+          <p:cNvSpPr/>
+          <p:nvPr/>
+        </p:nvSpPr>
+        <p:spPr>
+          <a:xfrm>
+            <a:off x="7181465" y="3404013"/>
+            <a:ext cx="1996752" cy="454090"/>
+          </a:xfrm>
+          <a:prstGeom prst="roundRect">
+            <a:avLst/>
+          </a:prstGeom>
+        </p:spPr>
+        <p:style>
+          <a:lnRef idx="1">
+            <a:schemeClr val="accent1"/>
+          </a:lnRef>
+          <a:fillRef idx="2">
+            <a:schemeClr val="accent1"/>
+          </a:fillRef>
+          <a:effectRef idx="1">
+            <a:schemeClr val="accent1"/>
+          </a:effectRef>
+          <a:fontRef idx="minor">
+            <a:schemeClr val="dk1"/>
+          </a:fontRef>
+        </p:style>
+        <p:txBody>
+          <a:bodyPr rtlCol="0" anchor="ctr"/>
+          <a:lstStyle/>
+          <a:p>
+            <a:pPr algn="ctr"/>
+            <a:r>
+              <a:rPr lang="en-US" dirty="0"/>
+              <a:t>Material</a:t>
+            </a:r>
+          </a:p>
+        </p:txBody>
+      </p:sp>
+      <p:sp>
+        <p:nvSpPr>
+          <p:cNvPr id="13" name="Prostokąt: zaokrąglone rogi 12">
+            <a:extLst>
+              <a:ext uri="{FF2B5EF4-FFF2-40B4-BE49-F238E27FC236}">
+                <a16:creationId xmlns:a16="http://schemas.microsoft.com/office/drawing/2014/main" id="{A0FD60EF-87B6-6B13-F32F-D0B4B552008D}"/>
+              </a:ext>
+            </a:extLst>
+          </p:cNvPr>
+          <p:cNvSpPr/>
+          <p:nvPr/>
+        </p:nvSpPr>
+        <p:spPr>
+          <a:xfrm>
+            <a:off x="3446108" y="1217291"/>
+            <a:ext cx="7352524" cy="582346"/>
+          </a:xfrm>
+          <a:prstGeom prst="roundRect">
+            <a:avLst/>
+          </a:prstGeom>
+        </p:spPr>
+        <p:style>
+          <a:lnRef idx="1">
+            <a:schemeClr val="accent3"/>
+          </a:lnRef>
+          <a:fillRef idx="2">
+            <a:schemeClr val="accent3"/>
+          </a:fillRef>
+          <a:effectRef idx="1">
+            <a:schemeClr val="accent3"/>
+          </a:effectRef>
+          <a:fontRef idx="minor">
+            <a:schemeClr val="dk1"/>
+          </a:fontRef>
+        </p:style>
+        <p:txBody>
+          <a:bodyPr rtlCol="0" anchor="ctr"/>
+          <a:lstStyle/>
+          <a:p>
+            <a:pPr algn="ctr"/>
+            <a:endParaRPr lang="en-US"/>
+          </a:p>
+        </p:txBody>
+      </p:sp>
+      <p:sp>
+        <p:nvSpPr>
+          <p:cNvPr id="14" name="Prostokąt: zaokrąglone rogi 13">
+            <a:extLst>
+              <a:ext uri="{FF2B5EF4-FFF2-40B4-BE49-F238E27FC236}">
+                <a16:creationId xmlns:a16="http://schemas.microsoft.com/office/drawing/2014/main" id="{897FECBC-4C47-1445-96DB-428BA58D01CB}"/>
+              </a:ext>
+            </a:extLst>
+          </p:cNvPr>
+          <p:cNvSpPr/>
+          <p:nvPr/>
+        </p:nvSpPr>
+        <p:spPr>
+          <a:xfrm>
+            <a:off x="3446108" y="1926240"/>
+            <a:ext cx="7352524" cy="582346"/>
+          </a:xfrm>
+          <a:prstGeom prst="roundRect">
+            <a:avLst/>
+          </a:prstGeom>
+        </p:spPr>
+        <p:style>
+          <a:lnRef idx="1">
+            <a:schemeClr val="accent3"/>
+          </a:lnRef>
+          <a:fillRef idx="2">
+            <a:schemeClr val="accent3"/>
+          </a:fillRef>
+          <a:effectRef idx="1">
+            <a:schemeClr val="accent3"/>
+          </a:effectRef>
+          <a:fontRef idx="minor">
+            <a:schemeClr val="dk1"/>
+          </a:fontRef>
+        </p:style>
+        <p:txBody>
+          <a:bodyPr rtlCol="0" anchor="ctr"/>
+          <a:lstStyle/>
+          <a:p>
+            <a:pPr algn="ctr"/>
+            <a:endParaRPr lang="en-US" sz="1800" b="1" dirty="0"/>
+          </a:p>
+        </p:txBody>
+      </p:sp>
+      <p:sp>
+        <p:nvSpPr>
+          <p:cNvPr id="15" name="Prostokąt: zaokrąglone rogi 14">
+            <a:extLst>
+              <a:ext uri="{FF2B5EF4-FFF2-40B4-BE49-F238E27FC236}">
+                <a16:creationId xmlns:a16="http://schemas.microsoft.com/office/drawing/2014/main" id="{B94F2211-64DC-A131-4117-28163CC5E325}"/>
+              </a:ext>
+            </a:extLst>
+          </p:cNvPr>
+          <p:cNvSpPr/>
+          <p:nvPr/>
+        </p:nvSpPr>
+        <p:spPr>
+          <a:xfrm>
+            <a:off x="3446108" y="2635189"/>
+            <a:ext cx="7352524" cy="582346"/>
+          </a:xfrm>
+          <a:prstGeom prst="roundRect">
+            <a:avLst/>
+          </a:prstGeom>
+        </p:spPr>
+        <p:style>
+          <a:lnRef idx="1">
+            <a:schemeClr val="accent3"/>
+          </a:lnRef>
+          <a:fillRef idx="2">
+            <a:schemeClr val="accent3"/>
+          </a:fillRef>
+          <a:effectRef idx="1">
+            <a:schemeClr val="accent3"/>
+          </a:effectRef>
+          <a:fontRef idx="minor">
+            <a:schemeClr val="dk1"/>
+          </a:fontRef>
+        </p:style>
+        <p:txBody>
+          <a:bodyPr rtlCol="0" anchor="ctr"/>
+          <a:lstStyle/>
+          <a:p>
+            <a:pPr algn="ctr"/>
+            <a:endParaRPr lang="en-US"/>
+          </a:p>
+        </p:txBody>
+      </p:sp>
+      <p:sp>
+        <p:nvSpPr>
+          <p:cNvPr id="17" name="Prostokąt: zaokrąglone rogi 16">
+            <a:extLst>
+              <a:ext uri="{FF2B5EF4-FFF2-40B4-BE49-F238E27FC236}">
+                <a16:creationId xmlns:a16="http://schemas.microsoft.com/office/drawing/2014/main" id="{29B3EDB4-AA20-7B1E-2E67-D0B4A67C0906}"/>
+              </a:ext>
+            </a:extLst>
+          </p:cNvPr>
+          <p:cNvSpPr/>
+          <p:nvPr/>
+        </p:nvSpPr>
+        <p:spPr>
+          <a:xfrm>
+            <a:off x="3446108" y="4053087"/>
+            <a:ext cx="7352524" cy="582346"/>
+          </a:xfrm>
+          <a:prstGeom prst="roundRect">
+            <a:avLst/>
+          </a:prstGeom>
+        </p:spPr>
+        <p:style>
+          <a:lnRef idx="1">
+            <a:schemeClr val="accent3"/>
+          </a:lnRef>
+          <a:fillRef idx="2">
+            <a:schemeClr val="accent3"/>
+          </a:fillRef>
+          <a:effectRef idx="1">
+            <a:schemeClr val="accent3"/>
+          </a:effectRef>
+          <a:fontRef idx="minor">
+            <a:schemeClr val="dk1"/>
+          </a:fontRef>
+        </p:style>
+        <p:txBody>
+          <a:bodyPr rtlCol="0" anchor="ctr"/>
+          <a:lstStyle/>
+          <a:p>
+            <a:pPr algn="ctr"/>
+            <a:endParaRPr lang="en-US" sz="2000" b="1" dirty="0"/>
+          </a:p>
+        </p:txBody>
+      </p:sp>
+      <p:sp>
+        <p:nvSpPr>
+          <p:cNvPr id="18" name="Prostokąt: zaokrąglone rogi 17">
+            <a:extLst>
+              <a:ext uri="{FF2B5EF4-FFF2-40B4-BE49-F238E27FC236}">
+                <a16:creationId xmlns:a16="http://schemas.microsoft.com/office/drawing/2014/main" id="{154721C8-F29E-2243-06B1-A602C584922D}"/>
+              </a:ext>
+            </a:extLst>
+          </p:cNvPr>
+          <p:cNvSpPr/>
+          <p:nvPr/>
+        </p:nvSpPr>
+        <p:spPr>
+          <a:xfrm>
+            <a:off x="3446108" y="4762035"/>
+            <a:ext cx="7352524" cy="582346"/>
+          </a:xfrm>
+          <a:prstGeom prst="roundRect">
+            <a:avLst/>
+          </a:prstGeom>
+        </p:spPr>
+        <p:style>
+          <a:lnRef idx="1">
+            <a:schemeClr val="accent3"/>
+          </a:lnRef>
+          <a:fillRef idx="2">
+            <a:schemeClr val="accent3"/>
+          </a:fillRef>
+          <a:effectRef idx="1">
+            <a:schemeClr val="accent3"/>
+          </a:effectRef>
+          <a:fontRef idx="minor">
+            <a:schemeClr val="dk1"/>
+          </a:fontRef>
+        </p:style>
+        <p:txBody>
+          <a:bodyPr rtlCol="0" anchor="ctr"/>
+          <a:lstStyle/>
+          <a:p>
+            <a:pPr algn="ctr"/>
+            <a:endParaRPr lang="en-US"/>
+          </a:p>
+        </p:txBody>
+      </p:sp>
+      <p:sp>
+        <p:nvSpPr>
+          <p:cNvPr id="19" name="Prostokąt: zaokrąglone rogi 18">
+            <a:extLst>
+              <a:ext uri="{FF2B5EF4-FFF2-40B4-BE49-F238E27FC236}">
+                <a16:creationId xmlns:a16="http://schemas.microsoft.com/office/drawing/2014/main" id="{AB90DAFD-234B-7A84-A8D3-4555CC31A120}"/>
+              </a:ext>
+            </a:extLst>
+          </p:cNvPr>
+          <p:cNvSpPr/>
+          <p:nvPr/>
+        </p:nvSpPr>
+        <p:spPr>
+          <a:xfrm>
+            <a:off x="6183089" y="4117212"/>
+            <a:ext cx="1996752" cy="454091"/>
+          </a:xfrm>
+          <a:prstGeom prst="roundRect">
+            <a:avLst/>
+          </a:prstGeom>
+        </p:spPr>
+        <p:style>
+          <a:lnRef idx="1">
+            <a:schemeClr val="accent1"/>
+          </a:lnRef>
+          <a:fillRef idx="2">
+            <a:schemeClr val="accent1"/>
+          </a:fillRef>
+          <a:effectRef idx="1">
+            <a:schemeClr val="accent1"/>
+          </a:effectRef>
+          <a:fontRef idx="minor">
+            <a:schemeClr val="dk1"/>
+          </a:fontRef>
+        </p:style>
+        <p:txBody>
+          <a:bodyPr rtlCol="0" anchor="t"/>
+          <a:lstStyle/>
+          <a:p>
+            <a:pPr algn="ctr"/>
+            <a:r>
+              <a:rPr lang="en-US" dirty="0"/>
+              <a:t>N × </a:t>
+            </a:r>
+            <a:r>
+              <a:rPr lang="en-US" dirty="0" err="1"/>
+              <a:t>RenderMesh</a:t>
+            </a:r>
+            <a:endParaRPr lang="en-US" dirty="0"/>
+          </a:p>
+        </p:txBody>
+      </p:sp>
+      <p:sp>
+        <p:nvSpPr>
+          <p:cNvPr id="21" name="Prostokąt: zaokrąglone rogi 20">
+            <a:extLst>
+              <a:ext uri="{FF2B5EF4-FFF2-40B4-BE49-F238E27FC236}">
+                <a16:creationId xmlns:a16="http://schemas.microsoft.com/office/drawing/2014/main" id="{D583FA01-2820-1FD4-E0D6-EFDA0DDBFAC3}"/>
+              </a:ext>
+            </a:extLst>
+          </p:cNvPr>
+          <p:cNvSpPr/>
+          <p:nvPr/>
+        </p:nvSpPr>
+        <p:spPr>
+          <a:xfrm>
+            <a:off x="3446108" y="5470983"/>
+            <a:ext cx="7352524" cy="582346"/>
+          </a:xfrm>
+          <a:prstGeom prst="roundRect">
+            <a:avLst/>
+          </a:prstGeom>
+        </p:spPr>
+        <p:style>
+          <a:lnRef idx="1">
+            <a:schemeClr val="accent3"/>
+          </a:lnRef>
+          <a:fillRef idx="2">
+            <a:schemeClr val="accent3"/>
+          </a:fillRef>
+          <a:effectRef idx="1">
+            <a:schemeClr val="accent3"/>
+          </a:effectRef>
+          <a:fontRef idx="minor">
+            <a:schemeClr val="dk1"/>
+          </a:fontRef>
+        </p:style>
+        <p:txBody>
+          <a:bodyPr rtlCol="0" anchor="ctr"/>
+          <a:lstStyle/>
+          <a:p>
+            <a:pPr algn="ctr"/>
+            <a:endParaRPr lang="en-US" sz="1800" b="1" dirty="0"/>
+          </a:p>
+        </p:txBody>
+      </p:sp>
+      <p:sp>
+        <p:nvSpPr>
+          <p:cNvPr id="22" name="Prostokąt: zaokrąglone rogi 21">
+            <a:extLst>
+              <a:ext uri="{FF2B5EF4-FFF2-40B4-BE49-F238E27FC236}">
+                <a16:creationId xmlns:a16="http://schemas.microsoft.com/office/drawing/2014/main" id="{BF595126-B4DB-766D-BB40-875AEB9834EA}"/>
+              </a:ext>
+            </a:extLst>
+          </p:cNvPr>
+          <p:cNvSpPr/>
+          <p:nvPr/>
+        </p:nvSpPr>
+        <p:spPr>
+          <a:xfrm>
+            <a:off x="4040153" y="5543383"/>
+            <a:ext cx="1996752" cy="454091"/>
+          </a:xfrm>
+          <a:prstGeom prst="roundRect">
+            <a:avLst/>
+          </a:prstGeom>
+        </p:spPr>
+        <p:style>
+          <a:lnRef idx="1">
+            <a:schemeClr val="accent1"/>
+          </a:lnRef>
+          <a:fillRef idx="2">
+            <a:schemeClr val="accent1"/>
+          </a:fillRef>
+          <a:effectRef idx="1">
+            <a:schemeClr val="accent1"/>
+          </a:effectRef>
+          <a:fontRef idx="minor">
+            <a:schemeClr val="dk1"/>
+          </a:fontRef>
+        </p:style>
+        <p:txBody>
+          <a:bodyPr rtlCol="0" anchor="t"/>
+          <a:lstStyle/>
+          <a:p>
+            <a:pPr algn="ctr"/>
+            <a:r>
+              <a:rPr lang="en-US" dirty="0"/>
+              <a:t>Skeleton</a:t>
+            </a:r>
+          </a:p>
+        </p:txBody>
+      </p:sp>
+      <p:sp>
+        <p:nvSpPr>
+          <p:cNvPr id="23" name="Prostokąt: zaokrąglone rogi 22">
+            <a:extLst>
+              <a:ext uri="{FF2B5EF4-FFF2-40B4-BE49-F238E27FC236}">
+                <a16:creationId xmlns:a16="http://schemas.microsoft.com/office/drawing/2014/main" id="{3E9B9E4D-B225-7EED-713C-596F474BCFDF}"/>
+              </a:ext>
+            </a:extLst>
+          </p:cNvPr>
+          <p:cNvSpPr/>
+          <p:nvPr/>
+        </p:nvSpPr>
+        <p:spPr>
+          <a:xfrm>
+            <a:off x="6123994" y="5543383"/>
+            <a:ext cx="1996752" cy="454091"/>
+          </a:xfrm>
+          <a:prstGeom prst="roundRect">
+            <a:avLst/>
+          </a:prstGeom>
+        </p:spPr>
+        <p:style>
+          <a:lnRef idx="1">
+            <a:schemeClr val="accent1"/>
+          </a:lnRef>
+          <a:fillRef idx="2">
+            <a:schemeClr val="accent1"/>
+          </a:fillRef>
+          <a:effectRef idx="1">
+            <a:schemeClr val="accent1"/>
+          </a:effectRef>
+          <a:fontRef idx="minor">
+            <a:schemeClr val="dk1"/>
+          </a:fontRef>
+        </p:style>
+        <p:txBody>
+          <a:bodyPr rtlCol="0" anchor="t"/>
+          <a:lstStyle/>
+          <a:p>
+            <a:pPr algn="ctr"/>
+            <a:r>
+              <a:rPr lang="en-US" dirty="0"/>
+              <a:t>Model</a:t>
+            </a:r>
+          </a:p>
+        </p:txBody>
+      </p:sp>
+      <p:sp>
+        <p:nvSpPr>
+          <p:cNvPr id="24" name="Prostokąt: zaokrąglone rogi 23">
+            <a:extLst>
+              <a:ext uri="{FF2B5EF4-FFF2-40B4-BE49-F238E27FC236}">
+                <a16:creationId xmlns:a16="http://schemas.microsoft.com/office/drawing/2014/main" id="{CA4F5D74-F9C0-33DB-A6C3-11AF9EF90C8F}"/>
+              </a:ext>
+            </a:extLst>
+          </p:cNvPr>
+          <p:cNvSpPr/>
+          <p:nvPr/>
+        </p:nvSpPr>
+        <p:spPr>
+          <a:xfrm>
+            <a:off x="4049486" y="1990365"/>
+            <a:ext cx="1996752" cy="454090"/>
+          </a:xfrm>
+          <a:prstGeom prst="roundRect">
+            <a:avLst/>
+          </a:prstGeom>
+        </p:spPr>
+        <p:style>
+          <a:lnRef idx="1">
+            <a:schemeClr val="accent1"/>
+          </a:lnRef>
+          <a:fillRef idx="2">
+            <a:schemeClr val="accent1"/>
+          </a:fillRef>
+          <a:effectRef idx="1">
+            <a:schemeClr val="accent1"/>
+          </a:effectRef>
+          <a:fontRef idx="minor">
+            <a:schemeClr val="dk1"/>
+          </a:fontRef>
+        </p:style>
+        <p:txBody>
+          <a:bodyPr rtlCol="0" anchor="ctr"/>
+          <a:lstStyle/>
+          <a:p>
+            <a:pPr algn="ctr"/>
+            <a:r>
+              <a:rPr lang="en-US" dirty="0" err="1"/>
+              <a:t>ShadingModel</a:t>
+            </a:r>
+            <a:endParaRPr lang="en-US" dirty="0"/>
+          </a:p>
+        </p:txBody>
+      </p:sp>
+      <p:sp>
+        <p:nvSpPr>
+          <p:cNvPr id="25" name="Prostokąt: zaokrąglone rogi 24">
+            <a:extLst>
+              <a:ext uri="{FF2B5EF4-FFF2-40B4-BE49-F238E27FC236}">
+                <a16:creationId xmlns:a16="http://schemas.microsoft.com/office/drawing/2014/main" id="{7B90A194-A5C2-66A5-F7C2-BEDE06203A33}"/>
+              </a:ext>
+            </a:extLst>
+          </p:cNvPr>
+          <p:cNvSpPr/>
+          <p:nvPr/>
+        </p:nvSpPr>
+        <p:spPr>
+          <a:xfrm>
+            <a:off x="6127101" y="1990171"/>
+            <a:ext cx="1996752" cy="454091"/>
+          </a:xfrm>
+          <a:prstGeom prst="roundRect">
+            <a:avLst/>
+          </a:prstGeom>
+        </p:spPr>
+        <p:style>
+          <a:lnRef idx="1">
+            <a:schemeClr val="accent1"/>
+          </a:lnRef>
+          <a:fillRef idx="2">
+            <a:schemeClr val="accent1"/>
+          </a:fillRef>
+          <a:effectRef idx="1">
+            <a:schemeClr val="accent1"/>
+          </a:effectRef>
+          <a:fontRef idx="minor">
+            <a:schemeClr val="dk1"/>
+          </a:fontRef>
+        </p:style>
+        <p:txBody>
+          <a:bodyPr rtlCol="0" anchor="t"/>
+          <a:lstStyle/>
+          <a:p>
+            <a:pPr algn="ctr"/>
+            <a:r>
+              <a:rPr lang="en-US" sz="1800" b="1" dirty="0"/>
+              <a:t>N × </a:t>
+            </a:r>
+            <a:r>
+              <a:rPr lang="en-US" dirty="0"/>
+              <a:t>Texture</a:t>
+            </a:r>
+          </a:p>
+        </p:txBody>
+      </p:sp>
+      <p:sp>
+        <p:nvSpPr>
+          <p:cNvPr id="26" name="Prostokąt: zaokrąglone rogi 25">
+            <a:extLst>
+              <a:ext uri="{FF2B5EF4-FFF2-40B4-BE49-F238E27FC236}">
+                <a16:creationId xmlns:a16="http://schemas.microsoft.com/office/drawing/2014/main" id="{F42F88EB-1A34-1A30-5484-700E344CD7B0}"/>
+              </a:ext>
+            </a:extLst>
+          </p:cNvPr>
+          <p:cNvSpPr/>
+          <p:nvPr/>
+        </p:nvSpPr>
+        <p:spPr>
+          <a:xfrm>
+            <a:off x="5097624" y="1281419"/>
+            <a:ext cx="1996752" cy="454090"/>
+          </a:xfrm>
+          <a:prstGeom prst="roundRect">
+            <a:avLst/>
+          </a:prstGeom>
+        </p:spPr>
+        <p:style>
+          <a:lnRef idx="1">
+            <a:schemeClr val="accent1"/>
+          </a:lnRef>
+          <a:fillRef idx="2">
+            <a:schemeClr val="accent1"/>
+          </a:fillRef>
+          <a:effectRef idx="1">
+            <a:schemeClr val="accent1"/>
+          </a:effectRef>
+          <a:fontRef idx="minor">
+            <a:schemeClr val="dk1"/>
+          </a:fontRef>
+        </p:style>
+        <p:txBody>
+          <a:bodyPr rtlCol="0" anchor="ctr"/>
+          <a:lstStyle/>
+          <a:p>
+            <a:pPr algn="ctr"/>
+            <a:r>
+              <a:rPr lang="en-US" dirty="0"/>
+              <a:t>Shader</a:t>
+            </a:r>
+          </a:p>
+        </p:txBody>
+      </p:sp>
+      <p:sp>
+        <p:nvSpPr>
+          <p:cNvPr id="27" name="Prostokąt: zaokrąglone rogi 26">
+            <a:extLst>
+              <a:ext uri="{FF2B5EF4-FFF2-40B4-BE49-F238E27FC236}">
+                <a16:creationId xmlns:a16="http://schemas.microsoft.com/office/drawing/2014/main" id="{569493F9-F3EC-0062-A180-C93A667ADF67}"/>
+              </a:ext>
+            </a:extLst>
+          </p:cNvPr>
+          <p:cNvSpPr/>
+          <p:nvPr/>
+        </p:nvSpPr>
+        <p:spPr>
+          <a:xfrm>
+            <a:off x="7181465" y="1281419"/>
+            <a:ext cx="1996752" cy="454090"/>
+          </a:xfrm>
+          <a:prstGeom prst="roundRect">
+            <a:avLst/>
+          </a:prstGeom>
+        </p:spPr>
+        <p:style>
+          <a:lnRef idx="1">
+            <a:schemeClr val="accent4"/>
+          </a:lnRef>
+          <a:fillRef idx="2">
+            <a:schemeClr val="accent4"/>
+          </a:fillRef>
+          <a:effectRef idx="1">
+            <a:schemeClr val="accent4"/>
+          </a:effectRef>
+          <a:fontRef idx="minor">
+            <a:schemeClr val="dk1"/>
+          </a:fontRef>
+        </p:style>
+        <p:txBody>
+          <a:bodyPr rtlCol="0" anchor="ctr"/>
+          <a:lstStyle/>
+          <a:p>
+            <a:pPr algn="ctr"/>
+            <a:r>
+              <a:rPr lang="en-US" sz="1400" dirty="0"/>
+              <a:t>Shader parameters (samplers, uniforms)</a:t>
+            </a:r>
+          </a:p>
+        </p:txBody>
+      </p:sp>
+      <p:sp>
+        <p:nvSpPr>
+          <p:cNvPr id="28" name="Prostokąt: zaokrąglone rogi 27">
+            <a:extLst>
+              <a:ext uri="{FF2B5EF4-FFF2-40B4-BE49-F238E27FC236}">
+                <a16:creationId xmlns:a16="http://schemas.microsoft.com/office/drawing/2014/main" id="{5C27AB83-49D2-7C3E-5AC5-6488022D575E}"/>
+              </a:ext>
+            </a:extLst>
+          </p:cNvPr>
+          <p:cNvSpPr/>
+          <p:nvPr/>
+        </p:nvSpPr>
+        <p:spPr>
+          <a:xfrm>
+            <a:off x="8204716" y="1990172"/>
+            <a:ext cx="1996752" cy="454090"/>
+          </a:xfrm>
+          <a:prstGeom prst="roundRect">
+            <a:avLst/>
+          </a:prstGeom>
+        </p:spPr>
+        <p:style>
+          <a:lnRef idx="1">
+            <a:schemeClr val="accent4"/>
+          </a:lnRef>
+          <a:fillRef idx="2">
+            <a:schemeClr val="accent4"/>
+          </a:fillRef>
+          <a:effectRef idx="1">
+            <a:schemeClr val="accent4"/>
+          </a:effectRef>
+          <a:fontRef idx="minor">
+            <a:schemeClr val="dk1"/>
+          </a:fontRef>
+        </p:style>
+        <p:txBody>
+          <a:bodyPr rtlCol="0" anchor="ctr"/>
+          <a:lstStyle/>
+          <a:p>
+            <a:pPr algn="ctr"/>
+            <a:r>
+              <a:rPr lang="en-US" sz="1400" dirty="0"/>
+              <a:t>Uniform Values</a:t>
+            </a:r>
+          </a:p>
+        </p:txBody>
+      </p:sp>
+      <p:sp>
+        <p:nvSpPr>
+          <p:cNvPr id="29" name="Prostokąt: zaokrąglone rogi 28">
+            <a:extLst>
+              <a:ext uri="{FF2B5EF4-FFF2-40B4-BE49-F238E27FC236}">
+                <a16:creationId xmlns:a16="http://schemas.microsoft.com/office/drawing/2014/main" id="{ABDC9015-5091-503D-A9A9-AB69ED341999}"/>
+              </a:ext>
+            </a:extLst>
+          </p:cNvPr>
+          <p:cNvSpPr/>
+          <p:nvPr/>
+        </p:nvSpPr>
+        <p:spPr>
+          <a:xfrm>
+            <a:off x="6123994" y="2699315"/>
+            <a:ext cx="1996752" cy="454090"/>
+          </a:xfrm>
+          <a:prstGeom prst="roundRect">
+            <a:avLst/>
+          </a:prstGeom>
+        </p:spPr>
+        <p:style>
+          <a:lnRef idx="1">
+            <a:schemeClr val="accent4"/>
+          </a:lnRef>
+          <a:fillRef idx="2">
+            <a:schemeClr val="accent4"/>
+          </a:fillRef>
+          <a:effectRef idx="1">
+            <a:schemeClr val="accent4"/>
+          </a:effectRef>
+          <a:fontRef idx="minor">
+            <a:schemeClr val="dk1"/>
+          </a:fontRef>
+        </p:style>
+        <p:txBody>
+          <a:bodyPr rtlCol="0" anchor="ctr"/>
+          <a:lstStyle/>
+          <a:p>
+            <a:pPr algn="ctr"/>
+            <a:r>
+              <a:rPr lang="en-US" sz="1400" dirty="0"/>
+              <a:t>Vertices and Indices</a:t>
+            </a:r>
+          </a:p>
+        </p:txBody>
+      </p:sp>
+      <p:sp>
+        <p:nvSpPr>
+          <p:cNvPr id="30" name="Prostokąt: zaokrąglone rogi 29">
+            <a:extLst>
+              <a:ext uri="{FF2B5EF4-FFF2-40B4-BE49-F238E27FC236}">
+                <a16:creationId xmlns:a16="http://schemas.microsoft.com/office/drawing/2014/main" id="{99303775-020C-8FCE-35FF-1F7E6C962DA7}"/>
+              </a:ext>
+            </a:extLst>
+          </p:cNvPr>
+          <p:cNvSpPr/>
+          <p:nvPr/>
+        </p:nvSpPr>
+        <p:spPr>
+          <a:xfrm>
+            <a:off x="6183089" y="4826163"/>
+            <a:ext cx="1996752" cy="454090"/>
+          </a:xfrm>
+          <a:prstGeom prst="roundRect">
+            <a:avLst/>
+          </a:prstGeom>
+        </p:spPr>
+        <p:style>
+          <a:lnRef idx="1">
+            <a:schemeClr val="accent4"/>
+          </a:lnRef>
+          <a:fillRef idx="2">
+            <a:schemeClr val="accent4"/>
+          </a:fillRef>
+          <a:effectRef idx="1">
+            <a:schemeClr val="accent4"/>
+          </a:effectRef>
+          <a:fontRef idx="minor">
+            <a:schemeClr val="dk1"/>
+          </a:fontRef>
+        </p:style>
+        <p:txBody>
+          <a:bodyPr rtlCol="0" anchor="ctr"/>
+          <a:lstStyle/>
+          <a:p>
+            <a:pPr algn="ctr"/>
+            <a:r>
+              <a:rPr lang="en-US" sz="1100" dirty="0"/>
+              <a:t>Hierarchy of transforms with default values (base pose)</a:t>
+            </a:r>
+          </a:p>
+        </p:txBody>
+      </p:sp>
+      <p:sp>
+        <p:nvSpPr>
+          <p:cNvPr id="5" name="Prostokąt: zaokrąglone rogi 4">
+            <a:extLst>
+              <a:ext uri="{FF2B5EF4-FFF2-40B4-BE49-F238E27FC236}">
+                <a16:creationId xmlns:a16="http://schemas.microsoft.com/office/drawing/2014/main" id="{557E3F4A-60E9-DCA0-D97F-434355F2C91D}"/>
+              </a:ext>
+            </a:extLst>
+          </p:cNvPr>
+          <p:cNvSpPr/>
+          <p:nvPr/>
+        </p:nvSpPr>
+        <p:spPr>
+          <a:xfrm>
+            <a:off x="1539550" y="3408263"/>
+            <a:ext cx="1996752" cy="454091"/>
+          </a:xfrm>
+          <a:prstGeom prst="roundRect">
+            <a:avLst/>
+          </a:prstGeom>
+        </p:spPr>
+        <p:style>
+          <a:lnRef idx="1">
+            <a:schemeClr val="accent1"/>
+          </a:lnRef>
+          <a:fillRef idx="2">
+            <a:schemeClr val="accent1"/>
+          </a:fillRef>
+          <a:effectRef idx="1">
+            <a:schemeClr val="accent1"/>
+          </a:effectRef>
+          <a:fontRef idx="minor">
+            <a:schemeClr val="dk1"/>
+          </a:fontRef>
+        </p:style>
+        <p:txBody>
+          <a:bodyPr rtlCol="0" anchor="t"/>
+          <a:lstStyle/>
+          <a:p>
+            <a:pPr algn="ctr"/>
+            <a:r>
+              <a:rPr lang="en-US" dirty="0" err="1"/>
+              <a:t>RenderMesh</a:t>
+            </a:r>
+            <a:endParaRPr lang="en-US" dirty="0"/>
+          </a:p>
+        </p:txBody>
+      </p:sp>
+      <p:sp>
+        <p:nvSpPr>
+          <p:cNvPr id="3" name="Prostokąt: zaokrąglone rogi 2">
+            <a:extLst>
+              <a:ext uri="{FF2B5EF4-FFF2-40B4-BE49-F238E27FC236}">
+                <a16:creationId xmlns:a16="http://schemas.microsoft.com/office/drawing/2014/main" id="{C4776758-F8EB-4357-8F25-C44477D42B3E}"/>
+              </a:ext>
+            </a:extLst>
+          </p:cNvPr>
+          <p:cNvSpPr/>
+          <p:nvPr/>
+        </p:nvSpPr>
+        <p:spPr>
+          <a:xfrm>
+            <a:off x="1539549" y="2699315"/>
+            <a:ext cx="1996752" cy="454090"/>
+          </a:xfrm>
+          <a:prstGeom prst="roundRect">
+            <a:avLst/>
+          </a:prstGeom>
+        </p:spPr>
+        <p:style>
+          <a:lnRef idx="1">
+            <a:schemeClr val="accent1"/>
+          </a:lnRef>
+          <a:fillRef idx="2">
+            <a:schemeClr val="accent1"/>
+          </a:fillRef>
+          <a:effectRef idx="1">
+            <a:schemeClr val="accent1"/>
+          </a:effectRef>
+          <a:fontRef idx="minor">
+            <a:schemeClr val="dk1"/>
+          </a:fontRef>
+        </p:style>
+        <p:txBody>
+          <a:bodyPr rtlCol="0" anchor="ctr"/>
+          <a:lstStyle/>
+          <a:p>
+            <a:pPr algn="ctr"/>
+            <a:r>
+              <a:rPr lang="en-US" dirty="0"/>
+              <a:t>Mesh</a:t>
+            </a:r>
+          </a:p>
+        </p:txBody>
+      </p:sp>
+      <p:sp>
+        <p:nvSpPr>
+          <p:cNvPr id="4" name="Prostokąt: zaokrąglone rogi 3">
+            <a:extLst>
+              <a:ext uri="{FF2B5EF4-FFF2-40B4-BE49-F238E27FC236}">
+                <a16:creationId xmlns:a16="http://schemas.microsoft.com/office/drawing/2014/main" id="{8052E21F-3AB5-BDE8-DC91-780EA97C6F68}"/>
+              </a:ext>
+            </a:extLst>
+          </p:cNvPr>
+          <p:cNvSpPr/>
+          <p:nvPr/>
+        </p:nvSpPr>
+        <p:spPr>
+          <a:xfrm>
+            <a:off x="1539549" y="1990367"/>
+            <a:ext cx="1996752" cy="454090"/>
+          </a:xfrm>
+          <a:prstGeom prst="roundRect">
+            <a:avLst/>
+          </a:prstGeom>
+        </p:spPr>
+        <p:style>
+          <a:lnRef idx="1">
+            <a:schemeClr val="accent1"/>
+          </a:lnRef>
+          <a:fillRef idx="2">
+            <a:schemeClr val="accent1"/>
+          </a:fillRef>
+          <a:effectRef idx="1">
+            <a:schemeClr val="accent1"/>
+          </a:effectRef>
+          <a:fontRef idx="minor">
+            <a:schemeClr val="dk1"/>
+          </a:fontRef>
+        </p:style>
+        <p:txBody>
+          <a:bodyPr rtlCol="0" anchor="ctr"/>
+          <a:lstStyle/>
+          <a:p>
+            <a:pPr algn="ctr"/>
+            <a:r>
+              <a:rPr lang="en-US" dirty="0"/>
+              <a:t>Material</a:t>
+            </a:r>
+          </a:p>
+        </p:txBody>
+      </p:sp>
+      <p:sp>
+        <p:nvSpPr>
+          <p:cNvPr id="8" name="Prostokąt: zaokrąglone rogi 7">
+            <a:extLst>
+              <a:ext uri="{FF2B5EF4-FFF2-40B4-BE49-F238E27FC236}">
+                <a16:creationId xmlns:a16="http://schemas.microsoft.com/office/drawing/2014/main" id="{09686041-2BBF-BF0F-1A49-FF7BCFEAFFEC}"/>
+              </a:ext>
+            </a:extLst>
+          </p:cNvPr>
+          <p:cNvSpPr/>
+          <p:nvPr/>
+        </p:nvSpPr>
+        <p:spPr>
+          <a:xfrm>
+            <a:off x="1539549" y="4117212"/>
+            <a:ext cx="1996752" cy="454091"/>
+          </a:xfrm>
+          <a:prstGeom prst="roundRect">
+            <a:avLst/>
+          </a:prstGeom>
+        </p:spPr>
+        <p:style>
+          <a:lnRef idx="1">
+            <a:schemeClr val="accent1"/>
+          </a:lnRef>
+          <a:fillRef idx="2">
+            <a:schemeClr val="accent1"/>
+          </a:fillRef>
+          <a:effectRef idx="1">
+            <a:schemeClr val="accent1"/>
+          </a:effectRef>
+          <a:fontRef idx="minor">
+            <a:schemeClr val="dk1"/>
+          </a:fontRef>
+        </p:style>
+        <p:txBody>
+          <a:bodyPr rtlCol="0" anchor="t"/>
+          <a:lstStyle/>
+          <a:p>
+            <a:pPr algn="ctr"/>
+            <a:r>
+              <a:rPr lang="en-US" dirty="0"/>
+              <a:t>Model</a:t>
+            </a:r>
+          </a:p>
+        </p:txBody>
+      </p:sp>
+      <p:sp>
+        <p:nvSpPr>
+          <p:cNvPr id="9" name="Prostokąt: zaokrąglone rogi 8">
+            <a:extLst>
+              <a:ext uri="{FF2B5EF4-FFF2-40B4-BE49-F238E27FC236}">
+                <a16:creationId xmlns:a16="http://schemas.microsoft.com/office/drawing/2014/main" id="{855B2F68-687D-EDD6-4E78-2D44B5FF46A4}"/>
+              </a:ext>
+            </a:extLst>
+          </p:cNvPr>
+          <p:cNvSpPr/>
+          <p:nvPr/>
+        </p:nvSpPr>
+        <p:spPr>
+          <a:xfrm>
+            <a:off x="1539549" y="4826163"/>
+            <a:ext cx="1996752" cy="454091"/>
+          </a:xfrm>
+          <a:prstGeom prst="roundRect">
+            <a:avLst/>
+          </a:prstGeom>
+        </p:spPr>
+        <p:style>
+          <a:lnRef idx="1">
+            <a:schemeClr val="accent1"/>
+          </a:lnRef>
+          <a:fillRef idx="2">
+            <a:schemeClr val="accent1"/>
+          </a:fillRef>
+          <a:effectRef idx="1">
+            <a:schemeClr val="accent1"/>
+          </a:effectRef>
+          <a:fontRef idx="minor">
+            <a:schemeClr val="dk1"/>
+          </a:fontRef>
+        </p:style>
+        <p:txBody>
+          <a:bodyPr rtlCol="0" anchor="t"/>
+          <a:lstStyle/>
+          <a:p>
+            <a:pPr algn="ctr"/>
+            <a:r>
+              <a:rPr lang="en-US" dirty="0"/>
+              <a:t>Skeleton</a:t>
+            </a:r>
+          </a:p>
+        </p:txBody>
+      </p:sp>
+      <p:sp>
+        <p:nvSpPr>
+          <p:cNvPr id="10" name="Prostokąt: zaokrąglone rogi 9">
+            <a:extLst>
+              <a:ext uri="{FF2B5EF4-FFF2-40B4-BE49-F238E27FC236}">
+                <a16:creationId xmlns:a16="http://schemas.microsoft.com/office/drawing/2014/main" id="{CF0201FE-182B-A715-5EFB-89E3DB288C39}"/>
+              </a:ext>
+            </a:extLst>
+          </p:cNvPr>
+          <p:cNvSpPr/>
+          <p:nvPr/>
+        </p:nvSpPr>
+        <p:spPr>
+          <a:xfrm>
+            <a:off x="1539549" y="1281419"/>
+            <a:ext cx="1996752" cy="454090"/>
+          </a:xfrm>
+          <a:prstGeom prst="roundRect">
+            <a:avLst/>
+          </a:prstGeom>
+        </p:spPr>
+        <p:style>
+          <a:lnRef idx="1">
+            <a:schemeClr val="accent1"/>
+          </a:lnRef>
+          <a:fillRef idx="2">
+            <a:schemeClr val="accent1"/>
+          </a:fillRef>
+          <a:effectRef idx="1">
+            <a:schemeClr val="accent1"/>
+          </a:effectRef>
+          <a:fontRef idx="minor">
+            <a:schemeClr val="dk1"/>
+          </a:fontRef>
+        </p:style>
+        <p:txBody>
+          <a:bodyPr rtlCol="0" anchor="ctr"/>
+          <a:lstStyle/>
+          <a:p>
+            <a:pPr algn="ctr"/>
+            <a:r>
+              <a:rPr lang="en-US" dirty="0" err="1"/>
+              <a:t>ShadingModel</a:t>
+            </a:r>
+            <a:endParaRPr lang="en-US" dirty="0"/>
+          </a:p>
+        </p:txBody>
+      </p:sp>
+      <p:sp>
+        <p:nvSpPr>
+          <p:cNvPr id="20" name="Prostokąt: zaokrąglone rogi 19">
+            <a:extLst>
+              <a:ext uri="{FF2B5EF4-FFF2-40B4-BE49-F238E27FC236}">
+                <a16:creationId xmlns:a16="http://schemas.microsoft.com/office/drawing/2014/main" id="{E974B9BC-FF5E-6BA1-5D41-9FA952D76AE8}"/>
+              </a:ext>
+            </a:extLst>
+          </p:cNvPr>
+          <p:cNvSpPr/>
+          <p:nvPr/>
+        </p:nvSpPr>
+        <p:spPr>
+          <a:xfrm>
+            <a:off x="1539549" y="5535108"/>
+            <a:ext cx="1996752" cy="454091"/>
+          </a:xfrm>
+          <a:prstGeom prst="roundRect">
+            <a:avLst/>
+          </a:prstGeom>
+        </p:spPr>
+        <p:style>
+          <a:lnRef idx="1">
+            <a:schemeClr val="accent1"/>
+          </a:lnRef>
+          <a:fillRef idx="2">
+            <a:schemeClr val="accent1"/>
+          </a:fillRef>
+          <a:effectRef idx="1">
+            <a:schemeClr val="accent1"/>
+          </a:effectRef>
+          <a:fontRef idx="minor">
+            <a:schemeClr val="dk1"/>
+          </a:fontRef>
+        </p:style>
+        <p:txBody>
+          <a:bodyPr rtlCol="0" anchor="t"/>
+          <a:lstStyle/>
+          <a:p>
+            <a:pPr algn="ctr"/>
+            <a:r>
+              <a:rPr lang="en-US" dirty="0" err="1"/>
+              <a:t>SkinnedModel</a:t>
+            </a:r>
+            <a:endParaRPr lang="en-US" dirty="0"/>
+          </a:p>
+        </p:txBody>
+      </p:sp>
+      <p:sp>
+        <p:nvSpPr>
+          <p:cNvPr id="32" name="Prostokąt: zaokrąglone rogi 31">
+            <a:extLst>
+              <a:ext uri="{FF2B5EF4-FFF2-40B4-BE49-F238E27FC236}">
+                <a16:creationId xmlns:a16="http://schemas.microsoft.com/office/drawing/2014/main" id="{EDDA5CDE-6FD3-ACBF-8E5B-F0BE562B71B9}"/>
+              </a:ext>
+            </a:extLst>
+          </p:cNvPr>
+          <p:cNvSpPr/>
+          <p:nvPr/>
+        </p:nvSpPr>
+        <p:spPr>
+          <a:xfrm>
+            <a:off x="8204716" y="5543384"/>
+            <a:ext cx="1996752" cy="454090"/>
+          </a:xfrm>
+          <a:prstGeom prst="roundRect">
+            <a:avLst/>
+          </a:prstGeom>
+        </p:spPr>
+        <p:style>
+          <a:lnRef idx="1">
+            <a:schemeClr val="accent4"/>
+          </a:lnRef>
+          <a:fillRef idx="2">
+            <a:schemeClr val="accent4"/>
+          </a:fillRef>
+          <a:effectRef idx="1">
+            <a:schemeClr val="accent4"/>
+          </a:effectRef>
+          <a:fontRef idx="minor">
+            <a:schemeClr val="dk1"/>
+          </a:fontRef>
+        </p:style>
+        <p:txBody>
+          <a:bodyPr rtlCol="0" anchor="ctr"/>
+          <a:lstStyle/>
+          <a:p>
+            <a:pPr algn="ctr"/>
+            <a:r>
+              <a:rPr lang="en-US" sz="1400" dirty="0"/>
+              <a:t>Skinning</a:t>
+            </a:r>
+          </a:p>
+        </p:txBody>
+      </p:sp>
+    </p:spTree>
+    <p:extLst>
+      <p:ext uri="{BB962C8B-B14F-4D97-AF65-F5344CB8AC3E}">
+        <p14:creationId xmlns:p14="http://schemas.microsoft.com/office/powerpoint/2010/main" val="3986972889"/>
+      </p:ext>
+    </p:extLst>
+  </p:cSld>
+  <p:clrMapOvr>
+    <a:masterClrMapping/>
+  </p:clrMapOvr>
+</p:sld>
+</file>
+
+<file path=ppt/slides/slide4.xml><?xml version="1.0" encoding="utf-8"?>
+<p:sld xmlns:a="http://schemas.openxmlformats.org/drawingml/2006/main" xmlns:r="http://schemas.openxmlformats.org/officeDocument/2006/relationships" xmlns:p="http://schemas.openxmlformats.org/presentationml/2006/main">
+  <p:cSld>
+    <p:spTree>
+      <p:nvGrpSpPr>
         <p:cNvPr id="1" name="">
           <a:extLst>
             <a:ext uri="{FF2B5EF4-FFF2-40B4-BE49-F238E27FC236}">
@@ -6541,7 +7879,7 @@
 </p:sld>
 </file>
 
-<file path=ppt/slides/slide4.xml><?xml version="1.0" encoding="utf-8"?>
+<file path=ppt/slides/slide5.xml><?xml version="1.0" encoding="utf-8"?>
 <p:sld xmlns:a="http://schemas.openxmlformats.org/drawingml/2006/main" xmlns:r="http://schemas.openxmlformats.org/officeDocument/2006/relationships" xmlns:p="http://schemas.openxmlformats.org/presentationml/2006/main">
   <p:cSld>
     <p:spTree>
@@ -8247,7 +9585,7 @@
 </p:sld>
 </file>
 
-<file path=ppt/slides/slide5.xml><?xml version="1.0" encoding="utf-8"?>
+<file path=ppt/slides/slide6.xml><?xml version="1.0" encoding="utf-8"?>
 <p:sld xmlns:a="http://schemas.openxmlformats.org/drawingml/2006/main" xmlns:r="http://schemas.openxmlformats.org/officeDocument/2006/relationships" xmlns:p="http://schemas.openxmlformats.org/presentationml/2006/main">
   <p:cSld>
     <p:spTree>
@@ -10641,7 +11979,7 @@
 </p:sld>
 </file>
 
-<file path=ppt/slides/slide6.xml><?xml version="1.0" encoding="utf-8"?>
+<file path=ppt/slides/slide7.xml><?xml version="1.0" encoding="utf-8"?>
 <p:sld xmlns:a="http://schemas.openxmlformats.org/drawingml/2006/main" xmlns:r="http://schemas.openxmlformats.org/officeDocument/2006/relationships" xmlns:p="http://schemas.openxmlformats.org/presentationml/2006/main">
   <p:cSld>
     <p:spTree>
@@ -11462,1344 +12800,6 @@
     <p:extLst>
       <p:ext uri="{BB962C8B-B14F-4D97-AF65-F5344CB8AC3E}">
         <p14:creationId xmlns:p14="http://schemas.microsoft.com/office/powerpoint/2010/main" val="786740795"/>
-      </p:ext>
-    </p:extLst>
-  </p:cSld>
-  <p:clrMapOvr>
-    <a:masterClrMapping/>
-  </p:clrMapOvr>
-</p:sld>
-</file>
-
-<file path=ppt/slides/slide7.xml><?xml version="1.0" encoding="utf-8"?>
-<p:sld xmlns:a="http://schemas.openxmlformats.org/drawingml/2006/main" xmlns:r="http://schemas.openxmlformats.org/officeDocument/2006/relationships" xmlns:p="http://schemas.openxmlformats.org/presentationml/2006/main">
-  <p:cSld>
-    <p:spTree>
-      <p:nvGrpSpPr>
-        <p:cNvPr id="1" name=""/>
-        <p:cNvGrpSpPr/>
-        <p:nvPr/>
-      </p:nvGrpSpPr>
-      <p:grpSpPr>
-        <a:xfrm>
-          <a:off x="0" y="0"/>
-          <a:ext cx="0" cy="0"/>
-          <a:chOff x="0" y="0"/>
-          <a:chExt cx="0" cy="0"/>
-        </a:xfrm>
-      </p:grpSpPr>
-      <p:sp>
-        <p:nvSpPr>
-          <p:cNvPr id="16" name="Prostokąt: zaokrąglone rogi 15">
-            <a:extLst>
-              <a:ext uri="{FF2B5EF4-FFF2-40B4-BE49-F238E27FC236}">
-                <a16:creationId xmlns:a16="http://schemas.microsoft.com/office/drawing/2014/main" id="{2A0423BC-C930-8484-D2D7-D42A2484E299}"/>
-              </a:ext>
-            </a:extLst>
-          </p:cNvPr>
-          <p:cNvSpPr/>
-          <p:nvPr/>
-        </p:nvSpPr>
-        <p:spPr>
-          <a:xfrm>
-            <a:off x="3446108" y="3344138"/>
-            <a:ext cx="7352524" cy="582346"/>
-          </a:xfrm>
-          <a:prstGeom prst="roundRect">
-            <a:avLst/>
-          </a:prstGeom>
-        </p:spPr>
-        <p:style>
-          <a:lnRef idx="1">
-            <a:schemeClr val="accent3"/>
-          </a:lnRef>
-          <a:fillRef idx="2">
-            <a:schemeClr val="accent3"/>
-          </a:fillRef>
-          <a:effectRef idx="1">
-            <a:schemeClr val="accent3"/>
-          </a:effectRef>
-          <a:fontRef idx="minor">
-            <a:schemeClr val="dk1"/>
-          </a:fontRef>
-        </p:style>
-        <p:txBody>
-          <a:bodyPr rtlCol="0" anchor="ctr"/>
-          <a:lstStyle/>
-          <a:p>
-            <a:pPr algn="ctr"/>
-            <a:endParaRPr lang="en-US" sz="2000" b="1" dirty="0"/>
-          </a:p>
-        </p:txBody>
-      </p:sp>
-      <p:sp>
-        <p:nvSpPr>
-          <p:cNvPr id="2" name="Rectangle: Rounded Corners 3">
-            <a:extLst>
-              <a:ext uri="{FF2B5EF4-FFF2-40B4-BE49-F238E27FC236}">
-                <a16:creationId xmlns:a16="http://schemas.microsoft.com/office/drawing/2014/main" id="{404DC3D8-F878-872E-5898-6AFED02B9CDC}"/>
-              </a:ext>
-            </a:extLst>
-          </p:cNvPr>
-          <p:cNvSpPr/>
-          <p:nvPr/>
-        </p:nvSpPr>
-        <p:spPr>
-          <a:xfrm>
-            <a:off x="4057794" y="378414"/>
-            <a:ext cx="3566358" cy="582346"/>
-          </a:xfrm>
-          <a:prstGeom prst="roundRect">
-            <a:avLst/>
-          </a:prstGeom>
-        </p:spPr>
-        <p:style>
-          <a:lnRef idx="0">
-            <a:schemeClr val="accent1"/>
-          </a:lnRef>
-          <a:fillRef idx="3">
-            <a:schemeClr val="accent1"/>
-          </a:fillRef>
-          <a:effectRef idx="3">
-            <a:schemeClr val="accent1"/>
-          </a:effectRef>
-          <a:fontRef idx="minor">
-            <a:schemeClr val="lt1"/>
-          </a:fontRef>
-        </p:style>
-        <p:txBody>
-          <a:bodyPr rtlCol="0" anchor="ctr"/>
-          <a:lstStyle/>
-          <a:p>
-            <a:pPr algn="ctr"/>
-            <a:r>
-              <a:rPr lang="en-US" dirty="0"/>
-              <a:t>Geometry Assets</a:t>
-            </a:r>
-          </a:p>
-        </p:txBody>
-      </p:sp>
-      <p:sp>
-        <p:nvSpPr>
-          <p:cNvPr id="6" name="Prostokąt: zaokrąglone rogi 5">
-            <a:extLst>
-              <a:ext uri="{FF2B5EF4-FFF2-40B4-BE49-F238E27FC236}">
-                <a16:creationId xmlns:a16="http://schemas.microsoft.com/office/drawing/2014/main" id="{7DC1B869-0D55-DBE5-CB6D-B52A1D9AB747}"/>
-              </a:ext>
-            </a:extLst>
-          </p:cNvPr>
-          <p:cNvSpPr/>
-          <p:nvPr/>
-        </p:nvSpPr>
-        <p:spPr>
-          <a:xfrm>
-            <a:off x="5097624" y="3404013"/>
-            <a:ext cx="1996752" cy="454090"/>
-          </a:xfrm>
-          <a:prstGeom prst="roundRect">
-            <a:avLst/>
-          </a:prstGeom>
-        </p:spPr>
-        <p:style>
-          <a:lnRef idx="1">
-            <a:schemeClr val="accent1"/>
-          </a:lnRef>
-          <a:fillRef idx="2">
-            <a:schemeClr val="accent1"/>
-          </a:fillRef>
-          <a:effectRef idx="1">
-            <a:schemeClr val="accent1"/>
-          </a:effectRef>
-          <a:fontRef idx="minor">
-            <a:schemeClr val="dk1"/>
-          </a:fontRef>
-        </p:style>
-        <p:txBody>
-          <a:bodyPr rtlCol="0" anchor="ctr"/>
-          <a:lstStyle/>
-          <a:p>
-            <a:pPr algn="ctr"/>
-            <a:r>
-              <a:rPr lang="en-US" dirty="0"/>
-              <a:t>Mesh</a:t>
-            </a:r>
-          </a:p>
-        </p:txBody>
-      </p:sp>
-      <p:sp>
-        <p:nvSpPr>
-          <p:cNvPr id="7" name="Prostokąt: zaokrąglone rogi 6">
-            <a:extLst>
-              <a:ext uri="{FF2B5EF4-FFF2-40B4-BE49-F238E27FC236}">
-                <a16:creationId xmlns:a16="http://schemas.microsoft.com/office/drawing/2014/main" id="{BA477DC3-49B8-4D7A-AF02-F386BACC8A94}"/>
-              </a:ext>
-            </a:extLst>
-          </p:cNvPr>
-          <p:cNvSpPr/>
-          <p:nvPr/>
-        </p:nvSpPr>
-        <p:spPr>
-          <a:xfrm>
-            <a:off x="7181465" y="3404013"/>
-            <a:ext cx="1996752" cy="454090"/>
-          </a:xfrm>
-          <a:prstGeom prst="roundRect">
-            <a:avLst/>
-          </a:prstGeom>
-        </p:spPr>
-        <p:style>
-          <a:lnRef idx="1">
-            <a:schemeClr val="accent1"/>
-          </a:lnRef>
-          <a:fillRef idx="2">
-            <a:schemeClr val="accent1"/>
-          </a:fillRef>
-          <a:effectRef idx="1">
-            <a:schemeClr val="accent1"/>
-          </a:effectRef>
-          <a:fontRef idx="minor">
-            <a:schemeClr val="dk1"/>
-          </a:fontRef>
-        </p:style>
-        <p:txBody>
-          <a:bodyPr rtlCol="0" anchor="ctr"/>
-          <a:lstStyle/>
-          <a:p>
-            <a:pPr algn="ctr"/>
-            <a:r>
-              <a:rPr lang="en-US" dirty="0"/>
-              <a:t>Material</a:t>
-            </a:r>
-          </a:p>
-        </p:txBody>
-      </p:sp>
-      <p:sp>
-        <p:nvSpPr>
-          <p:cNvPr id="13" name="Prostokąt: zaokrąglone rogi 12">
-            <a:extLst>
-              <a:ext uri="{FF2B5EF4-FFF2-40B4-BE49-F238E27FC236}">
-                <a16:creationId xmlns:a16="http://schemas.microsoft.com/office/drawing/2014/main" id="{A0FD60EF-87B6-6B13-F32F-D0B4B552008D}"/>
-              </a:ext>
-            </a:extLst>
-          </p:cNvPr>
-          <p:cNvSpPr/>
-          <p:nvPr/>
-        </p:nvSpPr>
-        <p:spPr>
-          <a:xfrm>
-            <a:off x="3446108" y="1217291"/>
-            <a:ext cx="7352524" cy="582346"/>
-          </a:xfrm>
-          <a:prstGeom prst="roundRect">
-            <a:avLst/>
-          </a:prstGeom>
-        </p:spPr>
-        <p:style>
-          <a:lnRef idx="1">
-            <a:schemeClr val="accent3"/>
-          </a:lnRef>
-          <a:fillRef idx="2">
-            <a:schemeClr val="accent3"/>
-          </a:fillRef>
-          <a:effectRef idx="1">
-            <a:schemeClr val="accent3"/>
-          </a:effectRef>
-          <a:fontRef idx="minor">
-            <a:schemeClr val="dk1"/>
-          </a:fontRef>
-        </p:style>
-        <p:txBody>
-          <a:bodyPr rtlCol="0" anchor="ctr"/>
-          <a:lstStyle/>
-          <a:p>
-            <a:pPr algn="ctr"/>
-            <a:endParaRPr lang="en-US"/>
-          </a:p>
-        </p:txBody>
-      </p:sp>
-      <p:sp>
-        <p:nvSpPr>
-          <p:cNvPr id="14" name="Prostokąt: zaokrąglone rogi 13">
-            <a:extLst>
-              <a:ext uri="{FF2B5EF4-FFF2-40B4-BE49-F238E27FC236}">
-                <a16:creationId xmlns:a16="http://schemas.microsoft.com/office/drawing/2014/main" id="{897FECBC-4C47-1445-96DB-428BA58D01CB}"/>
-              </a:ext>
-            </a:extLst>
-          </p:cNvPr>
-          <p:cNvSpPr/>
-          <p:nvPr/>
-        </p:nvSpPr>
-        <p:spPr>
-          <a:xfrm>
-            <a:off x="3446108" y="1926240"/>
-            <a:ext cx="7352524" cy="582346"/>
-          </a:xfrm>
-          <a:prstGeom prst="roundRect">
-            <a:avLst/>
-          </a:prstGeom>
-        </p:spPr>
-        <p:style>
-          <a:lnRef idx="1">
-            <a:schemeClr val="accent3"/>
-          </a:lnRef>
-          <a:fillRef idx="2">
-            <a:schemeClr val="accent3"/>
-          </a:fillRef>
-          <a:effectRef idx="1">
-            <a:schemeClr val="accent3"/>
-          </a:effectRef>
-          <a:fontRef idx="minor">
-            <a:schemeClr val="dk1"/>
-          </a:fontRef>
-        </p:style>
-        <p:txBody>
-          <a:bodyPr rtlCol="0" anchor="ctr"/>
-          <a:lstStyle/>
-          <a:p>
-            <a:pPr algn="ctr"/>
-            <a:endParaRPr lang="en-US" sz="1800" b="1" dirty="0"/>
-          </a:p>
-        </p:txBody>
-      </p:sp>
-      <p:sp>
-        <p:nvSpPr>
-          <p:cNvPr id="15" name="Prostokąt: zaokrąglone rogi 14">
-            <a:extLst>
-              <a:ext uri="{FF2B5EF4-FFF2-40B4-BE49-F238E27FC236}">
-                <a16:creationId xmlns:a16="http://schemas.microsoft.com/office/drawing/2014/main" id="{B94F2211-64DC-A131-4117-28163CC5E325}"/>
-              </a:ext>
-            </a:extLst>
-          </p:cNvPr>
-          <p:cNvSpPr/>
-          <p:nvPr/>
-        </p:nvSpPr>
-        <p:spPr>
-          <a:xfrm>
-            <a:off x="3446108" y="2635189"/>
-            <a:ext cx="7352524" cy="582346"/>
-          </a:xfrm>
-          <a:prstGeom prst="roundRect">
-            <a:avLst/>
-          </a:prstGeom>
-        </p:spPr>
-        <p:style>
-          <a:lnRef idx="1">
-            <a:schemeClr val="accent3"/>
-          </a:lnRef>
-          <a:fillRef idx="2">
-            <a:schemeClr val="accent3"/>
-          </a:fillRef>
-          <a:effectRef idx="1">
-            <a:schemeClr val="accent3"/>
-          </a:effectRef>
-          <a:fontRef idx="minor">
-            <a:schemeClr val="dk1"/>
-          </a:fontRef>
-        </p:style>
-        <p:txBody>
-          <a:bodyPr rtlCol="0" anchor="ctr"/>
-          <a:lstStyle/>
-          <a:p>
-            <a:pPr algn="ctr"/>
-            <a:endParaRPr lang="en-US"/>
-          </a:p>
-        </p:txBody>
-      </p:sp>
-      <p:sp>
-        <p:nvSpPr>
-          <p:cNvPr id="17" name="Prostokąt: zaokrąglone rogi 16">
-            <a:extLst>
-              <a:ext uri="{FF2B5EF4-FFF2-40B4-BE49-F238E27FC236}">
-                <a16:creationId xmlns:a16="http://schemas.microsoft.com/office/drawing/2014/main" id="{29B3EDB4-AA20-7B1E-2E67-D0B4A67C0906}"/>
-              </a:ext>
-            </a:extLst>
-          </p:cNvPr>
-          <p:cNvSpPr/>
-          <p:nvPr/>
-        </p:nvSpPr>
-        <p:spPr>
-          <a:xfrm>
-            <a:off x="3446108" y="4053087"/>
-            <a:ext cx="7352524" cy="582346"/>
-          </a:xfrm>
-          <a:prstGeom prst="roundRect">
-            <a:avLst/>
-          </a:prstGeom>
-        </p:spPr>
-        <p:style>
-          <a:lnRef idx="1">
-            <a:schemeClr val="accent3"/>
-          </a:lnRef>
-          <a:fillRef idx="2">
-            <a:schemeClr val="accent3"/>
-          </a:fillRef>
-          <a:effectRef idx="1">
-            <a:schemeClr val="accent3"/>
-          </a:effectRef>
-          <a:fontRef idx="minor">
-            <a:schemeClr val="dk1"/>
-          </a:fontRef>
-        </p:style>
-        <p:txBody>
-          <a:bodyPr rtlCol="0" anchor="ctr"/>
-          <a:lstStyle/>
-          <a:p>
-            <a:pPr algn="ctr"/>
-            <a:endParaRPr lang="en-US" sz="2000" b="1" dirty="0"/>
-          </a:p>
-        </p:txBody>
-      </p:sp>
-      <p:sp>
-        <p:nvSpPr>
-          <p:cNvPr id="18" name="Prostokąt: zaokrąglone rogi 17">
-            <a:extLst>
-              <a:ext uri="{FF2B5EF4-FFF2-40B4-BE49-F238E27FC236}">
-                <a16:creationId xmlns:a16="http://schemas.microsoft.com/office/drawing/2014/main" id="{154721C8-F29E-2243-06B1-A602C584922D}"/>
-              </a:ext>
-            </a:extLst>
-          </p:cNvPr>
-          <p:cNvSpPr/>
-          <p:nvPr/>
-        </p:nvSpPr>
-        <p:spPr>
-          <a:xfrm>
-            <a:off x="3446108" y="4762035"/>
-            <a:ext cx="7352524" cy="582346"/>
-          </a:xfrm>
-          <a:prstGeom prst="roundRect">
-            <a:avLst/>
-          </a:prstGeom>
-        </p:spPr>
-        <p:style>
-          <a:lnRef idx="1">
-            <a:schemeClr val="accent3"/>
-          </a:lnRef>
-          <a:fillRef idx="2">
-            <a:schemeClr val="accent3"/>
-          </a:fillRef>
-          <a:effectRef idx="1">
-            <a:schemeClr val="accent3"/>
-          </a:effectRef>
-          <a:fontRef idx="minor">
-            <a:schemeClr val="dk1"/>
-          </a:fontRef>
-        </p:style>
-        <p:txBody>
-          <a:bodyPr rtlCol="0" anchor="ctr"/>
-          <a:lstStyle/>
-          <a:p>
-            <a:pPr algn="ctr"/>
-            <a:endParaRPr lang="en-US"/>
-          </a:p>
-        </p:txBody>
-      </p:sp>
-      <p:sp>
-        <p:nvSpPr>
-          <p:cNvPr id="19" name="Prostokąt: zaokrąglone rogi 18">
-            <a:extLst>
-              <a:ext uri="{FF2B5EF4-FFF2-40B4-BE49-F238E27FC236}">
-                <a16:creationId xmlns:a16="http://schemas.microsoft.com/office/drawing/2014/main" id="{AB90DAFD-234B-7A84-A8D3-4555CC31A120}"/>
-              </a:ext>
-            </a:extLst>
-          </p:cNvPr>
-          <p:cNvSpPr/>
-          <p:nvPr/>
-        </p:nvSpPr>
-        <p:spPr>
-          <a:xfrm>
-            <a:off x="6183089" y="4117212"/>
-            <a:ext cx="1996752" cy="454091"/>
-          </a:xfrm>
-          <a:prstGeom prst="roundRect">
-            <a:avLst/>
-          </a:prstGeom>
-        </p:spPr>
-        <p:style>
-          <a:lnRef idx="1">
-            <a:schemeClr val="accent1"/>
-          </a:lnRef>
-          <a:fillRef idx="2">
-            <a:schemeClr val="accent1"/>
-          </a:fillRef>
-          <a:effectRef idx="1">
-            <a:schemeClr val="accent1"/>
-          </a:effectRef>
-          <a:fontRef idx="minor">
-            <a:schemeClr val="dk1"/>
-          </a:fontRef>
-        </p:style>
-        <p:txBody>
-          <a:bodyPr rtlCol="0" anchor="t"/>
-          <a:lstStyle/>
-          <a:p>
-            <a:pPr algn="ctr"/>
-            <a:r>
-              <a:rPr lang="en-US" dirty="0"/>
-              <a:t>N × </a:t>
-            </a:r>
-            <a:r>
-              <a:rPr lang="en-US" dirty="0" err="1"/>
-              <a:t>RenderMesh</a:t>
-            </a:r>
-            <a:endParaRPr lang="en-US" dirty="0"/>
-          </a:p>
-        </p:txBody>
-      </p:sp>
-      <p:sp>
-        <p:nvSpPr>
-          <p:cNvPr id="21" name="Prostokąt: zaokrąglone rogi 20">
-            <a:extLst>
-              <a:ext uri="{FF2B5EF4-FFF2-40B4-BE49-F238E27FC236}">
-                <a16:creationId xmlns:a16="http://schemas.microsoft.com/office/drawing/2014/main" id="{D583FA01-2820-1FD4-E0D6-EFDA0DDBFAC3}"/>
-              </a:ext>
-            </a:extLst>
-          </p:cNvPr>
-          <p:cNvSpPr/>
-          <p:nvPr/>
-        </p:nvSpPr>
-        <p:spPr>
-          <a:xfrm>
-            <a:off x="3446108" y="5470983"/>
-            <a:ext cx="7352524" cy="582346"/>
-          </a:xfrm>
-          <a:prstGeom prst="roundRect">
-            <a:avLst/>
-          </a:prstGeom>
-        </p:spPr>
-        <p:style>
-          <a:lnRef idx="1">
-            <a:schemeClr val="accent3"/>
-          </a:lnRef>
-          <a:fillRef idx="2">
-            <a:schemeClr val="accent3"/>
-          </a:fillRef>
-          <a:effectRef idx="1">
-            <a:schemeClr val="accent3"/>
-          </a:effectRef>
-          <a:fontRef idx="minor">
-            <a:schemeClr val="dk1"/>
-          </a:fontRef>
-        </p:style>
-        <p:txBody>
-          <a:bodyPr rtlCol="0" anchor="ctr"/>
-          <a:lstStyle/>
-          <a:p>
-            <a:pPr algn="ctr"/>
-            <a:endParaRPr lang="en-US" sz="1800" b="1" dirty="0"/>
-          </a:p>
-        </p:txBody>
-      </p:sp>
-      <p:sp>
-        <p:nvSpPr>
-          <p:cNvPr id="22" name="Prostokąt: zaokrąglone rogi 21">
-            <a:extLst>
-              <a:ext uri="{FF2B5EF4-FFF2-40B4-BE49-F238E27FC236}">
-                <a16:creationId xmlns:a16="http://schemas.microsoft.com/office/drawing/2014/main" id="{BF595126-B4DB-766D-BB40-875AEB9834EA}"/>
-              </a:ext>
-            </a:extLst>
-          </p:cNvPr>
-          <p:cNvSpPr/>
-          <p:nvPr/>
-        </p:nvSpPr>
-        <p:spPr>
-          <a:xfrm>
-            <a:off x="4040153" y="5543383"/>
-            <a:ext cx="1996752" cy="454091"/>
-          </a:xfrm>
-          <a:prstGeom prst="roundRect">
-            <a:avLst/>
-          </a:prstGeom>
-        </p:spPr>
-        <p:style>
-          <a:lnRef idx="1">
-            <a:schemeClr val="accent1"/>
-          </a:lnRef>
-          <a:fillRef idx="2">
-            <a:schemeClr val="accent1"/>
-          </a:fillRef>
-          <a:effectRef idx="1">
-            <a:schemeClr val="accent1"/>
-          </a:effectRef>
-          <a:fontRef idx="minor">
-            <a:schemeClr val="dk1"/>
-          </a:fontRef>
-        </p:style>
-        <p:txBody>
-          <a:bodyPr rtlCol="0" anchor="t"/>
-          <a:lstStyle/>
-          <a:p>
-            <a:pPr algn="ctr"/>
-            <a:r>
-              <a:rPr lang="en-US" dirty="0"/>
-              <a:t>Skeleton</a:t>
-            </a:r>
-          </a:p>
-        </p:txBody>
-      </p:sp>
-      <p:sp>
-        <p:nvSpPr>
-          <p:cNvPr id="23" name="Prostokąt: zaokrąglone rogi 22">
-            <a:extLst>
-              <a:ext uri="{FF2B5EF4-FFF2-40B4-BE49-F238E27FC236}">
-                <a16:creationId xmlns:a16="http://schemas.microsoft.com/office/drawing/2014/main" id="{3E9B9E4D-B225-7EED-713C-596F474BCFDF}"/>
-              </a:ext>
-            </a:extLst>
-          </p:cNvPr>
-          <p:cNvSpPr/>
-          <p:nvPr/>
-        </p:nvSpPr>
-        <p:spPr>
-          <a:xfrm>
-            <a:off x="6123994" y="5543383"/>
-            <a:ext cx="1996752" cy="454091"/>
-          </a:xfrm>
-          <a:prstGeom prst="roundRect">
-            <a:avLst/>
-          </a:prstGeom>
-        </p:spPr>
-        <p:style>
-          <a:lnRef idx="1">
-            <a:schemeClr val="accent1"/>
-          </a:lnRef>
-          <a:fillRef idx="2">
-            <a:schemeClr val="accent1"/>
-          </a:fillRef>
-          <a:effectRef idx="1">
-            <a:schemeClr val="accent1"/>
-          </a:effectRef>
-          <a:fontRef idx="minor">
-            <a:schemeClr val="dk1"/>
-          </a:fontRef>
-        </p:style>
-        <p:txBody>
-          <a:bodyPr rtlCol="0" anchor="t"/>
-          <a:lstStyle/>
-          <a:p>
-            <a:pPr algn="ctr"/>
-            <a:r>
-              <a:rPr lang="en-US" dirty="0"/>
-              <a:t>Model</a:t>
-            </a:r>
-          </a:p>
-        </p:txBody>
-      </p:sp>
-      <p:sp>
-        <p:nvSpPr>
-          <p:cNvPr id="24" name="Prostokąt: zaokrąglone rogi 23">
-            <a:extLst>
-              <a:ext uri="{FF2B5EF4-FFF2-40B4-BE49-F238E27FC236}">
-                <a16:creationId xmlns:a16="http://schemas.microsoft.com/office/drawing/2014/main" id="{CA4F5D74-F9C0-33DB-A6C3-11AF9EF90C8F}"/>
-              </a:ext>
-            </a:extLst>
-          </p:cNvPr>
-          <p:cNvSpPr/>
-          <p:nvPr/>
-        </p:nvSpPr>
-        <p:spPr>
-          <a:xfrm>
-            <a:off x="4049486" y="1990365"/>
-            <a:ext cx="1996752" cy="454090"/>
-          </a:xfrm>
-          <a:prstGeom prst="roundRect">
-            <a:avLst/>
-          </a:prstGeom>
-        </p:spPr>
-        <p:style>
-          <a:lnRef idx="1">
-            <a:schemeClr val="accent1"/>
-          </a:lnRef>
-          <a:fillRef idx="2">
-            <a:schemeClr val="accent1"/>
-          </a:fillRef>
-          <a:effectRef idx="1">
-            <a:schemeClr val="accent1"/>
-          </a:effectRef>
-          <a:fontRef idx="minor">
-            <a:schemeClr val="dk1"/>
-          </a:fontRef>
-        </p:style>
-        <p:txBody>
-          <a:bodyPr rtlCol="0" anchor="ctr"/>
-          <a:lstStyle/>
-          <a:p>
-            <a:pPr algn="ctr"/>
-            <a:r>
-              <a:rPr lang="en-US" dirty="0" err="1"/>
-              <a:t>ShadingModel</a:t>
-            </a:r>
-            <a:endParaRPr lang="en-US" dirty="0"/>
-          </a:p>
-        </p:txBody>
-      </p:sp>
-      <p:sp>
-        <p:nvSpPr>
-          <p:cNvPr id="25" name="Prostokąt: zaokrąglone rogi 24">
-            <a:extLst>
-              <a:ext uri="{FF2B5EF4-FFF2-40B4-BE49-F238E27FC236}">
-                <a16:creationId xmlns:a16="http://schemas.microsoft.com/office/drawing/2014/main" id="{7B90A194-A5C2-66A5-F7C2-BEDE06203A33}"/>
-              </a:ext>
-            </a:extLst>
-          </p:cNvPr>
-          <p:cNvSpPr/>
-          <p:nvPr/>
-        </p:nvSpPr>
-        <p:spPr>
-          <a:xfrm>
-            <a:off x="6127101" y="1990171"/>
-            <a:ext cx="1996752" cy="454091"/>
-          </a:xfrm>
-          <a:prstGeom prst="roundRect">
-            <a:avLst/>
-          </a:prstGeom>
-        </p:spPr>
-        <p:style>
-          <a:lnRef idx="1">
-            <a:schemeClr val="accent1"/>
-          </a:lnRef>
-          <a:fillRef idx="2">
-            <a:schemeClr val="accent1"/>
-          </a:fillRef>
-          <a:effectRef idx="1">
-            <a:schemeClr val="accent1"/>
-          </a:effectRef>
-          <a:fontRef idx="minor">
-            <a:schemeClr val="dk1"/>
-          </a:fontRef>
-        </p:style>
-        <p:txBody>
-          <a:bodyPr rtlCol="0" anchor="t"/>
-          <a:lstStyle/>
-          <a:p>
-            <a:pPr algn="ctr"/>
-            <a:r>
-              <a:rPr lang="en-US" sz="1800" b="1" dirty="0"/>
-              <a:t>N × </a:t>
-            </a:r>
-            <a:r>
-              <a:rPr lang="en-US" dirty="0"/>
-              <a:t>Texture</a:t>
-            </a:r>
-          </a:p>
-        </p:txBody>
-      </p:sp>
-      <p:sp>
-        <p:nvSpPr>
-          <p:cNvPr id="26" name="Prostokąt: zaokrąglone rogi 25">
-            <a:extLst>
-              <a:ext uri="{FF2B5EF4-FFF2-40B4-BE49-F238E27FC236}">
-                <a16:creationId xmlns:a16="http://schemas.microsoft.com/office/drawing/2014/main" id="{F42F88EB-1A34-1A30-5484-700E344CD7B0}"/>
-              </a:ext>
-            </a:extLst>
-          </p:cNvPr>
-          <p:cNvSpPr/>
-          <p:nvPr/>
-        </p:nvSpPr>
-        <p:spPr>
-          <a:xfrm>
-            <a:off x="5097624" y="1281419"/>
-            <a:ext cx="1996752" cy="454090"/>
-          </a:xfrm>
-          <a:prstGeom prst="roundRect">
-            <a:avLst/>
-          </a:prstGeom>
-        </p:spPr>
-        <p:style>
-          <a:lnRef idx="1">
-            <a:schemeClr val="accent1"/>
-          </a:lnRef>
-          <a:fillRef idx="2">
-            <a:schemeClr val="accent1"/>
-          </a:fillRef>
-          <a:effectRef idx="1">
-            <a:schemeClr val="accent1"/>
-          </a:effectRef>
-          <a:fontRef idx="minor">
-            <a:schemeClr val="dk1"/>
-          </a:fontRef>
-        </p:style>
-        <p:txBody>
-          <a:bodyPr rtlCol="0" anchor="ctr"/>
-          <a:lstStyle/>
-          <a:p>
-            <a:pPr algn="ctr"/>
-            <a:r>
-              <a:rPr lang="en-US" dirty="0"/>
-              <a:t>Shader</a:t>
-            </a:r>
-          </a:p>
-        </p:txBody>
-      </p:sp>
-      <p:sp>
-        <p:nvSpPr>
-          <p:cNvPr id="27" name="Prostokąt: zaokrąglone rogi 26">
-            <a:extLst>
-              <a:ext uri="{FF2B5EF4-FFF2-40B4-BE49-F238E27FC236}">
-                <a16:creationId xmlns:a16="http://schemas.microsoft.com/office/drawing/2014/main" id="{569493F9-F3EC-0062-A180-C93A667ADF67}"/>
-              </a:ext>
-            </a:extLst>
-          </p:cNvPr>
-          <p:cNvSpPr/>
-          <p:nvPr/>
-        </p:nvSpPr>
-        <p:spPr>
-          <a:xfrm>
-            <a:off x="7181465" y="1281419"/>
-            <a:ext cx="1996752" cy="454090"/>
-          </a:xfrm>
-          <a:prstGeom prst="roundRect">
-            <a:avLst/>
-          </a:prstGeom>
-        </p:spPr>
-        <p:style>
-          <a:lnRef idx="1">
-            <a:schemeClr val="accent4"/>
-          </a:lnRef>
-          <a:fillRef idx="2">
-            <a:schemeClr val="accent4"/>
-          </a:fillRef>
-          <a:effectRef idx="1">
-            <a:schemeClr val="accent4"/>
-          </a:effectRef>
-          <a:fontRef idx="minor">
-            <a:schemeClr val="dk1"/>
-          </a:fontRef>
-        </p:style>
-        <p:txBody>
-          <a:bodyPr rtlCol="0" anchor="ctr"/>
-          <a:lstStyle/>
-          <a:p>
-            <a:pPr algn="ctr"/>
-            <a:r>
-              <a:rPr lang="en-US" sz="1400" dirty="0"/>
-              <a:t>Shader parameters (samplers, uniforms)</a:t>
-            </a:r>
-          </a:p>
-        </p:txBody>
-      </p:sp>
-      <p:sp>
-        <p:nvSpPr>
-          <p:cNvPr id="28" name="Prostokąt: zaokrąglone rogi 27">
-            <a:extLst>
-              <a:ext uri="{FF2B5EF4-FFF2-40B4-BE49-F238E27FC236}">
-                <a16:creationId xmlns:a16="http://schemas.microsoft.com/office/drawing/2014/main" id="{5C27AB83-49D2-7C3E-5AC5-6488022D575E}"/>
-              </a:ext>
-            </a:extLst>
-          </p:cNvPr>
-          <p:cNvSpPr/>
-          <p:nvPr/>
-        </p:nvSpPr>
-        <p:spPr>
-          <a:xfrm>
-            <a:off x="8204716" y="1990172"/>
-            <a:ext cx="1996752" cy="454090"/>
-          </a:xfrm>
-          <a:prstGeom prst="roundRect">
-            <a:avLst/>
-          </a:prstGeom>
-        </p:spPr>
-        <p:style>
-          <a:lnRef idx="1">
-            <a:schemeClr val="accent4"/>
-          </a:lnRef>
-          <a:fillRef idx="2">
-            <a:schemeClr val="accent4"/>
-          </a:fillRef>
-          <a:effectRef idx="1">
-            <a:schemeClr val="accent4"/>
-          </a:effectRef>
-          <a:fontRef idx="minor">
-            <a:schemeClr val="dk1"/>
-          </a:fontRef>
-        </p:style>
-        <p:txBody>
-          <a:bodyPr rtlCol="0" anchor="ctr"/>
-          <a:lstStyle/>
-          <a:p>
-            <a:pPr algn="ctr"/>
-            <a:r>
-              <a:rPr lang="en-US" sz="1400" dirty="0"/>
-              <a:t>Uniform Values</a:t>
-            </a:r>
-          </a:p>
-        </p:txBody>
-      </p:sp>
-      <p:sp>
-        <p:nvSpPr>
-          <p:cNvPr id="29" name="Prostokąt: zaokrąglone rogi 28">
-            <a:extLst>
-              <a:ext uri="{FF2B5EF4-FFF2-40B4-BE49-F238E27FC236}">
-                <a16:creationId xmlns:a16="http://schemas.microsoft.com/office/drawing/2014/main" id="{ABDC9015-5091-503D-A9A9-AB69ED341999}"/>
-              </a:ext>
-            </a:extLst>
-          </p:cNvPr>
-          <p:cNvSpPr/>
-          <p:nvPr/>
-        </p:nvSpPr>
-        <p:spPr>
-          <a:xfrm>
-            <a:off x="6123994" y="2699315"/>
-            <a:ext cx="1996752" cy="454090"/>
-          </a:xfrm>
-          <a:prstGeom prst="roundRect">
-            <a:avLst/>
-          </a:prstGeom>
-        </p:spPr>
-        <p:style>
-          <a:lnRef idx="1">
-            <a:schemeClr val="accent4"/>
-          </a:lnRef>
-          <a:fillRef idx="2">
-            <a:schemeClr val="accent4"/>
-          </a:fillRef>
-          <a:effectRef idx="1">
-            <a:schemeClr val="accent4"/>
-          </a:effectRef>
-          <a:fontRef idx="minor">
-            <a:schemeClr val="dk1"/>
-          </a:fontRef>
-        </p:style>
-        <p:txBody>
-          <a:bodyPr rtlCol="0" anchor="ctr"/>
-          <a:lstStyle/>
-          <a:p>
-            <a:pPr algn="ctr"/>
-            <a:r>
-              <a:rPr lang="en-US" sz="1400" dirty="0"/>
-              <a:t>Vertices and Indices</a:t>
-            </a:r>
-          </a:p>
-        </p:txBody>
-      </p:sp>
-      <p:sp>
-        <p:nvSpPr>
-          <p:cNvPr id="30" name="Prostokąt: zaokrąglone rogi 29">
-            <a:extLst>
-              <a:ext uri="{FF2B5EF4-FFF2-40B4-BE49-F238E27FC236}">
-                <a16:creationId xmlns:a16="http://schemas.microsoft.com/office/drawing/2014/main" id="{99303775-020C-8FCE-35FF-1F7E6C962DA7}"/>
-              </a:ext>
-            </a:extLst>
-          </p:cNvPr>
-          <p:cNvSpPr/>
-          <p:nvPr/>
-        </p:nvSpPr>
-        <p:spPr>
-          <a:xfrm>
-            <a:off x="6183089" y="4826163"/>
-            <a:ext cx="1996752" cy="454090"/>
-          </a:xfrm>
-          <a:prstGeom prst="roundRect">
-            <a:avLst/>
-          </a:prstGeom>
-        </p:spPr>
-        <p:style>
-          <a:lnRef idx="1">
-            <a:schemeClr val="accent4"/>
-          </a:lnRef>
-          <a:fillRef idx="2">
-            <a:schemeClr val="accent4"/>
-          </a:fillRef>
-          <a:effectRef idx="1">
-            <a:schemeClr val="accent4"/>
-          </a:effectRef>
-          <a:fontRef idx="minor">
-            <a:schemeClr val="dk1"/>
-          </a:fontRef>
-        </p:style>
-        <p:txBody>
-          <a:bodyPr rtlCol="0" anchor="ctr"/>
-          <a:lstStyle/>
-          <a:p>
-            <a:pPr algn="ctr"/>
-            <a:r>
-              <a:rPr lang="en-US" sz="1100" dirty="0"/>
-              <a:t>Hierarchy of transforms with default values (base pose)</a:t>
-            </a:r>
-          </a:p>
-        </p:txBody>
-      </p:sp>
-      <p:sp>
-        <p:nvSpPr>
-          <p:cNvPr id="5" name="Prostokąt: zaokrąglone rogi 4">
-            <a:extLst>
-              <a:ext uri="{FF2B5EF4-FFF2-40B4-BE49-F238E27FC236}">
-                <a16:creationId xmlns:a16="http://schemas.microsoft.com/office/drawing/2014/main" id="{557E3F4A-60E9-DCA0-D97F-434355F2C91D}"/>
-              </a:ext>
-            </a:extLst>
-          </p:cNvPr>
-          <p:cNvSpPr/>
-          <p:nvPr/>
-        </p:nvSpPr>
-        <p:spPr>
-          <a:xfrm>
-            <a:off x="1539550" y="3408263"/>
-            <a:ext cx="1996752" cy="454091"/>
-          </a:xfrm>
-          <a:prstGeom prst="roundRect">
-            <a:avLst/>
-          </a:prstGeom>
-        </p:spPr>
-        <p:style>
-          <a:lnRef idx="1">
-            <a:schemeClr val="accent1"/>
-          </a:lnRef>
-          <a:fillRef idx="2">
-            <a:schemeClr val="accent1"/>
-          </a:fillRef>
-          <a:effectRef idx="1">
-            <a:schemeClr val="accent1"/>
-          </a:effectRef>
-          <a:fontRef idx="minor">
-            <a:schemeClr val="dk1"/>
-          </a:fontRef>
-        </p:style>
-        <p:txBody>
-          <a:bodyPr rtlCol="0" anchor="t"/>
-          <a:lstStyle/>
-          <a:p>
-            <a:pPr algn="ctr"/>
-            <a:r>
-              <a:rPr lang="en-US" dirty="0" err="1"/>
-              <a:t>RenderMesh</a:t>
-            </a:r>
-            <a:endParaRPr lang="en-US" dirty="0"/>
-          </a:p>
-        </p:txBody>
-      </p:sp>
-      <p:sp>
-        <p:nvSpPr>
-          <p:cNvPr id="3" name="Prostokąt: zaokrąglone rogi 2">
-            <a:extLst>
-              <a:ext uri="{FF2B5EF4-FFF2-40B4-BE49-F238E27FC236}">
-                <a16:creationId xmlns:a16="http://schemas.microsoft.com/office/drawing/2014/main" id="{C4776758-F8EB-4357-8F25-C44477D42B3E}"/>
-              </a:ext>
-            </a:extLst>
-          </p:cNvPr>
-          <p:cNvSpPr/>
-          <p:nvPr/>
-        </p:nvSpPr>
-        <p:spPr>
-          <a:xfrm>
-            <a:off x="1539549" y="2699315"/>
-            <a:ext cx="1996752" cy="454090"/>
-          </a:xfrm>
-          <a:prstGeom prst="roundRect">
-            <a:avLst/>
-          </a:prstGeom>
-        </p:spPr>
-        <p:style>
-          <a:lnRef idx="1">
-            <a:schemeClr val="accent1"/>
-          </a:lnRef>
-          <a:fillRef idx="2">
-            <a:schemeClr val="accent1"/>
-          </a:fillRef>
-          <a:effectRef idx="1">
-            <a:schemeClr val="accent1"/>
-          </a:effectRef>
-          <a:fontRef idx="minor">
-            <a:schemeClr val="dk1"/>
-          </a:fontRef>
-        </p:style>
-        <p:txBody>
-          <a:bodyPr rtlCol="0" anchor="ctr"/>
-          <a:lstStyle/>
-          <a:p>
-            <a:pPr algn="ctr"/>
-            <a:r>
-              <a:rPr lang="en-US" dirty="0"/>
-              <a:t>Mesh</a:t>
-            </a:r>
-          </a:p>
-        </p:txBody>
-      </p:sp>
-      <p:sp>
-        <p:nvSpPr>
-          <p:cNvPr id="4" name="Prostokąt: zaokrąglone rogi 3">
-            <a:extLst>
-              <a:ext uri="{FF2B5EF4-FFF2-40B4-BE49-F238E27FC236}">
-                <a16:creationId xmlns:a16="http://schemas.microsoft.com/office/drawing/2014/main" id="{8052E21F-3AB5-BDE8-DC91-780EA97C6F68}"/>
-              </a:ext>
-            </a:extLst>
-          </p:cNvPr>
-          <p:cNvSpPr/>
-          <p:nvPr/>
-        </p:nvSpPr>
-        <p:spPr>
-          <a:xfrm>
-            <a:off x="1539549" y="1990367"/>
-            <a:ext cx="1996752" cy="454090"/>
-          </a:xfrm>
-          <a:prstGeom prst="roundRect">
-            <a:avLst/>
-          </a:prstGeom>
-        </p:spPr>
-        <p:style>
-          <a:lnRef idx="1">
-            <a:schemeClr val="accent1"/>
-          </a:lnRef>
-          <a:fillRef idx="2">
-            <a:schemeClr val="accent1"/>
-          </a:fillRef>
-          <a:effectRef idx="1">
-            <a:schemeClr val="accent1"/>
-          </a:effectRef>
-          <a:fontRef idx="minor">
-            <a:schemeClr val="dk1"/>
-          </a:fontRef>
-        </p:style>
-        <p:txBody>
-          <a:bodyPr rtlCol="0" anchor="ctr"/>
-          <a:lstStyle/>
-          <a:p>
-            <a:pPr algn="ctr"/>
-            <a:r>
-              <a:rPr lang="en-US" dirty="0"/>
-              <a:t>Material</a:t>
-            </a:r>
-          </a:p>
-        </p:txBody>
-      </p:sp>
-      <p:sp>
-        <p:nvSpPr>
-          <p:cNvPr id="8" name="Prostokąt: zaokrąglone rogi 7">
-            <a:extLst>
-              <a:ext uri="{FF2B5EF4-FFF2-40B4-BE49-F238E27FC236}">
-                <a16:creationId xmlns:a16="http://schemas.microsoft.com/office/drawing/2014/main" id="{09686041-2BBF-BF0F-1A49-FF7BCFEAFFEC}"/>
-              </a:ext>
-            </a:extLst>
-          </p:cNvPr>
-          <p:cNvSpPr/>
-          <p:nvPr/>
-        </p:nvSpPr>
-        <p:spPr>
-          <a:xfrm>
-            <a:off x="1539549" y="4117212"/>
-            <a:ext cx="1996752" cy="454091"/>
-          </a:xfrm>
-          <a:prstGeom prst="roundRect">
-            <a:avLst/>
-          </a:prstGeom>
-        </p:spPr>
-        <p:style>
-          <a:lnRef idx="1">
-            <a:schemeClr val="accent1"/>
-          </a:lnRef>
-          <a:fillRef idx="2">
-            <a:schemeClr val="accent1"/>
-          </a:fillRef>
-          <a:effectRef idx="1">
-            <a:schemeClr val="accent1"/>
-          </a:effectRef>
-          <a:fontRef idx="minor">
-            <a:schemeClr val="dk1"/>
-          </a:fontRef>
-        </p:style>
-        <p:txBody>
-          <a:bodyPr rtlCol="0" anchor="t"/>
-          <a:lstStyle/>
-          <a:p>
-            <a:pPr algn="ctr"/>
-            <a:r>
-              <a:rPr lang="en-US" dirty="0"/>
-              <a:t>Model</a:t>
-            </a:r>
-          </a:p>
-        </p:txBody>
-      </p:sp>
-      <p:sp>
-        <p:nvSpPr>
-          <p:cNvPr id="9" name="Prostokąt: zaokrąglone rogi 8">
-            <a:extLst>
-              <a:ext uri="{FF2B5EF4-FFF2-40B4-BE49-F238E27FC236}">
-                <a16:creationId xmlns:a16="http://schemas.microsoft.com/office/drawing/2014/main" id="{855B2F68-687D-EDD6-4E78-2D44B5FF46A4}"/>
-              </a:ext>
-            </a:extLst>
-          </p:cNvPr>
-          <p:cNvSpPr/>
-          <p:nvPr/>
-        </p:nvSpPr>
-        <p:spPr>
-          <a:xfrm>
-            <a:off x="1539549" y="4826163"/>
-            <a:ext cx="1996752" cy="454091"/>
-          </a:xfrm>
-          <a:prstGeom prst="roundRect">
-            <a:avLst/>
-          </a:prstGeom>
-        </p:spPr>
-        <p:style>
-          <a:lnRef idx="1">
-            <a:schemeClr val="accent1"/>
-          </a:lnRef>
-          <a:fillRef idx="2">
-            <a:schemeClr val="accent1"/>
-          </a:fillRef>
-          <a:effectRef idx="1">
-            <a:schemeClr val="accent1"/>
-          </a:effectRef>
-          <a:fontRef idx="minor">
-            <a:schemeClr val="dk1"/>
-          </a:fontRef>
-        </p:style>
-        <p:txBody>
-          <a:bodyPr rtlCol="0" anchor="t"/>
-          <a:lstStyle/>
-          <a:p>
-            <a:pPr algn="ctr"/>
-            <a:r>
-              <a:rPr lang="en-US" dirty="0"/>
-              <a:t>Skeleton</a:t>
-            </a:r>
-          </a:p>
-        </p:txBody>
-      </p:sp>
-      <p:sp>
-        <p:nvSpPr>
-          <p:cNvPr id="10" name="Prostokąt: zaokrąglone rogi 9">
-            <a:extLst>
-              <a:ext uri="{FF2B5EF4-FFF2-40B4-BE49-F238E27FC236}">
-                <a16:creationId xmlns:a16="http://schemas.microsoft.com/office/drawing/2014/main" id="{CF0201FE-182B-A715-5EFB-89E3DB288C39}"/>
-              </a:ext>
-            </a:extLst>
-          </p:cNvPr>
-          <p:cNvSpPr/>
-          <p:nvPr/>
-        </p:nvSpPr>
-        <p:spPr>
-          <a:xfrm>
-            <a:off x="1539549" y="1281419"/>
-            <a:ext cx="1996752" cy="454090"/>
-          </a:xfrm>
-          <a:prstGeom prst="roundRect">
-            <a:avLst/>
-          </a:prstGeom>
-        </p:spPr>
-        <p:style>
-          <a:lnRef idx="1">
-            <a:schemeClr val="accent1"/>
-          </a:lnRef>
-          <a:fillRef idx="2">
-            <a:schemeClr val="accent1"/>
-          </a:fillRef>
-          <a:effectRef idx="1">
-            <a:schemeClr val="accent1"/>
-          </a:effectRef>
-          <a:fontRef idx="minor">
-            <a:schemeClr val="dk1"/>
-          </a:fontRef>
-        </p:style>
-        <p:txBody>
-          <a:bodyPr rtlCol="0" anchor="ctr"/>
-          <a:lstStyle/>
-          <a:p>
-            <a:pPr algn="ctr"/>
-            <a:r>
-              <a:rPr lang="en-US" dirty="0" err="1"/>
-              <a:t>ShadingModel</a:t>
-            </a:r>
-            <a:endParaRPr lang="en-US" dirty="0"/>
-          </a:p>
-        </p:txBody>
-      </p:sp>
-      <p:sp>
-        <p:nvSpPr>
-          <p:cNvPr id="20" name="Prostokąt: zaokrąglone rogi 19">
-            <a:extLst>
-              <a:ext uri="{FF2B5EF4-FFF2-40B4-BE49-F238E27FC236}">
-                <a16:creationId xmlns:a16="http://schemas.microsoft.com/office/drawing/2014/main" id="{E974B9BC-FF5E-6BA1-5D41-9FA952D76AE8}"/>
-              </a:ext>
-            </a:extLst>
-          </p:cNvPr>
-          <p:cNvSpPr/>
-          <p:nvPr/>
-        </p:nvSpPr>
-        <p:spPr>
-          <a:xfrm>
-            <a:off x="1539549" y="5535108"/>
-            <a:ext cx="1996752" cy="454091"/>
-          </a:xfrm>
-          <a:prstGeom prst="roundRect">
-            <a:avLst/>
-          </a:prstGeom>
-        </p:spPr>
-        <p:style>
-          <a:lnRef idx="1">
-            <a:schemeClr val="accent1"/>
-          </a:lnRef>
-          <a:fillRef idx="2">
-            <a:schemeClr val="accent1"/>
-          </a:fillRef>
-          <a:effectRef idx="1">
-            <a:schemeClr val="accent1"/>
-          </a:effectRef>
-          <a:fontRef idx="minor">
-            <a:schemeClr val="dk1"/>
-          </a:fontRef>
-        </p:style>
-        <p:txBody>
-          <a:bodyPr rtlCol="0" anchor="t"/>
-          <a:lstStyle/>
-          <a:p>
-            <a:pPr algn="ctr"/>
-            <a:r>
-              <a:rPr lang="en-US" dirty="0" err="1"/>
-              <a:t>SkinnedModel</a:t>
-            </a:r>
-            <a:endParaRPr lang="en-US" dirty="0"/>
-          </a:p>
-        </p:txBody>
-      </p:sp>
-      <p:sp>
-        <p:nvSpPr>
-          <p:cNvPr id="32" name="Prostokąt: zaokrąglone rogi 31">
-            <a:extLst>
-              <a:ext uri="{FF2B5EF4-FFF2-40B4-BE49-F238E27FC236}">
-                <a16:creationId xmlns:a16="http://schemas.microsoft.com/office/drawing/2014/main" id="{EDDA5CDE-6FD3-ACBF-8E5B-F0BE562B71B9}"/>
-              </a:ext>
-            </a:extLst>
-          </p:cNvPr>
-          <p:cNvSpPr/>
-          <p:nvPr/>
-        </p:nvSpPr>
-        <p:spPr>
-          <a:xfrm>
-            <a:off x="8204716" y="5543384"/>
-            <a:ext cx="1996752" cy="454090"/>
-          </a:xfrm>
-          <a:prstGeom prst="roundRect">
-            <a:avLst/>
-          </a:prstGeom>
-        </p:spPr>
-        <p:style>
-          <a:lnRef idx="1">
-            <a:schemeClr val="accent4"/>
-          </a:lnRef>
-          <a:fillRef idx="2">
-            <a:schemeClr val="accent4"/>
-          </a:fillRef>
-          <a:effectRef idx="1">
-            <a:schemeClr val="accent4"/>
-          </a:effectRef>
-          <a:fontRef idx="minor">
-            <a:schemeClr val="dk1"/>
-          </a:fontRef>
-        </p:style>
-        <p:txBody>
-          <a:bodyPr rtlCol="0" anchor="ctr"/>
-          <a:lstStyle/>
-          <a:p>
-            <a:pPr algn="ctr"/>
-            <a:r>
-              <a:rPr lang="en-US" sz="1400" dirty="0"/>
-              <a:t>Skinning</a:t>
-            </a:r>
-          </a:p>
-        </p:txBody>
-      </p:sp>
-    </p:spTree>
-    <p:extLst>
-      <p:ext uri="{BB962C8B-B14F-4D97-AF65-F5344CB8AC3E}">
-        <p14:creationId xmlns:p14="http://schemas.microsoft.com/office/powerpoint/2010/main" val="3986972889"/>
       </p:ext>
     </p:extLst>
   </p:cSld>

--- a/Documentation/Asset Pipeline.pptx
+++ b/Documentation/Asset Pipeline.pptx
@@ -5,16 +5,17 @@
     <p:sldMasterId id="2147483648" r:id="rId1"/>
   </p:sldMasterIdLst>
   <p:notesMasterIdLst>
-    <p:notesMasterId r:id="rId9"/>
+    <p:notesMasterId r:id="rId10"/>
   </p:notesMasterIdLst>
   <p:sldIdLst>
     <p:sldId id="256" r:id="rId2"/>
     <p:sldId id="261" r:id="rId3"/>
     <p:sldId id="263" r:id="rId4"/>
-    <p:sldId id="265" r:id="rId5"/>
-    <p:sldId id="260" r:id="rId6"/>
-    <p:sldId id="264" r:id="rId7"/>
-    <p:sldId id="262" r:id="rId8"/>
+    <p:sldId id="266" r:id="rId5"/>
+    <p:sldId id="265" r:id="rId6"/>
+    <p:sldId id="260" r:id="rId7"/>
+    <p:sldId id="264" r:id="rId8"/>
+    <p:sldId id="262" r:id="rId9"/>
   </p:sldIdLst>
   <p:sldSz cx="12192000" cy="6858000"/>
   <p:notesSz cx="6858000" cy="9144000"/>
@@ -215,7 +216,7 @@
           <a:p>
             <a:fld id="{D0E2DD2C-27F7-4F93-96E8-CD28AD9267D9}" type="datetimeFigureOut">
               <a:rPr lang="en-US" smtClean="0"/>
-              <a:t>5/22/2025</a:t>
+              <a:t>5/26/2025</a:t>
             </a:fld>
             <a:endParaRPr lang="en-US"/>
           </a:p>
@@ -656,7 +657,7 @@
           <a:p>
             <a:fld id="{583D7F03-7197-42E4-9778-D52D335F305D}" type="slidenum">
               <a:rPr lang="en-US" smtClean="0"/>
-              <a:t>4</a:t>
+              <a:t>5</a:t>
             </a:fld>
             <a:endParaRPr lang="en-US"/>
           </a:p>
@@ -822,7 +823,7 @@
           <a:p>
             <a:fld id="{783DC7D5-4D76-4679-A391-31CBAFA90932}" type="datetimeFigureOut">
               <a:rPr lang="en-US" smtClean="0"/>
-              <a:t>5/22/2025</a:t>
+              <a:t>5/26/2025</a:t>
             </a:fld>
             <a:endParaRPr lang="en-US"/>
           </a:p>
@@ -1020,7 +1021,7 @@
           <a:p>
             <a:fld id="{783DC7D5-4D76-4679-A391-31CBAFA90932}" type="datetimeFigureOut">
               <a:rPr lang="en-US" smtClean="0"/>
-              <a:t>5/22/2025</a:t>
+              <a:t>5/26/2025</a:t>
             </a:fld>
             <a:endParaRPr lang="en-US"/>
           </a:p>
@@ -1228,7 +1229,7 @@
           <a:p>
             <a:fld id="{783DC7D5-4D76-4679-A391-31CBAFA90932}" type="datetimeFigureOut">
               <a:rPr lang="en-US" smtClean="0"/>
-              <a:t>5/22/2025</a:t>
+              <a:t>5/26/2025</a:t>
             </a:fld>
             <a:endParaRPr lang="en-US"/>
           </a:p>
@@ -1426,7 +1427,7 @@
           <a:p>
             <a:fld id="{783DC7D5-4D76-4679-A391-31CBAFA90932}" type="datetimeFigureOut">
               <a:rPr lang="en-US" smtClean="0"/>
-              <a:t>5/22/2025</a:t>
+              <a:t>5/26/2025</a:t>
             </a:fld>
             <a:endParaRPr lang="en-US"/>
           </a:p>
@@ -1701,7 +1702,7 @@
           <a:p>
             <a:fld id="{783DC7D5-4D76-4679-A391-31CBAFA90932}" type="datetimeFigureOut">
               <a:rPr lang="en-US" smtClean="0"/>
-              <a:t>5/22/2025</a:t>
+              <a:t>5/26/2025</a:t>
             </a:fld>
             <a:endParaRPr lang="en-US"/>
           </a:p>
@@ -1966,7 +1967,7 @@
           <a:p>
             <a:fld id="{783DC7D5-4D76-4679-A391-31CBAFA90932}" type="datetimeFigureOut">
               <a:rPr lang="en-US" smtClean="0"/>
-              <a:t>5/22/2025</a:t>
+              <a:t>5/26/2025</a:t>
             </a:fld>
             <a:endParaRPr lang="en-US"/>
           </a:p>
@@ -2378,7 +2379,7 @@
           <a:p>
             <a:fld id="{783DC7D5-4D76-4679-A391-31CBAFA90932}" type="datetimeFigureOut">
               <a:rPr lang="en-US" smtClean="0"/>
-              <a:t>5/22/2025</a:t>
+              <a:t>5/26/2025</a:t>
             </a:fld>
             <a:endParaRPr lang="en-US"/>
           </a:p>
@@ -2519,7 +2520,7 @@
           <a:p>
             <a:fld id="{783DC7D5-4D76-4679-A391-31CBAFA90932}" type="datetimeFigureOut">
               <a:rPr lang="en-US" smtClean="0"/>
-              <a:t>5/22/2025</a:t>
+              <a:t>5/26/2025</a:t>
             </a:fld>
             <a:endParaRPr lang="en-US"/>
           </a:p>
@@ -2632,7 +2633,7 @@
           <a:p>
             <a:fld id="{783DC7D5-4D76-4679-A391-31CBAFA90932}" type="datetimeFigureOut">
               <a:rPr lang="en-US" smtClean="0"/>
-              <a:t>5/22/2025</a:t>
+              <a:t>5/26/2025</a:t>
             </a:fld>
             <a:endParaRPr lang="en-US"/>
           </a:p>
@@ -2943,7 +2944,7 @@
           <a:p>
             <a:fld id="{783DC7D5-4D76-4679-A391-31CBAFA90932}" type="datetimeFigureOut">
               <a:rPr lang="en-US" smtClean="0"/>
-              <a:t>5/22/2025</a:t>
+              <a:t>5/26/2025</a:t>
             </a:fld>
             <a:endParaRPr lang="en-US"/>
           </a:p>
@@ -3231,7 +3232,7 @@
           <a:p>
             <a:fld id="{783DC7D5-4D76-4679-A391-31CBAFA90932}" type="datetimeFigureOut">
               <a:rPr lang="en-US" smtClean="0"/>
-              <a:t>5/22/2025</a:t>
+              <a:t>5/26/2025</a:t>
             </a:fld>
             <a:endParaRPr lang="en-US"/>
           </a:p>
@@ -3472,7 +3473,7 @@
           <a:p>
             <a:fld id="{783DC7D5-4D76-4679-A391-31CBAFA90932}" type="datetimeFigureOut">
               <a:rPr lang="en-US" smtClean="0"/>
-              <a:t>5/22/2025</a:t>
+              <a:t>5/26/2025</a:t>
             </a:fld>
             <a:endParaRPr lang="en-US"/>
           </a:p>
@@ -4054,7 +4055,7 @@
         </p:nvSpPr>
         <p:spPr>
           <a:xfrm>
-            <a:off x="7609411" y="3428682"/>
+            <a:off x="7733819" y="1655866"/>
             <a:ext cx="3813106" cy="2498052"/>
           </a:xfrm>
           <a:prstGeom prst="roundRect">
@@ -4157,7 +4158,7 @@
         </p:nvSpPr>
         <p:spPr>
           <a:xfrm>
-            <a:off x="8725969" y="3266249"/>
+            <a:off x="8850377" y="1493433"/>
             <a:ext cx="1698172" cy="291173"/>
           </a:xfrm>
           <a:prstGeom prst="roundRect">
@@ -4205,7 +4206,7 @@
         </p:nvSpPr>
         <p:spPr>
           <a:xfrm>
-            <a:off x="8174618" y="4184814"/>
+            <a:off x="8299026" y="2411998"/>
             <a:ext cx="2712098" cy="1380037"/>
           </a:xfrm>
           <a:prstGeom prst="roundRect">
@@ -4252,13 +4253,13 @@
           <p:nvPr>
             <p:extLst>
               <p:ext uri="{D42A27DB-BD31-4B8C-83A1-F6EECF244321}">
-                <p14:modId xmlns:p14="http://schemas.microsoft.com/office/powerpoint/2010/main" val="2668751953"/>
+                <p14:modId xmlns:p14="http://schemas.microsoft.com/office/powerpoint/2010/main" val="346019378"/>
               </p:ext>
             </p:extLst>
           </p:nvPr>
         </p:nvGraphicFramePr>
         <p:xfrm>
-          <a:off x="8335832" y="4430837"/>
+          <a:off x="8460240" y="2658021"/>
           <a:ext cx="2389670" cy="182292"/>
         </p:xfrm>
         <a:graphic>
@@ -4915,13 +4916,13 @@
           <p:nvPr>
             <p:extLst>
               <p:ext uri="{D42A27DB-BD31-4B8C-83A1-F6EECF244321}">
-                <p14:modId xmlns:p14="http://schemas.microsoft.com/office/powerpoint/2010/main" val="863077694"/>
+                <p14:modId xmlns:p14="http://schemas.microsoft.com/office/powerpoint/2010/main" val="3306356362"/>
               </p:ext>
             </p:extLst>
           </p:nvPr>
         </p:nvGraphicFramePr>
         <p:xfrm>
-          <a:off x="8335831" y="4684159"/>
+          <a:off x="8460239" y="2911343"/>
           <a:ext cx="1596054" cy="182292"/>
         </p:xfrm>
         <a:graphic>
@@ -5282,13 +5283,13 @@
           <p:nvPr>
             <p:extLst>
               <p:ext uri="{D42A27DB-BD31-4B8C-83A1-F6EECF244321}">
-                <p14:modId xmlns:p14="http://schemas.microsoft.com/office/powerpoint/2010/main" val="286022438"/>
+                <p14:modId xmlns:p14="http://schemas.microsoft.com/office/powerpoint/2010/main" val="376290221"/>
               </p:ext>
             </p:extLst>
           </p:nvPr>
         </p:nvGraphicFramePr>
         <p:xfrm>
-          <a:off x="8335830" y="4937481"/>
+          <a:off x="8460238" y="3164665"/>
           <a:ext cx="1782664" cy="182292"/>
         </p:xfrm>
         <a:graphic>
@@ -5541,13 +5542,13 @@
           <p:nvPr>
             <p:extLst>
               <p:ext uri="{D42A27DB-BD31-4B8C-83A1-F6EECF244321}">
-                <p14:modId xmlns:p14="http://schemas.microsoft.com/office/powerpoint/2010/main" val="3682411830"/>
+                <p14:modId xmlns:p14="http://schemas.microsoft.com/office/powerpoint/2010/main" val="1442030790"/>
               </p:ext>
             </p:extLst>
           </p:nvPr>
         </p:nvGraphicFramePr>
         <p:xfrm>
-          <a:off x="8335829" y="5190803"/>
+          <a:off x="8460237" y="3417987"/>
           <a:ext cx="1666240" cy="182292"/>
         </p:xfrm>
         <a:graphic>
@@ -6015,7 +6016,7 @@
         </p:nvSpPr>
         <p:spPr>
           <a:xfrm>
-            <a:off x="9255414" y="4030955"/>
+            <a:off x="9379822" y="2258139"/>
             <a:ext cx="550506" cy="291173"/>
           </a:xfrm>
           <a:prstGeom prst="roundRect">
@@ -6062,7 +6063,7 @@
         </p:nvSpPr>
         <p:spPr>
           <a:xfrm>
-            <a:off x="1335260" y="1436114"/>
+            <a:off x="566673" y="1311706"/>
             <a:ext cx="6686158" cy="4770537"/>
           </a:xfrm>
           <a:prstGeom prst="rect">
@@ -6377,8 +6378,12 @@
           <a:p>
             <a:pPr algn="ctr"/>
             <a:r>
+              <a:rPr lang="pl-PL" dirty="0"/>
+              <a:t>Rendering</a:t>
+            </a:r>
+            <a:r>
               <a:rPr lang="en-US" dirty="0"/>
-              <a:t>Geometry Assets</a:t>
+              <a:t> Assets</a:t>
             </a:r>
           </a:p>
         </p:txBody>
@@ -7614,6 +7619,1076 @@
 </file>
 
 <file path=ppt/slides/slide4.xml><?xml version="1.0" encoding="utf-8"?>
+<p:sld xmlns:a="http://schemas.openxmlformats.org/drawingml/2006/main" xmlns:r="http://schemas.openxmlformats.org/officeDocument/2006/relationships" xmlns:p="http://schemas.openxmlformats.org/presentationml/2006/main">
+  <p:cSld>
+    <p:spTree>
+      <p:nvGrpSpPr>
+        <p:cNvPr id="1" name="">
+          <a:extLst>
+            <a:ext uri="{FF2B5EF4-FFF2-40B4-BE49-F238E27FC236}">
+              <a16:creationId xmlns:a16="http://schemas.microsoft.com/office/drawing/2014/main" id="{BA447782-54D3-57FB-1D99-139F4A5AA9C8}"/>
+            </a:ext>
+          </a:extLst>
+        </p:cNvPr>
+        <p:cNvGrpSpPr/>
+        <p:nvPr/>
+      </p:nvGrpSpPr>
+      <p:grpSpPr>
+        <a:xfrm>
+          <a:off x="0" y="0"/>
+          <a:ext cx="0" cy="0"/>
+          <a:chOff x="0" y="0"/>
+          <a:chExt cx="0" cy="0"/>
+        </a:xfrm>
+      </p:grpSpPr>
+      <p:sp>
+        <p:nvSpPr>
+          <p:cNvPr id="16" name="Prostokąt: zaokrąglone rogi 15">
+            <a:extLst>
+              <a:ext uri="{FF2B5EF4-FFF2-40B4-BE49-F238E27FC236}">
+                <a16:creationId xmlns:a16="http://schemas.microsoft.com/office/drawing/2014/main" id="{DA2A30C4-CF41-4D3E-F602-3710EFD83B79}"/>
+              </a:ext>
+            </a:extLst>
+          </p:cNvPr>
+          <p:cNvSpPr/>
+          <p:nvPr/>
+        </p:nvSpPr>
+        <p:spPr>
+          <a:xfrm>
+            <a:off x="3103985" y="1683289"/>
+            <a:ext cx="7352524" cy="582346"/>
+          </a:xfrm>
+          <a:prstGeom prst="roundRect">
+            <a:avLst/>
+          </a:prstGeom>
+        </p:spPr>
+        <p:style>
+          <a:lnRef idx="1">
+            <a:schemeClr val="accent3"/>
+          </a:lnRef>
+          <a:fillRef idx="2">
+            <a:schemeClr val="accent3"/>
+          </a:fillRef>
+          <a:effectRef idx="1">
+            <a:schemeClr val="accent3"/>
+          </a:effectRef>
+          <a:fontRef idx="minor">
+            <a:schemeClr val="dk1"/>
+          </a:fontRef>
+        </p:style>
+        <p:txBody>
+          <a:bodyPr rtlCol="0" anchor="ctr"/>
+          <a:lstStyle/>
+          <a:p>
+            <a:pPr algn="ctr"/>
+            <a:endParaRPr lang="en-US" sz="2000" b="1" dirty="0"/>
+          </a:p>
+        </p:txBody>
+      </p:sp>
+      <p:sp>
+        <p:nvSpPr>
+          <p:cNvPr id="2" name="Rectangle: Rounded Corners 3">
+            <a:extLst>
+              <a:ext uri="{FF2B5EF4-FFF2-40B4-BE49-F238E27FC236}">
+                <a16:creationId xmlns:a16="http://schemas.microsoft.com/office/drawing/2014/main" id="{E445C594-D8AF-42C0-2BA6-654145F23E96}"/>
+              </a:ext>
+            </a:extLst>
+          </p:cNvPr>
+          <p:cNvSpPr/>
+          <p:nvPr/>
+        </p:nvSpPr>
+        <p:spPr>
+          <a:xfrm>
+            <a:off x="4057794" y="378414"/>
+            <a:ext cx="3566358" cy="582346"/>
+          </a:xfrm>
+          <a:prstGeom prst="roundRect">
+            <a:avLst/>
+          </a:prstGeom>
+        </p:spPr>
+        <p:style>
+          <a:lnRef idx="0">
+            <a:schemeClr val="accent1"/>
+          </a:lnRef>
+          <a:fillRef idx="3">
+            <a:schemeClr val="accent1"/>
+          </a:fillRef>
+          <a:effectRef idx="3">
+            <a:schemeClr val="accent1"/>
+          </a:effectRef>
+          <a:fontRef idx="minor">
+            <a:schemeClr val="lt1"/>
+          </a:fontRef>
+        </p:style>
+        <p:txBody>
+          <a:bodyPr rtlCol="0" anchor="ctr"/>
+          <a:lstStyle/>
+          <a:p>
+            <a:pPr algn="ctr"/>
+            <a:r>
+              <a:rPr lang="en-US" dirty="0"/>
+              <a:t>Scene Components for Mesh Assets</a:t>
+            </a:r>
+          </a:p>
+        </p:txBody>
+      </p:sp>
+      <p:sp>
+        <p:nvSpPr>
+          <p:cNvPr id="6" name="Prostokąt: zaokrąglone rogi 5">
+            <a:extLst>
+              <a:ext uri="{FF2B5EF4-FFF2-40B4-BE49-F238E27FC236}">
+                <a16:creationId xmlns:a16="http://schemas.microsoft.com/office/drawing/2014/main" id="{D4C783E7-E69F-0434-EC11-920C44E11072}"/>
+              </a:ext>
+            </a:extLst>
+          </p:cNvPr>
+          <p:cNvSpPr/>
+          <p:nvPr/>
+        </p:nvSpPr>
+        <p:spPr>
+          <a:xfrm>
+            <a:off x="4565780" y="1743164"/>
+            <a:ext cx="2093167" cy="454090"/>
+          </a:xfrm>
+          <a:prstGeom prst="roundRect">
+            <a:avLst/>
+          </a:prstGeom>
+        </p:spPr>
+        <p:style>
+          <a:lnRef idx="1">
+            <a:schemeClr val="accent1"/>
+          </a:lnRef>
+          <a:fillRef idx="2">
+            <a:schemeClr val="accent1"/>
+          </a:fillRef>
+          <a:effectRef idx="1">
+            <a:schemeClr val="accent1"/>
+          </a:effectRef>
+          <a:fontRef idx="minor">
+            <a:schemeClr val="dk1"/>
+          </a:fontRef>
+        </p:style>
+        <p:txBody>
+          <a:bodyPr rtlCol="0" anchor="ctr"/>
+          <a:lstStyle/>
+          <a:p>
+            <a:pPr algn="ctr"/>
+            <a:r>
+              <a:rPr lang="en-US" dirty="0"/>
+              <a:t>Mesh</a:t>
+            </a:r>
+          </a:p>
+        </p:txBody>
+      </p:sp>
+      <p:sp>
+        <p:nvSpPr>
+          <p:cNvPr id="7" name="Prostokąt: zaokrąglone rogi 6">
+            <a:extLst>
+              <a:ext uri="{FF2B5EF4-FFF2-40B4-BE49-F238E27FC236}">
+                <a16:creationId xmlns:a16="http://schemas.microsoft.com/office/drawing/2014/main" id="{CF2E88DC-EDD2-97C8-278D-6485FDBD6847}"/>
+              </a:ext>
+            </a:extLst>
+          </p:cNvPr>
+          <p:cNvSpPr/>
+          <p:nvPr/>
+        </p:nvSpPr>
+        <p:spPr>
+          <a:xfrm>
+            <a:off x="6780247" y="1743164"/>
+            <a:ext cx="2093167" cy="454090"/>
+          </a:xfrm>
+          <a:prstGeom prst="roundRect">
+            <a:avLst/>
+          </a:prstGeom>
+        </p:spPr>
+        <p:style>
+          <a:lnRef idx="1">
+            <a:schemeClr val="accent1"/>
+          </a:lnRef>
+          <a:fillRef idx="2">
+            <a:schemeClr val="accent1"/>
+          </a:fillRef>
+          <a:effectRef idx="1">
+            <a:schemeClr val="accent1"/>
+          </a:effectRef>
+          <a:fontRef idx="minor">
+            <a:schemeClr val="dk1"/>
+          </a:fontRef>
+        </p:style>
+        <p:txBody>
+          <a:bodyPr rtlCol="0" anchor="ctr"/>
+          <a:lstStyle/>
+          <a:p>
+            <a:pPr algn="ctr"/>
+            <a:r>
+              <a:rPr lang="en-US" dirty="0"/>
+              <a:t>Material</a:t>
+            </a:r>
+          </a:p>
+        </p:txBody>
+      </p:sp>
+      <p:sp>
+        <p:nvSpPr>
+          <p:cNvPr id="17" name="Prostokąt: zaokrąglone rogi 16">
+            <a:extLst>
+              <a:ext uri="{FF2B5EF4-FFF2-40B4-BE49-F238E27FC236}">
+                <a16:creationId xmlns:a16="http://schemas.microsoft.com/office/drawing/2014/main" id="{0E39B9AC-1098-46B1-00F5-47BB77B00CC4}"/>
+              </a:ext>
+            </a:extLst>
+          </p:cNvPr>
+          <p:cNvSpPr/>
+          <p:nvPr/>
+        </p:nvSpPr>
+        <p:spPr>
+          <a:xfrm>
+            <a:off x="3103985" y="3067860"/>
+            <a:ext cx="7352524" cy="582346"/>
+          </a:xfrm>
+          <a:prstGeom prst="roundRect">
+            <a:avLst/>
+          </a:prstGeom>
+        </p:spPr>
+        <p:style>
+          <a:lnRef idx="1">
+            <a:schemeClr val="accent3"/>
+          </a:lnRef>
+          <a:fillRef idx="2">
+            <a:schemeClr val="accent3"/>
+          </a:fillRef>
+          <a:effectRef idx="1">
+            <a:schemeClr val="accent3"/>
+          </a:effectRef>
+          <a:fontRef idx="minor">
+            <a:schemeClr val="dk1"/>
+          </a:fontRef>
+        </p:style>
+        <p:txBody>
+          <a:bodyPr rtlCol="0" anchor="ctr"/>
+          <a:lstStyle/>
+          <a:p>
+            <a:pPr algn="ctr"/>
+            <a:endParaRPr lang="en-US" sz="2000" b="1" dirty="0"/>
+          </a:p>
+        </p:txBody>
+      </p:sp>
+      <p:sp>
+        <p:nvSpPr>
+          <p:cNvPr id="19" name="Prostokąt: zaokrąglone rogi 18">
+            <a:extLst>
+              <a:ext uri="{FF2B5EF4-FFF2-40B4-BE49-F238E27FC236}">
+                <a16:creationId xmlns:a16="http://schemas.microsoft.com/office/drawing/2014/main" id="{699319EE-F153-1A51-A4E4-62DF1ACE8A03}"/>
+              </a:ext>
+            </a:extLst>
+          </p:cNvPr>
+          <p:cNvSpPr/>
+          <p:nvPr/>
+        </p:nvSpPr>
+        <p:spPr>
+          <a:xfrm>
+            <a:off x="5744551" y="3131985"/>
+            <a:ext cx="2093167" cy="454091"/>
+          </a:xfrm>
+          <a:prstGeom prst="roundRect">
+            <a:avLst/>
+          </a:prstGeom>
+        </p:spPr>
+        <p:style>
+          <a:lnRef idx="1">
+            <a:schemeClr val="accent1"/>
+          </a:lnRef>
+          <a:fillRef idx="2">
+            <a:schemeClr val="accent1"/>
+          </a:fillRef>
+          <a:effectRef idx="1">
+            <a:schemeClr val="accent1"/>
+          </a:effectRef>
+          <a:fontRef idx="minor">
+            <a:schemeClr val="dk1"/>
+          </a:fontRef>
+        </p:style>
+        <p:txBody>
+          <a:bodyPr rtlCol="0" anchor="ctr"/>
+          <a:lstStyle/>
+          <a:p>
+            <a:pPr algn="ctr"/>
+            <a:r>
+              <a:rPr lang="en-US" dirty="0"/>
+              <a:t>N × </a:t>
+            </a:r>
+            <a:r>
+              <a:rPr lang="en-US" dirty="0" err="1"/>
+              <a:t>RenderMesh</a:t>
+            </a:r>
+            <a:endParaRPr lang="en-US" dirty="0"/>
+          </a:p>
+        </p:txBody>
+      </p:sp>
+      <p:sp>
+        <p:nvSpPr>
+          <p:cNvPr id="21" name="Prostokąt: zaokrąglone rogi 20">
+            <a:extLst>
+              <a:ext uri="{FF2B5EF4-FFF2-40B4-BE49-F238E27FC236}">
+                <a16:creationId xmlns:a16="http://schemas.microsoft.com/office/drawing/2014/main" id="{E246BF17-4262-5110-6013-6EE613866E12}"/>
+              </a:ext>
+            </a:extLst>
+          </p:cNvPr>
+          <p:cNvSpPr/>
+          <p:nvPr/>
+        </p:nvSpPr>
+        <p:spPr>
+          <a:xfrm>
+            <a:off x="3103985" y="4491723"/>
+            <a:ext cx="7352524" cy="582346"/>
+          </a:xfrm>
+          <a:prstGeom prst="roundRect">
+            <a:avLst/>
+          </a:prstGeom>
+        </p:spPr>
+        <p:style>
+          <a:lnRef idx="1">
+            <a:schemeClr val="accent3"/>
+          </a:lnRef>
+          <a:fillRef idx="2">
+            <a:schemeClr val="accent3"/>
+          </a:fillRef>
+          <a:effectRef idx="1">
+            <a:schemeClr val="accent3"/>
+          </a:effectRef>
+          <a:fontRef idx="minor">
+            <a:schemeClr val="dk1"/>
+          </a:fontRef>
+        </p:style>
+        <p:txBody>
+          <a:bodyPr rtlCol="0" anchor="ctr"/>
+          <a:lstStyle/>
+          <a:p>
+            <a:pPr algn="ctr"/>
+            <a:endParaRPr lang="en-US" sz="1800" b="1" dirty="0"/>
+          </a:p>
+        </p:txBody>
+      </p:sp>
+      <p:sp>
+        <p:nvSpPr>
+          <p:cNvPr id="22" name="Prostokąt: zaokrąglone rogi 21">
+            <a:extLst>
+              <a:ext uri="{FF2B5EF4-FFF2-40B4-BE49-F238E27FC236}">
+                <a16:creationId xmlns:a16="http://schemas.microsoft.com/office/drawing/2014/main" id="{E9CCF0AF-7823-9C04-F3CF-2ABA38AA5E41}"/>
+              </a:ext>
+            </a:extLst>
+          </p:cNvPr>
+          <p:cNvSpPr/>
+          <p:nvPr/>
+        </p:nvSpPr>
+        <p:spPr>
+          <a:xfrm>
+            <a:off x="3592289" y="4555847"/>
+            <a:ext cx="2093167" cy="454091"/>
+          </a:xfrm>
+          <a:prstGeom prst="roundRect">
+            <a:avLst/>
+          </a:prstGeom>
+        </p:spPr>
+        <p:style>
+          <a:lnRef idx="1">
+            <a:schemeClr val="accent1"/>
+          </a:lnRef>
+          <a:fillRef idx="2">
+            <a:schemeClr val="accent1"/>
+          </a:fillRef>
+          <a:effectRef idx="1">
+            <a:schemeClr val="accent1"/>
+          </a:effectRef>
+          <a:fontRef idx="minor">
+            <a:schemeClr val="dk1"/>
+          </a:fontRef>
+        </p:style>
+        <p:txBody>
+          <a:bodyPr rtlCol="0" anchor="ctr"/>
+          <a:lstStyle/>
+          <a:p>
+            <a:pPr algn="ctr"/>
+            <a:r>
+              <a:rPr lang="en-US" dirty="0"/>
+              <a:t>Skeleton</a:t>
+            </a:r>
+          </a:p>
+        </p:txBody>
+      </p:sp>
+      <p:sp>
+        <p:nvSpPr>
+          <p:cNvPr id="5" name="Prostokąt: zaokrąglone rogi 4">
+            <a:extLst>
+              <a:ext uri="{FF2B5EF4-FFF2-40B4-BE49-F238E27FC236}">
+                <a16:creationId xmlns:a16="http://schemas.microsoft.com/office/drawing/2014/main" id="{68307D43-49F3-2EB0-546E-75FE4F7D9BB3}"/>
+              </a:ext>
+            </a:extLst>
+          </p:cNvPr>
+          <p:cNvSpPr/>
+          <p:nvPr/>
+        </p:nvSpPr>
+        <p:spPr>
+          <a:xfrm>
+            <a:off x="1101012" y="1747414"/>
+            <a:ext cx="2093167" cy="454091"/>
+          </a:xfrm>
+          <a:prstGeom prst="roundRect">
+            <a:avLst/>
+          </a:prstGeom>
+        </p:spPr>
+        <p:style>
+          <a:lnRef idx="1">
+            <a:schemeClr val="accent1"/>
+          </a:lnRef>
+          <a:fillRef idx="2">
+            <a:schemeClr val="accent1"/>
+          </a:fillRef>
+          <a:effectRef idx="1">
+            <a:schemeClr val="accent1"/>
+          </a:effectRef>
+          <a:fontRef idx="minor">
+            <a:schemeClr val="dk1"/>
+          </a:fontRef>
+        </p:style>
+        <p:txBody>
+          <a:bodyPr rtlCol="0" anchor="ctr"/>
+          <a:lstStyle/>
+          <a:p>
+            <a:pPr algn="ctr"/>
+            <a:r>
+              <a:rPr lang="en-US" dirty="0" err="1"/>
+              <a:t>CRenderMeshView</a:t>
+            </a:r>
+            <a:endParaRPr lang="en-US" dirty="0"/>
+          </a:p>
+        </p:txBody>
+      </p:sp>
+      <p:sp>
+        <p:nvSpPr>
+          <p:cNvPr id="8" name="Prostokąt: zaokrąglone rogi 7">
+            <a:extLst>
+              <a:ext uri="{FF2B5EF4-FFF2-40B4-BE49-F238E27FC236}">
+                <a16:creationId xmlns:a16="http://schemas.microsoft.com/office/drawing/2014/main" id="{D569CC9D-681D-23AE-891A-970A5D9D6966}"/>
+              </a:ext>
+            </a:extLst>
+          </p:cNvPr>
+          <p:cNvSpPr/>
+          <p:nvPr/>
+        </p:nvSpPr>
+        <p:spPr>
+          <a:xfrm>
+            <a:off x="1101011" y="3131985"/>
+            <a:ext cx="2093167" cy="454091"/>
+          </a:xfrm>
+          <a:prstGeom prst="roundRect">
+            <a:avLst/>
+          </a:prstGeom>
+        </p:spPr>
+        <p:style>
+          <a:lnRef idx="1">
+            <a:schemeClr val="accent1"/>
+          </a:lnRef>
+          <a:fillRef idx="2">
+            <a:schemeClr val="accent1"/>
+          </a:fillRef>
+          <a:effectRef idx="1">
+            <a:schemeClr val="accent1"/>
+          </a:effectRef>
+          <a:fontRef idx="minor">
+            <a:schemeClr val="dk1"/>
+          </a:fontRef>
+        </p:style>
+        <p:txBody>
+          <a:bodyPr rtlCol="0" anchor="ctr"/>
+          <a:lstStyle/>
+          <a:p>
+            <a:pPr algn="ctr"/>
+            <a:r>
+              <a:rPr lang="en-US" dirty="0" err="1"/>
+              <a:t>CModelView</a:t>
+            </a:r>
+            <a:endParaRPr lang="en-US" dirty="0"/>
+          </a:p>
+        </p:txBody>
+      </p:sp>
+      <p:sp>
+        <p:nvSpPr>
+          <p:cNvPr id="20" name="Prostokąt: zaokrąglone rogi 19">
+            <a:extLst>
+              <a:ext uri="{FF2B5EF4-FFF2-40B4-BE49-F238E27FC236}">
+                <a16:creationId xmlns:a16="http://schemas.microsoft.com/office/drawing/2014/main" id="{71AC8BE7-E0D7-4253-6153-96211E059EEA}"/>
+              </a:ext>
+            </a:extLst>
+          </p:cNvPr>
+          <p:cNvSpPr/>
+          <p:nvPr/>
+        </p:nvSpPr>
+        <p:spPr>
+          <a:xfrm>
+            <a:off x="1101011" y="4555848"/>
+            <a:ext cx="2093167" cy="454091"/>
+          </a:xfrm>
+          <a:prstGeom prst="roundRect">
+            <a:avLst/>
+          </a:prstGeom>
+        </p:spPr>
+        <p:style>
+          <a:lnRef idx="1">
+            <a:schemeClr val="accent1"/>
+          </a:lnRef>
+          <a:fillRef idx="2">
+            <a:schemeClr val="accent1"/>
+          </a:fillRef>
+          <a:effectRef idx="1">
+            <a:schemeClr val="accent1"/>
+          </a:effectRef>
+          <a:fontRef idx="minor">
+            <a:schemeClr val="dk1"/>
+          </a:fontRef>
+        </p:style>
+        <p:txBody>
+          <a:bodyPr rtlCol="0" anchor="ctr"/>
+          <a:lstStyle/>
+          <a:p>
+            <a:pPr algn="ctr"/>
+            <a:r>
+              <a:rPr lang="en-US" sz="1700" dirty="0" err="1"/>
+              <a:t>CSkinnedModelView</a:t>
+            </a:r>
+            <a:endParaRPr lang="en-US" sz="1700" dirty="0"/>
+          </a:p>
+        </p:txBody>
+      </p:sp>
+      <p:sp>
+        <p:nvSpPr>
+          <p:cNvPr id="32" name="Prostokąt: zaokrąglone rogi 31">
+            <a:extLst>
+              <a:ext uri="{FF2B5EF4-FFF2-40B4-BE49-F238E27FC236}">
+                <a16:creationId xmlns:a16="http://schemas.microsoft.com/office/drawing/2014/main" id="{79D43BD2-A3BB-D4FB-B644-CE15C38EC816}"/>
+              </a:ext>
+            </a:extLst>
+          </p:cNvPr>
+          <p:cNvSpPr/>
+          <p:nvPr/>
+        </p:nvSpPr>
+        <p:spPr>
+          <a:xfrm>
+            <a:off x="7940345" y="4547572"/>
+            <a:ext cx="2093167" cy="454090"/>
+          </a:xfrm>
+          <a:prstGeom prst="roundRect">
+            <a:avLst/>
+          </a:prstGeom>
+        </p:spPr>
+        <p:style>
+          <a:lnRef idx="1">
+            <a:schemeClr val="accent4"/>
+          </a:lnRef>
+          <a:fillRef idx="2">
+            <a:schemeClr val="accent4"/>
+          </a:fillRef>
+          <a:effectRef idx="1">
+            <a:schemeClr val="accent4"/>
+          </a:effectRef>
+          <a:fontRef idx="minor">
+            <a:schemeClr val="dk1"/>
+          </a:fontRef>
+        </p:style>
+        <p:txBody>
+          <a:bodyPr rtlCol="0" anchor="ctr"/>
+          <a:lstStyle/>
+          <a:p>
+            <a:pPr algn="ctr"/>
+            <a:r>
+              <a:rPr lang="en-US" sz="1400" dirty="0"/>
+              <a:t>Skinning</a:t>
+            </a:r>
+          </a:p>
+        </p:txBody>
+      </p:sp>
+      <p:sp>
+        <p:nvSpPr>
+          <p:cNvPr id="11" name="Prostokąt: zaokrąglone rogi 10">
+            <a:extLst>
+              <a:ext uri="{FF2B5EF4-FFF2-40B4-BE49-F238E27FC236}">
+                <a16:creationId xmlns:a16="http://schemas.microsoft.com/office/drawing/2014/main" id="{045BE31E-36D1-0DC0-9414-F6951E8F44CF}"/>
+              </a:ext>
+            </a:extLst>
+          </p:cNvPr>
+          <p:cNvSpPr/>
+          <p:nvPr/>
+        </p:nvSpPr>
+        <p:spPr>
+          <a:xfrm>
+            <a:off x="3103985" y="2355921"/>
+            <a:ext cx="7352524" cy="582346"/>
+          </a:xfrm>
+          <a:prstGeom prst="roundRect">
+            <a:avLst/>
+          </a:prstGeom>
+        </p:spPr>
+        <p:style>
+          <a:lnRef idx="1">
+            <a:schemeClr val="accent3"/>
+          </a:lnRef>
+          <a:fillRef idx="2">
+            <a:schemeClr val="accent3"/>
+          </a:fillRef>
+          <a:effectRef idx="1">
+            <a:schemeClr val="accent3"/>
+          </a:effectRef>
+          <a:fontRef idx="minor">
+            <a:schemeClr val="dk1"/>
+          </a:fontRef>
+        </p:style>
+        <p:txBody>
+          <a:bodyPr rtlCol="0" anchor="ctr"/>
+          <a:lstStyle/>
+          <a:p>
+            <a:pPr algn="ctr"/>
+            <a:endParaRPr lang="en-US" sz="2000" b="1" dirty="0"/>
+          </a:p>
+        </p:txBody>
+      </p:sp>
+      <p:sp>
+        <p:nvSpPr>
+          <p:cNvPr id="12" name="Prostokąt: zaokrąglone rogi 11">
+            <a:extLst>
+              <a:ext uri="{FF2B5EF4-FFF2-40B4-BE49-F238E27FC236}">
+                <a16:creationId xmlns:a16="http://schemas.microsoft.com/office/drawing/2014/main" id="{852F50F4-2EA9-04DB-76EC-53E0C9F42E51}"/>
+              </a:ext>
+            </a:extLst>
+          </p:cNvPr>
+          <p:cNvSpPr/>
+          <p:nvPr/>
+        </p:nvSpPr>
+        <p:spPr>
+          <a:xfrm>
+            <a:off x="5744551" y="2414650"/>
+            <a:ext cx="2093167" cy="454090"/>
+          </a:xfrm>
+          <a:prstGeom prst="roundRect">
+            <a:avLst/>
+          </a:prstGeom>
+        </p:spPr>
+        <p:style>
+          <a:lnRef idx="1">
+            <a:schemeClr val="accent1"/>
+          </a:lnRef>
+          <a:fillRef idx="2">
+            <a:schemeClr val="accent1"/>
+          </a:fillRef>
+          <a:effectRef idx="1">
+            <a:schemeClr val="accent1"/>
+          </a:effectRef>
+          <a:fontRef idx="minor">
+            <a:schemeClr val="dk1"/>
+          </a:fontRef>
+        </p:style>
+        <p:txBody>
+          <a:bodyPr rtlCol="0" anchor="ctr"/>
+          <a:lstStyle/>
+          <a:p>
+            <a:pPr algn="ctr"/>
+            <a:r>
+              <a:rPr lang="en-US" dirty="0" err="1"/>
+              <a:t>RenderMesh</a:t>
+            </a:r>
+            <a:endParaRPr lang="en-US" dirty="0"/>
+          </a:p>
+        </p:txBody>
+      </p:sp>
+      <p:sp>
+        <p:nvSpPr>
+          <p:cNvPr id="33" name="Prostokąt: zaokrąglone rogi 32">
+            <a:extLst>
+              <a:ext uri="{FF2B5EF4-FFF2-40B4-BE49-F238E27FC236}">
+                <a16:creationId xmlns:a16="http://schemas.microsoft.com/office/drawing/2014/main" id="{7EBF4F22-1A4D-EAB8-2A4D-A122E310FDD9}"/>
+              </a:ext>
+            </a:extLst>
+          </p:cNvPr>
+          <p:cNvSpPr/>
+          <p:nvPr/>
+        </p:nvSpPr>
+        <p:spPr>
+          <a:xfrm>
+            <a:off x="1101012" y="2420046"/>
+            <a:ext cx="2093167" cy="454091"/>
+          </a:xfrm>
+          <a:prstGeom prst="roundRect">
+            <a:avLst/>
+          </a:prstGeom>
+        </p:spPr>
+        <p:style>
+          <a:lnRef idx="1">
+            <a:schemeClr val="accent1"/>
+          </a:lnRef>
+          <a:fillRef idx="2">
+            <a:schemeClr val="accent1"/>
+          </a:fillRef>
+          <a:effectRef idx="1">
+            <a:schemeClr val="accent1"/>
+          </a:effectRef>
+          <a:fontRef idx="minor">
+            <a:schemeClr val="dk1"/>
+          </a:fontRef>
+        </p:style>
+        <p:txBody>
+          <a:bodyPr rtlCol="0" anchor="ctr"/>
+          <a:lstStyle/>
+          <a:p>
+            <a:pPr algn="ctr"/>
+            <a:r>
+              <a:rPr lang="en-US" dirty="0" err="1"/>
+              <a:t>CRenderMesh</a:t>
+            </a:r>
+            <a:endParaRPr lang="en-US" dirty="0"/>
+          </a:p>
+        </p:txBody>
+      </p:sp>
+      <p:sp>
+        <p:nvSpPr>
+          <p:cNvPr id="34" name="Prostokąt: zaokrąglone rogi 33">
+            <a:extLst>
+              <a:ext uri="{FF2B5EF4-FFF2-40B4-BE49-F238E27FC236}">
+                <a16:creationId xmlns:a16="http://schemas.microsoft.com/office/drawing/2014/main" id="{734254AC-514E-330C-B3FE-6341925DA2F1}"/>
+              </a:ext>
+            </a:extLst>
+          </p:cNvPr>
+          <p:cNvSpPr/>
+          <p:nvPr/>
+        </p:nvSpPr>
+        <p:spPr>
+          <a:xfrm>
+            <a:off x="3103985" y="3779794"/>
+            <a:ext cx="7352524" cy="582346"/>
+          </a:xfrm>
+          <a:prstGeom prst="roundRect">
+            <a:avLst/>
+          </a:prstGeom>
+        </p:spPr>
+        <p:style>
+          <a:lnRef idx="1">
+            <a:schemeClr val="accent3"/>
+          </a:lnRef>
+          <a:fillRef idx="2">
+            <a:schemeClr val="accent3"/>
+          </a:fillRef>
+          <a:effectRef idx="1">
+            <a:schemeClr val="accent3"/>
+          </a:effectRef>
+          <a:fontRef idx="minor">
+            <a:schemeClr val="dk1"/>
+          </a:fontRef>
+        </p:style>
+        <p:txBody>
+          <a:bodyPr rtlCol="0" anchor="ctr"/>
+          <a:lstStyle/>
+          <a:p>
+            <a:pPr algn="ctr"/>
+            <a:endParaRPr lang="en-US" sz="2000" b="1" dirty="0"/>
+          </a:p>
+        </p:txBody>
+      </p:sp>
+      <p:sp>
+        <p:nvSpPr>
+          <p:cNvPr id="35" name="Prostokąt: zaokrąglone rogi 34">
+            <a:extLst>
+              <a:ext uri="{FF2B5EF4-FFF2-40B4-BE49-F238E27FC236}">
+                <a16:creationId xmlns:a16="http://schemas.microsoft.com/office/drawing/2014/main" id="{27C4376F-0DDB-1940-75CF-C09C5110E43D}"/>
+              </a:ext>
+            </a:extLst>
+          </p:cNvPr>
+          <p:cNvSpPr/>
+          <p:nvPr/>
+        </p:nvSpPr>
+        <p:spPr>
+          <a:xfrm>
+            <a:off x="1101011" y="3843919"/>
+            <a:ext cx="2093167" cy="454091"/>
+          </a:xfrm>
+          <a:prstGeom prst="roundRect">
+            <a:avLst/>
+          </a:prstGeom>
+        </p:spPr>
+        <p:style>
+          <a:lnRef idx="1">
+            <a:schemeClr val="accent1"/>
+          </a:lnRef>
+          <a:fillRef idx="2">
+            <a:schemeClr val="accent1"/>
+          </a:fillRef>
+          <a:effectRef idx="1">
+            <a:schemeClr val="accent1"/>
+          </a:effectRef>
+          <a:fontRef idx="minor">
+            <a:schemeClr val="dk1"/>
+          </a:fontRef>
+        </p:style>
+        <p:txBody>
+          <a:bodyPr rtlCol="0" anchor="ctr"/>
+          <a:lstStyle/>
+          <a:p>
+            <a:pPr algn="ctr"/>
+            <a:r>
+              <a:rPr lang="en-US" dirty="0" err="1"/>
+              <a:t>CModel</a:t>
+            </a:r>
+            <a:endParaRPr lang="en-US" dirty="0"/>
+          </a:p>
+        </p:txBody>
+      </p:sp>
+      <p:sp>
+        <p:nvSpPr>
+          <p:cNvPr id="36" name="Prostokąt: zaokrąglone rogi 35">
+            <a:extLst>
+              <a:ext uri="{FF2B5EF4-FFF2-40B4-BE49-F238E27FC236}">
+                <a16:creationId xmlns:a16="http://schemas.microsoft.com/office/drawing/2014/main" id="{30CEE5F5-3D2F-2C49-7677-E1148E3B3F82}"/>
+              </a:ext>
+            </a:extLst>
+          </p:cNvPr>
+          <p:cNvSpPr/>
+          <p:nvPr/>
+        </p:nvSpPr>
+        <p:spPr>
+          <a:xfrm>
+            <a:off x="5744550" y="3843919"/>
+            <a:ext cx="2093167" cy="454091"/>
+          </a:xfrm>
+          <a:prstGeom prst="roundRect">
+            <a:avLst/>
+          </a:prstGeom>
+        </p:spPr>
+        <p:style>
+          <a:lnRef idx="1">
+            <a:schemeClr val="accent1"/>
+          </a:lnRef>
+          <a:fillRef idx="2">
+            <a:schemeClr val="accent1"/>
+          </a:fillRef>
+          <a:effectRef idx="1">
+            <a:schemeClr val="accent1"/>
+          </a:effectRef>
+          <a:fontRef idx="minor">
+            <a:schemeClr val="dk1"/>
+          </a:fontRef>
+        </p:style>
+        <p:txBody>
+          <a:bodyPr rtlCol="0" anchor="ctr"/>
+          <a:lstStyle/>
+          <a:p>
+            <a:pPr algn="ctr"/>
+            <a:r>
+              <a:rPr lang="en-US" dirty="0"/>
+              <a:t>Model</a:t>
+            </a:r>
+          </a:p>
+        </p:txBody>
+      </p:sp>
+      <p:sp>
+        <p:nvSpPr>
+          <p:cNvPr id="37" name="Prostokąt: zaokrąglone rogi 36">
+            <a:extLst>
+              <a:ext uri="{FF2B5EF4-FFF2-40B4-BE49-F238E27FC236}">
+                <a16:creationId xmlns:a16="http://schemas.microsoft.com/office/drawing/2014/main" id="{6BA2E05B-8796-2A38-9671-820E4A57BFAF}"/>
+              </a:ext>
+            </a:extLst>
+          </p:cNvPr>
+          <p:cNvSpPr/>
+          <p:nvPr/>
+        </p:nvSpPr>
+        <p:spPr>
+          <a:xfrm>
+            <a:off x="3103985" y="5174711"/>
+            <a:ext cx="7352524" cy="582346"/>
+          </a:xfrm>
+          <a:prstGeom prst="roundRect">
+            <a:avLst/>
+          </a:prstGeom>
+        </p:spPr>
+        <p:style>
+          <a:lnRef idx="1">
+            <a:schemeClr val="accent3"/>
+          </a:lnRef>
+          <a:fillRef idx="2">
+            <a:schemeClr val="accent3"/>
+          </a:fillRef>
+          <a:effectRef idx="1">
+            <a:schemeClr val="accent3"/>
+          </a:effectRef>
+          <a:fontRef idx="minor">
+            <a:schemeClr val="dk1"/>
+          </a:fontRef>
+        </p:style>
+        <p:txBody>
+          <a:bodyPr rtlCol="0" anchor="ctr"/>
+          <a:lstStyle/>
+          <a:p>
+            <a:pPr algn="ctr"/>
+            <a:endParaRPr lang="en-US" sz="1800" b="1" dirty="0"/>
+          </a:p>
+        </p:txBody>
+      </p:sp>
+      <p:sp>
+        <p:nvSpPr>
+          <p:cNvPr id="39" name="Prostokąt: zaokrąglone rogi 38">
+            <a:extLst>
+              <a:ext uri="{FF2B5EF4-FFF2-40B4-BE49-F238E27FC236}">
+                <a16:creationId xmlns:a16="http://schemas.microsoft.com/office/drawing/2014/main" id="{116889B7-C9B1-7923-BDE9-6B1337451F90}"/>
+              </a:ext>
+            </a:extLst>
+          </p:cNvPr>
+          <p:cNvSpPr/>
+          <p:nvPr/>
+        </p:nvSpPr>
+        <p:spPr>
+          <a:xfrm>
+            <a:off x="5685456" y="5247111"/>
+            <a:ext cx="2093167" cy="454091"/>
+          </a:xfrm>
+          <a:prstGeom prst="roundRect">
+            <a:avLst/>
+          </a:prstGeom>
+        </p:spPr>
+        <p:style>
+          <a:lnRef idx="1">
+            <a:schemeClr val="accent1"/>
+          </a:lnRef>
+          <a:fillRef idx="2">
+            <a:schemeClr val="accent1"/>
+          </a:fillRef>
+          <a:effectRef idx="1">
+            <a:schemeClr val="accent1"/>
+          </a:effectRef>
+          <a:fontRef idx="minor">
+            <a:schemeClr val="dk1"/>
+          </a:fontRef>
+        </p:style>
+        <p:txBody>
+          <a:bodyPr rtlCol="0" anchor="ctr"/>
+          <a:lstStyle/>
+          <a:p>
+            <a:pPr algn="ctr"/>
+            <a:r>
+              <a:rPr lang="en-US" dirty="0" err="1"/>
+              <a:t>SkinnedModel</a:t>
+            </a:r>
+            <a:endParaRPr lang="en-US" dirty="0"/>
+          </a:p>
+        </p:txBody>
+      </p:sp>
+      <p:sp>
+        <p:nvSpPr>
+          <p:cNvPr id="40" name="Prostokąt: zaokrąglone rogi 39">
+            <a:extLst>
+              <a:ext uri="{FF2B5EF4-FFF2-40B4-BE49-F238E27FC236}">
+                <a16:creationId xmlns:a16="http://schemas.microsoft.com/office/drawing/2014/main" id="{A0BF6C05-E35A-8CBB-FD45-C607C8B17039}"/>
+              </a:ext>
+            </a:extLst>
+          </p:cNvPr>
+          <p:cNvSpPr/>
+          <p:nvPr/>
+        </p:nvSpPr>
+        <p:spPr>
+          <a:xfrm>
+            <a:off x="1101011" y="5238836"/>
+            <a:ext cx="2093167" cy="454091"/>
+          </a:xfrm>
+          <a:prstGeom prst="roundRect">
+            <a:avLst/>
+          </a:prstGeom>
+        </p:spPr>
+        <p:style>
+          <a:lnRef idx="1">
+            <a:schemeClr val="accent1"/>
+          </a:lnRef>
+          <a:fillRef idx="2">
+            <a:schemeClr val="accent1"/>
+          </a:fillRef>
+          <a:effectRef idx="1">
+            <a:schemeClr val="accent1"/>
+          </a:effectRef>
+          <a:fontRef idx="minor">
+            <a:schemeClr val="dk1"/>
+          </a:fontRef>
+        </p:style>
+        <p:txBody>
+          <a:bodyPr rtlCol="0" anchor="ctr"/>
+          <a:lstStyle/>
+          <a:p>
+            <a:pPr algn="ctr"/>
+            <a:r>
+              <a:rPr lang="en-US" dirty="0" err="1"/>
+              <a:t>CSkinnedModel</a:t>
+            </a:r>
+            <a:endParaRPr lang="en-US" dirty="0"/>
+          </a:p>
+        </p:txBody>
+      </p:sp>
+      <p:sp>
+        <p:nvSpPr>
+          <p:cNvPr id="42" name="Prostokąt: zaokrąglone rogi 41">
+            <a:extLst>
+              <a:ext uri="{FF2B5EF4-FFF2-40B4-BE49-F238E27FC236}">
+                <a16:creationId xmlns:a16="http://schemas.microsoft.com/office/drawing/2014/main" id="{C895747E-6E04-68FD-75D3-4A19EAFCDF22}"/>
+              </a:ext>
+            </a:extLst>
+          </p:cNvPr>
+          <p:cNvSpPr/>
+          <p:nvPr/>
+        </p:nvSpPr>
+        <p:spPr>
+          <a:xfrm>
+            <a:off x="5766316" y="4555847"/>
+            <a:ext cx="2093167" cy="454091"/>
+          </a:xfrm>
+          <a:prstGeom prst="roundRect">
+            <a:avLst/>
+          </a:prstGeom>
+        </p:spPr>
+        <p:style>
+          <a:lnRef idx="1">
+            <a:schemeClr val="accent1"/>
+          </a:lnRef>
+          <a:fillRef idx="2">
+            <a:schemeClr val="accent1"/>
+          </a:fillRef>
+          <a:effectRef idx="1">
+            <a:schemeClr val="accent1"/>
+          </a:effectRef>
+          <a:fontRef idx="minor">
+            <a:schemeClr val="dk1"/>
+          </a:fontRef>
+        </p:style>
+        <p:txBody>
+          <a:bodyPr rtlCol="0" anchor="ctr"/>
+          <a:lstStyle/>
+          <a:p>
+            <a:pPr algn="ctr"/>
+            <a:r>
+              <a:rPr lang="en-US" dirty="0"/>
+              <a:t>N × </a:t>
+            </a:r>
+            <a:r>
+              <a:rPr lang="en-US" dirty="0" err="1"/>
+              <a:t>RenderMesh</a:t>
+            </a:r>
+            <a:endParaRPr lang="en-US" dirty="0"/>
+          </a:p>
+        </p:txBody>
+      </p:sp>
+    </p:spTree>
+    <p:extLst>
+      <p:ext uri="{BB962C8B-B14F-4D97-AF65-F5344CB8AC3E}">
+        <p14:creationId xmlns:p14="http://schemas.microsoft.com/office/powerpoint/2010/main" val="687407255"/>
+      </p:ext>
+    </p:extLst>
+  </p:cSld>
+  <p:clrMapOvr>
+    <a:masterClrMapping/>
+  </p:clrMapOvr>
+</p:sld>
+</file>
+
+<file path=ppt/slides/slide5.xml><?xml version="1.0" encoding="utf-8"?>
 <p:sld xmlns:a="http://schemas.openxmlformats.org/drawingml/2006/main" xmlns:r="http://schemas.openxmlformats.org/officeDocument/2006/relationships" xmlns:p="http://schemas.openxmlformats.org/presentationml/2006/main">
   <p:cSld>
     <p:spTree>
@@ -7822,7 +8897,7 @@
         <p:spPr>
           <a:xfrm>
             <a:off x="369804" y="3043024"/>
-            <a:ext cx="6441821" cy="1077218"/>
+            <a:ext cx="7729167" cy="1077218"/>
           </a:xfrm>
           <a:prstGeom prst="rect">
             <a:avLst/>
@@ -7851,7 +8926,15 @@
             </a:pPr>
             <a:r>
               <a:rPr lang="en-US" sz="1600" dirty="0"/>
-              <a:t>Sorts assets based on theirs scores:</a:t>
+              <a:t>Sorts assets based on their</a:t>
+            </a:r>
+            <a:r>
+              <a:rPr lang="pl-PL" sz="1600" dirty="0"/>
+              <a:t>’</a:t>
+            </a:r>
+            <a:r>
+              <a:rPr lang="en-US" sz="1600" dirty="0"/>
+              <a:t>s scores:</a:t>
             </a:r>
           </a:p>
           <a:p>
@@ -7861,7 +8944,7 @@
             </a:pPr>
             <a:r>
               <a:rPr lang="en-US" sz="1600" dirty="0"/>
-              <a:t>Load as many assets as much memory is available going from highest score down (and unloading going from lowest score up).</a:t>
+              <a:t>Load as many assets as much memory is available going from the highest score down (and unloading going from lowest score up).</a:t>
             </a:r>
           </a:p>
         </p:txBody>
@@ -7879,7 +8962,7 @@
 </p:sld>
 </file>
 
-<file path=ppt/slides/slide5.xml><?xml version="1.0" encoding="utf-8"?>
+<file path=ppt/slides/slide6.xml><?xml version="1.0" encoding="utf-8"?>
 <p:sld xmlns:a="http://schemas.openxmlformats.org/drawingml/2006/main" xmlns:r="http://schemas.openxmlformats.org/officeDocument/2006/relationships" xmlns:p="http://schemas.openxmlformats.org/presentationml/2006/main">
   <p:cSld>
     <p:spTree>
@@ -9585,7 +10668,7 @@
 </p:sld>
 </file>
 
-<file path=ppt/slides/slide6.xml><?xml version="1.0" encoding="utf-8"?>
+<file path=ppt/slides/slide7.xml><?xml version="1.0" encoding="utf-8"?>
 <p:sld xmlns:a="http://schemas.openxmlformats.org/drawingml/2006/main" xmlns:r="http://schemas.openxmlformats.org/officeDocument/2006/relationships" xmlns:p="http://schemas.openxmlformats.org/presentationml/2006/main">
   <p:cSld>
     <p:spTree>
@@ -11979,7 +13062,7 @@
 </p:sld>
 </file>
 
-<file path=ppt/slides/slide7.xml><?xml version="1.0" encoding="utf-8"?>
+<file path=ppt/slides/slide8.xml><?xml version="1.0" encoding="utf-8"?>
 <p:sld xmlns:a="http://schemas.openxmlformats.org/drawingml/2006/main" xmlns:r="http://schemas.openxmlformats.org/officeDocument/2006/relationships" xmlns:p="http://schemas.openxmlformats.org/presentationml/2006/main">
   <p:cSld>
     <p:spTree>
@@ -12004,10 +13087,10 @@
       </p:grpSpPr>
       <p:pic>
         <p:nvPicPr>
-          <p:cNvPr id="5" name="Obraz 4">
-            <a:extLst>
-              <a:ext uri="{FF2B5EF4-FFF2-40B4-BE49-F238E27FC236}">
-                <a16:creationId xmlns:a16="http://schemas.microsoft.com/office/drawing/2014/main" id="{2D34841B-C04C-FFF1-87C8-72881EFBEEFE}"/>
+          <p:cNvPr id="7" name="Obraz 6">
+            <a:extLst>
+              <a:ext uri="{FF2B5EF4-FFF2-40B4-BE49-F238E27FC236}">
+                <a16:creationId xmlns:a16="http://schemas.microsoft.com/office/drawing/2014/main" id="{4ABE271D-3EB0-8847-23AF-B19809082E5F}"/>
               </a:ext>
             </a:extLst>
           </p:cNvPr>
@@ -12024,8 +13107,8 @@
         </p:blipFill>
         <p:spPr>
           <a:xfrm>
-            <a:off x="2270799" y="1255893"/>
-            <a:ext cx="8371801" cy="2603914"/>
+            <a:off x="5124577" y="996984"/>
+            <a:ext cx="6868239" cy="1887292"/>
           </a:xfrm>
           <a:prstGeom prst="rect">
             <a:avLst/>
@@ -12087,715 +13170,36 @@
           </a:p>
         </p:txBody>
       </p:sp>
-      <p:sp>
-        <p:nvSpPr>
-          <p:cNvPr id="2" name="Prostokąt: zaokrąglone rogi 1">
-            <a:extLst>
-              <a:ext uri="{FF2B5EF4-FFF2-40B4-BE49-F238E27FC236}">
-                <a16:creationId xmlns:a16="http://schemas.microsoft.com/office/drawing/2014/main" id="{BA87AED6-D731-709A-98FC-6434E9FF1E83}"/>
-              </a:ext>
-            </a:extLst>
-          </p:cNvPr>
-          <p:cNvSpPr/>
-          <p:nvPr/>
-        </p:nvSpPr>
-        <p:spPr>
-          <a:xfrm>
-            <a:off x="479842" y="2101330"/>
-            <a:ext cx="1435749" cy="1219199"/>
-          </a:xfrm>
-          <a:prstGeom prst="roundRect">
-            <a:avLst/>
-          </a:prstGeom>
-        </p:spPr>
-        <p:style>
-          <a:lnRef idx="1">
-            <a:schemeClr val="accent6"/>
-          </a:lnRef>
-          <a:fillRef idx="2">
-            <a:schemeClr val="accent6"/>
-          </a:fillRef>
-          <a:effectRef idx="1">
-            <a:schemeClr val="accent6"/>
-          </a:effectRef>
-          <a:fontRef idx="minor">
-            <a:schemeClr val="dk1"/>
-          </a:fontRef>
-        </p:style>
-        <p:txBody>
-          <a:bodyPr rtlCol="0" anchor="ctr"/>
-          <a:lstStyle/>
-          <a:p>
-            <a:pPr algn="ctr"/>
-            <a:r>
-              <a:rPr lang="en-US" sz="1200" dirty="0"/>
-              <a:t>Dedicated scope to destroy </a:t>
-            </a:r>
-            <a:r>
-              <a:rPr lang="en-US" sz="1200" dirty="0" err="1"/>
-              <a:t>shader_observer</a:t>
-            </a:r>
-            <a:r>
-              <a:rPr lang="en-US" sz="1200" dirty="0"/>
-              <a:t> and release locks when its no longer needed</a:t>
-            </a:r>
-          </a:p>
-        </p:txBody>
-      </p:sp>
-      <p:sp>
-        <p:nvSpPr>
-          <p:cNvPr id="6" name="Nawias klamrowy otwierający 5">
-            <a:extLst>
-              <a:ext uri="{FF2B5EF4-FFF2-40B4-BE49-F238E27FC236}">
-                <a16:creationId xmlns:a16="http://schemas.microsoft.com/office/drawing/2014/main" id="{0AFAEBB2-30B9-7ACD-4FC9-03F35C22FCF5}"/>
-              </a:ext>
-            </a:extLst>
-          </p:cNvPr>
-          <p:cNvSpPr/>
-          <p:nvPr/>
-        </p:nvSpPr>
-        <p:spPr>
-          <a:xfrm>
-            <a:off x="1970184" y="2133080"/>
-            <a:ext cx="367004" cy="1219200"/>
-          </a:xfrm>
-          <a:prstGeom prst="leftBrace">
-            <a:avLst>
-              <a:gd name="adj1" fmla="val 55149"/>
-              <a:gd name="adj2" fmla="val 50000"/>
-            </a:avLst>
-          </a:prstGeom>
-          <a:ln w="38100">
-            <a:solidFill>
-              <a:schemeClr val="accent6"/>
-            </a:solidFill>
-          </a:ln>
-        </p:spPr>
-        <p:style>
-          <a:lnRef idx="3">
-            <a:schemeClr val="dk1"/>
-          </a:lnRef>
-          <a:fillRef idx="0">
-            <a:schemeClr val="dk1"/>
-          </a:fillRef>
-          <a:effectRef idx="2">
-            <a:schemeClr val="dk1"/>
-          </a:effectRef>
-          <a:fontRef idx="minor">
-            <a:schemeClr val="tx1"/>
-          </a:fontRef>
-        </p:style>
-        <p:txBody>
-          <a:bodyPr rtlCol="0" anchor="ctr"/>
-          <a:lstStyle/>
-          <a:p>
-            <a:pPr algn="ctr"/>
-            <a:endParaRPr lang="en-US" dirty="0"/>
-          </a:p>
-        </p:txBody>
-      </p:sp>
-      <p:cxnSp>
-        <p:nvCxnSpPr>
-          <p:cNvPr id="10" name="Łącznik prosty 9">
-            <a:extLst>
-              <a:ext uri="{FF2B5EF4-FFF2-40B4-BE49-F238E27FC236}">
-                <a16:creationId xmlns:a16="http://schemas.microsoft.com/office/drawing/2014/main" id="{ED9AAB46-268A-BE8A-E15E-AD0AD03C9FB9}"/>
-              </a:ext>
-            </a:extLst>
-          </p:cNvPr>
-          <p:cNvCxnSpPr/>
-          <p:nvPr/>
-        </p:nvCxnSpPr>
-        <p:spPr>
-          <a:xfrm>
-            <a:off x="6131773" y="2101330"/>
-            <a:ext cx="734009" cy="0"/>
-          </a:xfrm>
-          <a:prstGeom prst="line">
-            <a:avLst/>
-          </a:prstGeom>
-          <a:ln w="28575">
-            <a:solidFill>
-              <a:srgbClr val="FFFF00"/>
-            </a:solidFill>
-          </a:ln>
-        </p:spPr>
-        <p:style>
-          <a:lnRef idx="3">
-            <a:schemeClr val="accent1"/>
-          </a:lnRef>
-          <a:fillRef idx="0">
-            <a:schemeClr val="accent1"/>
-          </a:fillRef>
-          <a:effectRef idx="2">
-            <a:schemeClr val="accent1"/>
-          </a:effectRef>
-          <a:fontRef idx="minor">
-            <a:schemeClr val="tx1"/>
-          </a:fontRef>
-        </p:style>
-      </p:cxnSp>
-      <p:cxnSp>
-        <p:nvCxnSpPr>
-          <p:cNvPr id="11" name="Łącznik prosty 10">
-            <a:extLst>
-              <a:ext uri="{FF2B5EF4-FFF2-40B4-BE49-F238E27FC236}">
-                <a16:creationId xmlns:a16="http://schemas.microsoft.com/office/drawing/2014/main" id="{E406229B-3FAC-D5D7-D50B-4D416FD22920}"/>
-              </a:ext>
-            </a:extLst>
-          </p:cNvPr>
-          <p:cNvCxnSpPr>
-            <a:cxnSpLocks/>
-          </p:cNvCxnSpPr>
-          <p:nvPr/>
-        </p:nvCxnSpPr>
-        <p:spPr>
-          <a:xfrm flipV="1">
-            <a:off x="7112000" y="3747092"/>
-            <a:ext cx="650655" cy="1480"/>
-          </a:xfrm>
-          <a:prstGeom prst="line">
-            <a:avLst/>
-          </a:prstGeom>
-          <a:ln w="38100">
-            <a:solidFill>
-              <a:srgbClr val="FFFF00"/>
-            </a:solidFill>
-          </a:ln>
-        </p:spPr>
-        <p:style>
-          <a:lnRef idx="3">
-            <a:schemeClr val="accent1"/>
-          </a:lnRef>
-          <a:fillRef idx="0">
-            <a:schemeClr val="accent1"/>
-          </a:fillRef>
-          <a:effectRef idx="2">
-            <a:schemeClr val="accent1"/>
-          </a:effectRef>
-          <a:fontRef idx="minor">
-            <a:schemeClr val="tx1"/>
-          </a:fontRef>
-        </p:style>
-      </p:cxnSp>
-      <p:sp>
-        <p:nvSpPr>
-          <p:cNvPr id="63" name="Prostokąt: zaokrąglone rogi 62">
-            <a:extLst>
-              <a:ext uri="{FF2B5EF4-FFF2-40B4-BE49-F238E27FC236}">
-                <a16:creationId xmlns:a16="http://schemas.microsoft.com/office/drawing/2014/main" id="{C7B617CD-A88D-6BD5-612E-D345F53B601E}"/>
-              </a:ext>
-            </a:extLst>
-          </p:cNvPr>
-          <p:cNvSpPr/>
-          <p:nvPr/>
-        </p:nvSpPr>
-        <p:spPr>
-          <a:xfrm>
-            <a:off x="7803372" y="4297645"/>
-            <a:ext cx="3645156" cy="666621"/>
-          </a:xfrm>
-          <a:prstGeom prst="roundRect">
-            <a:avLst/>
-          </a:prstGeom>
-        </p:spPr>
-        <p:style>
-          <a:lnRef idx="1">
-            <a:schemeClr val="accent4"/>
-          </a:lnRef>
-          <a:fillRef idx="2">
-            <a:schemeClr val="accent4"/>
-          </a:fillRef>
-          <a:effectRef idx="1">
-            <a:schemeClr val="accent4"/>
-          </a:effectRef>
-          <a:fontRef idx="minor">
-            <a:schemeClr val="dk1"/>
-          </a:fontRef>
-        </p:style>
-        <p:txBody>
-          <a:bodyPr rtlCol="0" anchor="ctr"/>
-          <a:lstStyle/>
-          <a:p>
-            <a:pPr algn="ctr"/>
-            <a:r>
-              <a:rPr lang="en-US" sz="1200" dirty="0"/>
-              <a:t>Use() and Observe() are chainable for convenience.</a:t>
-            </a:r>
-          </a:p>
-          <a:p>
-            <a:pPr algn="ctr"/>
-            <a:r>
-              <a:rPr lang="en-US" sz="1200" dirty="0"/>
-              <a:t>Synchronization is inline (beware of the cost!).</a:t>
-            </a:r>
-          </a:p>
-        </p:txBody>
-      </p:sp>
-      <p:cxnSp>
-        <p:nvCxnSpPr>
-          <p:cNvPr id="71" name="Łącznik prosty 70">
-            <a:extLst>
-              <a:ext uri="{FF2B5EF4-FFF2-40B4-BE49-F238E27FC236}">
-                <a16:creationId xmlns:a16="http://schemas.microsoft.com/office/drawing/2014/main" id="{1E441B41-D2FE-82B9-A6A5-74E3B2B9FBC7}"/>
-              </a:ext>
-            </a:extLst>
-          </p:cNvPr>
-          <p:cNvCxnSpPr>
-            <a:cxnSpLocks/>
-          </p:cNvCxnSpPr>
-          <p:nvPr/>
-        </p:nvCxnSpPr>
-        <p:spPr>
-          <a:xfrm flipV="1">
-            <a:off x="4358824" y="2443024"/>
-            <a:ext cx="3779030" cy="10241"/>
-          </a:xfrm>
-          <a:prstGeom prst="line">
-            <a:avLst/>
-          </a:prstGeom>
-          <a:ln w="28575">
-            <a:solidFill>
-              <a:srgbClr val="FF0000"/>
-            </a:solidFill>
-          </a:ln>
-        </p:spPr>
-        <p:style>
-          <a:lnRef idx="3">
-            <a:schemeClr val="accent1"/>
-          </a:lnRef>
-          <a:fillRef idx="0">
-            <a:schemeClr val="accent1"/>
-          </a:fillRef>
-          <a:effectRef idx="2">
-            <a:schemeClr val="accent1"/>
-          </a:effectRef>
-          <a:fontRef idx="minor">
-            <a:schemeClr val="tx1"/>
-          </a:fontRef>
-        </p:style>
-      </p:cxnSp>
-      <p:sp>
-        <p:nvSpPr>
-          <p:cNvPr id="81" name="Prostokąt: zaokrąglone rogi 80">
-            <a:extLst>
-              <a:ext uri="{FF2B5EF4-FFF2-40B4-BE49-F238E27FC236}">
-                <a16:creationId xmlns:a16="http://schemas.microsoft.com/office/drawing/2014/main" id="{247C19A0-D2AE-C068-79EF-8EFAF8DC93C6}"/>
-              </a:ext>
-            </a:extLst>
-          </p:cNvPr>
-          <p:cNvSpPr/>
-          <p:nvPr/>
-        </p:nvSpPr>
-        <p:spPr>
-          <a:xfrm>
-            <a:off x="1238085" y="4434874"/>
-            <a:ext cx="4086802" cy="1058784"/>
-          </a:xfrm>
-          <a:prstGeom prst="roundRect">
-            <a:avLst/>
-          </a:prstGeom>
-        </p:spPr>
-        <p:style>
-          <a:lnRef idx="1">
-            <a:schemeClr val="accent2"/>
-          </a:lnRef>
-          <a:fillRef idx="2">
-            <a:schemeClr val="accent2"/>
-          </a:fillRef>
-          <a:effectRef idx="1">
-            <a:schemeClr val="accent2"/>
-          </a:effectRef>
-          <a:fontRef idx="minor">
-            <a:schemeClr val="dk1"/>
-          </a:fontRef>
-        </p:style>
-        <p:txBody>
-          <a:bodyPr rtlCol="0" anchor="ctr"/>
-          <a:lstStyle/>
-          <a:p>
-            <a:pPr algn="ctr"/>
-            <a:r>
-              <a:rPr lang="en-US" sz="1200" dirty="0" err="1"/>
-              <a:t>AssetHandle</a:t>
-            </a:r>
-            <a:r>
-              <a:rPr lang="en-US" sz="1200" dirty="0"/>
-              <a:t> is constructible on the fly.</a:t>
-            </a:r>
-          </a:p>
-          <a:p>
-            <a:pPr algn="ctr"/>
-            <a:endParaRPr lang="en-US" sz="1200" dirty="0"/>
-          </a:p>
-          <a:p>
-            <a:pPr algn="ctr"/>
-            <a:r>
-              <a:rPr lang="en-US" sz="1200" dirty="0" err="1"/>
-              <a:t>AssetHandles</a:t>
-            </a:r>
-            <a:r>
-              <a:rPr lang="en-US" sz="1200" dirty="0"/>
-              <a:t> with </a:t>
-            </a:r>
-            <a:r>
-              <a:rPr lang="en-US" sz="1200" dirty="0" err="1"/>
-              <a:t>AssetLoadingPriority</a:t>
-            </a:r>
-            <a:r>
-              <a:rPr lang="en-US" sz="1200" dirty="0"/>
-              <a:t>::None are not globally counted – no hidden cost.</a:t>
-            </a:r>
-          </a:p>
-        </p:txBody>
-      </p:sp>
-      <p:sp>
-        <p:nvSpPr>
-          <p:cNvPr id="94" name="Łuk 93">
-            <a:extLst>
-              <a:ext uri="{FF2B5EF4-FFF2-40B4-BE49-F238E27FC236}">
-                <a16:creationId xmlns:a16="http://schemas.microsoft.com/office/drawing/2014/main" id="{A4E96E68-DB85-581D-84BA-BFE55E13D1FC}"/>
-              </a:ext>
-            </a:extLst>
-          </p:cNvPr>
-          <p:cNvSpPr/>
-          <p:nvPr/>
-        </p:nvSpPr>
-        <p:spPr>
-          <a:xfrm flipH="1">
-            <a:off x="2133267" y="2448144"/>
-            <a:ext cx="4451114" cy="3957526"/>
-          </a:xfrm>
-          <a:prstGeom prst="arc">
-            <a:avLst/>
-          </a:prstGeom>
-          <a:ln w="28575">
-            <a:solidFill>
-              <a:srgbClr val="FF0000"/>
-            </a:solidFill>
-            <a:headEnd type="none" w="med" len="med"/>
-            <a:tailEnd type="triangle" w="med" len="med"/>
-          </a:ln>
-        </p:spPr>
-        <p:style>
-          <a:lnRef idx="1">
-            <a:schemeClr val="accent1"/>
-          </a:lnRef>
-          <a:fillRef idx="0">
-            <a:schemeClr val="accent1"/>
-          </a:fillRef>
-          <a:effectRef idx="0">
-            <a:schemeClr val="accent1"/>
-          </a:effectRef>
-          <a:fontRef idx="minor">
-            <a:schemeClr val="tx1"/>
-          </a:fontRef>
-        </p:style>
-        <p:txBody>
-          <a:bodyPr rtlCol="0" anchor="ctr"/>
-          <a:lstStyle/>
-          <a:p>
-            <a:pPr algn="ctr"/>
-            <a:endParaRPr lang="en-US"/>
-          </a:p>
-        </p:txBody>
-      </p:sp>
-      <p:cxnSp>
-        <p:nvCxnSpPr>
-          <p:cNvPr id="14" name="Łącznik prosty 13">
-            <a:extLst>
-              <a:ext uri="{FF2B5EF4-FFF2-40B4-BE49-F238E27FC236}">
-                <a16:creationId xmlns:a16="http://schemas.microsoft.com/office/drawing/2014/main" id="{650A180E-92C1-8DFE-E570-0D3884EF6749}"/>
-              </a:ext>
-            </a:extLst>
-          </p:cNvPr>
-          <p:cNvCxnSpPr>
-            <a:cxnSpLocks/>
-          </p:cNvCxnSpPr>
-          <p:nvPr/>
-        </p:nvCxnSpPr>
-        <p:spPr>
-          <a:xfrm>
-            <a:off x="4214548" y="1946173"/>
-            <a:ext cx="5272352" cy="0"/>
-          </a:xfrm>
-          <a:prstGeom prst="line">
-            <a:avLst/>
-          </a:prstGeom>
-          <a:ln w="28575">
-            <a:solidFill>
-              <a:srgbClr val="FF0000"/>
-            </a:solidFill>
-          </a:ln>
-        </p:spPr>
-        <p:style>
-          <a:lnRef idx="3">
-            <a:schemeClr val="accent1"/>
-          </a:lnRef>
-          <a:fillRef idx="0">
-            <a:schemeClr val="accent1"/>
-          </a:fillRef>
-          <a:effectRef idx="2">
-            <a:schemeClr val="accent1"/>
-          </a:effectRef>
-          <a:fontRef idx="minor">
-            <a:schemeClr val="tx1"/>
-          </a:fontRef>
-        </p:style>
-      </p:cxnSp>
-      <p:sp>
-        <p:nvSpPr>
-          <p:cNvPr id="22" name="Łuk 21">
-            <a:extLst>
-              <a:ext uri="{FF2B5EF4-FFF2-40B4-BE49-F238E27FC236}">
-                <a16:creationId xmlns:a16="http://schemas.microsoft.com/office/drawing/2014/main" id="{AD27090E-36E8-26A3-3128-8420F7C6807A}"/>
-              </a:ext>
-            </a:extLst>
-          </p:cNvPr>
-          <p:cNvSpPr/>
-          <p:nvPr/>
-        </p:nvSpPr>
-        <p:spPr>
-          <a:xfrm rot="5400000" flipH="1" flipV="1">
-            <a:off x="4590577" y="1466807"/>
-            <a:ext cx="4412787" cy="5681834"/>
-          </a:xfrm>
-          <a:prstGeom prst="arc">
-            <a:avLst>
-              <a:gd name="adj1" fmla="val 87858"/>
-              <a:gd name="adj2" fmla="val 5365406"/>
-            </a:avLst>
-          </a:prstGeom>
-          <a:ln w="28575">
-            <a:solidFill>
-              <a:srgbClr val="FFFF00"/>
-            </a:solidFill>
-            <a:headEnd type="none" w="med" len="med"/>
-            <a:tailEnd type="triangle" w="med" len="med"/>
-          </a:ln>
-        </p:spPr>
-        <p:style>
-          <a:lnRef idx="1">
-            <a:schemeClr val="accent1"/>
-          </a:lnRef>
-          <a:fillRef idx="0">
-            <a:schemeClr val="accent1"/>
-          </a:fillRef>
-          <a:effectRef idx="0">
-            <a:schemeClr val="accent1"/>
-          </a:effectRef>
-          <a:fontRef idx="minor">
-            <a:schemeClr val="tx1"/>
-          </a:fontRef>
-        </p:style>
-        <p:txBody>
-          <a:bodyPr rtlCol="0" anchor="ctr"/>
-          <a:lstStyle/>
-          <a:p>
-            <a:pPr algn="ctr"/>
-            <a:endParaRPr lang="en-US"/>
-          </a:p>
-        </p:txBody>
-      </p:sp>
-      <p:sp>
-        <p:nvSpPr>
-          <p:cNvPr id="26" name="Łuk 25">
-            <a:extLst>
-              <a:ext uri="{FF2B5EF4-FFF2-40B4-BE49-F238E27FC236}">
-                <a16:creationId xmlns:a16="http://schemas.microsoft.com/office/drawing/2014/main" id="{FB6D6F38-CC39-19D6-79BD-D8E177A58D93}"/>
-              </a:ext>
-            </a:extLst>
-          </p:cNvPr>
-          <p:cNvSpPr/>
-          <p:nvPr/>
-        </p:nvSpPr>
-        <p:spPr>
-          <a:xfrm flipH="1">
-            <a:off x="2130534" y="1946173"/>
-            <a:ext cx="4155966" cy="4960461"/>
-          </a:xfrm>
-          <a:prstGeom prst="arc">
-            <a:avLst/>
-          </a:prstGeom>
-          <a:ln w="28575">
-            <a:solidFill>
-              <a:srgbClr val="FF0000"/>
-            </a:solidFill>
-            <a:headEnd type="none" w="med" len="med"/>
-            <a:tailEnd type="triangle" w="med" len="med"/>
-          </a:ln>
-        </p:spPr>
-        <p:style>
-          <a:lnRef idx="1">
-            <a:schemeClr val="accent1"/>
-          </a:lnRef>
-          <a:fillRef idx="0">
-            <a:schemeClr val="accent1"/>
-          </a:fillRef>
-          <a:effectRef idx="0">
-            <a:schemeClr val="accent1"/>
-          </a:effectRef>
-          <a:fontRef idx="minor">
-            <a:schemeClr val="tx1"/>
-          </a:fontRef>
-        </p:style>
-        <p:txBody>
-          <a:bodyPr rtlCol="0" anchor="ctr"/>
-          <a:lstStyle/>
-          <a:p>
-            <a:pPr algn="ctr"/>
-            <a:endParaRPr lang="en-US"/>
-          </a:p>
-        </p:txBody>
-      </p:sp>
-      <p:sp>
-        <p:nvSpPr>
-          <p:cNvPr id="28" name="Łuk 27">
-            <a:extLst>
-              <a:ext uri="{FF2B5EF4-FFF2-40B4-BE49-F238E27FC236}">
-                <a16:creationId xmlns:a16="http://schemas.microsoft.com/office/drawing/2014/main" id="{7AE2D700-25D6-7916-5ED2-1ABDBBBDD08E}"/>
-              </a:ext>
-            </a:extLst>
-          </p:cNvPr>
-          <p:cNvSpPr/>
-          <p:nvPr/>
-        </p:nvSpPr>
-        <p:spPr>
-          <a:xfrm rot="5400000" flipH="1" flipV="1">
-            <a:off x="7150852" y="2374740"/>
-            <a:ext cx="1115577" cy="3847582"/>
-          </a:xfrm>
-          <a:prstGeom prst="arc">
-            <a:avLst>
-              <a:gd name="adj1" fmla="val 87858"/>
-              <a:gd name="adj2" fmla="val 5365406"/>
-            </a:avLst>
-          </a:prstGeom>
-          <a:ln w="28575">
-            <a:solidFill>
-              <a:srgbClr val="FFFF00"/>
-            </a:solidFill>
-            <a:headEnd type="none" w="med" len="med"/>
-            <a:tailEnd type="triangle" w="med" len="med"/>
-          </a:ln>
-        </p:spPr>
-        <p:style>
-          <a:lnRef idx="1">
-            <a:schemeClr val="accent1"/>
-          </a:lnRef>
-          <a:fillRef idx="0">
-            <a:schemeClr val="accent1"/>
-          </a:fillRef>
-          <a:effectRef idx="0">
-            <a:schemeClr val="accent1"/>
-          </a:effectRef>
-          <a:fontRef idx="minor">
-            <a:schemeClr val="tx1"/>
-          </a:fontRef>
-        </p:style>
-        <p:txBody>
-          <a:bodyPr rtlCol="0" anchor="ctr"/>
-          <a:lstStyle/>
-          <a:p>
-            <a:pPr algn="ctr"/>
-            <a:endParaRPr lang="en-US"/>
-          </a:p>
-        </p:txBody>
-      </p:sp>
-      <p:cxnSp>
-        <p:nvCxnSpPr>
-          <p:cNvPr id="29" name="Łącznik prosty 28">
-            <a:extLst>
-              <a:ext uri="{FF2B5EF4-FFF2-40B4-BE49-F238E27FC236}">
-                <a16:creationId xmlns:a16="http://schemas.microsoft.com/office/drawing/2014/main" id="{0E1BAE77-2E62-635A-960E-D8CE45C93A4E}"/>
-              </a:ext>
-            </a:extLst>
-          </p:cNvPr>
-          <p:cNvCxnSpPr>
-            <a:cxnSpLocks/>
-          </p:cNvCxnSpPr>
-          <p:nvPr/>
-        </p:nvCxnSpPr>
-        <p:spPr>
-          <a:xfrm>
-            <a:off x="2418572" y="3743303"/>
-            <a:ext cx="4625771" cy="3789"/>
-          </a:xfrm>
-          <a:prstGeom prst="line">
-            <a:avLst/>
-          </a:prstGeom>
-          <a:ln w="28575">
-            <a:solidFill>
-              <a:srgbClr val="FF0000"/>
-            </a:solidFill>
-          </a:ln>
-        </p:spPr>
-        <p:style>
-          <a:lnRef idx="3">
-            <a:schemeClr val="accent1"/>
-          </a:lnRef>
-          <a:fillRef idx="0">
-            <a:schemeClr val="accent1"/>
-          </a:fillRef>
-          <a:effectRef idx="2">
-            <a:schemeClr val="accent1"/>
-          </a:effectRef>
-          <a:fontRef idx="minor">
-            <a:schemeClr val="tx1"/>
-          </a:fontRef>
-        </p:style>
-      </p:cxnSp>
-      <p:sp>
-        <p:nvSpPr>
-          <p:cNvPr id="32" name="Łuk 31">
-            <a:extLst>
-              <a:ext uri="{FF2B5EF4-FFF2-40B4-BE49-F238E27FC236}">
-                <a16:creationId xmlns:a16="http://schemas.microsoft.com/office/drawing/2014/main" id="{7E163559-6A1C-20D6-277D-4F74766241EA}"/>
-              </a:ext>
-            </a:extLst>
-          </p:cNvPr>
-          <p:cNvSpPr/>
-          <p:nvPr/>
-        </p:nvSpPr>
-        <p:spPr>
-          <a:xfrm flipH="1">
-            <a:off x="2127810" y="3738946"/>
-            <a:ext cx="603531" cy="1391854"/>
-          </a:xfrm>
-          <a:prstGeom prst="arc">
-            <a:avLst/>
-          </a:prstGeom>
-          <a:ln w="28575">
-            <a:solidFill>
-              <a:srgbClr val="FF0000"/>
-            </a:solidFill>
-            <a:headEnd type="none" w="med" len="med"/>
-            <a:tailEnd type="triangle" w="med" len="med"/>
-          </a:ln>
-        </p:spPr>
-        <p:style>
-          <a:lnRef idx="1">
-            <a:schemeClr val="accent1"/>
-          </a:lnRef>
-          <a:fillRef idx="0">
-            <a:schemeClr val="accent1"/>
-          </a:fillRef>
-          <a:effectRef idx="0">
-            <a:schemeClr val="accent1"/>
-          </a:effectRef>
-          <a:fontRef idx="minor">
-            <a:schemeClr val="tx1"/>
-          </a:fontRef>
-        </p:style>
-        <p:txBody>
-          <a:bodyPr rtlCol="0" anchor="ctr"/>
-          <a:lstStyle/>
-          <a:p>
-            <a:pPr algn="ctr"/>
-            <a:endParaRPr lang="en-US"/>
-          </a:p>
-        </p:txBody>
-      </p:sp>
+      <p:pic>
+        <p:nvPicPr>
+          <p:cNvPr id="9" name="Obraz 8">
+            <a:extLst>
+              <a:ext uri="{FF2B5EF4-FFF2-40B4-BE49-F238E27FC236}">
+                <a16:creationId xmlns:a16="http://schemas.microsoft.com/office/drawing/2014/main" id="{FB88DCAA-9953-7025-1033-F2A6890943F1}"/>
+              </a:ext>
+            </a:extLst>
+          </p:cNvPr>
+          <p:cNvPicPr>
+            <a:picLocks noChangeAspect="1"/>
+          </p:cNvPicPr>
+          <p:nvPr/>
+        </p:nvPicPr>
+        <p:blipFill>
+          <a:blip r:embed="rId3"/>
+          <a:stretch>
+            <a:fillRect/>
+          </a:stretch>
+        </p:blipFill>
+        <p:spPr>
+          <a:xfrm>
+            <a:off x="199184" y="996984"/>
+            <a:ext cx="4746041" cy="3763008"/>
+          </a:xfrm>
+          <a:prstGeom prst="rect">
+            <a:avLst/>
+          </a:prstGeom>
+        </p:spPr>
+      </p:pic>
     </p:spTree>
     <p:extLst>
       <p:ext uri="{BB962C8B-B14F-4D97-AF65-F5344CB8AC3E}">
